--- a/Assets/Class/Instantiate & Destroy/PPT Data/Instatiate and Destroy Example.pptx
+++ b/Assets/Class/Instantiate & Destroy/PPT Data/Instatiate and Destroy Example.pptx
@@ -2,23 +2,23 @@
 <file path=ppt/presentation.xml><?xml version="1.0" encoding="utf-8"?>
 <p:presentation xmlns:a="http://schemas.openxmlformats.org/drawingml/2006/main" xmlns:r="http://schemas.openxmlformats.org/officeDocument/2006/relationships" xmlns:p="http://schemas.openxmlformats.org/presentationml/2006/main" xmlns:p14="http://schemas.microsoft.com/office/powerpoint/2010/main" saveSubsetFonts="1" firstSlideNum="0">
   <p:sldMasterIdLst>
-    <p:sldMasterId id="2147485747" r:id="rId12"/>
+    <p:sldMasterId id="2147485770" r:id="rId12"/>
   </p:sldMasterIdLst>
   <p:notesMasterIdLst>
     <p:notesMasterId r:id="rId14"/>
   </p:notesMasterIdLst>
   <p:sldIdLst>
     <p:sldId id="293" r:id="rId16"/>
-    <p:sldId id="294" r:id="rId18"/>
-    <p:sldId id="295" r:id="rId20"/>
-    <p:sldId id="288" r:id="rId22"/>
-    <p:sldId id="296" r:id="rId24"/>
-    <p:sldId id="289" r:id="rId26"/>
-    <p:sldId id="297" r:id="rId28"/>
-    <p:sldId id="298" r:id="rId30"/>
-    <p:sldId id="299" r:id="rId32"/>
-    <p:sldId id="300" r:id="rId34"/>
-    <p:sldId id="287" r:id="rId36"/>
+    <p:sldId id="294" r:id="rId17"/>
+    <p:sldId id="295" r:id="rId18"/>
+    <p:sldId id="288" r:id="rId19"/>
+    <p:sldId id="296" r:id="rId20"/>
+    <p:sldId id="289" r:id="rId21"/>
+    <p:sldId id="297" r:id="rId22"/>
+    <p:sldId id="298" r:id="rId23"/>
+    <p:sldId id="299" r:id="rId24"/>
+    <p:sldId id="300" r:id="rId25"/>
+    <p:sldId id="287" r:id="rId27"/>
   </p:sldIdLst>
   <p:sldSz cx="12192000" cy="6858000"/>
   <p:notesSz cx="6858000" cy="9144000"/>
@@ -7031,153 +7031,6 @@
           </a:p>
         </p:txBody>
       </p:sp>
-      <p:sp>
-        <p:nvSpPr>
-          <p:cNvPr id="1037" name="Rect 0"/>
-          <p:cNvSpPr txBox="1">
-            <a:spLocks/>
-          </p:cNvSpPr>
-          <p:nvPr/>
-        </p:nvSpPr>
-        <p:spPr>
-          <a:xfrm rot="0">
-            <a:off x="6863715" y="4577715"/>
-            <a:ext cx="4442460" cy="1508125"/>
-          </a:xfrm>
-          <a:prstGeom prst="rect"/>
-          <a:noFill/>
-          <a:ln w="0">
-            <a:noFill/>
-            <a:prstDash/>
-          </a:ln>
-        </p:spPr>
-        <p:txBody>
-          <a:bodyPr wrap="square" lIns="89535" tIns="46355" rIns="89535" bIns="46355" numCol="1" vert="horz" anchor="t">
-            <a:spAutoFit/>
-          </a:bodyPr>
-          <a:lstStyle/>
-          <a:p>
-            <a:pPr marL="0" indent="0" algn="l" latinLnBrk="0" hangingPunct="1">
-              <a:buFontTx/>
-              <a:buNone/>
-            </a:pPr>
-            <a:r>
-              <a:rPr sz="2000" b="1">
-                <a:solidFill>
-                  <a:srgbClr val="0611F2"/>
-                </a:solidFill>
-                <a:latin typeface="맑은 고딕" charset="0"/>
-                <a:ea typeface="맑은 고딕" charset="0"/>
-              </a:rPr>
-              <a:t>2</a:t>
-            </a:r>
-            <a:r>
-              <a:rPr sz="2000" b="1">
-                <a:solidFill>
-                  <a:srgbClr val="0611F2"/>
-                </a:solidFill>
-                <a:latin typeface="맑은 고딕" charset="0"/>
-                <a:ea typeface="맑은 고딕" charset="0"/>
-              </a:rPr>
-              <a:t>. </a:t>
-            </a:r>
-            <a:r>
-              <a:rPr lang="ko-KR" sz="1800">
-                <a:latin typeface="맑은 고딕" charset="0"/>
-                <a:ea typeface="맑은 고딕" charset="0"/>
-              </a:rPr>
-              <a:t>그다음</a:t>
-            </a:r>
-            <a:r>
-              <a:rPr lang="ko-KR" sz="1800">
-                <a:latin typeface="맑은 고딕" charset="0"/>
-                <a:ea typeface="맑은 고딕" charset="0"/>
-              </a:rPr>
-              <a:t> </a:t>
-            </a:r>
-            <a:r>
-              <a:rPr lang="ko-KR" sz="1800">
-                <a:latin typeface="맑은 고딕" charset="0"/>
-                <a:ea typeface="맑은 고딕" charset="0"/>
-              </a:rPr>
-              <a:t>Window에서</a:t>
-            </a:r>
-            <a:r>
-              <a:rPr lang="ko-KR" sz="1800">
-                <a:latin typeface="맑은 고딕" charset="0"/>
-                <a:ea typeface="맑은 고딕" charset="0"/>
-              </a:rPr>
-              <a:t> </a:t>
-            </a:r>
-            <a:r>
-              <a:rPr lang="ko-KR" sz="1800">
-                <a:latin typeface="맑은 고딕" charset="0"/>
-                <a:ea typeface="맑은 고딕" charset="0"/>
-              </a:rPr>
-              <a:t>Asset</a:t>
-            </a:r>
-            <a:r>
-              <a:rPr lang="ko-KR" sz="1800">
-                <a:latin typeface="맑은 고딕" charset="0"/>
-                <a:ea typeface="맑은 고딕" charset="0"/>
-              </a:rPr>
-              <a:t> </a:t>
-            </a:r>
-            <a:r>
-              <a:rPr lang="ko-KR" sz="1800">
-                <a:latin typeface="맑은 고딕" charset="0"/>
-                <a:ea typeface="맑은 고딕" charset="0"/>
-              </a:rPr>
-              <a:t>Store를</a:t>
-            </a:r>
-            <a:r>
-              <a:rPr lang="ko-KR" sz="1800">
-                <a:latin typeface="맑은 고딕" charset="0"/>
-                <a:ea typeface="맑은 고딕" charset="0"/>
-              </a:rPr>
-              <a:t> </a:t>
-            </a:r>
-            <a:r>
-              <a:rPr lang="ko-KR" sz="1800">
-                <a:latin typeface="맑은 고딕" charset="0"/>
-                <a:ea typeface="맑은 고딕" charset="0"/>
-              </a:rPr>
-              <a:t>선택합니다. </a:t>
-            </a:r>
-            <a:endParaRPr lang="ko-KR" altLang="en-US" sz="1800">
-              <a:latin typeface="맑은 고딕" charset="0"/>
-              <a:ea typeface="맑은 고딕" charset="0"/>
-            </a:endParaRPr>
-          </a:p>
-          <a:p>
-            <a:pPr marL="0" indent="0" algn="l" latinLnBrk="0" hangingPunct="1">
-              <a:buFontTx/>
-              <a:buNone/>
-            </a:pPr>
-            <a:endParaRPr lang="ko-KR" altLang="en-US" sz="1800">
-              <a:latin typeface="맑은 고딕" charset="0"/>
-              <a:ea typeface="맑은 고딕" charset="0"/>
-            </a:endParaRPr>
-          </a:p>
-          <a:p>
-            <a:pPr marL="0" indent="0" algn="l" latinLnBrk="0" hangingPunct="1">
-              <a:buFontTx/>
-              <a:buNone/>
-            </a:pPr>
-            <a:r>
-              <a:rPr lang="ko-KR" sz="1800">
-                <a:latin typeface="맑은 고딕" charset="0"/>
-                <a:ea typeface="맑은 고딕" charset="0"/>
-              </a:rPr>
-              <a:t>그리고 Asset Store에서 Stones를 검색하고 Stones 에셋을 선택합니다.</a:t>
-            </a:r>
-            <a:endParaRPr lang="ko-KR" altLang="en-US" sz="1800">
-              <a:latin typeface="맑은 고딕" charset="0"/>
-              <a:ea typeface="맑은 고딕" charset="0"/>
-            </a:endParaRPr>
-          </a:p>
-        </p:txBody>
-      </p:sp>
       <p:pic>
         <p:nvPicPr>
           <p:cNvPr id="1042" name="그림 58"/>
@@ -7292,7 +7145,7 @@
       </p:sp>
       <p:pic>
         <p:nvPicPr>
-          <p:cNvPr id="1045" name="그림 65" descr="C:/Users/Admin1/AppData/Roaming/PolarisOffice/ETemp/16684_11126392/fImage28282796334.png"/>
+          <p:cNvPr id="1045" name="그림 65"/>
           <p:cNvPicPr>
             <a:picLocks noChangeAspect="1"/>
           </p:cNvPicPr>
@@ -7358,36 +7211,7 @@
       </p:cxnSp>
       <p:pic>
         <p:nvPicPr>
-          <p:cNvPr id="1048" name="그림 71" descr="C:/Users/Admin1/AppData/Roaming/PolarisOffice/ETemp/16684_11126392/fImage4331572829169.png"/>
-          <p:cNvPicPr>
-            <a:picLocks noChangeAspect="1"/>
-          </p:cNvPicPr>
-          <p:nvPr/>
-        </p:nvPicPr>
-        <p:blipFill rotWithShape="1">
-          <a:blip r:embed="rId6" cstate="hqprint">
-            <a:extLst>
-              <a:ext uri="{28A0092B-C50C-407E-A947-70E740481C1C}">
-                <a14:useLocalDpi xmlns:a14="http://schemas.microsoft.com/office/drawing/2010/main"/>
-              </a:ext>
-            </a:extLst>
-          </a:blip>
-          <a:stretch>
-            <a:fillRect/>
-          </a:stretch>
-        </p:blipFill>
-        <p:spPr>
-          <a:xfrm rot="0">
-            <a:off x="6866890" y="1280160"/>
-            <a:ext cx="4431665" cy="3143885"/>
-          </a:xfrm>
-          <a:prstGeom prst="rect"/>
-          <a:noFill/>
-        </p:spPr>
-      </p:pic>
-      <p:pic>
-        <p:nvPicPr>
-          <p:cNvPr id="1049" name="그림 1" descr="C:/Users/Admin1/AppData/Roaming/PolarisOffice/ETemp/16684_11126392/fImage453129141.png"/>
+          <p:cNvPr id="1049" name="그림 1"/>
           <p:cNvPicPr>
             <a:picLocks noChangeAspect="1"/>
           </p:cNvPicPr>
@@ -7409,6 +7233,187 @@
           <a:xfrm rot="0">
             <a:off x="3769995" y="1278890"/>
             <a:ext cx="1543685" cy="1672590"/>
+          </a:xfrm>
+          <a:prstGeom prst="roundRect"/>
+          <a:solidFill>
+            <a:srgbClr val="EDEDED"/>
+          </a:solidFill>
+        </p:spPr>
+      </p:pic>
+      <p:sp>
+        <p:nvSpPr>
+          <p:cNvPr id="1050" name="텍스트 상자 1"/>
+          <p:cNvSpPr txBox="1">
+            <a:spLocks/>
+          </p:cNvSpPr>
+          <p:nvPr/>
+        </p:nvSpPr>
+        <p:spPr>
+          <a:xfrm rot="0">
+            <a:off x="6817995" y="4297680"/>
+            <a:ext cx="4140835" cy="1784985"/>
+          </a:xfrm>
+          <a:prstGeom prst="rect"/>
+          <a:noFill/>
+          <a:ln w="0">
+            <a:noFill/>
+            <a:prstDash/>
+          </a:ln>
+        </p:spPr>
+        <p:txBody>
+          <a:bodyPr wrap="square" lIns="89535" tIns="46355" rIns="89535" bIns="46355" numCol="1" vert="horz" anchor="t">
+            <a:spAutoFit/>
+          </a:bodyPr>
+          <a:lstStyle/>
+          <a:p>
+            <a:pPr marL="0" indent="0" algn="l" latinLnBrk="0" hangingPunct="1">
+              <a:buFontTx/>
+              <a:buNone/>
+            </a:pPr>
+            <a:r>
+              <a:rPr lang="ko-KR" sz="2000" b="1">
+                <a:solidFill>
+                  <a:srgbClr val="0611F2"/>
+                </a:solidFill>
+                <a:latin typeface="맑은 고딕" charset="0"/>
+                <a:ea typeface="맑은 고딕" charset="0"/>
+              </a:rPr>
+              <a:t>2</a:t>
+            </a:r>
+            <a:r>
+              <a:rPr sz="2000" b="1">
+                <a:solidFill>
+                  <a:srgbClr val="0611F2"/>
+                </a:solidFill>
+                <a:latin typeface="맑은 고딕" charset="0"/>
+                <a:ea typeface="맑은 고딕" charset="0"/>
+              </a:rPr>
+              <a:t>. </a:t>
+            </a:r>
+            <a:r>
+              <a:rPr lang="ko-KR" sz="1800">
+                <a:latin typeface="맑은 고딕" charset="0"/>
+                <a:ea typeface="맑은 고딕" charset="0"/>
+              </a:rPr>
+              <a:t>그다음 버튼을 생성하고 버튼</a:t>
+            </a:r>
+            <a:r>
+              <a:rPr lang="ko-KR" sz="1800">
+                <a:latin typeface="맑은 고딕" charset="0"/>
+                <a:ea typeface="맑은 고딕" charset="0"/>
+              </a:rPr>
+              <a:t>의 </a:t>
+            </a:r>
+            <a:r>
+              <a:rPr lang="ko-KR" sz="1800">
+                <a:latin typeface="맑은 고딕" charset="0"/>
+                <a:ea typeface="맑은 고딕" charset="0"/>
+              </a:rPr>
+              <a:t> 이름을 Generic Create Button으로 변경합니다.</a:t>
+            </a:r>
+            <a:endParaRPr lang="ko-KR" altLang="en-US" sz="1800">
+              <a:latin typeface="맑은 고딕" charset="0"/>
+              <a:ea typeface="맑은 고딕" charset="0"/>
+            </a:endParaRPr>
+          </a:p>
+          <a:p>
+            <a:pPr marL="0" indent="0" algn="l" latinLnBrk="0" hangingPunct="1">
+              <a:buFontTx/>
+              <a:buNone/>
+            </a:pPr>
+            <a:endParaRPr lang="ko-KR" altLang="en-US" sz="1800">
+              <a:latin typeface="맑은 고딕" charset="0"/>
+              <a:ea typeface="맑은 고딕" charset="0"/>
+            </a:endParaRPr>
+          </a:p>
+          <a:p>
+            <a:pPr marL="0" indent="0" algn="l" latinLnBrk="0" hangingPunct="1">
+              <a:buFontTx/>
+              <a:buNone/>
+            </a:pPr>
+            <a:r>
+              <a:rPr lang="ko-KR" sz="1800">
+                <a:latin typeface="맑은 고딕" charset="0"/>
+                <a:ea typeface="맑은 고딕" charset="0"/>
+              </a:rPr>
+              <a:t>그</a:t>
+            </a:r>
+            <a:r>
+              <a:rPr lang="ko-KR" sz="1800">
+                <a:latin typeface="맑은 고딕" charset="0"/>
+                <a:ea typeface="맑은 고딕" charset="0"/>
+              </a:rPr>
+              <a:t>런 다음</a:t>
+            </a:r>
+            <a:r>
+              <a:rPr lang="ko-KR" sz="1800">
+                <a:latin typeface="맑은 고딕" charset="0"/>
+                <a:ea typeface="맑은 고딕" charset="0"/>
+              </a:rPr>
+              <a:t> Generic Create Button의 하위 오브젝트 Text를 선택합니다.</a:t>
+            </a:r>
+            <a:endParaRPr lang="ko-KR" altLang="en-US" sz="1800">
+              <a:latin typeface="맑은 고딕" charset="0"/>
+              <a:ea typeface="맑은 고딕" charset="0"/>
+            </a:endParaRPr>
+          </a:p>
+        </p:txBody>
+      </p:sp>
+      <p:pic>
+        <p:nvPicPr>
+          <p:cNvPr id="1051" name="그림 2" descr="C:/Users/Admin1/AppData/Roaming/PolarisOffice/ETemp/20572_22936136/fImage191383915447.png"/>
+          <p:cNvPicPr>
+            <a:picLocks noChangeAspect="1"/>
+          </p:cNvPicPr>
+          <p:nvPr/>
+        </p:nvPicPr>
+        <p:blipFill rotWithShape="1">
+          <a:blip r:embed="rId9" cstate="hqprint">
+            <a:extLst>
+              <a:ext uri="{28A0092B-C50C-407E-A947-70E740481C1C}">
+                <a14:useLocalDpi xmlns:a14="http://schemas.microsoft.com/office/drawing/2010/main"/>
+              </a:ext>
+            </a:extLst>
+          </a:blip>
+          <a:stretch>
+            <a:fillRect/>
+          </a:stretch>
+        </p:blipFill>
+        <p:spPr>
+          <a:xfrm rot="0">
+            <a:off x="6814820" y="1277620"/>
+            <a:ext cx="2265045" cy="2894965"/>
+          </a:xfrm>
+          <a:prstGeom prst="roundRect"/>
+          <a:solidFill>
+            <a:srgbClr val="EDEDED"/>
+          </a:solidFill>
+        </p:spPr>
+      </p:pic>
+      <p:pic>
+        <p:nvPicPr>
+          <p:cNvPr id="1052" name="그림 3" descr="C:/Users/Admin1/AppData/Roaming/PolarisOffice/ETemp/20572_22936136/fImage51191929169.png"/>
+          <p:cNvPicPr>
+            <a:picLocks noChangeAspect="1"/>
+          </p:cNvPicPr>
+          <p:nvPr/>
+        </p:nvPicPr>
+        <p:blipFill rotWithShape="1">
+          <a:blip r:embed="rId10" cstate="hqprint">
+            <a:extLst>
+              <a:ext uri="{28A0092B-C50C-407E-A947-70E740481C1C}">
+                <a14:useLocalDpi xmlns:a14="http://schemas.microsoft.com/office/drawing/2010/main"/>
+              </a:ext>
+            </a:extLst>
+          </a:blip>
+          <a:stretch>
+            <a:fillRect/>
+          </a:stretch>
+        </p:blipFill>
+        <p:spPr>
+          <a:xfrm rot="0">
+            <a:off x="9326880" y="1770380"/>
+            <a:ext cx="1631315" cy="1922145"/>
           </a:xfrm>
           <a:prstGeom prst="roundRect"/>
           <a:solidFill>
@@ -8042,8 +8047,8 @@
         </p:nvSpPr>
         <p:spPr>
           <a:xfrm rot="0">
-            <a:off x="992505" y="1619885"/>
-            <a:ext cx="4362450" cy="3969385"/>
+            <a:off x="1047750" y="1619885"/>
+            <a:ext cx="4307840" cy="4246245"/>
           </a:xfrm>
           <a:prstGeom prst="rect"/>
           <a:noFill/>
@@ -8067,21 +8072,7 @@
                 <a:latin typeface="맑은 고딕" charset="0"/>
                 <a:ea typeface="맑은 고딕" charset="0"/>
               </a:rPr>
-              <a:t>Destroy( )</a:t>
-            </a:r>
-            <a:r>
-              <a:rPr lang="ko-KR" sz="1800">
-                <a:latin typeface="맑은 고딕" charset="0"/>
-                <a:ea typeface="맑은 고딕" charset="0"/>
-              </a:rPr>
-              <a:t> </a:t>
-            </a:r>
-            <a:r>
-              <a:rPr lang="ko-KR" sz="1800">
-                <a:latin typeface="맑은 고딕" charset="0"/>
-                <a:ea typeface="맑은 고딕" charset="0"/>
-              </a:rPr>
-              <a:t>함수는 게임 오브젝트를 파괴하는 함수입니다.</a:t>
+              <a:t>Destroy( ) 함수는 게임 오브젝트를 파괴하는 함수입니다.</a:t>
             </a:r>
             <a:endParaRPr lang="ko-KR" altLang="en-US" sz="1800">
               <a:latin typeface="맑은 고딕" charset="0"/>
@@ -8135,28 +8126,7 @@
                 <a:latin typeface="맑은 고딕" charset="0"/>
                 <a:ea typeface="맑은 고딕" charset="0"/>
               </a:rPr>
-              <a:t>Destroy( )</a:t>
-            </a:r>
-            <a:r>
-              <a:rPr lang="ko-KR" sz="1800">
-                <a:latin typeface="맑은 고딕" charset="0"/>
-                <a:ea typeface="맑은 고딕" charset="0"/>
-              </a:rPr>
-              <a:t> </a:t>
-            </a:r>
-            <a:r>
-              <a:rPr lang="ko-KR" sz="1800">
-                <a:latin typeface="맑은 고딕" charset="0"/>
-                <a:ea typeface="맑은 고딕" charset="0"/>
-              </a:rPr>
-              <a:t>함수</a:t>
-            </a:r>
-            <a:r>
-              <a:rPr lang="ko-KR" sz="1800">
-                <a:latin typeface="맑은 고딕" charset="0"/>
-                <a:ea typeface="맑은 고딕" charset="0"/>
-              </a:rPr>
-              <a:t>로 게임 오브젝트를 파괴하게 되면 메모리 공간에는 동적으로 할당한 게임 오브젝트의 메모리가 남아있습니다.</a:t>
+              <a:t>게임 오브젝트가 메모리에서 해제되면 Object의 == 연산자 오버로딩으로 인하여 해제된 객체를 확인할 수 있습니다.</a:t>
             </a:r>
             <a:endParaRPr lang="ko-KR" altLang="en-US" sz="1800">
               <a:latin typeface="맑은 고딕" charset="0"/>
@@ -8183,13 +8153,30 @@
                 <a:latin typeface="맑은 고딕" charset="0"/>
                 <a:ea typeface="맑은 고딕" charset="0"/>
               </a:rPr>
-              <a:t>하지만, 특정 시점에서 자동으로 메모리를 관리하는 가비지 컬렉터가 동작하여 메모리를 해제시켜 줍니다.</a:t>
+              <a:t>객체가 메모리에서 해제되었을 때</a:t>
             </a:r>
             <a:endParaRPr lang="ko-KR" altLang="en-US" sz="1800">
               <a:latin typeface="맑은 고딕" charset="0"/>
               <a:ea typeface="맑은 고딕" charset="0"/>
             </a:endParaRPr>
           </a:p>
+          <a:p>
+            <a:pPr marL="0" indent="0" algn="l" latinLnBrk="0" hangingPunct="1">
+              <a:buFontTx/>
+              <a:buNone/>
+            </a:pPr>
+            <a:r>
+              <a:rPr lang="ko-KR" sz="1800">
+                <a:latin typeface="맑은 고딕" charset="0"/>
+                <a:ea typeface="맑은 고딕" charset="0"/>
+              </a:rPr>
+              <a:t>객체를 참조하는 참조 변수들은 허상 포인터가 되지 않도록 null을 가리키도록 설정합니다.</a:t>
+            </a:r>
+            <a:endParaRPr lang="ko-KR" altLang="en-US" sz="1800">
+              <a:latin typeface="맑은 고딕" charset="0"/>
+              <a:ea typeface="맑은 고딕" charset="0"/>
+            </a:endParaRPr>
+          </a:p>
         </p:txBody>
       </p:sp>
       <p:sp>
@@ -8202,8 +8189,8 @@
         </p:nvSpPr>
         <p:spPr>
           <a:xfrm rot="0">
-            <a:off x="6808470" y="4639945"/>
-            <a:ext cx="4157345" cy="1200785"/>
+            <a:off x="6817360" y="4385945"/>
+            <a:ext cx="4145280" cy="1477645"/>
           </a:xfrm>
           <a:prstGeom prst="rect"/>
           <a:noFill/>
@@ -8227,7 +8214,14 @@
                 <a:latin typeface="맑은 고딕" charset="0"/>
                 <a:ea typeface="맑은 고딕" charset="0"/>
               </a:rPr>
-              <a:t>게임 오브젝트를 한 번에 많이 파괴하게 되면 일시적으로 가비지 컬렉터가 메모리를 해제할 때 어느 정도 시간이 소요될 수 있습니다.</a:t>
+              <a:t>Destroy( ) 함수로 게임 오브젝트를 </a:t>
+            </a:r>
+            <a:r>
+              <a:rPr lang="ko-KR" sz="1800">
+                <a:latin typeface="맑은 고딕" charset="0"/>
+                <a:ea typeface="맑은 고딕" charset="0"/>
+              </a:rPr>
+              <a:t>파괴했을 때 C++ nativeObject는 메모리에서 해제되며, C# UnityEngine.Object는 객체이기 때문에 해제되지 않습니다.</a:t>
             </a:r>
             <a:endParaRPr lang="ko-KR" altLang="en-US" sz="1800">
               <a:latin typeface="맑은 고딕" charset="0"/>
@@ -8238,17 +8232,17 @@
       </p:sp>
       <p:pic>
         <p:nvPicPr>
-          <p:cNvPr id="1110" name="그림 24" descr="C:/Users/Admin1/AppData/Roaming/PolarisOffice/ETemp/16684_11126392/fImage187452986500.png"/>
+          <p:cNvPr id="1110" name="그림 24" descr="C:/Users/Admin1/AppData/Roaming/PolarisOffice/ETemp/20572_22936136/fImage187452986500.png"/>
           <p:cNvPicPr>
             <a:picLocks noChangeAspect="1"/>
           </p:cNvPicPr>
           <p:nvPr/>
         </p:nvPicPr>
         <p:blipFill rotWithShape="1">
-          <a:blip r:embed="rId12" cstate="print">
+          <a:blip r:embed="rId12" cstate="hqprint">
             <a:extLst>
               <a:ext uri="{28A0092B-C50C-407E-A947-70E740481C1C}">
-                <a14:useLocalDpi xmlns:a14="http://schemas.microsoft.com/office/drawing/2010/main" val="0"/>
+                <a14:useLocalDpi xmlns:a14="http://schemas.microsoft.com/office/drawing/2010/main"/>
               </a:ext>
             </a:extLst>
           </a:blip>
@@ -8259,7 +8253,7 @@
         <p:spPr>
           <a:xfrm rot="0">
             <a:off x="6816725" y="1612265"/>
-            <a:ext cx="4140835" cy="2844165"/>
+            <a:ext cx="4141470" cy="2635250"/>
           </a:xfrm>
           <a:prstGeom prst="roundRect"/>
           <a:solidFill>
@@ -8369,7 +8363,7 @@
       </p:sp>
       <p:sp>
         <p:nvSpPr>
-          <p:cNvPr id="1037" name="Rect 0"/>
+          <p:cNvPr id="1032" name="텍스트 상자 6"/>
           <p:cNvSpPr txBox="1">
             <a:spLocks/>
           </p:cNvSpPr>
@@ -8377,8 +8371,8 @@
         </p:nvSpPr>
         <p:spPr>
           <a:xfrm rot="0">
-            <a:off x="6816725" y="2125345"/>
-            <a:ext cx="4157345" cy="400685"/>
+            <a:off x="1395730" y="5154295"/>
+            <a:ext cx="3959225" cy="954405"/>
           </a:xfrm>
           <a:prstGeom prst="rect"/>
           <a:noFill/>
@@ -8405,7 +8399,7 @@
                 <a:latin typeface="맑은 고딕" charset="0"/>
                 <a:ea typeface="맑은 고딕" charset="0"/>
               </a:rPr>
-              <a:t>5</a:t>
+              <a:t>3</a:t>
             </a:r>
             <a:r>
               <a:rPr sz="2000" b="1">
@@ -8422,7 +8416,14 @@
                 <a:latin typeface="맑은 고딕" charset="0"/>
                 <a:ea typeface="맑은 고딕" charset="0"/>
               </a:rPr>
-              <a:t>그다음 Open in Unity를 선택합니다.</a:t>
+              <a:t>이제</a:t>
+            </a:r>
+            <a:r>
+              <a:rPr lang="ko-KR" sz="1800">
+                <a:latin typeface="맑은 고딕" charset="0"/>
+                <a:ea typeface="맑은 고딕" charset="0"/>
+              </a:rPr>
+              <a:t> Generic Create Button의 Text에 Genenric Stone Create로 정의합니다.</a:t>
             </a:r>
             <a:endParaRPr lang="ko-KR" altLang="en-US" sz="1800">
               <a:latin typeface="맑은 고딕" charset="0"/>
@@ -8431,111 +8432,16 @@
           </a:p>
         </p:txBody>
       </p:sp>
-      <p:sp>
-        <p:nvSpPr>
-          <p:cNvPr id="1044" name="Rect 0"/>
-          <p:cNvSpPr txBox="1">
-            <a:spLocks/>
-          </p:cNvSpPr>
-          <p:nvPr/>
-        </p:nvSpPr>
-        <p:spPr>
-          <a:xfrm rot="0">
-            <a:off x="1473835" y="2953385"/>
-            <a:ext cx="3896995" cy="677545"/>
-          </a:xfrm>
-          <a:prstGeom prst="rect"/>
-          <a:noFill/>
-          <a:ln w="0">
-            <a:noFill/>
-            <a:prstDash/>
-          </a:ln>
-        </p:spPr>
-        <p:txBody>
-          <a:bodyPr wrap="square" lIns="89535" tIns="46355" rIns="89535" bIns="46355" numCol="1" vert="horz" anchor="t">
-            <a:spAutoFit/>
-          </a:bodyPr>
-          <a:lstStyle/>
-          <a:p>
-            <a:pPr marL="0" indent="0" algn="l" latinLnBrk="0" hangingPunct="1">
-              <a:buFontTx/>
-              <a:buNone/>
-            </a:pPr>
-            <a:r>
-              <a:rPr sz="2000" b="1">
-                <a:solidFill>
-                  <a:srgbClr val="0611F2"/>
-                </a:solidFill>
-                <a:latin typeface="맑은 고딕" charset="0"/>
-                <a:ea typeface="맑은 고딕" charset="0"/>
-              </a:rPr>
-              <a:t>3</a:t>
-            </a:r>
-            <a:r>
-              <a:rPr sz="2000" b="1">
-                <a:solidFill>
-                  <a:srgbClr val="0611F2"/>
-                </a:solidFill>
-                <a:latin typeface="맑은 고딕" charset="0"/>
-                <a:ea typeface="맑은 고딕" charset="0"/>
-              </a:rPr>
-              <a:t>. </a:t>
-            </a:r>
-            <a:r>
-              <a:rPr lang="ko-KR" sz="1800">
-                <a:latin typeface="맑은 고딕" charset="0"/>
-                <a:ea typeface="맑은 고딕" charset="0"/>
-              </a:rPr>
-              <a:t>그런 다음 Stones 에셋에서 Add to My Assets를 선택합니다.</a:t>
-            </a:r>
-            <a:endParaRPr lang="ko-KR" altLang="en-US" sz="1800">
-              <a:latin typeface="맑은 고딕" charset="0"/>
-              <a:ea typeface="맑은 고딕" charset="0"/>
-            </a:endParaRPr>
-          </a:p>
-        </p:txBody>
-      </p:sp>
       <p:pic>
         <p:nvPicPr>
-          <p:cNvPr id="1049" name="그림 73"/>
+          <p:cNvPr id="1033" name="그림 7" descr="C:/Users/Admin1/AppData/Roaming/PolarisOffice/ETemp/20572_22936136/fImage396362805724.png"/>
           <p:cNvPicPr>
             <a:picLocks noChangeAspect="1"/>
           </p:cNvPicPr>
           <p:nvPr/>
         </p:nvPicPr>
         <p:blipFill rotWithShape="1">
-          <a:blip r:embed="rId2" cstate="print">
-            <a:extLst>
-              <a:ext uri="{28A0092B-C50C-407E-A947-70E740481C1C}">
-                <a14:useLocalDpi xmlns:a14="http://schemas.microsoft.com/office/drawing/2010/main" val="0"/>
-              </a:ext>
-            </a:extLst>
-          </a:blip>
-          <a:stretch>
-            <a:fillRect/>
-          </a:stretch>
-        </p:blipFill>
-        <p:spPr>
-          <a:xfrm rot="0">
-            <a:off x="1471295" y="1280160"/>
-            <a:ext cx="3899535" cy="1630045"/>
-          </a:xfrm>
-          <a:prstGeom prst="roundRect"/>
-          <a:solidFill>
-            <a:srgbClr val="EDEDED"/>
-          </a:solidFill>
-        </p:spPr>
-      </p:pic>
-      <p:pic>
-        <p:nvPicPr>
-          <p:cNvPr id="1050" name="그림 76" descr="C:/Users/Admin1/AppData/Roaming/PolarisOffice/ETemp/20484_12237088/fImage364812981478.png"/>
-          <p:cNvPicPr>
-            <a:picLocks noChangeAspect="1"/>
-          </p:cNvPicPr>
-          <p:nvPr/>
-        </p:nvPicPr>
-        <p:blipFill rotWithShape="1">
-          <a:blip r:embed="rId3" cstate="hqprint">
+          <a:blip r:embed="rId7" cstate="hqprint">
             <a:extLst>
               <a:ext uri="{28A0092B-C50C-407E-A947-70E740481C1C}">
                 <a14:useLocalDpi xmlns:a14="http://schemas.microsoft.com/office/drawing/2010/main"/>
@@ -8548,18 +8454,16 @@
         </p:blipFill>
         <p:spPr>
           <a:xfrm rot="0">
-            <a:off x="1463040" y="3749675"/>
-            <a:ext cx="3908425" cy="1946275"/>
-          </a:xfrm>
-          <a:prstGeom prst="roundRect"/>
-          <a:solidFill>
-            <a:srgbClr val="EDEDED"/>
-          </a:solidFill>
+            <a:off x="1397000" y="1373505"/>
+            <a:ext cx="3957320" cy="3669030"/>
+          </a:xfrm>
+          <a:prstGeom prst="rect"/>
+          <a:noFill/>
         </p:spPr>
       </p:pic>
       <p:sp>
         <p:nvSpPr>
-          <p:cNvPr id="1051" name="텍스트 상자 77"/>
+          <p:cNvPr id="1034" name="텍스트 상자 8"/>
           <p:cNvSpPr txBox="1">
             <a:spLocks/>
           </p:cNvSpPr>
@@ -8567,8 +8471,8 @@
         </p:nvSpPr>
         <p:spPr>
           <a:xfrm rot="0">
-            <a:off x="1470660" y="5826760"/>
-            <a:ext cx="3896995" cy="400685"/>
+            <a:off x="6801485" y="5149850"/>
+            <a:ext cx="4218305" cy="954405"/>
           </a:xfrm>
           <a:prstGeom prst="rect"/>
           <a:noFill/>
@@ -8612,7 +8516,7 @@
                 <a:latin typeface="맑은 고딕" charset="0"/>
                 <a:ea typeface="맑은 고딕" charset="0"/>
               </a:rPr>
-              <a:t>그리고 Accept를 선택합니다.</a:t>
+              <a:t>그다음으로 Generic Create Button을 선택하고 On Click 함수에 Event를 추가합니다.</a:t>
             </a:r>
             <a:endParaRPr lang="ko-KR" altLang="en-US" sz="1800">
               <a:latin typeface="맑은 고딕" charset="0"/>
@@ -8623,45 +8527,14 @@
       </p:sp>
       <p:pic>
         <p:nvPicPr>
-          <p:cNvPr id="1052" name="그림 78"/>
+          <p:cNvPr id="1035" name="그림 9" descr="C:/Users/Admin1/AppData/Roaming/PolarisOffice/ETemp/20572_22936136/fImage384292811478.png"/>
           <p:cNvPicPr>
             <a:picLocks noChangeAspect="1"/>
           </p:cNvPicPr>
           <p:nvPr/>
         </p:nvPicPr>
         <p:blipFill rotWithShape="1">
-          <a:blip r:embed="rId4" cstate="print">
-            <a:extLst>
-              <a:ext uri="{28A0092B-C50C-407E-A947-70E740481C1C}">
-                <a14:useLocalDpi xmlns:a14="http://schemas.microsoft.com/office/drawing/2010/main" val="0"/>
-              </a:ext>
-            </a:extLst>
-          </a:blip>
-          <a:stretch>
-            <a:fillRect/>
-          </a:stretch>
-        </p:blipFill>
-        <p:spPr>
-          <a:xfrm rot="0">
-            <a:off x="6824980" y="1278890"/>
-            <a:ext cx="4140835" cy="725170"/>
-          </a:xfrm>
-          <a:prstGeom prst="roundRect"/>
-          <a:solidFill>
-            <a:srgbClr val="EDEDED"/>
-          </a:solidFill>
-        </p:spPr>
-      </p:pic>
-      <p:pic>
-        <p:nvPicPr>
-          <p:cNvPr id="1053" name="그림 81" descr="C:/Users/Admin1/AppData/Roaming/PolarisOffice/ETemp/20484_12237088/fImage1348413016962.png"/>
-          <p:cNvPicPr>
-            <a:picLocks noChangeAspect="1"/>
-          </p:cNvPicPr>
-          <p:nvPr/>
-        </p:nvPicPr>
-        <p:blipFill rotWithShape="1">
-          <a:blip r:embed="rId5" cstate="hqprint">
+          <a:blip r:embed="rId8" cstate="hqprint">
             <a:extLst>
               <a:ext uri="{28A0092B-C50C-407E-A947-70E740481C1C}">
                 <a14:useLocalDpi xmlns:a14="http://schemas.microsoft.com/office/drawing/2010/main"/>
@@ -8674,77 +8547,13 @@
         </p:blipFill>
         <p:spPr>
           <a:xfrm rot="0">
-            <a:off x="6816725" y="2701925"/>
-            <a:ext cx="4156075" cy="2369820"/>
+            <a:off x="6797040" y="1373505"/>
+            <a:ext cx="4225925" cy="3634740"/>
           </a:xfrm>
           <a:prstGeom prst="rect"/>
           <a:noFill/>
         </p:spPr>
       </p:pic>
-      <p:sp>
-        <p:nvSpPr>
-          <p:cNvPr id="1054" name="텍스트 상자 82"/>
-          <p:cNvSpPr txBox="1">
-            <a:spLocks/>
-          </p:cNvSpPr>
-          <p:nvPr/>
-        </p:nvSpPr>
-        <p:spPr>
-          <a:xfrm rot="0">
-            <a:off x="6812915" y="5250180"/>
-            <a:ext cx="4161155" cy="954405"/>
-          </a:xfrm>
-          <a:prstGeom prst="rect"/>
-          <a:noFill/>
-          <a:ln w="0">
-            <a:noFill/>
-            <a:prstDash/>
-          </a:ln>
-        </p:spPr>
-        <p:txBody>
-          <a:bodyPr wrap="square" lIns="89535" tIns="46355" rIns="89535" bIns="46355" numCol="1" vert="horz" anchor="t">
-            <a:spAutoFit/>
-          </a:bodyPr>
-          <a:lstStyle/>
-          <a:p>
-            <a:pPr marL="0" indent="0" algn="l" latinLnBrk="0" hangingPunct="1">
-              <a:buFontTx/>
-              <a:buNone/>
-            </a:pPr>
-            <a:r>
-              <a:rPr lang="ko-KR" sz="2000" b="1">
-                <a:solidFill>
-                  <a:srgbClr val="0611F2"/>
-                </a:solidFill>
-                <a:latin typeface="맑은 고딕" charset="0"/>
-                <a:ea typeface="맑은 고딕" charset="0"/>
-              </a:rPr>
-              <a:t>6</a:t>
-            </a:r>
-            <a:r>
-              <a:rPr sz="2000" b="1">
-                <a:solidFill>
-                  <a:srgbClr val="0611F2"/>
-                </a:solidFill>
-                <a:latin typeface="맑은 고딕" charset="0"/>
-                <a:ea typeface="맑은 고딕" charset="0"/>
-              </a:rPr>
-              <a:t>. </a:t>
-            </a:r>
-            <a:r>
-              <a:rPr lang="ko-KR" sz="1800">
-                <a:latin typeface="맑은 고딕" charset="0"/>
-                <a:ea typeface="맑은 고딕" charset="0"/>
-              </a:rPr>
-              <a:t>그리고 유니티에서 Stones 에셋이 My Assets에 추가되었고 그다음 Download를 선택합니다.</a:t>
-            </a:r>
-            <a:endParaRPr lang="ko-KR" altLang="en-US" sz="1800">
-              <a:latin typeface="맑은 고딕" charset="0"/>
-              <a:ea typeface="맑은 고딕" charset="0"/>
-            </a:endParaRPr>
-          </a:p>
-        </p:txBody>
-      </p:sp>
     </p:spTree>
   </p:cSld>
   <p:clrMapOvr>
@@ -8847,7 +8656,7 @@
       </p:sp>
       <p:sp>
         <p:nvSpPr>
-          <p:cNvPr id="1051" name="Rect 0"/>
+          <p:cNvPr id="1054" name="Rect 0"/>
           <p:cNvSpPr txBox="1">
             <a:spLocks/>
           </p:cNvSpPr>
@@ -8855,8 +8664,8 @@
         </p:nvSpPr>
         <p:spPr>
           <a:xfrm rot="0">
-            <a:off x="1354455" y="4671695"/>
-            <a:ext cx="4024630" cy="1508125"/>
+            <a:off x="6810375" y="4114800"/>
+            <a:ext cx="4151630" cy="2061845"/>
           </a:xfrm>
           <a:prstGeom prst="rect"/>
           <a:noFill/>
@@ -8883,7 +8692,7 @@
                 <a:latin typeface="맑은 고딕" charset="0"/>
                 <a:ea typeface="맑은 고딕" charset="0"/>
               </a:rPr>
-              <a:t>7</a:t>
+              <a:t>6</a:t>
             </a:r>
             <a:r>
               <a:rPr sz="2000" b="1">
@@ -8900,7 +8709,28 @@
                 <a:latin typeface="맑은 고딕" charset="0"/>
                 <a:ea typeface="맑은 고딕" charset="0"/>
               </a:rPr>
-              <a:t>Download가 완료되면 Import를 선택합니다.</a:t>
+              <a:t>그</a:t>
+            </a:r>
+            <a:r>
+              <a:rPr lang="ko-KR" sz="1800">
+                <a:latin typeface="맑은 고딕" charset="0"/>
+                <a:ea typeface="맑은 고딕" charset="0"/>
+              </a:rPr>
+              <a:t>런 </a:t>
+            </a:r>
+            <a:r>
+              <a:rPr lang="ko-KR" sz="1800">
+                <a:latin typeface="맑은 고딕" charset="0"/>
+                <a:ea typeface="맑은 고딕" charset="0"/>
+              </a:rPr>
+              <a:t>다음 Create 스크립트에서 게임 오브젝트 변수와 </a:t>
+            </a:r>
+            <a:r>
+              <a:rPr lang="ko-KR" sz="1800">
+                <a:latin typeface="맑은 고딕" charset="0"/>
+                <a:ea typeface="맑은 고딕" charset="0"/>
+              </a:rPr>
+              <a:t>Transform 배열을 선언합니다.</a:t>
             </a:r>
             <a:endParaRPr lang="ko-KR" altLang="en-US" sz="1800">
               <a:latin typeface="맑은 고딕" charset="0"/>
@@ -8927,7 +8757,7 @@
                 <a:latin typeface="맑은 고딕" charset="0"/>
                 <a:ea typeface="맑은 고딕" charset="0"/>
               </a:rPr>
-              <a:t>그런 다음 Stones의 구성 요소를 전체 선택한 다음 Import를 합니다.</a:t>
+              <a:t>그러고 나서 GenericCreate( ) 함수에 생성할 게임 오브젝트와 생성되는 위치 그리고 회전 값을 설정합니다.</a:t>
             </a:r>
             <a:endParaRPr lang="ko-KR" altLang="en-US" sz="1800">
               <a:latin typeface="맑은 고딕" charset="0"/>
@@ -8936,80 +8766,16 @@
           </a:p>
         </p:txBody>
       </p:sp>
-      <p:sp>
-        <p:nvSpPr>
-          <p:cNvPr id="1054" name="Rect 0"/>
-          <p:cNvSpPr txBox="1">
-            <a:spLocks/>
-          </p:cNvSpPr>
-          <p:nvPr/>
-        </p:nvSpPr>
-        <p:spPr>
-          <a:xfrm rot="0">
-            <a:off x="6812915" y="2748915"/>
-            <a:ext cx="4144645" cy="954405"/>
-          </a:xfrm>
-          <a:prstGeom prst="rect"/>
-          <a:noFill/>
-          <a:ln w="0">
-            <a:noFill/>
-            <a:prstDash/>
-          </a:ln>
-        </p:spPr>
-        <p:txBody>
-          <a:bodyPr wrap="square" lIns="89535" tIns="46355" rIns="89535" bIns="46355" numCol="1" vert="horz" anchor="t">
-            <a:spAutoFit/>
-          </a:bodyPr>
-          <a:lstStyle/>
-          <a:p>
-            <a:pPr marL="0" indent="0" algn="l" latinLnBrk="0" hangingPunct="1">
-              <a:buFontTx/>
-              <a:buNone/>
-            </a:pPr>
-            <a:r>
-              <a:rPr lang="ko-KR" sz="2000" b="1">
-                <a:solidFill>
-                  <a:srgbClr val="0611F2"/>
-                </a:solidFill>
-                <a:latin typeface="맑은 고딕" charset="0"/>
-                <a:ea typeface="맑은 고딕" charset="0"/>
-              </a:rPr>
-              <a:t>8</a:t>
-            </a:r>
-            <a:r>
-              <a:rPr sz="2000" b="1">
-                <a:solidFill>
-                  <a:srgbClr val="0611F2"/>
-                </a:solidFill>
-                <a:latin typeface="맑은 고딕" charset="0"/>
-                <a:ea typeface="맑은 고딕" charset="0"/>
-              </a:rPr>
-              <a:t>. </a:t>
-            </a:r>
-            <a:r>
-              <a:rPr lang="ko-KR" sz="1800">
-                <a:latin typeface="맑은 고딕" charset="0"/>
-                <a:ea typeface="맑은 고딕" charset="0"/>
-              </a:rPr>
-              <a:t>그다음 Create 스크립트에서 게임 오브젝트 변수와 게임 오브젝트를 생성하는 함수를 선언합니다.</a:t>
-            </a:r>
-            <a:endParaRPr lang="ko-KR" altLang="en-US" sz="1800">
-              <a:latin typeface="맑은 고딕" charset="0"/>
-              <a:ea typeface="맑은 고딕" charset="0"/>
-            </a:endParaRPr>
-          </a:p>
-        </p:txBody>
-      </p:sp>
       <p:pic>
         <p:nvPicPr>
-          <p:cNvPr id="1056" name="그림 84"/>
+          <p:cNvPr id="1062" name="그림 10" descr="C:/Users/Admin1/AppData/Roaming/PolarisOffice/ETemp/20572_22936136/fImage1877317641.png"/>
           <p:cNvPicPr>
             <a:picLocks noChangeAspect="1"/>
           </p:cNvPicPr>
           <p:nvPr/>
         </p:nvPicPr>
         <p:blipFill rotWithShape="1">
-          <a:blip r:embed="rId2" cstate="print">
+          <a:blip r:embed="rId8" cstate="print">
             <a:extLst>
               <a:ext uri="{28A0092B-C50C-407E-A947-70E740481C1C}">
                 <a14:useLocalDpi xmlns:a14="http://schemas.microsoft.com/office/drawing/2010/main" val="0"/>
@@ -9022,23 +8788,89 @@
         </p:blipFill>
         <p:spPr>
           <a:xfrm rot="0">
-            <a:off x="3857625" y="1278255"/>
-            <a:ext cx="1521460" cy="3202940"/>
+            <a:off x="1404620" y="1421130"/>
+            <a:ext cx="2572385" cy="3914140"/>
+          </a:xfrm>
+          <a:prstGeom prst="roundRect"/>
+          <a:solidFill>
+            <a:srgbClr val="EDEDED"/>
+          </a:solidFill>
+        </p:spPr>
+      </p:pic>
+      <p:sp>
+        <p:nvSpPr>
+          <p:cNvPr id="1063" name="텍스트 상자 13"/>
+          <p:cNvSpPr txBox="1">
+            <a:spLocks/>
+          </p:cNvSpPr>
+          <p:nvPr/>
+        </p:nvSpPr>
+        <p:spPr>
+          <a:xfrm rot="0">
+            <a:off x="1396365" y="5499100"/>
+            <a:ext cx="3985895" cy="677545"/>
           </a:xfrm>
           <a:prstGeom prst="rect"/>
           <a:noFill/>
-        </p:spPr>
-      </p:pic>
+          <a:ln w="0">
+            <a:noFill/>
+            <a:prstDash/>
+          </a:ln>
+        </p:spPr>
+        <p:txBody>
+          <a:bodyPr wrap="square" lIns="89535" tIns="46355" rIns="89535" bIns="46355" numCol="1" vert="horz" anchor="t">
+            <a:spAutoFit/>
+          </a:bodyPr>
+          <a:lstStyle/>
+          <a:p>
+            <a:pPr marL="0" indent="0" algn="l" latinLnBrk="0" hangingPunct="1">
+              <a:buFontTx/>
+              <a:buNone/>
+            </a:pPr>
+            <a:r>
+              <a:rPr sz="2000" b="1">
+                <a:solidFill>
+                  <a:srgbClr val="0611F2"/>
+                </a:solidFill>
+                <a:latin typeface="맑은 고딕" charset="0"/>
+                <a:ea typeface="맑은 고딕" charset="0"/>
+              </a:rPr>
+              <a:t>5</a:t>
+            </a:r>
+            <a:r>
+              <a:rPr sz="2000" b="1">
+                <a:solidFill>
+                  <a:srgbClr val="0611F2"/>
+                </a:solidFill>
+                <a:latin typeface="맑은 고딕" charset="0"/>
+                <a:ea typeface="맑은 고딕" charset="0"/>
+              </a:rPr>
+              <a:t>. </a:t>
+            </a:r>
+            <a:r>
+              <a:rPr lang="ko-KR" sz="1800">
+                <a:latin typeface="맑은 고딕" charset="0"/>
+                <a:ea typeface="맑은 고딕" charset="0"/>
+              </a:rPr>
+              <a:t>그리고 3D Object를 선택하여 Plane 게임 오브젝트를 생성합니다.</a:t>
+            </a:r>
+            <a:endParaRPr lang="ko-KR" altLang="en-US" sz="1800">
+              <a:latin typeface="맑은 고딕" charset="0"/>
+              <a:ea typeface="맑은 고딕" charset="0"/>
+            </a:endParaRPr>
+          </a:p>
+        </p:txBody>
+      </p:sp>
       <p:pic>
         <p:nvPicPr>
-          <p:cNvPr id="1057" name="그림 87"/>
+          <p:cNvPr id="1064" name="그림 14" descr="C:/Users/Admin1/AppData/Roaming/PolarisOffice/ETemp/20572_22936136/fImage60931788467.png"/>
           <p:cNvPicPr>
             <a:picLocks noChangeAspect="1"/>
           </p:cNvPicPr>
           <p:nvPr/>
         </p:nvPicPr>
         <p:blipFill rotWithShape="1">
-          <a:blip r:embed="rId3" cstate="print">
+          <a:blip r:embed="rId9" cstate="print">
             <a:extLst>
               <a:ext uri="{28A0092B-C50C-407E-A947-70E740481C1C}">
                 <a14:useLocalDpi xmlns:a14="http://schemas.microsoft.com/office/drawing/2010/main" val="0"/>
@@ -9051,23 +8883,25 @@
         </p:blipFill>
         <p:spPr>
           <a:xfrm rot="0">
-            <a:off x="1355090" y="1280795"/>
-            <a:ext cx="2386330" cy="3200400"/>
-          </a:xfrm>
-          <a:prstGeom prst="rect"/>
-          <a:noFill/>
+            <a:off x="4111625" y="2159000"/>
+            <a:ext cx="1262380" cy="2287270"/>
+          </a:xfrm>
+          <a:prstGeom prst="roundRect"/>
+          <a:solidFill>
+            <a:srgbClr val="EDEDED"/>
+          </a:solidFill>
         </p:spPr>
       </p:pic>
       <p:pic>
         <p:nvPicPr>
-          <p:cNvPr id="1058" name="그림 88"/>
+          <p:cNvPr id="1065" name="그림 17" descr="C:/Users/Admin1/AppData/Roaming/PolarisOffice/ETemp/20572_22936136/fImage468631796334.png"/>
           <p:cNvPicPr>
             <a:picLocks noChangeAspect="1"/>
           </p:cNvPicPr>
           <p:nvPr/>
         </p:nvPicPr>
         <p:blipFill rotWithShape="1">
-          <a:blip r:embed="rId4" cstate="print">
+          <a:blip r:embed="rId10" cstate="print">
             <a:extLst>
               <a:ext uri="{28A0092B-C50C-407E-A947-70E740481C1C}">
                 <a14:useLocalDpi xmlns:a14="http://schemas.microsoft.com/office/drawing/2010/main" val="0"/>
@@ -9080,8 +8914,8 @@
         </p:blipFill>
         <p:spPr>
           <a:xfrm rot="0">
-            <a:off x="6816725" y="1194435"/>
-            <a:ext cx="4149090" cy="1477010"/>
+            <a:off x="6810375" y="1421130"/>
+            <a:ext cx="4152265" cy="2524760"/>
           </a:xfrm>
           <a:prstGeom prst="roundRect"/>
           <a:solidFill>
@@ -9089,128 +8923,6 @@
           </a:solidFill>
         </p:spPr>
       </p:pic>
-      <p:pic>
-        <p:nvPicPr>
-          <p:cNvPr id="1059" name="그림 91"/>
-          <p:cNvPicPr>
-            <a:picLocks noChangeAspect="1"/>
-          </p:cNvPicPr>
-          <p:nvPr/>
-        </p:nvPicPr>
-        <p:blipFill rotWithShape="1">
-          <a:blip r:embed="rId5" cstate="print">
-            <a:extLst>
-              <a:ext uri="{28A0092B-C50C-407E-A947-70E740481C1C}">
-                <a14:useLocalDpi xmlns:a14="http://schemas.microsoft.com/office/drawing/2010/main" val="0"/>
-              </a:ext>
-            </a:extLst>
-          </a:blip>
-          <a:stretch>
-            <a:fillRect/>
-          </a:stretch>
-        </p:blipFill>
-        <p:spPr>
-          <a:xfrm rot="0">
-            <a:off x="6813550" y="3890645"/>
-            <a:ext cx="1624965" cy="1198880"/>
-          </a:xfrm>
-          <a:prstGeom prst="rect"/>
-          <a:noFill/>
-        </p:spPr>
-      </p:pic>
-      <p:pic>
-        <p:nvPicPr>
-          <p:cNvPr id="1060" name="그림 92"/>
-          <p:cNvPicPr>
-            <a:picLocks noChangeAspect="1"/>
-          </p:cNvPicPr>
-          <p:nvPr/>
-        </p:nvPicPr>
-        <p:blipFill rotWithShape="1">
-          <a:blip r:embed="rId6" cstate="print">
-            <a:extLst>
-              <a:ext uri="{28A0092B-C50C-407E-A947-70E740481C1C}">
-                <a14:useLocalDpi xmlns:a14="http://schemas.microsoft.com/office/drawing/2010/main" val="0"/>
-              </a:ext>
-            </a:extLst>
-          </a:blip>
-          <a:stretch>
-            <a:fillRect/>
-          </a:stretch>
-        </p:blipFill>
-        <p:spPr>
-          <a:xfrm rot="0">
-            <a:off x="8645525" y="3898265"/>
-            <a:ext cx="2138045" cy="1181100"/>
-          </a:xfrm>
-          <a:prstGeom prst="rect"/>
-          <a:noFill/>
-        </p:spPr>
-      </p:pic>
-      <p:sp>
-        <p:nvSpPr>
-          <p:cNvPr id="1061" name="텍스트 상자 95"/>
-          <p:cNvSpPr txBox="1">
-            <a:spLocks/>
-          </p:cNvSpPr>
-          <p:nvPr/>
-        </p:nvSpPr>
-        <p:spPr>
-          <a:xfrm rot="0">
-            <a:off x="6817995" y="5222875"/>
-            <a:ext cx="4144645" cy="954405"/>
-          </a:xfrm>
-          <a:prstGeom prst="rect"/>
-          <a:noFill/>
-          <a:ln w="0">
-            <a:noFill/>
-            <a:prstDash/>
-          </a:ln>
-        </p:spPr>
-        <p:txBody>
-          <a:bodyPr wrap="square" lIns="89535" tIns="46355" rIns="89535" bIns="46355" numCol="1" vert="horz" anchor="t">
-            <a:spAutoFit/>
-          </a:bodyPr>
-          <a:lstStyle/>
-          <a:p>
-            <a:pPr marL="0" indent="0" algn="l" latinLnBrk="0" hangingPunct="1">
-              <a:buFontTx/>
-              <a:buNone/>
-            </a:pPr>
-            <a:r>
-              <a:rPr lang="ko-KR" sz="2000" b="1">
-                <a:solidFill>
-                  <a:srgbClr val="0611F2"/>
-                </a:solidFill>
-                <a:latin typeface="맑은 고딕" charset="0"/>
-                <a:ea typeface="맑은 고딕" charset="0"/>
-              </a:rPr>
-              <a:t>9</a:t>
-            </a:r>
-            <a:r>
-              <a:rPr sz="2000" b="1">
-                <a:solidFill>
-                  <a:srgbClr val="0611F2"/>
-                </a:solidFill>
-                <a:latin typeface="맑은 고딕" charset="0"/>
-                <a:ea typeface="맑은 고딕" charset="0"/>
-              </a:rPr>
-              <a:t>. </a:t>
-            </a:r>
-            <a:r>
-              <a:rPr lang="ko-KR" sz="1800">
-                <a:latin typeface="맑은 고딕" charset="0"/>
-                <a:ea typeface="맑은 고딕" charset="0"/>
-              </a:rPr>
-              <a:t>그리고 유니티 프로젝트 폴더에 Model을 선택하고 Stone_3 게임 오브젝트를 선택합니다.</a:t>
-            </a:r>
-            <a:endParaRPr lang="ko-KR" altLang="en-US" sz="1800">
-              <a:latin typeface="맑은 고딕" charset="0"/>
-              <a:ea typeface="맑은 고딕" charset="0"/>
-            </a:endParaRPr>
-          </a:p>
-        </p:txBody>
-      </p:sp>
     </p:spTree>
   </p:cSld>
   <p:clrMapOvr>
@@ -9310,9 +9022,9 @@
           <p:nvPr/>
         </p:nvSpPr>
         <p:spPr>
-          <a:xfrm rot="0">
+          <a:xfrm>
             <a:off x="1172845" y="1414145"/>
-            <a:ext cx="4182745" cy="4523105"/>
+            <a:ext cx="4183380" cy="4523105"/>
           </a:xfrm>
           <a:prstGeom prst="rect"/>
           <a:noFill/>
@@ -9363,7 +9075,35 @@
                 <a:latin typeface="맑은 고딕" charset="0"/>
                 <a:ea typeface="맑은 고딕" charset="0"/>
               </a:rPr>
-              <a:t>그리고 생성할 때 생성 위치와 생성 방향을 설정할 수 있습니다.</a:t>
+              <a:t>그리고 생성할 때 생성</a:t>
+            </a:r>
+            <a:r>
+              <a:rPr lang="ko-KR" sz="1800">
+                <a:latin typeface="맑은 고딕" charset="0"/>
+                <a:ea typeface="맑은 고딕" charset="0"/>
+              </a:rPr>
+              <a:t>되는</a:t>
+            </a:r>
+            <a:r>
+              <a:rPr lang="ko-KR" sz="1800">
+                <a:latin typeface="맑은 고딕" charset="0"/>
+                <a:ea typeface="맑은 고딕" charset="0"/>
+              </a:rPr>
+              <a:t> 위치와 생성</a:t>
+            </a:r>
+            <a:r>
+              <a:rPr lang="ko-KR" sz="1800">
+                <a:latin typeface="맑은 고딕" charset="0"/>
+                <a:ea typeface="맑은 고딕" charset="0"/>
+              </a:rPr>
+              <a:t>될 때</a:t>
+            </a:r>
+            <a:r>
+              <a:rPr lang="ko-KR" sz="1800">
+                <a:latin typeface="맑은 고딕" charset="0"/>
+                <a:ea typeface="맑은 고딕" charset="0"/>
+              </a:rPr>
+              <a:t> 방향을 설정할 수 있습니다.</a:t>
             </a:r>
             <a:endParaRPr lang="ko-KR" altLang="en-US" sz="1800">
               <a:latin typeface="맑은 고딕" charset="0"/>
@@ -9471,7 +9211,7 @@
       </p:sp>
       <p:pic>
         <p:nvPicPr>
-          <p:cNvPr id="1036" name="그림 1" descr="C:/Users/Admin1/AppData/Roaming/PolarisOffice/ETemp/16684_11126392/fImage29139941.png"/>
+          <p:cNvPr id="1036" name="그림 1" descr="C:/Users/Admin1/AppData/Roaming/PolarisOffice/ETemp/20572_22936136/fImage29139941.png"/>
           <p:cNvPicPr>
             <a:picLocks noChangeAspect="1"/>
           </p:cNvPicPr>
@@ -9492,7 +9232,7 @@
         <p:spPr>
           <a:xfrm rot="0">
             <a:off x="6804660" y="1421765"/>
-            <a:ext cx="1949450" cy="3416935"/>
+            <a:ext cx="4077970" cy="3417570"/>
           </a:xfrm>
           <a:prstGeom prst="roundRect"/>
           <a:solidFill>
@@ -9546,7 +9286,7 @@
       </p:sp>
       <p:pic>
         <p:nvPicPr>
-          <p:cNvPr id="1044" name="그림 145" descr="C:/Users/Admin1/AppData/Roaming/PolarisOffice/ETemp/16684_11126392/fImage688723905436.png"/>
+          <p:cNvPr id="1044" name="그림 145"/>
           <p:cNvPicPr>
             <a:picLocks noChangeAspect="1"/>
           </p:cNvPicPr>
@@ -9568,122 +9308,6 @@
           <a:xfrm rot="0">
             <a:off x="1174115" y="3100070"/>
             <a:ext cx="4173220" cy="1805305"/>
-          </a:xfrm>
-          <a:prstGeom prst="rect"/>
-          <a:noFill/>
-        </p:spPr>
-      </p:pic>
-      <p:pic>
-        <p:nvPicPr>
-          <p:cNvPr id="1045" name="그림 28" descr="C:/Users/Admin1/AppData/Roaming/PolarisOffice/ETemp/16684_11126392/fImage19045630041.png"/>
-          <p:cNvPicPr>
-            <a:picLocks noChangeAspect="1"/>
-          </p:cNvPicPr>
-          <p:nvPr/>
-        </p:nvPicPr>
-        <p:blipFill rotWithShape="1">
-          <a:blip r:embed="rId14" cstate="hqprint">
-            <a:extLst>
-              <a:ext uri="{28A0092B-C50C-407E-A947-70E740481C1C}">
-                <a14:useLocalDpi xmlns:a14="http://schemas.microsoft.com/office/drawing/2010/main"/>
-              </a:ext>
-            </a:extLst>
-          </a:blip>
-          <a:stretch>
-            <a:fillRect/>
-          </a:stretch>
-        </p:blipFill>
-        <p:spPr>
-          <a:xfrm rot="0">
-            <a:off x="9254490" y="2597150"/>
-            <a:ext cx="1157605" cy="574675"/>
-          </a:xfrm>
-          <a:prstGeom prst="rect"/>
-          <a:noFill/>
-        </p:spPr>
-      </p:pic>
-      <p:pic>
-        <p:nvPicPr>
-          <p:cNvPr id="1047" name="그림 32" descr="C:/Users/Admin1/AppData/Roaming/PolarisOffice/ETemp/16684_11126392/fImage1904563046334.png"/>
-          <p:cNvPicPr>
-            <a:picLocks noChangeAspect="1"/>
-          </p:cNvPicPr>
-          <p:nvPr/>
-        </p:nvPicPr>
-        <p:blipFill rotWithShape="1">
-          <a:blip r:embed="rId16" cstate="hqprint">
-            <a:extLst>
-              <a:ext uri="{28A0092B-C50C-407E-A947-70E740481C1C}">
-                <a14:useLocalDpi xmlns:a14="http://schemas.microsoft.com/office/drawing/2010/main"/>
-              </a:ext>
-            </a:extLst>
-          </a:blip>
-          <a:stretch>
-            <a:fillRect/>
-          </a:stretch>
-        </p:blipFill>
-        <p:spPr>
-          <a:xfrm rot="0">
-            <a:off x="9250045" y="3403600"/>
-            <a:ext cx="1153160" cy="574675"/>
-          </a:xfrm>
-          <a:prstGeom prst="rect"/>
-          <a:noFill/>
-        </p:spPr>
-      </p:pic>
-      <p:pic>
-        <p:nvPicPr>
-          <p:cNvPr id="1048" name="그림 33" descr="C:/Users/Admin1/AppData/Roaming/PolarisOffice/ETemp/16684_11126392/fImage1904563056500.png"/>
-          <p:cNvPicPr>
-            <a:picLocks noChangeAspect="1"/>
-          </p:cNvPicPr>
-          <p:nvPr/>
-        </p:nvPicPr>
-        <p:blipFill rotWithShape="1">
-          <a:blip r:embed="rId17" cstate="hqprint">
-            <a:extLst>
-              <a:ext uri="{28A0092B-C50C-407E-A947-70E740481C1C}">
-                <a14:useLocalDpi xmlns:a14="http://schemas.microsoft.com/office/drawing/2010/main"/>
-              </a:ext>
-            </a:extLst>
-          </a:blip>
-          <a:stretch>
-            <a:fillRect/>
-          </a:stretch>
-        </p:blipFill>
-        <p:spPr>
-          <a:xfrm rot="0">
-            <a:off x="9254490" y="4150995"/>
-            <a:ext cx="1157605" cy="574675"/>
-          </a:xfrm>
-          <a:prstGeom prst="rect"/>
-          <a:noFill/>
-        </p:spPr>
-      </p:pic>
-      <p:pic>
-        <p:nvPicPr>
-          <p:cNvPr id="1049" name="그림 10" descr="C:/Users/Admin1/AppData/Roaming/PolarisOffice/ETemp/16684_11126392/fImage19045630041.png"/>
-          <p:cNvPicPr>
-            <a:picLocks noChangeAspect="1"/>
-          </p:cNvPicPr>
-          <p:nvPr/>
-        </p:nvPicPr>
-        <p:blipFill rotWithShape="1">
-          <a:blip r:embed="rId14" cstate="hqprint">
-            <a:extLst>
-              <a:ext uri="{28A0092B-C50C-407E-A947-70E740481C1C}">
-                <a14:useLocalDpi xmlns:a14="http://schemas.microsoft.com/office/drawing/2010/main"/>
-              </a:ext>
-            </a:extLst>
-          </a:blip>
-          <a:stretch>
-            <a:fillRect/>
-          </a:stretch>
-        </p:blipFill>
-        <p:spPr>
-          <a:xfrm rot="0">
-            <a:off x="9251315" y="1771015"/>
-            <a:ext cx="1157605" cy="574675"/>
           </a:xfrm>
           <a:prstGeom prst="rect"/>
           <a:noFill/>
@@ -9791,7 +9415,7 @@
       </p:sp>
       <p:sp>
         <p:nvSpPr>
-          <p:cNvPr id="1051" name="Rect 0"/>
+          <p:cNvPr id="1032" name="텍스트 상자 20"/>
           <p:cNvSpPr txBox="1">
             <a:spLocks/>
           </p:cNvSpPr>
@@ -9799,8 +9423,8 @@
         </p:nvSpPr>
         <p:spPr>
           <a:xfrm rot="0">
-            <a:off x="1346200" y="4954270"/>
-            <a:ext cx="4024630" cy="954405"/>
+            <a:off x="1395730" y="5086985"/>
+            <a:ext cx="3959225" cy="954405"/>
           </a:xfrm>
           <a:prstGeom prst="rect"/>
           <a:noFill/>
@@ -9827,7 +9451,7 @@
                 <a:latin typeface="맑은 고딕" charset="0"/>
                 <a:ea typeface="맑은 고딕" charset="0"/>
               </a:rPr>
-              <a:t>10</a:t>
+              <a:t>7</a:t>
             </a:r>
             <a:r>
               <a:rPr sz="2000" b="1">
@@ -9844,7 +9468,14 @@
                 <a:latin typeface="맑은 고딕" charset="0"/>
                 <a:ea typeface="맑은 고딕" charset="0"/>
               </a:rPr>
-              <a:t>Model 폴더에서 Stone_3 게임 오브젝트를 선택하고 게임 월드 공간으로 배치합니다.</a:t>
+              <a:t>이제</a:t>
+            </a:r>
+            <a:r>
+              <a:rPr lang="ko-KR" sz="1800">
+                <a:latin typeface="맑은 고딕" charset="0"/>
+                <a:ea typeface="맑은 고딕" charset="0"/>
+              </a:rPr>
+              <a:t> On Click 함수의 Event에 Create Object 오브젝트를 넣어줍니다.</a:t>
             </a:r>
             <a:endParaRPr lang="ko-KR" altLang="en-US" sz="1800">
               <a:latin typeface="맑은 고딕" charset="0"/>
@@ -9855,7 +9486,7 @@
       </p:sp>
       <p:sp>
         <p:nvSpPr>
-          <p:cNvPr id="1054" name="Rect 0"/>
+          <p:cNvPr id="1033" name="텍스트 상자 21"/>
           <p:cNvSpPr txBox="1">
             <a:spLocks/>
           </p:cNvSpPr>
@@ -9863,8 +9494,8 @@
         </p:nvSpPr>
         <p:spPr>
           <a:xfrm rot="0">
-            <a:off x="6812915" y="2748915"/>
-            <a:ext cx="4144645" cy="954405"/>
+            <a:off x="6801485" y="5082540"/>
+            <a:ext cx="4152900" cy="954405"/>
           </a:xfrm>
           <a:prstGeom prst="rect"/>
           <a:noFill/>
@@ -9891,7 +9522,7 @@
                 <a:latin typeface="맑은 고딕" charset="0"/>
                 <a:ea typeface="맑은 고딕" charset="0"/>
               </a:rPr>
-              <a:t>11</a:t>
+              <a:t>8</a:t>
             </a:r>
             <a:r>
               <a:rPr sz="2000" b="1">
@@ -9908,7 +9539,7 @@
                 <a:latin typeface="맑은 고딕" charset="0"/>
                 <a:ea typeface="맑은 고딕" charset="0"/>
               </a:rPr>
-              <a:t>그다음으로 Prefab 폴더를 생성하고 Stone_3 게임 오브젝트를 넣어줍니다.</a:t>
+              <a:t>그리고 Button Event로 사용할 Create.GenericCreate( )함수를 설정합니다.</a:t>
             </a:r>
             <a:endParaRPr lang="ko-KR" altLang="en-US" sz="1800">
               <a:latin typeface="맑은 고딕" charset="0"/>
@@ -9919,14 +9550,72 @@
       </p:sp>
       <p:pic>
         <p:nvPicPr>
-          <p:cNvPr id="1062" name="그림 96"/>
+          <p:cNvPr id="1034" name="그림 22" descr="C:/Users/Admin1/AppData/Roaming/PolarisOffice/ETemp/20572_22936136/fImage412512959358.png"/>
           <p:cNvPicPr>
             <a:picLocks noChangeAspect="1"/>
           </p:cNvPicPr>
           <p:nvPr/>
         </p:nvPicPr>
         <p:blipFill rotWithShape="1">
-          <a:blip r:embed="rId2" cstate="print">
+          <a:blip r:embed="rId8" cstate="hqprint">
+            <a:extLst>
+              <a:ext uri="{28A0092B-C50C-407E-A947-70E740481C1C}">
+                <a14:useLocalDpi xmlns:a14="http://schemas.microsoft.com/office/drawing/2010/main"/>
+              </a:ext>
+            </a:extLst>
+          </a:blip>
+          <a:stretch>
+            <a:fillRect/>
+          </a:stretch>
+        </p:blipFill>
+        <p:spPr>
+          <a:xfrm rot="0">
+            <a:off x="2876550" y="1373505"/>
+            <a:ext cx="2478405" cy="3515995"/>
+          </a:xfrm>
+          <a:prstGeom prst="rect"/>
+          <a:noFill/>
+        </p:spPr>
+      </p:pic>
+      <p:pic>
+        <p:nvPicPr>
+          <p:cNvPr id="1037" name="그림 25" descr="C:/Users/Admin1/AppData/Roaming/PolarisOffice/ETemp/20572_22936136/fImage410242994464.png"/>
+          <p:cNvPicPr>
+            <a:picLocks noChangeAspect="1"/>
+          </p:cNvPicPr>
+          <p:nvPr/>
+        </p:nvPicPr>
+        <p:blipFill rotWithShape="1">
+          <a:blip r:embed="rId9" cstate="hqprint">
+            <a:extLst>
+              <a:ext uri="{28A0092B-C50C-407E-A947-70E740481C1C}">
+                <a14:useLocalDpi xmlns:a14="http://schemas.microsoft.com/office/drawing/2010/main"/>
+              </a:ext>
+            </a:extLst>
+          </a:blip>
+          <a:stretch>
+            <a:fillRect/>
+          </a:stretch>
+        </p:blipFill>
+        <p:spPr>
+          <a:xfrm rot="0">
+            <a:off x="6814820" y="1390015"/>
+            <a:ext cx="4139565" cy="3572510"/>
+          </a:xfrm>
+          <a:prstGeom prst="rect"/>
+          <a:noFill/>
+        </p:spPr>
+      </p:pic>
+      <p:pic>
+        <p:nvPicPr>
+          <p:cNvPr id="1038" name="그림 26" descr="C:/Users/Admin1/AppData/Roaming/PolarisOffice/ETemp/20572_22936136/fImage61361866500.png"/>
+          <p:cNvPicPr>
+            <a:picLocks noChangeAspect="1"/>
+          </p:cNvPicPr>
+          <p:nvPr/>
+        </p:nvPicPr>
+        <p:blipFill rotWithShape="1">
+          <a:blip r:embed="rId10" cstate="print">
             <a:extLst>
               <a:ext uri="{28A0092B-C50C-407E-A947-70E740481C1C}">
                 <a14:useLocalDpi xmlns:a14="http://schemas.microsoft.com/office/drawing/2010/main" val="0"/>
@@ -9939,69 +9628,8 @@
         </p:blipFill>
         <p:spPr>
           <a:xfrm rot="0">
-            <a:off x="1346835" y="1297305"/>
-            <a:ext cx="4023995" cy="3566160"/>
-          </a:xfrm>
-          <a:prstGeom prst="rect"/>
-          <a:noFill/>
-        </p:spPr>
-      </p:pic>
-      <p:cxnSp>
-        <p:nvCxnSpPr>
-          <p:cNvPr id="1063" name="도형 98"/>
-          <p:cNvCxnSpPr/>
-          <p:nvPr/>
-        </p:nvCxnSpPr>
-        <p:spPr>
-          <a:xfrm rot="0" flipV="1">
-            <a:off x="2360930" y="2618740"/>
-            <a:ext cx="948690" cy="1130935"/>
-          </a:xfrm>
-          <a:prstGeom prst="straightConnector1"/>
-          <a:ln w="6350" cap="flat" cmpd="sng">
-            <a:prstDash/>
-            <a:tailEnd type="triangle" w="med" len="med"/>
-          </a:ln>
-        </p:spPr>
-        <p:style>
-          <a:lnRef idx="1">
-            <a:schemeClr val="accent1"/>
-          </a:lnRef>
-          <a:fillRef idx="0">
-            <a:schemeClr val="accent1"/>
-          </a:fillRef>
-          <a:effectRef idx="0">
-            <a:schemeClr val="accent1"/>
-          </a:effectRef>
-          <a:fontRef idx="minor">
-            <a:schemeClr val="tx1"/>
-          </a:fontRef>
-        </p:style>
-      </p:cxnSp>
-      <p:pic>
-        <p:nvPicPr>
-          <p:cNvPr id="1064" name="그림 100"/>
-          <p:cNvPicPr>
-            <a:picLocks noChangeAspect="1"/>
-          </p:cNvPicPr>
-          <p:nvPr/>
-        </p:nvPicPr>
-        <p:blipFill rotWithShape="1">
-          <a:blip r:embed="rId3" cstate="print">
-            <a:extLst>
-              <a:ext uri="{28A0092B-C50C-407E-A947-70E740481C1C}">
-                <a14:useLocalDpi xmlns:a14="http://schemas.microsoft.com/office/drawing/2010/main" val="0"/>
-              </a:ext>
-            </a:extLst>
-          </a:blip>
-          <a:stretch>
-            <a:fillRect/>
-          </a:stretch>
-        </p:blipFill>
-        <p:spPr>
-          <a:xfrm rot="0">
-            <a:off x="6816725" y="1430020"/>
-            <a:ext cx="1205865" cy="1047750"/>
+            <a:off x="1397000" y="1984375"/>
+            <a:ext cx="1318260" cy="1937385"/>
           </a:xfrm>
           <a:prstGeom prst="roundRect"/>
           <a:solidFill>
@@ -10009,265 +9637,16 @@
           </a:solidFill>
         </p:spPr>
       </p:pic>
-      <p:pic>
-        <p:nvPicPr>
-          <p:cNvPr id="1065" name="그림 103"/>
-          <p:cNvPicPr>
-            <a:picLocks noChangeAspect="1"/>
-          </p:cNvPicPr>
-          <p:nvPr/>
-        </p:nvPicPr>
-        <p:blipFill rotWithShape="1">
-          <a:blip r:embed="rId4" cstate="print">
-            <a:extLst>
-              <a:ext uri="{28A0092B-C50C-407E-A947-70E740481C1C}">
-                <a14:useLocalDpi xmlns:a14="http://schemas.microsoft.com/office/drawing/2010/main" val="0"/>
-              </a:ext>
-            </a:extLst>
-          </a:blip>
-          <a:stretch>
-            <a:fillRect/>
-          </a:stretch>
-        </p:blipFill>
-        <p:spPr>
-          <a:xfrm rot="0">
-            <a:off x="8578850" y="1292860"/>
-            <a:ext cx="2378710" cy="1334770"/>
-          </a:xfrm>
-          <a:prstGeom prst="rect"/>
-          <a:noFill/>
-        </p:spPr>
-      </p:pic>
-      <p:pic>
-        <p:nvPicPr>
-          <p:cNvPr id="1067" name="그림 107" descr="C:/Users/Admin1/AppData/Roaming/PolarisOffice/ETemp/16684_11126392/fImage5291344153.png"/>
-          <p:cNvPicPr>
-            <a:picLocks noChangeAspect="1"/>
-          </p:cNvPicPr>
-          <p:nvPr/>
-        </p:nvPicPr>
-        <p:blipFill rotWithShape="1">
-          <a:blip r:embed="rId5" cstate="hqprint">
-            <a:extLst>
-              <a:ext uri="{28A0092B-C50C-407E-A947-70E740481C1C}">
-                <a14:useLocalDpi xmlns:a14="http://schemas.microsoft.com/office/drawing/2010/main"/>
-              </a:ext>
-            </a:extLst>
-          </a:blip>
-          <a:stretch>
-            <a:fillRect/>
-          </a:stretch>
-        </p:blipFill>
-        <p:spPr>
-          <a:xfrm rot="0">
-            <a:off x="8288020" y="3791585"/>
-            <a:ext cx="2670175" cy="1355725"/>
-          </a:xfrm>
-          <a:prstGeom prst="roundRect"/>
-          <a:solidFill>
-            <a:srgbClr val="EDEDED"/>
-          </a:solidFill>
-        </p:spPr>
-      </p:pic>
-      <p:pic>
-        <p:nvPicPr>
-          <p:cNvPr id="1068" name="그림 108"/>
-          <p:cNvPicPr>
-            <a:picLocks noChangeAspect="1"/>
-          </p:cNvPicPr>
-          <p:nvPr/>
-        </p:nvPicPr>
-        <p:blipFill rotWithShape="1">
-          <a:blip r:embed="rId6" cstate="print">
-            <a:extLst>
-              <a:ext uri="{28A0092B-C50C-407E-A947-70E740481C1C}">
-                <a14:useLocalDpi xmlns:a14="http://schemas.microsoft.com/office/drawing/2010/main" val="0"/>
-              </a:ext>
-            </a:extLst>
-          </a:blip>
-          <a:stretch>
-            <a:fillRect/>
-          </a:stretch>
-        </p:blipFill>
-        <p:spPr>
-          <a:xfrm rot="0">
-            <a:off x="6813550" y="3970655"/>
-            <a:ext cx="1205865" cy="1047750"/>
-          </a:xfrm>
-          <a:prstGeom prst="roundRect"/>
-          <a:solidFill>
-            <a:srgbClr val="EDEDED"/>
-          </a:solidFill>
-        </p:spPr>
-      </p:pic>
       <p:cxnSp>
         <p:nvCxnSpPr>
-          <p:cNvPr id="1069" name="도형 109"/>
+          <p:cNvPr id="1036" name="도형 24"/>
           <p:cNvCxnSpPr/>
           <p:nvPr/>
         </p:nvCxnSpPr>
         <p:spPr>
-          <a:xfrm rot="0" flipV="1">
-            <a:off x="7523480" y="4580255"/>
-            <a:ext cx="1139190" cy="274955"/>
-          </a:xfrm>
-          <a:prstGeom prst="straightConnector1"/>
-          <a:ln w="6350" cap="flat" cmpd="sng">
-            <a:prstDash/>
-            <a:tailEnd type="triangle" w="med" len="med"/>
-          </a:ln>
-        </p:spPr>
-        <p:style>
-          <a:lnRef idx="1">
-            <a:schemeClr val="accent1"/>
-          </a:lnRef>
-          <a:fillRef idx="0">
-            <a:schemeClr val="accent1"/>
-          </a:fillRef>
-          <a:effectRef idx="0">
-            <a:schemeClr val="accent1"/>
-          </a:effectRef>
-          <a:fontRef idx="minor">
-            <a:schemeClr val="tx1"/>
-          </a:fontRef>
-        </p:style>
-      </p:cxnSp>
-      <p:sp>
-        <p:nvSpPr>
-          <p:cNvPr id="1070" name="텍스트 상자 110"/>
-          <p:cNvSpPr txBox="1">
-            <a:spLocks/>
-          </p:cNvSpPr>
-          <p:nvPr/>
-        </p:nvSpPr>
-        <p:spPr>
-          <a:xfrm rot="0">
-            <a:off x="6817995" y="5222875"/>
-            <a:ext cx="4139565" cy="677545"/>
-          </a:xfrm>
-          <a:prstGeom prst="rect"/>
-          <a:noFill/>
-          <a:ln w="0">
-            <a:noFill/>
-            <a:prstDash/>
-          </a:ln>
-        </p:spPr>
-        <p:txBody>
-          <a:bodyPr wrap="square" lIns="89535" tIns="46355" rIns="89535" bIns="46355" numCol="1" vert="horz" anchor="t">
-            <a:spAutoFit/>
-          </a:bodyPr>
-          <a:lstStyle/>
-          <a:p>
-            <a:pPr marL="0" indent="0" algn="l" latinLnBrk="0" hangingPunct="1">
-              <a:buFontTx/>
-              <a:buNone/>
-            </a:pPr>
-            <a:r>
-              <a:rPr lang="ko-KR" sz="2000" b="1">
-                <a:solidFill>
-                  <a:srgbClr val="0611F2"/>
-                </a:solidFill>
-                <a:latin typeface="맑은 고딕" charset="0"/>
-                <a:ea typeface="맑은 고딕" charset="0"/>
-              </a:rPr>
-              <a:t>12</a:t>
-            </a:r>
-            <a:r>
-              <a:rPr sz="2000" b="1">
-                <a:solidFill>
-                  <a:srgbClr val="0611F2"/>
-                </a:solidFill>
-                <a:latin typeface="맑은 고딕" charset="0"/>
-                <a:ea typeface="맑은 고딕" charset="0"/>
-              </a:rPr>
-              <a:t>. </a:t>
-            </a:r>
-            <a:r>
-              <a:rPr lang="ko-KR" sz="1800">
-                <a:latin typeface="맑은 고딕" charset="0"/>
-                <a:ea typeface="맑은 고딕" charset="0"/>
-              </a:rPr>
-              <a:t>그리고 게임 월드 공간에 있는 Stone_3 Prefab은 삭제합니다.</a:t>
-            </a:r>
-            <a:endParaRPr lang="ko-KR" altLang="en-US" sz="1800">
-              <a:latin typeface="맑은 고딕" charset="0"/>
-              <a:ea typeface="맑은 고딕" charset="0"/>
-            </a:endParaRPr>
-          </a:p>
-        </p:txBody>
-      </p:sp>
-      <p:pic>
-        <p:nvPicPr>
-          <p:cNvPr id="1072" name="그림 39"/>
-          <p:cNvPicPr>
-            <a:picLocks noChangeAspect="1"/>
-          </p:cNvPicPr>
-          <p:nvPr/>
-        </p:nvPicPr>
-        <p:blipFill rotWithShape="1">
-          <a:blip r:embed="rId3" cstate="hqprint">
-            <a:extLst>
-              <a:ext uri="{28A0092B-C50C-407E-A947-70E740481C1C}">
-                <a14:useLocalDpi xmlns:a14="http://schemas.microsoft.com/office/drawing/2010/main"/>
-              </a:ext>
-            </a:extLst>
-          </a:blip>
-          <a:stretch>
-            <a:fillRect/>
-          </a:stretch>
-        </p:blipFill>
-        <p:spPr>
-          <a:xfrm rot="0">
-            <a:off x="6805930" y="1430020"/>
-            <a:ext cx="1206500" cy="1048385"/>
-          </a:xfrm>
-          <a:prstGeom prst="roundRect"/>
-          <a:solidFill>
-            <a:srgbClr val="EDEDED"/>
-          </a:solidFill>
-        </p:spPr>
-      </p:pic>
-      <p:pic>
-        <p:nvPicPr>
-          <p:cNvPr id="1073" name="그림 40" descr="C:/Users/Admin1/AppData/Roaming/PolarisOffice/ETemp/16684_11126392/fImage58793403902.png"/>
-          <p:cNvPicPr>
-            <a:picLocks noChangeAspect="1"/>
-          </p:cNvPicPr>
-          <p:nvPr/>
-        </p:nvPicPr>
-        <p:blipFill rotWithShape="1">
-          <a:blip r:embed="rId4" cstate="hqprint">
-            <a:extLst>
-              <a:ext uri="{28A0092B-C50C-407E-A947-70E740481C1C}">
-                <a14:useLocalDpi xmlns:a14="http://schemas.microsoft.com/office/drawing/2010/main"/>
-              </a:ext>
-            </a:extLst>
-          </a:blip>
-          <a:stretch>
-            <a:fillRect/>
-          </a:stretch>
-        </p:blipFill>
-        <p:spPr>
-          <a:xfrm rot="0">
-            <a:off x="8296275" y="1292860"/>
-            <a:ext cx="2651760" cy="1336040"/>
-          </a:xfrm>
-          <a:prstGeom prst="roundRect"/>
-          <a:solidFill>
-            <a:srgbClr val="EDEDED"/>
-          </a:solidFill>
-        </p:spPr>
-      </p:pic>
-      <p:cxnSp>
-        <p:nvCxnSpPr>
-          <p:cNvPr id="1066" name="도형 104"/>
-          <p:cNvCxnSpPr/>
-          <p:nvPr/>
-        </p:nvCxnSpPr>
-        <p:spPr>
-          <a:xfrm rot="0" flipV="1">
-            <a:off x="7506970" y="2070100"/>
-            <a:ext cx="1322070" cy="250190"/>
+          <a:xfrm rot="0">
+            <a:off x="2404745" y="3063875"/>
+            <a:ext cx="1250315" cy="1491615"/>
           </a:xfrm>
           <a:prstGeom prst="straightConnector1"/>
           <a:ln w="6350" cap="flat" cmpd="sng">
@@ -10390,8 +9769,8 @@
         </p:nvSpPr>
         <p:spPr>
           <a:xfrm rot="0">
-            <a:off x="1222375" y="1413510"/>
-            <a:ext cx="4148455" cy="923925"/>
+            <a:off x="1222375" y="1491615"/>
+            <a:ext cx="4149090" cy="924560"/>
           </a:xfrm>
           <a:prstGeom prst="rect"/>
           <a:noFill/>
@@ -10415,49 +9794,7 @@
                 <a:latin typeface="맑은 고딕" charset="0"/>
                 <a:ea typeface="맑은 고딕" charset="0"/>
               </a:rPr>
-              <a:t>프리팹은 이미 </a:t>
-            </a:r>
-            <a:r>
-              <a:rPr lang="ko-KR" sz="1800">
-                <a:latin typeface="맑은 고딕" charset="0"/>
-                <a:ea typeface="맑은 고딕" charset="0"/>
-              </a:rPr>
-              <a:t>생성된</a:t>
-            </a:r>
-            <a:r>
-              <a:rPr lang="ko-KR" sz="1800">
-                <a:latin typeface="맑은 고딕" charset="0"/>
-                <a:ea typeface="맑은 고딕" charset="0"/>
-              </a:rPr>
-              <a:t> 게임 오브젝트를 재활용</a:t>
-            </a:r>
-            <a:r>
-              <a:rPr lang="ko-KR" sz="1800">
-                <a:latin typeface="맑은 고딕" charset="0"/>
-                <a:ea typeface="맑은 고딕" charset="0"/>
-              </a:rPr>
-              <a:t>할 수 있는 </a:t>
-            </a:r>
-            <a:r>
-              <a:rPr lang="ko-KR" sz="1800">
-                <a:latin typeface="맑은 고딕" charset="0"/>
-                <a:ea typeface="맑은 고딕" charset="0"/>
-              </a:rPr>
-              <a:t>형태로</a:t>
-            </a:r>
-            <a:r>
-              <a:rPr lang="ko-KR" sz="1800">
-                <a:latin typeface="맑은 고딕" charset="0"/>
-                <a:ea typeface="맑은 고딕" charset="0"/>
-              </a:rPr>
-              <a:t> 설정해놓은</a:t>
-            </a:r>
-            <a:r>
-              <a:rPr lang="ko-KR" sz="1800">
-                <a:latin typeface="맑은 고딕" charset="0"/>
-                <a:ea typeface="맑은 고딕" charset="0"/>
-              </a:rPr>
-              <a:t> 게임 오브젝트입니다.</a:t>
+              <a:t>프리팹은 이미 생성된 게임 오브젝트를 재활용할 수 있는 형태로 설정해놓은 게임 오브젝트입니다.</a:t>
             </a:r>
             <a:endParaRPr lang="ko-KR" altLang="en-US" sz="1800">
               <a:latin typeface="맑은 고딕" charset="0"/>
@@ -10476,8 +9813,8 @@
         </p:nvSpPr>
         <p:spPr>
           <a:xfrm rot="0">
-            <a:off x="7041515" y="4152265"/>
-            <a:ext cx="3916045" cy="2031365"/>
+            <a:off x="6823710" y="4152265"/>
+            <a:ext cx="4130675" cy="2031365"/>
           </a:xfrm>
           <a:prstGeom prst="rect"/>
           <a:noFill/>
@@ -10528,49 +9865,7 @@
                 <a:latin typeface="맑은 고딕" charset="0"/>
                 <a:ea typeface="맑은 고딕" charset="0"/>
               </a:rPr>
-              <a:t>그</a:t>
-            </a:r>
-            <a:r>
-              <a:rPr lang="ko-KR" sz="1800">
-                <a:latin typeface="맑은 고딕" charset="0"/>
-                <a:ea typeface="맑은 고딕" charset="0"/>
-              </a:rPr>
-              <a:t>러므로</a:t>
-            </a:r>
-            <a:r>
-              <a:rPr lang="ko-KR" sz="1800">
-                <a:latin typeface="맑은 고딕" charset="0"/>
-                <a:ea typeface="맑은 고딕" charset="0"/>
-              </a:rPr>
-              <a:t> 하나의 게임 오브젝트를 변경하</a:t>
-            </a:r>
-            <a:r>
-              <a:rPr lang="ko-KR" sz="1800">
-                <a:latin typeface="맑은 고딕" charset="0"/>
-                <a:ea typeface="맑은 고딕" charset="0"/>
-              </a:rPr>
-              <a:t>게 되면</a:t>
-            </a:r>
-            <a:r>
-              <a:rPr lang="ko-KR" sz="1800">
-                <a:latin typeface="맑은 고딕" charset="0"/>
-                <a:ea typeface="맑은 고딕" charset="0"/>
-              </a:rPr>
-              <a:t> 참조</a:t>
-            </a:r>
-            <a:r>
-              <a:rPr lang="ko-KR" sz="1800">
-                <a:latin typeface="맑은 고딕" charset="0"/>
-                <a:ea typeface="맑은 고딕" charset="0"/>
-              </a:rPr>
-              <a:t>되어 있는</a:t>
-            </a:r>
-            <a:r>
-              <a:rPr lang="ko-KR" sz="1800">
-                <a:latin typeface="맑은 고딕" charset="0"/>
-                <a:ea typeface="맑은 고딕" charset="0"/>
-              </a:rPr>
-              <a:t> 게임 오브젝트가 전체적으로 영향을 받게 됩니다.</a:t>
+              <a:t>그러므로 하나의 게임 오브젝트를 변경하게 되면 참조되어 있는 게임 오브젝트가 전체적으로 영향을 받게 됩니다.</a:t>
             </a:r>
             <a:endParaRPr lang="ko-KR" altLang="en-US" sz="1800">
               <a:latin typeface="맑은 고딕" charset="0"/>
@@ -10589,8 +9884,8 @@
         </p:nvSpPr>
         <p:spPr>
           <a:xfrm rot="0">
-            <a:off x="1224280" y="4984750"/>
-            <a:ext cx="4146550" cy="923925"/>
+            <a:off x="1221105" y="5259070"/>
+            <a:ext cx="4139565" cy="923925"/>
           </a:xfrm>
           <a:prstGeom prst="rect"/>
           <a:noFill/>
@@ -10625,17 +9920,17 @@
       </p:sp>
       <p:pic>
         <p:nvPicPr>
-          <p:cNvPr id="1051" name="그림 18" descr="C:/Users/Admin1/AppData/Roaming/PolarisOffice/ETemp/16684_11126392/fImage504092968467.png"/>
+          <p:cNvPr id="1051" name="그림 18" descr="C:/Users/Admin1/AppData/Roaming/PolarisOffice/ETemp/20572_22936136/fImage504092968467.png"/>
           <p:cNvPicPr>
             <a:picLocks noChangeAspect="1"/>
           </p:cNvPicPr>
           <p:nvPr/>
         </p:nvPicPr>
         <p:blipFill rotWithShape="1">
-          <a:blip r:embed="rId10" cstate="print">
+          <a:blip r:embed="rId10" cstate="hqprint">
             <a:extLst>
               <a:ext uri="{28A0092B-C50C-407E-A947-70E740481C1C}">
-                <a14:useLocalDpi xmlns:a14="http://schemas.microsoft.com/office/drawing/2010/main" val="0"/>
+                <a14:useLocalDpi xmlns:a14="http://schemas.microsoft.com/office/drawing/2010/main"/>
               </a:ext>
             </a:extLst>
           </a:blip>
@@ -10645,8 +9940,8 @@
         </p:blipFill>
         <p:spPr>
           <a:xfrm rot="0">
-            <a:off x="7041515" y="1421765"/>
-            <a:ext cx="3916045" cy="2544445"/>
+            <a:off x="6823710" y="1497965"/>
+            <a:ext cx="4134485" cy="2468880"/>
           </a:xfrm>
           <a:prstGeom prst="roundRect"/>
           <a:solidFill>
@@ -10656,17 +9951,17 @@
       </p:pic>
       <p:pic>
         <p:nvPicPr>
-          <p:cNvPr id="1052" name="그림 21" descr="C:/Users/Admin1/AppData/Roaming/PolarisOffice/ETemp/16684_11126392/fImage1040312976334.png"/>
+          <p:cNvPr id="1052" name="그림 21" descr="C:/Users/Admin1/AppData/Roaming/PolarisOffice/ETemp/20572_22936136/fImage1040312976334.png"/>
           <p:cNvPicPr>
             <a:picLocks noChangeAspect="1"/>
           </p:cNvPicPr>
           <p:nvPr/>
         </p:nvPicPr>
         <p:blipFill rotWithShape="1">
-          <a:blip r:embed="rId11" cstate="print">
+          <a:blip r:embed="rId11" cstate="hqprint">
             <a:extLst>
               <a:ext uri="{28A0092B-C50C-407E-A947-70E740481C1C}">
-                <a14:useLocalDpi xmlns:a14="http://schemas.microsoft.com/office/drawing/2010/main" val="0"/>
+                <a14:useLocalDpi xmlns:a14="http://schemas.microsoft.com/office/drawing/2010/main"/>
               </a:ext>
             </a:extLst>
           </a:blip>
@@ -10676,8 +9971,8 @@
         </p:blipFill>
         <p:spPr>
           <a:xfrm rot="0">
-            <a:off x="1230630" y="2485390"/>
-            <a:ext cx="4140200" cy="2336800"/>
+            <a:off x="1230630" y="2552700"/>
+            <a:ext cx="4141470" cy="2578100"/>
           </a:xfrm>
           <a:prstGeom prst="roundRect"/>
           <a:solidFill>
@@ -10795,8 +10090,8 @@
         </p:nvSpPr>
         <p:spPr>
           <a:xfrm rot="0">
-            <a:off x="1354455" y="4131310"/>
-            <a:ext cx="4024630" cy="1784985"/>
+            <a:off x="1432560" y="2866390"/>
+            <a:ext cx="3954145" cy="954405"/>
           </a:xfrm>
           <a:prstGeom prst="rect"/>
           <a:noFill/>
@@ -10823,7 +10118,7 @@
                 <a:latin typeface="맑은 고딕" charset="0"/>
                 <a:ea typeface="맑은 고딕" charset="0"/>
               </a:rPr>
-              <a:t>13</a:t>
+              <a:t>9</a:t>
             </a:r>
             <a:r>
               <a:rPr sz="2000" b="1">
@@ -10840,143 +10135,25 @@
                 <a:latin typeface="맑은 고딕" charset="0"/>
                 <a:ea typeface="맑은 고딕" charset="0"/>
               </a:rPr>
-              <a:t>그런 다음 Create Object 오브젝트를 선택합니다.</a:t>
+              <a:t>그런 다음 Generic Create Button의 앵커를 지정하고 위치와 크기를 설정합니다.</a:t>
             </a:r>
             <a:endParaRPr lang="ko-KR" altLang="en-US" sz="1800">
               <a:latin typeface="맑은 고딕" charset="0"/>
               <a:ea typeface="맑은 고딕" charset="0"/>
             </a:endParaRPr>
           </a:p>
-          <a:p>
-            <a:pPr marL="0" indent="0" algn="l" latinLnBrk="0" hangingPunct="1">
-              <a:buFontTx/>
-              <a:buNone/>
-            </a:pPr>
-            <a:endParaRPr lang="ko-KR" altLang="en-US" sz="1800">
-              <a:latin typeface="맑은 고딕" charset="0"/>
-              <a:ea typeface="맑은 고딕" charset="0"/>
-            </a:endParaRPr>
-          </a:p>
-          <a:p>
-            <a:pPr marL="0" indent="0" algn="l" latinLnBrk="0" hangingPunct="1">
-              <a:buFontTx/>
-              <a:buNone/>
-            </a:pPr>
-            <a:r>
-              <a:rPr lang="ko-KR" sz="1800">
-                <a:latin typeface="맑은 고딕" charset="0"/>
-                <a:ea typeface="맑은 고딕" charset="0"/>
-              </a:rPr>
-              <a:t>그리고 Create 스크립트에 있는 Prefab 게임 오브젝트 변수에 Stone_3 오브젝트를 넣어줍니다.</a:t>
-            </a:r>
-            <a:endParaRPr lang="ko-KR" altLang="en-US" sz="1800">
-              <a:latin typeface="맑은 고딕" charset="0"/>
-              <a:ea typeface="맑은 고딕" charset="0"/>
-            </a:endParaRPr>
-          </a:p>
-        </p:txBody>
-      </p:sp>
-      <p:sp>
-        <p:nvSpPr>
-          <p:cNvPr id="1070" name="Rect 0"/>
-          <p:cNvSpPr txBox="1">
-            <a:spLocks/>
-          </p:cNvSpPr>
-          <p:nvPr/>
-        </p:nvSpPr>
-        <p:spPr>
-          <a:xfrm rot="0">
-            <a:off x="6809740" y="4322445"/>
-            <a:ext cx="4140200" cy="1784985"/>
-          </a:xfrm>
-          <a:prstGeom prst="rect"/>
-          <a:noFill/>
-          <a:ln w="0">
-            <a:noFill/>
-            <a:prstDash/>
-          </a:ln>
-        </p:spPr>
-        <p:txBody>
-          <a:bodyPr wrap="square" lIns="89535" tIns="46355" rIns="89535" bIns="46355" numCol="1" vert="horz" anchor="t">
-            <a:spAutoFit/>
-          </a:bodyPr>
-          <a:lstStyle/>
-          <a:p>
-            <a:pPr marL="0" indent="0" algn="l" latinLnBrk="0" hangingPunct="1">
-              <a:buFontTx/>
-              <a:buNone/>
-            </a:pPr>
-            <a:r>
-              <a:rPr lang="ko-KR" sz="2000" b="1">
-                <a:solidFill>
-                  <a:srgbClr val="0611F2"/>
-                </a:solidFill>
-                <a:latin typeface="맑은 고딕" charset="0"/>
-                <a:ea typeface="맑은 고딕" charset="0"/>
-              </a:rPr>
-              <a:t>14</a:t>
-            </a:r>
-            <a:r>
-              <a:rPr sz="2000" b="1">
-                <a:solidFill>
-                  <a:srgbClr val="0611F2"/>
-                </a:solidFill>
-                <a:latin typeface="맑은 고딕" charset="0"/>
-                <a:ea typeface="맑은 고딕" charset="0"/>
-              </a:rPr>
-              <a:t>. </a:t>
-            </a:r>
-            <a:r>
-              <a:rPr lang="ko-KR" sz="1800">
-                <a:latin typeface="맑은 고딕" charset="0"/>
-                <a:ea typeface="맑은 고딕" charset="0"/>
-              </a:rPr>
-              <a:t>그다음 버튼을 생성하고 버튼 이름을 Generic Create Button으로 변경합니다.</a:t>
-            </a:r>
-            <a:endParaRPr lang="ko-KR" altLang="en-US" sz="1800">
-              <a:latin typeface="맑은 고딕" charset="0"/>
-              <a:ea typeface="맑은 고딕" charset="0"/>
-            </a:endParaRPr>
-          </a:p>
-          <a:p>
-            <a:pPr marL="0" indent="0" algn="l" latinLnBrk="0" hangingPunct="1">
-              <a:buFontTx/>
-              <a:buNone/>
-            </a:pPr>
-            <a:endParaRPr lang="ko-KR" altLang="en-US" sz="1800">
-              <a:latin typeface="맑은 고딕" charset="0"/>
-              <a:ea typeface="맑은 고딕" charset="0"/>
-            </a:endParaRPr>
-          </a:p>
-          <a:p>
-            <a:pPr marL="0" indent="0" algn="l" latinLnBrk="0" hangingPunct="1">
-              <a:buFontTx/>
-              <a:buNone/>
-            </a:pPr>
-            <a:r>
-              <a:rPr lang="ko-KR" sz="1800">
-                <a:latin typeface="맑은 고딕" charset="0"/>
-                <a:ea typeface="맑은 고딕" charset="0"/>
-              </a:rPr>
-              <a:t>그리고 Generic Create Button의 하위 오브젝트 Text를 선택합니다.</a:t>
-            </a:r>
-            <a:endParaRPr lang="ko-KR" altLang="en-US" sz="1800">
-              <a:latin typeface="맑은 고딕" charset="0"/>
-              <a:ea typeface="맑은 고딕" charset="0"/>
-            </a:endParaRPr>
-          </a:p>
         </p:txBody>
       </p:sp>
       <p:pic>
         <p:nvPicPr>
-          <p:cNvPr id="1071" name="그림 127"/>
+          <p:cNvPr id="1052" name="그림 34" descr="C:/Users/Admin1/AppData/Roaming/PolarisOffice/ETemp/20572_22936136/fImage120161889169.png"/>
           <p:cNvPicPr>
             <a:picLocks noChangeAspect="1"/>
           </p:cNvPicPr>
           <p:nvPr/>
         </p:nvPicPr>
         <p:blipFill rotWithShape="1">
-          <a:blip r:embed="rId2" cstate="print">
+          <a:blip r:embed="rId8" cstate="print">
             <a:extLst>
               <a:ext uri="{28A0092B-C50C-407E-A947-70E740481C1C}">
                 <a14:useLocalDpi xmlns:a14="http://schemas.microsoft.com/office/drawing/2010/main" val="0"/>
@@ -10989,8 +10166,8 @@
         </p:blipFill>
         <p:spPr>
           <a:xfrm rot="0">
-            <a:off x="1344295" y="1288415"/>
-            <a:ext cx="4026535" cy="1430655"/>
+            <a:off x="1428750" y="1402715"/>
+            <a:ext cx="3957955" cy="1351915"/>
           </a:xfrm>
           <a:prstGeom prst="roundRect"/>
           <a:solidFill>
@@ -11000,14 +10177,14 @@
       </p:pic>
       <p:pic>
         <p:nvPicPr>
-          <p:cNvPr id="1072" name="그림 128"/>
+          <p:cNvPr id="1053" name="그림 37" descr="C:/Users/Admin1/AppData/Roaming/PolarisOffice/ETemp/20572_22936136/fImage122321895724.png"/>
           <p:cNvPicPr>
             <a:picLocks noChangeAspect="1"/>
           </p:cNvPicPr>
           <p:nvPr/>
         </p:nvPicPr>
         <p:blipFill rotWithShape="1">
-          <a:blip r:embed="rId3" cstate="print">
+          <a:blip r:embed="rId9" cstate="print">
             <a:extLst>
               <a:ext uri="{28A0092B-C50C-407E-A947-70E740481C1C}">
                 <a14:useLocalDpi xmlns:a14="http://schemas.microsoft.com/office/drawing/2010/main" val="0"/>
@@ -11020,8 +10197,8 @@
         </p:blipFill>
         <p:spPr>
           <a:xfrm rot="0">
-            <a:off x="1343025" y="2852420"/>
-            <a:ext cx="4027805" cy="1155065"/>
+            <a:off x="1433195" y="3938905"/>
+            <a:ext cx="3945255" cy="1273810"/>
           </a:xfrm>
           <a:prstGeom prst="roundRect"/>
           <a:solidFill>
@@ -11029,49 +10206,332 @@
           </a:solidFill>
         </p:spPr>
       </p:pic>
-      <p:cxnSp>
-        <p:nvCxnSpPr>
-          <p:cNvPr id="1073" name="도형 133"/>
-          <p:cNvCxnSpPr/>
+      <p:sp>
+        <p:nvSpPr>
+          <p:cNvPr id="1054" name="텍스트 상자 40"/>
+          <p:cNvSpPr txBox="1">
+            <a:spLocks/>
+          </p:cNvSpPr>
           <p:nvPr/>
-        </p:nvCxnSpPr>
-        <p:spPr>
-          <a:xfrm rot="0" flipV="1">
-            <a:off x="2826385" y="2618740"/>
-            <a:ext cx="2444750" cy="615950"/>
-          </a:xfrm>
-          <a:prstGeom prst="straightConnector1"/>
-          <a:ln w="6350" cap="flat" cmpd="sng">
+        </p:nvSpPr>
+        <p:spPr>
+          <a:xfrm rot="0">
+            <a:off x="1426210" y="5293995"/>
+            <a:ext cx="3954145" cy="954405"/>
+          </a:xfrm>
+          <a:prstGeom prst="rect"/>
+          <a:noFill/>
+          <a:ln w="0">
+            <a:noFill/>
             <a:prstDash/>
-            <a:headEnd type="none" w="med" len="med"/>
-            <a:tailEnd type="triangle" w="med" len="med"/>
           </a:ln>
         </p:spPr>
-        <p:style>
-          <a:lnRef idx="1">
-            <a:schemeClr val="accent1"/>
-          </a:lnRef>
-          <a:fillRef idx="0">
-            <a:schemeClr val="accent1"/>
-          </a:fillRef>
-          <a:effectRef idx="0">
-            <a:schemeClr val="accent1"/>
-          </a:effectRef>
-          <a:fontRef idx="minor">
-            <a:schemeClr val="tx1"/>
-          </a:fontRef>
-        </p:style>
-      </p:cxnSp>
+        <p:txBody>
+          <a:bodyPr wrap="square" lIns="89535" tIns="46355" rIns="89535" bIns="46355" numCol="1" vert="horz" anchor="t">
+            <a:spAutoFit/>
+          </a:bodyPr>
+          <a:lstStyle/>
+          <a:p>
+            <a:pPr marL="0" indent="0" algn="l" latinLnBrk="0" hangingPunct="1">
+              <a:buFontTx/>
+              <a:buNone/>
+            </a:pPr>
+            <a:r>
+              <a:rPr lang="ko-KR" sz="2000" b="1">
+                <a:solidFill>
+                  <a:srgbClr val="0611F2"/>
+                </a:solidFill>
+                <a:latin typeface="맑은 고딕" charset="0"/>
+                <a:ea typeface="맑은 고딕" charset="0"/>
+              </a:rPr>
+              <a:t>10</a:t>
+            </a:r>
+            <a:r>
+              <a:rPr sz="2000" b="1">
+                <a:solidFill>
+                  <a:srgbClr val="0611F2"/>
+                </a:solidFill>
+                <a:latin typeface="맑은 고딕" charset="0"/>
+                <a:ea typeface="맑은 고딕" charset="0"/>
+              </a:rPr>
+              <a:t>. </a:t>
+            </a:r>
+            <a:r>
+              <a:rPr lang="ko-KR" sz="1800">
+                <a:latin typeface="맑은 고딕" charset="0"/>
+                <a:ea typeface="맑은 고딕" charset="0"/>
+              </a:rPr>
+              <a:t>그다음 Main Camera 오브젝트의 위치와 회전 값을 설정합니다.</a:t>
+            </a:r>
+            <a:endParaRPr lang="ko-KR" altLang="en-US" sz="1800">
+              <a:latin typeface="맑은 고딕" charset="0"/>
+              <a:ea typeface="맑은 고딕" charset="0"/>
+            </a:endParaRPr>
+          </a:p>
+        </p:txBody>
+      </p:sp>
       <p:pic>
         <p:nvPicPr>
-          <p:cNvPr id="1074" name="그림 146"/>
+          <p:cNvPr id="1055" name="그림 41" descr="C:/Users/Admin1/AppData/Roaming/PolarisOffice/ETemp/20572_22936136/fImage59261911478.png"/>
           <p:cNvPicPr>
             <a:picLocks noChangeAspect="1"/>
           </p:cNvPicPr>
           <p:nvPr/>
         </p:nvPicPr>
         <p:blipFill rotWithShape="1">
-          <a:blip r:embed="rId4" cstate="hqprint">
+          <a:blip r:embed="rId10" cstate="print">
+            <a:extLst>
+              <a:ext uri="{28A0092B-C50C-407E-A947-70E740481C1C}">
+                <a14:useLocalDpi xmlns:a14="http://schemas.microsoft.com/office/drawing/2010/main" val="0"/>
+              </a:ext>
+            </a:extLst>
+          </a:blip>
+          <a:stretch>
+            <a:fillRect/>
+          </a:stretch>
+        </p:blipFill>
+        <p:spPr>
+          <a:xfrm rot="0">
+            <a:off x="8355965" y="1400810"/>
+            <a:ext cx="2598420" cy="1353820"/>
+          </a:xfrm>
+          <a:prstGeom prst="roundRect"/>
+          <a:solidFill>
+            <a:srgbClr val="EDEDED"/>
+          </a:solidFill>
+        </p:spPr>
+      </p:pic>
+      <p:sp>
+        <p:nvSpPr>
+          <p:cNvPr id="1056" name="텍스트 상자 44"/>
+          <p:cNvSpPr txBox="1">
+            <a:spLocks/>
+          </p:cNvSpPr>
+          <p:nvPr/>
+        </p:nvSpPr>
+        <p:spPr>
+          <a:xfrm rot="0">
+            <a:off x="6812280" y="2938145"/>
+            <a:ext cx="4142105" cy="677545"/>
+          </a:xfrm>
+          <a:prstGeom prst="rect"/>
+          <a:noFill/>
+          <a:ln w="0">
+            <a:noFill/>
+            <a:prstDash/>
+          </a:ln>
+        </p:spPr>
+        <p:txBody>
+          <a:bodyPr wrap="square" lIns="89535" tIns="46355" rIns="89535" bIns="46355" numCol="1" vert="horz" anchor="t">
+            <a:spAutoFit/>
+          </a:bodyPr>
+          <a:lstStyle/>
+          <a:p>
+            <a:pPr marL="0" indent="0" algn="l" latinLnBrk="0" hangingPunct="1">
+              <a:buFontTx/>
+              <a:buNone/>
+            </a:pPr>
+            <a:r>
+              <a:rPr lang="ko-KR" sz="2000" b="1">
+                <a:solidFill>
+                  <a:srgbClr val="0611F2"/>
+                </a:solidFill>
+                <a:latin typeface="맑은 고딕" charset="0"/>
+                <a:ea typeface="맑은 고딕" charset="0"/>
+              </a:rPr>
+              <a:t>11</a:t>
+            </a:r>
+            <a:r>
+              <a:rPr sz="2000" b="1">
+                <a:solidFill>
+                  <a:srgbClr val="0611F2"/>
+                </a:solidFill>
+                <a:latin typeface="맑은 고딕" charset="0"/>
+                <a:ea typeface="맑은 고딕" charset="0"/>
+              </a:rPr>
+              <a:t>. </a:t>
+            </a:r>
+            <a:r>
+              <a:rPr lang="ko-KR" sz="1800">
+                <a:latin typeface="맑은 고딕" charset="0"/>
+                <a:ea typeface="맑은 고딕" charset="0"/>
+              </a:rPr>
+              <a:t>이제 Model 폴더에 있는 Orc 오브젝트를 월드 공간에 배치합니다.</a:t>
+            </a:r>
+            <a:endParaRPr lang="ko-KR" altLang="en-US" sz="1800">
+              <a:latin typeface="맑은 고딕" charset="0"/>
+              <a:ea typeface="맑은 고딕" charset="0"/>
+            </a:endParaRPr>
+          </a:p>
+        </p:txBody>
+      </p:sp>
+      <p:pic>
+        <p:nvPicPr>
+          <p:cNvPr id="1057" name="그림 45" descr="C:/Users/Admin1/AppData/Roaming/PolarisOffice/ETemp/20572_22936136/fImage71351939358.png"/>
+          <p:cNvPicPr>
+            <a:picLocks noChangeAspect="1"/>
+          </p:cNvPicPr>
+          <p:nvPr/>
+        </p:nvPicPr>
+        <p:blipFill rotWithShape="1">
+          <a:blip r:embed="rId11" cstate="print">
+            <a:extLst>
+              <a:ext uri="{28A0092B-C50C-407E-A947-70E740481C1C}">
+                <a14:useLocalDpi xmlns:a14="http://schemas.microsoft.com/office/drawing/2010/main" val="0"/>
+              </a:ext>
+            </a:extLst>
+          </a:blip>
+          <a:stretch>
+            <a:fillRect/>
+          </a:stretch>
+        </p:blipFill>
+        <p:spPr>
+          <a:xfrm rot="0">
+            <a:off x="6814820" y="1406525"/>
+            <a:ext cx="1386205" cy="1365250"/>
+          </a:xfrm>
+          <a:prstGeom prst="roundRect"/>
+          <a:solidFill>
+            <a:srgbClr val="EDEDED"/>
+          </a:solidFill>
+        </p:spPr>
+      </p:pic>
+      <p:pic>
+        <p:nvPicPr>
+          <p:cNvPr id="1058" name="그림 48" descr="C:/Users/Admin1/AppData/Roaming/PolarisOffice/ETemp/20572_22936136/fImage53011946962.png"/>
+          <p:cNvPicPr>
+            <a:picLocks noChangeAspect="1"/>
+          </p:cNvPicPr>
+          <p:nvPr/>
+        </p:nvPicPr>
+        <p:blipFill rotWithShape="1">
+          <a:blip r:embed="rId12" cstate="print">
+            <a:extLst>
+              <a:ext uri="{28A0092B-C50C-407E-A947-70E740481C1C}">
+                <a14:useLocalDpi xmlns:a14="http://schemas.microsoft.com/office/drawing/2010/main" val="0"/>
+              </a:ext>
+            </a:extLst>
+          </a:blip>
+          <a:stretch>
+            <a:fillRect/>
+          </a:stretch>
+        </p:blipFill>
+        <p:spPr>
+          <a:xfrm rot="0">
+            <a:off x="8347710" y="3818890"/>
+            <a:ext cx="2604135" cy="1359535"/>
+          </a:xfrm>
+          <a:prstGeom prst="roundRect"/>
+          <a:solidFill>
+            <a:srgbClr val="EDEDED"/>
+          </a:solidFill>
+        </p:spPr>
+      </p:pic>
+      <p:pic>
+        <p:nvPicPr>
+          <p:cNvPr id="1059" name="그림 49" descr="C:/Users/Admin1/AppData/Roaming/PolarisOffice/ETemp/20572_22936136/fImage71351954464.png"/>
+          <p:cNvPicPr>
+            <a:picLocks noChangeAspect="1"/>
+          </p:cNvPicPr>
+          <p:nvPr/>
+        </p:nvPicPr>
+        <p:blipFill rotWithShape="1">
+          <a:blip r:embed="rId13" cstate="print">
+            <a:extLst>
+              <a:ext uri="{28A0092B-C50C-407E-A947-70E740481C1C}">
+                <a14:useLocalDpi xmlns:a14="http://schemas.microsoft.com/office/drawing/2010/main" val="0"/>
+              </a:ext>
+            </a:extLst>
+          </a:blip>
+          <a:stretch>
+            <a:fillRect/>
+          </a:stretch>
+        </p:blipFill>
+        <p:spPr>
+          <a:xfrm rot="0">
+            <a:off x="6826250" y="3816350"/>
+            <a:ext cx="1383665" cy="1365250"/>
+          </a:xfrm>
+          <a:prstGeom prst="roundRect"/>
+          <a:solidFill>
+            <a:srgbClr val="EDEDED"/>
+          </a:solidFill>
+        </p:spPr>
+      </p:pic>
+      <p:sp>
+        <p:nvSpPr>
+          <p:cNvPr id="1060" name="텍스트 상자 52"/>
+          <p:cNvSpPr txBox="1">
+            <a:spLocks/>
+          </p:cNvSpPr>
+          <p:nvPr/>
+        </p:nvSpPr>
+        <p:spPr>
+          <a:xfrm rot="0">
+            <a:off x="6814820" y="5295265"/>
+            <a:ext cx="4142105" cy="954405"/>
+          </a:xfrm>
+          <a:prstGeom prst="rect"/>
+          <a:noFill/>
+          <a:ln w="0">
+            <a:noFill/>
+            <a:prstDash/>
+          </a:ln>
+        </p:spPr>
+        <p:txBody>
+          <a:bodyPr wrap="square" lIns="89535" tIns="46355" rIns="89535" bIns="46355" numCol="1" vert="horz" anchor="t">
+            <a:spAutoFit/>
+          </a:bodyPr>
+          <a:lstStyle/>
+          <a:p>
+            <a:pPr marL="0" indent="0" algn="l" latinLnBrk="0" hangingPunct="1">
+              <a:buFontTx/>
+              <a:buNone/>
+            </a:pPr>
+            <a:r>
+              <a:rPr lang="ko-KR" sz="2000" b="1">
+                <a:solidFill>
+                  <a:srgbClr val="0611F2"/>
+                </a:solidFill>
+                <a:latin typeface="맑은 고딕" charset="0"/>
+                <a:ea typeface="맑은 고딕" charset="0"/>
+              </a:rPr>
+              <a:t>12</a:t>
+            </a:r>
+            <a:r>
+              <a:rPr sz="2000" b="1">
+                <a:solidFill>
+                  <a:srgbClr val="0611F2"/>
+                </a:solidFill>
+                <a:latin typeface="맑은 고딕" charset="0"/>
+                <a:ea typeface="맑은 고딕" charset="0"/>
+              </a:rPr>
+              <a:t>. </a:t>
+            </a:r>
+            <a:r>
+              <a:rPr lang="ko-KR" sz="1800">
+                <a:latin typeface="맑은 고딕" charset="0"/>
+                <a:ea typeface="맑은 고딕" charset="0"/>
+              </a:rPr>
+              <a:t>그리고 월드 공간에 있는 Orc 오브젝트를 Project 폴더에 있는 Prefab 폴더에 넣어줍니다.</a:t>
+            </a:r>
+            <a:endParaRPr lang="ko-KR" altLang="en-US" sz="1800">
+              <a:latin typeface="맑은 고딕" charset="0"/>
+              <a:ea typeface="맑은 고딕" charset="0"/>
+            </a:endParaRPr>
+          </a:p>
+        </p:txBody>
+      </p:sp>
+      <p:pic>
+        <p:nvPicPr>
+          <p:cNvPr id="1061" name="그림 54" descr="C:/Users/Admin1/AppData/Roaming/PolarisOffice/ETemp/20572_22936136/fImage2242171995705.png"/>
+          <p:cNvPicPr>
+            <a:picLocks noChangeAspect="1"/>
+          </p:cNvPicPr>
+          <p:nvPr/>
+        </p:nvPicPr>
+        <p:blipFill rotWithShape="1">
+          <a:blip r:embed="rId14" cstate="hqprint">
             <a:extLst>
               <a:ext uri="{28A0092B-C50C-407E-A947-70E740481C1C}">
                 <a14:useLocalDpi xmlns:a14="http://schemas.microsoft.com/office/drawing/2010/main"/>
@@ -11084,8 +10544,8 @@
         </p:blipFill>
         <p:spPr>
           <a:xfrm rot="0">
-            <a:off x="6814820" y="1277620"/>
-            <a:ext cx="2264410" cy="2894330"/>
+            <a:off x="8013700" y="4366895"/>
+            <a:ext cx="530860" cy="426085"/>
           </a:xfrm>
           <a:prstGeom prst="rect"/>
           <a:noFill/>
@@ -11093,17 +10553,17 @@
       </p:pic>
       <p:pic>
         <p:nvPicPr>
-          <p:cNvPr id="1076" name="그림 7"/>
+          <p:cNvPr id="1062" name="그림 55" descr="C:/Users/Admin1/AppData/Roaming/PolarisOffice/ETemp/20572_22936136/fImage2242172008145.png"/>
           <p:cNvPicPr>
             <a:picLocks noChangeAspect="1"/>
           </p:cNvPicPr>
           <p:nvPr/>
         </p:nvPicPr>
         <p:blipFill rotWithShape="1">
-          <a:blip r:embed="rId7" cstate="print">
+          <a:blip r:embed="rId15" cstate="hqprint">
             <a:extLst>
               <a:ext uri="{28A0092B-C50C-407E-A947-70E740481C1C}">
-                <a14:useLocalDpi xmlns:a14="http://schemas.microsoft.com/office/drawing/2010/main" val="0"/>
+                <a14:useLocalDpi xmlns:a14="http://schemas.microsoft.com/office/drawing/2010/main"/>
               </a:ext>
             </a:extLst>
           </a:blip>
@@ -11112,14 +10572,12 @@
           </a:stretch>
         </p:blipFill>
         <p:spPr>
-          <a:xfrm rot="0">
-            <a:off x="9326880" y="1770380"/>
-            <a:ext cx="1630680" cy="1921510"/>
-          </a:xfrm>
-          <a:prstGeom prst="roundRect"/>
-          <a:solidFill>
-            <a:srgbClr val="EDEDED"/>
-          </a:solidFill>
+          <a:xfrm rot="10800000">
+            <a:off x="8007350" y="1866900"/>
+            <a:ext cx="530860" cy="426085"/>
+          </a:xfrm>
+          <a:prstGeom prst="rect"/>
+          <a:noFill/>
         </p:spPr>
       </p:pic>
     </p:spTree>
@@ -11224,7 +10682,7 @@
       </p:sp>
       <p:sp>
         <p:nvSpPr>
-          <p:cNvPr id="1051" name="Rect 0"/>
+          <p:cNvPr id="1032" name="텍스트 상자 56"/>
           <p:cNvSpPr txBox="1">
             <a:spLocks/>
           </p:cNvSpPr>
@@ -11232,8 +10690,8 @@
         </p:nvSpPr>
         <p:spPr>
           <a:xfrm rot="0">
-            <a:off x="1395730" y="5154295"/>
-            <a:ext cx="3958590" cy="954405"/>
+            <a:off x="1432560" y="5100320"/>
+            <a:ext cx="3945890" cy="954405"/>
           </a:xfrm>
           <a:prstGeom prst="rect"/>
           <a:noFill/>
@@ -11260,17 +10718,7 @@
                 <a:latin typeface="맑은 고딕" charset="0"/>
                 <a:ea typeface="맑은 고딕" charset="0"/>
               </a:rPr>
-              <a:t>1</a:t>
-            </a:r>
-            <a:r>
-              <a:rPr lang="ko-KR" sz="2000" b="1">
-                <a:solidFill>
-                  <a:srgbClr val="0611F2"/>
-                </a:solidFill>
-                <a:latin typeface="맑은 고딕" charset="0"/>
-                <a:ea typeface="맑은 고딕" charset="0"/>
-              </a:rPr>
-              <a:t>5</a:t>
+              <a:t>13</a:t>
             </a:r>
             <a:r>
               <a:rPr sz="2000" b="1">
@@ -11287,28 +10735,7 @@
                 <a:latin typeface="맑은 고딕" charset="0"/>
                 <a:ea typeface="맑은 고딕" charset="0"/>
               </a:rPr>
-              <a:t>그</a:t>
-            </a:r>
-            <a:r>
-              <a:rPr lang="ko-KR" sz="1800">
-                <a:latin typeface="맑은 고딕" charset="0"/>
-                <a:ea typeface="맑은 고딕" charset="0"/>
-              </a:rPr>
-              <a:t>리고</a:t>
-            </a:r>
-            <a:r>
-              <a:rPr lang="ko-KR" sz="1800">
-                <a:latin typeface="맑은 고딕" charset="0"/>
-                <a:ea typeface="맑은 고딕" charset="0"/>
-              </a:rPr>
-              <a:t> Generic Create Button</a:t>
-            </a:r>
-            <a:r>
-              <a:rPr lang="ko-KR" sz="1800">
-                <a:latin typeface="맑은 고딕" charset="0"/>
-                <a:ea typeface="맑은 고딕" charset="0"/>
-              </a:rPr>
-              <a:t>의 Text에 Genenric Stone Create로 정의합니다.</a:t>
+              <a:t>그런 다음 월드 공간에 있는 Orc 오브젝트를 선택하고 Delete로 삭제시켜 줍니다.</a:t>
             </a:r>
             <a:endParaRPr lang="ko-KR" altLang="en-US" sz="1800">
               <a:latin typeface="맑은 고딕" charset="0"/>
@@ -11317,97 +10744,16 @@
           </a:p>
         </p:txBody>
       </p:sp>
-      <p:sp>
-        <p:nvSpPr>
-          <p:cNvPr id="1070" name="Rect 0"/>
-          <p:cNvSpPr txBox="1">
-            <a:spLocks/>
-          </p:cNvSpPr>
-          <p:nvPr/>
-        </p:nvSpPr>
-        <p:spPr>
-          <a:xfrm rot="0">
-            <a:off x="6801485" y="5149850"/>
-            <a:ext cx="4217670" cy="954405"/>
-          </a:xfrm>
-          <a:prstGeom prst="rect"/>
-          <a:noFill/>
-          <a:ln w="0">
-            <a:noFill/>
-            <a:prstDash/>
-          </a:ln>
-        </p:spPr>
-        <p:txBody>
-          <a:bodyPr wrap="square" lIns="89535" tIns="46355" rIns="89535" bIns="46355" numCol="1" vert="horz" anchor="t">
-            <a:spAutoFit/>
-          </a:bodyPr>
-          <a:lstStyle/>
-          <a:p>
-            <a:pPr marL="0" indent="0" algn="l" latinLnBrk="0" hangingPunct="1">
-              <a:buFontTx/>
-              <a:buNone/>
-            </a:pPr>
-            <a:r>
-              <a:rPr lang="ko-KR" sz="2000" b="1">
-                <a:solidFill>
-                  <a:srgbClr val="0611F2"/>
-                </a:solidFill>
-                <a:latin typeface="맑은 고딕" charset="0"/>
-                <a:ea typeface="맑은 고딕" charset="0"/>
-              </a:rPr>
-              <a:t>1</a:t>
-            </a:r>
-            <a:r>
-              <a:rPr lang="ko-KR" sz="2000" b="1">
-                <a:solidFill>
-                  <a:srgbClr val="0611F2"/>
-                </a:solidFill>
-                <a:latin typeface="맑은 고딕" charset="0"/>
-                <a:ea typeface="맑은 고딕" charset="0"/>
-              </a:rPr>
-              <a:t>6</a:t>
-            </a:r>
-            <a:r>
-              <a:rPr sz="2000" b="1">
-                <a:solidFill>
-                  <a:srgbClr val="0611F2"/>
-                </a:solidFill>
-                <a:latin typeface="맑은 고딕" charset="0"/>
-                <a:ea typeface="맑은 고딕" charset="0"/>
-              </a:rPr>
-              <a:t>. </a:t>
-            </a:r>
-            <a:r>
-              <a:rPr lang="ko-KR" sz="1800">
-                <a:latin typeface="맑은 고딕" charset="0"/>
-                <a:ea typeface="맑은 고딕" charset="0"/>
-              </a:rPr>
-              <a:t>그</a:t>
-            </a:r>
-            <a:r>
-              <a:rPr lang="ko-KR" sz="1800">
-                <a:latin typeface="맑은 고딕" charset="0"/>
-                <a:ea typeface="맑은 고딕" charset="0"/>
-              </a:rPr>
-              <a:t>다음으로 Generic Create Button을 선택하고 On Click 함수에 Event를 추가합니다.</a:t>
-            </a:r>
-            <a:endParaRPr lang="ko-KR" altLang="en-US" sz="1800">
-              <a:latin typeface="맑은 고딕" charset="0"/>
-              <a:ea typeface="맑은 고딕" charset="0"/>
-            </a:endParaRPr>
-          </a:p>
-        </p:txBody>
-      </p:sp>
       <p:pic>
         <p:nvPicPr>
-          <p:cNvPr id="1077" name="그림 14"/>
+          <p:cNvPr id="1034" name="그림 58" descr="C:/Users/Admin1/AppData/Roaming/PolarisOffice/ETemp/20572_22936136/fImage115662033281.png"/>
           <p:cNvPicPr>
             <a:picLocks noChangeAspect="1"/>
           </p:cNvPicPr>
           <p:nvPr/>
         </p:nvPicPr>
         <p:blipFill rotWithShape="1">
-          <a:blip r:embed="rId2" cstate="print">
+          <a:blip r:embed="rId5" cstate="print">
             <a:extLst>
               <a:ext uri="{28A0092B-C50C-407E-A947-70E740481C1C}">
                 <a14:useLocalDpi xmlns:a14="http://schemas.microsoft.com/office/drawing/2010/main" val="0"/>
@@ -11420,23 +10766,25 @@
         </p:blipFill>
         <p:spPr>
           <a:xfrm rot="0">
-            <a:off x="1393190" y="1274445"/>
-            <a:ext cx="3960495" cy="3767455"/>
-          </a:xfrm>
-          <a:prstGeom prst="rect"/>
-          <a:noFill/>
+            <a:off x="3187065" y="1402715"/>
+            <a:ext cx="2182495" cy="3481705"/>
+          </a:xfrm>
+          <a:prstGeom prst="roundRect"/>
+          <a:solidFill>
+            <a:srgbClr val="EDEDED"/>
+          </a:solidFill>
         </p:spPr>
       </p:pic>
       <p:pic>
         <p:nvPicPr>
-          <p:cNvPr id="1078" name="그림 15"/>
+          <p:cNvPr id="1035" name="그림 61" descr="C:/Users/Admin1/AppData/Roaming/PolarisOffice/ETemp/20572_22936136/fImage71352046827.png"/>
           <p:cNvPicPr>
             <a:picLocks noChangeAspect="1"/>
           </p:cNvPicPr>
           <p:nvPr/>
         </p:nvPicPr>
         <p:blipFill rotWithShape="1">
-          <a:blip r:embed="rId3" cstate="print">
+          <a:blip r:embed="rId6" cstate="print">
             <a:extLst>
               <a:ext uri="{28A0092B-C50C-407E-A947-70E740481C1C}">
                 <a14:useLocalDpi xmlns:a14="http://schemas.microsoft.com/office/drawing/2010/main" val="0"/>
@@ -11449,11 +10797,13 @@
         </p:blipFill>
         <p:spPr>
           <a:xfrm rot="0">
-            <a:off x="6797040" y="1312545"/>
-            <a:ext cx="4225290" cy="3695065"/>
-          </a:xfrm>
-          <a:prstGeom prst="rect"/>
-          <a:noFill/>
+            <a:off x="1428750" y="1922145"/>
+            <a:ext cx="1602740" cy="2451735"/>
+          </a:xfrm>
+          <a:prstGeom prst="roundRect"/>
+          <a:solidFill>
+            <a:srgbClr val="EDEDED"/>
+          </a:solidFill>
         </p:spPr>
       </p:pic>
     </p:spTree>
@@ -11556,289 +10906,6 @@
           </a:p>
         </p:txBody>
       </p:sp>
-      <p:sp>
-        <p:nvSpPr>
-          <p:cNvPr id="1051" name="Rect 0"/>
-          <p:cNvSpPr txBox="1">
-            <a:spLocks/>
-          </p:cNvSpPr>
-          <p:nvPr/>
-        </p:nvSpPr>
-        <p:spPr>
-          <a:xfrm rot="0">
-            <a:off x="1395730" y="5154295"/>
-            <a:ext cx="3958590" cy="954405"/>
-          </a:xfrm>
-          <a:prstGeom prst="rect"/>
-          <a:noFill/>
-          <a:ln w="0">
-            <a:noFill/>
-            <a:prstDash/>
-          </a:ln>
-        </p:spPr>
-        <p:txBody>
-          <a:bodyPr wrap="square" lIns="89535" tIns="46355" rIns="89535" bIns="46355" numCol="1" vert="horz" anchor="t">
-            <a:spAutoFit/>
-          </a:bodyPr>
-          <a:lstStyle/>
-          <a:p>
-            <a:pPr marL="0" indent="0" algn="l" latinLnBrk="0" hangingPunct="1">
-              <a:buFontTx/>
-              <a:buNone/>
-            </a:pPr>
-            <a:r>
-              <a:rPr lang="ko-KR" sz="2000" b="1">
-                <a:solidFill>
-                  <a:srgbClr val="0611F2"/>
-                </a:solidFill>
-                <a:latin typeface="맑은 고딕" charset="0"/>
-                <a:ea typeface="맑은 고딕" charset="0"/>
-              </a:rPr>
-              <a:t>1</a:t>
-            </a:r>
-            <a:r>
-              <a:rPr lang="ko-KR" sz="2000" b="1">
-                <a:solidFill>
-                  <a:srgbClr val="0611F2"/>
-                </a:solidFill>
-                <a:latin typeface="맑은 고딕" charset="0"/>
-                <a:ea typeface="맑은 고딕" charset="0"/>
-              </a:rPr>
-              <a:t>7</a:t>
-            </a:r>
-            <a:r>
-              <a:rPr sz="2000" b="1">
-                <a:solidFill>
-                  <a:srgbClr val="0611F2"/>
-                </a:solidFill>
-                <a:latin typeface="맑은 고딕" charset="0"/>
-                <a:ea typeface="맑은 고딕" charset="0"/>
-              </a:rPr>
-              <a:t>. </a:t>
-            </a:r>
-            <a:r>
-              <a:rPr lang="ko-KR" sz="1800">
-                <a:latin typeface="맑은 고딕" charset="0"/>
-                <a:ea typeface="맑은 고딕" charset="0"/>
-              </a:rPr>
-              <a:t>그</a:t>
-            </a:r>
-            <a:r>
-              <a:rPr lang="ko-KR" sz="1800">
-                <a:latin typeface="맑은 고딕" charset="0"/>
-                <a:ea typeface="맑은 고딕" charset="0"/>
-              </a:rPr>
-              <a:t>런 다음 On Click 함수의 Event에 Create Object 오브젝트를 넣어줍니다.</a:t>
-            </a:r>
-            <a:endParaRPr lang="ko-KR" altLang="en-US" sz="1800">
-              <a:latin typeface="맑은 고딕" charset="0"/>
-              <a:ea typeface="맑은 고딕" charset="0"/>
-            </a:endParaRPr>
-          </a:p>
-        </p:txBody>
-      </p:sp>
-      <p:sp>
-        <p:nvSpPr>
-          <p:cNvPr id="1070" name="Rect 0"/>
-          <p:cNvSpPr txBox="1">
-            <a:spLocks/>
-          </p:cNvSpPr>
-          <p:nvPr/>
-        </p:nvSpPr>
-        <p:spPr>
-          <a:xfrm rot="0">
-            <a:off x="6801485" y="5149850"/>
-            <a:ext cx="4217670" cy="954405"/>
-          </a:xfrm>
-          <a:prstGeom prst="rect"/>
-          <a:noFill/>
-          <a:ln w="0">
-            <a:noFill/>
-            <a:prstDash/>
-          </a:ln>
-        </p:spPr>
-        <p:txBody>
-          <a:bodyPr wrap="square" lIns="89535" tIns="46355" rIns="89535" bIns="46355" numCol="1" vert="horz" anchor="t">
-            <a:spAutoFit/>
-          </a:bodyPr>
-          <a:lstStyle/>
-          <a:p>
-            <a:pPr marL="0" indent="0" algn="l" latinLnBrk="0" hangingPunct="1">
-              <a:buFontTx/>
-              <a:buNone/>
-            </a:pPr>
-            <a:r>
-              <a:rPr lang="ko-KR" sz="2000" b="1">
-                <a:solidFill>
-                  <a:srgbClr val="0611F2"/>
-                </a:solidFill>
-                <a:latin typeface="맑은 고딕" charset="0"/>
-                <a:ea typeface="맑은 고딕" charset="0"/>
-              </a:rPr>
-              <a:t>1</a:t>
-            </a:r>
-            <a:r>
-              <a:rPr lang="ko-KR" sz="2000" b="1">
-                <a:solidFill>
-                  <a:srgbClr val="0611F2"/>
-                </a:solidFill>
-                <a:latin typeface="맑은 고딕" charset="0"/>
-                <a:ea typeface="맑은 고딕" charset="0"/>
-              </a:rPr>
-              <a:t>8</a:t>
-            </a:r>
-            <a:r>
-              <a:rPr sz="2000" b="1">
-                <a:solidFill>
-                  <a:srgbClr val="0611F2"/>
-                </a:solidFill>
-                <a:latin typeface="맑은 고딕" charset="0"/>
-                <a:ea typeface="맑은 고딕" charset="0"/>
-              </a:rPr>
-              <a:t>. </a:t>
-            </a:r>
-            <a:r>
-              <a:rPr lang="ko-KR" sz="1800">
-                <a:latin typeface="맑은 고딕" charset="0"/>
-                <a:ea typeface="맑은 고딕" charset="0"/>
-              </a:rPr>
-              <a:t>그</a:t>
-            </a:r>
-            <a:r>
-              <a:rPr lang="ko-KR" sz="1800">
-                <a:latin typeface="맑은 고딕" charset="0"/>
-                <a:ea typeface="맑은 고딕" charset="0"/>
-              </a:rPr>
-              <a:t>리고 Button Event로 사용할 Create.GenericCreate( )함수를 설정합니다.</a:t>
-            </a:r>
-            <a:endParaRPr lang="ko-KR" altLang="en-US" sz="1800">
-              <a:latin typeface="맑은 고딕" charset="0"/>
-              <a:ea typeface="맑은 고딕" charset="0"/>
-            </a:endParaRPr>
-          </a:p>
-        </p:txBody>
-      </p:sp>
-      <p:pic>
-        <p:nvPicPr>
-          <p:cNvPr id="1079" name="그림 21"/>
-          <p:cNvPicPr>
-            <a:picLocks noChangeAspect="1"/>
-          </p:cNvPicPr>
-          <p:nvPr/>
-        </p:nvPicPr>
-        <p:blipFill rotWithShape="1">
-          <a:blip r:embed="rId2" cstate="print">
-            <a:extLst>
-              <a:ext uri="{28A0092B-C50C-407E-A947-70E740481C1C}">
-                <a14:useLocalDpi xmlns:a14="http://schemas.microsoft.com/office/drawing/2010/main" val="0"/>
-              </a:ext>
-            </a:extLst>
-          </a:blip>
-          <a:stretch>
-            <a:fillRect/>
-          </a:stretch>
-        </p:blipFill>
-        <p:spPr>
-          <a:xfrm rot="0">
-            <a:off x="2876550" y="1311910"/>
-            <a:ext cx="2477770" cy="3576955"/>
-          </a:xfrm>
-          <a:prstGeom prst="rect"/>
-          <a:noFill/>
-        </p:spPr>
-      </p:pic>
-      <p:pic>
-        <p:nvPicPr>
-          <p:cNvPr id="1080" name="그림 22"/>
-          <p:cNvPicPr>
-            <a:picLocks noChangeAspect="1"/>
-          </p:cNvPicPr>
-          <p:nvPr/>
-        </p:nvPicPr>
-        <p:blipFill rotWithShape="1">
-          <a:blip r:embed="rId3" cstate="print">
-            <a:extLst>
-              <a:ext uri="{28A0092B-C50C-407E-A947-70E740481C1C}">
-                <a14:useLocalDpi xmlns:a14="http://schemas.microsoft.com/office/drawing/2010/main" val="0"/>
-              </a:ext>
-            </a:extLst>
-          </a:blip>
-          <a:stretch>
-            <a:fillRect/>
-          </a:stretch>
-        </p:blipFill>
-        <p:spPr>
-          <a:xfrm rot="0">
-            <a:off x="1400175" y="2344420"/>
-            <a:ext cx="1202690" cy="1496695"/>
-          </a:xfrm>
-          <a:prstGeom prst="roundRect"/>
-          <a:solidFill>
-            <a:srgbClr val="EDEDED"/>
-          </a:solidFill>
-        </p:spPr>
-      </p:pic>
-      <p:cxnSp>
-        <p:nvCxnSpPr>
-          <p:cNvPr id="1081" name="도형 25"/>
-          <p:cNvCxnSpPr/>
-          <p:nvPr/>
-        </p:nvCxnSpPr>
-        <p:spPr>
-          <a:xfrm rot="0">
-            <a:off x="2419350" y="3092450"/>
-            <a:ext cx="1230630" cy="1455420"/>
-          </a:xfrm>
-          <a:prstGeom prst="straightConnector1"/>
-          <a:ln w="6350" cap="flat" cmpd="sng">
-            <a:prstDash/>
-            <a:tailEnd type="triangle" w="med" len="med"/>
-          </a:ln>
-        </p:spPr>
-        <p:style>
-          <a:lnRef idx="1">
-            <a:schemeClr val="accent1"/>
-          </a:lnRef>
-          <a:fillRef idx="0">
-            <a:schemeClr val="accent1"/>
-          </a:fillRef>
-          <a:effectRef idx="0">
-            <a:schemeClr val="accent1"/>
-          </a:effectRef>
-          <a:fontRef idx="minor">
-            <a:schemeClr val="tx1"/>
-          </a:fontRef>
-        </p:style>
-      </p:cxnSp>
-      <p:pic>
-        <p:nvPicPr>
-          <p:cNvPr id="1082" name="그림 27"/>
-          <p:cNvPicPr>
-            <a:picLocks noChangeAspect="1"/>
-          </p:cNvPicPr>
-          <p:nvPr/>
-        </p:nvPicPr>
-        <p:blipFill rotWithShape="1">
-          <a:blip r:embed="rId4" cstate="print">
-            <a:extLst>
-              <a:ext uri="{28A0092B-C50C-407E-A947-70E740481C1C}">
-                <a14:useLocalDpi xmlns:a14="http://schemas.microsoft.com/office/drawing/2010/main" val="0"/>
-              </a:ext>
-            </a:extLst>
-          </a:blip>
-          <a:stretch>
-            <a:fillRect/>
-          </a:stretch>
-        </p:blipFill>
-        <p:spPr>
-          <a:xfrm rot="0">
-            <a:off x="6813550" y="1188720"/>
-            <a:ext cx="4213860" cy="3903345"/>
-          </a:xfrm>
-          <a:prstGeom prst="rect"/>
-          <a:noFill/>
-        </p:spPr>
-      </p:pic>
     </p:spTree>
   </p:cSld>
   <p:clrMapOvr>

--- a/Assets/Class/Instantiate & Destroy/PPT Data/Instatiate and Destroy Example.pptx
+++ b/Assets/Class/Instantiate & Destroy/PPT Data/Instatiate and Destroy Example.pptx
@@ -2,7 +2,7 @@
 <file path=ppt/presentation.xml><?xml version="1.0" encoding="utf-8"?>
 <p:presentation xmlns:a="http://schemas.openxmlformats.org/drawingml/2006/main" xmlns:r="http://schemas.openxmlformats.org/officeDocument/2006/relationships" xmlns:p="http://schemas.openxmlformats.org/presentationml/2006/main" xmlns:p14="http://schemas.microsoft.com/office/powerpoint/2010/main" saveSubsetFonts="1" firstSlideNum="0">
   <p:sldMasterIdLst>
-    <p:sldMasterId id="2147485770" r:id="rId12"/>
+    <p:sldMasterId id="2147485787" r:id="rId12"/>
   </p:sldMasterIdLst>
   <p:notesMasterIdLst>
     <p:notesMasterId r:id="rId14"/>
@@ -18,7 +18,9 @@
     <p:sldId id="298" r:id="rId23"/>
     <p:sldId id="299" r:id="rId24"/>
     <p:sldId id="300" r:id="rId25"/>
-    <p:sldId id="287" r:id="rId27"/>
+    <p:sldId id="301" r:id="rId26"/>
+    <p:sldId id="302" r:id="rId27"/>
+    <p:sldId id="287" r:id="rId28"/>
   </p:sldIdLst>
   <p:sldSz cx="12192000" cy="6858000"/>
   <p:notesSz cx="6858000" cy="9144000"/>
@@ -791,6 +793,290 @@
         <p:spPr>
           <a:xfrm rot="0">
             <a:off x="685800" y="1143000"/>
+            <a:ext cx="5490845" cy="3090545"/>
+          </a:xfrm>
+          <a:prstGeom prst="rect"/>
+          <a:noFill/>
+          <a:ln w="12700" cap="flat" cmpd="sng">
+            <a:solidFill>
+              <a:srgbClr val="000000">
+                <a:alpha val="100000"/>
+              </a:srgbClr>
+            </a:solidFill>
+            <a:prstDash val="solid"/>
+          </a:ln>
+        </p:spPr>
+        <p:txBody>
+          <a:bodyPr wrap="square" lIns="91440" tIns="45720" rIns="91440" bIns="45720" numCol="1" vert="horz" anchor="ctr">
+            <a:noAutofit/>
+          </a:bodyPr>
+          <a:lstStyle/>
+          <a:p>
+            <a:pPr marL="0" indent="0" latinLnBrk="0">
+              <a:buFontTx/>
+              <a:buNone/>
+            </a:pPr>
+          </a:p>
+        </p:txBody>
+      </p:sp>
+      <p:sp>
+        <p:nvSpPr>
+          <p:cNvPr id="3" name="슬라이드 노트 개체 틀 4"/>
+          <p:cNvSpPr txBox="1">
+            <a:spLocks/>
+          </p:cNvSpPr>
+          <p:nvPr>
+            <p:ph type="body" idx="3"/>
+          </p:nvPr>
+        </p:nvSpPr>
+        <p:spPr>
+          <a:xfrm rot="0">
+            <a:off x="685800" y="4400550"/>
+            <a:ext cx="5490845" cy="3604895"/>
+          </a:xfrm>
+          <a:prstGeom prst="rect"/>
+        </p:spPr>
+        <p:txBody>
+          <a:bodyPr wrap="square" lIns="91440" tIns="45720" rIns="91440" bIns="45720" numCol="1" vert="horz" anchor="t">
+            <a:noAutofit/>
+          </a:bodyPr>
+          <a:lstStyle/>
+          <a:p>
+            <a:pPr marL="0" indent="0" latinLnBrk="0">
+              <a:buFontTx/>
+              <a:buNone/>
+            </a:pPr>
+          </a:p>
+        </p:txBody>
+      </p:sp>
+      <p:sp>
+        <p:nvSpPr>
+          <p:cNvPr id="4" name="슬라이드 번호 개체 틀 6"/>
+          <p:cNvSpPr txBox="1">
+            <a:spLocks/>
+          </p:cNvSpPr>
+          <p:nvPr>
+            <p:ph type="sldNum" idx="5"/>
+          </p:nvPr>
+        </p:nvSpPr>
+        <p:spPr>
+          <a:xfrm rot="0">
+            <a:off x="3884930" y="8685530"/>
+            <a:ext cx="2976245" cy="462915"/>
+          </a:xfrm>
+          <a:prstGeom prst="rect"/>
+        </p:spPr>
+        <p:txBody>
+          <a:bodyPr wrap="square" lIns="91440" tIns="45720" rIns="91440" bIns="45720" numCol="1" vert="horz" anchor="b">
+            <a:noAutofit/>
+          </a:bodyPr>
+          <a:lstStyle>
+            <a:lvl1pPr marL="0" indent="0" algn="r" latinLnBrk="0">
+              <a:buFontTx/>
+              <a:buNone/>
+              <a:defRPr lang="en-GB" altLang="en-US" sz="1200"/>
+            </a:lvl1pPr>
+          </a:lstStyle>
+          <a:p>
+            <a:pPr marL="0" indent="0" latinLnBrk="0">
+              <a:buFontTx/>
+              <a:buNone/>
+            </a:pPr>
+            <a:fld id="{B9320F77-B9A0-41C5-862A-B4B631284C64}" type="slidenum">
+              <a:rPr lang="ko-KR" altLang="en-US"/>
+              <a:t>‹#›</a:t>
+            </a:fld>
+          </a:p>
+        </p:txBody>
+      </p:sp>
+    </p:spTree>
+  </p:cSld>
+  <p:clrMapOvr>
+    <a:masterClrMapping/>
+  </p:clrMapOvr>
+  <mc:AlternateContent xmlns:mc="http://schemas.openxmlformats.org/markup-compatibility/2006">
+    <mc:Choice xmlns:p14="http://schemas.microsoft.com/office/powerpoint/2010/main" Requires="p14">
+      <p:transition spd="slow" p14:dur="0"/>
+    </mc:Choice>
+    <mc:Fallback>
+      <p:transition spd="slow"/>
+    </mc:Fallback>
+  </mc:AlternateContent>
+</p:notes>
+</file>
+
+<file path=ppt/notesSlides/notesSlide12.xml><?xml version="1.0" encoding="utf-8"?>
+<p:notes xmlns:a="http://schemas.openxmlformats.org/drawingml/2006/main" xmlns:r="http://schemas.openxmlformats.org/officeDocument/2006/relationships" xmlns:p="http://schemas.openxmlformats.org/presentationml/2006/main">
+  <p:cSld>
+    <p:spTree>
+      <p:nvGrpSpPr>
+        <p:cNvPr id="1" name=""/>
+        <p:cNvGrpSpPr/>
+        <p:nvPr/>
+      </p:nvGrpSpPr>
+      <p:grpSpPr>
+        <a:xfrm>
+          <a:off x="0" y="0"/>
+          <a:ext cx="0" cy="0"/>
+          <a:chOff x="0" y="0"/>
+          <a:chExt cx="0" cy="0"/>
+        </a:xfrm>
+      </p:grpSpPr>
+      <p:sp>
+        <p:nvSpPr>
+          <p:cNvPr id="2" name="슬라이드 이미지 개체 틀 3"/>
+          <p:cNvSpPr>
+            <a:spLocks noChangeAspect="1"/>
+          </p:cNvSpPr>
+          <p:nvPr>
+            <p:ph type="sldImg" idx="2"/>
+          </p:nvPr>
+        </p:nvSpPr>
+        <p:spPr>
+          <a:xfrm rot="0">
+            <a:off x="685800" y="1143000"/>
+            <a:ext cx="5490845" cy="3090545"/>
+          </a:xfrm>
+          <a:prstGeom prst="rect"/>
+          <a:noFill/>
+          <a:ln w="12700" cap="flat" cmpd="sng">
+            <a:solidFill>
+              <a:srgbClr val="000000">
+                <a:alpha val="100000"/>
+              </a:srgbClr>
+            </a:solidFill>
+            <a:prstDash val="solid"/>
+          </a:ln>
+        </p:spPr>
+        <p:txBody>
+          <a:bodyPr wrap="square" lIns="91440" tIns="45720" rIns="91440" bIns="45720" numCol="1" vert="horz" anchor="ctr">
+            <a:noAutofit/>
+          </a:bodyPr>
+          <a:lstStyle/>
+          <a:p>
+            <a:pPr marL="0" indent="0" latinLnBrk="0">
+              <a:buFontTx/>
+              <a:buNone/>
+            </a:pPr>
+          </a:p>
+        </p:txBody>
+      </p:sp>
+      <p:sp>
+        <p:nvSpPr>
+          <p:cNvPr id="3" name="슬라이드 노트 개체 틀 4"/>
+          <p:cNvSpPr txBox="1">
+            <a:spLocks/>
+          </p:cNvSpPr>
+          <p:nvPr>
+            <p:ph type="body" idx="3"/>
+          </p:nvPr>
+        </p:nvSpPr>
+        <p:spPr>
+          <a:xfrm rot="0">
+            <a:off x="685800" y="4400550"/>
+            <a:ext cx="5490845" cy="3604895"/>
+          </a:xfrm>
+          <a:prstGeom prst="rect"/>
+        </p:spPr>
+        <p:txBody>
+          <a:bodyPr wrap="square" lIns="91440" tIns="45720" rIns="91440" bIns="45720" numCol="1" vert="horz" anchor="t">
+            <a:noAutofit/>
+          </a:bodyPr>
+          <a:lstStyle/>
+          <a:p>
+            <a:pPr marL="0" indent="0" latinLnBrk="0">
+              <a:buFontTx/>
+              <a:buNone/>
+            </a:pPr>
+          </a:p>
+        </p:txBody>
+      </p:sp>
+      <p:sp>
+        <p:nvSpPr>
+          <p:cNvPr id="4" name="슬라이드 번호 개체 틀 6"/>
+          <p:cNvSpPr txBox="1">
+            <a:spLocks/>
+          </p:cNvSpPr>
+          <p:nvPr>
+            <p:ph type="sldNum" idx="5"/>
+          </p:nvPr>
+        </p:nvSpPr>
+        <p:spPr>
+          <a:xfrm rot="0">
+            <a:off x="3884930" y="8685530"/>
+            <a:ext cx="2976245" cy="462915"/>
+          </a:xfrm>
+          <a:prstGeom prst="rect"/>
+        </p:spPr>
+        <p:txBody>
+          <a:bodyPr wrap="square" lIns="91440" tIns="45720" rIns="91440" bIns="45720" numCol="1" vert="horz" anchor="b">
+            <a:noAutofit/>
+          </a:bodyPr>
+          <a:lstStyle>
+            <a:lvl1pPr marL="0" indent="0" algn="r" latinLnBrk="0">
+              <a:buFontTx/>
+              <a:buNone/>
+              <a:defRPr lang="en-GB" altLang="en-US" sz="1200"/>
+            </a:lvl1pPr>
+          </a:lstStyle>
+          <a:p>
+            <a:pPr marL="0" indent="0" latinLnBrk="0">
+              <a:buFontTx/>
+              <a:buNone/>
+            </a:pPr>
+            <a:fld id="{B9320F77-B9A0-41C5-862A-B4B631284C64}" type="slidenum">
+              <a:rPr lang="ko-KR" altLang="en-US"/>
+              <a:t>‹#›</a:t>
+            </a:fld>
+          </a:p>
+        </p:txBody>
+      </p:sp>
+    </p:spTree>
+  </p:cSld>
+  <p:clrMapOvr>
+    <a:masterClrMapping/>
+  </p:clrMapOvr>
+  <mc:AlternateContent xmlns:mc="http://schemas.openxmlformats.org/markup-compatibility/2006">
+    <mc:Choice xmlns:p14="http://schemas.microsoft.com/office/powerpoint/2010/main" Requires="p14">
+      <p:transition spd="slow" p14:dur="0"/>
+    </mc:Choice>
+    <mc:Fallback>
+      <p:transition spd="slow"/>
+    </mc:Fallback>
+  </mc:AlternateContent>
+</p:notes>
+</file>
+
+<file path=ppt/notesSlides/notesSlide13.xml><?xml version="1.0" encoding="utf-8"?>
+<p:notes xmlns:a="http://schemas.openxmlformats.org/drawingml/2006/main" xmlns:r="http://schemas.openxmlformats.org/officeDocument/2006/relationships" xmlns:p="http://schemas.openxmlformats.org/presentationml/2006/main">
+  <p:cSld>
+    <p:spTree>
+      <p:nvGrpSpPr>
+        <p:cNvPr id="1" name=""/>
+        <p:cNvGrpSpPr/>
+        <p:nvPr/>
+      </p:nvGrpSpPr>
+      <p:grpSpPr>
+        <a:xfrm>
+          <a:off x="0" y="0"/>
+          <a:ext cx="0" cy="0"/>
+          <a:chOff x="0" y="0"/>
+          <a:chExt cx="0" cy="0"/>
+        </a:xfrm>
+      </p:grpSpPr>
+      <p:sp>
+        <p:nvSpPr>
+          <p:cNvPr id="2" name="슬라이드 이미지 개체 틀 3"/>
+          <p:cNvSpPr>
+            <a:spLocks noChangeAspect="1"/>
+          </p:cNvSpPr>
+          <p:nvPr>
+            <p:ph type="sldImg" idx="2"/>
+          </p:nvPr>
+        </p:nvSpPr>
+        <p:spPr>
+          <a:xfrm rot="0">
+            <a:off x="685800" y="1143000"/>
             <a:ext cx="5488940" cy="3088640"/>
           </a:xfrm>
           <a:prstGeom prst="rect"/>
@@ -7361,7 +7647,7 @@
       </p:sp>
       <p:pic>
         <p:nvPicPr>
-          <p:cNvPr id="1051" name="그림 2" descr="C:/Users/Admin1/AppData/Roaming/PolarisOffice/ETemp/20572_22936136/fImage191383915447.png"/>
+          <p:cNvPr id="1051" name="그림 2"/>
           <p:cNvPicPr>
             <a:picLocks noChangeAspect="1"/>
           </p:cNvPicPr>
@@ -7392,7 +7678,7 @@
       </p:pic>
       <p:pic>
         <p:nvPicPr>
-          <p:cNvPr id="1052" name="그림 3" descr="C:/Users/Admin1/AppData/Roaming/PolarisOffice/ETemp/20572_22936136/fImage51191929169.png"/>
+          <p:cNvPr id="1052" name="그림 3"/>
           <p:cNvPicPr>
             <a:picLocks noChangeAspect="1"/>
           </p:cNvPicPr>
@@ -7523,7 +7809,7 @@
       </p:sp>
       <p:sp>
         <p:nvSpPr>
-          <p:cNvPr id="1051" name="Rect 0"/>
+          <p:cNvPr id="1070" name="Rect 0"/>
           <p:cNvSpPr txBox="1">
             <a:spLocks/>
           </p:cNvSpPr>
@@ -7531,8 +7817,8 @@
         </p:nvSpPr>
         <p:spPr>
           <a:xfrm rot="0">
-            <a:off x="1395730" y="2402840"/>
-            <a:ext cx="3958590" cy="1508125"/>
+            <a:off x="6791960" y="5241925"/>
+            <a:ext cx="4156710" cy="954405"/>
           </a:xfrm>
           <a:prstGeom prst="rect"/>
           <a:noFill/>
@@ -7559,17 +7845,7 @@
                 <a:latin typeface="맑은 고딕" charset="0"/>
                 <a:ea typeface="맑은 고딕" charset="0"/>
               </a:rPr>
-              <a:t>1</a:t>
-            </a:r>
-            <a:r>
-              <a:rPr lang="ko-KR" sz="2000" b="1">
-                <a:solidFill>
-                  <a:srgbClr val="0611F2"/>
-                </a:solidFill>
-                <a:latin typeface="맑은 고딕" charset="0"/>
-                <a:ea typeface="맑은 고딕" charset="0"/>
-              </a:rPr>
-              <a:t>9</a:t>
+              <a:t>18</a:t>
             </a:r>
             <a:r>
               <a:rPr sz="2000" b="1">
@@ -7586,52 +7862,46 @@
                 <a:latin typeface="맑은 고딕" charset="0"/>
                 <a:ea typeface="맑은 고딕" charset="0"/>
               </a:rPr>
-              <a:t>그</a:t>
+              <a:t>그리고 </a:t>
+            </a:r>
+            <a:r>
+              <a:rPr sz="1800">
+                <a:latin typeface="맑은 고딕" charset="0"/>
+                <a:ea typeface="맑은 고딕" charset="0"/>
+              </a:rPr>
+              <a:t>Create</a:t>
+            </a:r>
+            <a:r>
+              <a:rPr sz="1800">
+                <a:latin typeface="맑은 고딕" charset="0"/>
+                <a:ea typeface="맑은 고딕" charset="0"/>
+              </a:rPr>
+              <a:t> </a:t>
+            </a:r>
+            <a:r>
+              <a:rPr sz="1800">
+                <a:latin typeface="맑은 고딕" charset="0"/>
+                <a:ea typeface="맑은 고딕" charset="0"/>
+              </a:rPr>
+              <a:t>스크립트</a:t>
             </a:r>
             <a:r>
               <a:rPr lang="ko-KR" sz="1800">
                 <a:latin typeface="맑은 고딕" charset="0"/>
                 <a:ea typeface="맑은 고딕" charset="0"/>
               </a:rPr>
-              <a:t>런 다음 GeneriecStoneDelete 스크립트 생성합니다.</a:t>
+              <a:t>에 있는 Prefab에 Prefab 폴더에 있는 Orc 오브젝트를 넣어줍니다.</a:t>
             </a:r>
             <a:endParaRPr lang="ko-KR" altLang="en-US" sz="1800">
               <a:latin typeface="맑은 고딕" charset="0"/>
               <a:ea typeface="맑은 고딕" charset="0"/>
             </a:endParaRPr>
           </a:p>
-          <a:p>
-            <a:pPr marL="0" indent="0" algn="l" latinLnBrk="0" hangingPunct="1">
-              <a:buFontTx/>
-              <a:buNone/>
-            </a:pPr>
-            <a:endParaRPr lang="ko-KR" altLang="en-US" sz="1800">
-              <a:latin typeface="맑은 고딕" charset="0"/>
-              <a:ea typeface="맑은 고딕" charset="0"/>
-            </a:endParaRPr>
-          </a:p>
-          <a:p>
-            <a:pPr marL="0" indent="0" algn="l" latinLnBrk="0" hangingPunct="1">
-              <a:buFontTx/>
-              <a:buNone/>
-            </a:pPr>
-            <a:r>
-              <a:rPr lang="ko-KR" sz="1800">
-                <a:latin typeface="맑은 고딕" charset="0"/>
-                <a:ea typeface="맑은 고딕" charset="0"/>
-              </a:rPr>
-              <a:t>그리고 Prefab 폴더에 있는 Stone_3 오브젝트에 넣어줍니다.</a:t>
-            </a:r>
-            <a:endParaRPr lang="ko-KR" altLang="en-US" sz="1800">
-              <a:latin typeface="맑은 고딕" charset="0"/>
-              <a:ea typeface="맑은 고딕" charset="0"/>
-            </a:endParaRPr>
-          </a:p>
-        </p:txBody>
-      </p:sp>
-      <p:sp>
-        <p:nvSpPr>
-          <p:cNvPr id="1070" name="Rect 0"/>
+        </p:txBody>
+      </p:sp>
+      <p:sp>
+        <p:nvSpPr>
+          <p:cNvPr id="1090" name="텍스트 상자 20"/>
           <p:cNvSpPr txBox="1">
             <a:spLocks/>
           </p:cNvSpPr>
@@ -7639,8 +7909,8 @@
         </p:nvSpPr>
         <p:spPr>
           <a:xfrm rot="0">
-            <a:off x="6800215" y="3778885"/>
-            <a:ext cx="4218940" cy="2338705"/>
+            <a:off x="1222375" y="4441825"/>
+            <a:ext cx="4173220" cy="1754505"/>
           </a:xfrm>
           <a:prstGeom prst="rect"/>
           <a:noFill/>
@@ -7650,41 +7920,62 @@
           </a:ln>
         </p:spPr>
         <p:txBody>
-          <a:bodyPr wrap="square" lIns="89535" tIns="46355" rIns="89535" bIns="46355" numCol="1" vert="horz" anchor="t">
+          <a:bodyPr wrap="square" lIns="89535" tIns="46355" rIns="89535" bIns="46355" vert="horz" anchor="t">
             <a:spAutoFit/>
           </a:bodyPr>
           <a:lstStyle/>
           <a:p>
-            <a:pPr marL="0" indent="0" algn="l" latinLnBrk="0" hangingPunct="1">
-              <a:buFontTx/>
-              <a:buNone/>
-            </a:pPr>
-            <a:r>
-              <a:rPr lang="ko-KR" sz="2000" b="1">
+            <a:pPr marL="0" indent="0" rtl="0" algn="l" defTabSz="914400" eaLnBrk="1" latinLnBrk="0" hangingPunct="1">
+              <a:buFontTx/>
+              <a:buNone/>
+            </a:pPr>
+            <a:r>
+              <a:rPr sz="1800" b="1">
                 <a:solidFill>
                   <a:srgbClr val="0611F2"/>
                 </a:solidFill>
                 <a:latin typeface="맑은 고딕" charset="0"/>
                 <a:ea typeface="맑은 고딕" charset="0"/>
               </a:rPr>
-              <a:t>21</a:t>
-            </a:r>
-            <a:r>
-              <a:rPr sz="2000" b="1">
+              <a:t>17</a:t>
+            </a:r>
+            <a:r>
+              <a:rPr sz="1800" b="1">
                 <a:solidFill>
                   <a:srgbClr val="0611F2"/>
                 </a:solidFill>
                 <a:latin typeface="맑은 고딕" charset="0"/>
                 <a:ea typeface="맑은 고딕" charset="0"/>
               </a:rPr>
-              <a:t>. </a:t>
+              <a:t>.</a:t>
+            </a:r>
+            <a:r>
+              <a:rPr sz="1800">
+                <a:latin typeface="맑은 고딕" charset="0"/>
+                <a:ea typeface="맑은 고딕" charset="0"/>
+              </a:rPr>
+              <a:t> </a:t>
+            </a:r>
+            <a:r>
+              <a:rPr sz="1800">
+                <a:latin typeface="맑은 고딕" charset="0"/>
+                <a:ea typeface="맑은 고딕" charset="0"/>
+              </a:rPr>
+              <a:t>이</a:t>
             </a:r>
             <a:r>
               <a:rPr lang="ko-KR" sz="1800">
                 <a:latin typeface="맑은 고딕" charset="0"/>
                 <a:ea typeface="맑은 고딕" charset="0"/>
               </a:rPr>
-              <a:t>그리고 GeneriecStoneDelete 스크립트에서 게임 오브젝트가 화면 밖으로 나갔을 때 호출되는 함수를 선언합니다.</a:t>
+              <a:t>제</a:t>
+            </a:r>
+            <a:r>
+              <a:rPr sz="1800">
+                <a:latin typeface="맑은 고딕" charset="0"/>
+                <a:ea typeface="맑은 고딕" charset="0"/>
+              </a:rPr>
+              <a:t> First Point 오브젝트와 Second Point 오브젝트의 위치를 설정합니다.</a:t>
             </a:r>
             <a:endParaRPr lang="ko-KR" altLang="en-US" sz="1800">
               <a:latin typeface="맑은 고딕" charset="0"/>
@@ -7692,7 +7983,7 @@
             </a:endParaRPr>
           </a:p>
           <a:p>
-            <a:pPr marL="0" indent="0" algn="l" latinLnBrk="0" hangingPunct="1">
+            <a:pPr marL="0" indent="0" rtl="0" algn="l" defTabSz="914400" eaLnBrk="1" latinLnBrk="0" hangingPunct="1">
               <a:buFontTx/>
               <a:buNone/>
             </a:pPr>
@@ -7702,16 +7993,30 @@
             </a:endParaRPr>
           </a:p>
           <a:p>
-            <a:pPr marL="0" indent="0" algn="l" latinLnBrk="0" hangingPunct="1">
-              <a:buFontTx/>
-              <a:buNone/>
-            </a:pPr>
+            <a:pPr marL="0" indent="0" rtl="0" algn="l" defTabSz="914400" eaLnBrk="1" latinLnBrk="0" hangingPunct="1">
+              <a:buFontTx/>
+              <a:buNone/>
+            </a:pPr>
+            <a:r>
+              <a:rPr sz="1800">
+                <a:latin typeface="맑은 고딕" charset="0"/>
+                <a:ea typeface="맑은 고딕" charset="0"/>
+              </a:rPr>
+              <a:t>그</a:t>
+            </a:r>
             <a:r>
               <a:rPr lang="ko-KR" sz="1800">
                 <a:latin typeface="맑은 고딕" charset="0"/>
                 <a:ea typeface="맑은 고딕" charset="0"/>
               </a:rPr>
-              <a:t>마지막으로 게임 오브젝트의 이름이 Stone_3(Clone)이라면 게임 오브젝트를 파괴하도록 설정합니다.</a:t>
+              <a:t>런 다음</a:t>
+            </a:r>
+            <a:r>
+              <a:rPr sz="1800">
+                <a:latin typeface="맑은 고딕" charset="0"/>
+                <a:ea typeface="맑은 고딕" charset="0"/>
+              </a:rPr>
+              <a:t> Third Point 오브젝트와 Four Point 오브젝트의 위치를 설정합니다.</a:t>
             </a:r>
             <a:endParaRPr lang="ko-KR" altLang="en-US" sz="1800">
               <a:latin typeface="맑은 고딕" charset="0"/>
@@ -7722,14 +8027,169 @@
       </p:sp>
       <p:pic>
         <p:nvPicPr>
-          <p:cNvPr id="1084" name="그림 40"/>
+          <p:cNvPr id="1091" name="그림 21" descr="C:/Users/Admin1/AppData/Roaming/PolarisOffice/ETemp/15256_19321368/fImage115561661478.png"/>
           <p:cNvPicPr>
             <a:picLocks noChangeAspect="1"/>
           </p:cNvPicPr>
           <p:nvPr/>
         </p:nvPicPr>
         <p:blipFill rotWithShape="1">
-          <a:blip r:embed="rId2" cstate="hqprint">
+          <a:blip r:embed="rId7" cstate="print">
+            <a:extLst>
+              <a:ext uri="{28A0092B-C50C-407E-A947-70E740481C1C}">
+                <a14:useLocalDpi xmlns:a14="http://schemas.microsoft.com/office/drawing/2010/main" val="0"/>
+              </a:ext>
+            </a:extLst>
+          </a:blip>
+          <a:stretch>
+            <a:fillRect/>
+          </a:stretch>
+        </p:blipFill>
+        <p:spPr>
+          <a:xfrm rot="0">
+            <a:off x="1215390" y="1343025"/>
+            <a:ext cx="2019300" cy="1410970"/>
+          </a:xfrm>
+          <a:prstGeom prst="roundRect"/>
+          <a:solidFill>
+            <a:srgbClr val="EDEDED"/>
+          </a:solidFill>
+        </p:spPr>
+      </p:pic>
+      <p:pic>
+        <p:nvPicPr>
+          <p:cNvPr id="1092" name="그림 22" descr="C:/Users/Admin1/AppData/Roaming/PolarisOffice/ETemp/15256_19321368/fImage117931679358.png"/>
+          <p:cNvPicPr>
+            <a:picLocks noChangeAspect="1"/>
+          </p:cNvPicPr>
+          <p:nvPr/>
+        </p:nvPicPr>
+        <p:blipFill rotWithShape="1">
+          <a:blip r:embed="rId8" cstate="print">
+            <a:extLst>
+              <a:ext uri="{28A0092B-C50C-407E-A947-70E740481C1C}">
+                <a14:useLocalDpi xmlns:a14="http://schemas.microsoft.com/office/drawing/2010/main" val="0"/>
+              </a:ext>
+            </a:extLst>
+          </a:blip>
+          <a:stretch>
+            <a:fillRect/>
+          </a:stretch>
+        </p:blipFill>
+        <p:spPr>
+          <a:xfrm rot="0">
+            <a:off x="3333750" y="1347470"/>
+            <a:ext cx="2053590" cy="1396365"/>
+          </a:xfrm>
+          <a:prstGeom prst="roundRect"/>
+          <a:solidFill>
+            <a:srgbClr val="EDEDED"/>
+          </a:solidFill>
+        </p:spPr>
+      </p:pic>
+      <p:pic>
+        <p:nvPicPr>
+          <p:cNvPr id="1093" name="그림 27" descr="C:/Users/Admin1/AppData/Roaming/PolarisOffice/ETemp/15256_19321368/fImage115291686962.png"/>
+          <p:cNvPicPr>
+            <a:picLocks noChangeAspect="1"/>
+          </p:cNvPicPr>
+          <p:nvPr/>
+        </p:nvPicPr>
+        <p:blipFill rotWithShape="1">
+          <a:blip r:embed="rId9" cstate="print">
+            <a:extLst>
+              <a:ext uri="{28A0092B-C50C-407E-A947-70E740481C1C}">
+                <a14:useLocalDpi xmlns:a14="http://schemas.microsoft.com/office/drawing/2010/main" val="0"/>
+              </a:ext>
+            </a:extLst>
+          </a:blip>
+          <a:stretch>
+            <a:fillRect/>
+          </a:stretch>
+        </p:blipFill>
+        <p:spPr>
+          <a:xfrm rot="0">
+            <a:off x="1219200" y="2926080"/>
+            <a:ext cx="2015490" cy="1405255"/>
+          </a:xfrm>
+          <a:prstGeom prst="roundRect"/>
+          <a:solidFill>
+            <a:srgbClr val="EDEDED"/>
+          </a:solidFill>
+        </p:spPr>
+      </p:pic>
+      <p:pic>
+        <p:nvPicPr>
+          <p:cNvPr id="1094" name="그림 30" descr="C:/Users/Admin1/AppData/Roaming/PolarisOffice/ETemp/15256_19321368/fImage114661694464.png"/>
+          <p:cNvPicPr>
+            <a:picLocks noChangeAspect="1"/>
+          </p:cNvPicPr>
+          <p:nvPr/>
+        </p:nvPicPr>
+        <p:blipFill rotWithShape="1">
+          <a:blip r:embed="rId10" cstate="print">
+            <a:extLst>
+              <a:ext uri="{28A0092B-C50C-407E-A947-70E740481C1C}">
+                <a14:useLocalDpi xmlns:a14="http://schemas.microsoft.com/office/drawing/2010/main" val="0"/>
+              </a:ext>
+            </a:extLst>
+          </a:blip>
+          <a:stretch>
+            <a:fillRect/>
+          </a:stretch>
+        </p:blipFill>
+        <p:spPr>
+          <a:xfrm rot="0">
+            <a:off x="3335020" y="2931795"/>
+            <a:ext cx="2044065" cy="1410335"/>
+          </a:xfrm>
+          <a:prstGeom prst="roundRect"/>
+          <a:solidFill>
+            <a:srgbClr val="EDEDED"/>
+          </a:solidFill>
+        </p:spPr>
+      </p:pic>
+      <p:pic>
+        <p:nvPicPr>
+          <p:cNvPr id="1095" name="그림 33" descr="C:/Users/Admin1/AppData/Roaming/PolarisOffice/ETemp/15256_19321368/fImage191281705705.png"/>
+          <p:cNvPicPr>
+            <a:picLocks noChangeAspect="1"/>
+          </p:cNvPicPr>
+          <p:nvPr/>
+        </p:nvPicPr>
+        <p:blipFill rotWithShape="1">
+          <a:blip r:embed="rId11" cstate="print">
+            <a:extLst>
+              <a:ext uri="{28A0092B-C50C-407E-A947-70E740481C1C}">
+                <a14:useLocalDpi xmlns:a14="http://schemas.microsoft.com/office/drawing/2010/main" val="0"/>
+              </a:ext>
+            </a:extLst>
+          </a:blip>
+          <a:stretch>
+            <a:fillRect/>
+          </a:stretch>
+        </p:blipFill>
+        <p:spPr>
+          <a:xfrm rot="0">
+            <a:off x="6791960" y="1346835"/>
+            <a:ext cx="4165600" cy="2004060"/>
+          </a:xfrm>
+          <a:prstGeom prst="roundRect"/>
+          <a:solidFill>
+            <a:srgbClr val="EDEDED"/>
+          </a:solidFill>
+        </p:spPr>
+      </p:pic>
+      <p:pic>
+        <p:nvPicPr>
+          <p:cNvPr id="1096" name="그림 36" descr="C:/Users/Admin1/AppData/Roaming/PolarisOffice/ETemp/15256_19321368/fImage53011946962.png"/>
+          <p:cNvPicPr>
+            <a:picLocks noChangeAspect="1"/>
+          </p:cNvPicPr>
+          <p:nvPr/>
+        </p:nvPicPr>
+        <p:blipFill rotWithShape="1">
+          <a:blip r:embed="rId12" cstate="hqprint">
             <a:extLst>
               <a:ext uri="{28A0092B-C50C-407E-A947-70E740481C1C}">
                 <a14:useLocalDpi xmlns:a14="http://schemas.microsoft.com/office/drawing/2010/main"/>
@@ -7742,8 +8202,8 @@
         </p:blipFill>
         <p:spPr>
           <a:xfrm rot="0">
-            <a:off x="2435860" y="1339850"/>
-            <a:ext cx="2919095" cy="946785"/>
+            <a:off x="6800215" y="3586480"/>
+            <a:ext cx="4148455" cy="1560195"/>
           </a:xfrm>
           <a:prstGeom prst="roundRect"/>
           <a:solidFill>
@@ -7753,20 +8213,19 @@
       </p:pic>
       <p:cxnSp>
         <p:nvCxnSpPr>
-          <p:cNvPr id="1085" name="도형 41"/>
-          <p:cNvCxnSpPr>
-            <a:stCxn id="1086" idx="3"/>
-          </p:cNvCxnSpPr>
+          <p:cNvPr id="1097" name="도형 37"/>
+          <p:cNvCxnSpPr/>
           <p:nvPr/>
         </p:nvCxnSpPr>
         <p:spPr>
-          <a:xfrm rot="0">
-            <a:off x="2136140" y="1791970"/>
-            <a:ext cx="442595" cy="5080"/>
+          <a:xfrm rot="0" flipV="1">
+            <a:off x="7955915" y="1887220"/>
+            <a:ext cx="2860040" cy="2103755"/>
           </a:xfrm>
           <a:prstGeom prst="straightConnector1"/>
           <a:ln w="6350" cap="flat" cmpd="sng">
             <a:prstDash/>
+            <a:headEnd type="none" w="med" len="med"/>
             <a:tailEnd type="triangle" w="med" len="med"/>
           </a:ln>
         </p:spPr>
@@ -7785,168 +8244,6 @@
           </a:fontRef>
         </p:style>
       </p:cxnSp>
-      <p:pic>
-        <p:nvPicPr>
-          <p:cNvPr id="1086" name="그림 42"/>
-          <p:cNvPicPr>
-            <a:picLocks noChangeAspect="1"/>
-          </p:cNvPicPr>
-          <p:nvPr/>
-        </p:nvPicPr>
-        <p:blipFill rotWithShape="1">
-          <a:blip r:embed="rId3" cstate="print">
-            <a:extLst>
-              <a:ext uri="{28A0092B-C50C-407E-A947-70E740481C1C}">
-                <a14:useLocalDpi xmlns:a14="http://schemas.microsoft.com/office/drawing/2010/main" val="0"/>
-              </a:ext>
-            </a:extLst>
-          </a:blip>
-          <a:stretch>
-            <a:fillRect/>
-          </a:stretch>
-        </p:blipFill>
-        <p:spPr>
-          <a:xfrm rot="0">
-            <a:off x="1459865" y="1398270"/>
-            <a:ext cx="676910" cy="788670"/>
-          </a:xfrm>
-          <a:prstGeom prst="roundRect"/>
-          <a:solidFill>
-            <a:srgbClr val="EDEDED"/>
-          </a:solidFill>
-        </p:spPr>
-      </p:pic>
-      <p:pic>
-        <p:nvPicPr>
-          <p:cNvPr id="1087" name="그림 45"/>
-          <p:cNvPicPr>
-            <a:picLocks noChangeAspect="1"/>
-          </p:cNvPicPr>
-          <p:nvPr/>
-        </p:nvPicPr>
-        <p:blipFill rotWithShape="1">
-          <a:blip r:embed="rId4" cstate="print">
-            <a:extLst>
-              <a:ext uri="{28A0092B-C50C-407E-A947-70E740481C1C}">
-                <a14:useLocalDpi xmlns:a14="http://schemas.microsoft.com/office/drawing/2010/main" val="0"/>
-              </a:ext>
-            </a:extLst>
-          </a:blip>
-          <a:stretch>
-            <a:fillRect/>
-          </a:stretch>
-        </p:blipFill>
-        <p:spPr>
-          <a:xfrm rot="0">
-            <a:off x="1395730" y="4047490"/>
-            <a:ext cx="3958590" cy="1207135"/>
-          </a:xfrm>
-          <a:prstGeom prst="roundRect"/>
-          <a:solidFill>
-            <a:srgbClr val="EDEDED"/>
-          </a:solidFill>
-        </p:spPr>
-      </p:pic>
-      <p:sp>
-        <p:nvSpPr>
-          <p:cNvPr id="1088" name="텍스트 상자 49"/>
-          <p:cNvSpPr txBox="1">
-            <a:spLocks/>
-          </p:cNvSpPr>
-          <p:nvPr/>
-        </p:nvSpPr>
-        <p:spPr>
-          <a:xfrm rot="0">
-            <a:off x="1400810" y="5433695"/>
-            <a:ext cx="3958590" cy="677545"/>
-          </a:xfrm>
-          <a:prstGeom prst="rect"/>
-          <a:noFill/>
-          <a:ln w="0">
-            <a:noFill/>
-            <a:prstDash/>
-          </a:ln>
-        </p:spPr>
-        <p:txBody>
-          <a:bodyPr wrap="square" lIns="89535" tIns="46355" rIns="89535" bIns="46355" numCol="1" vert="horz" anchor="t">
-            <a:spAutoFit/>
-          </a:bodyPr>
-          <a:lstStyle/>
-          <a:p>
-            <a:pPr marL="0" indent="0" algn="l" latinLnBrk="0" hangingPunct="1">
-              <a:buFontTx/>
-              <a:buNone/>
-            </a:pPr>
-            <a:r>
-              <a:rPr lang="ko-KR" sz="2000" b="1">
-                <a:solidFill>
-                  <a:srgbClr val="0611F2"/>
-                </a:solidFill>
-                <a:latin typeface="맑은 고딕" charset="0"/>
-                <a:ea typeface="맑은 고딕" charset="0"/>
-              </a:rPr>
-              <a:t>20.</a:t>
-            </a:r>
-            <a:r>
-              <a:rPr sz="2000" b="1">
-                <a:solidFill>
-                  <a:srgbClr val="0611F2"/>
-                </a:solidFill>
-                <a:latin typeface="맑은 고딕" charset="0"/>
-                <a:ea typeface="맑은 고딕" charset="0"/>
-              </a:rPr>
-              <a:t> </a:t>
-            </a:r>
-            <a:r>
-              <a:rPr lang="ko-KR" sz="1800">
-                <a:latin typeface="맑은 고딕" charset="0"/>
-                <a:ea typeface="맑은 고딕" charset="0"/>
-              </a:rPr>
-              <a:t>그</a:t>
-            </a:r>
-            <a:r>
-              <a:rPr lang="ko-KR" sz="1800">
-                <a:latin typeface="맑은 고딕" charset="0"/>
-                <a:ea typeface="맑은 고딕" charset="0"/>
-              </a:rPr>
-              <a:t>다음으로 Stone_3 오브젝트에 Rigidbody컴포넌트도 추가합니다.</a:t>
-            </a:r>
-            <a:endParaRPr lang="ko-KR" altLang="en-US" sz="1800">
-              <a:latin typeface="맑은 고딕" charset="0"/>
-              <a:ea typeface="맑은 고딕" charset="0"/>
-            </a:endParaRPr>
-          </a:p>
-        </p:txBody>
-      </p:sp>
-      <p:pic>
-        <p:nvPicPr>
-          <p:cNvPr id="1089" name="그림 52"/>
-          <p:cNvPicPr>
-            <a:picLocks noChangeAspect="1"/>
-          </p:cNvPicPr>
-          <p:nvPr/>
-        </p:nvPicPr>
-        <p:blipFill rotWithShape="1">
-          <a:blip r:embed="rId5" cstate="print">
-            <a:extLst>
-              <a:ext uri="{28A0092B-C50C-407E-A947-70E740481C1C}">
-                <a14:useLocalDpi xmlns:a14="http://schemas.microsoft.com/office/drawing/2010/main" val="0"/>
-              </a:ext>
-            </a:extLst>
-          </a:blip>
-          <a:stretch>
-            <a:fillRect/>
-          </a:stretch>
-        </p:blipFill>
-        <p:spPr>
-          <a:xfrm rot="0">
-            <a:off x="6797040" y="1343025"/>
-            <a:ext cx="4222115" cy="2271395"/>
-          </a:xfrm>
-          <a:prstGeom prst="rect"/>
-          <a:noFill/>
-        </p:spPr>
-      </p:pic>
     </p:spTree>
   </p:cSld>
   <p:clrMapOvr>
@@ -7971,6 +8268,936 @@
 </file>
 
 <file path=ppt/slides/slide11.xml><?xml version="1.0" encoding="utf-8"?>
+<p:sld xmlns:a="http://schemas.openxmlformats.org/drawingml/2006/main" xmlns:r="http://schemas.openxmlformats.org/officeDocument/2006/relationships" xmlns:p="http://schemas.openxmlformats.org/presentationml/2006/main">
+  <p:cSld>
+    <p:spTree>
+      <p:nvGrpSpPr>
+        <p:cNvPr id="1" name=""/>
+        <p:cNvGrpSpPr/>
+        <p:nvPr/>
+      </p:nvGrpSpPr>
+      <p:grpSpPr>
+        <a:xfrm>
+          <a:off x="0" y="0"/>
+          <a:ext cx="0" cy="0"/>
+          <a:chOff x="0" y="0"/>
+          <a:chExt cx="0" cy="0"/>
+        </a:xfrm>
+      </p:grpSpPr>
+      <p:sp>
+        <p:nvSpPr>
+          <p:cNvPr id="1031" name="Rect 0"/>
+          <p:cNvSpPr txBox="1">
+            <a:spLocks/>
+          </p:cNvSpPr>
+          <p:nvPr/>
+        </p:nvSpPr>
+        <p:spPr>
+          <a:xfrm rot="0">
+            <a:off x="4353560" y="393065"/>
+            <a:ext cx="3500120" cy="554990"/>
+          </a:xfrm>
+          <a:prstGeom prst="rect"/>
+          <a:noFill/>
+          <a:ln w="0">
+            <a:noFill/>
+            <a:prstDash/>
+          </a:ln>
+        </p:spPr>
+        <p:txBody>
+          <a:bodyPr wrap="square" lIns="89535" tIns="46355" rIns="89535" bIns="46355" numCol="1" vert="horz" anchor="t">
+            <a:spAutoFit/>
+          </a:bodyPr>
+          <a:lstStyle/>
+          <a:p>
+            <a:pPr marL="0" indent="0" algn="l" latinLnBrk="0">
+              <a:buFontTx/>
+              <a:buNone/>
+            </a:pPr>
+            <a:r>
+              <a:rPr lang="ko-KR" altLang="en-US" sz="3000" b="1">
+                <a:solidFill>
+                  <a:schemeClr val="tx1"/>
+                </a:solidFill>
+                <a:latin typeface="맑은 고딕" charset="0"/>
+                <a:ea typeface="맑은 고딕" charset="0"/>
+              </a:rPr>
+              <a:t>아홉</a:t>
+            </a:r>
+            <a:r>
+              <a:rPr lang="ko-KR" altLang="en-US" sz="3000" b="1">
+                <a:solidFill>
+                  <a:schemeClr val="tx1"/>
+                </a:solidFill>
+                <a:latin typeface="맑은 고딕" charset="0"/>
+                <a:ea typeface="맑은 고딕" charset="0"/>
+              </a:rPr>
+              <a:t> 번째 튜토리얼</a:t>
+            </a:r>
+            <a:endParaRPr lang="ko-KR" altLang="en-US" sz="3000" b="1">
+              <a:solidFill>
+                <a:schemeClr val="tx1"/>
+              </a:solidFill>
+              <a:latin typeface="맑은 고딕" charset="0"/>
+              <a:ea typeface="맑은 고딕" charset="0"/>
+            </a:endParaRPr>
+          </a:p>
+        </p:txBody>
+      </p:sp>
+      <p:sp>
+        <p:nvSpPr>
+          <p:cNvPr id="1070" name="Rect 0"/>
+          <p:cNvSpPr txBox="1">
+            <a:spLocks/>
+          </p:cNvSpPr>
+          <p:nvPr/>
+        </p:nvSpPr>
+        <p:spPr>
+          <a:xfrm rot="0">
+            <a:off x="1222375" y="5276850"/>
+            <a:ext cx="4164330" cy="954405"/>
+          </a:xfrm>
+          <a:prstGeom prst="rect"/>
+          <a:noFill/>
+          <a:ln w="0">
+            <a:noFill/>
+            <a:prstDash/>
+          </a:ln>
+        </p:spPr>
+        <p:txBody>
+          <a:bodyPr wrap="square" lIns="89535" tIns="46355" rIns="89535" bIns="46355" numCol="1" vert="horz" anchor="t">
+            <a:spAutoFit/>
+          </a:bodyPr>
+          <a:lstStyle/>
+          <a:p>
+            <a:pPr marL="0" indent="0" algn="l" latinLnBrk="0" hangingPunct="1">
+              <a:buFontTx/>
+              <a:buNone/>
+            </a:pPr>
+            <a:r>
+              <a:rPr lang="ko-KR" sz="2000" b="1">
+                <a:solidFill>
+                  <a:srgbClr val="0611F2"/>
+                </a:solidFill>
+                <a:latin typeface="맑은 고딕" charset="0"/>
+                <a:ea typeface="맑은 고딕" charset="0"/>
+              </a:rPr>
+              <a:t>20</a:t>
+            </a:r>
+            <a:r>
+              <a:rPr sz="2000" b="1">
+                <a:solidFill>
+                  <a:srgbClr val="0611F2"/>
+                </a:solidFill>
+                <a:latin typeface="맑은 고딕" charset="0"/>
+                <a:ea typeface="맑은 고딕" charset="0"/>
+              </a:rPr>
+              <a:t>. </a:t>
+            </a:r>
+            <a:r>
+              <a:rPr lang="ko-KR" sz="1800">
+                <a:latin typeface="맑은 고딕" charset="0"/>
+                <a:ea typeface="맑은 고딕" charset="0"/>
+              </a:rPr>
+              <a:t>마지막으로</a:t>
+            </a:r>
+            <a:r>
+              <a:rPr lang="ko-KR" sz="1800">
+                <a:latin typeface="맑은 고딕" charset="0"/>
+                <a:ea typeface="맑은 고딕" charset="0"/>
+              </a:rPr>
+              <a:t> </a:t>
+            </a:r>
+            <a:r>
+              <a:rPr lang="ko-KR" sz="1800">
+                <a:latin typeface="맑은 고딕" charset="0"/>
+                <a:ea typeface="맑은 고딕" charset="0"/>
+              </a:rPr>
+              <a:t>Prefab 폴더에 있는 Orc 오브젝트를 선택하고 Delete 스크립트라는 컴포넌트를 추가합니다.</a:t>
+            </a:r>
+            <a:endParaRPr lang="ko-KR" altLang="en-US" sz="1800">
+              <a:latin typeface="맑은 고딕" charset="0"/>
+              <a:ea typeface="맑은 고딕" charset="0"/>
+            </a:endParaRPr>
+          </a:p>
+        </p:txBody>
+      </p:sp>
+      <p:sp>
+        <p:nvSpPr>
+          <p:cNvPr id="1090" name="Rect 0"/>
+          <p:cNvSpPr txBox="1">
+            <a:spLocks/>
+          </p:cNvSpPr>
+          <p:nvPr/>
+        </p:nvSpPr>
+        <p:spPr>
+          <a:xfrm rot="0">
+            <a:off x="1222375" y="3195320"/>
+            <a:ext cx="4173220" cy="647065"/>
+          </a:xfrm>
+          <a:prstGeom prst="rect"/>
+          <a:noFill/>
+          <a:ln w="0">
+            <a:noFill/>
+            <a:prstDash/>
+          </a:ln>
+        </p:spPr>
+        <p:txBody>
+          <a:bodyPr wrap="square" lIns="89535" tIns="46355" rIns="89535" bIns="46355" vert="horz" anchor="t">
+            <a:spAutoFit/>
+          </a:bodyPr>
+          <a:lstStyle/>
+          <a:p>
+            <a:pPr marL="0" indent="0" rtl="0" algn="l" defTabSz="914400" eaLnBrk="1" latinLnBrk="0" hangingPunct="1">
+              <a:buFontTx/>
+              <a:buNone/>
+            </a:pPr>
+            <a:r>
+              <a:rPr sz="1800" b="1">
+                <a:solidFill>
+                  <a:srgbClr val="0611F2"/>
+                </a:solidFill>
+                <a:latin typeface="맑은 고딕" charset="0"/>
+                <a:ea typeface="맑은 고딕" charset="0"/>
+              </a:rPr>
+              <a:t>1</a:t>
+            </a:r>
+            <a:r>
+              <a:rPr lang="ko-KR" sz="1800" b="1">
+                <a:solidFill>
+                  <a:srgbClr val="0611F2"/>
+                </a:solidFill>
+                <a:latin typeface="맑은 고딕" charset="0"/>
+                <a:ea typeface="맑은 고딕" charset="0"/>
+              </a:rPr>
+              <a:t>9</a:t>
+            </a:r>
+            <a:r>
+              <a:rPr sz="1800" b="1">
+                <a:solidFill>
+                  <a:srgbClr val="0611F2"/>
+                </a:solidFill>
+                <a:latin typeface="맑은 고딕" charset="0"/>
+                <a:ea typeface="맑은 고딕" charset="0"/>
+              </a:rPr>
+              <a:t>.</a:t>
+            </a:r>
+            <a:r>
+              <a:rPr sz="1800">
+                <a:latin typeface="맑은 고딕" charset="0"/>
+                <a:ea typeface="맑은 고딕" charset="0"/>
+              </a:rPr>
+              <a:t> </a:t>
+            </a:r>
+            <a:r>
+              <a:rPr sz="1800">
+                <a:latin typeface="맑은 고딕" charset="0"/>
+                <a:ea typeface="맑은 고딕" charset="0"/>
+              </a:rPr>
+              <a:t>그다음으</a:t>
+            </a:r>
+            <a:r>
+              <a:rPr lang="ko-KR" sz="1800">
+                <a:latin typeface="맑은 고딕" charset="0"/>
+                <a:ea typeface="맑은 고딕" charset="0"/>
+              </a:rPr>
+              <a:t>로 C# Script를 생성하고 Delete라는 이름으로 정의합니다.</a:t>
+            </a:r>
+            <a:endParaRPr lang="ko-KR" altLang="en-US" sz="1800">
+              <a:latin typeface="맑은 고딕" charset="0"/>
+              <a:ea typeface="맑은 고딕" charset="0"/>
+            </a:endParaRPr>
+          </a:p>
+        </p:txBody>
+      </p:sp>
+      <p:pic>
+        <p:nvPicPr>
+          <p:cNvPr id="1096" name="Picture " descr="C:/Users/Admin1/AppData/Roaming/PolarisOffice/ETemp/15256_19321368/fImage53011946962.png"/>
+          <p:cNvPicPr>
+            <a:picLocks noChangeAspect="1"/>
+          </p:cNvPicPr>
+          <p:nvPr/>
+        </p:nvPicPr>
+        <p:blipFill rotWithShape="1">
+          <a:blip r:embed="rId2" cstate="hqprint">
+            <a:extLst>
+              <a:ext uri="{28A0092B-C50C-407E-A947-70E740481C1C}">
+                <a14:useLocalDpi xmlns:a14="http://schemas.microsoft.com/office/drawing/2010/main"/>
+              </a:ext>
+            </a:extLst>
+          </a:blip>
+          <a:stretch>
+            <a:fillRect/>
+          </a:stretch>
+        </p:blipFill>
+        <p:spPr>
+          <a:xfrm rot="0">
+            <a:off x="2976245" y="3988435"/>
+            <a:ext cx="2428240" cy="1194435"/>
+          </a:xfrm>
+          <a:prstGeom prst="roundRect"/>
+          <a:solidFill>
+            <a:srgbClr val="EDEDED"/>
+          </a:solidFill>
+        </p:spPr>
+      </p:pic>
+      <p:pic>
+        <p:nvPicPr>
+          <p:cNvPr id="1098" name="그림 38" descr="C:/Users/Admin1/AppData/Roaming/PolarisOffice/ETemp/15256_19321368/fImage52902588145.png"/>
+          <p:cNvPicPr>
+            <a:picLocks noChangeAspect="1"/>
+          </p:cNvPicPr>
+          <p:nvPr/>
+        </p:nvPicPr>
+        <p:blipFill rotWithShape="1">
+          <a:blip r:embed="rId3" cstate="print">
+            <a:extLst>
+              <a:ext uri="{28A0092B-C50C-407E-A947-70E740481C1C}">
+                <a14:useLocalDpi xmlns:a14="http://schemas.microsoft.com/office/drawing/2010/main" val="0"/>
+              </a:ext>
+            </a:extLst>
+          </a:blip>
+          <a:stretch>
+            <a:fillRect/>
+          </a:stretch>
+        </p:blipFill>
+        <p:spPr>
+          <a:xfrm rot="0">
+            <a:off x="1219200" y="3977640"/>
+            <a:ext cx="1649730" cy="1213485"/>
+          </a:xfrm>
+          <a:prstGeom prst="roundRect"/>
+          <a:solidFill>
+            <a:srgbClr val="EDEDED"/>
+          </a:solidFill>
+        </p:spPr>
+      </p:pic>
+      <p:pic>
+        <p:nvPicPr>
+          <p:cNvPr id="1099" name="그림 41" descr="C:/Users/Admin1/AppData/Roaming/PolarisOffice/ETemp/15256_19321368/fImage18932593281.png"/>
+          <p:cNvPicPr>
+            <a:picLocks noChangeAspect="1"/>
+          </p:cNvPicPr>
+          <p:nvPr/>
+        </p:nvPicPr>
+        <p:blipFill rotWithShape="1">
+          <a:blip r:embed="rId4" cstate="print">
+            <a:extLst>
+              <a:ext uri="{28A0092B-C50C-407E-A947-70E740481C1C}">
+                <a14:useLocalDpi xmlns:a14="http://schemas.microsoft.com/office/drawing/2010/main" val="0"/>
+              </a:ext>
+            </a:extLst>
+          </a:blip>
+          <a:stretch>
+            <a:fillRect/>
+          </a:stretch>
+        </p:blipFill>
+        <p:spPr>
+          <a:xfrm rot="0">
+            <a:off x="4355465" y="1746250"/>
+            <a:ext cx="849630" cy="939165"/>
+          </a:xfrm>
+          <a:prstGeom prst="roundRect"/>
+          <a:solidFill>
+            <a:srgbClr val="EDEDED"/>
+          </a:solidFill>
+        </p:spPr>
+      </p:pic>
+      <p:pic>
+        <p:nvPicPr>
+          <p:cNvPr id="1100" name="그림 44" descr="C:/Users/Admin1/AppData/Roaming/PolarisOffice/ETemp/15256_19321368/fImage82892606827.png"/>
+          <p:cNvPicPr>
+            <a:picLocks noChangeAspect="1"/>
+          </p:cNvPicPr>
+          <p:nvPr/>
+        </p:nvPicPr>
+        <p:blipFill rotWithShape="1">
+          <a:blip r:embed="rId5" cstate="print">
+            <a:extLst>
+              <a:ext uri="{28A0092B-C50C-407E-A947-70E740481C1C}">
+                <a14:useLocalDpi xmlns:a14="http://schemas.microsoft.com/office/drawing/2010/main" val="0"/>
+              </a:ext>
+            </a:extLst>
+          </a:blip>
+          <a:stretch>
+            <a:fillRect/>
+          </a:stretch>
+        </p:blipFill>
+        <p:spPr>
+          <a:xfrm rot="0">
+            <a:off x="1221740" y="1337945"/>
+            <a:ext cx="1783715" cy="1762760"/>
+          </a:xfrm>
+          <a:prstGeom prst="roundRect"/>
+          <a:solidFill>
+            <a:srgbClr val="EDEDED"/>
+          </a:solidFill>
+        </p:spPr>
+      </p:pic>
+      <p:pic>
+        <p:nvPicPr>
+          <p:cNvPr id="1101" name="그림 51" descr="C:/Users/Admin1/AppData/Roaming/PolarisOffice/ETemp/15256_19321368/fImage2242171995705.png"/>
+          <p:cNvPicPr>
+            <a:picLocks noChangeAspect="1"/>
+          </p:cNvPicPr>
+          <p:nvPr/>
+        </p:nvPicPr>
+        <p:blipFill rotWithShape="1">
+          <a:blip r:embed="rId6" cstate="hqprint">
+            <a:extLst>
+              <a:ext uri="{28A0092B-C50C-407E-A947-70E740481C1C}">
+                <a14:useLocalDpi xmlns:a14="http://schemas.microsoft.com/office/drawing/2010/main"/>
+              </a:ext>
+            </a:extLst>
+          </a:blip>
+          <a:stretch>
+            <a:fillRect/>
+          </a:stretch>
+        </p:blipFill>
+        <p:spPr>
+          <a:xfrm rot="0">
+            <a:off x="3152140" y="2019300"/>
+            <a:ext cx="1022350" cy="426720"/>
+          </a:xfrm>
+          <a:prstGeom prst="rect"/>
+          <a:noFill/>
+        </p:spPr>
+      </p:pic>
+      <p:pic>
+        <p:nvPicPr>
+          <p:cNvPr id="1102" name="그림 54" descr="C:/Users/Admin1/AppData/Roaming/PolarisOffice/ETemp/15256_19321368/fImage258202649961.png"/>
+          <p:cNvPicPr>
+            <a:picLocks noChangeAspect="1"/>
+          </p:cNvPicPr>
+          <p:nvPr/>
+        </p:nvPicPr>
+        <p:blipFill rotWithShape="1">
+          <a:blip r:embed="rId7" cstate="print">
+            <a:extLst>
+              <a:ext uri="{28A0092B-C50C-407E-A947-70E740481C1C}">
+                <a14:useLocalDpi xmlns:a14="http://schemas.microsoft.com/office/drawing/2010/main" val="0"/>
+              </a:ext>
+            </a:extLst>
+          </a:blip>
+          <a:stretch>
+            <a:fillRect/>
+          </a:stretch>
+        </p:blipFill>
+        <p:spPr>
+          <a:xfrm rot="0">
+            <a:off x="6814820" y="1345565"/>
+            <a:ext cx="4139565" cy="2447925"/>
+          </a:xfrm>
+          <a:prstGeom prst="roundRect"/>
+          <a:solidFill>
+            <a:srgbClr val="EDEDED"/>
+          </a:solidFill>
+        </p:spPr>
+      </p:pic>
+      <p:sp>
+        <p:nvSpPr>
+          <p:cNvPr id="1103" name="텍스트 상자 57"/>
+          <p:cNvSpPr txBox="1">
+            <a:spLocks/>
+          </p:cNvSpPr>
+          <p:nvPr/>
+        </p:nvSpPr>
+        <p:spPr>
+          <a:xfrm rot="0">
+            <a:off x="6827520" y="3893820"/>
+            <a:ext cx="4135755" cy="2338705"/>
+          </a:xfrm>
+          <a:prstGeom prst="rect"/>
+          <a:noFill/>
+          <a:ln w="0">
+            <a:noFill/>
+            <a:prstDash/>
+          </a:ln>
+        </p:spPr>
+        <p:txBody>
+          <a:bodyPr wrap="square" lIns="89535" tIns="46355" rIns="89535" bIns="46355" numCol="1" vert="horz" anchor="t">
+            <a:spAutoFit/>
+          </a:bodyPr>
+          <a:lstStyle/>
+          <a:p>
+            <a:pPr marL="0" indent="0" algn="l" latinLnBrk="0" hangingPunct="1">
+              <a:buFontTx/>
+              <a:buNone/>
+            </a:pPr>
+            <a:r>
+              <a:rPr lang="ko-KR" sz="2000" b="1">
+                <a:solidFill>
+                  <a:srgbClr val="0611F2"/>
+                </a:solidFill>
+                <a:latin typeface="맑은 고딕" charset="0"/>
+                <a:ea typeface="맑은 고딕" charset="0"/>
+              </a:rPr>
+              <a:t>21</a:t>
+            </a:r>
+            <a:r>
+              <a:rPr sz="2000" b="1">
+                <a:solidFill>
+                  <a:srgbClr val="0611F2"/>
+                </a:solidFill>
+                <a:latin typeface="맑은 고딕" charset="0"/>
+                <a:ea typeface="맑은 고딕" charset="0"/>
+              </a:rPr>
+              <a:t>. </a:t>
+            </a:r>
+            <a:r>
+              <a:rPr lang="ko-KR" sz="1800">
+                <a:latin typeface="맑은 고딕" charset="0"/>
+                <a:ea typeface="맑은 고딕" charset="0"/>
+              </a:rPr>
+              <a:t>이제</a:t>
+            </a:r>
+            <a:r>
+              <a:rPr lang="ko-KR" sz="1800">
+                <a:latin typeface="맑은 고딕" charset="0"/>
+                <a:ea typeface="맑은 고딕" charset="0"/>
+              </a:rPr>
+              <a:t> </a:t>
+            </a:r>
+            <a:r>
+              <a:rPr lang="ko-KR" sz="1800">
+                <a:latin typeface="맑은 고딕" charset="0"/>
+                <a:ea typeface="맑은 고딕" charset="0"/>
+              </a:rPr>
+              <a:t>Delete 스크립트를 선택한 다음 Start( ) 함수 안에 게임 오브젝트를 파괴하는 함수를 선언합니다.</a:t>
+            </a:r>
+            <a:endParaRPr lang="ko-KR" altLang="en-US" sz="1800">
+              <a:latin typeface="맑은 고딕" charset="0"/>
+              <a:ea typeface="맑은 고딕" charset="0"/>
+            </a:endParaRPr>
+          </a:p>
+          <a:p>
+            <a:pPr marL="0" indent="0" algn="l" latinLnBrk="0" hangingPunct="1">
+              <a:buFontTx/>
+              <a:buNone/>
+            </a:pPr>
+            <a:endParaRPr lang="ko-KR" altLang="en-US" sz="1800">
+              <a:latin typeface="맑은 고딕" charset="0"/>
+              <a:ea typeface="맑은 고딕" charset="0"/>
+            </a:endParaRPr>
+          </a:p>
+          <a:p>
+            <a:pPr marL="0" indent="0" algn="l" latinLnBrk="0" hangingPunct="1">
+              <a:buFontTx/>
+              <a:buNone/>
+            </a:pPr>
+            <a:r>
+              <a:rPr lang="ko-KR" sz="1800">
+                <a:latin typeface="맑은 고딕" charset="0"/>
+                <a:ea typeface="맑은 고딕" charset="0"/>
+              </a:rPr>
+              <a:t>그리고 Random.Range( )를 사용하여 게임 오브젝트가 1 ~ 5초 사이의 특정 시간에 파괴될 수 있도록 설정합니다.</a:t>
+            </a:r>
+            <a:endParaRPr lang="ko-KR" altLang="en-US" sz="1800">
+              <a:latin typeface="맑은 고딕" charset="0"/>
+              <a:ea typeface="맑은 고딕" charset="0"/>
+            </a:endParaRPr>
+          </a:p>
+        </p:txBody>
+      </p:sp>
+    </p:spTree>
+  </p:cSld>
+  <p:clrMapOvr>
+    <a:masterClrMapping/>
+  </p:clrMapOvr>
+  <mc:AlternateContent xmlns:mc="http://schemas.openxmlformats.org/markup-compatibility/2006">
+    <mc:Choice xmlns:p14="http://schemas.microsoft.com/office/powerpoint/2010/main" Requires="p14">
+      <p:transition spd="slow" p14:dur="2000"/>
+    </mc:Choice>
+    <mc:Fallback>
+      <p:transition spd="slow"/>
+    </mc:Fallback>
+  </mc:AlternateContent>
+  <p:timing>
+    <p:tnLst>
+      <p:par>
+        <p:cTn id="1" dur="indefinite" restart="never" nodeType="tmRoot"/>
+      </p:par>
+    </p:tnLst>
+  </p:timing>
+</p:sld>
+</file>
+
+<file path=ppt/slides/slide12.xml><?xml version="1.0" encoding="utf-8"?>
+<p:sld xmlns:a="http://schemas.openxmlformats.org/drawingml/2006/main" xmlns:r="http://schemas.openxmlformats.org/officeDocument/2006/relationships" xmlns:p="http://schemas.openxmlformats.org/presentationml/2006/main">
+  <p:cSld>
+    <p:spTree>
+      <p:nvGrpSpPr>
+        <p:cNvPr id="1" name=""/>
+        <p:cNvGrpSpPr/>
+        <p:nvPr/>
+      </p:nvGrpSpPr>
+      <p:grpSpPr>
+        <a:xfrm>
+          <a:off x="0" y="0"/>
+          <a:ext cx="0" cy="0"/>
+          <a:chOff x="0" y="0"/>
+          <a:chExt cx="0" cy="0"/>
+        </a:xfrm>
+      </p:grpSpPr>
+      <p:sp>
+        <p:nvSpPr>
+          <p:cNvPr id="1031" name="Rect 0"/>
+          <p:cNvSpPr txBox="1">
+            <a:spLocks/>
+          </p:cNvSpPr>
+          <p:nvPr/>
+        </p:nvSpPr>
+        <p:spPr>
+          <a:xfrm rot="0">
+            <a:off x="4500880" y="384175"/>
+            <a:ext cx="3189605" cy="554990"/>
+          </a:xfrm>
+          <a:prstGeom prst="rect"/>
+          <a:noFill/>
+          <a:ln w="0">
+            <a:noFill/>
+            <a:prstDash/>
+          </a:ln>
+        </p:spPr>
+        <p:txBody>
+          <a:bodyPr wrap="square" lIns="89535" tIns="46355" rIns="89535" bIns="46355" numCol="1" vert="horz" anchor="t">
+            <a:spAutoFit/>
+          </a:bodyPr>
+          <a:lstStyle/>
+          <a:p>
+            <a:pPr marL="0" indent="0" algn="l" latinLnBrk="0">
+              <a:buFontTx/>
+              <a:buNone/>
+            </a:pPr>
+            <a:r>
+              <a:rPr lang="ko-KR" altLang="en-US" sz="3000" b="1">
+                <a:solidFill>
+                  <a:schemeClr val="tx1"/>
+                </a:solidFill>
+                <a:latin typeface="맑은 고딕" charset="0"/>
+                <a:ea typeface="맑은 고딕" charset="0"/>
+              </a:rPr>
+              <a:t>열</a:t>
+            </a:r>
+            <a:r>
+              <a:rPr lang="ko-KR" altLang="en-US" sz="3000" b="1">
+                <a:solidFill>
+                  <a:schemeClr val="tx1"/>
+                </a:solidFill>
+                <a:latin typeface="맑은 고딕" charset="0"/>
+                <a:ea typeface="맑은 고딕" charset="0"/>
+              </a:rPr>
+              <a:t> 번째 튜토리얼</a:t>
+            </a:r>
+            <a:endParaRPr lang="ko-KR" altLang="en-US" sz="3000" b="1">
+              <a:solidFill>
+                <a:schemeClr val="tx1"/>
+              </a:solidFill>
+              <a:latin typeface="맑은 고딕" charset="0"/>
+              <a:ea typeface="맑은 고딕" charset="0"/>
+            </a:endParaRPr>
+          </a:p>
+        </p:txBody>
+      </p:sp>
+      <p:sp>
+        <p:nvSpPr>
+          <p:cNvPr id="1070" name="Rect 0"/>
+          <p:cNvSpPr txBox="1">
+            <a:spLocks/>
+          </p:cNvSpPr>
+          <p:nvPr/>
+        </p:nvSpPr>
+        <p:spPr>
+          <a:xfrm rot="0">
+            <a:off x="1222375" y="5276850"/>
+            <a:ext cx="4164330" cy="954405"/>
+          </a:xfrm>
+          <a:prstGeom prst="rect"/>
+          <a:noFill/>
+          <a:ln w="0">
+            <a:noFill/>
+            <a:prstDash/>
+          </a:ln>
+        </p:spPr>
+        <p:txBody>
+          <a:bodyPr wrap="square" lIns="89535" tIns="46355" rIns="89535" bIns="46355" numCol="1" vert="horz" anchor="t">
+            <a:spAutoFit/>
+          </a:bodyPr>
+          <a:lstStyle/>
+          <a:p>
+            <a:pPr marL="0" indent="0" algn="l" latinLnBrk="0" hangingPunct="1">
+              <a:buFontTx/>
+              <a:buNone/>
+            </a:pPr>
+            <a:r>
+              <a:rPr lang="ko-KR" sz="2000" b="1">
+                <a:solidFill>
+                  <a:srgbClr val="0611F2"/>
+                </a:solidFill>
+                <a:latin typeface="맑은 고딕" charset="0"/>
+                <a:ea typeface="맑은 고딕" charset="0"/>
+              </a:rPr>
+              <a:t>23</a:t>
+            </a:r>
+            <a:r>
+              <a:rPr sz="2000" b="1">
+                <a:solidFill>
+                  <a:srgbClr val="0611F2"/>
+                </a:solidFill>
+                <a:latin typeface="맑은 고딕" charset="0"/>
+                <a:ea typeface="맑은 고딕" charset="0"/>
+              </a:rPr>
+              <a:t>. </a:t>
+            </a:r>
+            <a:r>
+              <a:rPr lang="ko-KR" sz="1800">
+                <a:latin typeface="맑은 고딕" charset="0"/>
+                <a:ea typeface="맑은 고딕" charset="0"/>
+              </a:rPr>
+              <a:t>그런 다음</a:t>
+            </a:r>
+            <a:r>
+              <a:rPr lang="ko-KR" sz="1800">
+                <a:latin typeface="맑은 고딕" charset="0"/>
+                <a:ea typeface="맑은 고딕" charset="0"/>
+              </a:rPr>
+              <a:t> </a:t>
+            </a:r>
+            <a:r>
+              <a:rPr lang="ko-KR" sz="1800">
+                <a:latin typeface="맑은 고딕" charset="0"/>
+                <a:ea typeface="맑은 고딕" charset="0"/>
+              </a:rPr>
+              <a:t>Projcet 폴더에 있는 Materials 폴더에 Tile Material을 Plane 게임 오브젝트에 넣어줍니다.</a:t>
+            </a:r>
+            <a:endParaRPr lang="ko-KR" altLang="en-US" sz="1800">
+              <a:latin typeface="맑은 고딕" charset="0"/>
+              <a:ea typeface="맑은 고딕" charset="0"/>
+            </a:endParaRPr>
+          </a:p>
+        </p:txBody>
+      </p:sp>
+      <p:sp>
+        <p:nvSpPr>
+          <p:cNvPr id="1090" name="Rect 0"/>
+          <p:cNvSpPr txBox="1">
+            <a:spLocks/>
+          </p:cNvSpPr>
+          <p:nvPr/>
+        </p:nvSpPr>
+        <p:spPr>
+          <a:xfrm rot="0">
+            <a:off x="1220470" y="3073400"/>
+            <a:ext cx="4166235" cy="647065"/>
+          </a:xfrm>
+          <a:prstGeom prst="rect"/>
+          <a:noFill/>
+          <a:ln w="0">
+            <a:noFill/>
+            <a:prstDash/>
+          </a:ln>
+        </p:spPr>
+        <p:txBody>
+          <a:bodyPr wrap="square" lIns="89535" tIns="46355" rIns="89535" bIns="46355" vert="horz" anchor="t">
+            <a:spAutoFit/>
+          </a:bodyPr>
+          <a:lstStyle/>
+          <a:p>
+            <a:pPr marL="0" indent="0" rtl="0" algn="l" defTabSz="914400" eaLnBrk="1" latinLnBrk="0" hangingPunct="1">
+              <a:buFontTx/>
+              <a:buNone/>
+            </a:pPr>
+            <a:r>
+              <a:rPr lang="ko-KR" sz="1800" b="1">
+                <a:solidFill>
+                  <a:srgbClr val="0611F2"/>
+                </a:solidFill>
+                <a:latin typeface="맑은 고딕" charset="0"/>
+                <a:ea typeface="맑은 고딕" charset="0"/>
+              </a:rPr>
+              <a:t>22</a:t>
+            </a:r>
+            <a:r>
+              <a:rPr sz="1800" b="1">
+                <a:solidFill>
+                  <a:srgbClr val="0611F2"/>
+                </a:solidFill>
+                <a:latin typeface="맑은 고딕" charset="0"/>
+                <a:ea typeface="맑은 고딕" charset="0"/>
+              </a:rPr>
+              <a:t>.</a:t>
+            </a:r>
+            <a:r>
+              <a:rPr sz="1800">
+                <a:latin typeface="맑은 고딕" charset="0"/>
+                <a:ea typeface="맑은 고딕" charset="0"/>
+              </a:rPr>
+              <a:t> </a:t>
+            </a:r>
+            <a:r>
+              <a:rPr lang="ko-KR" sz="1800">
+                <a:latin typeface="맑은 고딕" charset="0"/>
+                <a:ea typeface="맑은 고딕" charset="0"/>
+              </a:rPr>
+              <a:t>그다음 Main Camera 오브젝트의 위치와 회전 값을 설정합니다.</a:t>
+            </a:r>
+            <a:endParaRPr lang="ko-KR" altLang="en-US" sz="1800">
+              <a:latin typeface="맑은 고딕" charset="0"/>
+              <a:ea typeface="맑은 고딕" charset="0"/>
+            </a:endParaRPr>
+          </a:p>
+        </p:txBody>
+      </p:sp>
+      <p:pic>
+        <p:nvPicPr>
+          <p:cNvPr id="1104" name="그림 58" descr="C:/Users/Admin1/AppData/Roaming/PolarisOffice/ETemp/15256_19321368/fImage12239279491.png"/>
+          <p:cNvPicPr>
+            <a:picLocks noChangeAspect="1"/>
+          </p:cNvPicPr>
+          <p:nvPr/>
+        </p:nvPicPr>
+        <p:blipFill rotWithShape="1">
+          <a:blip r:embed="rId2" cstate="print">
+            <a:extLst>
+              <a:ext uri="{28A0092B-C50C-407E-A947-70E740481C1C}">
+                <a14:useLocalDpi xmlns:a14="http://schemas.microsoft.com/office/drawing/2010/main" val="0"/>
+              </a:ext>
+            </a:extLst>
+          </a:blip>
+          <a:stretch>
+            <a:fillRect/>
+          </a:stretch>
+        </p:blipFill>
+        <p:spPr>
+          <a:xfrm rot="0">
+            <a:off x="1238250" y="1445895"/>
+            <a:ext cx="4157345" cy="1507490"/>
+          </a:xfrm>
+          <a:prstGeom prst="roundRect"/>
+          <a:solidFill>
+            <a:srgbClr val="EDEDED"/>
+          </a:solidFill>
+        </p:spPr>
+      </p:pic>
+      <p:pic>
+        <p:nvPicPr>
+          <p:cNvPr id="1105" name="그림 61" descr="C:/Users/Admin1/AppData/Roaming/PolarisOffice/ETemp/15256_19321368/fImage90722802995.png"/>
+          <p:cNvPicPr>
+            <a:picLocks noChangeAspect="1"/>
+          </p:cNvPicPr>
+          <p:nvPr/>
+        </p:nvPicPr>
+        <p:blipFill rotWithShape="1">
+          <a:blip r:embed="rId3" cstate="print">
+            <a:extLst>
+              <a:ext uri="{28A0092B-C50C-407E-A947-70E740481C1C}">
+                <a14:useLocalDpi xmlns:a14="http://schemas.microsoft.com/office/drawing/2010/main" val="0"/>
+              </a:ext>
+            </a:extLst>
+          </a:blip>
+          <a:stretch>
+            <a:fillRect/>
+          </a:stretch>
+        </p:blipFill>
+        <p:spPr>
+          <a:xfrm rot="0">
+            <a:off x="1214120" y="3851910"/>
+            <a:ext cx="1488440" cy="1335405"/>
+          </a:xfrm>
+          <a:prstGeom prst="roundRect"/>
+          <a:solidFill>
+            <a:srgbClr val="EDEDED"/>
+          </a:solidFill>
+        </p:spPr>
+      </p:pic>
+      <p:pic>
+        <p:nvPicPr>
+          <p:cNvPr id="1106" name="그림 64" descr="C:/Users/Admin1/AppData/Roaming/PolarisOffice/ETemp/15256_19321368/fImage145102811942.png"/>
+          <p:cNvPicPr>
+            <a:picLocks noChangeAspect="1"/>
+          </p:cNvPicPr>
+          <p:nvPr/>
+        </p:nvPicPr>
+        <p:blipFill rotWithShape="1">
+          <a:blip r:embed="rId4" cstate="print">
+            <a:extLst>
+              <a:ext uri="{28A0092B-C50C-407E-A947-70E740481C1C}">
+                <a14:useLocalDpi xmlns:a14="http://schemas.microsoft.com/office/drawing/2010/main" val="0"/>
+              </a:ext>
+            </a:extLst>
+          </a:blip>
+          <a:stretch>
+            <a:fillRect/>
+          </a:stretch>
+        </p:blipFill>
+        <p:spPr>
+          <a:xfrm rot="0">
+            <a:off x="2823210" y="3844925"/>
+            <a:ext cx="2563495" cy="1334135"/>
+          </a:xfrm>
+          <a:prstGeom prst="roundRect"/>
+          <a:solidFill>
+            <a:srgbClr val="EDEDED"/>
+          </a:solidFill>
+        </p:spPr>
+      </p:pic>
+      <p:cxnSp>
+        <p:nvCxnSpPr>
+          <p:cNvPr id="1107" name="도형 67"/>
+          <p:cNvCxnSpPr/>
+          <p:nvPr/>
+        </p:nvCxnSpPr>
+        <p:spPr>
+          <a:xfrm rot="0" flipH="1">
+            <a:off x="1835785" y="4572000"/>
+            <a:ext cx="1715135" cy="113030"/>
+          </a:xfrm>
+          <a:prstGeom prst="straightConnector1"/>
+          <a:ln w="6350" cap="flat" cmpd="sng">
+            <a:prstDash/>
+            <a:headEnd type="none" w="med" len="med"/>
+            <a:tailEnd type="triangle" w="med" len="med"/>
+          </a:ln>
+        </p:spPr>
+        <p:style>
+          <a:lnRef idx="1">
+            <a:schemeClr val="accent1"/>
+          </a:lnRef>
+          <a:fillRef idx="0">
+            <a:schemeClr val="accent1"/>
+          </a:fillRef>
+          <a:effectRef idx="0">
+            <a:schemeClr val="accent1"/>
+          </a:effectRef>
+          <a:fontRef idx="minor">
+            <a:schemeClr val="tx1"/>
+          </a:fontRef>
+        </p:style>
+      </p:cxnSp>
+    </p:spTree>
+  </p:cSld>
+  <p:clrMapOvr>
+    <a:masterClrMapping/>
+  </p:clrMapOvr>
+  <mc:AlternateContent xmlns:mc="http://schemas.openxmlformats.org/markup-compatibility/2006">
+    <mc:Choice xmlns:p14="http://schemas.microsoft.com/office/powerpoint/2010/main" Requires="p14">
+      <p:transition spd="slow" p14:dur="2000"/>
+    </mc:Choice>
+    <mc:Fallback>
+      <p:transition spd="slow"/>
+    </mc:Fallback>
+  </mc:AlternateContent>
+  <p:timing>
+    <p:tnLst>
+      <p:par>
+        <p:cTn id="1" dur="indefinite" restart="never" nodeType="tmRoot"/>
+      </p:par>
+    </p:tnLst>
+  </p:timing>
+</p:sld>
+</file>
+
+<file path=ppt/slides/slide13.xml><?xml version="1.0" encoding="utf-8"?>
 <p:sld xmlns:a="http://schemas.openxmlformats.org/drawingml/2006/main" xmlns:r="http://schemas.openxmlformats.org/officeDocument/2006/relationships" xmlns:p="http://schemas.openxmlformats.org/presentationml/2006/main" xmlns:p14="http://schemas.microsoft.com/office/powerpoint/2010/main">
   <p:cSld>
     <p:spTree>
@@ -8232,7 +9459,7 @@
       </p:sp>
       <p:pic>
         <p:nvPicPr>
-          <p:cNvPr id="1110" name="그림 24" descr="C:/Users/Admin1/AppData/Roaming/PolarisOffice/ETemp/20572_22936136/fImage187452986500.png"/>
+          <p:cNvPr id="1110" name="그림 24"/>
           <p:cNvPicPr>
             <a:picLocks noChangeAspect="1"/>
           </p:cNvPicPr>
@@ -8434,7 +9661,7 @@
       </p:sp>
       <p:pic>
         <p:nvPicPr>
-          <p:cNvPr id="1033" name="그림 7" descr="C:/Users/Admin1/AppData/Roaming/PolarisOffice/ETemp/20572_22936136/fImage396362805724.png"/>
+          <p:cNvPr id="1033" name="그림 7"/>
           <p:cNvPicPr>
             <a:picLocks noChangeAspect="1"/>
           </p:cNvPicPr>
@@ -8527,7 +9754,7 @@
       </p:sp>
       <p:pic>
         <p:nvPicPr>
-          <p:cNvPr id="1035" name="그림 9" descr="C:/Users/Admin1/AppData/Roaming/PolarisOffice/ETemp/20572_22936136/fImage384292811478.png"/>
+          <p:cNvPr id="1035" name="그림 9"/>
           <p:cNvPicPr>
             <a:picLocks noChangeAspect="1"/>
           </p:cNvPicPr>
@@ -8768,7 +9995,7 @@
       </p:sp>
       <p:pic>
         <p:nvPicPr>
-          <p:cNvPr id="1062" name="그림 10" descr="C:/Users/Admin1/AppData/Roaming/PolarisOffice/ETemp/20572_22936136/fImage1877317641.png"/>
+          <p:cNvPr id="1062" name="그림 10"/>
           <p:cNvPicPr>
             <a:picLocks noChangeAspect="1"/>
           </p:cNvPicPr>
@@ -8863,7 +10090,7 @@
       </p:sp>
       <p:pic>
         <p:nvPicPr>
-          <p:cNvPr id="1064" name="그림 14" descr="C:/Users/Admin1/AppData/Roaming/PolarisOffice/ETemp/20572_22936136/fImage60931788467.png"/>
+          <p:cNvPr id="1064" name="그림 14"/>
           <p:cNvPicPr>
             <a:picLocks noChangeAspect="1"/>
           </p:cNvPicPr>
@@ -8894,7 +10121,7 @@
       </p:pic>
       <p:pic>
         <p:nvPicPr>
-          <p:cNvPr id="1065" name="그림 17" descr="C:/Users/Admin1/AppData/Roaming/PolarisOffice/ETemp/20572_22936136/fImage468631796334.png"/>
+          <p:cNvPr id="1065" name="그림 17"/>
           <p:cNvPicPr>
             <a:picLocks noChangeAspect="1"/>
           </p:cNvPicPr>
@@ -9211,7 +10438,7 @@
       </p:sp>
       <p:pic>
         <p:nvPicPr>
-          <p:cNvPr id="1036" name="그림 1" descr="C:/Users/Admin1/AppData/Roaming/PolarisOffice/ETemp/20572_22936136/fImage29139941.png"/>
+          <p:cNvPr id="1036" name="그림 1"/>
           <p:cNvPicPr>
             <a:picLocks noChangeAspect="1"/>
           </p:cNvPicPr>
@@ -9550,7 +10777,7 @@
       </p:sp>
       <p:pic>
         <p:nvPicPr>
-          <p:cNvPr id="1034" name="그림 22" descr="C:/Users/Admin1/AppData/Roaming/PolarisOffice/ETemp/20572_22936136/fImage412512959358.png"/>
+          <p:cNvPr id="1034" name="그림 22"/>
           <p:cNvPicPr>
             <a:picLocks noChangeAspect="1"/>
           </p:cNvPicPr>
@@ -9579,7 +10806,7 @@
       </p:pic>
       <p:pic>
         <p:nvPicPr>
-          <p:cNvPr id="1037" name="그림 25" descr="C:/Users/Admin1/AppData/Roaming/PolarisOffice/ETemp/20572_22936136/fImage410242994464.png"/>
+          <p:cNvPr id="1037" name="그림 25"/>
           <p:cNvPicPr>
             <a:picLocks noChangeAspect="1"/>
           </p:cNvPicPr>
@@ -9608,7 +10835,7 @@
       </p:pic>
       <p:pic>
         <p:nvPicPr>
-          <p:cNvPr id="1038" name="그림 26" descr="C:/Users/Admin1/AppData/Roaming/PolarisOffice/ETemp/20572_22936136/fImage61361866500.png"/>
+          <p:cNvPr id="1038" name="그림 26"/>
           <p:cNvPicPr>
             <a:picLocks noChangeAspect="1"/>
           </p:cNvPicPr>
@@ -9920,7 +11147,7 @@
       </p:sp>
       <p:pic>
         <p:nvPicPr>
-          <p:cNvPr id="1051" name="그림 18" descr="C:/Users/Admin1/AppData/Roaming/PolarisOffice/ETemp/20572_22936136/fImage504092968467.png"/>
+          <p:cNvPr id="1051" name="그림 18"/>
           <p:cNvPicPr>
             <a:picLocks noChangeAspect="1"/>
           </p:cNvPicPr>
@@ -9951,7 +11178,7 @@
       </p:pic>
       <p:pic>
         <p:nvPicPr>
-          <p:cNvPr id="1052" name="그림 21" descr="C:/Users/Admin1/AppData/Roaming/PolarisOffice/ETemp/20572_22936136/fImage1040312976334.png"/>
+          <p:cNvPr id="1052" name="그림 21"/>
           <p:cNvPicPr>
             <a:picLocks noChangeAspect="1"/>
           </p:cNvPicPr>
@@ -10146,7 +11373,7 @@
       </p:sp>
       <p:pic>
         <p:nvPicPr>
-          <p:cNvPr id="1052" name="그림 34" descr="C:/Users/Admin1/AppData/Roaming/PolarisOffice/ETemp/20572_22936136/fImage120161889169.png"/>
+          <p:cNvPr id="1052" name="그림 34"/>
           <p:cNvPicPr>
             <a:picLocks noChangeAspect="1"/>
           </p:cNvPicPr>
@@ -10177,7 +11404,7 @@
       </p:pic>
       <p:pic>
         <p:nvPicPr>
-          <p:cNvPr id="1053" name="그림 37" descr="C:/Users/Admin1/AppData/Roaming/PolarisOffice/ETemp/20572_22936136/fImage122321895724.png"/>
+          <p:cNvPr id="1053" name="그림 37"/>
           <p:cNvPicPr>
             <a:picLocks noChangeAspect="1"/>
           </p:cNvPicPr>
@@ -10272,7 +11499,7 @@
       </p:sp>
       <p:pic>
         <p:nvPicPr>
-          <p:cNvPr id="1055" name="그림 41" descr="C:/Users/Admin1/AppData/Roaming/PolarisOffice/ETemp/20572_22936136/fImage59261911478.png"/>
+          <p:cNvPr id="1055" name="그림 41"/>
           <p:cNvPicPr>
             <a:picLocks noChangeAspect="1"/>
           </p:cNvPicPr>
@@ -10367,7 +11594,7 @@
       </p:sp>
       <p:pic>
         <p:nvPicPr>
-          <p:cNvPr id="1057" name="그림 45" descr="C:/Users/Admin1/AppData/Roaming/PolarisOffice/ETemp/20572_22936136/fImage71351939358.png"/>
+          <p:cNvPr id="1057" name="그림 45"/>
           <p:cNvPicPr>
             <a:picLocks noChangeAspect="1"/>
           </p:cNvPicPr>
@@ -10398,7 +11625,7 @@
       </p:pic>
       <p:pic>
         <p:nvPicPr>
-          <p:cNvPr id="1058" name="그림 48" descr="C:/Users/Admin1/AppData/Roaming/PolarisOffice/ETemp/20572_22936136/fImage53011946962.png"/>
+          <p:cNvPr id="1058" name="그림 48"/>
           <p:cNvPicPr>
             <a:picLocks noChangeAspect="1"/>
           </p:cNvPicPr>
@@ -10429,7 +11656,7 @@
       </p:pic>
       <p:pic>
         <p:nvPicPr>
-          <p:cNvPr id="1059" name="그림 49" descr="C:/Users/Admin1/AppData/Roaming/PolarisOffice/ETemp/20572_22936136/fImage71351954464.png"/>
+          <p:cNvPr id="1059" name="그림 49"/>
           <p:cNvPicPr>
             <a:picLocks noChangeAspect="1"/>
           </p:cNvPicPr>
@@ -10524,7 +11751,7 @@
       </p:sp>
       <p:pic>
         <p:nvPicPr>
-          <p:cNvPr id="1061" name="그림 54" descr="C:/Users/Admin1/AppData/Roaming/PolarisOffice/ETemp/20572_22936136/fImage2242171995705.png"/>
+          <p:cNvPr id="1061" name="그림 54"/>
           <p:cNvPicPr>
             <a:picLocks noChangeAspect="1"/>
           </p:cNvPicPr>
@@ -10553,7 +11780,7 @@
       </p:pic>
       <p:pic>
         <p:nvPicPr>
-          <p:cNvPr id="1062" name="그림 55" descr="C:/Users/Admin1/AppData/Roaming/PolarisOffice/ETemp/20572_22936136/fImage2242172008145.png"/>
+          <p:cNvPr id="1062" name="그림 55"/>
           <p:cNvPicPr>
             <a:picLocks noChangeAspect="1"/>
           </p:cNvPicPr>
@@ -10690,8 +11917,8 @@
         </p:nvSpPr>
         <p:spPr>
           <a:xfrm rot="0">
-            <a:off x="1432560" y="5100320"/>
-            <a:ext cx="3945890" cy="954405"/>
+            <a:off x="1424305" y="5233035"/>
+            <a:ext cx="3946525" cy="955040"/>
           </a:xfrm>
           <a:prstGeom prst="rect"/>
           <a:noFill/>
@@ -10746,14 +11973,226 @@
       </p:sp>
       <p:pic>
         <p:nvPicPr>
-          <p:cNvPr id="1034" name="그림 58" descr="C:/Users/Admin1/AppData/Roaming/PolarisOffice/ETemp/20572_22936136/fImage115662033281.png"/>
+          <p:cNvPr id="1034" name="그림 58" descr="C:/Users/Admin1/AppData/Roaming/PolarisOffice/ETemp/15256_19321368/fImage115662033281.png"/>
           <p:cNvPicPr>
             <a:picLocks noChangeAspect="1"/>
           </p:cNvPicPr>
           <p:nvPr/>
         </p:nvPicPr>
         <p:blipFill rotWithShape="1">
-          <a:blip r:embed="rId5" cstate="print">
+          <a:blip r:embed="rId5" cstate="hqprint">
+            <a:extLst>
+              <a:ext uri="{28A0092B-C50C-407E-A947-70E740481C1C}">
+                <a14:useLocalDpi xmlns:a14="http://schemas.microsoft.com/office/drawing/2010/main"/>
+              </a:ext>
+            </a:extLst>
+          </a:blip>
+          <a:stretch>
+            <a:fillRect/>
+          </a:stretch>
+        </p:blipFill>
+        <p:spPr>
+          <a:xfrm rot="0">
+            <a:off x="3187065" y="1402715"/>
+            <a:ext cx="2183130" cy="3677285"/>
+          </a:xfrm>
+          <a:prstGeom prst="roundRect"/>
+          <a:solidFill>
+            <a:srgbClr val="EDEDED"/>
+          </a:solidFill>
+        </p:spPr>
+      </p:pic>
+      <p:pic>
+        <p:nvPicPr>
+          <p:cNvPr id="1035" name="그림 61" descr="C:/Users/Admin1/AppData/Roaming/PolarisOffice/ETemp/15256_19321368/fImage71352046827.png"/>
+          <p:cNvPicPr>
+            <a:picLocks noChangeAspect="1"/>
+          </p:cNvPicPr>
+          <p:nvPr/>
+        </p:nvPicPr>
+        <p:blipFill rotWithShape="1">
+          <a:blip r:embed="rId6" cstate="hqprint">
+            <a:extLst>
+              <a:ext uri="{28A0092B-C50C-407E-A947-70E740481C1C}">
+                <a14:useLocalDpi xmlns:a14="http://schemas.microsoft.com/office/drawing/2010/main"/>
+              </a:ext>
+            </a:extLst>
+          </a:blip>
+          <a:stretch>
+            <a:fillRect/>
+          </a:stretch>
+        </p:blipFill>
+        <p:spPr>
+          <a:xfrm rot="0">
+            <a:off x="1428750" y="2111375"/>
+            <a:ext cx="1603375" cy="2263140"/>
+          </a:xfrm>
+          <a:prstGeom prst="roundRect"/>
+          <a:solidFill>
+            <a:srgbClr val="EDEDED"/>
+          </a:solidFill>
+        </p:spPr>
+      </p:pic>
+      <p:sp>
+        <p:nvSpPr>
+          <p:cNvPr id="1036" name="텍스트 상자 5"/>
+          <p:cNvSpPr txBox="1">
+            <a:spLocks/>
+          </p:cNvSpPr>
+          <p:nvPr/>
+        </p:nvSpPr>
+        <p:spPr>
+          <a:xfrm rot="0">
+            <a:off x="6800215" y="4151630"/>
+            <a:ext cx="4173855" cy="2031365"/>
+          </a:xfrm>
+          <a:prstGeom prst="rect"/>
+          <a:noFill/>
+          <a:ln w="0">
+            <a:noFill/>
+            <a:prstDash/>
+          </a:ln>
+        </p:spPr>
+        <p:txBody>
+          <a:bodyPr wrap="square" lIns="89535" tIns="46355" rIns="89535" bIns="46355" vert="horz" anchor="t">
+            <a:spAutoFit/>
+          </a:bodyPr>
+          <a:lstStyle/>
+          <a:p>
+            <a:pPr marL="0" indent="0" rtl="0" algn="l" defTabSz="914400" eaLnBrk="1" latinLnBrk="0" hangingPunct="1">
+              <a:buFontTx/>
+              <a:buNone/>
+            </a:pPr>
+            <a:r>
+              <a:rPr sz="1800" b="1">
+                <a:solidFill>
+                  <a:srgbClr val="0611F2"/>
+                </a:solidFill>
+                <a:latin typeface="맑은 고딕" charset="0"/>
+                <a:ea typeface="맑은 고딕" charset="0"/>
+              </a:rPr>
+              <a:t>14</a:t>
+            </a:r>
+            <a:r>
+              <a:rPr sz="1800" b="1">
+                <a:solidFill>
+                  <a:srgbClr val="0611F2"/>
+                </a:solidFill>
+                <a:latin typeface="맑은 고딕" charset="0"/>
+                <a:ea typeface="맑은 고딕" charset="0"/>
+              </a:rPr>
+              <a:t>.</a:t>
+            </a:r>
+            <a:r>
+              <a:rPr sz="1800">
+                <a:latin typeface="맑은 고딕" charset="0"/>
+                <a:ea typeface="맑은 고딕" charset="0"/>
+              </a:rPr>
+              <a:t> 그</a:t>
+            </a:r>
+            <a:r>
+              <a:rPr lang="ko-KR" sz="1800">
+                <a:latin typeface="맑은 고딕" charset="0"/>
+                <a:ea typeface="맑은 고딕" charset="0"/>
+              </a:rPr>
+              <a:t>다음으로</a:t>
+            </a:r>
+            <a:r>
+              <a:rPr sz="1800">
+                <a:latin typeface="맑은 고딕" charset="0"/>
+                <a:ea typeface="맑은 고딕" charset="0"/>
+              </a:rPr>
+              <a:t> 빈 게임 오브젝트를 4개 생성합니다.</a:t>
+            </a:r>
+            <a:endParaRPr lang="ko-KR" altLang="en-US" sz="1800">
+              <a:latin typeface="맑은 고딕" charset="0"/>
+              <a:ea typeface="맑은 고딕" charset="0"/>
+            </a:endParaRPr>
+          </a:p>
+          <a:p>
+            <a:pPr marL="0" indent="0" rtl="0" algn="l" defTabSz="914400" eaLnBrk="1" latinLnBrk="0" hangingPunct="1">
+              <a:buFontTx/>
+              <a:buNone/>
+            </a:pPr>
+            <a:endParaRPr lang="ko-KR" altLang="en-US" sz="1800">
+              <a:latin typeface="맑은 고딕" charset="0"/>
+              <a:ea typeface="맑은 고딕" charset="0"/>
+            </a:endParaRPr>
+          </a:p>
+          <a:p>
+            <a:pPr marL="0" indent="0" rtl="0" algn="l" defTabSz="914400" eaLnBrk="1" latinLnBrk="0" hangingPunct="1">
+              <a:buFontTx/>
+              <a:buNone/>
+            </a:pPr>
+            <a:r>
+              <a:rPr sz="1800">
+                <a:latin typeface="맑은 고딕" charset="0"/>
+                <a:ea typeface="맑은 고딕" charset="0"/>
+              </a:rPr>
+              <a:t>그러</a:t>
+            </a:r>
+            <a:r>
+              <a:rPr lang="ko-KR" sz="1800">
+                <a:latin typeface="맑은 고딕" charset="0"/>
+                <a:ea typeface="맑은 고딕" charset="0"/>
+              </a:rPr>
+              <a:t>고 나서</a:t>
+            </a:r>
+            <a:r>
+              <a:rPr sz="1800">
+                <a:latin typeface="맑은 고딕" charset="0"/>
+                <a:ea typeface="맑은 고딕" charset="0"/>
+              </a:rPr>
+              <a:t> 각각의 이름을 First Point와 Second Point 그리고 Third Point 마지막으로 Four Point라는 이름으로 정의합니다.</a:t>
+            </a:r>
+            <a:endParaRPr lang="ko-KR" altLang="en-US" sz="1800">
+              <a:latin typeface="맑은 고딕" charset="0"/>
+              <a:ea typeface="맑은 고딕" charset="0"/>
+            </a:endParaRPr>
+          </a:p>
+        </p:txBody>
+      </p:sp>
+      <p:pic>
+        <p:nvPicPr>
+          <p:cNvPr id="1037" name="그림 6" descr="C:/Users/Admin1/AppData/Roaming/PolarisOffice/ETemp/15256_19321368/fImage3302515541.png"/>
+          <p:cNvPicPr>
+            <a:picLocks noChangeAspect="1"/>
+          </p:cNvPicPr>
+          <p:nvPr/>
+        </p:nvPicPr>
+        <p:blipFill rotWithShape="1">
+          <a:blip r:embed="rId7" cstate="hqprint">
+            <a:extLst>
+              <a:ext uri="{28A0092B-C50C-407E-A947-70E740481C1C}">
+                <a14:useLocalDpi xmlns:a14="http://schemas.microsoft.com/office/drawing/2010/main"/>
+              </a:ext>
+            </a:extLst>
+          </a:blip>
+          <a:stretch>
+            <a:fillRect/>
+          </a:stretch>
+        </p:blipFill>
+        <p:spPr>
+          <a:xfrm rot="0">
+            <a:off x="6800215" y="1404620"/>
+            <a:ext cx="2411730" cy="2586990"/>
+          </a:xfrm>
+          <a:prstGeom prst="roundRect"/>
+          <a:solidFill>
+            <a:srgbClr val="EDEDED"/>
+          </a:solidFill>
+        </p:spPr>
+      </p:pic>
+      <p:pic>
+        <p:nvPicPr>
+          <p:cNvPr id="1038" name="그림 7" descr="C:/Users/Admin1/AppData/Roaming/PolarisOffice/ETemp/15256_19321368/fImage77711568467.png"/>
+          <p:cNvPicPr>
+            <a:picLocks noChangeAspect="1"/>
+          </p:cNvPicPr>
+          <p:nvPr/>
+        </p:nvPicPr>
+        <p:blipFill rotWithShape="1">
+          <a:blip r:embed="rId8" cstate="print">
             <a:extLst>
               <a:ext uri="{28A0092B-C50C-407E-A947-70E740481C1C}">
                 <a14:useLocalDpi xmlns:a14="http://schemas.microsoft.com/office/drawing/2010/main" val="0"/>
@@ -10766,39 +12205,8 @@
         </p:blipFill>
         <p:spPr>
           <a:xfrm rot="0">
-            <a:off x="3187065" y="1402715"/>
-            <a:ext cx="2182495" cy="3481705"/>
-          </a:xfrm>
-          <a:prstGeom prst="roundRect"/>
-          <a:solidFill>
-            <a:srgbClr val="EDEDED"/>
-          </a:solidFill>
-        </p:spPr>
-      </p:pic>
-      <p:pic>
-        <p:nvPicPr>
-          <p:cNvPr id="1035" name="그림 61" descr="C:/Users/Admin1/AppData/Roaming/PolarisOffice/ETemp/20572_22936136/fImage71352046827.png"/>
-          <p:cNvPicPr>
-            <a:picLocks noChangeAspect="1"/>
-          </p:cNvPicPr>
-          <p:nvPr/>
-        </p:nvPicPr>
-        <p:blipFill rotWithShape="1">
-          <a:blip r:embed="rId6" cstate="print">
-            <a:extLst>
-              <a:ext uri="{28A0092B-C50C-407E-A947-70E740481C1C}">
-                <a14:useLocalDpi xmlns:a14="http://schemas.microsoft.com/office/drawing/2010/main" val="0"/>
-              </a:ext>
-            </a:extLst>
-          </a:blip>
-          <a:stretch>
-            <a:fillRect/>
-          </a:stretch>
-        </p:blipFill>
-        <p:spPr>
-          <a:xfrm rot="0">
-            <a:off x="1428750" y="1922145"/>
-            <a:ext cx="1602740" cy="2451735"/>
+            <a:off x="9393555" y="1837055"/>
+            <a:ext cx="1588770" cy="1739265"/>
           </a:xfrm>
           <a:prstGeom prst="roundRect"/>
           <a:solidFill>
@@ -10906,6 +12314,587 @@
           </a:p>
         </p:txBody>
       </p:sp>
+      <p:sp>
+        <p:nvSpPr>
+          <p:cNvPr id="1032" name="텍스트 상자 3"/>
+          <p:cNvSpPr txBox="1">
+            <a:spLocks/>
+          </p:cNvSpPr>
+          <p:nvPr/>
+        </p:nvSpPr>
+        <p:spPr>
+          <a:xfrm rot="0">
+            <a:off x="1363345" y="5032375"/>
+            <a:ext cx="4007485" cy="1200785"/>
+          </a:xfrm>
+          <a:prstGeom prst="rect"/>
+          <a:noFill/>
+          <a:ln w="0">
+            <a:noFill/>
+            <a:prstDash/>
+          </a:ln>
+        </p:spPr>
+        <p:txBody>
+          <a:bodyPr wrap="square" lIns="89535" tIns="46355" rIns="89535" bIns="46355" vert="horz" anchor="t">
+            <a:spAutoFit/>
+          </a:bodyPr>
+          <a:lstStyle/>
+          <a:p>
+            <a:pPr marL="0" indent="0" rtl="0" algn="l" defTabSz="914400" eaLnBrk="1" latinLnBrk="0" hangingPunct="1">
+              <a:buFontTx/>
+              <a:buNone/>
+            </a:pPr>
+            <a:r>
+              <a:rPr sz="1800" b="1">
+                <a:solidFill>
+                  <a:srgbClr val="0611F2"/>
+                </a:solidFill>
+                <a:latin typeface="맑은 고딕" charset="0"/>
+                <a:ea typeface="맑은 고딕" charset="0"/>
+              </a:rPr>
+              <a:t>1</a:t>
+            </a:r>
+            <a:r>
+              <a:rPr lang="ko-KR" sz="1800" b="1">
+                <a:solidFill>
+                  <a:srgbClr val="0611F2"/>
+                </a:solidFill>
+                <a:latin typeface="맑은 고딕" charset="0"/>
+                <a:ea typeface="맑은 고딕" charset="0"/>
+              </a:rPr>
+              <a:t>5</a:t>
+            </a:r>
+            <a:r>
+              <a:rPr sz="1800" b="1">
+                <a:solidFill>
+                  <a:srgbClr val="0611F2"/>
+                </a:solidFill>
+                <a:latin typeface="맑은 고딕" charset="0"/>
+                <a:ea typeface="맑은 고딕" charset="0"/>
+              </a:rPr>
+              <a:t>.</a:t>
+            </a:r>
+            <a:r>
+              <a:rPr sz="1800">
+                <a:latin typeface="맑은 고딕" charset="0"/>
+                <a:ea typeface="맑은 고딕" charset="0"/>
+              </a:rPr>
+              <a:t> </a:t>
+            </a:r>
+            <a:r>
+              <a:rPr sz="1800">
+                <a:latin typeface="맑은 고딕" charset="0"/>
+                <a:ea typeface="맑은 고딕" charset="0"/>
+              </a:rPr>
+              <a:t>이제</a:t>
+            </a:r>
+            <a:r>
+              <a:rPr lang="ko-KR" sz="1800">
+                <a:latin typeface="맑은 고딕" charset="0"/>
+                <a:ea typeface="맑은 고딕" charset="0"/>
+              </a:rPr>
+              <a:t> First Point</a:t>
+            </a:r>
+            <a:r>
+              <a:rPr sz="1800">
+                <a:latin typeface="맑은 고딕" charset="0"/>
+                <a:ea typeface="맑은 고딕" charset="0"/>
+              </a:rPr>
+              <a:t> 오브젝트</a:t>
+            </a:r>
+            <a:r>
+              <a:rPr lang="ko-KR" sz="1800">
+                <a:latin typeface="맑은 고딕" charset="0"/>
+                <a:ea typeface="맑은 고딕" charset="0"/>
+              </a:rPr>
+              <a:t>와 Second Point 오브젝트 그리고 Third Point 오브젝트와 Four Point 오브젝트에</a:t>
+            </a:r>
+            <a:r>
+              <a:rPr sz="1800">
+                <a:latin typeface="맑은 고딕" charset="0"/>
+                <a:ea typeface="맑은 고딕" charset="0"/>
+              </a:rPr>
+              <a:t> Select Icon을 설정합니다.</a:t>
+            </a:r>
+            <a:endParaRPr lang="ko-KR" altLang="en-US" sz="1800">
+              <a:latin typeface="맑은 고딕" charset="0"/>
+              <a:ea typeface="맑은 고딕" charset="0"/>
+            </a:endParaRPr>
+          </a:p>
+        </p:txBody>
+      </p:sp>
+      <p:pic>
+        <p:nvPicPr>
+          <p:cNvPr id="1033" name="그림 4" descr="C:/Users/Admin1/AppData/Roaming/PolarisOffice/ETemp/15256_19321368/fImage70121536334.png"/>
+          <p:cNvPicPr>
+            <a:picLocks noChangeAspect="1"/>
+          </p:cNvPicPr>
+          <p:nvPr/>
+        </p:nvPicPr>
+        <p:blipFill rotWithShape="1">
+          <a:blip r:embed="rId6" cstate="hqprint">
+            <a:extLst>
+              <a:ext uri="{28A0092B-C50C-407E-A947-70E740481C1C}">
+                <a14:useLocalDpi xmlns:a14="http://schemas.microsoft.com/office/drawing/2010/main"/>
+              </a:ext>
+            </a:extLst>
+          </a:blip>
+          <a:stretch>
+            <a:fillRect/>
+          </a:stretch>
+        </p:blipFill>
+        <p:spPr>
+          <a:xfrm rot="0">
+            <a:off x="3749040" y="1878330"/>
+            <a:ext cx="1621790" cy="2479675"/>
+          </a:xfrm>
+          <a:prstGeom prst="roundRect"/>
+          <a:solidFill>
+            <a:srgbClr val="EDEDED"/>
+          </a:solidFill>
+        </p:spPr>
+      </p:pic>
+      <p:pic>
+        <p:nvPicPr>
+          <p:cNvPr id="1034" name="그림 10" descr="C:/Users/Admin1/AppData/Roaming/PolarisOffice/ETemp/15256_19321368/fImage77711576500.png"/>
+          <p:cNvPicPr>
+            <a:picLocks noChangeAspect="1"/>
+          </p:cNvPicPr>
+          <p:nvPr/>
+        </p:nvPicPr>
+        <p:blipFill rotWithShape="1">
+          <a:blip r:embed="rId7" cstate="print">
+            <a:extLst>
+              <a:ext uri="{28A0092B-C50C-407E-A947-70E740481C1C}">
+                <a14:useLocalDpi xmlns:a14="http://schemas.microsoft.com/office/drawing/2010/main" val="0"/>
+              </a:ext>
+            </a:extLst>
+          </a:blip>
+          <a:stretch>
+            <a:fillRect/>
+          </a:stretch>
+        </p:blipFill>
+        <p:spPr>
+          <a:xfrm rot="0">
+            <a:off x="1363345" y="1430020"/>
+            <a:ext cx="2162175" cy="3367405"/>
+          </a:xfrm>
+          <a:prstGeom prst="roundRect"/>
+          <a:solidFill>
+            <a:srgbClr val="EDEDED"/>
+          </a:solidFill>
+        </p:spPr>
+      </p:pic>
+      <p:pic>
+        <p:nvPicPr>
+          <p:cNvPr id="1035" name="그림 11" descr="C:/Users/Admin1/AppData/Roaming/PolarisOffice/ETemp/15256_19321368/fImage190431589169.png"/>
+          <p:cNvPicPr>
+            <a:picLocks noChangeAspect="1"/>
+          </p:cNvPicPr>
+          <p:nvPr/>
+        </p:nvPicPr>
+        <p:blipFill rotWithShape="1">
+          <a:blip r:embed="rId8" cstate="print">
+            <a:extLst>
+              <a:ext uri="{28A0092B-C50C-407E-A947-70E740481C1C}">
+                <a14:useLocalDpi xmlns:a14="http://schemas.microsoft.com/office/drawing/2010/main" val="0"/>
+              </a:ext>
+            </a:extLst>
+          </a:blip>
+          <a:stretch>
+            <a:fillRect/>
+          </a:stretch>
+        </p:blipFill>
+        <p:spPr>
+          <a:xfrm rot="0">
+            <a:off x="8271510" y="1428115"/>
+            <a:ext cx="2686050" cy="1548765"/>
+          </a:xfrm>
+          <a:prstGeom prst="roundRect"/>
+          <a:solidFill>
+            <a:srgbClr val="EDEDED"/>
+          </a:solidFill>
+        </p:spPr>
+      </p:pic>
+      <p:pic>
+        <p:nvPicPr>
+          <p:cNvPr id="1036" name="그림 14" descr="C:/Users/Admin1/AppData/Roaming/PolarisOffice/ETemp/15256_19321368/fImage77711595724.png"/>
+          <p:cNvPicPr>
+            <a:picLocks noChangeAspect="1"/>
+          </p:cNvPicPr>
+          <p:nvPr/>
+        </p:nvPicPr>
+        <p:blipFill rotWithShape="1">
+          <a:blip r:embed="rId9" cstate="print">
+            <a:extLst>
+              <a:ext uri="{28A0092B-C50C-407E-A947-70E740481C1C}">
+                <a14:useLocalDpi xmlns:a14="http://schemas.microsoft.com/office/drawing/2010/main" val="0"/>
+              </a:ext>
+            </a:extLst>
+          </a:blip>
+          <a:stretch>
+            <a:fillRect/>
+          </a:stretch>
+        </p:blipFill>
+        <p:spPr>
+          <a:xfrm rot="0">
+            <a:off x="6824980" y="1435100"/>
+            <a:ext cx="1314450" cy="1541780"/>
+          </a:xfrm>
+          <a:prstGeom prst="roundRect"/>
+          <a:solidFill>
+            <a:srgbClr val="EDEDED"/>
+          </a:solidFill>
+        </p:spPr>
+      </p:pic>
+      <p:sp>
+        <p:nvSpPr>
+          <p:cNvPr id="1037" name="텍스트 상자 15"/>
+          <p:cNvSpPr txBox="1">
+            <a:spLocks/>
+          </p:cNvSpPr>
+          <p:nvPr/>
+        </p:nvSpPr>
+        <p:spPr>
+          <a:xfrm rot="0">
+            <a:off x="6791960" y="3095625"/>
+            <a:ext cx="4157345" cy="3138805"/>
+          </a:xfrm>
+          <a:prstGeom prst="rect"/>
+          <a:noFill/>
+          <a:ln w="0">
+            <a:noFill/>
+            <a:prstDash/>
+          </a:ln>
+        </p:spPr>
+        <p:txBody>
+          <a:bodyPr wrap="square" lIns="89535" tIns="46355" rIns="89535" bIns="46355" vert="horz" anchor="t">
+            <a:spAutoFit/>
+          </a:bodyPr>
+          <a:lstStyle/>
+          <a:p>
+            <a:pPr marL="0" indent="0" rtl="0" algn="l" defTabSz="914400" eaLnBrk="1" latinLnBrk="0" hangingPunct="1">
+              <a:buFontTx/>
+              <a:buNone/>
+            </a:pPr>
+            <a:r>
+              <a:rPr sz="1800" b="1">
+                <a:solidFill>
+                  <a:srgbClr val="0611F2"/>
+                </a:solidFill>
+                <a:latin typeface="맑은 고딕" charset="0"/>
+                <a:ea typeface="맑은 고딕" charset="0"/>
+              </a:rPr>
+              <a:t>16</a:t>
+            </a:r>
+            <a:r>
+              <a:rPr sz="1800" b="1">
+                <a:solidFill>
+                  <a:srgbClr val="0611F2"/>
+                </a:solidFill>
+                <a:latin typeface="맑은 고딕" charset="0"/>
+                <a:ea typeface="맑은 고딕" charset="0"/>
+              </a:rPr>
+              <a:t>.</a:t>
+            </a:r>
+            <a:r>
+              <a:rPr sz="1800">
+                <a:latin typeface="맑은 고딕" charset="0"/>
+                <a:ea typeface="맑은 고딕" charset="0"/>
+              </a:rPr>
+              <a:t> 그다음 Create </a:t>
+            </a:r>
+            <a:r>
+              <a:rPr lang="ko-KR" sz="1800">
+                <a:latin typeface="맑은 고딕" charset="0"/>
+                <a:ea typeface="맑은 고딕" charset="0"/>
+              </a:rPr>
+              <a:t>Object </a:t>
+            </a:r>
+            <a:r>
+              <a:rPr sz="1800">
+                <a:latin typeface="맑은 고딕" charset="0"/>
+                <a:ea typeface="맑은 고딕" charset="0"/>
+              </a:rPr>
+              <a:t>오브젝트에 있는 Create</a:t>
+            </a:r>
+            <a:r>
+              <a:rPr sz="1800">
+                <a:latin typeface="맑은 고딕" charset="0"/>
+                <a:ea typeface="맑은 고딕" charset="0"/>
+              </a:rPr>
+              <a:t> </a:t>
+            </a:r>
+            <a:r>
+              <a:rPr sz="1800">
+                <a:latin typeface="맑은 고딕" charset="0"/>
+                <a:ea typeface="맑은 고딕" charset="0"/>
+              </a:rPr>
+              <a:t>스크립트의 </a:t>
+            </a:r>
+            <a:r>
+              <a:rPr lang="ko-KR" sz="1800">
+                <a:latin typeface="맑은 고딕" charset="0"/>
+                <a:ea typeface="맑은 고딕" charset="0"/>
+              </a:rPr>
+              <a:t>Random Position을</a:t>
+            </a:r>
+            <a:r>
+              <a:rPr sz="1800">
+                <a:latin typeface="맑은 고딕" charset="0"/>
+                <a:ea typeface="맑은 고딕" charset="0"/>
+              </a:rPr>
+              <a:t> 4개</a:t>
+            </a:r>
+            <a:r>
+              <a:rPr lang="ko-KR" sz="1800">
+                <a:latin typeface="맑은 고딕" charset="0"/>
+                <a:ea typeface="맑은 고딕" charset="0"/>
+              </a:rPr>
+              <a:t>로</a:t>
+            </a:r>
+            <a:r>
+              <a:rPr sz="1800">
+                <a:latin typeface="맑은 고딕" charset="0"/>
+                <a:ea typeface="맑은 고딕" charset="0"/>
+              </a:rPr>
+              <a:t> 설정합니다. </a:t>
+            </a:r>
+            <a:endParaRPr lang="ko-KR" altLang="en-US" sz="1800">
+              <a:latin typeface="맑은 고딕" charset="0"/>
+              <a:ea typeface="맑은 고딕" charset="0"/>
+            </a:endParaRPr>
+          </a:p>
+          <a:p>
+            <a:pPr marL="0" indent="0" rtl="0" algn="l" defTabSz="914400" eaLnBrk="1" latinLnBrk="0" hangingPunct="1">
+              <a:buFontTx/>
+              <a:buNone/>
+            </a:pPr>
+            <a:endParaRPr lang="ko-KR" altLang="en-US" sz="1800">
+              <a:latin typeface="맑은 고딕" charset="0"/>
+              <a:ea typeface="맑은 고딕" charset="0"/>
+            </a:endParaRPr>
+          </a:p>
+          <a:p>
+            <a:pPr marL="0" indent="0" rtl="0" algn="l" defTabSz="914400" eaLnBrk="1" latinLnBrk="0" hangingPunct="1">
+              <a:buFontTx/>
+              <a:buNone/>
+            </a:pPr>
+            <a:r>
+              <a:rPr sz="1800">
+                <a:latin typeface="맑은 고딕" charset="0"/>
+                <a:ea typeface="맑은 고딕" charset="0"/>
+              </a:rPr>
+              <a:t>그</a:t>
+            </a:r>
+            <a:r>
+              <a:rPr lang="ko-KR" sz="1800">
+                <a:latin typeface="맑은 고딕" charset="0"/>
+                <a:ea typeface="맑은 고딕" charset="0"/>
+              </a:rPr>
+              <a:t>런 다음</a:t>
+            </a:r>
+            <a:r>
+              <a:rPr sz="1800">
+                <a:latin typeface="맑은 고딕" charset="0"/>
+                <a:ea typeface="맑은 고딕" charset="0"/>
+              </a:rPr>
+              <a:t> Element 0에는 First Point를 넣어주고 Element 1에는 Second Point를 넣어줍니다.</a:t>
+            </a:r>
+            <a:endParaRPr lang="ko-KR" altLang="en-US" sz="1800">
+              <a:latin typeface="맑은 고딕" charset="0"/>
+              <a:ea typeface="맑은 고딕" charset="0"/>
+            </a:endParaRPr>
+          </a:p>
+          <a:p>
+            <a:pPr marL="0" indent="0" rtl="0" algn="l" defTabSz="914400" eaLnBrk="1" latinLnBrk="0" hangingPunct="1">
+              <a:buFontTx/>
+              <a:buNone/>
+            </a:pPr>
+            <a:endParaRPr lang="ko-KR" altLang="en-US" sz="1800">
+              <a:latin typeface="맑은 고딕" charset="0"/>
+              <a:ea typeface="맑은 고딕" charset="0"/>
+            </a:endParaRPr>
+          </a:p>
+          <a:p>
+            <a:pPr marL="0" indent="0" rtl="0" algn="l" defTabSz="914400" eaLnBrk="1" latinLnBrk="0" hangingPunct="1">
+              <a:buFontTx/>
+              <a:buNone/>
+            </a:pPr>
+            <a:r>
+              <a:rPr sz="1800">
+                <a:latin typeface="맑은 고딕" charset="0"/>
+                <a:ea typeface="맑은 고딕" charset="0"/>
+              </a:rPr>
+              <a:t>마지막으</a:t>
+            </a:r>
+            <a:r>
+              <a:rPr lang="ko-KR" sz="1800">
+                <a:latin typeface="맑은 고딕" charset="0"/>
+                <a:ea typeface="맑은 고딕" charset="0"/>
+              </a:rPr>
+              <a:t>로</a:t>
+            </a:r>
+            <a:r>
+              <a:rPr sz="1800">
+                <a:latin typeface="맑은 고딕" charset="0"/>
+                <a:ea typeface="맑은 고딕" charset="0"/>
+              </a:rPr>
+              <a:t> Element 2에는 Third Point를 넣어</a:t>
+            </a:r>
+            <a:r>
+              <a:rPr lang="ko-KR" sz="1800">
+                <a:latin typeface="맑은 고딕" charset="0"/>
+                <a:ea typeface="맑은 고딕" charset="0"/>
+              </a:rPr>
+              <a:t>주고</a:t>
+            </a:r>
+            <a:r>
+              <a:rPr sz="1800">
+                <a:latin typeface="맑은 고딕" charset="0"/>
+                <a:ea typeface="맑은 고딕" charset="0"/>
+              </a:rPr>
+              <a:t> Element 3에는 Four Point를 넣어줍니다.</a:t>
+            </a:r>
+            <a:endParaRPr lang="ko-KR" altLang="en-US" sz="1800">
+              <a:latin typeface="맑은 고딕" charset="0"/>
+              <a:ea typeface="맑은 고딕" charset="0"/>
+            </a:endParaRPr>
+          </a:p>
+        </p:txBody>
+      </p:sp>
+      <p:cxnSp>
+        <p:nvCxnSpPr>
+          <p:cNvPr id="1038" name="도형 16"/>
+          <p:cNvCxnSpPr/>
+          <p:nvPr/>
+        </p:nvCxnSpPr>
+        <p:spPr>
+          <a:xfrm rot="0" flipV="1">
+            <a:off x="7714615" y="2218690"/>
+            <a:ext cx="3101340" cy="241935"/>
+          </a:xfrm>
+          <a:prstGeom prst="straightConnector1"/>
+          <a:ln w="6350" cap="flat" cmpd="sng">
+            <a:prstDash/>
+            <a:headEnd type="none" w="med" len="med"/>
+            <a:tailEnd type="triangle" w="med" len="med"/>
+          </a:ln>
+        </p:spPr>
+        <p:style>
+          <a:lnRef idx="1">
+            <a:schemeClr val="accent1"/>
+          </a:lnRef>
+          <a:fillRef idx="0">
+            <a:schemeClr val="accent1"/>
+          </a:fillRef>
+          <a:effectRef idx="0">
+            <a:schemeClr val="accent1"/>
+          </a:effectRef>
+          <a:fontRef idx="minor">
+            <a:schemeClr val="tx1"/>
+          </a:fontRef>
+        </p:style>
+      </p:cxnSp>
+      <p:cxnSp>
+        <p:nvCxnSpPr>
+          <p:cNvPr id="1039" name="도형 17"/>
+          <p:cNvCxnSpPr/>
+          <p:nvPr/>
+        </p:nvCxnSpPr>
+        <p:spPr>
+          <a:xfrm rot="0" flipV="1">
+            <a:off x="7872730" y="2368550"/>
+            <a:ext cx="2959735" cy="225425"/>
+          </a:xfrm>
+          <a:prstGeom prst="straightConnector1"/>
+          <a:ln w="6350" cap="flat" cmpd="sng">
+            <a:prstDash/>
+            <a:headEnd type="none" w="med" len="med"/>
+            <a:tailEnd type="triangle" w="med" len="med"/>
+          </a:ln>
+        </p:spPr>
+        <p:style>
+          <a:lnRef idx="1">
+            <a:schemeClr val="accent1"/>
+          </a:lnRef>
+          <a:fillRef idx="0">
+            <a:schemeClr val="accent1"/>
+          </a:fillRef>
+          <a:effectRef idx="0">
+            <a:schemeClr val="accent1"/>
+          </a:effectRef>
+          <a:fontRef idx="minor">
+            <a:schemeClr val="tx1"/>
+          </a:fontRef>
+        </p:style>
+      </p:cxnSp>
+      <p:cxnSp>
+        <p:nvCxnSpPr>
+          <p:cNvPr id="1040" name="도형 18"/>
+          <p:cNvCxnSpPr/>
+          <p:nvPr/>
+        </p:nvCxnSpPr>
+        <p:spPr>
+          <a:xfrm rot="0" flipV="1">
+            <a:off x="7755890" y="2510155"/>
+            <a:ext cx="3068320" cy="216535"/>
+          </a:xfrm>
+          <a:prstGeom prst="straightConnector1"/>
+          <a:ln w="6350" cap="flat" cmpd="sng">
+            <a:prstDash/>
+            <a:headEnd type="none" w="med" len="med"/>
+            <a:tailEnd type="triangle" w="med" len="med"/>
+          </a:ln>
+        </p:spPr>
+        <p:style>
+          <a:lnRef idx="1">
+            <a:schemeClr val="accent1"/>
+          </a:lnRef>
+          <a:fillRef idx="0">
+            <a:schemeClr val="accent1"/>
+          </a:fillRef>
+          <a:effectRef idx="0">
+            <a:schemeClr val="accent1"/>
+          </a:effectRef>
+          <a:fontRef idx="minor">
+            <a:schemeClr val="tx1"/>
+          </a:fontRef>
+        </p:style>
+      </p:cxnSp>
+      <p:cxnSp>
+        <p:nvCxnSpPr>
+          <p:cNvPr id="1041" name="도형 19"/>
+          <p:cNvCxnSpPr/>
+          <p:nvPr/>
+        </p:nvCxnSpPr>
+        <p:spPr>
+          <a:xfrm rot="0" flipV="1">
+            <a:off x="7764145" y="2651125"/>
+            <a:ext cx="3068320" cy="200025"/>
+          </a:xfrm>
+          <a:prstGeom prst="straightConnector1"/>
+          <a:ln w="6350" cap="flat" cmpd="sng">
+            <a:prstDash/>
+            <a:headEnd type="none" w="med" len="med"/>
+            <a:tailEnd type="triangle" w="med" len="med"/>
+          </a:ln>
+        </p:spPr>
+        <p:style>
+          <a:lnRef idx="1">
+            <a:schemeClr val="accent1"/>
+          </a:lnRef>
+          <a:fillRef idx="0">
+            <a:schemeClr val="accent1"/>
+          </a:fillRef>
+          <a:effectRef idx="0">
+            <a:schemeClr val="accent1"/>
+          </a:effectRef>
+          <a:fontRef idx="minor">
+            <a:schemeClr val="tx1"/>
+          </a:fontRef>
+        </p:style>
+      </p:cxnSp>
     </p:spTree>
   </p:cSld>
   <p:clrMapOvr>

--- a/Assets/Class/Instantiate & Destroy/PPT Data/Instatiate and Destroy Example.pptx
+++ b/Assets/Class/Instantiate & Destroy/PPT Data/Instatiate and Destroy Example.pptx
@@ -2,7 +2,7 @@
 <file path=ppt/presentation.xml><?xml version="1.0" encoding="utf-8"?>
 <p:presentation xmlns:a="http://schemas.openxmlformats.org/drawingml/2006/main" xmlns:r="http://schemas.openxmlformats.org/officeDocument/2006/relationships" xmlns:p="http://schemas.openxmlformats.org/presentationml/2006/main" xmlns:p14="http://schemas.microsoft.com/office/powerpoint/2010/main" saveSubsetFonts="1" firstSlideNum="0">
   <p:sldMasterIdLst>
-    <p:sldMasterId id="2147485787" r:id="rId12"/>
+    <p:sldMasterId id="2147485804" r:id="rId12"/>
   </p:sldMasterIdLst>
   <p:notesMasterIdLst>
     <p:notesMasterId r:id="rId14"/>
@@ -19,8 +19,9 @@
     <p:sldId id="299" r:id="rId24"/>
     <p:sldId id="300" r:id="rId25"/>
     <p:sldId id="301" r:id="rId26"/>
-    <p:sldId id="302" r:id="rId27"/>
-    <p:sldId id="287" r:id="rId28"/>
+    <p:sldId id="287" r:id="rId27"/>
+    <p:sldId id="302" r:id="rId28"/>
+    <p:sldId id="303" r:id="rId29"/>
   </p:sldIdLst>
   <p:sldSz cx="12192000" cy="6858000"/>
   <p:notesSz cx="6858000" cy="9144000"/>
@@ -935,7 +936,7 @@
         <p:spPr>
           <a:xfrm rot="0">
             <a:off x="685800" y="1143000"/>
-            <a:ext cx="5490845" cy="3090545"/>
+            <a:ext cx="5488940" cy="3088640"/>
           </a:xfrm>
           <a:prstGeom prst="rect"/>
           <a:noFill/>
@@ -974,7 +975,7 @@
         <p:spPr>
           <a:xfrm rot="0">
             <a:off x="685800" y="4400550"/>
-            <a:ext cx="5490845" cy="3604895"/>
+            <a:ext cx="5488940" cy="3602990"/>
           </a:xfrm>
           <a:prstGeom prst="rect"/>
         </p:spPr>
@@ -1004,7 +1005,7 @@
         <p:spPr>
           <a:xfrm rot="0">
             <a:off x="3884930" y="8685530"/>
-            <a:ext cx="2976245" cy="462915"/>
+            <a:ext cx="2974340" cy="461010"/>
           </a:xfrm>
           <a:prstGeom prst="rect"/>
         </p:spPr>
@@ -1077,7 +1078,7 @@
         <p:spPr>
           <a:xfrm rot="0">
             <a:off x="685800" y="1143000"/>
-            <a:ext cx="5488940" cy="3088640"/>
+            <a:ext cx="5490845" cy="3090545"/>
           </a:xfrm>
           <a:prstGeom prst="rect"/>
           <a:noFill/>
@@ -1116,7 +1117,7 @@
         <p:spPr>
           <a:xfrm rot="0">
             <a:off x="685800" y="4400550"/>
-            <a:ext cx="5488940" cy="3602990"/>
+            <a:ext cx="5490845" cy="3604895"/>
           </a:xfrm>
           <a:prstGeom prst="rect"/>
         </p:spPr>
@@ -1146,7 +1147,149 @@
         <p:spPr>
           <a:xfrm rot="0">
             <a:off x="3884930" y="8685530"/>
-            <a:ext cx="2974340" cy="461010"/>
+            <a:ext cx="2976245" cy="462915"/>
+          </a:xfrm>
+          <a:prstGeom prst="rect"/>
+        </p:spPr>
+        <p:txBody>
+          <a:bodyPr wrap="square" lIns="91440" tIns="45720" rIns="91440" bIns="45720" numCol="1" vert="horz" anchor="b">
+            <a:noAutofit/>
+          </a:bodyPr>
+          <a:lstStyle>
+            <a:lvl1pPr marL="0" indent="0" algn="r" latinLnBrk="0">
+              <a:buFontTx/>
+              <a:buNone/>
+              <a:defRPr lang="en-GB" altLang="en-US" sz="1200"/>
+            </a:lvl1pPr>
+          </a:lstStyle>
+          <a:p>
+            <a:pPr marL="0" indent="0" latinLnBrk="0">
+              <a:buFontTx/>
+              <a:buNone/>
+            </a:pPr>
+            <a:fld id="{B9320F77-B9A0-41C5-862A-B4B631284C64}" type="slidenum">
+              <a:rPr lang="ko-KR" altLang="en-US"/>
+              <a:t>‹#›</a:t>
+            </a:fld>
+          </a:p>
+        </p:txBody>
+      </p:sp>
+    </p:spTree>
+  </p:cSld>
+  <p:clrMapOvr>
+    <a:masterClrMapping/>
+  </p:clrMapOvr>
+  <mc:AlternateContent xmlns:mc="http://schemas.openxmlformats.org/markup-compatibility/2006">
+    <mc:Choice xmlns:p14="http://schemas.microsoft.com/office/powerpoint/2010/main" Requires="p14">
+      <p:transition spd="slow" p14:dur="0"/>
+    </mc:Choice>
+    <mc:Fallback>
+      <p:transition spd="slow"/>
+    </mc:Fallback>
+  </mc:AlternateContent>
+</p:notes>
+</file>
+
+<file path=ppt/notesSlides/notesSlide14.xml><?xml version="1.0" encoding="utf-8"?>
+<p:notes xmlns:a="http://schemas.openxmlformats.org/drawingml/2006/main" xmlns:r="http://schemas.openxmlformats.org/officeDocument/2006/relationships" xmlns:p="http://schemas.openxmlformats.org/presentationml/2006/main">
+  <p:cSld>
+    <p:spTree>
+      <p:nvGrpSpPr>
+        <p:cNvPr id="1" name=""/>
+        <p:cNvGrpSpPr/>
+        <p:nvPr/>
+      </p:nvGrpSpPr>
+      <p:grpSpPr>
+        <a:xfrm>
+          <a:off x="0" y="0"/>
+          <a:ext cx="0" cy="0"/>
+          <a:chOff x="0" y="0"/>
+          <a:chExt cx="0" cy="0"/>
+        </a:xfrm>
+      </p:grpSpPr>
+      <p:sp>
+        <p:nvSpPr>
+          <p:cNvPr id="2" name="슬라이드 이미지 개체 틀 3"/>
+          <p:cNvSpPr>
+            <a:spLocks noChangeAspect="1"/>
+          </p:cNvSpPr>
+          <p:nvPr>
+            <p:ph type="sldImg" idx="2"/>
+          </p:nvPr>
+        </p:nvSpPr>
+        <p:spPr>
+          <a:xfrm rot="0">
+            <a:off x="685800" y="1143000"/>
+            <a:ext cx="5491480" cy="3091180"/>
+          </a:xfrm>
+          <a:prstGeom prst="rect"/>
+          <a:noFill/>
+          <a:ln w="12700" cap="flat" cmpd="sng">
+            <a:solidFill>
+              <a:srgbClr val="000000">
+                <a:alpha val="100000"/>
+              </a:srgbClr>
+            </a:solidFill>
+            <a:prstDash val="solid"/>
+          </a:ln>
+        </p:spPr>
+        <p:txBody>
+          <a:bodyPr wrap="square" lIns="91440" tIns="45720" rIns="91440" bIns="45720" numCol="1" vert="horz" anchor="ctr">
+            <a:noAutofit/>
+          </a:bodyPr>
+          <a:lstStyle/>
+          <a:p>
+            <a:pPr marL="0" indent="0" latinLnBrk="0">
+              <a:buFontTx/>
+              <a:buNone/>
+            </a:pPr>
+          </a:p>
+        </p:txBody>
+      </p:sp>
+      <p:sp>
+        <p:nvSpPr>
+          <p:cNvPr id="3" name="슬라이드 노트 개체 틀 4"/>
+          <p:cNvSpPr txBox="1">
+            <a:spLocks/>
+          </p:cNvSpPr>
+          <p:nvPr>
+            <p:ph type="body" idx="3"/>
+          </p:nvPr>
+        </p:nvSpPr>
+        <p:spPr>
+          <a:xfrm rot="0">
+            <a:off x="685800" y="4400550"/>
+            <a:ext cx="5491480" cy="3605530"/>
+          </a:xfrm>
+          <a:prstGeom prst="rect"/>
+        </p:spPr>
+        <p:txBody>
+          <a:bodyPr wrap="square" lIns="91440" tIns="45720" rIns="91440" bIns="45720" numCol="1" vert="horz" anchor="t">
+            <a:noAutofit/>
+          </a:bodyPr>
+          <a:lstStyle/>
+          <a:p>
+            <a:pPr marL="0" indent="0" latinLnBrk="0">
+              <a:buFontTx/>
+              <a:buNone/>
+            </a:pPr>
+          </a:p>
+        </p:txBody>
+      </p:sp>
+      <p:sp>
+        <p:nvSpPr>
+          <p:cNvPr id="4" name="슬라이드 번호 개체 틀 6"/>
+          <p:cNvSpPr txBox="1">
+            <a:spLocks/>
+          </p:cNvSpPr>
+          <p:nvPr>
+            <p:ph type="sldNum" idx="5"/>
+          </p:nvPr>
+        </p:nvSpPr>
+        <p:spPr>
+          <a:xfrm rot="0">
+            <a:off x="3884930" y="8685530"/>
+            <a:ext cx="2976880" cy="463550"/>
           </a:xfrm>
           <a:prstGeom prst="rect"/>
         </p:spPr>
@@ -7319,7 +7462,7 @@
       </p:sp>
       <p:pic>
         <p:nvPicPr>
-          <p:cNvPr id="1042" name="그림 58"/>
+          <p:cNvPr id="1042" name="그림 58" descr="C:/Users/Admin1/AppData/Roaming/PolarisOffice/ETemp/16484_18744056/fImage850627641.png"/>
           <p:cNvPicPr>
             <a:picLocks noChangeAspect="1"/>
           </p:cNvPicPr>
@@ -7339,8 +7482,8 @@
         </p:blipFill>
         <p:spPr>
           <a:xfrm rot="0">
-            <a:off x="1472565" y="1279525"/>
-            <a:ext cx="2036445" cy="2835910"/>
+            <a:off x="1238885" y="1271270"/>
+            <a:ext cx="2469515" cy="2969260"/>
           </a:xfrm>
           <a:prstGeom prst="roundRect"/>
           <a:solidFill>
@@ -7358,8 +7501,8 @@
         </p:nvSpPr>
         <p:spPr>
           <a:xfrm rot="0">
-            <a:off x="1465580" y="4300220"/>
-            <a:ext cx="3888740" cy="1784985"/>
+            <a:off x="1230630" y="4383405"/>
+            <a:ext cx="4082415" cy="1784985"/>
           </a:xfrm>
           <a:prstGeom prst="rect"/>
           <a:noFill/>
@@ -7393,7 +7536,112 @@
                 <a:latin typeface="맑은 고딕" charset="0"/>
                 <a:ea typeface="맑은 고딕" charset="0"/>
               </a:rPr>
-              <a:t>빈 게임 오브젝트를 생성하고 이름을 Create Object로 정의합니다. </a:t>
+              <a:t>빈</a:t>
+            </a:r>
+            <a:r>
+              <a:rPr lang="ko-KR" sz="1800">
+                <a:latin typeface="맑은 고딕" charset="0"/>
+                <a:ea typeface="맑은 고딕" charset="0"/>
+              </a:rPr>
+              <a:t> </a:t>
+            </a:r>
+            <a:r>
+              <a:rPr lang="ko-KR" sz="1800">
+                <a:latin typeface="맑은 고딕" charset="0"/>
+                <a:ea typeface="맑은 고딕" charset="0"/>
+              </a:rPr>
+              <a:t>게임</a:t>
+            </a:r>
+            <a:r>
+              <a:rPr lang="ko-KR" sz="1800">
+                <a:latin typeface="맑은 고딕" charset="0"/>
+                <a:ea typeface="맑은 고딕" charset="0"/>
+              </a:rPr>
+              <a:t> </a:t>
+            </a:r>
+            <a:r>
+              <a:rPr lang="ko-KR" sz="1800">
+                <a:latin typeface="맑은 고딕" charset="0"/>
+                <a:ea typeface="맑은 고딕" charset="0"/>
+              </a:rPr>
+              <a:t>오브젝트를</a:t>
+            </a:r>
+            <a:r>
+              <a:rPr lang="ko-KR" sz="1800">
+                <a:latin typeface="맑은 고딕" charset="0"/>
+                <a:ea typeface="맑은 고딕" charset="0"/>
+              </a:rPr>
+              <a:t> </a:t>
+            </a:r>
+            <a:r>
+              <a:rPr lang="ko-KR" sz="1800">
+                <a:latin typeface="맑은 고딕" charset="0"/>
+                <a:ea typeface="맑은 고딕" charset="0"/>
+              </a:rPr>
+              <a:t>생성하고</a:t>
+            </a:r>
+            <a:r>
+              <a:rPr lang="ko-KR" sz="1800">
+                <a:latin typeface="맑은 고딕" charset="0"/>
+                <a:ea typeface="맑은 고딕" charset="0"/>
+              </a:rPr>
+              <a:t> </a:t>
+            </a:r>
+            <a:r>
+              <a:rPr lang="ko-KR" sz="1800">
+                <a:latin typeface="맑은 고딕" charset="0"/>
+                <a:ea typeface="맑은 고딕" charset="0"/>
+              </a:rPr>
+              <a:t>이름을</a:t>
+            </a:r>
+            <a:r>
+              <a:rPr lang="ko-KR" sz="1800">
+                <a:latin typeface="맑은 고딕" charset="0"/>
+                <a:ea typeface="맑은 고딕" charset="0"/>
+              </a:rPr>
+              <a:t> </a:t>
+            </a:r>
+            <a:r>
+              <a:rPr lang="ko-KR" sz="1800">
+                <a:latin typeface="맑은 고딕" charset="0"/>
+                <a:ea typeface="맑은 고딕" charset="0"/>
+              </a:rPr>
+              <a:t>Create</a:t>
+            </a:r>
+            <a:r>
+              <a:rPr lang="ko-KR" sz="1800">
+                <a:latin typeface="맑은 고딕" charset="0"/>
+                <a:ea typeface="맑은 고딕" charset="0"/>
+              </a:rPr>
+              <a:t> </a:t>
+            </a:r>
+            <a:r>
+              <a:rPr lang="ko-KR" sz="1800">
+                <a:latin typeface="맑은 고딕" charset="0"/>
+                <a:ea typeface="맑은 고딕" charset="0"/>
+              </a:rPr>
+              <a:t>Object로</a:t>
+            </a:r>
+            <a:r>
+              <a:rPr lang="ko-KR" sz="1800">
+                <a:latin typeface="맑은 고딕" charset="0"/>
+                <a:ea typeface="맑은 고딕" charset="0"/>
+              </a:rPr>
+              <a:t> </a:t>
+            </a:r>
+            <a:r>
+              <a:rPr lang="ko-KR" sz="1800">
+                <a:latin typeface="맑은 고딕" charset="0"/>
+                <a:ea typeface="맑은 고딕" charset="0"/>
+              </a:rPr>
+              <a:t>정의합니다.</a:t>
+            </a:r>
+            <a:r>
+              <a:rPr lang="ko-KR" sz="1800">
+                <a:latin typeface="맑은 고딕" charset="0"/>
+                <a:ea typeface="맑은 고딕" charset="0"/>
+              </a:rPr>
+              <a:t> </a:t>
             </a:r>
             <a:endParaRPr lang="ko-KR" altLang="en-US" sz="1800">
               <a:latin typeface="맑은 고딕" charset="0"/>
@@ -7431,7 +7679,7 @@
       </p:sp>
       <p:pic>
         <p:nvPicPr>
-          <p:cNvPr id="1045" name="그림 65"/>
+          <p:cNvPr id="1045" name="그림 65" descr="C:/Users/Admin1/AppData/Roaming/PolarisOffice/ETemp/16484_18744056/fImage28282796334.png"/>
           <p:cNvPicPr>
             <a:picLocks noChangeAspect="1"/>
           </p:cNvPicPr>
@@ -7451,8 +7699,8 @@
         </p:blipFill>
         <p:spPr>
           <a:xfrm rot="0">
-            <a:off x="4198620" y="3383280"/>
-            <a:ext cx="682625" cy="740410"/>
+            <a:off x="4273550" y="3508375"/>
+            <a:ext cx="683260" cy="741045"/>
           </a:xfrm>
           <a:prstGeom prst="roundRect"/>
           <a:solidFill>
@@ -7470,9 +7718,9 @@
           <p:nvPr/>
         </p:nvCxnSpPr>
         <p:spPr>
-          <a:xfrm rot="0" flipV="1">
-            <a:off x="4539615" y="2950845"/>
-            <a:ext cx="2540" cy="433070"/>
+          <a:xfrm rot="0" flipH="1" flipV="1">
+            <a:off x="4610100" y="3117215"/>
+            <a:ext cx="5080" cy="391795"/>
           </a:xfrm>
           <a:prstGeom prst="straightConnector1"/>
           <a:ln w="6350" cap="flat" cmpd="sng">
@@ -7497,17 +7745,17 @@
       </p:cxnSp>
       <p:pic>
         <p:nvPicPr>
-          <p:cNvPr id="1049" name="그림 1"/>
+          <p:cNvPr id="1049" name="그림 1" descr="C:/Users/Admin1/AppData/Roaming/PolarisOffice/ETemp/16484_18744056/fImage453129141.png"/>
           <p:cNvPicPr>
             <a:picLocks noChangeAspect="1"/>
           </p:cNvPicPr>
           <p:nvPr/>
         </p:nvPicPr>
         <p:blipFill rotWithShape="1">
-          <a:blip r:embed="rId8" cstate="print">
+          <a:blip r:embed="rId8" cstate="hqprint">
             <a:extLst>
               <a:ext uri="{28A0092B-C50C-407E-A947-70E740481C1C}">
-                <a14:useLocalDpi xmlns:a14="http://schemas.microsoft.com/office/drawing/2010/main" val="0"/>
+                <a14:useLocalDpi xmlns:a14="http://schemas.microsoft.com/office/drawing/2010/main"/>
               </a:ext>
             </a:extLst>
           </a:blip>
@@ -7517,8 +7765,8 @@
         </p:blipFill>
         <p:spPr>
           <a:xfrm rot="0">
-            <a:off x="3769995" y="1278890"/>
-            <a:ext cx="1543685" cy="1672590"/>
+            <a:off x="3907155" y="1278890"/>
+            <a:ext cx="1407160" cy="1838960"/>
           </a:xfrm>
           <a:prstGeom prst="roundRect"/>
           <a:solidFill>
@@ -7536,8 +7784,8 @@
         </p:nvSpPr>
         <p:spPr>
           <a:xfrm rot="0">
-            <a:off x="6817995" y="4297680"/>
-            <a:ext cx="4140835" cy="1784985"/>
+            <a:off x="6817995" y="4114800"/>
+            <a:ext cx="4141470" cy="2061845"/>
           </a:xfrm>
           <a:prstGeom prst="rect"/>
           <a:noFill/>
@@ -7581,21 +7829,7 @@
                 <a:latin typeface="맑은 고딕" charset="0"/>
                 <a:ea typeface="맑은 고딕" charset="0"/>
               </a:rPr>
-              <a:t>그다음 버튼을 생성하고 버튼</a:t>
-            </a:r>
-            <a:r>
-              <a:rPr lang="ko-KR" sz="1800">
-                <a:latin typeface="맑은 고딕" charset="0"/>
-                <a:ea typeface="맑은 고딕" charset="0"/>
-              </a:rPr>
-              <a:t>의 </a:t>
-            </a:r>
-            <a:r>
-              <a:rPr lang="ko-KR" sz="1800">
-                <a:latin typeface="맑은 고딕" charset="0"/>
-                <a:ea typeface="맑은 고딕" charset="0"/>
-              </a:rPr>
-              <a:t> 이름을 Generic Create Button으로 변경합니다.</a:t>
+              <a:t>그다음 버튼을 생성하고 버튼의  이름을 Generic Create Button으로 변경합니다.</a:t>
             </a:r>
             <a:endParaRPr lang="ko-KR" altLang="en-US" sz="1800">
               <a:latin typeface="맑은 고딕" charset="0"/>
@@ -7622,21 +7856,35 @@
                 <a:latin typeface="맑은 고딕" charset="0"/>
                 <a:ea typeface="맑은 고딕" charset="0"/>
               </a:rPr>
-              <a:t>그</a:t>
+              <a:t>그러고 나서 </a:t>
             </a:r>
             <a:r>
               <a:rPr lang="ko-KR" sz="1800">
                 <a:latin typeface="맑은 고딕" charset="0"/>
                 <a:ea typeface="맑은 고딕" charset="0"/>
               </a:rPr>
-              <a:t>런 다음</a:t>
+              <a:t>스크립트를 생성하고 </a:t>
             </a:r>
             <a:r>
               <a:rPr lang="ko-KR" sz="1800">
                 <a:latin typeface="맑은 고딕" charset="0"/>
                 <a:ea typeface="맑은 고딕" charset="0"/>
               </a:rPr>
-              <a:t> Generic Create Button의 하위 오브젝트 Text를 선택합니다.</a:t>
+              <a:t>Delete라는 이름으로 설정한 다음 </a:t>
+            </a:r>
+            <a:r>
+              <a:rPr lang="ko-KR" sz="1800">
+                <a:latin typeface="맑은 고딕" charset="0"/>
+                <a:ea typeface="맑은 고딕" charset="0"/>
+              </a:rPr>
+              <a:t>Generic Create Button</a:t>
+            </a:r>
+            <a:r>
+              <a:rPr lang="ko-KR" sz="1800">
+                <a:latin typeface="맑은 고딕" charset="0"/>
+                <a:ea typeface="맑은 고딕" charset="0"/>
+              </a:rPr>
+              <a:t>에 넣어줍니다.</a:t>
             </a:r>
             <a:endParaRPr lang="ko-KR" altLang="en-US" sz="1800">
               <a:latin typeface="맑은 고딕" charset="0"/>
@@ -7647,7 +7895,7 @@
       </p:sp>
       <p:pic>
         <p:nvPicPr>
-          <p:cNvPr id="1051" name="그림 2"/>
+          <p:cNvPr id="1051" name="그림 2" descr="C:/Users/Admin1/AppData/Roaming/PolarisOffice/ETemp/16484_18744056/fImage191383915447.png"/>
           <p:cNvPicPr>
             <a:picLocks noChangeAspect="1"/>
           </p:cNvPicPr>
@@ -7668,7 +7916,7 @@
         <p:spPr>
           <a:xfrm rot="0">
             <a:off x="6814820" y="1277620"/>
-            <a:ext cx="2265045" cy="2894965"/>
+            <a:ext cx="2554605" cy="2630170"/>
           </a:xfrm>
           <a:prstGeom prst="roundRect"/>
           <a:solidFill>
@@ -7678,17 +7926,17 @@
       </p:pic>
       <p:pic>
         <p:nvPicPr>
-          <p:cNvPr id="1052" name="그림 3"/>
+          <p:cNvPr id="1052" name="그림 1" descr="C:/Users/Admin1/AppData/Roaming/PolarisOffice/ETemp/16484_18744056/fImage729619141.png"/>
           <p:cNvPicPr>
             <a:picLocks noChangeAspect="1"/>
           </p:cNvPicPr>
           <p:nvPr/>
         </p:nvPicPr>
         <p:blipFill rotWithShape="1">
-          <a:blip r:embed="rId10" cstate="hqprint">
+          <a:blip r:embed="rId11" cstate="print">
             <a:extLst>
               <a:ext uri="{28A0092B-C50C-407E-A947-70E740481C1C}">
-                <a14:useLocalDpi xmlns:a14="http://schemas.microsoft.com/office/drawing/2010/main"/>
+                <a14:useLocalDpi xmlns:a14="http://schemas.microsoft.com/office/drawing/2010/main" val="0"/>
               </a:ext>
             </a:extLst>
           </a:blip>
@@ -7698,8 +7946,8 @@
         </p:blipFill>
         <p:spPr>
           <a:xfrm rot="0">
-            <a:off x="9326880" y="1770380"/>
-            <a:ext cx="1631315" cy="1922145"/>
+            <a:off x="9601835" y="1388110"/>
+            <a:ext cx="1351915" cy="1513840"/>
           </a:xfrm>
           <a:prstGeom prst="roundRect"/>
           <a:solidFill>
@@ -7707,6 +7955,72 @@
           </a:solidFill>
         </p:spPr>
       </p:pic>
+      <p:pic>
+        <p:nvPicPr>
+          <p:cNvPr id="1053" name="그림 4" descr="C:/Users/Admin1/AppData/Roaming/PolarisOffice/ETemp/16484_18744056/fImage19561928467.png"/>
+          <p:cNvPicPr>
+            <a:picLocks noChangeAspect="1"/>
+          </p:cNvPicPr>
+          <p:nvPr/>
+        </p:nvPicPr>
+        <p:blipFill rotWithShape="1">
+          <a:blip r:embed="rId12" cstate="print">
+            <a:extLst>
+              <a:ext uri="{28A0092B-C50C-407E-A947-70E740481C1C}">
+                <a14:useLocalDpi xmlns:a14="http://schemas.microsoft.com/office/drawing/2010/main" val="0"/>
+              </a:ext>
+            </a:extLst>
+          </a:blip>
+          <a:stretch>
+            <a:fillRect/>
+          </a:stretch>
+        </p:blipFill>
+        <p:spPr>
+          <a:xfrm rot="0">
+            <a:off x="9933940" y="3200400"/>
+            <a:ext cx="672465" cy="702945"/>
+          </a:xfrm>
+          <a:prstGeom prst="roundRect"/>
+          <a:solidFill>
+            <a:srgbClr val="EDEDED"/>
+          </a:solidFill>
+        </p:spPr>
+      </p:pic>
+      <p:cxnSp>
+        <p:nvCxnSpPr>
+          <p:cNvPr id="1054" name="도형 7"/>
+          <p:cNvCxnSpPr>
+            <a:stCxn id="1053" idx="0"/>
+          </p:cNvCxnSpPr>
+          <p:nvPr/>
+        </p:nvCxnSpPr>
+        <p:spPr>
+          <a:xfrm rot="0" flipH="1" flipV="1">
+            <a:off x="10266680" y="2543810"/>
+            <a:ext cx="3810" cy="657225"/>
+          </a:xfrm>
+          <a:prstGeom prst="straightConnector1"/>
+          <a:ln w="6350" cap="flat" cmpd="sng">
+            <a:prstDash/>
+            <a:headEnd type="none" w="med" len="med"/>
+            <a:tailEnd type="triangle" w="med" len="med"/>
+          </a:ln>
+        </p:spPr>
+        <p:style>
+          <a:lnRef idx="1">
+            <a:schemeClr val="accent1"/>
+          </a:lnRef>
+          <a:fillRef idx="0">
+            <a:schemeClr val="accent1"/>
+          </a:fillRef>
+          <a:effectRef idx="0">
+            <a:schemeClr val="accent1"/>
+          </a:effectRef>
+          <a:fontRef idx="minor">
+            <a:schemeClr val="tx1"/>
+          </a:fontRef>
+        </p:style>
+      </p:cxnSp>
     </p:spTree>
   </p:cSld>
   <p:clrMapOvr>
@@ -8027,7 +8341,7 @@
       </p:sp>
       <p:pic>
         <p:nvPicPr>
-          <p:cNvPr id="1091" name="그림 21" descr="C:/Users/Admin1/AppData/Roaming/PolarisOffice/ETemp/15256_19321368/fImage115561661478.png"/>
+          <p:cNvPr id="1091" name="그림 21"/>
           <p:cNvPicPr>
             <a:picLocks noChangeAspect="1"/>
           </p:cNvPicPr>
@@ -8058,7 +8372,7 @@
       </p:pic>
       <p:pic>
         <p:nvPicPr>
-          <p:cNvPr id="1092" name="그림 22" descr="C:/Users/Admin1/AppData/Roaming/PolarisOffice/ETemp/15256_19321368/fImage117931679358.png"/>
+          <p:cNvPr id="1092" name="그림 22"/>
           <p:cNvPicPr>
             <a:picLocks noChangeAspect="1"/>
           </p:cNvPicPr>
@@ -8089,7 +8403,7 @@
       </p:pic>
       <p:pic>
         <p:nvPicPr>
-          <p:cNvPr id="1093" name="그림 27" descr="C:/Users/Admin1/AppData/Roaming/PolarisOffice/ETemp/15256_19321368/fImage115291686962.png"/>
+          <p:cNvPr id="1093" name="그림 27"/>
           <p:cNvPicPr>
             <a:picLocks noChangeAspect="1"/>
           </p:cNvPicPr>
@@ -8120,7 +8434,7 @@
       </p:pic>
       <p:pic>
         <p:nvPicPr>
-          <p:cNvPr id="1094" name="그림 30" descr="C:/Users/Admin1/AppData/Roaming/PolarisOffice/ETemp/15256_19321368/fImage114661694464.png"/>
+          <p:cNvPr id="1094" name="그림 30"/>
           <p:cNvPicPr>
             <a:picLocks noChangeAspect="1"/>
           </p:cNvPicPr>
@@ -8151,7 +8465,7 @@
       </p:pic>
       <p:pic>
         <p:nvPicPr>
-          <p:cNvPr id="1095" name="그림 33" descr="C:/Users/Admin1/AppData/Roaming/PolarisOffice/ETemp/15256_19321368/fImage191281705705.png"/>
+          <p:cNvPr id="1095" name="그림 33"/>
           <p:cNvPicPr>
             <a:picLocks noChangeAspect="1"/>
           </p:cNvPicPr>
@@ -8182,7 +8496,7 @@
       </p:pic>
       <p:pic>
         <p:nvPicPr>
-          <p:cNvPr id="1096" name="그림 36" descr="C:/Users/Admin1/AppData/Roaming/PolarisOffice/ETemp/15256_19321368/fImage53011946962.png"/>
+          <p:cNvPr id="1096" name="그림 36"/>
           <p:cNvPicPr>
             <a:picLocks noChangeAspect="1"/>
           </p:cNvPicPr>
@@ -8268,7 +8582,7 @@
 </file>
 
 <file path=ppt/slides/slide11.xml><?xml version="1.0" encoding="utf-8"?>
-<p:sld xmlns:a="http://schemas.openxmlformats.org/drawingml/2006/main" xmlns:r="http://schemas.openxmlformats.org/officeDocument/2006/relationships" xmlns:p="http://schemas.openxmlformats.org/presentationml/2006/main">
+<p:sld xmlns:a="http://schemas.openxmlformats.org/drawingml/2006/main" xmlns:r="http://schemas.openxmlformats.org/officeDocument/2006/relationships" xmlns:p="http://schemas.openxmlformats.org/presentationml/2006/main" xmlns:p14="http://schemas.microsoft.com/office/powerpoint/2010/main">
   <p:cSld>
     <p:spTree>
       <p:nvGrpSpPr>
@@ -8512,7 +8826,7 @@
       </p:sp>
       <p:pic>
         <p:nvPicPr>
-          <p:cNvPr id="1096" name="Picture " descr="C:/Users/Admin1/AppData/Roaming/PolarisOffice/ETemp/15256_19321368/fImage53011946962.png"/>
+          <p:cNvPr id="1096" name="Picture "/>
           <p:cNvPicPr>
             <a:picLocks noChangeAspect="1"/>
           </p:cNvPicPr>
@@ -8543,7 +8857,7 @@
       </p:pic>
       <p:pic>
         <p:nvPicPr>
-          <p:cNvPr id="1098" name="그림 38" descr="C:/Users/Admin1/AppData/Roaming/PolarisOffice/ETemp/15256_19321368/fImage52902588145.png"/>
+          <p:cNvPr id="1098" name="그림 38"/>
           <p:cNvPicPr>
             <a:picLocks noChangeAspect="1"/>
           </p:cNvPicPr>
@@ -8574,7 +8888,7 @@
       </p:pic>
       <p:pic>
         <p:nvPicPr>
-          <p:cNvPr id="1099" name="그림 41" descr="C:/Users/Admin1/AppData/Roaming/PolarisOffice/ETemp/15256_19321368/fImage18932593281.png"/>
+          <p:cNvPr id="1099" name="그림 41"/>
           <p:cNvPicPr>
             <a:picLocks noChangeAspect="1"/>
           </p:cNvPicPr>
@@ -8605,7 +8919,7 @@
       </p:pic>
       <p:pic>
         <p:nvPicPr>
-          <p:cNvPr id="1100" name="그림 44" descr="C:/Users/Admin1/AppData/Roaming/PolarisOffice/ETemp/15256_19321368/fImage82892606827.png"/>
+          <p:cNvPr id="1100" name="그림 44"/>
           <p:cNvPicPr>
             <a:picLocks noChangeAspect="1"/>
           </p:cNvPicPr>
@@ -8636,7 +8950,7 @@
       </p:pic>
       <p:pic>
         <p:nvPicPr>
-          <p:cNvPr id="1101" name="그림 51" descr="C:/Users/Admin1/AppData/Roaming/PolarisOffice/ETemp/15256_19321368/fImage2242171995705.png"/>
+          <p:cNvPr id="1101" name="그림 51"/>
           <p:cNvPicPr>
             <a:picLocks noChangeAspect="1"/>
           </p:cNvPicPr>
@@ -8665,7 +8979,7 @@
       </p:pic>
       <p:pic>
         <p:nvPicPr>
-          <p:cNvPr id="1102" name="그림 54" descr="C:/Users/Admin1/AppData/Roaming/PolarisOffice/ETemp/15256_19321368/fImage258202649961.png"/>
+          <p:cNvPr id="1102" name="그림 54"/>
           <p:cNvPicPr>
             <a:picLocks noChangeAspect="1"/>
           </p:cNvPicPr>
@@ -8705,7 +9019,7 @@
         <p:spPr>
           <a:xfrm rot="0">
             <a:off x="6827520" y="3893820"/>
-            <a:ext cx="4135755" cy="2338705"/>
+            <a:ext cx="4136390" cy="2339340"/>
           </a:xfrm>
           <a:prstGeom prst="rect"/>
           <a:noFill/>
@@ -8749,21 +9063,7 @@
                 <a:latin typeface="맑은 고딕" charset="0"/>
                 <a:ea typeface="맑은 고딕" charset="0"/>
               </a:rPr>
-              <a:t>이제</a:t>
-            </a:r>
-            <a:r>
-              <a:rPr lang="ko-KR" sz="1800">
-                <a:latin typeface="맑은 고딕" charset="0"/>
-                <a:ea typeface="맑은 고딕" charset="0"/>
-              </a:rPr>
-              <a:t> </a:t>
-            </a:r>
-            <a:r>
-              <a:rPr lang="ko-KR" sz="1800">
-                <a:latin typeface="맑은 고딕" charset="0"/>
-                <a:ea typeface="맑은 고딕" charset="0"/>
-              </a:rPr>
-              <a:t>Delete 스크립트를 선택한 다음 Start( ) 함수 안에 게임 오브젝트를 파괴하는 함수를 선언합니다.</a:t>
+              <a:t>이제 Delete 스크립트를 선택한 다음 Start( ) 함수 안에 게임 오브젝트를 파괴하는 함수를 선언합니다.</a:t>
             </a:r>
             <a:endParaRPr lang="ko-KR" altLang="en-US" sz="1800">
               <a:latin typeface="맑은 고딕" charset="0"/>
@@ -8823,7 +9123,7 @@
 </file>
 
 <file path=ppt/slides/slide12.xml><?xml version="1.0" encoding="utf-8"?>
-<p:sld xmlns:a="http://schemas.openxmlformats.org/drawingml/2006/main" xmlns:r="http://schemas.openxmlformats.org/officeDocument/2006/relationships" xmlns:p="http://schemas.openxmlformats.org/presentationml/2006/main">
+<p:sld xmlns:a="http://schemas.openxmlformats.org/drawingml/2006/main" xmlns:r="http://schemas.openxmlformats.org/officeDocument/2006/relationships" xmlns:p="http://schemas.openxmlformats.org/presentationml/2006/main" xmlns:p14="http://schemas.microsoft.com/office/powerpoint/2010/main">
   <p:cSld>
     <p:spTree>
       <p:nvGrpSpPr>
@@ -8849,8 +9149,8 @@
         </p:nvSpPr>
         <p:spPr>
           <a:xfrm rot="0">
-            <a:off x="4500880" y="384175"/>
-            <a:ext cx="3189605" cy="554990"/>
+            <a:off x="5285740" y="509905"/>
+            <a:ext cx="1621790" cy="554990"/>
           </a:xfrm>
           <a:prstGeom prst="rect"/>
           <a:noFill/>
@@ -8877,17 +9177,7 @@
                 <a:latin typeface="맑은 고딕" charset="0"/>
                 <a:ea typeface="맑은 고딕" charset="0"/>
               </a:rPr>
-              <a:t>열</a:t>
-            </a:r>
-            <a:r>
-              <a:rPr lang="ko-KR" altLang="en-US" sz="3000" b="1">
-                <a:solidFill>
-                  <a:schemeClr val="tx1"/>
-                </a:solidFill>
-                <a:latin typeface="맑은 고딕" charset="0"/>
-                <a:ea typeface="맑은 고딕" charset="0"/>
-              </a:rPr>
-              <a:t> 번째 튜토리얼</a:t>
+              <a:t>Destory</a:t>
             </a:r>
             <a:endParaRPr lang="ko-KR" altLang="en-US" sz="3000" b="1">
               <a:solidFill>
@@ -8901,7 +9191,7 @@
       </p:sp>
       <p:sp>
         <p:nvSpPr>
-          <p:cNvPr id="1070" name="Rect 0"/>
+          <p:cNvPr id="1101" name="Rect 0"/>
           <p:cNvSpPr txBox="1">
             <a:spLocks/>
           </p:cNvSpPr>
@@ -8909,8 +9199,8 @@
         </p:nvSpPr>
         <p:spPr>
           <a:xfrm rot="0">
-            <a:off x="1222375" y="5276850"/>
-            <a:ext cx="4164330" cy="954405"/>
+            <a:off x="1047750" y="1619885"/>
+            <a:ext cx="4307840" cy="4246245"/>
           </a:xfrm>
           <a:prstGeom prst="rect"/>
           <a:noFill/>
@@ -8930,56 +9220,120 @@
               <a:buNone/>
             </a:pPr>
             <a:r>
-              <a:rPr lang="ko-KR" sz="2000" b="1">
-                <a:solidFill>
-                  <a:srgbClr val="0611F2"/>
-                </a:solidFill>
-                <a:latin typeface="맑은 고딕" charset="0"/>
-                <a:ea typeface="맑은 고딕" charset="0"/>
-              </a:rPr>
-              <a:t>23</a:t>
-            </a:r>
-            <a:r>
-              <a:rPr sz="2000" b="1">
-                <a:solidFill>
-                  <a:srgbClr val="0611F2"/>
-                </a:solidFill>
-                <a:latin typeface="맑은 고딕" charset="0"/>
-                <a:ea typeface="맑은 고딕" charset="0"/>
-              </a:rPr>
-              <a:t>. </a:t>
-            </a:r>
-            <a:r>
               <a:rPr lang="ko-KR" sz="1800">
                 <a:latin typeface="맑은 고딕" charset="0"/>
                 <a:ea typeface="맑은 고딕" charset="0"/>
               </a:rPr>
-              <a:t>그런 다음</a:t>
-            </a:r>
-            <a:r>
-              <a:rPr lang="ko-KR" sz="1800">
-                <a:latin typeface="맑은 고딕" charset="0"/>
-                <a:ea typeface="맑은 고딕" charset="0"/>
-              </a:rPr>
-              <a:t> </a:t>
-            </a:r>
-            <a:r>
-              <a:rPr lang="ko-KR" sz="1800">
-                <a:latin typeface="맑은 고딕" charset="0"/>
-                <a:ea typeface="맑은 고딕" charset="0"/>
-              </a:rPr>
-              <a:t>Projcet 폴더에 있는 Materials 폴더에 Tile Material을 Plane 게임 오브젝트에 넣어줍니다.</a:t>
+              <a:t>Destroy( ) 함수는 게임 오브젝트를 파괴하는 함수입니다.</a:t>
             </a:r>
             <a:endParaRPr lang="ko-KR" altLang="en-US" sz="1800">
               <a:latin typeface="맑은 고딕" charset="0"/>
               <a:ea typeface="맑은 고딕" charset="0"/>
             </a:endParaRPr>
           </a:p>
-        </p:txBody>
-      </p:sp>
-      <p:sp>
-        <p:nvSpPr>
-          <p:cNvPr id="1090" name="Rect 0"/>
+          <a:p>
+            <a:pPr marL="0" indent="0" algn="l" latinLnBrk="0" hangingPunct="1">
+              <a:buFontTx/>
+              <a:buNone/>
+            </a:pPr>
+            <a:endParaRPr lang="ko-KR" altLang="en-US" sz="1800">
+              <a:latin typeface="맑은 고딕" charset="0"/>
+              <a:ea typeface="맑은 고딕" charset="0"/>
+            </a:endParaRPr>
+          </a:p>
+          <a:p>
+            <a:pPr marL="0" indent="0" algn="l" latinLnBrk="0" hangingPunct="1">
+              <a:buFontTx/>
+              <a:buNone/>
+            </a:pPr>
+            <a:r>
+              <a:rPr lang="ko-KR" sz="1800">
+                <a:latin typeface="맑은 고딕" charset="0"/>
+                <a:ea typeface="맑은 고딕" charset="0"/>
+              </a:rPr>
+              <a:t>일정 시간을 설정하고 일정 시간 후에 파괴할 수 있도록 설정할 수도 있습니다.</a:t>
+            </a:r>
+            <a:endParaRPr lang="ko-KR" altLang="en-US" sz="1800">
+              <a:latin typeface="맑은 고딕" charset="0"/>
+              <a:ea typeface="맑은 고딕" charset="0"/>
+            </a:endParaRPr>
+          </a:p>
+          <a:p>
+            <a:pPr marL="0" indent="0" algn="l" latinLnBrk="0" hangingPunct="1">
+              <a:buFontTx/>
+              <a:buNone/>
+            </a:pPr>
+            <a:endParaRPr lang="ko-KR" altLang="en-US" sz="1800">
+              <a:latin typeface="맑은 고딕" charset="0"/>
+              <a:ea typeface="맑은 고딕" charset="0"/>
+            </a:endParaRPr>
+          </a:p>
+          <a:p>
+            <a:pPr marL="0" indent="0" algn="l" latinLnBrk="0" hangingPunct="1">
+              <a:buFontTx/>
+              <a:buNone/>
+            </a:pPr>
+            <a:r>
+              <a:rPr lang="ko-KR" sz="1800">
+                <a:latin typeface="맑은 고딕" charset="0"/>
+                <a:ea typeface="맑은 고딕" charset="0"/>
+              </a:rPr>
+              <a:t>게임 오브젝트가 메모리에서 해제되면 Object의 == 연산자 오버로딩으로 인하여 해제된 객체를 확인할 수 있습니다.</a:t>
+            </a:r>
+            <a:endParaRPr lang="ko-KR" altLang="en-US" sz="1800">
+              <a:latin typeface="맑은 고딕" charset="0"/>
+              <a:ea typeface="맑은 고딕" charset="0"/>
+            </a:endParaRPr>
+          </a:p>
+          <a:p>
+            <a:pPr marL="0" indent="0" algn="l" latinLnBrk="0" hangingPunct="1">
+              <a:buFontTx/>
+              <a:buNone/>
+            </a:pPr>
+            <a:endParaRPr lang="ko-KR" altLang="en-US" sz="1800">
+              <a:latin typeface="맑은 고딕" charset="0"/>
+              <a:ea typeface="맑은 고딕" charset="0"/>
+            </a:endParaRPr>
+          </a:p>
+          <a:p>
+            <a:pPr marL="0" indent="0" algn="l" latinLnBrk="0" hangingPunct="1">
+              <a:buFontTx/>
+              <a:buNone/>
+            </a:pPr>
+            <a:r>
+              <a:rPr lang="ko-KR" sz="1800">
+                <a:latin typeface="맑은 고딕" charset="0"/>
+                <a:ea typeface="맑은 고딕" charset="0"/>
+              </a:rPr>
+              <a:t>객체가 메모리에서 해제되었을 때</a:t>
+            </a:r>
+            <a:endParaRPr lang="ko-KR" altLang="en-US" sz="1800">
+              <a:latin typeface="맑은 고딕" charset="0"/>
+              <a:ea typeface="맑은 고딕" charset="0"/>
+            </a:endParaRPr>
+          </a:p>
+          <a:p>
+            <a:pPr marL="0" indent="0" algn="l" latinLnBrk="0" hangingPunct="1">
+              <a:buFontTx/>
+              <a:buNone/>
+            </a:pPr>
+            <a:r>
+              <a:rPr lang="ko-KR" sz="1800">
+                <a:latin typeface="맑은 고딕" charset="0"/>
+                <a:ea typeface="맑은 고딕" charset="0"/>
+              </a:rPr>
+              <a:t>객체를 참조하는 참조 변수들은 허상 포인터가 되지 않도록 null을 가리키도록 설정합니다.</a:t>
+            </a:r>
+            <a:endParaRPr lang="ko-KR" altLang="en-US" sz="1800">
+              <a:latin typeface="맑은 고딕" charset="0"/>
+              <a:ea typeface="맑은 고딕" charset="0"/>
+            </a:endParaRPr>
+          </a:p>
+        </p:txBody>
+      </p:sp>
+      <p:sp>
+        <p:nvSpPr>
+          <p:cNvPr id="1109" name="텍스트 상자 11"/>
           <p:cNvSpPr txBox="1">
             <a:spLocks/>
           </p:cNvSpPr>
@@ -8987,8 +9341,8 @@
         </p:nvSpPr>
         <p:spPr>
           <a:xfrm rot="0">
-            <a:off x="1220470" y="3073400"/>
-            <a:ext cx="4166235" cy="647065"/>
+            <a:off x="6817360" y="4394200"/>
+            <a:ext cx="4145915" cy="1478280"/>
           </a:xfrm>
           <a:prstGeom prst="rect"/>
           <a:noFill/>
@@ -8998,48 +9352,21 @@
           </a:ln>
         </p:spPr>
         <p:txBody>
-          <a:bodyPr wrap="square" lIns="89535" tIns="46355" rIns="89535" bIns="46355" vert="horz" anchor="t">
+          <a:bodyPr wrap="square" lIns="89535" tIns="46355" rIns="89535" bIns="46355" numCol="1" vert="horz" anchor="t">
             <a:spAutoFit/>
           </a:bodyPr>
           <a:lstStyle/>
           <a:p>
-            <a:pPr marL="0" indent="0" rtl="0" algn="l" defTabSz="914400" eaLnBrk="1" latinLnBrk="0" hangingPunct="1">
-              <a:buFontTx/>
-              <a:buNone/>
-            </a:pPr>
-            <a:r>
-              <a:rPr lang="ko-KR" sz="1800" b="1">
-                <a:solidFill>
-                  <a:srgbClr val="0611F2"/>
-                </a:solidFill>
-                <a:latin typeface="맑은 고딕" charset="0"/>
-                <a:ea typeface="맑은 고딕" charset="0"/>
-              </a:rPr>
-              <a:t>22</a:t>
-            </a:r>
-            <a:r>
-              <a:rPr sz="1800" b="1">
-                <a:solidFill>
-                  <a:srgbClr val="0611F2"/>
-                </a:solidFill>
-                <a:latin typeface="맑은 고딕" charset="0"/>
-                <a:ea typeface="맑은 고딕" charset="0"/>
-              </a:rPr>
-              <a:t>.</a:t>
-            </a:r>
-            <a:r>
-              <a:rPr sz="1800">
-                <a:latin typeface="맑은 고딕" charset="0"/>
-                <a:ea typeface="맑은 고딕" charset="0"/>
-              </a:rPr>
-              <a:t> </a:t>
-            </a:r>
+            <a:pPr marL="0" indent="0" algn="l" latinLnBrk="0" hangingPunct="1">
+              <a:buFontTx/>
+              <a:buNone/>
+            </a:pPr>
             <a:r>
               <a:rPr lang="ko-KR" sz="1800">
                 <a:latin typeface="맑은 고딕" charset="0"/>
                 <a:ea typeface="맑은 고딕" charset="0"/>
               </a:rPr>
-              <a:t>그다음 Main Camera 오브젝트의 위치와 회전 값을 설정합니다.</a:t>
+              <a:t>Destroy( ) 함수로 게임 오브젝트를 파괴했을 때 C++ nativeObject는 메모리에서 해제되며, C# UnityEngine.Object는 객체이기 때문에 해제되지 않습니다.</a:t>
             </a:r>
             <a:endParaRPr lang="ko-KR" altLang="en-US" sz="1800">
               <a:latin typeface="맑은 고딕" charset="0"/>
@@ -9050,17 +9377,17 @@
       </p:sp>
       <p:pic>
         <p:nvPicPr>
-          <p:cNvPr id="1104" name="그림 58" descr="C:/Users/Admin1/AppData/Roaming/PolarisOffice/ETemp/15256_19321368/fImage12239279491.png"/>
+          <p:cNvPr id="1110" name="그림 24"/>
           <p:cNvPicPr>
             <a:picLocks noChangeAspect="1"/>
           </p:cNvPicPr>
           <p:nvPr/>
         </p:nvPicPr>
         <p:blipFill rotWithShape="1">
-          <a:blip r:embed="rId2" cstate="print">
+          <a:blip r:embed="rId12" cstate="hqprint">
             <a:extLst>
               <a:ext uri="{28A0092B-C50C-407E-A947-70E740481C1C}">
-                <a14:useLocalDpi xmlns:a14="http://schemas.microsoft.com/office/drawing/2010/main" val="0"/>
+                <a14:useLocalDpi xmlns:a14="http://schemas.microsoft.com/office/drawing/2010/main"/>
               </a:ext>
             </a:extLst>
           </a:blip>
@@ -9070,8 +9397,8 @@
         </p:blipFill>
         <p:spPr>
           <a:xfrm rot="0">
-            <a:off x="1238250" y="1445895"/>
-            <a:ext cx="4157345" cy="1507490"/>
+            <a:off x="6816725" y="1612265"/>
+            <a:ext cx="4141470" cy="2635250"/>
           </a:xfrm>
           <a:prstGeom prst="roundRect"/>
           <a:solidFill>
@@ -9079,101 +9406,6 @@
           </a:solidFill>
         </p:spPr>
       </p:pic>
-      <p:pic>
-        <p:nvPicPr>
-          <p:cNvPr id="1105" name="그림 61" descr="C:/Users/Admin1/AppData/Roaming/PolarisOffice/ETemp/15256_19321368/fImage90722802995.png"/>
-          <p:cNvPicPr>
-            <a:picLocks noChangeAspect="1"/>
-          </p:cNvPicPr>
-          <p:nvPr/>
-        </p:nvPicPr>
-        <p:blipFill rotWithShape="1">
-          <a:blip r:embed="rId3" cstate="print">
-            <a:extLst>
-              <a:ext uri="{28A0092B-C50C-407E-A947-70E740481C1C}">
-                <a14:useLocalDpi xmlns:a14="http://schemas.microsoft.com/office/drawing/2010/main" val="0"/>
-              </a:ext>
-            </a:extLst>
-          </a:blip>
-          <a:stretch>
-            <a:fillRect/>
-          </a:stretch>
-        </p:blipFill>
-        <p:spPr>
-          <a:xfrm rot="0">
-            <a:off x="1214120" y="3851910"/>
-            <a:ext cx="1488440" cy="1335405"/>
-          </a:xfrm>
-          <a:prstGeom prst="roundRect"/>
-          <a:solidFill>
-            <a:srgbClr val="EDEDED"/>
-          </a:solidFill>
-        </p:spPr>
-      </p:pic>
-      <p:pic>
-        <p:nvPicPr>
-          <p:cNvPr id="1106" name="그림 64" descr="C:/Users/Admin1/AppData/Roaming/PolarisOffice/ETemp/15256_19321368/fImage145102811942.png"/>
-          <p:cNvPicPr>
-            <a:picLocks noChangeAspect="1"/>
-          </p:cNvPicPr>
-          <p:nvPr/>
-        </p:nvPicPr>
-        <p:blipFill rotWithShape="1">
-          <a:blip r:embed="rId4" cstate="print">
-            <a:extLst>
-              <a:ext uri="{28A0092B-C50C-407E-A947-70E740481C1C}">
-                <a14:useLocalDpi xmlns:a14="http://schemas.microsoft.com/office/drawing/2010/main" val="0"/>
-              </a:ext>
-            </a:extLst>
-          </a:blip>
-          <a:stretch>
-            <a:fillRect/>
-          </a:stretch>
-        </p:blipFill>
-        <p:spPr>
-          <a:xfrm rot="0">
-            <a:off x="2823210" y="3844925"/>
-            <a:ext cx="2563495" cy="1334135"/>
-          </a:xfrm>
-          <a:prstGeom prst="roundRect"/>
-          <a:solidFill>
-            <a:srgbClr val="EDEDED"/>
-          </a:solidFill>
-        </p:spPr>
-      </p:pic>
-      <p:cxnSp>
-        <p:nvCxnSpPr>
-          <p:cNvPr id="1107" name="도형 67"/>
-          <p:cNvCxnSpPr/>
-          <p:nvPr/>
-        </p:nvCxnSpPr>
-        <p:spPr>
-          <a:xfrm rot="0" flipH="1">
-            <a:off x="1835785" y="4572000"/>
-            <a:ext cx="1715135" cy="113030"/>
-          </a:xfrm>
-          <a:prstGeom prst="straightConnector1"/>
-          <a:ln w="6350" cap="flat" cmpd="sng">
-            <a:prstDash/>
-            <a:headEnd type="none" w="med" len="med"/>
-            <a:tailEnd type="triangle" w="med" len="med"/>
-          </a:ln>
-        </p:spPr>
-        <p:style>
-          <a:lnRef idx="1">
-            <a:schemeClr val="accent1"/>
-          </a:lnRef>
-          <a:fillRef idx="0">
-            <a:schemeClr val="accent1"/>
-          </a:fillRef>
-          <a:effectRef idx="0">
-            <a:schemeClr val="accent1"/>
-          </a:effectRef>
-          <a:fontRef idx="minor">
-            <a:schemeClr val="tx1"/>
-          </a:fontRef>
-        </p:style>
-      </p:cxnSp>
     </p:spTree>
   </p:cSld>
   <p:clrMapOvr>
@@ -9224,8 +9456,8 @@
         </p:nvSpPr>
         <p:spPr>
           <a:xfrm rot="0">
-            <a:off x="5285740" y="509905"/>
-            <a:ext cx="1621790" cy="554990"/>
+            <a:off x="4500880" y="384175"/>
+            <a:ext cx="3189605" cy="554990"/>
           </a:xfrm>
           <a:prstGeom prst="rect"/>
           <a:noFill/>
@@ -9252,7 +9484,17 @@
                 <a:latin typeface="맑은 고딕" charset="0"/>
                 <a:ea typeface="맑은 고딕" charset="0"/>
               </a:rPr>
-              <a:t>Destory</a:t>
+              <a:t>열</a:t>
+            </a:r>
+            <a:r>
+              <a:rPr lang="ko-KR" altLang="en-US" sz="3000" b="1">
+                <a:solidFill>
+                  <a:schemeClr val="tx1"/>
+                </a:solidFill>
+                <a:latin typeface="맑은 고딕" charset="0"/>
+                <a:ea typeface="맑은 고딕" charset="0"/>
+              </a:rPr>
+              <a:t> 번째 튜토리얼</a:t>
             </a:r>
             <a:endParaRPr lang="ko-KR" altLang="en-US" sz="3000" b="1">
               <a:solidFill>
@@ -9266,7 +9508,7 @@
       </p:sp>
       <p:sp>
         <p:nvSpPr>
-          <p:cNvPr id="1101" name="Rect 0"/>
+          <p:cNvPr id="1070" name="Rect 0"/>
           <p:cNvSpPr txBox="1">
             <a:spLocks/>
           </p:cNvSpPr>
@@ -9274,8 +9516,8 @@
         </p:nvSpPr>
         <p:spPr>
           <a:xfrm rot="0">
-            <a:off x="1047750" y="1619885"/>
-            <a:ext cx="4307840" cy="4246245"/>
+            <a:off x="1222375" y="5276850"/>
+            <a:ext cx="4164330" cy="954405"/>
           </a:xfrm>
           <a:prstGeom prst="rect"/>
           <a:noFill/>
@@ -9295,120 +9537,56 @@
               <a:buNone/>
             </a:pPr>
             <a:r>
+              <a:rPr lang="ko-KR" sz="2000" b="1">
+                <a:solidFill>
+                  <a:srgbClr val="0611F2"/>
+                </a:solidFill>
+                <a:latin typeface="맑은 고딕" charset="0"/>
+                <a:ea typeface="맑은 고딕" charset="0"/>
+              </a:rPr>
+              <a:t>23</a:t>
+            </a:r>
+            <a:r>
+              <a:rPr sz="2000" b="1">
+                <a:solidFill>
+                  <a:srgbClr val="0611F2"/>
+                </a:solidFill>
+                <a:latin typeface="맑은 고딕" charset="0"/>
+                <a:ea typeface="맑은 고딕" charset="0"/>
+              </a:rPr>
+              <a:t>. </a:t>
+            </a:r>
+            <a:r>
               <a:rPr lang="ko-KR" sz="1800">
                 <a:latin typeface="맑은 고딕" charset="0"/>
                 <a:ea typeface="맑은 고딕" charset="0"/>
               </a:rPr>
-              <a:t>Destroy( ) 함수는 게임 오브젝트를 파괴하는 함수입니다.</a:t>
+              <a:t>그런 다음</a:t>
+            </a:r>
+            <a:r>
+              <a:rPr lang="ko-KR" sz="1800">
+                <a:latin typeface="맑은 고딕" charset="0"/>
+                <a:ea typeface="맑은 고딕" charset="0"/>
+              </a:rPr>
+              <a:t> </a:t>
+            </a:r>
+            <a:r>
+              <a:rPr lang="ko-KR" sz="1800">
+                <a:latin typeface="맑은 고딕" charset="0"/>
+                <a:ea typeface="맑은 고딕" charset="0"/>
+              </a:rPr>
+              <a:t>Projcet 폴더에 있는 Materials 폴더에 Tile Material을 Plane 게임 오브젝트에 넣어줍니다.</a:t>
             </a:r>
             <a:endParaRPr lang="ko-KR" altLang="en-US" sz="1800">
               <a:latin typeface="맑은 고딕" charset="0"/>
               <a:ea typeface="맑은 고딕" charset="0"/>
             </a:endParaRPr>
           </a:p>
-          <a:p>
-            <a:pPr marL="0" indent="0" algn="l" latinLnBrk="0" hangingPunct="1">
-              <a:buFontTx/>
-              <a:buNone/>
-            </a:pPr>
-            <a:endParaRPr lang="ko-KR" altLang="en-US" sz="1800">
-              <a:latin typeface="맑은 고딕" charset="0"/>
-              <a:ea typeface="맑은 고딕" charset="0"/>
-            </a:endParaRPr>
-          </a:p>
-          <a:p>
-            <a:pPr marL="0" indent="0" algn="l" latinLnBrk="0" hangingPunct="1">
-              <a:buFontTx/>
-              <a:buNone/>
-            </a:pPr>
-            <a:r>
-              <a:rPr lang="ko-KR" sz="1800">
-                <a:latin typeface="맑은 고딕" charset="0"/>
-                <a:ea typeface="맑은 고딕" charset="0"/>
-              </a:rPr>
-              <a:t>일정 시간을 설정하고 일정 시간 후에 파괴할 수 있도록 설정할 수도 있습니다.</a:t>
-            </a:r>
-            <a:endParaRPr lang="ko-KR" altLang="en-US" sz="1800">
-              <a:latin typeface="맑은 고딕" charset="0"/>
-              <a:ea typeface="맑은 고딕" charset="0"/>
-            </a:endParaRPr>
-          </a:p>
-          <a:p>
-            <a:pPr marL="0" indent="0" algn="l" latinLnBrk="0" hangingPunct="1">
-              <a:buFontTx/>
-              <a:buNone/>
-            </a:pPr>
-            <a:endParaRPr lang="ko-KR" altLang="en-US" sz="1800">
-              <a:latin typeface="맑은 고딕" charset="0"/>
-              <a:ea typeface="맑은 고딕" charset="0"/>
-            </a:endParaRPr>
-          </a:p>
-          <a:p>
-            <a:pPr marL="0" indent="0" algn="l" latinLnBrk="0" hangingPunct="1">
-              <a:buFontTx/>
-              <a:buNone/>
-            </a:pPr>
-            <a:r>
-              <a:rPr lang="ko-KR" sz="1800">
-                <a:latin typeface="맑은 고딕" charset="0"/>
-                <a:ea typeface="맑은 고딕" charset="0"/>
-              </a:rPr>
-              <a:t>게임 오브젝트가 메모리에서 해제되면 Object의 == 연산자 오버로딩으로 인하여 해제된 객체를 확인할 수 있습니다.</a:t>
-            </a:r>
-            <a:endParaRPr lang="ko-KR" altLang="en-US" sz="1800">
-              <a:latin typeface="맑은 고딕" charset="0"/>
-              <a:ea typeface="맑은 고딕" charset="0"/>
-            </a:endParaRPr>
-          </a:p>
-          <a:p>
-            <a:pPr marL="0" indent="0" algn="l" latinLnBrk="0" hangingPunct="1">
-              <a:buFontTx/>
-              <a:buNone/>
-            </a:pPr>
-            <a:endParaRPr lang="ko-KR" altLang="en-US" sz="1800">
-              <a:latin typeface="맑은 고딕" charset="0"/>
-              <a:ea typeface="맑은 고딕" charset="0"/>
-            </a:endParaRPr>
-          </a:p>
-          <a:p>
-            <a:pPr marL="0" indent="0" algn="l" latinLnBrk="0" hangingPunct="1">
-              <a:buFontTx/>
-              <a:buNone/>
-            </a:pPr>
-            <a:r>
-              <a:rPr lang="ko-KR" sz="1800">
-                <a:latin typeface="맑은 고딕" charset="0"/>
-                <a:ea typeface="맑은 고딕" charset="0"/>
-              </a:rPr>
-              <a:t>객체가 메모리에서 해제되었을 때</a:t>
-            </a:r>
-            <a:endParaRPr lang="ko-KR" altLang="en-US" sz="1800">
-              <a:latin typeface="맑은 고딕" charset="0"/>
-              <a:ea typeface="맑은 고딕" charset="0"/>
-            </a:endParaRPr>
-          </a:p>
-          <a:p>
-            <a:pPr marL="0" indent="0" algn="l" latinLnBrk="0" hangingPunct="1">
-              <a:buFontTx/>
-              <a:buNone/>
-            </a:pPr>
-            <a:r>
-              <a:rPr lang="ko-KR" sz="1800">
-                <a:latin typeface="맑은 고딕" charset="0"/>
-                <a:ea typeface="맑은 고딕" charset="0"/>
-              </a:rPr>
-              <a:t>객체를 참조하는 참조 변수들은 허상 포인터가 되지 않도록 null을 가리키도록 설정합니다.</a:t>
-            </a:r>
-            <a:endParaRPr lang="ko-KR" altLang="en-US" sz="1800">
-              <a:latin typeface="맑은 고딕" charset="0"/>
-              <a:ea typeface="맑은 고딕" charset="0"/>
-            </a:endParaRPr>
-          </a:p>
-        </p:txBody>
-      </p:sp>
-      <p:sp>
-        <p:nvSpPr>
-          <p:cNvPr id="1109" name="텍스트 상자 11"/>
+        </p:txBody>
+      </p:sp>
+      <p:sp>
+        <p:nvSpPr>
+          <p:cNvPr id="1090" name="Rect 0"/>
           <p:cNvSpPr txBox="1">
             <a:spLocks/>
           </p:cNvSpPr>
@@ -9416,8 +9594,8 @@
         </p:nvSpPr>
         <p:spPr>
           <a:xfrm rot="0">
-            <a:off x="6817360" y="4385945"/>
-            <a:ext cx="4145280" cy="1477645"/>
+            <a:off x="1220470" y="3073400"/>
+            <a:ext cx="4166235" cy="647065"/>
           </a:xfrm>
           <a:prstGeom prst="rect"/>
           <a:noFill/>
@@ -9427,28 +9605,48 @@
           </a:ln>
         </p:spPr>
         <p:txBody>
-          <a:bodyPr wrap="square" lIns="89535" tIns="46355" rIns="89535" bIns="46355" numCol="1" vert="horz" anchor="t">
+          <a:bodyPr wrap="square" lIns="89535" tIns="46355" rIns="89535" bIns="46355" vert="horz" anchor="t">
             <a:spAutoFit/>
           </a:bodyPr>
           <a:lstStyle/>
           <a:p>
-            <a:pPr marL="0" indent="0" algn="l" latinLnBrk="0" hangingPunct="1">
-              <a:buFontTx/>
-              <a:buNone/>
-            </a:pPr>
+            <a:pPr marL="0" indent="0" rtl="0" algn="l" defTabSz="914400" eaLnBrk="1" latinLnBrk="0" hangingPunct="1">
+              <a:buFontTx/>
+              <a:buNone/>
+            </a:pPr>
+            <a:r>
+              <a:rPr lang="ko-KR" sz="1800" b="1">
+                <a:solidFill>
+                  <a:srgbClr val="0611F2"/>
+                </a:solidFill>
+                <a:latin typeface="맑은 고딕" charset="0"/>
+                <a:ea typeface="맑은 고딕" charset="0"/>
+              </a:rPr>
+              <a:t>22</a:t>
+            </a:r>
+            <a:r>
+              <a:rPr sz="1800" b="1">
+                <a:solidFill>
+                  <a:srgbClr val="0611F2"/>
+                </a:solidFill>
+                <a:latin typeface="맑은 고딕" charset="0"/>
+                <a:ea typeface="맑은 고딕" charset="0"/>
+              </a:rPr>
+              <a:t>.</a:t>
+            </a:r>
+            <a:r>
+              <a:rPr sz="1800">
+                <a:latin typeface="맑은 고딕" charset="0"/>
+                <a:ea typeface="맑은 고딕" charset="0"/>
+              </a:rPr>
+              <a:t> </a:t>
+            </a:r>
             <a:r>
               <a:rPr lang="ko-KR" sz="1800">
                 <a:latin typeface="맑은 고딕" charset="0"/>
                 <a:ea typeface="맑은 고딕" charset="0"/>
               </a:rPr>
-              <a:t>Destroy( ) 함수로 게임 오브젝트를 </a:t>
-            </a:r>
-            <a:r>
-              <a:rPr lang="ko-KR" sz="1800">
-                <a:latin typeface="맑은 고딕" charset="0"/>
-                <a:ea typeface="맑은 고딕" charset="0"/>
-              </a:rPr>
-              <a:t>파괴했을 때 C++ nativeObject는 메모리에서 해제되며, C# UnityEngine.Object는 객체이기 때문에 해제되지 않습니다.</a:t>
+              <a:t>그다음 Main Camera 오브젝트의 위치와 회전 값을 설정합니다.</a:t>
             </a:r>
             <a:endParaRPr lang="ko-KR" altLang="en-US" sz="1800">
               <a:latin typeface="맑은 고딕" charset="0"/>
@@ -9459,14 +9657,14 @@
       </p:sp>
       <p:pic>
         <p:nvPicPr>
-          <p:cNvPr id="1110" name="그림 24"/>
+          <p:cNvPr id="1104" name="그림 58" descr="C:/Users/Admin1/AppData/Roaming/PolarisOffice/ETemp/16484_18744056/fImage12239279491.png"/>
           <p:cNvPicPr>
             <a:picLocks noChangeAspect="1"/>
           </p:cNvPicPr>
           <p:nvPr/>
         </p:nvPicPr>
         <p:blipFill rotWithShape="1">
-          <a:blip r:embed="rId12" cstate="hqprint">
+          <a:blip r:embed="rId2" cstate="hqprint">
             <a:extLst>
               <a:ext uri="{28A0092B-C50C-407E-A947-70E740481C1C}">
                 <a14:useLocalDpi xmlns:a14="http://schemas.microsoft.com/office/drawing/2010/main"/>
@@ -9479,8 +9677,571 @@
         </p:blipFill>
         <p:spPr>
           <a:xfrm rot="0">
-            <a:off x="6816725" y="1612265"/>
-            <a:ext cx="4141470" cy="2635250"/>
+            <a:off x="1230630" y="1445895"/>
+            <a:ext cx="4165600" cy="1508125"/>
+          </a:xfrm>
+          <a:prstGeom prst="roundRect"/>
+          <a:solidFill>
+            <a:srgbClr val="EDEDED"/>
+          </a:solidFill>
+        </p:spPr>
+      </p:pic>
+      <p:pic>
+        <p:nvPicPr>
+          <p:cNvPr id="1105" name="그림 61"/>
+          <p:cNvPicPr>
+            <a:picLocks noChangeAspect="1"/>
+          </p:cNvPicPr>
+          <p:nvPr/>
+        </p:nvPicPr>
+        <p:blipFill rotWithShape="1">
+          <a:blip r:embed="rId3" cstate="print">
+            <a:extLst>
+              <a:ext uri="{28A0092B-C50C-407E-A947-70E740481C1C}">
+                <a14:useLocalDpi xmlns:a14="http://schemas.microsoft.com/office/drawing/2010/main" val="0"/>
+              </a:ext>
+            </a:extLst>
+          </a:blip>
+          <a:stretch>
+            <a:fillRect/>
+          </a:stretch>
+        </p:blipFill>
+        <p:spPr>
+          <a:xfrm rot="0">
+            <a:off x="1214120" y="3851910"/>
+            <a:ext cx="1488440" cy="1335405"/>
+          </a:xfrm>
+          <a:prstGeom prst="roundRect"/>
+          <a:solidFill>
+            <a:srgbClr val="EDEDED"/>
+          </a:solidFill>
+        </p:spPr>
+      </p:pic>
+      <p:pic>
+        <p:nvPicPr>
+          <p:cNvPr id="1106" name="그림 64"/>
+          <p:cNvPicPr>
+            <a:picLocks noChangeAspect="1"/>
+          </p:cNvPicPr>
+          <p:nvPr/>
+        </p:nvPicPr>
+        <p:blipFill rotWithShape="1">
+          <a:blip r:embed="rId4" cstate="print">
+            <a:extLst>
+              <a:ext uri="{28A0092B-C50C-407E-A947-70E740481C1C}">
+                <a14:useLocalDpi xmlns:a14="http://schemas.microsoft.com/office/drawing/2010/main" val="0"/>
+              </a:ext>
+            </a:extLst>
+          </a:blip>
+          <a:stretch>
+            <a:fillRect/>
+          </a:stretch>
+        </p:blipFill>
+        <p:spPr>
+          <a:xfrm rot="0">
+            <a:off x="2823210" y="3844925"/>
+            <a:ext cx="2563495" cy="1334135"/>
+          </a:xfrm>
+          <a:prstGeom prst="roundRect"/>
+          <a:solidFill>
+            <a:srgbClr val="EDEDED"/>
+          </a:solidFill>
+        </p:spPr>
+      </p:pic>
+      <p:cxnSp>
+        <p:nvCxnSpPr>
+          <p:cNvPr id="1107" name="도형 67"/>
+          <p:cNvCxnSpPr/>
+          <p:nvPr/>
+        </p:nvCxnSpPr>
+        <p:spPr>
+          <a:xfrm rot="0" flipH="1">
+            <a:off x="1835785" y="4572000"/>
+            <a:ext cx="1715135" cy="113030"/>
+          </a:xfrm>
+          <a:prstGeom prst="straightConnector1"/>
+          <a:ln w="6350" cap="flat" cmpd="sng">
+            <a:prstDash/>
+            <a:headEnd type="none" w="med" len="med"/>
+            <a:tailEnd type="triangle" w="med" len="med"/>
+          </a:ln>
+        </p:spPr>
+        <p:style>
+          <a:lnRef idx="1">
+            <a:schemeClr val="accent1"/>
+          </a:lnRef>
+          <a:fillRef idx="0">
+            <a:schemeClr val="accent1"/>
+          </a:fillRef>
+          <a:effectRef idx="0">
+            <a:schemeClr val="accent1"/>
+          </a:effectRef>
+          <a:fontRef idx="minor">
+            <a:schemeClr val="tx1"/>
+          </a:fontRef>
+        </p:style>
+      </p:cxnSp>
+      <p:sp>
+        <p:nvSpPr>
+          <p:cNvPr id="1108" name="텍스트 상자 8"/>
+          <p:cNvSpPr txBox="1">
+            <a:spLocks/>
+          </p:cNvSpPr>
+          <p:nvPr/>
+        </p:nvSpPr>
+        <p:spPr>
+          <a:xfrm rot="0">
+            <a:off x="6806565" y="5279390"/>
+            <a:ext cx="3969385" cy="954405"/>
+          </a:xfrm>
+          <a:prstGeom prst="rect"/>
+          <a:noFill/>
+          <a:ln w="0">
+            <a:noFill/>
+            <a:prstDash/>
+          </a:ln>
+        </p:spPr>
+        <p:txBody>
+          <a:bodyPr wrap="square" lIns="89535" tIns="46355" rIns="89535" bIns="46355" numCol="1" vert="horz" anchor="t">
+            <a:spAutoFit/>
+          </a:bodyPr>
+          <a:lstStyle/>
+          <a:p>
+            <a:pPr marL="0" indent="0" algn="l" latinLnBrk="0" hangingPunct="1">
+              <a:buFontTx/>
+              <a:buNone/>
+            </a:pPr>
+            <a:r>
+              <a:rPr lang="ko-KR" sz="2000" b="1">
+                <a:solidFill>
+                  <a:srgbClr val="0611F2"/>
+                </a:solidFill>
+                <a:latin typeface="맑은 고딕" charset="0"/>
+                <a:ea typeface="맑은 고딕" charset="0"/>
+              </a:rPr>
+              <a:t>24</a:t>
+            </a:r>
+            <a:r>
+              <a:rPr sz="2000" b="1">
+                <a:solidFill>
+                  <a:srgbClr val="0611F2"/>
+                </a:solidFill>
+                <a:latin typeface="맑은 고딕" charset="0"/>
+                <a:ea typeface="맑은 고딕" charset="0"/>
+              </a:rPr>
+              <a:t>. </a:t>
+            </a:r>
+            <a:r>
+              <a:rPr lang="ko-KR" sz="1800">
+                <a:latin typeface="맑은 고딕" charset="0"/>
+                <a:ea typeface="맑은 고딕" charset="0"/>
+              </a:rPr>
+              <a:t>마지막으로</a:t>
+            </a:r>
+            <a:r>
+              <a:rPr lang="ko-KR" sz="1800">
+                <a:latin typeface="맑은 고딕" charset="0"/>
+                <a:ea typeface="맑은 고딕" charset="0"/>
+              </a:rPr>
+              <a:t> Generic Create Button의 Text에 Genenric Stone Create로 정의합니다.</a:t>
+            </a:r>
+            <a:endParaRPr lang="ko-KR" altLang="en-US" sz="1800">
+              <a:latin typeface="맑은 고딕" charset="0"/>
+              <a:ea typeface="맑은 고딕" charset="0"/>
+            </a:endParaRPr>
+          </a:p>
+        </p:txBody>
+      </p:sp>
+      <p:pic>
+        <p:nvPicPr>
+          <p:cNvPr id="1109" name="그림 9" descr="C:/Users/Admin1/AppData/Roaming/PolarisOffice/ETemp/16484_18744056/fImage396362805724.png"/>
+          <p:cNvPicPr>
+            <a:picLocks noChangeAspect="1"/>
+          </p:cNvPicPr>
+          <p:nvPr/>
+        </p:nvPicPr>
+        <p:blipFill rotWithShape="1">
+          <a:blip r:embed="rId6" cstate="hqprint">
+            <a:extLst>
+              <a:ext uri="{28A0092B-C50C-407E-A947-70E740481C1C}">
+                <a14:useLocalDpi xmlns:a14="http://schemas.microsoft.com/office/drawing/2010/main"/>
+              </a:ext>
+            </a:extLst>
+          </a:blip>
+          <a:stretch>
+            <a:fillRect/>
+          </a:stretch>
+        </p:blipFill>
+        <p:spPr>
+          <a:xfrm rot="0">
+            <a:off x="6808470" y="1448435"/>
+            <a:ext cx="3966845" cy="3669665"/>
+          </a:xfrm>
+          <a:prstGeom prst="rect"/>
+          <a:noFill/>
+        </p:spPr>
+      </p:pic>
+    </p:spTree>
+  </p:cSld>
+  <p:clrMapOvr>
+    <a:masterClrMapping/>
+  </p:clrMapOvr>
+  <mc:AlternateContent xmlns:mc="http://schemas.openxmlformats.org/markup-compatibility/2006">
+    <mc:Choice xmlns:p14="http://schemas.microsoft.com/office/powerpoint/2010/main" Requires="p14">
+      <p:transition spd="slow" p14:dur="2000"/>
+    </mc:Choice>
+    <mc:Fallback>
+      <p:transition spd="slow"/>
+    </mc:Fallback>
+  </mc:AlternateContent>
+  <p:timing>
+    <p:tnLst>
+      <p:par>
+        <p:cTn id="1" dur="indefinite" restart="never" nodeType="tmRoot"/>
+      </p:par>
+    </p:tnLst>
+  </p:timing>
+</p:sld>
+</file>
+
+<file path=ppt/slides/slide14.xml><?xml version="1.0" encoding="utf-8"?>
+<p:sld xmlns:a="http://schemas.openxmlformats.org/drawingml/2006/main" xmlns:r="http://schemas.openxmlformats.org/officeDocument/2006/relationships" xmlns:p="http://schemas.openxmlformats.org/presentationml/2006/main">
+  <p:cSld>
+    <p:spTree>
+      <p:nvGrpSpPr>
+        <p:cNvPr id="1" name=""/>
+        <p:cNvGrpSpPr/>
+        <p:nvPr/>
+      </p:nvGrpSpPr>
+      <p:grpSpPr>
+        <a:xfrm>
+          <a:off x="0" y="0"/>
+          <a:ext cx="0" cy="0"/>
+          <a:chOff x="0" y="0"/>
+          <a:chExt cx="0" cy="0"/>
+        </a:xfrm>
+      </p:grpSpPr>
+      <p:sp>
+        <p:nvSpPr>
+          <p:cNvPr id="1031" name="Rect 0"/>
+          <p:cNvSpPr txBox="1">
+            <a:spLocks/>
+          </p:cNvSpPr>
+          <p:nvPr/>
+        </p:nvSpPr>
+        <p:spPr>
+          <a:xfrm rot="0">
+            <a:off x="4318000" y="392430"/>
+            <a:ext cx="3563620" cy="554990"/>
+          </a:xfrm>
+          <a:prstGeom prst="rect"/>
+          <a:noFill/>
+          <a:ln w="0">
+            <a:noFill/>
+            <a:prstDash/>
+          </a:ln>
+        </p:spPr>
+        <p:txBody>
+          <a:bodyPr wrap="square" lIns="89535" tIns="46355" rIns="89535" bIns="46355" numCol="1" vert="horz" anchor="t">
+            <a:spAutoFit/>
+          </a:bodyPr>
+          <a:lstStyle/>
+          <a:p>
+            <a:pPr marL="0" indent="0" algn="l" latinLnBrk="0">
+              <a:buFontTx/>
+              <a:buNone/>
+            </a:pPr>
+            <a:r>
+              <a:rPr lang="ko-KR" altLang="en-US" sz="3000" b="1">
+                <a:solidFill>
+                  <a:schemeClr val="tx1"/>
+                </a:solidFill>
+                <a:latin typeface="맑은 고딕" charset="0"/>
+                <a:ea typeface="맑은 고딕" charset="0"/>
+              </a:rPr>
+              <a:t>열</a:t>
+            </a:r>
+            <a:r>
+              <a:rPr lang="ko-KR" altLang="en-US" sz="3000" b="1">
+                <a:solidFill>
+                  <a:schemeClr val="tx1"/>
+                </a:solidFill>
+                <a:latin typeface="맑은 고딕" charset="0"/>
+                <a:ea typeface="맑은 고딕" charset="0"/>
+              </a:rPr>
+              <a:t>한</a:t>
+            </a:r>
+            <a:r>
+              <a:rPr lang="ko-KR" altLang="en-US" sz="3000" b="1">
+                <a:solidFill>
+                  <a:schemeClr val="tx1"/>
+                </a:solidFill>
+                <a:latin typeface="맑은 고딕" charset="0"/>
+                <a:ea typeface="맑은 고딕" charset="0"/>
+              </a:rPr>
+              <a:t> 번째 튜토리얼</a:t>
+            </a:r>
+            <a:endParaRPr lang="ko-KR" altLang="en-US" sz="3000" b="1">
+              <a:solidFill>
+                <a:schemeClr val="tx1"/>
+              </a:solidFill>
+              <a:latin typeface="맑은 고딕" charset="0"/>
+              <a:ea typeface="맑은 고딕" charset="0"/>
+            </a:endParaRPr>
+          </a:p>
+        </p:txBody>
+      </p:sp>
+      <p:sp>
+        <p:nvSpPr>
+          <p:cNvPr id="1070" name="Rect 0"/>
+          <p:cNvSpPr txBox="1">
+            <a:spLocks/>
+          </p:cNvSpPr>
+          <p:nvPr/>
+        </p:nvSpPr>
+        <p:spPr>
+          <a:xfrm rot="0">
+            <a:off x="1238885" y="5152390"/>
+            <a:ext cx="4140200" cy="1231265"/>
+          </a:xfrm>
+          <a:prstGeom prst="rect"/>
+          <a:noFill/>
+          <a:ln w="0">
+            <a:noFill/>
+            <a:prstDash/>
+          </a:ln>
+        </p:spPr>
+        <p:txBody>
+          <a:bodyPr wrap="square" lIns="89535" tIns="46355" rIns="89535" bIns="46355" numCol="1" vert="horz" anchor="t">
+            <a:spAutoFit/>
+          </a:bodyPr>
+          <a:lstStyle/>
+          <a:p>
+            <a:pPr marL="0" indent="0" algn="l" latinLnBrk="0" hangingPunct="1">
+              <a:buFontTx/>
+              <a:buNone/>
+            </a:pPr>
+            <a:r>
+              <a:rPr lang="ko-KR" sz="2000" b="1">
+                <a:solidFill>
+                  <a:srgbClr val="0611F2"/>
+                </a:solidFill>
+                <a:latin typeface="맑은 고딕" charset="0"/>
+                <a:ea typeface="맑은 고딕" charset="0"/>
+              </a:rPr>
+              <a:t>2</a:t>
+            </a:r>
+            <a:r>
+              <a:rPr lang="ko-KR" sz="2000" b="1">
+                <a:solidFill>
+                  <a:srgbClr val="0611F2"/>
+                </a:solidFill>
+                <a:latin typeface="맑은 고딕" charset="0"/>
+                <a:ea typeface="맑은 고딕" charset="0"/>
+              </a:rPr>
+              <a:t>5</a:t>
+            </a:r>
+            <a:r>
+              <a:rPr sz="2000" b="1">
+                <a:solidFill>
+                  <a:srgbClr val="0611F2"/>
+                </a:solidFill>
+                <a:latin typeface="맑은 고딕" charset="0"/>
+                <a:ea typeface="맑은 고딕" charset="0"/>
+              </a:rPr>
+              <a:t>. </a:t>
+            </a:r>
+            <a:r>
+              <a:rPr lang="ko-KR" sz="1800">
+                <a:latin typeface="맑은 고딕" charset="0"/>
+                <a:ea typeface="맑은 고딕" charset="0"/>
+              </a:rPr>
+              <a:t>이제 </a:t>
+            </a:r>
+            <a:r>
+              <a:rPr lang="ko-KR" sz="1800">
+                <a:latin typeface="맑은 고딕" charset="0"/>
+                <a:ea typeface="맑은 고딕" charset="0"/>
+              </a:rPr>
+              <a:t>Generic Create Button</a:t>
+            </a:r>
+            <a:r>
+              <a:rPr lang="ko-KR" sz="1800">
+                <a:latin typeface="맑은 고딕" charset="0"/>
+                <a:ea typeface="맑은 고딕" charset="0"/>
+              </a:rPr>
+              <a:t> 오브젝트에 있는 Image 컴포넌트의 Image Type과 Fill Method 그리고 Fill Origin을 설정합니다.</a:t>
+            </a:r>
+            <a:endParaRPr lang="ko-KR" altLang="en-US" sz="1800">
+              <a:latin typeface="맑은 고딕" charset="0"/>
+              <a:ea typeface="맑은 고딕" charset="0"/>
+            </a:endParaRPr>
+          </a:p>
+        </p:txBody>
+      </p:sp>
+      <p:sp>
+        <p:nvSpPr>
+          <p:cNvPr id="1108" name="Rect 0"/>
+          <p:cNvSpPr txBox="1">
+            <a:spLocks/>
+          </p:cNvSpPr>
+          <p:nvPr/>
+        </p:nvSpPr>
+        <p:spPr>
+          <a:xfrm rot="0">
+            <a:off x="6790055" y="4323080"/>
+            <a:ext cx="4167505" cy="2061845"/>
+          </a:xfrm>
+          <a:prstGeom prst="rect"/>
+          <a:noFill/>
+          <a:ln w="0">
+            <a:noFill/>
+            <a:prstDash/>
+          </a:ln>
+        </p:spPr>
+        <p:txBody>
+          <a:bodyPr wrap="square" lIns="89535" tIns="46355" rIns="89535" bIns="46355" numCol="1" vert="horz" anchor="t">
+            <a:spAutoFit/>
+          </a:bodyPr>
+          <a:lstStyle/>
+          <a:p>
+            <a:pPr marL="0" indent="0" algn="l" latinLnBrk="0" hangingPunct="1">
+              <a:buFontTx/>
+              <a:buNone/>
+            </a:pPr>
+            <a:r>
+              <a:rPr lang="ko-KR" sz="2000" b="1">
+                <a:solidFill>
+                  <a:srgbClr val="0611F2"/>
+                </a:solidFill>
+                <a:latin typeface="맑은 고딕" charset="0"/>
+                <a:ea typeface="맑은 고딕" charset="0"/>
+              </a:rPr>
+              <a:t>26</a:t>
+            </a:r>
+            <a:r>
+              <a:rPr sz="2000" b="1">
+                <a:solidFill>
+                  <a:srgbClr val="0611F2"/>
+                </a:solidFill>
+                <a:latin typeface="맑은 고딕" charset="0"/>
+                <a:ea typeface="맑은 고딕" charset="0"/>
+              </a:rPr>
+              <a:t>. </a:t>
+            </a:r>
+            <a:r>
+              <a:rPr lang="ko-KR" sz="1800">
+                <a:latin typeface="맑은 고딕" charset="0"/>
+                <a:ea typeface="맑은 고딕" charset="0"/>
+              </a:rPr>
+              <a:t>그다음으로 Delay 스크립트에 있는 Update( ) 함수에서 조건에 따라</a:t>
+            </a:r>
+            <a:endParaRPr lang="ko-KR" altLang="en-US" sz="1800">
+              <a:latin typeface="맑은 고딕" charset="0"/>
+              <a:ea typeface="맑은 고딕" charset="0"/>
+            </a:endParaRPr>
+          </a:p>
+          <a:p>
+            <a:pPr marL="0" indent="0" algn="l" latinLnBrk="0" hangingPunct="1">
+              <a:buFontTx/>
+              <a:buNone/>
+            </a:pPr>
+            <a:r>
+              <a:rPr lang="ko-KR" sz="1800">
+                <a:latin typeface="맑은 고딕" charset="0"/>
+                <a:ea typeface="맑은 고딕" charset="0"/>
+              </a:rPr>
+              <a:t>버튼 오브젝트를 비활성화 및 활성화하도록 선언합니다.</a:t>
+            </a:r>
+            <a:endParaRPr lang="ko-KR" altLang="en-US" sz="1800">
+              <a:latin typeface="맑은 고딕" charset="0"/>
+              <a:ea typeface="맑은 고딕" charset="0"/>
+            </a:endParaRPr>
+          </a:p>
+          <a:p>
+            <a:pPr marL="0" indent="0" algn="l" latinLnBrk="0" hangingPunct="1">
+              <a:buFontTx/>
+              <a:buNone/>
+            </a:pPr>
+            <a:endParaRPr lang="ko-KR" altLang="en-US" sz="1800">
+              <a:latin typeface="맑은 고딕" charset="0"/>
+              <a:ea typeface="맑은 고딕" charset="0"/>
+            </a:endParaRPr>
+          </a:p>
+          <a:p>
+            <a:pPr marL="0" indent="0" algn="l" latinLnBrk="0" hangingPunct="1">
+              <a:buFontTx/>
+              <a:buNone/>
+            </a:pPr>
+            <a:r>
+              <a:rPr lang="ko-KR" sz="1800">
+                <a:latin typeface="맑은 고딕" charset="0"/>
+                <a:ea typeface="맑은 고딕" charset="0"/>
+              </a:rPr>
+              <a:t>마지막으로 이미지에 fillAmount 값을 시간에 따라 변화하도록 설정합니다.</a:t>
+            </a:r>
+            <a:endParaRPr lang="ko-KR" altLang="en-US" sz="1800">
+              <a:latin typeface="맑은 고딕" charset="0"/>
+              <a:ea typeface="맑은 고딕" charset="0"/>
+            </a:endParaRPr>
+          </a:p>
+        </p:txBody>
+      </p:sp>
+      <p:pic>
+        <p:nvPicPr>
+          <p:cNvPr id="1110" name="그림 19" descr="C:/Users/Admin1/AppData/Roaming/PolarisOffice/ETemp/16484_18744056/fImage192962919169.png"/>
+          <p:cNvPicPr>
+            <a:picLocks noChangeAspect="1"/>
+          </p:cNvPicPr>
+          <p:nvPr/>
+        </p:nvPicPr>
+        <p:blipFill rotWithShape="1">
+          <a:blip r:embed="rId2" cstate="print">
+            <a:extLst>
+              <a:ext uri="{28A0092B-C50C-407E-A947-70E740481C1C}">
+                <a14:useLocalDpi xmlns:a14="http://schemas.microsoft.com/office/drawing/2010/main" val="0"/>
+              </a:ext>
+            </a:extLst>
+          </a:blip>
+          <a:stretch>
+            <a:fillRect/>
+          </a:stretch>
+        </p:blipFill>
+        <p:spPr>
+          <a:xfrm rot="0">
+            <a:off x="1238250" y="1446530"/>
+            <a:ext cx="4149725" cy="3558540"/>
+          </a:xfrm>
+          <a:prstGeom prst="roundRect"/>
+          <a:solidFill>
+            <a:srgbClr val="EDEDED"/>
+          </a:solidFill>
+        </p:spPr>
+      </p:pic>
+      <p:pic>
+        <p:nvPicPr>
+          <p:cNvPr id="1111" name="그림 22" descr="C:/Users/Admin1/AppData/Roaming/PolarisOffice/ETemp/16484_18744056/fImage397562925724.png"/>
+          <p:cNvPicPr>
+            <a:picLocks noChangeAspect="1"/>
+          </p:cNvPicPr>
+          <p:nvPr/>
+        </p:nvPicPr>
+        <p:blipFill rotWithShape="1">
+          <a:blip r:embed="rId3" cstate="print">
+            <a:extLst>
+              <a:ext uri="{28A0092B-C50C-407E-A947-70E740481C1C}">
+                <a14:useLocalDpi xmlns:a14="http://schemas.microsoft.com/office/drawing/2010/main" val="0"/>
+              </a:ext>
+            </a:extLst>
+          </a:blip>
+          <a:stretch>
+            <a:fillRect/>
+          </a:stretch>
+        </p:blipFill>
+        <p:spPr>
+          <a:xfrm rot="0">
+            <a:off x="6791960" y="1438275"/>
+            <a:ext cx="4173855" cy="2735580"/>
           </a:xfrm>
           <a:prstGeom prst="roundRect"/>
           <a:solidFill>
@@ -9598,8 +10359,8 @@
         </p:nvSpPr>
         <p:spPr>
           <a:xfrm rot="0">
-            <a:off x="1395730" y="5154295"/>
-            <a:ext cx="3959225" cy="954405"/>
+            <a:off x="1230630" y="4314825"/>
+            <a:ext cx="4140200" cy="1784985"/>
           </a:xfrm>
           <a:prstGeom prst="rect"/>
           <a:noFill/>
@@ -9643,51 +10404,49 @@
                 <a:latin typeface="맑은 고딕" charset="0"/>
                 <a:ea typeface="맑은 고딕" charset="0"/>
               </a:rPr>
-              <a:t>이제</a:t>
+              <a:t>이제 </a:t>
             </a:r>
             <a:r>
               <a:rPr lang="ko-KR" sz="1800">
                 <a:latin typeface="맑은 고딕" charset="0"/>
                 <a:ea typeface="맑은 고딕" charset="0"/>
               </a:rPr>
-              <a:t> Generic Create Button의 Text에 Genenric Stone Create로 정의합니다.</a:t>
+              <a:t>Delay 스크립트에서 Action 변수와 Button 변수 그리고 각각의 float 변수와 bool 변수를 선언합니다.</a:t>
             </a:r>
             <a:endParaRPr lang="ko-KR" altLang="en-US" sz="1800">
               <a:latin typeface="맑은 고딕" charset="0"/>
               <a:ea typeface="맑은 고딕" charset="0"/>
             </a:endParaRPr>
           </a:p>
-        </p:txBody>
-      </p:sp>
-      <p:pic>
-        <p:nvPicPr>
-          <p:cNvPr id="1033" name="그림 7"/>
-          <p:cNvPicPr>
-            <a:picLocks noChangeAspect="1"/>
-          </p:cNvPicPr>
-          <p:nvPr/>
-        </p:nvPicPr>
-        <p:blipFill rotWithShape="1">
-          <a:blip r:embed="rId7" cstate="hqprint">
-            <a:extLst>
-              <a:ext uri="{28A0092B-C50C-407E-A947-70E740481C1C}">
-                <a14:useLocalDpi xmlns:a14="http://schemas.microsoft.com/office/drawing/2010/main"/>
-              </a:ext>
-            </a:extLst>
-          </a:blip>
-          <a:stretch>
-            <a:fillRect/>
-          </a:stretch>
-        </p:blipFill>
-        <p:spPr>
-          <a:xfrm rot="0">
-            <a:off x="1397000" y="1373505"/>
-            <a:ext cx="3957320" cy="3669030"/>
-          </a:xfrm>
-          <a:prstGeom prst="rect"/>
-          <a:noFill/>
-        </p:spPr>
-      </p:pic>
+          <a:p>
+            <a:pPr marL="0" indent="0" algn="l" latinLnBrk="0" hangingPunct="1">
+              <a:buFontTx/>
+              <a:buNone/>
+            </a:pPr>
+            <a:endParaRPr lang="ko-KR" altLang="en-US" sz="1800">
+              <a:latin typeface="맑은 고딕" charset="0"/>
+              <a:ea typeface="맑은 고딕" charset="0"/>
+            </a:endParaRPr>
+          </a:p>
+          <a:p>
+            <a:pPr marL="0" indent="0" algn="l" latinLnBrk="0" hangingPunct="1">
+              <a:buFontTx/>
+              <a:buNone/>
+            </a:pPr>
+            <a:r>
+              <a:rPr lang="ko-KR" sz="1800">
+                <a:latin typeface="맑은 고딕" charset="0"/>
+                <a:ea typeface="맑은 고딕" charset="0"/>
+              </a:rPr>
+              <a:t>그러고 나서 Start( ) 함수에서 button 컴포넌트를 가져옵니다.</a:t>
+            </a:r>
+            <a:endParaRPr lang="ko-KR" altLang="en-US" sz="1800">
+              <a:latin typeface="맑은 고딕" charset="0"/>
+              <a:ea typeface="맑은 고딕" charset="0"/>
+            </a:endParaRPr>
+          </a:p>
+        </p:txBody>
+      </p:sp>
       <p:sp>
         <p:nvSpPr>
           <p:cNvPr id="1034" name="텍스트 상자 8"/>
@@ -9779,6 +10538,37 @@
           </a:xfrm>
           <a:prstGeom prst="rect"/>
           <a:noFill/>
+        </p:spPr>
+      </p:pic>
+      <p:pic>
+        <p:nvPicPr>
+          <p:cNvPr id="1036" name="그림 13" descr="C:/Users/Admin1/AppData/Roaming/PolarisOffice/ETemp/16484_18744056/fImage463742776334.png"/>
+          <p:cNvPicPr>
+            <a:picLocks noChangeAspect="1"/>
+          </p:cNvPicPr>
+          <p:nvPr/>
+        </p:nvPicPr>
+        <p:blipFill rotWithShape="1">
+          <a:blip r:embed="rId9" cstate="print">
+            <a:extLst>
+              <a:ext uri="{28A0092B-C50C-407E-A947-70E740481C1C}">
+                <a14:useLocalDpi xmlns:a14="http://schemas.microsoft.com/office/drawing/2010/main" val="0"/>
+              </a:ext>
+            </a:extLst>
+          </a:blip>
+          <a:stretch>
+            <a:fillRect/>
+          </a:stretch>
+        </p:blipFill>
+        <p:spPr>
+          <a:xfrm rot="0">
+            <a:off x="1238885" y="1381125"/>
+            <a:ext cx="4131945" cy="2859405"/>
+          </a:xfrm>
+          <a:prstGeom prst="roundRect"/>
+          <a:solidFill>
+            <a:srgbClr val="EDEDED"/>
+          </a:solidFill>
         </p:spPr>
       </p:pic>
     </p:spTree>
@@ -9995,17 +10785,17 @@
       </p:sp>
       <p:pic>
         <p:nvPicPr>
-          <p:cNvPr id="1062" name="그림 10"/>
+          <p:cNvPr id="1062" name="그림 10" descr="C:/Users/Admin1/AppData/Roaming/PolarisOffice/ETemp/16484_18744056/fImage1877317641.png"/>
           <p:cNvPicPr>
             <a:picLocks noChangeAspect="1"/>
           </p:cNvPicPr>
           <p:nvPr/>
         </p:nvPicPr>
         <p:blipFill rotWithShape="1">
-          <a:blip r:embed="rId8" cstate="print">
+          <a:blip r:embed="rId8" cstate="hqprint">
             <a:extLst>
               <a:ext uri="{28A0092B-C50C-407E-A947-70E740481C1C}">
-                <a14:useLocalDpi xmlns:a14="http://schemas.microsoft.com/office/drawing/2010/main" val="0"/>
+                <a14:useLocalDpi xmlns:a14="http://schemas.microsoft.com/office/drawing/2010/main"/>
               </a:ext>
             </a:extLst>
           </a:blip>
@@ -10015,8 +10805,8 @@
         </p:blipFill>
         <p:spPr>
           <a:xfrm rot="0">
-            <a:off x="1404620" y="1421130"/>
-            <a:ext cx="2572385" cy="3914140"/>
+            <a:off x="1230630" y="1421130"/>
+            <a:ext cx="2747010" cy="3914775"/>
           </a:xfrm>
           <a:prstGeom prst="roundRect"/>
           <a:solidFill>
@@ -10034,8 +10824,8 @@
         </p:nvSpPr>
         <p:spPr>
           <a:xfrm rot="0">
-            <a:off x="1396365" y="5499100"/>
-            <a:ext cx="3985895" cy="677545"/>
+            <a:off x="1222375" y="5499100"/>
+            <a:ext cx="4160520" cy="677545"/>
           </a:xfrm>
           <a:prstGeom prst="rect"/>
           <a:noFill/>
@@ -10062,17 +10852,7 @@
                 <a:latin typeface="맑은 고딕" charset="0"/>
                 <a:ea typeface="맑은 고딕" charset="0"/>
               </a:rPr>
-              <a:t>5</a:t>
-            </a:r>
-            <a:r>
-              <a:rPr sz="2000" b="1">
-                <a:solidFill>
-                  <a:srgbClr val="0611F2"/>
-                </a:solidFill>
-                <a:latin typeface="맑은 고딕" charset="0"/>
-                <a:ea typeface="맑은 고딕" charset="0"/>
-              </a:rPr>
-              <a:t>. </a:t>
+              <a:t>5. </a:t>
             </a:r>
             <a:r>
               <a:rPr lang="ko-KR" sz="1800">
@@ -10121,14 +10901,14 @@
       </p:pic>
       <p:pic>
         <p:nvPicPr>
-          <p:cNvPr id="1065" name="그림 17"/>
+          <p:cNvPr id="1065" name="그림 16" descr="C:/Users/Admin1/AppData/Roaming/PolarisOffice/ETemp/16484_18744056/fImage445402786500.png"/>
           <p:cNvPicPr>
             <a:picLocks noChangeAspect="1"/>
           </p:cNvPicPr>
           <p:nvPr/>
         </p:nvPicPr>
         <p:blipFill rotWithShape="1">
-          <a:blip r:embed="rId10" cstate="print">
+          <a:blip r:embed="rId11" cstate="print">
             <a:extLst>
               <a:ext uri="{28A0092B-C50C-407E-A947-70E740481C1C}">
                 <a14:useLocalDpi xmlns:a14="http://schemas.microsoft.com/office/drawing/2010/main" val="0"/>
@@ -10141,8 +10921,8 @@
         </p:blipFill>
         <p:spPr>
           <a:xfrm rot="0">
-            <a:off x="6810375" y="1421130"/>
-            <a:ext cx="4152265" cy="2524760"/>
+            <a:off x="6816725" y="1421765"/>
+            <a:ext cx="4140835" cy="2577465"/>
           </a:xfrm>
           <a:prstGeom prst="roundRect"/>
           <a:solidFill>
@@ -10513,7 +11293,7 @@
       </p:sp>
       <p:pic>
         <p:nvPicPr>
-          <p:cNvPr id="1044" name="그림 145"/>
+          <p:cNvPr id="1044" name="그림 145" descr="C:/Users/Admin1/AppData/Roaming/PolarisOffice/ETemp/16484_18744056/fImage688723905436.png"/>
           <p:cNvPicPr>
             <a:picLocks noChangeAspect="1"/>
           </p:cNvPicPr>
@@ -10533,8 +11313,8 @@
         </p:blipFill>
         <p:spPr>
           <a:xfrm rot="0">
-            <a:off x="1174115" y="3100070"/>
-            <a:ext cx="4173220" cy="1805305"/>
+            <a:off x="1222375" y="3075305"/>
+            <a:ext cx="4133850" cy="1805940"/>
           </a:xfrm>
           <a:prstGeom prst="rect"/>
           <a:noFill/>
@@ -10650,8 +11430,8 @@
         </p:nvSpPr>
         <p:spPr>
           <a:xfrm rot="0">
-            <a:off x="1395730" y="5086985"/>
-            <a:ext cx="3959225" cy="954405"/>
+            <a:off x="1221740" y="5361305"/>
+            <a:ext cx="4125595" cy="677545"/>
           </a:xfrm>
           <a:prstGeom prst="rect"/>
           <a:noFill/>
@@ -10695,14 +11475,7 @@
                 <a:latin typeface="맑은 고딕" charset="0"/>
                 <a:ea typeface="맑은 고딕" charset="0"/>
               </a:rPr>
-              <a:t>이제</a:t>
-            </a:r>
-            <a:r>
-              <a:rPr lang="ko-KR" sz="1800">
-                <a:latin typeface="맑은 고딕" charset="0"/>
-                <a:ea typeface="맑은 고딕" charset="0"/>
-              </a:rPr>
-              <a:t> On Click 함수의 Event에 Create Object 오브젝트를 넣어줍니다.</a:t>
+              <a:t>이제 On Click 함수의 Event에 Create Object 오브젝트를 넣어줍니다.</a:t>
             </a:r>
             <a:endParaRPr lang="ko-KR" altLang="en-US" sz="1800">
               <a:latin typeface="맑은 고딕" charset="0"/>
@@ -10777,7 +11550,7 @@
       </p:sp>
       <p:pic>
         <p:nvPicPr>
-          <p:cNvPr id="1034" name="그림 22"/>
+          <p:cNvPr id="1034" name="그림 22" descr="C:/Users/Admin1/AppData/Roaming/PolarisOffice/ETemp/16484_18744056/fImage412512959358.png"/>
           <p:cNvPicPr>
             <a:picLocks noChangeAspect="1"/>
           </p:cNvPicPr>
@@ -10798,7 +11571,7 @@
         <p:spPr>
           <a:xfrm rot="0">
             <a:off x="2876550" y="1373505"/>
-            <a:ext cx="2478405" cy="3515995"/>
+            <a:ext cx="2479040" cy="3797935"/>
           </a:xfrm>
           <a:prstGeom prst="rect"/>
           <a:noFill/>
@@ -10835,17 +11608,17 @@
       </p:pic>
       <p:pic>
         <p:nvPicPr>
-          <p:cNvPr id="1038" name="그림 26"/>
+          <p:cNvPr id="1038" name="그림 26" descr="C:/Users/Admin1/AppData/Roaming/PolarisOffice/ETemp/16484_18744056/fImage61361866500.png"/>
           <p:cNvPicPr>
             <a:picLocks noChangeAspect="1"/>
           </p:cNvPicPr>
           <p:nvPr/>
         </p:nvPicPr>
         <p:blipFill rotWithShape="1">
-          <a:blip r:embed="rId10" cstate="print">
+          <a:blip r:embed="rId10" cstate="hqprint">
             <a:extLst>
               <a:ext uri="{28A0092B-C50C-407E-A947-70E740481C1C}">
-                <a14:useLocalDpi xmlns:a14="http://schemas.microsoft.com/office/drawing/2010/main" val="0"/>
+                <a14:useLocalDpi xmlns:a14="http://schemas.microsoft.com/office/drawing/2010/main"/>
               </a:ext>
             </a:extLst>
           </a:blip>
@@ -10855,8 +11628,8 @@
         </p:blipFill>
         <p:spPr>
           <a:xfrm rot="0">
-            <a:off x="1397000" y="1984375"/>
-            <a:ext cx="1318260" cy="1937385"/>
+            <a:off x="1230630" y="1984375"/>
+            <a:ext cx="1485265" cy="2205990"/>
           </a:xfrm>
           <a:prstGeom prst="roundRect"/>
           <a:solidFill>
@@ -10872,8 +11645,8 @@
         </p:nvCxnSpPr>
         <p:spPr>
           <a:xfrm rot="0">
-            <a:off x="2404745" y="3063875"/>
-            <a:ext cx="1250315" cy="1491615"/>
+            <a:off x="2377440" y="3075940"/>
+            <a:ext cx="1264285" cy="1729740"/>
           </a:xfrm>
           <a:prstGeom prst="straightConnector1"/>
           <a:ln w="6350" cap="flat" cmpd="sng">
@@ -11178,7 +11951,7 @@
       </p:pic>
       <p:pic>
         <p:nvPicPr>
-          <p:cNvPr id="1052" name="그림 21"/>
+          <p:cNvPr id="1052" name="그림 21" descr="C:/Users/Admin1/AppData/Roaming/PolarisOffice/ETemp/16484_18744056/fImage1040312976334.png"/>
           <p:cNvPicPr>
             <a:picLocks noChangeAspect="1"/>
           </p:cNvPicPr>
@@ -11199,7 +11972,7 @@
         <p:spPr>
           <a:xfrm rot="0">
             <a:off x="1230630" y="2552700"/>
-            <a:ext cx="4141470" cy="2578100"/>
+            <a:ext cx="4142105" cy="2578735"/>
           </a:xfrm>
           <a:prstGeom prst="roundRect"/>
           <a:solidFill>
@@ -11317,8 +12090,8 @@
         </p:nvSpPr>
         <p:spPr>
           <a:xfrm rot="0">
-            <a:off x="1432560" y="2866390"/>
-            <a:ext cx="3954145" cy="954405"/>
+            <a:off x="1221740" y="2866390"/>
+            <a:ext cx="4165600" cy="954405"/>
           </a:xfrm>
           <a:prstGeom prst="rect"/>
           <a:noFill/>
@@ -11373,17 +12146,17 @@
       </p:sp>
       <p:pic>
         <p:nvPicPr>
-          <p:cNvPr id="1052" name="그림 34"/>
+          <p:cNvPr id="1052" name="그림 34" descr="C:/Users/Admin1/AppData/Roaming/PolarisOffice/ETemp/16484_18744056/fImage120161889169.png"/>
           <p:cNvPicPr>
             <a:picLocks noChangeAspect="1"/>
           </p:cNvPicPr>
           <p:nvPr/>
         </p:nvPicPr>
         <p:blipFill rotWithShape="1">
-          <a:blip r:embed="rId8" cstate="print">
+          <a:blip r:embed="rId8" cstate="hqprint">
             <a:extLst>
               <a:ext uri="{28A0092B-C50C-407E-A947-70E740481C1C}">
-                <a14:useLocalDpi xmlns:a14="http://schemas.microsoft.com/office/drawing/2010/main" val="0"/>
+                <a14:useLocalDpi xmlns:a14="http://schemas.microsoft.com/office/drawing/2010/main"/>
               </a:ext>
             </a:extLst>
           </a:blip>
@@ -11393,8 +12166,8 @@
         </p:blipFill>
         <p:spPr>
           <a:xfrm rot="0">
-            <a:off x="1428750" y="1402715"/>
-            <a:ext cx="3957955" cy="1351915"/>
+            <a:off x="1230630" y="1402715"/>
+            <a:ext cx="4156710" cy="1352550"/>
           </a:xfrm>
           <a:prstGeom prst="roundRect"/>
           <a:solidFill>
@@ -11404,17 +12177,17 @@
       </p:pic>
       <p:pic>
         <p:nvPicPr>
-          <p:cNvPr id="1053" name="그림 37"/>
+          <p:cNvPr id="1053" name="그림 37" descr="C:/Users/Admin1/AppData/Roaming/PolarisOffice/ETemp/16484_18744056/fImage122321895724.png"/>
           <p:cNvPicPr>
             <a:picLocks noChangeAspect="1"/>
           </p:cNvPicPr>
           <p:nvPr/>
         </p:nvPicPr>
         <p:blipFill rotWithShape="1">
-          <a:blip r:embed="rId9" cstate="print">
+          <a:blip r:embed="rId9" cstate="hqprint">
             <a:extLst>
               <a:ext uri="{28A0092B-C50C-407E-A947-70E740481C1C}">
-                <a14:useLocalDpi xmlns:a14="http://schemas.microsoft.com/office/drawing/2010/main" val="0"/>
+                <a14:useLocalDpi xmlns:a14="http://schemas.microsoft.com/office/drawing/2010/main"/>
               </a:ext>
             </a:extLst>
           </a:blip>
@@ -11424,8 +12197,8 @@
         </p:blipFill>
         <p:spPr>
           <a:xfrm rot="0">
-            <a:off x="1433195" y="3938905"/>
-            <a:ext cx="3945255" cy="1273810"/>
+            <a:off x="1221740" y="3938905"/>
+            <a:ext cx="4157345" cy="1531620"/>
           </a:xfrm>
           <a:prstGeom prst="roundRect"/>
           <a:solidFill>
@@ -11443,8 +12216,8 @@
         </p:nvSpPr>
         <p:spPr>
           <a:xfrm rot="0">
-            <a:off x="1426210" y="5293995"/>
-            <a:ext cx="3954145" cy="954405"/>
+            <a:off x="1222375" y="5568315"/>
+            <a:ext cx="4158615" cy="677545"/>
           </a:xfrm>
           <a:prstGeom prst="rect"/>
           <a:noFill/>
@@ -11917,8 +12690,8 @@
         </p:nvSpPr>
         <p:spPr>
           <a:xfrm rot="0">
-            <a:off x="1424305" y="5233035"/>
-            <a:ext cx="3946525" cy="955040"/>
+            <a:off x="1230630" y="5233035"/>
+            <a:ext cx="4140835" cy="954405"/>
           </a:xfrm>
           <a:prstGeom prst="rect"/>
           <a:noFill/>
@@ -11973,7 +12746,7 @@
       </p:sp>
       <p:pic>
         <p:nvPicPr>
-          <p:cNvPr id="1034" name="그림 58" descr="C:/Users/Admin1/AppData/Roaming/PolarisOffice/ETemp/15256_19321368/fImage115662033281.png"/>
+          <p:cNvPr id="1034" name="그림 58" descr="C:/Users/Admin1/AppData/Roaming/PolarisOffice/ETemp/16484_18744056/fImage115662033281.png"/>
           <p:cNvPicPr>
             <a:picLocks noChangeAspect="1"/>
           </p:cNvPicPr>
@@ -11993,8 +12766,8 @@
         </p:blipFill>
         <p:spPr>
           <a:xfrm rot="0">
-            <a:off x="3187065" y="1402715"/>
-            <a:ext cx="2183130" cy="3677285"/>
+            <a:off x="3009265" y="1402715"/>
+            <a:ext cx="2361565" cy="3677920"/>
           </a:xfrm>
           <a:prstGeom prst="roundRect"/>
           <a:solidFill>
@@ -12004,7 +12777,7 @@
       </p:pic>
       <p:pic>
         <p:nvPicPr>
-          <p:cNvPr id="1035" name="그림 61" descr="C:/Users/Admin1/AppData/Roaming/PolarisOffice/ETemp/15256_19321368/fImage71352046827.png"/>
+          <p:cNvPr id="1035" name="그림 61" descr="C:/Users/Admin1/AppData/Roaming/PolarisOffice/ETemp/16484_18744056/fImage71352046827.png"/>
           <p:cNvPicPr>
             <a:picLocks noChangeAspect="1"/>
           </p:cNvPicPr>
@@ -12024,8 +12797,8 @@
         </p:blipFill>
         <p:spPr>
           <a:xfrm rot="0">
-            <a:off x="1428750" y="2111375"/>
-            <a:ext cx="1603375" cy="2263140"/>
+            <a:off x="1230630" y="2111375"/>
+            <a:ext cx="1630045" cy="2263775"/>
           </a:xfrm>
           <a:prstGeom prst="roundRect"/>
           <a:solidFill>
@@ -12154,7 +12927,7 @@
       </p:sp>
       <p:pic>
         <p:nvPicPr>
-          <p:cNvPr id="1037" name="그림 6" descr="C:/Users/Admin1/AppData/Roaming/PolarisOffice/ETemp/15256_19321368/fImage3302515541.png"/>
+          <p:cNvPr id="1037" name="그림 6"/>
           <p:cNvPicPr>
             <a:picLocks noChangeAspect="1"/>
           </p:cNvPicPr>
@@ -12185,7 +12958,7 @@
       </p:pic>
       <p:pic>
         <p:nvPicPr>
-          <p:cNvPr id="1038" name="그림 7" descr="C:/Users/Admin1/AppData/Roaming/PolarisOffice/ETemp/15256_19321368/fImage77711568467.png"/>
+          <p:cNvPr id="1038" name="그림 7"/>
           <p:cNvPicPr>
             <a:picLocks noChangeAspect="1"/>
           </p:cNvPicPr>
@@ -12324,8 +13097,8 @@
         </p:nvSpPr>
         <p:spPr>
           <a:xfrm rot="0">
-            <a:off x="1363345" y="5032375"/>
-            <a:ext cx="4007485" cy="1200785"/>
+            <a:off x="1255395" y="5032375"/>
+            <a:ext cx="4116070" cy="1200785"/>
           </a:xfrm>
           <a:prstGeom prst="rect"/>
           <a:noFill/>
@@ -12335,7 +13108,7 @@
           </a:ln>
         </p:spPr>
         <p:txBody>
-          <a:bodyPr wrap="square" lIns="89535" tIns="46355" rIns="89535" bIns="46355" vert="horz" anchor="t">
+          <a:bodyPr wrap="square" lIns="89535" tIns="46355" rIns="89535" bIns="46355" numCol="1" vert="horz" anchor="t">
             <a:spAutoFit/>
           </a:bodyPr>
           <a:lstStyle/>
@@ -12379,14 +13152,7 @@
                 <a:latin typeface="맑은 고딕" charset="0"/>
                 <a:ea typeface="맑은 고딕" charset="0"/>
               </a:rPr>
-              <a:t> </a:t>
-            </a:r>
-            <a:r>
-              <a:rPr sz="1800">
-                <a:latin typeface="맑은 고딕" charset="0"/>
-                <a:ea typeface="맑은 고딕" charset="0"/>
-              </a:rPr>
-              <a:t>이제</a:t>
+              <a:t> 이제</a:t>
             </a:r>
             <a:r>
               <a:rPr lang="ko-KR" sz="1800">
@@ -12425,7 +13191,7 @@
       </p:sp>
       <p:pic>
         <p:nvPicPr>
-          <p:cNvPr id="1033" name="그림 4" descr="C:/Users/Admin1/AppData/Roaming/PolarisOffice/ETemp/15256_19321368/fImage70121536334.png"/>
+          <p:cNvPr id="1033" name="그림 4"/>
           <p:cNvPicPr>
             <a:picLocks noChangeAspect="1"/>
           </p:cNvPicPr>
@@ -12456,17 +13222,17 @@
       </p:pic>
       <p:pic>
         <p:nvPicPr>
-          <p:cNvPr id="1034" name="그림 10" descr="C:/Users/Admin1/AppData/Roaming/PolarisOffice/ETemp/15256_19321368/fImage77711576500.png"/>
+          <p:cNvPr id="1034" name="그림 10" descr="C:/Users/Admin1/AppData/Roaming/PolarisOffice/ETemp/16484_18744056/fImage77711576500.png"/>
           <p:cNvPicPr>
             <a:picLocks noChangeAspect="1"/>
           </p:cNvPicPr>
           <p:nvPr/>
         </p:nvPicPr>
         <p:blipFill rotWithShape="1">
-          <a:blip r:embed="rId7" cstate="print">
+          <a:blip r:embed="rId7" cstate="hqprint">
             <a:extLst>
               <a:ext uri="{28A0092B-C50C-407E-A947-70E740481C1C}">
-                <a14:useLocalDpi xmlns:a14="http://schemas.microsoft.com/office/drawing/2010/main" val="0"/>
+                <a14:useLocalDpi xmlns:a14="http://schemas.microsoft.com/office/drawing/2010/main"/>
               </a:ext>
             </a:extLst>
           </a:blip>
@@ -12476,8 +13242,8 @@
         </p:blipFill>
         <p:spPr>
           <a:xfrm rot="0">
-            <a:off x="1363345" y="1430020"/>
-            <a:ext cx="2162175" cy="3367405"/>
+            <a:off x="1247140" y="1430020"/>
+            <a:ext cx="2279015" cy="3368040"/>
           </a:xfrm>
           <a:prstGeom prst="roundRect"/>
           <a:solidFill>
@@ -12487,7 +13253,7 @@
       </p:pic>
       <p:pic>
         <p:nvPicPr>
-          <p:cNvPr id="1035" name="그림 11" descr="C:/Users/Admin1/AppData/Roaming/PolarisOffice/ETemp/15256_19321368/fImage190431589169.png"/>
+          <p:cNvPr id="1035" name="그림 11"/>
           <p:cNvPicPr>
             <a:picLocks noChangeAspect="1"/>
           </p:cNvPicPr>
@@ -12518,7 +13284,7 @@
       </p:pic>
       <p:pic>
         <p:nvPicPr>
-          <p:cNvPr id="1036" name="그림 14" descr="C:/Users/Admin1/AppData/Roaming/PolarisOffice/ETemp/15256_19321368/fImage77711595724.png"/>
+          <p:cNvPr id="1036" name="그림 14"/>
           <p:cNvPicPr>
             <a:picLocks noChangeAspect="1"/>
           </p:cNvPicPr>

--- a/Assets/Class/Instantiate & Destroy/PPT Data/Instatiate and Destroy Example.pptx
+++ b/Assets/Class/Instantiate & Destroy/PPT Data/Instatiate and Destroy Example.pptx
@@ -2,7 +2,7 @@
 <file path=ppt/presentation.xml><?xml version="1.0" encoding="utf-8"?>
 <p:presentation xmlns:a="http://schemas.openxmlformats.org/drawingml/2006/main" xmlns:r="http://schemas.openxmlformats.org/officeDocument/2006/relationships" xmlns:p="http://schemas.openxmlformats.org/presentationml/2006/main" xmlns:p14="http://schemas.microsoft.com/office/powerpoint/2010/main" saveSubsetFonts="1" firstSlideNum="0">
   <p:sldMasterIdLst>
-    <p:sldMasterId id="2147485804" r:id="rId12"/>
+    <p:sldMasterId id="2147485811" r:id="rId12"/>
   </p:sldMasterIdLst>
   <p:notesMasterIdLst>
     <p:notesMasterId r:id="rId14"/>
@@ -22,6 +22,7 @@
     <p:sldId id="287" r:id="rId27"/>
     <p:sldId id="302" r:id="rId28"/>
     <p:sldId id="303" r:id="rId29"/>
+    <p:sldId id="304" r:id="rId30"/>
   </p:sldIdLst>
   <p:sldSz cx="12192000" cy="6858000"/>
   <p:notesSz cx="6858000" cy="9144000"/>
@@ -1332,6 +1333,148 @@
 </p:notes>
 </file>
 
+<file path=ppt/notesSlides/notesSlide15.xml><?xml version="1.0" encoding="utf-8"?>
+<p:notes xmlns:a="http://schemas.openxmlformats.org/drawingml/2006/main" xmlns:r="http://schemas.openxmlformats.org/officeDocument/2006/relationships" xmlns:p="http://schemas.openxmlformats.org/presentationml/2006/main">
+  <p:cSld>
+    <p:spTree>
+      <p:nvGrpSpPr>
+        <p:cNvPr id="1" name=""/>
+        <p:cNvGrpSpPr/>
+        <p:nvPr/>
+      </p:nvGrpSpPr>
+      <p:grpSpPr>
+        <a:xfrm>
+          <a:off x="0" y="0"/>
+          <a:ext cx="0" cy="0"/>
+          <a:chOff x="0" y="0"/>
+          <a:chExt cx="0" cy="0"/>
+        </a:xfrm>
+      </p:grpSpPr>
+      <p:sp>
+        <p:nvSpPr>
+          <p:cNvPr id="2" name="슬라이드 이미지 개체 틀 3"/>
+          <p:cNvSpPr>
+            <a:spLocks noChangeAspect="1"/>
+          </p:cNvSpPr>
+          <p:nvPr>
+            <p:ph type="sldImg" idx="2"/>
+          </p:nvPr>
+        </p:nvSpPr>
+        <p:spPr>
+          <a:xfrm rot="0">
+            <a:off x="685800" y="1143000"/>
+            <a:ext cx="5489575" cy="3089275"/>
+          </a:xfrm>
+          <a:prstGeom prst="rect"/>
+          <a:noFill/>
+          <a:ln w="12700" cap="flat" cmpd="sng">
+            <a:solidFill>
+              <a:srgbClr val="000000">
+                <a:alpha val="100000"/>
+              </a:srgbClr>
+            </a:solidFill>
+            <a:prstDash val="solid"/>
+          </a:ln>
+        </p:spPr>
+        <p:txBody>
+          <a:bodyPr wrap="square" lIns="91440" tIns="45720" rIns="91440" bIns="45720" numCol="1" vert="horz" anchor="ctr">
+            <a:noAutofit/>
+          </a:bodyPr>
+          <a:lstStyle/>
+          <a:p>
+            <a:pPr marL="0" indent="0" latinLnBrk="0">
+              <a:buFontTx/>
+              <a:buNone/>
+            </a:pPr>
+          </a:p>
+        </p:txBody>
+      </p:sp>
+      <p:sp>
+        <p:nvSpPr>
+          <p:cNvPr id="3" name="슬라이드 노트 개체 틀 4"/>
+          <p:cNvSpPr txBox="1">
+            <a:spLocks/>
+          </p:cNvSpPr>
+          <p:nvPr>
+            <p:ph type="body" idx="3"/>
+          </p:nvPr>
+        </p:nvSpPr>
+        <p:spPr>
+          <a:xfrm rot="0">
+            <a:off x="685800" y="4400550"/>
+            <a:ext cx="5489575" cy="3603625"/>
+          </a:xfrm>
+          <a:prstGeom prst="rect"/>
+        </p:spPr>
+        <p:txBody>
+          <a:bodyPr wrap="square" lIns="91440" tIns="45720" rIns="91440" bIns="45720" numCol="1" vert="horz" anchor="t">
+            <a:noAutofit/>
+          </a:bodyPr>
+          <a:lstStyle/>
+          <a:p>
+            <a:pPr marL="0" indent="0" latinLnBrk="0">
+              <a:buFontTx/>
+              <a:buNone/>
+            </a:pPr>
+          </a:p>
+        </p:txBody>
+      </p:sp>
+      <p:sp>
+        <p:nvSpPr>
+          <p:cNvPr id="4" name="슬라이드 번호 개체 틀 6"/>
+          <p:cNvSpPr txBox="1">
+            <a:spLocks/>
+          </p:cNvSpPr>
+          <p:nvPr>
+            <p:ph type="sldNum" idx="5"/>
+          </p:nvPr>
+        </p:nvSpPr>
+        <p:spPr>
+          <a:xfrm rot="0">
+            <a:off x="3884930" y="8685530"/>
+            <a:ext cx="2974975" cy="461645"/>
+          </a:xfrm>
+          <a:prstGeom prst="rect"/>
+        </p:spPr>
+        <p:txBody>
+          <a:bodyPr wrap="square" lIns="91440" tIns="45720" rIns="91440" bIns="45720" numCol="1" vert="horz" anchor="b">
+            <a:noAutofit/>
+          </a:bodyPr>
+          <a:lstStyle>
+            <a:lvl1pPr marL="0" indent="0" algn="r" latinLnBrk="0">
+              <a:buFontTx/>
+              <a:buNone/>
+              <a:defRPr lang="en-GB" altLang="en-US" sz="1200"/>
+            </a:lvl1pPr>
+          </a:lstStyle>
+          <a:p>
+            <a:pPr marL="0" indent="0" latinLnBrk="0">
+              <a:buFontTx/>
+              <a:buNone/>
+            </a:pPr>
+            <a:fld id="{B9320F77-B9A0-41C5-862A-B4B631284C64}" type="slidenum">
+              <a:rPr lang="ko-KR" altLang="en-US"/>
+              <a:t>‹#›</a:t>
+            </a:fld>
+          </a:p>
+        </p:txBody>
+      </p:sp>
+    </p:spTree>
+  </p:cSld>
+  <p:clrMapOvr>
+    <a:masterClrMapping/>
+  </p:clrMapOvr>
+  <mc:AlternateContent xmlns:mc="http://schemas.openxmlformats.org/markup-compatibility/2006">
+    <mc:Choice xmlns:p14="http://schemas.microsoft.com/office/powerpoint/2010/main" Requires="p14">
+      <p:transition spd="slow" p14:dur="0"/>
+    </mc:Choice>
+    <mc:Fallback>
+      <p:transition spd="slow"/>
+    </mc:Fallback>
+  </mc:AlternateContent>
+</p:notes>
+</file>
+
 <file path=ppt/notesSlides/notesSlide2.xml><?xml version="1.0" encoding="utf-8"?>
 <p:notes xmlns:a="http://schemas.openxmlformats.org/drawingml/2006/main" xmlns:r="http://schemas.openxmlformats.org/officeDocument/2006/relationships" xmlns:p="http://schemas.openxmlformats.org/presentationml/2006/main">
   <p:cSld>
@@ -7462,7 +7605,7 @@
       </p:sp>
       <p:pic>
         <p:nvPicPr>
-          <p:cNvPr id="1042" name="그림 58" descr="C:/Users/Admin1/AppData/Roaming/PolarisOffice/ETemp/16484_18744056/fImage850627641.png"/>
+          <p:cNvPr id="1042" name="그림 58"/>
           <p:cNvPicPr>
             <a:picLocks noChangeAspect="1"/>
           </p:cNvPicPr>
@@ -7679,7 +7822,7 @@
       </p:sp>
       <p:pic>
         <p:nvPicPr>
-          <p:cNvPr id="1045" name="그림 65" descr="C:/Users/Admin1/AppData/Roaming/PolarisOffice/ETemp/16484_18744056/fImage28282796334.png"/>
+          <p:cNvPr id="1045" name="그림 65"/>
           <p:cNvPicPr>
             <a:picLocks noChangeAspect="1"/>
           </p:cNvPicPr>
@@ -7745,7 +7888,7 @@
       </p:cxnSp>
       <p:pic>
         <p:nvPicPr>
-          <p:cNvPr id="1049" name="그림 1" descr="C:/Users/Admin1/AppData/Roaming/PolarisOffice/ETemp/16484_18744056/fImage453129141.png"/>
+          <p:cNvPr id="1049" name="그림 1"/>
           <p:cNvPicPr>
             <a:picLocks noChangeAspect="1"/>
           </p:cNvPicPr>
@@ -7895,7 +8038,7 @@
       </p:sp>
       <p:pic>
         <p:nvPicPr>
-          <p:cNvPr id="1051" name="그림 2" descr="C:/Users/Admin1/AppData/Roaming/PolarisOffice/ETemp/16484_18744056/fImage191383915447.png"/>
+          <p:cNvPr id="1051" name="그림 2"/>
           <p:cNvPicPr>
             <a:picLocks noChangeAspect="1"/>
           </p:cNvPicPr>
@@ -7926,7 +8069,7 @@
       </p:pic>
       <p:pic>
         <p:nvPicPr>
-          <p:cNvPr id="1052" name="그림 1" descr="C:/Users/Admin1/AppData/Roaming/PolarisOffice/ETemp/16484_18744056/fImage729619141.png"/>
+          <p:cNvPr id="1052" name="그림 1"/>
           <p:cNvPicPr>
             <a:picLocks noChangeAspect="1"/>
           </p:cNvPicPr>
@@ -7957,7 +8100,7 @@
       </p:pic>
       <p:pic>
         <p:nvPicPr>
-          <p:cNvPr id="1053" name="그림 4" descr="C:/Users/Admin1/AppData/Roaming/PolarisOffice/ETemp/16484_18744056/fImage19561928467.png"/>
+          <p:cNvPr id="1053" name="그림 4"/>
           <p:cNvPicPr>
             <a:picLocks noChangeAspect="1"/>
           </p:cNvPicPr>
@@ -9657,7 +9800,7 @@
       </p:sp>
       <p:pic>
         <p:nvPicPr>
-          <p:cNvPr id="1104" name="그림 58" descr="C:/Users/Admin1/AppData/Roaming/PolarisOffice/ETemp/16484_18744056/fImage12239279491.png"/>
+          <p:cNvPr id="1104" name="그림 58"/>
           <p:cNvPicPr>
             <a:picLocks noChangeAspect="1"/>
           </p:cNvPicPr>
@@ -9854,7 +9997,7 @@
       </p:sp>
       <p:pic>
         <p:nvPicPr>
-          <p:cNvPr id="1109" name="그림 9" descr="C:/Users/Admin1/AppData/Roaming/PolarisOffice/ETemp/16484_18744056/fImage396362805724.png"/>
+          <p:cNvPr id="1109" name="그림 9"/>
           <p:cNvPicPr>
             <a:picLocks noChangeAspect="1"/>
           </p:cNvPicPr>
@@ -9905,7 +10048,7 @@
 </file>
 
 <file path=ppt/slides/slide14.xml><?xml version="1.0" encoding="utf-8"?>
-<p:sld xmlns:a="http://schemas.openxmlformats.org/drawingml/2006/main" xmlns:r="http://schemas.openxmlformats.org/officeDocument/2006/relationships" xmlns:p="http://schemas.openxmlformats.org/presentationml/2006/main">
+<p:sld xmlns:a="http://schemas.openxmlformats.org/drawingml/2006/main" xmlns:r="http://schemas.openxmlformats.org/officeDocument/2006/relationships" xmlns:p="http://schemas.openxmlformats.org/presentationml/2006/main" xmlns:p14="http://schemas.microsoft.com/office/powerpoint/2010/main">
   <p:cSld>
     <p:spTree>
       <p:nvGrpSpPr>
@@ -10189,7 +10332,7 @@
       </p:sp>
       <p:pic>
         <p:nvPicPr>
-          <p:cNvPr id="1110" name="그림 19" descr="C:/Users/Admin1/AppData/Roaming/PolarisOffice/ETemp/16484_18744056/fImage192962919169.png"/>
+          <p:cNvPr id="1110" name="그림 19"/>
           <p:cNvPicPr>
             <a:picLocks noChangeAspect="1"/>
           </p:cNvPicPr>
@@ -10220,7 +10363,7 @@
       </p:pic>
       <p:pic>
         <p:nvPicPr>
-          <p:cNvPr id="1111" name="그림 22" descr="C:/Users/Admin1/AppData/Roaming/PolarisOffice/ETemp/16484_18744056/fImage397562925724.png"/>
+          <p:cNvPr id="1111" name="그림 22"/>
           <p:cNvPicPr>
             <a:picLocks noChangeAspect="1"/>
           </p:cNvPicPr>
@@ -10242,6 +10385,307 @@
           <a:xfrm rot="0">
             <a:off x="6791960" y="1438275"/>
             <a:ext cx="4173855" cy="2735580"/>
+          </a:xfrm>
+          <a:prstGeom prst="roundRect"/>
+          <a:solidFill>
+            <a:srgbClr val="EDEDED"/>
+          </a:solidFill>
+        </p:spPr>
+      </p:pic>
+    </p:spTree>
+  </p:cSld>
+  <p:clrMapOvr>
+    <a:masterClrMapping/>
+  </p:clrMapOvr>
+  <mc:AlternateContent xmlns:mc="http://schemas.openxmlformats.org/markup-compatibility/2006">
+    <mc:Choice xmlns:p14="http://schemas.microsoft.com/office/powerpoint/2010/main" Requires="p14">
+      <p:transition spd="slow" p14:dur="2000"/>
+    </mc:Choice>
+    <mc:Fallback>
+      <p:transition spd="slow"/>
+    </mc:Fallback>
+  </mc:AlternateContent>
+  <p:timing>
+    <p:tnLst>
+      <p:par>
+        <p:cTn id="1" dur="indefinite" restart="never" nodeType="tmRoot"/>
+      </p:par>
+    </p:tnLst>
+  </p:timing>
+</p:sld>
+</file>
+
+<file path=ppt/slides/slide15.xml><?xml version="1.0" encoding="utf-8"?>
+<p:sld xmlns:a="http://schemas.openxmlformats.org/drawingml/2006/main" xmlns:r="http://schemas.openxmlformats.org/officeDocument/2006/relationships" xmlns:p="http://schemas.openxmlformats.org/presentationml/2006/main">
+  <p:cSld>
+    <p:spTree>
+      <p:nvGrpSpPr>
+        <p:cNvPr id="1" name=""/>
+        <p:cNvGrpSpPr/>
+        <p:nvPr/>
+      </p:nvGrpSpPr>
+      <p:grpSpPr>
+        <a:xfrm>
+          <a:off x="0" y="0"/>
+          <a:ext cx="0" cy="0"/>
+          <a:chOff x="0" y="0"/>
+          <a:chExt cx="0" cy="0"/>
+        </a:xfrm>
+      </p:grpSpPr>
+      <p:sp>
+        <p:nvSpPr>
+          <p:cNvPr id="1031" name="Rect 0"/>
+          <p:cNvSpPr txBox="1">
+            <a:spLocks/>
+          </p:cNvSpPr>
+          <p:nvPr/>
+        </p:nvSpPr>
+        <p:spPr>
+          <a:xfrm rot="0">
+            <a:off x="4595495" y="551180"/>
+            <a:ext cx="3002915" cy="554990"/>
+          </a:xfrm>
+          <a:prstGeom prst="rect"/>
+          <a:noFill/>
+          <a:ln w="0">
+            <a:noFill/>
+            <a:prstDash/>
+          </a:ln>
+        </p:spPr>
+        <p:txBody>
+          <a:bodyPr wrap="square" lIns="89535" tIns="46355" rIns="89535" bIns="46355" numCol="1" vert="horz" anchor="t">
+            <a:spAutoFit/>
+          </a:bodyPr>
+          <a:lstStyle/>
+          <a:p>
+            <a:pPr marL="0" indent="0" algn="l" latinLnBrk="0">
+              <a:buFontTx/>
+              <a:buNone/>
+            </a:pPr>
+            <a:r>
+              <a:rPr lang="ko-KR" altLang="en-US" sz="3000" b="1">
+                <a:solidFill>
+                  <a:schemeClr val="tx1"/>
+                </a:solidFill>
+                <a:latin typeface="맑은 고딕" charset="0"/>
+                <a:ea typeface="맑은 고딕" charset="0"/>
+              </a:rPr>
+              <a:t>Managed Heap</a:t>
+            </a:r>
+            <a:endParaRPr lang="ko-KR" altLang="en-US" sz="3000" b="1">
+              <a:solidFill>
+                <a:schemeClr val="tx1"/>
+              </a:solidFill>
+              <a:latin typeface="맑은 고딕" charset="0"/>
+              <a:ea typeface="맑은 고딕" charset="0"/>
+            </a:endParaRPr>
+          </a:p>
+        </p:txBody>
+      </p:sp>
+      <p:sp>
+        <p:nvSpPr>
+          <p:cNvPr id="1101" name="Rect 0"/>
+          <p:cNvSpPr txBox="1">
+            <a:spLocks/>
+          </p:cNvSpPr>
+          <p:nvPr/>
+        </p:nvSpPr>
+        <p:spPr>
+          <a:xfrm rot="0">
+            <a:off x="1047750" y="1619885"/>
+            <a:ext cx="4308475" cy="923925"/>
+          </a:xfrm>
+          <a:prstGeom prst="rect"/>
+          <a:noFill/>
+          <a:ln w="0">
+            <a:noFill/>
+            <a:prstDash/>
+          </a:ln>
+        </p:spPr>
+        <p:txBody>
+          <a:bodyPr wrap="square" lIns="89535" tIns="46355" rIns="89535" bIns="46355" numCol="1" vert="horz" anchor="t">
+            <a:spAutoFit/>
+          </a:bodyPr>
+          <a:lstStyle/>
+          <a:p>
+            <a:pPr marL="0" indent="0" algn="l" latinLnBrk="0" hangingPunct="1">
+              <a:buFontTx/>
+              <a:buNone/>
+            </a:pPr>
+            <a:r>
+              <a:rPr lang="ko-KR" sz="1800">
+                <a:latin typeface="맑은 고딕" charset="0"/>
+                <a:ea typeface="맑은 고딕" charset="0"/>
+              </a:rPr>
+              <a:t>관리되는 힙이란?</a:t>
+            </a:r>
+            <a:endParaRPr lang="ko-KR" altLang="en-US" sz="1800">
+              <a:latin typeface="맑은 고딕" charset="0"/>
+              <a:ea typeface="맑은 고딕" charset="0"/>
+            </a:endParaRPr>
+          </a:p>
+          <a:p>
+            <a:pPr marL="0" indent="0" algn="l" latinLnBrk="0" hangingPunct="1">
+              <a:buFontTx/>
+              <a:buNone/>
+            </a:pPr>
+            <a:r>
+              <a:rPr lang="ko-KR" sz="1800">
+                <a:latin typeface="맑은 고딕" charset="0"/>
+                <a:ea typeface="맑은 고딕" charset="0"/>
+              </a:rPr>
+              <a:t>메모리 관리자에 의해 자동으로 관리되는 메모리 영역입니다.</a:t>
+            </a:r>
+            <a:endParaRPr lang="ko-KR" altLang="en-US" sz="1800">
+              <a:latin typeface="맑은 고딕" charset="0"/>
+              <a:ea typeface="맑은 고딕" charset="0"/>
+            </a:endParaRPr>
+          </a:p>
+        </p:txBody>
+      </p:sp>
+      <p:sp>
+        <p:nvSpPr>
+          <p:cNvPr id="1109" name="Rect 0"/>
+          <p:cNvSpPr txBox="1">
+            <a:spLocks/>
+          </p:cNvSpPr>
+          <p:nvPr/>
+        </p:nvSpPr>
+        <p:spPr>
+          <a:xfrm rot="0">
+            <a:off x="6809105" y="5132705"/>
+            <a:ext cx="4146550" cy="923925"/>
+          </a:xfrm>
+          <a:prstGeom prst="rect"/>
+          <a:noFill/>
+          <a:ln w="0">
+            <a:noFill/>
+            <a:prstDash/>
+          </a:ln>
+        </p:spPr>
+        <p:txBody>
+          <a:bodyPr wrap="square" lIns="89535" tIns="46355" rIns="89535" bIns="46355" numCol="1" vert="horz" anchor="t">
+            <a:spAutoFit/>
+          </a:bodyPr>
+          <a:lstStyle/>
+          <a:p>
+            <a:pPr marL="0" indent="0" algn="l" latinLnBrk="0" hangingPunct="1">
+              <a:buFontTx/>
+              <a:buNone/>
+            </a:pPr>
+            <a:r>
+              <a:rPr lang="ko-KR" sz="1800">
+                <a:latin typeface="맑은 고딕" charset="0"/>
+                <a:ea typeface="맑은 고딕" charset="0"/>
+              </a:rPr>
+              <a:t>관리되는 힙의 경우 더 이상 할당할 메모리 공간이 없다면 메모리 공간의 크기를 2배로 확장합니다.</a:t>
+            </a:r>
+            <a:endParaRPr lang="ko-KR" altLang="en-US" sz="1800">
+              <a:latin typeface="맑은 고딕" charset="0"/>
+              <a:ea typeface="맑은 고딕" charset="0"/>
+            </a:endParaRPr>
+          </a:p>
+        </p:txBody>
+      </p:sp>
+      <p:sp>
+        <p:nvSpPr>
+          <p:cNvPr id="1112" name="텍스트 상자 4"/>
+          <p:cNvSpPr txBox="1">
+            <a:spLocks/>
+          </p:cNvSpPr>
+          <p:nvPr/>
+        </p:nvSpPr>
+        <p:spPr>
+          <a:xfrm rot="0">
+            <a:off x="1047750" y="4859020"/>
+            <a:ext cx="4308475" cy="1200785"/>
+          </a:xfrm>
+          <a:prstGeom prst="rect"/>
+          <a:noFill/>
+          <a:ln w="0">
+            <a:noFill/>
+            <a:prstDash/>
+          </a:ln>
+        </p:spPr>
+        <p:txBody>
+          <a:bodyPr wrap="square" lIns="89535" tIns="46355" rIns="89535" bIns="46355" numCol="1" vert="horz" anchor="t">
+            <a:spAutoFit/>
+          </a:bodyPr>
+          <a:lstStyle/>
+          <a:p>
+            <a:pPr marL="0" indent="0" algn="l" latinLnBrk="0" hangingPunct="1">
+              <a:buFontTx/>
+              <a:buNone/>
+            </a:pPr>
+            <a:r>
+              <a:rPr lang="ko-KR" sz="1800">
+                <a:latin typeface="맑은 고딕" charset="0"/>
+                <a:ea typeface="맑은 고딕" charset="0"/>
+              </a:rPr>
+              <a:t>Unity의 가비지 컬렉터는 Boehm GC 알고리즘을 사용하므로, 세대 기반 가비지 컬렉터 방식을 지원하지 않습니다.</a:t>
+            </a:r>
+            <a:endParaRPr lang="ko-KR" altLang="en-US" sz="1800">
+              <a:latin typeface="맑은 고딕" charset="0"/>
+              <a:ea typeface="맑은 고딕" charset="0"/>
+            </a:endParaRPr>
+          </a:p>
+        </p:txBody>
+      </p:sp>
+      <p:pic>
+        <p:nvPicPr>
+          <p:cNvPr id="1113" name="그림 5" descr="C:/Users/Admin1/AppData/Roaming/PolarisOffice/ETemp/9904_9743256/fImage3562528841.jpeg"/>
+          <p:cNvPicPr>
+            <a:picLocks noChangeAspect="1"/>
+          </p:cNvPicPr>
+          <p:nvPr/>
+        </p:nvPicPr>
+        <p:blipFill rotWithShape="1">
+          <a:blip r:embed="rId2" cstate="print">
+            <a:extLst>
+              <a:ext uri="{28A0092B-C50C-407E-A947-70E740481C1C}">
+                <a14:useLocalDpi xmlns:a14="http://schemas.microsoft.com/office/drawing/2010/main" val="0"/>
+              </a:ext>
+            </a:extLst>
+          </a:blip>
+          <a:stretch>
+            <a:fillRect/>
+          </a:stretch>
+        </p:blipFill>
+        <p:spPr>
+          <a:xfrm rot="0">
+            <a:off x="1047750" y="2730500"/>
+            <a:ext cx="4318635" cy="1955165"/>
+          </a:xfrm>
+          <a:prstGeom prst="roundRect"/>
+          <a:solidFill>
+            <a:srgbClr val="EDEDED"/>
+          </a:solidFill>
+        </p:spPr>
+      </p:pic>
+      <p:pic>
+        <p:nvPicPr>
+          <p:cNvPr id="1114" name="그림 11" descr="C:/Users/Admin1/AppData/Roaming/PolarisOffice/ETemp/9904_9743256/fImage1233862918467.png"/>
+          <p:cNvPicPr>
+            <a:picLocks noChangeAspect="1"/>
+          </p:cNvPicPr>
+          <p:nvPr/>
+        </p:nvPicPr>
+        <p:blipFill rotWithShape="1">
+          <a:blip r:embed="rId3" cstate="print">
+            <a:extLst>
+              <a:ext uri="{28A0092B-C50C-407E-A947-70E740481C1C}">
+                <a14:useLocalDpi xmlns:a14="http://schemas.microsoft.com/office/drawing/2010/main" val="0"/>
+              </a:ext>
+            </a:extLst>
+          </a:blip>
+          <a:stretch>
+            <a:fillRect/>
+          </a:stretch>
+        </p:blipFill>
+        <p:spPr>
+          <a:xfrm rot="0">
+            <a:off x="6810375" y="1627505"/>
+            <a:ext cx="4144010" cy="3326130"/>
           </a:xfrm>
           <a:prstGeom prst="roundRect"/>
           <a:solidFill>
@@ -10542,7 +10986,7 @@
       </p:pic>
       <p:pic>
         <p:nvPicPr>
-          <p:cNvPr id="1036" name="그림 13" descr="C:/Users/Admin1/AppData/Roaming/PolarisOffice/ETemp/16484_18744056/fImage463742776334.png"/>
+          <p:cNvPr id="1036" name="그림 13"/>
           <p:cNvPicPr>
             <a:picLocks noChangeAspect="1"/>
           </p:cNvPicPr>
@@ -10785,7 +11229,7 @@
       </p:sp>
       <p:pic>
         <p:nvPicPr>
-          <p:cNvPr id="1062" name="그림 10" descr="C:/Users/Admin1/AppData/Roaming/PolarisOffice/ETemp/16484_18744056/fImage1877317641.png"/>
+          <p:cNvPr id="1062" name="그림 10"/>
           <p:cNvPicPr>
             <a:picLocks noChangeAspect="1"/>
           </p:cNvPicPr>
@@ -10901,7 +11345,7 @@
       </p:pic>
       <p:pic>
         <p:nvPicPr>
-          <p:cNvPr id="1065" name="그림 16" descr="C:/Users/Admin1/AppData/Roaming/PolarisOffice/ETemp/16484_18744056/fImage445402786500.png"/>
+          <p:cNvPr id="1065" name="그림 16"/>
           <p:cNvPicPr>
             <a:picLocks noChangeAspect="1"/>
           </p:cNvPicPr>
@@ -11293,7 +11737,7 @@
       </p:sp>
       <p:pic>
         <p:nvPicPr>
-          <p:cNvPr id="1044" name="그림 145" descr="C:/Users/Admin1/AppData/Roaming/PolarisOffice/ETemp/16484_18744056/fImage688723905436.png"/>
+          <p:cNvPr id="1044" name="그림 145"/>
           <p:cNvPicPr>
             <a:picLocks noChangeAspect="1"/>
           </p:cNvPicPr>
@@ -11550,7 +11994,7 @@
       </p:sp>
       <p:pic>
         <p:nvPicPr>
-          <p:cNvPr id="1034" name="그림 22" descr="C:/Users/Admin1/AppData/Roaming/PolarisOffice/ETemp/16484_18744056/fImage412512959358.png"/>
+          <p:cNvPr id="1034" name="그림 22"/>
           <p:cNvPicPr>
             <a:picLocks noChangeAspect="1"/>
           </p:cNvPicPr>
@@ -11608,7 +12052,7 @@
       </p:pic>
       <p:pic>
         <p:nvPicPr>
-          <p:cNvPr id="1038" name="그림 26" descr="C:/Users/Admin1/AppData/Roaming/PolarisOffice/ETemp/16484_18744056/fImage61361866500.png"/>
+          <p:cNvPr id="1038" name="그림 26"/>
           <p:cNvPicPr>
             <a:picLocks noChangeAspect="1"/>
           </p:cNvPicPr>
@@ -11951,7 +12395,7 @@
       </p:pic>
       <p:pic>
         <p:nvPicPr>
-          <p:cNvPr id="1052" name="그림 21" descr="C:/Users/Admin1/AppData/Roaming/PolarisOffice/ETemp/16484_18744056/fImage1040312976334.png"/>
+          <p:cNvPr id="1052" name="그림 21"/>
           <p:cNvPicPr>
             <a:picLocks noChangeAspect="1"/>
           </p:cNvPicPr>
@@ -12146,7 +12590,7 @@
       </p:sp>
       <p:pic>
         <p:nvPicPr>
-          <p:cNvPr id="1052" name="그림 34" descr="C:/Users/Admin1/AppData/Roaming/PolarisOffice/ETemp/16484_18744056/fImage120161889169.png"/>
+          <p:cNvPr id="1052" name="그림 34"/>
           <p:cNvPicPr>
             <a:picLocks noChangeAspect="1"/>
           </p:cNvPicPr>
@@ -12177,7 +12621,7 @@
       </p:pic>
       <p:pic>
         <p:nvPicPr>
-          <p:cNvPr id="1053" name="그림 37" descr="C:/Users/Admin1/AppData/Roaming/PolarisOffice/ETemp/16484_18744056/fImage122321895724.png"/>
+          <p:cNvPr id="1053" name="그림 37"/>
           <p:cNvPicPr>
             <a:picLocks noChangeAspect="1"/>
           </p:cNvPicPr>
@@ -12746,7 +13190,7 @@
       </p:sp>
       <p:pic>
         <p:nvPicPr>
-          <p:cNvPr id="1034" name="그림 58" descr="C:/Users/Admin1/AppData/Roaming/PolarisOffice/ETemp/16484_18744056/fImage115662033281.png"/>
+          <p:cNvPr id="1034" name="그림 58"/>
           <p:cNvPicPr>
             <a:picLocks noChangeAspect="1"/>
           </p:cNvPicPr>
@@ -12777,7 +13221,7 @@
       </p:pic>
       <p:pic>
         <p:nvPicPr>
-          <p:cNvPr id="1035" name="그림 61" descr="C:/Users/Admin1/AppData/Roaming/PolarisOffice/ETemp/16484_18744056/fImage71352046827.png"/>
+          <p:cNvPr id="1035" name="그림 61"/>
           <p:cNvPicPr>
             <a:picLocks noChangeAspect="1"/>
           </p:cNvPicPr>
@@ -13222,7 +13666,7 @@
       </p:pic>
       <p:pic>
         <p:nvPicPr>
-          <p:cNvPr id="1034" name="그림 10" descr="C:/Users/Admin1/AppData/Roaming/PolarisOffice/ETemp/16484_18744056/fImage77711576500.png"/>
+          <p:cNvPr id="1034" name="그림 10"/>
           <p:cNvPicPr>
             <a:picLocks noChangeAspect="1"/>
           </p:cNvPicPr>

--- a/Assets/Class/Instantiate & Destroy/PPT Data/Instatiate and Destroy Example.pptx
+++ b/Assets/Class/Instantiate & Destroy/PPT Data/Instatiate and Destroy Example.pptx
@@ -2,27 +2,27 @@
 <file path=ppt/presentation.xml><?xml version="1.0" encoding="utf-8"?>
 <p:presentation xmlns:a="http://schemas.openxmlformats.org/drawingml/2006/main" xmlns:r="http://schemas.openxmlformats.org/officeDocument/2006/relationships" xmlns:p="http://schemas.openxmlformats.org/presentationml/2006/main" xmlns:p14="http://schemas.microsoft.com/office/powerpoint/2010/main" saveSubsetFonts="1" firstSlideNum="0">
   <p:sldMasterIdLst>
-    <p:sldMasterId id="2147485811" r:id="rId12"/>
+    <p:sldMasterId id="2147485813" r:id="rId12"/>
   </p:sldMasterIdLst>
   <p:notesMasterIdLst>
     <p:notesMasterId r:id="rId14"/>
   </p:notesMasterIdLst>
   <p:sldIdLst>
     <p:sldId id="293" r:id="rId16"/>
-    <p:sldId id="294" r:id="rId17"/>
-    <p:sldId id="295" r:id="rId18"/>
-    <p:sldId id="288" r:id="rId19"/>
-    <p:sldId id="296" r:id="rId20"/>
-    <p:sldId id="289" r:id="rId21"/>
-    <p:sldId id="297" r:id="rId22"/>
-    <p:sldId id="298" r:id="rId23"/>
-    <p:sldId id="299" r:id="rId24"/>
-    <p:sldId id="300" r:id="rId25"/>
-    <p:sldId id="301" r:id="rId26"/>
-    <p:sldId id="287" r:id="rId27"/>
-    <p:sldId id="302" r:id="rId28"/>
-    <p:sldId id="303" r:id="rId29"/>
-    <p:sldId id="304" r:id="rId30"/>
+    <p:sldId id="294" r:id="rId18"/>
+    <p:sldId id="295" r:id="rId20"/>
+    <p:sldId id="288" r:id="rId22"/>
+    <p:sldId id="296" r:id="rId24"/>
+    <p:sldId id="289" r:id="rId26"/>
+    <p:sldId id="297" r:id="rId28"/>
+    <p:sldId id="298" r:id="rId30"/>
+    <p:sldId id="299" r:id="rId31"/>
+    <p:sldId id="300" r:id="rId33"/>
+    <p:sldId id="301" r:id="rId35"/>
+    <p:sldId id="287" r:id="rId37"/>
+    <p:sldId id="302" r:id="rId39"/>
+    <p:sldId id="303" r:id="rId41"/>
+    <p:sldId id="304" r:id="rId43"/>
   </p:sldIdLst>
   <p:sldSz cx="12192000" cy="6858000"/>
   <p:notesSz cx="6858000" cy="9144000"/>
@@ -13190,7 +13190,7 @@
       </p:sp>
       <p:pic>
         <p:nvPicPr>
-          <p:cNvPr id="1034" name="그림 58"/>
+          <p:cNvPr id="1034" name="그림 58" descr="C:/Users/Admin1/AppData/Roaming/PolarisOffice/ETemp/14712_13418472/fImage115662033281.png"/>
           <p:cNvPicPr>
             <a:picLocks noChangeAspect="1"/>
           </p:cNvPicPr>
@@ -13211,7 +13211,7 @@
         <p:spPr>
           <a:xfrm rot="0">
             <a:off x="3009265" y="1402715"/>
-            <a:ext cx="2361565" cy="3677920"/>
+            <a:ext cx="2362200" cy="3678555"/>
           </a:xfrm>
           <a:prstGeom prst="roundRect"/>
           <a:solidFill>

--- a/Assets/Class/Instantiate & Destroy/PPT Data/Instatiate and Destroy Example.pptx
+++ b/Assets/Class/Instantiate & Destroy/PPT Data/Instatiate and Destroy Example.pptx
@@ -2,27 +2,27 @@
 <file path=ppt/presentation.xml><?xml version="1.0" encoding="utf-8"?>
 <p:presentation xmlns:a="http://schemas.openxmlformats.org/drawingml/2006/main" xmlns:r="http://schemas.openxmlformats.org/officeDocument/2006/relationships" xmlns:p="http://schemas.openxmlformats.org/presentationml/2006/main" xmlns:p14="http://schemas.microsoft.com/office/powerpoint/2010/main" saveSubsetFonts="1" firstSlideNum="0">
   <p:sldMasterIdLst>
-    <p:sldMasterId id="2147485813" r:id="rId12"/>
+    <p:sldMasterId id="2147485820" r:id="rId12"/>
   </p:sldMasterIdLst>
   <p:notesMasterIdLst>
     <p:notesMasterId r:id="rId14"/>
   </p:notesMasterIdLst>
   <p:sldIdLst>
     <p:sldId id="293" r:id="rId16"/>
-    <p:sldId id="294" r:id="rId18"/>
-    <p:sldId id="295" r:id="rId20"/>
-    <p:sldId id="288" r:id="rId22"/>
-    <p:sldId id="296" r:id="rId24"/>
-    <p:sldId id="289" r:id="rId26"/>
-    <p:sldId id="297" r:id="rId28"/>
-    <p:sldId id="298" r:id="rId30"/>
+    <p:sldId id="294" r:id="rId17"/>
+    <p:sldId id="295" r:id="rId19"/>
+    <p:sldId id="288" r:id="rId21"/>
+    <p:sldId id="296" r:id="rId23"/>
+    <p:sldId id="289" r:id="rId25"/>
+    <p:sldId id="297" r:id="rId27"/>
+    <p:sldId id="298" r:id="rId29"/>
     <p:sldId id="299" r:id="rId31"/>
     <p:sldId id="300" r:id="rId33"/>
     <p:sldId id="301" r:id="rId35"/>
     <p:sldId id="287" r:id="rId37"/>
-    <p:sldId id="302" r:id="rId39"/>
-    <p:sldId id="303" r:id="rId41"/>
-    <p:sldId id="304" r:id="rId43"/>
+    <p:sldId id="302" r:id="rId38"/>
+    <p:sldId id="303" r:id="rId39"/>
+    <p:sldId id="304" r:id="rId41"/>
   </p:sldIdLst>
   <p:sldSz cx="12192000" cy="6858000"/>
   <p:notesSz cx="6858000" cy="9144000"/>
@@ -7926,9 +7926,9 @@
           <p:nvPr/>
         </p:nvSpPr>
         <p:spPr>
-          <a:xfrm rot="0">
+          <a:xfrm>
             <a:off x="6817995" y="4114800"/>
-            <a:ext cx="4141470" cy="2061845"/>
+            <a:ext cx="4142105" cy="2061845"/>
           </a:xfrm>
           <a:prstGeom prst="rect"/>
           <a:noFill/>
@@ -7999,35 +7999,21 @@
                 <a:latin typeface="맑은 고딕" charset="0"/>
                 <a:ea typeface="맑은 고딕" charset="0"/>
               </a:rPr>
-              <a:t>그러고 나서 </a:t>
+              <a:t>그러고 나서 스크립트를 생성하고 De</a:t>
             </a:r>
             <a:r>
               <a:rPr lang="ko-KR" sz="1800">
                 <a:latin typeface="맑은 고딕" charset="0"/>
                 <a:ea typeface="맑은 고딕" charset="0"/>
               </a:rPr>
-              <a:t>스크립트를 생성하고 </a:t>
+              <a:t>lay</a:t>
             </a:r>
             <a:r>
               <a:rPr lang="ko-KR" sz="1800">
                 <a:latin typeface="맑은 고딕" charset="0"/>
                 <a:ea typeface="맑은 고딕" charset="0"/>
               </a:rPr>
-              <a:t>Delete라는 이름으로 설정한 다음 </a:t>
-            </a:r>
-            <a:r>
-              <a:rPr lang="ko-KR" sz="1800">
-                <a:latin typeface="맑은 고딕" charset="0"/>
-                <a:ea typeface="맑은 고딕" charset="0"/>
-              </a:rPr>
-              <a:t>Generic Create Button</a:t>
-            </a:r>
-            <a:r>
-              <a:rPr lang="ko-KR" sz="1800">
-                <a:latin typeface="맑은 고딕" charset="0"/>
-                <a:ea typeface="맑은 고딕" charset="0"/>
-              </a:rPr>
-              <a:t>에 넣어줍니다.</a:t>
+              <a:t>라는 이름으로 설정한 다음 Generic Create Button에 넣어줍니다.</a:t>
             </a:r>
             <a:endParaRPr lang="ko-KR" altLang="en-US" sz="1800">
               <a:latin typeface="맑은 고딕" charset="0"/>
@@ -9484,8 +9470,8 @@
         </p:nvSpPr>
         <p:spPr>
           <a:xfrm rot="0">
-            <a:off x="6817360" y="4394200"/>
-            <a:ext cx="4145915" cy="1478280"/>
+            <a:off x="6809105" y="4394200"/>
+            <a:ext cx="4146550" cy="1478915"/>
           </a:xfrm>
           <a:prstGeom prst="rect"/>
           <a:noFill/>
@@ -9736,9 +9722,9 @@
           <p:nvPr/>
         </p:nvSpPr>
         <p:spPr>
-          <a:xfrm rot="0">
+          <a:xfrm>
             <a:off x="1220470" y="3073400"/>
-            <a:ext cx="4166235" cy="647065"/>
+            <a:ext cx="4166870" cy="647065"/>
           </a:xfrm>
           <a:prstGeom prst="rect"/>
           <a:noFill/>
@@ -9748,7 +9734,7 @@
           </a:ln>
         </p:spPr>
         <p:txBody>
-          <a:bodyPr wrap="square" lIns="89535" tIns="46355" rIns="89535" bIns="46355" vert="horz" anchor="t">
+          <a:bodyPr wrap="square" lIns="89535" tIns="46355" rIns="89535" bIns="46355" numCol="1" vert="horz" anchor="t">
             <a:spAutoFit/>
           </a:bodyPr>
           <a:lstStyle/>
@@ -9789,7 +9775,35 @@
                 <a:latin typeface="맑은 고딕" charset="0"/>
                 <a:ea typeface="맑은 고딕" charset="0"/>
               </a:rPr>
-              <a:t>그다음 Main Camera 오브젝트의 위치와 회전 값을 설정합니다.</a:t>
+              <a:t>그다음 </a:t>
+            </a:r>
+            <a:r>
+              <a:rPr lang="ko-KR" sz="1800">
+                <a:latin typeface="맑은 고딕" charset="0"/>
+                <a:ea typeface="맑은 고딕" charset="0"/>
+              </a:rPr>
+              <a:t>Plane</a:t>
+            </a:r>
+            <a:r>
+              <a:rPr lang="ko-KR" sz="1800">
+                <a:latin typeface="맑은 고딕" charset="0"/>
+                <a:ea typeface="맑은 고딕" charset="0"/>
+              </a:rPr>
+              <a:t> 오브젝트의 위치와 회전 값을 </a:t>
+            </a:r>
+            <a:r>
+              <a:rPr lang="ko-KR" sz="1800">
+                <a:latin typeface="맑은 고딕" charset="0"/>
+                <a:ea typeface="맑은 고딕" charset="0"/>
+              </a:rPr>
+              <a:t>초기화</a:t>
+            </a:r>
+            <a:r>
+              <a:rPr lang="ko-KR" sz="1800">
+                <a:latin typeface="맑은 고딕" charset="0"/>
+                <a:ea typeface="맑은 고딕" charset="0"/>
+              </a:rPr>
+              <a:t>합니다.</a:t>
             </a:r>
             <a:endParaRPr lang="ko-KR" altLang="en-US" sz="1800">
               <a:latin typeface="맑은 고딕" charset="0"/>
@@ -9798,37 +9812,6 @@
           </a:p>
         </p:txBody>
       </p:sp>
-      <p:pic>
-        <p:nvPicPr>
-          <p:cNvPr id="1104" name="그림 58"/>
-          <p:cNvPicPr>
-            <a:picLocks noChangeAspect="1"/>
-          </p:cNvPicPr>
-          <p:nvPr/>
-        </p:nvPicPr>
-        <p:blipFill rotWithShape="1">
-          <a:blip r:embed="rId2" cstate="hqprint">
-            <a:extLst>
-              <a:ext uri="{28A0092B-C50C-407E-A947-70E740481C1C}">
-                <a14:useLocalDpi xmlns:a14="http://schemas.microsoft.com/office/drawing/2010/main"/>
-              </a:ext>
-            </a:extLst>
-          </a:blip>
-          <a:stretch>
-            <a:fillRect/>
-          </a:stretch>
-        </p:blipFill>
-        <p:spPr>
-          <a:xfrm rot="0">
-            <a:off x="1230630" y="1445895"/>
-            <a:ext cx="4165600" cy="1508125"/>
-          </a:xfrm>
-          <a:prstGeom prst="roundRect"/>
-          <a:solidFill>
-            <a:srgbClr val="EDEDED"/>
-          </a:solidFill>
-        </p:spPr>
-      </p:pic>
       <p:pic>
         <p:nvPicPr>
           <p:cNvPr id="1105" name="그림 61"/>
@@ -10022,6 +10005,37 @@
           </a:xfrm>
           <a:prstGeom prst="rect"/>
           <a:noFill/>
+        </p:spPr>
+      </p:pic>
+      <p:pic>
+        <p:nvPicPr>
+          <p:cNvPr id="1110" name="그림 1" descr="C:/Users/Admin1/AppData/Roaming/PolarisOffice/ETemp/7296_8449768/fImage1125721641.png"/>
+          <p:cNvPicPr>
+            <a:picLocks noChangeAspect="1"/>
+          </p:cNvPicPr>
+          <p:nvPr/>
+        </p:nvPicPr>
+        <p:blipFill rotWithShape="1">
+          <a:blip r:embed="rId7" cstate="print">
+            <a:extLst>
+              <a:ext uri="{28A0092B-C50C-407E-A947-70E740481C1C}">
+                <a14:useLocalDpi xmlns:a14="http://schemas.microsoft.com/office/drawing/2010/main" val="0"/>
+              </a:ext>
+            </a:extLst>
+          </a:blip>
+          <a:stretch>
+            <a:fillRect/>
+          </a:stretch>
+        </p:blipFill>
+        <p:spPr>
+          <a:xfrm rot="0">
+            <a:off x="1223010" y="1455420"/>
+            <a:ext cx="4164330" cy="1513205"/>
+          </a:xfrm>
+          <a:prstGeom prst="roundRect"/>
+          <a:solidFill>
+            <a:srgbClr val="EDEDED"/>
+          </a:solidFill>
         </p:spPr>
       </p:pic>
     </p:spTree>
@@ -10416,7 +10430,7 @@
 </file>
 
 <file path=ppt/slides/slide15.xml><?xml version="1.0" encoding="utf-8"?>
-<p:sld xmlns:a="http://schemas.openxmlformats.org/drawingml/2006/main" xmlns:r="http://schemas.openxmlformats.org/officeDocument/2006/relationships" xmlns:p="http://schemas.openxmlformats.org/presentationml/2006/main">
+<p:sld xmlns:a="http://schemas.openxmlformats.org/drawingml/2006/main" xmlns:r="http://schemas.openxmlformats.org/officeDocument/2006/relationships" xmlns:p="http://schemas.openxmlformats.org/presentationml/2006/main" xmlns:p14="http://schemas.microsoft.com/office/powerpoint/2010/main">
   <p:cSld>
     <p:spTree>
       <p:nvGrpSpPr>
@@ -10443,7 +10457,7 @@
         <p:spPr>
           <a:xfrm rot="0">
             <a:off x="4595495" y="551180"/>
-            <a:ext cx="3002915" cy="554990"/>
+            <a:ext cx="3003550" cy="554990"/>
           </a:xfrm>
           <a:prstGeom prst="rect"/>
           <a:noFill/>
@@ -10553,8 +10567,8 @@
         </p:nvSpPr>
         <p:spPr>
           <a:xfrm rot="0">
-            <a:off x="6809105" y="5132705"/>
-            <a:ext cx="4146550" cy="923925"/>
+            <a:off x="6816725" y="5314950"/>
+            <a:ext cx="4140835" cy="923925"/>
           </a:xfrm>
           <a:prstGeom prst="rect"/>
           <a:noFill/>
@@ -10597,8 +10611,8 @@
         </p:nvSpPr>
         <p:spPr>
           <a:xfrm rot="0">
-            <a:off x="1047750" y="4859020"/>
-            <a:ext cx="4308475" cy="1200785"/>
+            <a:off x="1047750" y="5033645"/>
+            <a:ext cx="4309110" cy="1201420"/>
           </a:xfrm>
           <a:prstGeom prst="rect"/>
           <a:noFill/>
@@ -10633,14 +10647,14 @@
       </p:sp>
       <p:pic>
         <p:nvPicPr>
-          <p:cNvPr id="1113" name="그림 5" descr="C:/Users/Admin1/AppData/Roaming/PolarisOffice/ETemp/9904_9743256/fImage3562528841.jpeg"/>
+          <p:cNvPr id="1115" name="그림 4" descr="C:/Users/Admin1/AppData/Roaming/PolarisOffice/ETemp/7296_8449768/fImage684032178467.png"/>
           <p:cNvPicPr>
             <a:picLocks noChangeAspect="1"/>
           </p:cNvPicPr>
           <p:nvPr/>
         </p:nvPicPr>
         <p:blipFill rotWithShape="1">
-          <a:blip r:embed="rId2" cstate="print">
+          <a:blip r:embed="rId5" cstate="print">
             <a:extLst>
               <a:ext uri="{28A0092B-C50C-407E-A947-70E740481C1C}">
                 <a14:useLocalDpi xmlns:a14="http://schemas.microsoft.com/office/drawing/2010/main" val="0"/>
@@ -10653,8 +10667,8 @@
         </p:blipFill>
         <p:spPr>
           <a:xfrm rot="0">
-            <a:off x="1047750" y="2730500"/>
-            <a:ext cx="4318635" cy="1955165"/>
+            <a:off x="1047115" y="2720340"/>
+            <a:ext cx="4315460" cy="2176780"/>
           </a:xfrm>
           <a:prstGeom prst="roundRect"/>
           <a:solidFill>
@@ -10664,14 +10678,14 @@
       </p:pic>
       <p:pic>
         <p:nvPicPr>
-          <p:cNvPr id="1114" name="그림 11" descr="C:/Users/Admin1/AppData/Roaming/PolarisOffice/ETemp/9904_9743256/fImage1233862918467.png"/>
+          <p:cNvPr id="1116" name="그림 16" descr="C:/Users/Admin1/AppData/Roaming/PolarisOffice/ETemp/7296_8449768/fImage72232226334.png"/>
           <p:cNvPicPr>
             <a:picLocks noChangeAspect="1"/>
           </p:cNvPicPr>
           <p:nvPr/>
         </p:nvPicPr>
         <p:blipFill rotWithShape="1">
-          <a:blip r:embed="rId3" cstate="print">
+          <a:blip r:embed="rId6" cstate="print">
             <a:extLst>
               <a:ext uri="{28A0092B-C50C-407E-A947-70E740481C1C}">
                 <a14:useLocalDpi xmlns:a14="http://schemas.microsoft.com/office/drawing/2010/main" val="0"/>
@@ -10684,13 +10698,11 @@
         </p:blipFill>
         <p:spPr>
           <a:xfrm rot="0">
-            <a:off x="6810375" y="1627505"/>
-            <a:ext cx="4144010" cy="3326130"/>
-          </a:xfrm>
-          <a:prstGeom prst="roundRect"/>
-          <a:solidFill>
-            <a:srgbClr val="EDEDED"/>
-          </a:solidFill>
+            <a:off x="6816725" y="1621155"/>
+            <a:ext cx="4140835" cy="3542030"/>
+          </a:xfrm>
+          <a:prstGeom prst="rect"/>
+          <a:noFill/>
         </p:spPr>
       </p:pic>
     </p:spTree>

--- a/Assets/Class/Instantiate & Destroy/PPT Data/Instatiate and Destroy Example.pptx
+++ b/Assets/Class/Instantiate & Destroy/PPT Data/Instatiate and Destroy Example.pptx
@@ -2,16 +2,16 @@
 <file path=ppt/presentation.xml><?xml version="1.0" encoding="utf-8"?>
 <p:presentation xmlns:a="http://schemas.openxmlformats.org/drawingml/2006/main" xmlns:r="http://schemas.openxmlformats.org/officeDocument/2006/relationships" xmlns:p="http://schemas.openxmlformats.org/presentationml/2006/main" xmlns:p14="http://schemas.microsoft.com/office/powerpoint/2010/main" saveSubsetFonts="1" firstSlideNum="0">
   <p:sldMasterIdLst>
-    <p:sldMasterId id="2147485820" r:id="rId12"/>
+    <p:sldMasterId id="2147485821" r:id="rId12"/>
   </p:sldMasterIdLst>
   <p:notesMasterIdLst>
     <p:notesMasterId r:id="rId14"/>
   </p:notesMasterIdLst>
   <p:sldIdLst>
     <p:sldId id="293" r:id="rId16"/>
-    <p:sldId id="294" r:id="rId17"/>
-    <p:sldId id="295" r:id="rId19"/>
-    <p:sldId id="288" r:id="rId21"/>
+    <p:sldId id="294" r:id="rId18"/>
+    <p:sldId id="295" r:id="rId20"/>
+    <p:sldId id="288" r:id="rId22"/>
     <p:sldId id="296" r:id="rId23"/>
     <p:sldId id="289" r:id="rId25"/>
     <p:sldId id="297" r:id="rId27"/>
@@ -20,9 +20,9 @@
     <p:sldId id="300" r:id="rId33"/>
     <p:sldId id="301" r:id="rId35"/>
     <p:sldId id="287" r:id="rId37"/>
-    <p:sldId id="302" r:id="rId38"/>
-    <p:sldId id="303" r:id="rId39"/>
-    <p:sldId id="304" r:id="rId41"/>
+    <p:sldId id="302" r:id="rId39"/>
+    <p:sldId id="303" r:id="rId41"/>
+    <p:sldId id="304" r:id="rId43"/>
   </p:sldIdLst>
   <p:sldSz cx="12192000" cy="6858000"/>
   <p:notesSz cx="6858000" cy="9144000"/>
@@ -11749,7 +11749,7 @@
       </p:sp>
       <p:pic>
         <p:nvPicPr>
-          <p:cNvPr id="1044" name="그림 145"/>
+          <p:cNvPr id="1044" name="그림 145" descr="C:/Users/Admin1/AppData/Roaming/PolarisOffice/ETemp/8536_15965928/fImage688723905436.png"/>
           <p:cNvPicPr>
             <a:picLocks noChangeAspect="1"/>
           </p:cNvPicPr>
@@ -11769,8 +11769,8 @@
         </p:blipFill>
         <p:spPr>
           <a:xfrm rot="0">
-            <a:off x="1222375" y="3075305"/>
-            <a:ext cx="4133850" cy="1805940"/>
+            <a:off x="1230630" y="3075305"/>
+            <a:ext cx="4126230" cy="1779905"/>
           </a:xfrm>
           <a:prstGeom prst="rect"/>
           <a:noFill/>

--- a/Assets/Class/Instantiate & Destroy/PPT Data/Instatiate and Destroy Example.pptx
+++ b/Assets/Class/Instantiate & Destroy/PPT Data/Instatiate and Destroy Example.pptx
@@ -2,27 +2,26 @@
 <file path=ppt/presentation.xml><?xml version="1.0" encoding="utf-8"?>
 <p:presentation xmlns:a="http://schemas.openxmlformats.org/drawingml/2006/main" xmlns:r="http://schemas.openxmlformats.org/officeDocument/2006/relationships" xmlns:p="http://schemas.openxmlformats.org/presentationml/2006/main" xmlns:p14="http://schemas.microsoft.com/office/powerpoint/2010/main" saveSubsetFonts="1" firstSlideNum="0">
   <p:sldMasterIdLst>
-    <p:sldMasterId id="2147485821" r:id="rId12"/>
+    <p:sldMasterId id="2147485823" r:id="rId12"/>
   </p:sldMasterIdLst>
   <p:notesMasterIdLst>
     <p:notesMasterId r:id="rId14"/>
   </p:notesMasterIdLst>
   <p:sldIdLst>
     <p:sldId id="293" r:id="rId16"/>
-    <p:sldId id="294" r:id="rId18"/>
-    <p:sldId id="295" r:id="rId20"/>
-    <p:sldId id="288" r:id="rId22"/>
+    <p:sldId id="294" r:id="rId17"/>
+    <p:sldId id="295" r:id="rId19"/>
+    <p:sldId id="288" r:id="rId21"/>
     <p:sldId id="296" r:id="rId23"/>
-    <p:sldId id="289" r:id="rId25"/>
-    <p:sldId id="297" r:id="rId27"/>
-    <p:sldId id="298" r:id="rId29"/>
-    <p:sldId id="299" r:id="rId31"/>
-    <p:sldId id="300" r:id="rId33"/>
-    <p:sldId id="301" r:id="rId35"/>
-    <p:sldId id="287" r:id="rId37"/>
-    <p:sldId id="302" r:id="rId39"/>
-    <p:sldId id="303" r:id="rId41"/>
-    <p:sldId id="304" r:id="rId43"/>
+    <p:sldId id="297" r:id="rId25"/>
+    <p:sldId id="298" r:id="rId27"/>
+    <p:sldId id="299" r:id="rId29"/>
+    <p:sldId id="300" r:id="rId31"/>
+    <p:sldId id="301" r:id="rId33"/>
+    <p:sldId id="287" r:id="rId35"/>
+    <p:sldId id="302" r:id="rId37"/>
+    <p:sldId id="303" r:id="rId39"/>
+    <p:sldId id="304" r:id="rId41"/>
   </p:sldIdLst>
   <p:sldSz cx="12192000" cy="6858000"/>
   <p:notesSz cx="6858000" cy="9144000"/>
@@ -653,7 +652,7 @@
         <p:spPr>
           <a:xfrm rot="0">
             <a:off x="685800" y="1143000"/>
-            <a:ext cx="5490210" cy="3089910"/>
+            <a:ext cx="5490845" cy="3090545"/>
           </a:xfrm>
           <a:prstGeom prst="rect"/>
           <a:noFill/>
@@ -692,7 +691,7 @@
         <p:spPr>
           <a:xfrm rot="0">
             <a:off x="685800" y="4400550"/>
-            <a:ext cx="5490210" cy="3604260"/>
+            <a:ext cx="5490845" cy="3604895"/>
           </a:xfrm>
           <a:prstGeom prst="rect"/>
         </p:spPr>
@@ -722,7 +721,7 @@
         <p:spPr>
           <a:xfrm rot="0">
             <a:off x="3884930" y="8685530"/>
-            <a:ext cx="2975610" cy="462280"/>
+            <a:ext cx="2976245" cy="462915"/>
           </a:xfrm>
           <a:prstGeom prst="rect"/>
         </p:spPr>
@@ -795,7 +794,7 @@
         <p:spPr>
           <a:xfrm rot="0">
             <a:off x="685800" y="1143000"/>
-            <a:ext cx="5490845" cy="3090545"/>
+            <a:ext cx="5488940" cy="3088640"/>
           </a:xfrm>
           <a:prstGeom prst="rect"/>
           <a:noFill/>
@@ -834,7 +833,7 @@
         <p:spPr>
           <a:xfrm rot="0">
             <a:off x="685800" y="4400550"/>
-            <a:ext cx="5490845" cy="3604895"/>
+            <a:ext cx="5488940" cy="3602990"/>
           </a:xfrm>
           <a:prstGeom prst="rect"/>
         </p:spPr>
@@ -864,7 +863,7 @@
         <p:spPr>
           <a:xfrm rot="0">
             <a:off x="3884930" y="8685530"/>
-            <a:ext cx="2976245" cy="462915"/>
+            <a:ext cx="2974340" cy="461010"/>
           </a:xfrm>
           <a:prstGeom prst="rect"/>
         </p:spPr>
@@ -937,7 +936,7 @@
         <p:spPr>
           <a:xfrm rot="0">
             <a:off x="685800" y="1143000"/>
-            <a:ext cx="5488940" cy="3088640"/>
+            <a:ext cx="5490845" cy="3090545"/>
           </a:xfrm>
           <a:prstGeom prst="rect"/>
           <a:noFill/>
@@ -976,7 +975,7 @@
         <p:spPr>
           <a:xfrm rot="0">
             <a:off x="685800" y="4400550"/>
-            <a:ext cx="5488940" cy="3602990"/>
+            <a:ext cx="5490845" cy="3604895"/>
           </a:xfrm>
           <a:prstGeom prst="rect"/>
         </p:spPr>
@@ -1006,7 +1005,7 @@
         <p:spPr>
           <a:xfrm rot="0">
             <a:off x="3884930" y="8685530"/>
-            <a:ext cx="2974340" cy="461010"/>
+            <a:ext cx="2976245" cy="462915"/>
           </a:xfrm>
           <a:prstGeom prst="rect"/>
         </p:spPr>
@@ -1079,7 +1078,7 @@
         <p:spPr>
           <a:xfrm rot="0">
             <a:off x="685800" y="1143000"/>
-            <a:ext cx="5490845" cy="3090545"/>
+            <a:ext cx="5491480" cy="3091180"/>
           </a:xfrm>
           <a:prstGeom prst="rect"/>
           <a:noFill/>
@@ -1118,7 +1117,7 @@
         <p:spPr>
           <a:xfrm rot="0">
             <a:off x="685800" y="4400550"/>
-            <a:ext cx="5490845" cy="3604895"/>
+            <a:ext cx="5491480" cy="3605530"/>
           </a:xfrm>
           <a:prstGeom prst="rect"/>
         </p:spPr>
@@ -1148,7 +1147,7 @@
         <p:spPr>
           <a:xfrm rot="0">
             <a:off x="3884930" y="8685530"/>
-            <a:ext cx="2976245" cy="462915"/>
+            <a:ext cx="2976880" cy="463550"/>
           </a:xfrm>
           <a:prstGeom prst="rect"/>
         </p:spPr>
@@ -1221,148 +1220,6 @@
         <p:spPr>
           <a:xfrm rot="0">
             <a:off x="685800" y="1143000"/>
-            <a:ext cx="5491480" cy="3091180"/>
-          </a:xfrm>
-          <a:prstGeom prst="rect"/>
-          <a:noFill/>
-          <a:ln w="12700" cap="flat" cmpd="sng">
-            <a:solidFill>
-              <a:srgbClr val="000000">
-                <a:alpha val="100000"/>
-              </a:srgbClr>
-            </a:solidFill>
-            <a:prstDash val="solid"/>
-          </a:ln>
-        </p:spPr>
-        <p:txBody>
-          <a:bodyPr wrap="square" lIns="91440" tIns="45720" rIns="91440" bIns="45720" numCol="1" vert="horz" anchor="ctr">
-            <a:noAutofit/>
-          </a:bodyPr>
-          <a:lstStyle/>
-          <a:p>
-            <a:pPr marL="0" indent="0" latinLnBrk="0">
-              <a:buFontTx/>
-              <a:buNone/>
-            </a:pPr>
-          </a:p>
-        </p:txBody>
-      </p:sp>
-      <p:sp>
-        <p:nvSpPr>
-          <p:cNvPr id="3" name="슬라이드 노트 개체 틀 4"/>
-          <p:cNvSpPr txBox="1">
-            <a:spLocks/>
-          </p:cNvSpPr>
-          <p:nvPr>
-            <p:ph type="body" idx="3"/>
-          </p:nvPr>
-        </p:nvSpPr>
-        <p:spPr>
-          <a:xfrm rot="0">
-            <a:off x="685800" y="4400550"/>
-            <a:ext cx="5491480" cy="3605530"/>
-          </a:xfrm>
-          <a:prstGeom prst="rect"/>
-        </p:spPr>
-        <p:txBody>
-          <a:bodyPr wrap="square" lIns="91440" tIns="45720" rIns="91440" bIns="45720" numCol="1" vert="horz" anchor="t">
-            <a:noAutofit/>
-          </a:bodyPr>
-          <a:lstStyle/>
-          <a:p>
-            <a:pPr marL="0" indent="0" latinLnBrk="0">
-              <a:buFontTx/>
-              <a:buNone/>
-            </a:pPr>
-          </a:p>
-        </p:txBody>
-      </p:sp>
-      <p:sp>
-        <p:nvSpPr>
-          <p:cNvPr id="4" name="슬라이드 번호 개체 틀 6"/>
-          <p:cNvSpPr txBox="1">
-            <a:spLocks/>
-          </p:cNvSpPr>
-          <p:nvPr>
-            <p:ph type="sldNum" idx="5"/>
-          </p:nvPr>
-        </p:nvSpPr>
-        <p:spPr>
-          <a:xfrm rot="0">
-            <a:off x="3884930" y="8685530"/>
-            <a:ext cx="2976880" cy="463550"/>
-          </a:xfrm>
-          <a:prstGeom prst="rect"/>
-        </p:spPr>
-        <p:txBody>
-          <a:bodyPr wrap="square" lIns="91440" tIns="45720" rIns="91440" bIns="45720" numCol="1" vert="horz" anchor="b">
-            <a:noAutofit/>
-          </a:bodyPr>
-          <a:lstStyle>
-            <a:lvl1pPr marL="0" indent="0" algn="r" latinLnBrk="0">
-              <a:buFontTx/>
-              <a:buNone/>
-              <a:defRPr lang="en-GB" altLang="en-US" sz="1200"/>
-            </a:lvl1pPr>
-          </a:lstStyle>
-          <a:p>
-            <a:pPr marL="0" indent="0" latinLnBrk="0">
-              <a:buFontTx/>
-              <a:buNone/>
-            </a:pPr>
-            <a:fld id="{B9320F77-B9A0-41C5-862A-B4B631284C64}" type="slidenum">
-              <a:rPr lang="ko-KR" altLang="en-US"/>
-              <a:t>‹#›</a:t>
-            </a:fld>
-          </a:p>
-        </p:txBody>
-      </p:sp>
-    </p:spTree>
-  </p:cSld>
-  <p:clrMapOvr>
-    <a:masterClrMapping/>
-  </p:clrMapOvr>
-  <mc:AlternateContent xmlns:mc="http://schemas.openxmlformats.org/markup-compatibility/2006">
-    <mc:Choice xmlns:p14="http://schemas.microsoft.com/office/powerpoint/2010/main" Requires="p14">
-      <p:transition spd="slow" p14:dur="0"/>
-    </mc:Choice>
-    <mc:Fallback>
-      <p:transition spd="slow"/>
-    </mc:Fallback>
-  </mc:AlternateContent>
-</p:notes>
-</file>
-
-<file path=ppt/notesSlides/notesSlide15.xml><?xml version="1.0" encoding="utf-8"?>
-<p:notes xmlns:a="http://schemas.openxmlformats.org/drawingml/2006/main" xmlns:r="http://schemas.openxmlformats.org/officeDocument/2006/relationships" xmlns:p="http://schemas.openxmlformats.org/presentationml/2006/main">
-  <p:cSld>
-    <p:spTree>
-      <p:nvGrpSpPr>
-        <p:cNvPr id="1" name=""/>
-        <p:cNvGrpSpPr/>
-        <p:nvPr/>
-      </p:nvGrpSpPr>
-      <p:grpSpPr>
-        <a:xfrm>
-          <a:off x="0" y="0"/>
-          <a:ext cx="0" cy="0"/>
-          <a:chOff x="0" y="0"/>
-          <a:chExt cx="0" cy="0"/>
-        </a:xfrm>
-      </p:grpSpPr>
-      <p:sp>
-        <p:nvSpPr>
-          <p:cNvPr id="2" name="슬라이드 이미지 개체 틀 3"/>
-          <p:cNvSpPr>
-            <a:spLocks noChangeAspect="1"/>
-          </p:cNvSpPr>
-          <p:nvPr>
-            <p:ph type="sldImg" idx="2"/>
-          </p:nvPr>
-        </p:nvSpPr>
-        <p:spPr>
-          <a:xfrm rot="0">
-            <a:off x="685800" y="1143000"/>
             <a:ext cx="5489575" cy="3089275"/>
           </a:xfrm>
           <a:prstGeom prst="rect"/>
@@ -2215,7 +2072,7 @@
         <p:spPr>
           <a:xfrm rot="0">
             <a:off x="685800" y="1143000"/>
-            <a:ext cx="5489575" cy="3089275"/>
+            <a:ext cx="5490210" cy="3089910"/>
           </a:xfrm>
           <a:prstGeom prst="rect"/>
           <a:noFill/>
@@ -2254,7 +2111,7 @@
         <p:spPr>
           <a:xfrm rot="0">
             <a:off x="685800" y="4400550"/>
-            <a:ext cx="5489575" cy="3603625"/>
+            <a:ext cx="5490210" cy="3604260"/>
           </a:xfrm>
           <a:prstGeom prst="rect"/>
         </p:spPr>
@@ -2284,7 +2141,7 @@
         <p:spPr>
           <a:xfrm rot="0">
             <a:off x="3884930" y="8685530"/>
-            <a:ext cx="2974975" cy="461645"/>
+            <a:ext cx="2975610" cy="462280"/>
           </a:xfrm>
           <a:prstGeom prst="rect"/>
         </p:spPr>
@@ -7522,9 +7379,9 @@
           <p:nvPr/>
         </p:nvSpPr>
         <p:spPr>
-          <a:xfrm rot="0">
+          <a:xfrm>
             <a:off x="4540250" y="329565"/>
-            <a:ext cx="3122930" cy="554990"/>
+            <a:ext cx="3123565" cy="478155"/>
           </a:xfrm>
           <a:prstGeom prst="rect"/>
           <a:noFill/>
@@ -7539,73 +7396,43 @@
           </a:bodyPr>
           <a:lstStyle/>
           <a:p>
-            <a:pPr marL="0" indent="0" algn="l" latinLnBrk="0">
-              <a:buFontTx/>
-              <a:buNone/>
-            </a:pPr>
-            <a:r>
-              <a:rPr lang="ko-KR" altLang="en-US" sz="3000" b="1">
+            <a:pPr marL="0" indent="0" algn="ctr" latinLnBrk="0">
+              <a:buFontTx/>
+              <a:buNone/>
+            </a:pPr>
+            <a:r>
+              <a:rPr lang="ko-KR" altLang="en-US" sz="2500" b="1">
                 <a:solidFill>
                   <a:schemeClr val="tx1"/>
                 </a:solidFill>
-                <a:latin typeface="맑은 고딕" charset="0"/>
-                <a:ea typeface="맑은 고딕" charset="0"/>
+                <a:latin typeface="나눔바른고딕" charset="0"/>
+                <a:ea typeface="나눔바른고딕" charset="0"/>
               </a:rPr>
               <a:t>첫</a:t>
             </a:r>
             <a:r>
-              <a:rPr lang="ko-KR" altLang="en-US" sz="3000" b="1">
+              <a:rPr lang="ko-KR" altLang="en-US" sz="2500" b="1">
                 <a:solidFill>
                   <a:schemeClr val="tx1"/>
                 </a:solidFill>
-                <a:latin typeface="맑은 고딕" charset="0"/>
-                <a:ea typeface="맑은 고딕" charset="0"/>
-              </a:rPr>
-              <a:t> </a:t>
-            </a:r>
-            <a:r>
-              <a:rPr lang="ko-KR" altLang="en-US" sz="3000" b="1">
-                <a:solidFill>
-                  <a:schemeClr val="tx1"/>
-                </a:solidFill>
-                <a:latin typeface="맑은 고딕" charset="0"/>
-                <a:ea typeface="맑은 고딕" charset="0"/>
-              </a:rPr>
-              <a:t>번째</a:t>
-            </a:r>
-            <a:r>
-              <a:rPr lang="ko-KR" altLang="en-US" sz="3000" b="1">
-                <a:solidFill>
-                  <a:schemeClr val="tx1"/>
-                </a:solidFill>
-                <a:latin typeface="맑은 고딕" charset="0"/>
-                <a:ea typeface="맑은 고딕" charset="0"/>
-              </a:rPr>
-              <a:t> </a:t>
-            </a:r>
-            <a:r>
-              <a:rPr lang="ko-KR" altLang="en-US" sz="3000" b="1">
-                <a:solidFill>
-                  <a:schemeClr val="tx1"/>
-                </a:solidFill>
-                <a:latin typeface="맑은 고딕" charset="0"/>
-                <a:ea typeface="맑은 고딕" charset="0"/>
-              </a:rPr>
-              <a:t>튜토리얼</a:t>
-            </a:r>
-            <a:endParaRPr lang="ko-KR" altLang="en-US" sz="3000" b="1">
+                <a:latin typeface="나눔바른고딕" charset="0"/>
+                <a:ea typeface="나눔바른고딕" charset="0"/>
+              </a:rPr>
+              <a:t> 번째 튜토리얼</a:t>
+            </a:r>
+            <a:endParaRPr lang="ko-KR" altLang="en-US" sz="2500" b="1">
               <a:solidFill>
                 <a:schemeClr val="tx1"/>
               </a:solidFill>
-              <a:latin typeface="맑은 고딕" charset="0"/>
-              <a:ea typeface="맑은 고딕" charset="0"/>
+              <a:latin typeface="나눔바른고딕" charset="0"/>
+              <a:ea typeface="나눔바른고딕" charset="0"/>
             </a:endParaRPr>
           </a:p>
         </p:txBody>
       </p:sp>
       <p:pic>
         <p:nvPicPr>
-          <p:cNvPr id="1042" name="그림 58"/>
+          <p:cNvPr id="1042" name="그림 58" descr="C:/Users/Admin1/AppData/Roaming/PolarisOffice/ETemp/12048_10612304/fImage850627641.png"/>
           <p:cNvPicPr>
             <a:picLocks noChangeAspect="1"/>
           </p:cNvPicPr>
@@ -7625,8 +7452,8 @@
         </p:blipFill>
         <p:spPr>
           <a:xfrm rot="0">
-            <a:off x="1238885" y="1271270"/>
-            <a:ext cx="2469515" cy="2969260"/>
+            <a:off x="1231900" y="1447165"/>
+            <a:ext cx="2477135" cy="2794000"/>
           </a:xfrm>
           <a:prstGeom prst="roundRect"/>
           <a:solidFill>
@@ -7644,8 +7471,8 @@
         </p:nvSpPr>
         <p:spPr>
           <a:xfrm rot="0">
-            <a:off x="1230630" y="4383405"/>
-            <a:ext cx="4082415" cy="1784985"/>
+            <a:off x="1230630" y="4469765"/>
+            <a:ext cx="4145280" cy="1784985"/>
           </a:xfrm>
           <a:prstGeom prst="rect"/>
           <a:noFill/>
@@ -7672,20 +7499,37 @@
                 <a:latin typeface="맑은 고딕" charset="0"/>
                 <a:ea typeface="맑은 고딕" charset="0"/>
               </a:rPr>
-              <a:t>1. </a:t>
+              <a:t>1.</a:t>
+            </a:r>
+            <a:r>
+              <a:rPr sz="2000" b="1">
+                <a:solidFill>
+                  <a:srgbClr val="0611F2"/>
+                </a:solidFill>
+                <a:latin typeface="맑은 고딕" charset="0"/>
+                <a:ea typeface="맑은 고딕" charset="0"/>
+              </a:rPr>
+              <a:t> </a:t>
             </a:r>
             <a:r>
               <a:rPr lang="ko-KR" sz="1800">
                 <a:latin typeface="맑은 고딕" charset="0"/>
                 <a:ea typeface="맑은 고딕" charset="0"/>
               </a:rPr>
-              <a:t>빈</a:t>
+              <a:t>빈 게임 오브젝트를 생성하고 </a:t>
             </a:r>
             <a:r>
               <a:rPr lang="ko-KR" sz="1800">
                 <a:latin typeface="맑은 고딕" charset="0"/>
                 <a:ea typeface="맑은 고딕" charset="0"/>
               </a:rPr>
+              <a:t>이름을</a:t>
+            </a:r>
+            <a:r>
+              <a:rPr lang="ko-KR" sz="1800">
+                <a:latin typeface="맑은 고딕" charset="0"/>
+                <a:ea typeface="맑은 고딕" charset="0"/>
+              </a:rPr>
               <a:t> </a:t>
             </a:r>
             <a:r>
@@ -7693,98 +7537,14 @@
                 <a:latin typeface="맑은 고딕" charset="0"/>
                 <a:ea typeface="맑은 고딕" charset="0"/>
               </a:rPr>
-              <a:t>게임</a:t>
+              <a:t>Create</a:t>
             </a:r>
             <a:r>
               <a:rPr lang="ko-KR" sz="1800">
                 <a:latin typeface="맑은 고딕" charset="0"/>
                 <a:ea typeface="맑은 고딕" charset="0"/>
               </a:rPr>
-              <a:t> </a:t>
-            </a:r>
-            <a:r>
-              <a:rPr lang="ko-KR" sz="1800">
-                <a:latin typeface="맑은 고딕" charset="0"/>
-                <a:ea typeface="맑은 고딕" charset="0"/>
-              </a:rPr>
-              <a:t>오브젝트를</a:t>
-            </a:r>
-            <a:r>
-              <a:rPr lang="ko-KR" sz="1800">
-                <a:latin typeface="맑은 고딕" charset="0"/>
-                <a:ea typeface="맑은 고딕" charset="0"/>
-              </a:rPr>
-              <a:t> </a:t>
-            </a:r>
-            <a:r>
-              <a:rPr lang="ko-KR" sz="1800">
-                <a:latin typeface="맑은 고딕" charset="0"/>
-                <a:ea typeface="맑은 고딕" charset="0"/>
-              </a:rPr>
-              <a:t>생성하고</a:t>
-            </a:r>
-            <a:r>
-              <a:rPr lang="ko-KR" sz="1800">
-                <a:latin typeface="맑은 고딕" charset="0"/>
-                <a:ea typeface="맑은 고딕" charset="0"/>
-              </a:rPr>
-              <a:t> </a:t>
-            </a:r>
-            <a:r>
-              <a:rPr lang="ko-KR" sz="1800">
-                <a:latin typeface="맑은 고딕" charset="0"/>
-                <a:ea typeface="맑은 고딕" charset="0"/>
-              </a:rPr>
-              <a:t>이름을</a:t>
-            </a:r>
-            <a:r>
-              <a:rPr lang="ko-KR" sz="1800">
-                <a:latin typeface="맑은 고딕" charset="0"/>
-                <a:ea typeface="맑은 고딕" charset="0"/>
-              </a:rPr>
-              <a:t> </a:t>
-            </a:r>
-            <a:r>
-              <a:rPr lang="ko-KR" sz="1800">
-                <a:latin typeface="맑은 고딕" charset="0"/>
-                <a:ea typeface="맑은 고딕" charset="0"/>
-              </a:rPr>
-              <a:t>Create</a:t>
-            </a:r>
-            <a:r>
-              <a:rPr lang="ko-KR" sz="1800">
-                <a:latin typeface="맑은 고딕" charset="0"/>
-                <a:ea typeface="맑은 고딕" charset="0"/>
-              </a:rPr>
-              <a:t> </a:t>
-            </a:r>
-            <a:r>
-              <a:rPr lang="ko-KR" sz="1800">
-                <a:latin typeface="맑은 고딕" charset="0"/>
-                <a:ea typeface="맑은 고딕" charset="0"/>
-              </a:rPr>
-              <a:t>Object로</a:t>
-            </a:r>
-            <a:r>
-              <a:rPr lang="ko-KR" sz="1800">
-                <a:latin typeface="맑은 고딕" charset="0"/>
-                <a:ea typeface="맑은 고딕" charset="0"/>
-              </a:rPr>
-              <a:t> </a:t>
-            </a:r>
-            <a:r>
-              <a:rPr lang="ko-KR" sz="1800">
-                <a:latin typeface="맑은 고딕" charset="0"/>
-                <a:ea typeface="맑은 고딕" charset="0"/>
-              </a:rPr>
-              <a:t>정의합니다.</a:t>
-            </a:r>
-            <a:r>
-              <a:rPr lang="ko-KR" sz="1800">
-                <a:latin typeface="맑은 고딕" charset="0"/>
-                <a:ea typeface="맑은 고딕" charset="0"/>
-              </a:rPr>
-              <a:t> </a:t>
+              <a:t> Object로 정의합니다. </a:t>
             </a:r>
             <a:endParaRPr lang="ko-KR" altLang="en-US" sz="1800">
               <a:latin typeface="맑은 고딕" charset="0"/>
@@ -7811,7 +7571,63 @@
                 <a:latin typeface="맑은 고딕" charset="0"/>
                 <a:ea typeface="맑은 고딕" charset="0"/>
               </a:rPr>
-              <a:t>그리고 스크립트를 생성하고 Create라는 이름으로 설정하고 Create Object에 넣어줍니다.</a:t>
+              <a:t>그리고</a:t>
+            </a:r>
+            <a:r>
+              <a:rPr lang="ko-KR" sz="1800">
+                <a:latin typeface="맑은 고딕" charset="0"/>
+                <a:ea typeface="맑은 고딕" charset="0"/>
+              </a:rPr>
+              <a:t> 스크립트를 생성하고 </a:t>
+            </a:r>
+            <a:r>
+              <a:rPr lang="ko-KR" sz="1800">
+                <a:latin typeface="맑은 고딕" charset="0"/>
+                <a:ea typeface="맑은 고딕" charset="0"/>
+              </a:rPr>
+              <a:t>Create라는</a:t>
+            </a:r>
+            <a:r>
+              <a:rPr lang="ko-KR" sz="1800">
+                <a:latin typeface="맑은 고딕" charset="0"/>
+                <a:ea typeface="맑은 고딕" charset="0"/>
+              </a:rPr>
+              <a:t> </a:t>
+            </a:r>
+            <a:r>
+              <a:rPr lang="ko-KR" sz="1800">
+                <a:latin typeface="맑은 고딕" charset="0"/>
+                <a:ea typeface="맑은 고딕" charset="0"/>
+              </a:rPr>
+              <a:t>이름으로</a:t>
+            </a:r>
+            <a:r>
+              <a:rPr lang="ko-KR" sz="1800">
+                <a:latin typeface="맑은 고딕" charset="0"/>
+                <a:ea typeface="맑은 고딕" charset="0"/>
+              </a:rPr>
+              <a:t> 설정하고 Create </a:t>
+            </a:r>
+            <a:r>
+              <a:rPr lang="ko-KR" sz="1800">
+                <a:latin typeface="맑은 고딕" charset="0"/>
+                <a:ea typeface="맑은 고딕" charset="0"/>
+              </a:rPr>
+              <a:t>Object에</a:t>
+            </a:r>
+            <a:r>
+              <a:rPr lang="ko-KR" sz="1800">
+                <a:latin typeface="맑은 고딕" charset="0"/>
+                <a:ea typeface="맑은 고딕" charset="0"/>
+              </a:rPr>
+              <a:t> </a:t>
+            </a:r>
+            <a:r>
+              <a:rPr lang="ko-KR" sz="1800">
+                <a:latin typeface="맑은 고딕" charset="0"/>
+                <a:ea typeface="맑은 고딕" charset="0"/>
+              </a:rPr>
+              <a:t>넣어줍니다.</a:t>
             </a:r>
             <a:endParaRPr lang="ko-KR" altLang="en-US" sz="1800">
               <a:latin typeface="맑은 고딕" charset="0"/>
@@ -7822,7 +7638,7 @@
       </p:sp>
       <p:pic>
         <p:nvPicPr>
-          <p:cNvPr id="1045" name="그림 65"/>
+          <p:cNvPr id="1045" name="그림 65" descr="C:/Users/Admin1/AppData/Roaming/PolarisOffice/ETemp/12048_10612304/fImage28282796334.png"/>
           <p:cNvPicPr>
             <a:picLocks noChangeAspect="1"/>
           </p:cNvPicPr>
@@ -7842,8 +7658,8 @@
         </p:blipFill>
         <p:spPr>
           <a:xfrm rot="0">
-            <a:off x="4273550" y="3508375"/>
-            <a:ext cx="683260" cy="741045"/>
+            <a:off x="4289425" y="3499485"/>
+            <a:ext cx="702310" cy="741680"/>
           </a:xfrm>
           <a:prstGeom prst="roundRect"/>
           <a:solidFill>
@@ -7861,9 +7677,9 @@
           <p:nvPr/>
         </p:nvCxnSpPr>
         <p:spPr>
-          <a:xfrm rot="0" flipH="1" flipV="1">
-            <a:off x="4610100" y="3117215"/>
-            <a:ext cx="5080" cy="391795"/>
+          <a:xfrm rot="0" flipV="1">
+            <a:off x="4639945" y="3117850"/>
+            <a:ext cx="1905" cy="382270"/>
           </a:xfrm>
           <a:prstGeom prst="straightConnector1"/>
           <a:ln w="6350" cap="flat" cmpd="sng">
@@ -7888,7 +7704,7 @@
       </p:cxnSp>
       <p:pic>
         <p:nvPicPr>
-          <p:cNvPr id="1049" name="그림 1"/>
+          <p:cNvPr id="1049" name="그림 1" descr="C:/Users/Admin1/AppData/Roaming/PolarisOffice/ETemp/12048_10612304/fImage453129141.png"/>
           <p:cNvPicPr>
             <a:picLocks noChangeAspect="1"/>
           </p:cNvPicPr>
@@ -7908,8 +7724,8 @@
         </p:blipFill>
         <p:spPr>
           <a:xfrm rot="0">
-            <a:off x="3907155" y="1278890"/>
-            <a:ext cx="1407160" cy="1838960"/>
+            <a:off x="3907155" y="1447165"/>
+            <a:ext cx="1468755" cy="1671320"/>
           </a:xfrm>
           <a:prstGeom prst="roundRect"/>
           <a:solidFill>
@@ -7926,9 +7742,9 @@
           <p:nvPr/>
         </p:nvSpPr>
         <p:spPr>
-          <a:xfrm>
-            <a:off x="6817995" y="4114800"/>
-            <a:ext cx="4142105" cy="2061845"/>
+          <a:xfrm rot="0">
+            <a:off x="6800850" y="4192270"/>
+            <a:ext cx="4139565" cy="2061845"/>
           </a:xfrm>
           <a:prstGeom prst="rect"/>
           <a:noFill/>
@@ -7965,14 +7781,45 @@
                 <a:latin typeface="맑은 고딕" charset="0"/>
                 <a:ea typeface="맑은 고딕" charset="0"/>
               </a:rPr>
-              <a:t>. </a:t>
+              <a:t>.</a:t>
+            </a:r>
+            <a:r>
+              <a:rPr sz="2000" b="1">
+                <a:solidFill>
+                  <a:srgbClr val="0611F2"/>
+                </a:solidFill>
+                <a:latin typeface="맑은 고딕" charset="0"/>
+                <a:ea typeface="맑은 고딕" charset="0"/>
+              </a:rPr>
+              <a:t> </a:t>
             </a:r>
             <a:r>
               <a:rPr lang="ko-KR" sz="1800">
                 <a:latin typeface="맑은 고딕" charset="0"/>
                 <a:ea typeface="맑은 고딕" charset="0"/>
               </a:rPr>
-              <a:t>그다음 버튼을 생성하고 버튼의  이름을 Generic Create Button으로 변경합니다.</a:t>
+              <a:t>그다음 버튼을 생성하고 버튼의  </a:t>
+            </a:r>
+            <a:r>
+              <a:rPr lang="ko-KR" sz="1800">
+                <a:latin typeface="맑은 고딕" charset="0"/>
+                <a:ea typeface="맑은 고딕" charset="0"/>
+              </a:rPr>
+              <a:t>이름을</a:t>
+            </a:r>
+            <a:r>
+              <a:rPr lang="ko-KR" sz="1800">
+                <a:latin typeface="맑은 고딕" charset="0"/>
+                <a:ea typeface="맑은 고딕" charset="0"/>
+              </a:rPr>
+              <a:t> Generic Create Button으로 </a:t>
+            </a:r>
+            <a:r>
+              <a:rPr lang="ko-KR" sz="1800">
+                <a:latin typeface="맑은 고딕" charset="0"/>
+                <a:ea typeface="맑은 고딕" charset="0"/>
+              </a:rPr>
+              <a:t>변경합니다.</a:t>
             </a:r>
             <a:endParaRPr lang="ko-KR" altLang="en-US" sz="1800">
               <a:latin typeface="맑은 고딕" charset="0"/>
@@ -7999,21 +7846,42 @@
                 <a:latin typeface="맑은 고딕" charset="0"/>
                 <a:ea typeface="맑은 고딕" charset="0"/>
               </a:rPr>
-              <a:t>그러고 나서 스크립트를 생성하고 De</a:t>
+              <a:t>그러고</a:t>
             </a:r>
             <a:r>
               <a:rPr lang="ko-KR" sz="1800">
                 <a:latin typeface="맑은 고딕" charset="0"/>
                 <a:ea typeface="맑은 고딕" charset="0"/>
               </a:rPr>
-              <a:t>lay</a:t>
+              <a:t> 나서 스크립트를 생성하고 </a:t>
             </a:r>
             <a:r>
               <a:rPr lang="ko-KR" sz="1800">
                 <a:latin typeface="맑은 고딕" charset="0"/>
                 <a:ea typeface="맑은 고딕" charset="0"/>
               </a:rPr>
-              <a:t>라는 이름으로 설정한 다음 Generic Create Button에 넣어줍니다.</a:t>
+              <a:t>Delay라는</a:t>
+            </a:r>
+            <a:r>
+              <a:rPr lang="ko-KR" sz="1800">
+                <a:latin typeface="맑은 고딕" charset="0"/>
+                <a:ea typeface="맑은 고딕" charset="0"/>
+              </a:rPr>
+              <a:t> 이름으로 설정한 다음 </a:t>
+            </a:r>
+            <a:r>
+              <a:rPr lang="ko-KR" sz="1800">
+                <a:latin typeface="맑은 고딕" charset="0"/>
+                <a:ea typeface="맑은 고딕" charset="0"/>
+              </a:rPr>
+              <a:t>Generic</a:t>
+            </a:r>
+            <a:r>
+              <a:rPr lang="ko-KR" sz="1800">
+                <a:latin typeface="맑은 고딕" charset="0"/>
+                <a:ea typeface="맑은 고딕" charset="0"/>
+              </a:rPr>
+              <a:t> Create Button에 넣어줍니다.</a:t>
             </a:r>
             <a:endParaRPr lang="ko-KR" altLang="en-US" sz="1800">
               <a:latin typeface="맑은 고딕" charset="0"/>
@@ -8024,7 +7892,7 @@
       </p:sp>
       <p:pic>
         <p:nvPicPr>
-          <p:cNvPr id="1051" name="그림 2"/>
+          <p:cNvPr id="1051" name="그림 2" descr="C:/Users/Admin1/AppData/Roaming/PolarisOffice/ETemp/12048_10612304/fImage191383915447.png"/>
           <p:cNvPicPr>
             <a:picLocks noChangeAspect="1"/>
           </p:cNvPicPr>
@@ -8044,8 +7912,8 @@
         </p:blipFill>
         <p:spPr>
           <a:xfrm rot="0">
-            <a:off x="6814820" y="1277620"/>
-            <a:ext cx="2554605" cy="2630170"/>
+            <a:off x="6805295" y="1438275"/>
+            <a:ext cx="2564765" cy="2533015"/>
           </a:xfrm>
           <a:prstGeom prst="roundRect"/>
           <a:solidFill>
@@ -8055,17 +7923,17 @@
       </p:pic>
       <p:pic>
         <p:nvPicPr>
-          <p:cNvPr id="1052" name="그림 1"/>
+          <p:cNvPr id="1052" name="그림 1" descr="C:/Users/Admin1/AppData/Roaming/PolarisOffice/ETemp/12048_10612304/fImage729619141.png"/>
           <p:cNvPicPr>
             <a:picLocks noChangeAspect="1"/>
           </p:cNvPicPr>
           <p:nvPr/>
         </p:nvPicPr>
         <p:blipFill rotWithShape="1">
-          <a:blip r:embed="rId11" cstate="print">
+          <a:blip r:embed="rId11" cstate="hqprint">
             <a:extLst>
               <a:ext uri="{28A0092B-C50C-407E-A947-70E740481C1C}">
-                <a14:useLocalDpi xmlns:a14="http://schemas.microsoft.com/office/drawing/2010/main" val="0"/>
+                <a14:useLocalDpi xmlns:a14="http://schemas.microsoft.com/office/drawing/2010/main"/>
               </a:ext>
             </a:extLst>
           </a:blip>
@@ -8075,8 +7943,8 @@
         </p:blipFill>
         <p:spPr>
           <a:xfrm rot="0">
-            <a:off x="9601835" y="1388110"/>
-            <a:ext cx="1351915" cy="1513840"/>
+            <a:off x="9601835" y="1430020"/>
+            <a:ext cx="1346835" cy="1472565"/>
           </a:xfrm>
           <a:prstGeom prst="roundRect"/>
           <a:solidFill>
@@ -8201,7 +8069,7 @@
         <p:spPr>
           <a:xfrm rot="0">
             <a:off x="4353560" y="393065"/>
-            <a:ext cx="3499485" cy="554990"/>
+            <a:ext cx="3500120" cy="554990"/>
           </a:xfrm>
           <a:prstGeom prst="rect"/>
           <a:noFill/>
@@ -8228,7 +8096,7 @@
                 <a:latin typeface="맑은 고딕" charset="0"/>
                 <a:ea typeface="맑은 고딕" charset="0"/>
               </a:rPr>
-              <a:t>여덟 번째 </a:t>
+              <a:t>아홉</a:t>
             </a:r>
             <a:r>
               <a:rPr lang="ko-KR" altLang="en-US" sz="3000" b="1">
@@ -8238,7 +8106,7 @@
                 <a:latin typeface="맑은 고딕" charset="0"/>
                 <a:ea typeface="맑은 고딕" charset="0"/>
               </a:rPr>
-              <a:t>튜토리얼</a:t>
+              <a:t> 번째 튜토리얼</a:t>
             </a:r>
             <a:endParaRPr lang="ko-KR" altLang="en-US" sz="3000" b="1">
               <a:solidFill>
@@ -8260,8 +8128,8 @@
         </p:nvSpPr>
         <p:spPr>
           <a:xfrm rot="0">
-            <a:off x="6791960" y="5241925"/>
-            <a:ext cx="4156710" cy="954405"/>
+            <a:off x="1222375" y="5276850"/>
+            <a:ext cx="4164330" cy="954405"/>
           </a:xfrm>
           <a:prstGeom prst="rect"/>
           <a:noFill/>
@@ -8288,7 +8156,7 @@
                 <a:latin typeface="맑은 고딕" charset="0"/>
                 <a:ea typeface="맑은 고딕" charset="0"/>
               </a:rPr>
-              <a:t>18</a:t>
+              <a:t>20</a:t>
             </a:r>
             <a:r>
               <a:rPr sz="2000" b="1">
@@ -8305,35 +8173,21 @@
                 <a:latin typeface="맑은 고딕" charset="0"/>
                 <a:ea typeface="맑은 고딕" charset="0"/>
               </a:rPr>
-              <a:t>그리고 </a:t>
-            </a:r>
-            <a:r>
-              <a:rPr sz="1800">
-                <a:latin typeface="맑은 고딕" charset="0"/>
-                <a:ea typeface="맑은 고딕" charset="0"/>
-              </a:rPr>
-              <a:t>Create</a:t>
-            </a:r>
-            <a:r>
-              <a:rPr sz="1800">
+              <a:t>마지막으로</a:t>
+            </a:r>
+            <a:r>
+              <a:rPr lang="ko-KR" sz="1800">
                 <a:latin typeface="맑은 고딕" charset="0"/>
                 <a:ea typeface="맑은 고딕" charset="0"/>
               </a:rPr>
               <a:t> </a:t>
             </a:r>
             <a:r>
-              <a:rPr sz="1800">
-                <a:latin typeface="맑은 고딕" charset="0"/>
-                <a:ea typeface="맑은 고딕" charset="0"/>
-              </a:rPr>
-              <a:t>스크립트</a:t>
-            </a:r>
-            <a:r>
               <a:rPr lang="ko-KR" sz="1800">
                 <a:latin typeface="맑은 고딕" charset="0"/>
                 <a:ea typeface="맑은 고딕" charset="0"/>
               </a:rPr>
-              <a:t>에 있는 Prefab에 Prefab 폴더에 있는 Orc 오브젝트를 넣어줍니다.</a:t>
+              <a:t>Prefab 폴더에 있는 Orc 오브젝트를 선택하고 Delete 스크립트라는 컴포넌트를 추가합니다.</a:t>
             </a:r>
             <a:endParaRPr lang="ko-KR" altLang="en-US" sz="1800">
               <a:latin typeface="맑은 고딕" charset="0"/>
@@ -8344,7 +8198,7 @@
       </p:sp>
       <p:sp>
         <p:nvSpPr>
-          <p:cNvPr id="1090" name="텍스트 상자 20"/>
+          <p:cNvPr id="1090" name="Rect 0"/>
           <p:cNvSpPr txBox="1">
             <a:spLocks/>
           </p:cNvSpPr>
@@ -8352,8 +8206,8 @@
         </p:nvSpPr>
         <p:spPr>
           <a:xfrm rot="0">
-            <a:off x="1222375" y="4441825"/>
-            <a:ext cx="4173220" cy="1754505"/>
+            <a:off x="1222375" y="3195320"/>
+            <a:ext cx="4173220" cy="647065"/>
           </a:xfrm>
           <a:prstGeom prst="rect"/>
           <a:noFill/>
@@ -8380,7 +8234,17 @@
                 <a:latin typeface="맑은 고딕" charset="0"/>
                 <a:ea typeface="맑은 고딕" charset="0"/>
               </a:rPr>
-              <a:t>17</a:t>
+              <a:t>1</a:t>
+            </a:r>
+            <a:r>
+              <a:rPr lang="ko-KR" sz="1800" b="1">
+                <a:solidFill>
+                  <a:srgbClr val="0611F2"/>
+                </a:solidFill>
+                <a:latin typeface="맑은 고딕" charset="0"/>
+                <a:ea typeface="맑은 고딕" charset="0"/>
+              </a:rPr>
+              <a:t>9</a:t>
             </a:r>
             <a:r>
               <a:rPr sz="1800" b="1">
@@ -8404,73 +8268,178 @@
                 <a:latin typeface="맑은 고딕" charset="0"/>
                 <a:ea typeface="맑은 고딕" charset="0"/>
               </a:rPr>
-              <a:t>이</a:t>
+              <a:t>그다음으</a:t>
             </a:r>
             <a:r>
               <a:rPr lang="ko-KR" sz="1800">
                 <a:latin typeface="맑은 고딕" charset="0"/>
                 <a:ea typeface="맑은 고딕" charset="0"/>
               </a:rPr>
-              <a:t>제</a:t>
-            </a:r>
-            <a:r>
-              <a:rPr sz="1800">
-                <a:latin typeface="맑은 고딕" charset="0"/>
-                <a:ea typeface="맑은 고딕" charset="0"/>
-              </a:rPr>
-              <a:t> First Point 오브젝트와 Second Point 오브젝트의 위치를 설정합니다.</a:t>
+              <a:t>로 C# Script를 생성하고 Delete라는 이름으로 정의합니다.</a:t>
             </a:r>
             <a:endParaRPr lang="ko-KR" altLang="en-US" sz="1800">
               <a:latin typeface="맑은 고딕" charset="0"/>
               <a:ea typeface="맑은 고딕" charset="0"/>
             </a:endParaRPr>
           </a:p>
-          <a:p>
-            <a:pPr marL="0" indent="0" rtl="0" algn="l" defTabSz="914400" eaLnBrk="1" latinLnBrk="0" hangingPunct="1">
-              <a:buFontTx/>
-              <a:buNone/>
-            </a:pPr>
-            <a:endParaRPr lang="ko-KR" altLang="en-US" sz="1800">
-              <a:latin typeface="맑은 고딕" charset="0"/>
-              <a:ea typeface="맑은 고딕" charset="0"/>
-            </a:endParaRPr>
-          </a:p>
-          <a:p>
-            <a:pPr marL="0" indent="0" rtl="0" algn="l" defTabSz="914400" eaLnBrk="1" latinLnBrk="0" hangingPunct="1">
-              <a:buFontTx/>
-              <a:buNone/>
-            </a:pPr>
-            <a:r>
-              <a:rPr sz="1800">
-                <a:latin typeface="맑은 고딕" charset="0"/>
-                <a:ea typeface="맑은 고딕" charset="0"/>
-              </a:rPr>
-              <a:t>그</a:t>
-            </a:r>
-            <a:r>
-              <a:rPr lang="ko-KR" sz="1800">
-                <a:latin typeface="맑은 고딕" charset="0"/>
-                <a:ea typeface="맑은 고딕" charset="0"/>
-              </a:rPr>
-              <a:t>런 다음</a:t>
-            </a:r>
-            <a:r>
-              <a:rPr sz="1800">
-                <a:latin typeface="맑은 고딕" charset="0"/>
-                <a:ea typeface="맑은 고딕" charset="0"/>
-              </a:rPr>
-              <a:t> Third Point 오브젝트와 Four Point 오브젝트의 위치를 설정합니다.</a:t>
-            </a:r>
-            <a:endParaRPr lang="ko-KR" altLang="en-US" sz="1800">
-              <a:latin typeface="맑은 고딕" charset="0"/>
-              <a:ea typeface="맑은 고딕" charset="0"/>
-            </a:endParaRPr>
-          </a:p>
         </p:txBody>
       </p:sp>
       <p:pic>
         <p:nvPicPr>
-          <p:cNvPr id="1091" name="그림 21"/>
+          <p:cNvPr id="1096" name="Picture "/>
+          <p:cNvPicPr>
+            <a:picLocks noChangeAspect="1"/>
+          </p:cNvPicPr>
+          <p:nvPr/>
+        </p:nvPicPr>
+        <p:blipFill rotWithShape="1">
+          <a:blip r:embed="rId2" cstate="hqprint">
+            <a:extLst>
+              <a:ext uri="{28A0092B-C50C-407E-A947-70E740481C1C}">
+                <a14:useLocalDpi xmlns:a14="http://schemas.microsoft.com/office/drawing/2010/main"/>
+              </a:ext>
+            </a:extLst>
+          </a:blip>
+          <a:stretch>
+            <a:fillRect/>
+          </a:stretch>
+        </p:blipFill>
+        <p:spPr>
+          <a:xfrm rot="0">
+            <a:off x="2976245" y="3988435"/>
+            <a:ext cx="2428240" cy="1194435"/>
+          </a:xfrm>
+          <a:prstGeom prst="roundRect"/>
+          <a:solidFill>
+            <a:srgbClr val="EDEDED"/>
+          </a:solidFill>
+        </p:spPr>
+      </p:pic>
+      <p:pic>
+        <p:nvPicPr>
+          <p:cNvPr id="1098" name="그림 38"/>
+          <p:cNvPicPr>
+            <a:picLocks noChangeAspect="1"/>
+          </p:cNvPicPr>
+          <p:nvPr/>
+        </p:nvPicPr>
+        <p:blipFill rotWithShape="1">
+          <a:blip r:embed="rId3" cstate="print">
+            <a:extLst>
+              <a:ext uri="{28A0092B-C50C-407E-A947-70E740481C1C}">
+                <a14:useLocalDpi xmlns:a14="http://schemas.microsoft.com/office/drawing/2010/main" val="0"/>
+              </a:ext>
+            </a:extLst>
+          </a:blip>
+          <a:stretch>
+            <a:fillRect/>
+          </a:stretch>
+        </p:blipFill>
+        <p:spPr>
+          <a:xfrm rot="0">
+            <a:off x="1219200" y="3977640"/>
+            <a:ext cx="1649730" cy="1213485"/>
+          </a:xfrm>
+          <a:prstGeom prst="roundRect"/>
+          <a:solidFill>
+            <a:srgbClr val="EDEDED"/>
+          </a:solidFill>
+        </p:spPr>
+      </p:pic>
+      <p:pic>
+        <p:nvPicPr>
+          <p:cNvPr id="1099" name="그림 41"/>
+          <p:cNvPicPr>
+            <a:picLocks noChangeAspect="1"/>
+          </p:cNvPicPr>
+          <p:nvPr/>
+        </p:nvPicPr>
+        <p:blipFill rotWithShape="1">
+          <a:blip r:embed="rId4" cstate="print">
+            <a:extLst>
+              <a:ext uri="{28A0092B-C50C-407E-A947-70E740481C1C}">
+                <a14:useLocalDpi xmlns:a14="http://schemas.microsoft.com/office/drawing/2010/main" val="0"/>
+              </a:ext>
+            </a:extLst>
+          </a:blip>
+          <a:stretch>
+            <a:fillRect/>
+          </a:stretch>
+        </p:blipFill>
+        <p:spPr>
+          <a:xfrm rot="0">
+            <a:off x="4355465" y="1746250"/>
+            <a:ext cx="849630" cy="939165"/>
+          </a:xfrm>
+          <a:prstGeom prst="roundRect"/>
+          <a:solidFill>
+            <a:srgbClr val="EDEDED"/>
+          </a:solidFill>
+        </p:spPr>
+      </p:pic>
+      <p:pic>
+        <p:nvPicPr>
+          <p:cNvPr id="1100" name="그림 44"/>
+          <p:cNvPicPr>
+            <a:picLocks noChangeAspect="1"/>
+          </p:cNvPicPr>
+          <p:nvPr/>
+        </p:nvPicPr>
+        <p:blipFill rotWithShape="1">
+          <a:blip r:embed="rId5" cstate="print">
+            <a:extLst>
+              <a:ext uri="{28A0092B-C50C-407E-A947-70E740481C1C}">
+                <a14:useLocalDpi xmlns:a14="http://schemas.microsoft.com/office/drawing/2010/main" val="0"/>
+              </a:ext>
+            </a:extLst>
+          </a:blip>
+          <a:stretch>
+            <a:fillRect/>
+          </a:stretch>
+        </p:blipFill>
+        <p:spPr>
+          <a:xfrm rot="0">
+            <a:off x="1221740" y="1337945"/>
+            <a:ext cx="1783715" cy="1762760"/>
+          </a:xfrm>
+          <a:prstGeom prst="roundRect"/>
+          <a:solidFill>
+            <a:srgbClr val="EDEDED"/>
+          </a:solidFill>
+        </p:spPr>
+      </p:pic>
+      <p:pic>
+        <p:nvPicPr>
+          <p:cNvPr id="1101" name="그림 51"/>
+          <p:cNvPicPr>
+            <a:picLocks noChangeAspect="1"/>
+          </p:cNvPicPr>
+          <p:nvPr/>
+        </p:nvPicPr>
+        <p:blipFill rotWithShape="1">
+          <a:blip r:embed="rId6" cstate="hqprint">
+            <a:extLst>
+              <a:ext uri="{28A0092B-C50C-407E-A947-70E740481C1C}">
+                <a14:useLocalDpi xmlns:a14="http://schemas.microsoft.com/office/drawing/2010/main"/>
+              </a:ext>
+            </a:extLst>
+          </a:blip>
+          <a:stretch>
+            <a:fillRect/>
+          </a:stretch>
+        </p:blipFill>
+        <p:spPr>
+          <a:xfrm rot="0">
+            <a:off x="3152140" y="2019300"/>
+            <a:ext cx="1022350" cy="426720"/>
+          </a:xfrm>
+          <a:prstGeom prst="rect"/>
+          <a:noFill/>
+        </p:spPr>
+      </p:pic>
+      <p:pic>
+        <p:nvPicPr>
+          <p:cNvPr id="1102" name="그림 54"/>
           <p:cNvPicPr>
             <a:picLocks noChangeAspect="1"/>
           </p:cNvPicPr>
@@ -8490,8 +8459,8 @@
         </p:blipFill>
         <p:spPr>
           <a:xfrm rot="0">
-            <a:off x="1215390" y="1343025"/>
-            <a:ext cx="2019300" cy="1410970"/>
+            <a:off x="6814820" y="1345565"/>
+            <a:ext cx="4139565" cy="2447925"/>
           </a:xfrm>
           <a:prstGeom prst="roundRect"/>
           <a:solidFill>
@@ -8499,194 +8468,97 @@
           </a:solidFill>
         </p:spPr>
       </p:pic>
-      <p:pic>
-        <p:nvPicPr>
-          <p:cNvPr id="1092" name="그림 22"/>
-          <p:cNvPicPr>
-            <a:picLocks noChangeAspect="1"/>
-          </p:cNvPicPr>
+      <p:sp>
+        <p:nvSpPr>
+          <p:cNvPr id="1103" name="텍스트 상자 57"/>
+          <p:cNvSpPr txBox="1">
+            <a:spLocks/>
+          </p:cNvSpPr>
           <p:nvPr/>
-        </p:nvPicPr>
-        <p:blipFill rotWithShape="1">
-          <a:blip r:embed="rId8" cstate="print">
-            <a:extLst>
-              <a:ext uri="{28A0092B-C50C-407E-A947-70E740481C1C}">
-                <a14:useLocalDpi xmlns:a14="http://schemas.microsoft.com/office/drawing/2010/main" val="0"/>
-              </a:ext>
-            </a:extLst>
-          </a:blip>
-          <a:stretch>
-            <a:fillRect/>
-          </a:stretch>
-        </p:blipFill>
-        <p:spPr>
-          <a:xfrm rot="0">
-            <a:off x="3333750" y="1347470"/>
-            <a:ext cx="2053590" cy="1396365"/>
-          </a:xfrm>
-          <a:prstGeom prst="roundRect"/>
-          <a:solidFill>
-            <a:srgbClr val="EDEDED"/>
-          </a:solidFill>
-        </p:spPr>
-      </p:pic>
-      <p:pic>
-        <p:nvPicPr>
-          <p:cNvPr id="1093" name="그림 27"/>
-          <p:cNvPicPr>
-            <a:picLocks noChangeAspect="1"/>
-          </p:cNvPicPr>
-          <p:nvPr/>
-        </p:nvPicPr>
-        <p:blipFill rotWithShape="1">
-          <a:blip r:embed="rId9" cstate="print">
-            <a:extLst>
-              <a:ext uri="{28A0092B-C50C-407E-A947-70E740481C1C}">
-                <a14:useLocalDpi xmlns:a14="http://schemas.microsoft.com/office/drawing/2010/main" val="0"/>
-              </a:ext>
-            </a:extLst>
-          </a:blip>
-          <a:stretch>
-            <a:fillRect/>
-          </a:stretch>
-        </p:blipFill>
-        <p:spPr>
-          <a:xfrm rot="0">
-            <a:off x="1219200" y="2926080"/>
-            <a:ext cx="2015490" cy="1405255"/>
-          </a:xfrm>
-          <a:prstGeom prst="roundRect"/>
-          <a:solidFill>
-            <a:srgbClr val="EDEDED"/>
-          </a:solidFill>
-        </p:spPr>
-      </p:pic>
-      <p:pic>
-        <p:nvPicPr>
-          <p:cNvPr id="1094" name="그림 30"/>
-          <p:cNvPicPr>
-            <a:picLocks noChangeAspect="1"/>
-          </p:cNvPicPr>
-          <p:nvPr/>
-        </p:nvPicPr>
-        <p:blipFill rotWithShape="1">
-          <a:blip r:embed="rId10" cstate="print">
-            <a:extLst>
-              <a:ext uri="{28A0092B-C50C-407E-A947-70E740481C1C}">
-                <a14:useLocalDpi xmlns:a14="http://schemas.microsoft.com/office/drawing/2010/main" val="0"/>
-              </a:ext>
-            </a:extLst>
-          </a:blip>
-          <a:stretch>
-            <a:fillRect/>
-          </a:stretch>
-        </p:blipFill>
-        <p:spPr>
-          <a:xfrm rot="0">
-            <a:off x="3335020" y="2931795"/>
-            <a:ext cx="2044065" cy="1410335"/>
-          </a:xfrm>
-          <a:prstGeom prst="roundRect"/>
-          <a:solidFill>
-            <a:srgbClr val="EDEDED"/>
-          </a:solidFill>
-        </p:spPr>
-      </p:pic>
-      <p:pic>
-        <p:nvPicPr>
-          <p:cNvPr id="1095" name="그림 33"/>
-          <p:cNvPicPr>
-            <a:picLocks noChangeAspect="1"/>
-          </p:cNvPicPr>
-          <p:nvPr/>
-        </p:nvPicPr>
-        <p:blipFill rotWithShape="1">
-          <a:blip r:embed="rId11" cstate="print">
-            <a:extLst>
-              <a:ext uri="{28A0092B-C50C-407E-A947-70E740481C1C}">
-                <a14:useLocalDpi xmlns:a14="http://schemas.microsoft.com/office/drawing/2010/main" val="0"/>
-              </a:ext>
-            </a:extLst>
-          </a:blip>
-          <a:stretch>
-            <a:fillRect/>
-          </a:stretch>
-        </p:blipFill>
-        <p:spPr>
-          <a:xfrm rot="0">
-            <a:off x="6791960" y="1346835"/>
-            <a:ext cx="4165600" cy="2004060"/>
-          </a:xfrm>
-          <a:prstGeom prst="roundRect"/>
-          <a:solidFill>
-            <a:srgbClr val="EDEDED"/>
-          </a:solidFill>
-        </p:spPr>
-      </p:pic>
-      <p:pic>
-        <p:nvPicPr>
-          <p:cNvPr id="1096" name="그림 36"/>
-          <p:cNvPicPr>
-            <a:picLocks noChangeAspect="1"/>
-          </p:cNvPicPr>
-          <p:nvPr/>
-        </p:nvPicPr>
-        <p:blipFill rotWithShape="1">
-          <a:blip r:embed="rId12" cstate="hqprint">
-            <a:extLst>
-              <a:ext uri="{28A0092B-C50C-407E-A947-70E740481C1C}">
-                <a14:useLocalDpi xmlns:a14="http://schemas.microsoft.com/office/drawing/2010/main"/>
-              </a:ext>
-            </a:extLst>
-          </a:blip>
-          <a:stretch>
-            <a:fillRect/>
-          </a:stretch>
-        </p:blipFill>
-        <p:spPr>
-          <a:xfrm rot="0">
-            <a:off x="6800215" y="3586480"/>
-            <a:ext cx="4148455" cy="1560195"/>
-          </a:xfrm>
-          <a:prstGeom prst="roundRect"/>
-          <a:solidFill>
-            <a:srgbClr val="EDEDED"/>
-          </a:solidFill>
-        </p:spPr>
-      </p:pic>
-      <p:cxnSp>
-        <p:nvCxnSpPr>
-          <p:cNvPr id="1097" name="도형 37"/>
-          <p:cNvCxnSpPr/>
-          <p:nvPr/>
-        </p:nvCxnSpPr>
-        <p:spPr>
-          <a:xfrm rot="0" flipV="1">
-            <a:off x="7955915" y="1887220"/>
-            <a:ext cx="2860040" cy="2103755"/>
-          </a:xfrm>
-          <a:prstGeom prst="straightConnector1"/>
-          <a:ln w="6350" cap="flat" cmpd="sng">
+        </p:nvSpPr>
+        <p:spPr>
+          <a:xfrm rot="0">
+            <a:off x="6827520" y="3893820"/>
+            <a:ext cx="4136390" cy="2339340"/>
+          </a:xfrm>
+          <a:prstGeom prst="rect"/>
+          <a:noFill/>
+          <a:ln w="0">
+            <a:noFill/>
             <a:prstDash/>
-            <a:headEnd type="none" w="med" len="med"/>
-            <a:tailEnd type="triangle" w="med" len="med"/>
           </a:ln>
         </p:spPr>
-        <p:style>
-          <a:lnRef idx="1">
-            <a:schemeClr val="accent1"/>
-          </a:lnRef>
-          <a:fillRef idx="0">
-            <a:schemeClr val="accent1"/>
-          </a:fillRef>
-          <a:effectRef idx="0">
-            <a:schemeClr val="accent1"/>
-          </a:effectRef>
-          <a:fontRef idx="minor">
-            <a:schemeClr val="tx1"/>
-          </a:fontRef>
-        </p:style>
-      </p:cxnSp>
+        <p:txBody>
+          <a:bodyPr wrap="square" lIns="89535" tIns="46355" rIns="89535" bIns="46355" numCol="1" vert="horz" anchor="t">
+            <a:spAutoFit/>
+          </a:bodyPr>
+          <a:lstStyle/>
+          <a:p>
+            <a:pPr marL="0" indent="0" algn="l" latinLnBrk="0" hangingPunct="1">
+              <a:buFontTx/>
+              <a:buNone/>
+            </a:pPr>
+            <a:r>
+              <a:rPr lang="ko-KR" sz="2000" b="1">
+                <a:solidFill>
+                  <a:srgbClr val="0611F2"/>
+                </a:solidFill>
+                <a:latin typeface="맑은 고딕" charset="0"/>
+                <a:ea typeface="맑은 고딕" charset="0"/>
+              </a:rPr>
+              <a:t>21</a:t>
+            </a:r>
+            <a:r>
+              <a:rPr sz="2000" b="1">
+                <a:solidFill>
+                  <a:srgbClr val="0611F2"/>
+                </a:solidFill>
+                <a:latin typeface="맑은 고딕" charset="0"/>
+                <a:ea typeface="맑은 고딕" charset="0"/>
+              </a:rPr>
+              <a:t>. </a:t>
+            </a:r>
+            <a:r>
+              <a:rPr lang="ko-KR" sz="1800">
+                <a:latin typeface="맑은 고딕" charset="0"/>
+                <a:ea typeface="맑은 고딕" charset="0"/>
+              </a:rPr>
+              <a:t>이제 Delete 스크립트를 선택한 다음 Start( ) 함수 안에 게임 오브젝트를 파괴하는 함수를 선언합니다.</a:t>
+            </a:r>
+            <a:endParaRPr lang="ko-KR" altLang="en-US" sz="1800">
+              <a:latin typeface="맑은 고딕" charset="0"/>
+              <a:ea typeface="맑은 고딕" charset="0"/>
+            </a:endParaRPr>
+          </a:p>
+          <a:p>
+            <a:pPr marL="0" indent="0" algn="l" latinLnBrk="0" hangingPunct="1">
+              <a:buFontTx/>
+              <a:buNone/>
+            </a:pPr>
+            <a:endParaRPr lang="ko-KR" altLang="en-US" sz="1800">
+              <a:latin typeface="맑은 고딕" charset="0"/>
+              <a:ea typeface="맑은 고딕" charset="0"/>
+            </a:endParaRPr>
+          </a:p>
+          <a:p>
+            <a:pPr marL="0" indent="0" algn="l" latinLnBrk="0" hangingPunct="1">
+              <a:buFontTx/>
+              <a:buNone/>
+            </a:pPr>
+            <a:r>
+              <a:rPr lang="ko-KR" sz="1800">
+                <a:latin typeface="맑은 고딕" charset="0"/>
+                <a:ea typeface="맑은 고딕" charset="0"/>
+              </a:rPr>
+              <a:t>그리고 Random.Range( )를 사용하여 게임 오브젝트가 1 ~ 5초 사이의 특정 시간에 파괴될 수 있도록 설정합니다.</a:t>
+            </a:r>
+            <a:endParaRPr lang="ko-KR" altLang="en-US" sz="1800">
+              <a:latin typeface="맑은 고딕" charset="0"/>
+              <a:ea typeface="맑은 고딕" charset="0"/>
+            </a:endParaRPr>
+          </a:p>
+        </p:txBody>
+      </p:sp>
     </p:spTree>
   </p:cSld>
   <p:clrMapOvr>
@@ -8737,8 +8609,8 @@
         </p:nvSpPr>
         <p:spPr>
           <a:xfrm rot="0">
-            <a:off x="4353560" y="393065"/>
-            <a:ext cx="3500120" cy="554990"/>
+            <a:off x="5285740" y="509905"/>
+            <a:ext cx="1621790" cy="554990"/>
           </a:xfrm>
           <a:prstGeom prst="rect"/>
           <a:noFill/>
@@ -8765,17 +8637,7 @@
                 <a:latin typeface="맑은 고딕" charset="0"/>
                 <a:ea typeface="맑은 고딕" charset="0"/>
               </a:rPr>
-              <a:t>아홉</a:t>
-            </a:r>
-            <a:r>
-              <a:rPr lang="ko-KR" altLang="en-US" sz="3000" b="1">
-                <a:solidFill>
-                  <a:schemeClr val="tx1"/>
-                </a:solidFill>
-                <a:latin typeface="맑은 고딕" charset="0"/>
-                <a:ea typeface="맑은 고딕" charset="0"/>
-              </a:rPr>
-              <a:t> 번째 튜토리얼</a:t>
+              <a:t>Destory</a:t>
             </a:r>
             <a:endParaRPr lang="ko-KR" altLang="en-US" sz="3000" b="1">
               <a:solidFill>
@@ -8789,7 +8651,7 @@
       </p:sp>
       <p:sp>
         <p:nvSpPr>
-          <p:cNvPr id="1070" name="Rect 0"/>
+          <p:cNvPr id="1101" name="Rect 0"/>
           <p:cNvSpPr txBox="1">
             <a:spLocks/>
           </p:cNvSpPr>
@@ -8797,8 +8659,8 @@
         </p:nvSpPr>
         <p:spPr>
           <a:xfrm rot="0">
-            <a:off x="1222375" y="5276850"/>
-            <a:ext cx="4164330" cy="954405"/>
+            <a:off x="1047750" y="1619885"/>
+            <a:ext cx="4307840" cy="4246245"/>
           </a:xfrm>
           <a:prstGeom prst="rect"/>
           <a:noFill/>
@@ -8818,56 +8680,120 @@
               <a:buNone/>
             </a:pPr>
             <a:r>
-              <a:rPr lang="ko-KR" sz="2000" b="1">
-                <a:solidFill>
-                  <a:srgbClr val="0611F2"/>
-                </a:solidFill>
-                <a:latin typeface="맑은 고딕" charset="0"/>
-                <a:ea typeface="맑은 고딕" charset="0"/>
-              </a:rPr>
-              <a:t>20</a:t>
-            </a:r>
-            <a:r>
-              <a:rPr sz="2000" b="1">
-                <a:solidFill>
-                  <a:srgbClr val="0611F2"/>
-                </a:solidFill>
-                <a:latin typeface="맑은 고딕" charset="0"/>
-                <a:ea typeface="맑은 고딕" charset="0"/>
-              </a:rPr>
-              <a:t>. </a:t>
-            </a:r>
-            <a:r>
               <a:rPr lang="ko-KR" sz="1800">
                 <a:latin typeface="맑은 고딕" charset="0"/>
                 <a:ea typeface="맑은 고딕" charset="0"/>
               </a:rPr>
-              <a:t>마지막으로</a:t>
-            </a:r>
-            <a:r>
-              <a:rPr lang="ko-KR" sz="1800">
-                <a:latin typeface="맑은 고딕" charset="0"/>
-                <a:ea typeface="맑은 고딕" charset="0"/>
-              </a:rPr>
-              <a:t> </a:t>
-            </a:r>
-            <a:r>
-              <a:rPr lang="ko-KR" sz="1800">
-                <a:latin typeface="맑은 고딕" charset="0"/>
-                <a:ea typeface="맑은 고딕" charset="0"/>
-              </a:rPr>
-              <a:t>Prefab 폴더에 있는 Orc 오브젝트를 선택하고 Delete 스크립트라는 컴포넌트를 추가합니다.</a:t>
+              <a:t>Destroy( ) 함수는 게임 오브젝트를 파괴하는 함수입니다.</a:t>
             </a:r>
             <a:endParaRPr lang="ko-KR" altLang="en-US" sz="1800">
               <a:latin typeface="맑은 고딕" charset="0"/>
               <a:ea typeface="맑은 고딕" charset="0"/>
             </a:endParaRPr>
           </a:p>
-        </p:txBody>
-      </p:sp>
-      <p:sp>
-        <p:nvSpPr>
-          <p:cNvPr id="1090" name="Rect 0"/>
+          <a:p>
+            <a:pPr marL="0" indent="0" algn="l" latinLnBrk="0" hangingPunct="1">
+              <a:buFontTx/>
+              <a:buNone/>
+            </a:pPr>
+            <a:endParaRPr lang="ko-KR" altLang="en-US" sz="1800">
+              <a:latin typeface="맑은 고딕" charset="0"/>
+              <a:ea typeface="맑은 고딕" charset="0"/>
+            </a:endParaRPr>
+          </a:p>
+          <a:p>
+            <a:pPr marL="0" indent="0" algn="l" latinLnBrk="0" hangingPunct="1">
+              <a:buFontTx/>
+              <a:buNone/>
+            </a:pPr>
+            <a:r>
+              <a:rPr lang="ko-KR" sz="1800">
+                <a:latin typeface="맑은 고딕" charset="0"/>
+                <a:ea typeface="맑은 고딕" charset="0"/>
+              </a:rPr>
+              <a:t>일정 시간을 설정하고 일정 시간 후에 파괴할 수 있도록 설정할 수도 있습니다.</a:t>
+            </a:r>
+            <a:endParaRPr lang="ko-KR" altLang="en-US" sz="1800">
+              <a:latin typeface="맑은 고딕" charset="0"/>
+              <a:ea typeface="맑은 고딕" charset="0"/>
+            </a:endParaRPr>
+          </a:p>
+          <a:p>
+            <a:pPr marL="0" indent="0" algn="l" latinLnBrk="0" hangingPunct="1">
+              <a:buFontTx/>
+              <a:buNone/>
+            </a:pPr>
+            <a:endParaRPr lang="ko-KR" altLang="en-US" sz="1800">
+              <a:latin typeface="맑은 고딕" charset="0"/>
+              <a:ea typeface="맑은 고딕" charset="0"/>
+            </a:endParaRPr>
+          </a:p>
+          <a:p>
+            <a:pPr marL="0" indent="0" algn="l" latinLnBrk="0" hangingPunct="1">
+              <a:buFontTx/>
+              <a:buNone/>
+            </a:pPr>
+            <a:r>
+              <a:rPr lang="ko-KR" sz="1800">
+                <a:latin typeface="맑은 고딕" charset="0"/>
+                <a:ea typeface="맑은 고딕" charset="0"/>
+              </a:rPr>
+              <a:t>게임 오브젝트가 메모리에서 해제되면 Object의 == 연산자 오버로딩으로 인하여 해제된 객체를 확인할 수 있습니다.</a:t>
+            </a:r>
+            <a:endParaRPr lang="ko-KR" altLang="en-US" sz="1800">
+              <a:latin typeface="맑은 고딕" charset="0"/>
+              <a:ea typeface="맑은 고딕" charset="0"/>
+            </a:endParaRPr>
+          </a:p>
+          <a:p>
+            <a:pPr marL="0" indent="0" algn="l" latinLnBrk="0" hangingPunct="1">
+              <a:buFontTx/>
+              <a:buNone/>
+            </a:pPr>
+            <a:endParaRPr lang="ko-KR" altLang="en-US" sz="1800">
+              <a:latin typeface="맑은 고딕" charset="0"/>
+              <a:ea typeface="맑은 고딕" charset="0"/>
+            </a:endParaRPr>
+          </a:p>
+          <a:p>
+            <a:pPr marL="0" indent="0" algn="l" latinLnBrk="0" hangingPunct="1">
+              <a:buFontTx/>
+              <a:buNone/>
+            </a:pPr>
+            <a:r>
+              <a:rPr lang="ko-KR" sz="1800">
+                <a:latin typeface="맑은 고딕" charset="0"/>
+                <a:ea typeface="맑은 고딕" charset="0"/>
+              </a:rPr>
+              <a:t>객체가 메모리에서 해제되었을 때</a:t>
+            </a:r>
+            <a:endParaRPr lang="ko-KR" altLang="en-US" sz="1800">
+              <a:latin typeface="맑은 고딕" charset="0"/>
+              <a:ea typeface="맑은 고딕" charset="0"/>
+            </a:endParaRPr>
+          </a:p>
+          <a:p>
+            <a:pPr marL="0" indent="0" algn="l" latinLnBrk="0" hangingPunct="1">
+              <a:buFontTx/>
+              <a:buNone/>
+            </a:pPr>
+            <a:r>
+              <a:rPr lang="ko-KR" sz="1800">
+                <a:latin typeface="맑은 고딕" charset="0"/>
+                <a:ea typeface="맑은 고딕" charset="0"/>
+              </a:rPr>
+              <a:t>객체를 참조하는 참조 변수들은 허상 포인터가 되지 않도록 null을 가리키도록 설정합니다.</a:t>
+            </a:r>
+            <a:endParaRPr lang="ko-KR" altLang="en-US" sz="1800">
+              <a:latin typeface="맑은 고딕" charset="0"/>
+              <a:ea typeface="맑은 고딕" charset="0"/>
+            </a:endParaRPr>
+          </a:p>
+        </p:txBody>
+      </p:sp>
+      <p:sp>
+        <p:nvSpPr>
+          <p:cNvPr id="1109" name="텍스트 상자 11"/>
           <p:cNvSpPr txBox="1">
             <a:spLocks/>
           </p:cNvSpPr>
@@ -8875,8 +8801,8 @@
         </p:nvSpPr>
         <p:spPr>
           <a:xfrm rot="0">
-            <a:off x="1222375" y="3195320"/>
-            <a:ext cx="4173220" cy="647065"/>
+            <a:off x="6809105" y="4394200"/>
+            <a:ext cx="4146550" cy="1478915"/>
           </a:xfrm>
           <a:prstGeom prst="rect"/>
           <a:noFill/>
@@ -8886,65 +8812,21 @@
           </a:ln>
         </p:spPr>
         <p:txBody>
-          <a:bodyPr wrap="square" lIns="89535" tIns="46355" rIns="89535" bIns="46355" vert="horz" anchor="t">
+          <a:bodyPr wrap="square" lIns="89535" tIns="46355" rIns="89535" bIns="46355" numCol="1" vert="horz" anchor="t">
             <a:spAutoFit/>
           </a:bodyPr>
           <a:lstStyle/>
           <a:p>
-            <a:pPr marL="0" indent="0" rtl="0" algn="l" defTabSz="914400" eaLnBrk="1" latinLnBrk="0" hangingPunct="1">
-              <a:buFontTx/>
-              <a:buNone/>
-            </a:pPr>
-            <a:r>
-              <a:rPr sz="1800" b="1">
-                <a:solidFill>
-                  <a:srgbClr val="0611F2"/>
-                </a:solidFill>
-                <a:latin typeface="맑은 고딕" charset="0"/>
-                <a:ea typeface="맑은 고딕" charset="0"/>
-              </a:rPr>
-              <a:t>1</a:t>
-            </a:r>
-            <a:r>
-              <a:rPr lang="ko-KR" sz="1800" b="1">
-                <a:solidFill>
-                  <a:srgbClr val="0611F2"/>
-                </a:solidFill>
-                <a:latin typeface="맑은 고딕" charset="0"/>
-                <a:ea typeface="맑은 고딕" charset="0"/>
-              </a:rPr>
-              <a:t>9</a:t>
-            </a:r>
-            <a:r>
-              <a:rPr sz="1800" b="1">
-                <a:solidFill>
-                  <a:srgbClr val="0611F2"/>
-                </a:solidFill>
-                <a:latin typeface="맑은 고딕" charset="0"/>
-                <a:ea typeface="맑은 고딕" charset="0"/>
-              </a:rPr>
-              <a:t>.</a:t>
-            </a:r>
-            <a:r>
-              <a:rPr sz="1800">
-                <a:latin typeface="맑은 고딕" charset="0"/>
-                <a:ea typeface="맑은 고딕" charset="0"/>
-              </a:rPr>
-              <a:t> </a:t>
-            </a:r>
-            <a:r>
-              <a:rPr sz="1800">
-                <a:latin typeface="맑은 고딕" charset="0"/>
-                <a:ea typeface="맑은 고딕" charset="0"/>
-              </a:rPr>
-              <a:t>그다음으</a:t>
-            </a:r>
+            <a:pPr marL="0" indent="0" algn="l" latinLnBrk="0" hangingPunct="1">
+              <a:buFontTx/>
+              <a:buNone/>
+            </a:pPr>
             <a:r>
               <a:rPr lang="ko-KR" sz="1800">
                 <a:latin typeface="맑은 고딕" charset="0"/>
                 <a:ea typeface="맑은 고딕" charset="0"/>
               </a:rPr>
-              <a:t>로 C# Script를 생성하고 Delete라는 이름으로 정의합니다.</a:t>
+              <a:t>Destroy( ) 함수로 게임 오브젝트를 파괴했을 때 C++ nativeObject는 메모리에서 해제되며, C# UnityEngine.Object는 객체이기 때문에 해제되지 않습니다.</a:t>
             </a:r>
             <a:endParaRPr lang="ko-KR" altLang="en-US" sz="1800">
               <a:latin typeface="맑은 고딕" charset="0"/>
@@ -8955,14 +8837,14 @@
       </p:sp>
       <p:pic>
         <p:nvPicPr>
-          <p:cNvPr id="1096" name="Picture "/>
+          <p:cNvPr id="1110" name="그림 24"/>
           <p:cNvPicPr>
             <a:picLocks noChangeAspect="1"/>
           </p:cNvPicPr>
           <p:nvPr/>
         </p:nvPicPr>
         <p:blipFill rotWithShape="1">
-          <a:blip r:embed="rId2" cstate="hqprint">
+          <a:blip r:embed="rId12" cstate="hqprint">
             <a:extLst>
               <a:ext uri="{28A0092B-C50C-407E-A947-70E740481C1C}">
                 <a14:useLocalDpi xmlns:a14="http://schemas.microsoft.com/office/drawing/2010/main"/>
@@ -8975,8 +8857,8 @@
         </p:blipFill>
         <p:spPr>
           <a:xfrm rot="0">
-            <a:off x="2976245" y="3988435"/>
-            <a:ext cx="2428240" cy="1194435"/>
+            <a:off x="6816725" y="1612265"/>
+            <a:ext cx="4141470" cy="2635250"/>
           </a:xfrm>
           <a:prstGeom prst="roundRect"/>
           <a:solidFill>
@@ -8984,250 +8866,6 @@
           </a:solidFill>
         </p:spPr>
       </p:pic>
-      <p:pic>
-        <p:nvPicPr>
-          <p:cNvPr id="1098" name="그림 38"/>
-          <p:cNvPicPr>
-            <a:picLocks noChangeAspect="1"/>
-          </p:cNvPicPr>
-          <p:nvPr/>
-        </p:nvPicPr>
-        <p:blipFill rotWithShape="1">
-          <a:blip r:embed="rId3" cstate="print">
-            <a:extLst>
-              <a:ext uri="{28A0092B-C50C-407E-A947-70E740481C1C}">
-                <a14:useLocalDpi xmlns:a14="http://schemas.microsoft.com/office/drawing/2010/main" val="0"/>
-              </a:ext>
-            </a:extLst>
-          </a:blip>
-          <a:stretch>
-            <a:fillRect/>
-          </a:stretch>
-        </p:blipFill>
-        <p:spPr>
-          <a:xfrm rot="0">
-            <a:off x="1219200" y="3977640"/>
-            <a:ext cx="1649730" cy="1213485"/>
-          </a:xfrm>
-          <a:prstGeom prst="roundRect"/>
-          <a:solidFill>
-            <a:srgbClr val="EDEDED"/>
-          </a:solidFill>
-        </p:spPr>
-      </p:pic>
-      <p:pic>
-        <p:nvPicPr>
-          <p:cNvPr id="1099" name="그림 41"/>
-          <p:cNvPicPr>
-            <a:picLocks noChangeAspect="1"/>
-          </p:cNvPicPr>
-          <p:nvPr/>
-        </p:nvPicPr>
-        <p:blipFill rotWithShape="1">
-          <a:blip r:embed="rId4" cstate="print">
-            <a:extLst>
-              <a:ext uri="{28A0092B-C50C-407E-A947-70E740481C1C}">
-                <a14:useLocalDpi xmlns:a14="http://schemas.microsoft.com/office/drawing/2010/main" val="0"/>
-              </a:ext>
-            </a:extLst>
-          </a:blip>
-          <a:stretch>
-            <a:fillRect/>
-          </a:stretch>
-        </p:blipFill>
-        <p:spPr>
-          <a:xfrm rot="0">
-            <a:off x="4355465" y="1746250"/>
-            <a:ext cx="849630" cy="939165"/>
-          </a:xfrm>
-          <a:prstGeom prst="roundRect"/>
-          <a:solidFill>
-            <a:srgbClr val="EDEDED"/>
-          </a:solidFill>
-        </p:spPr>
-      </p:pic>
-      <p:pic>
-        <p:nvPicPr>
-          <p:cNvPr id="1100" name="그림 44"/>
-          <p:cNvPicPr>
-            <a:picLocks noChangeAspect="1"/>
-          </p:cNvPicPr>
-          <p:nvPr/>
-        </p:nvPicPr>
-        <p:blipFill rotWithShape="1">
-          <a:blip r:embed="rId5" cstate="print">
-            <a:extLst>
-              <a:ext uri="{28A0092B-C50C-407E-A947-70E740481C1C}">
-                <a14:useLocalDpi xmlns:a14="http://schemas.microsoft.com/office/drawing/2010/main" val="0"/>
-              </a:ext>
-            </a:extLst>
-          </a:blip>
-          <a:stretch>
-            <a:fillRect/>
-          </a:stretch>
-        </p:blipFill>
-        <p:spPr>
-          <a:xfrm rot="0">
-            <a:off x="1221740" y="1337945"/>
-            <a:ext cx="1783715" cy="1762760"/>
-          </a:xfrm>
-          <a:prstGeom prst="roundRect"/>
-          <a:solidFill>
-            <a:srgbClr val="EDEDED"/>
-          </a:solidFill>
-        </p:spPr>
-      </p:pic>
-      <p:pic>
-        <p:nvPicPr>
-          <p:cNvPr id="1101" name="그림 51"/>
-          <p:cNvPicPr>
-            <a:picLocks noChangeAspect="1"/>
-          </p:cNvPicPr>
-          <p:nvPr/>
-        </p:nvPicPr>
-        <p:blipFill rotWithShape="1">
-          <a:blip r:embed="rId6" cstate="hqprint">
-            <a:extLst>
-              <a:ext uri="{28A0092B-C50C-407E-A947-70E740481C1C}">
-                <a14:useLocalDpi xmlns:a14="http://schemas.microsoft.com/office/drawing/2010/main"/>
-              </a:ext>
-            </a:extLst>
-          </a:blip>
-          <a:stretch>
-            <a:fillRect/>
-          </a:stretch>
-        </p:blipFill>
-        <p:spPr>
-          <a:xfrm rot="0">
-            <a:off x="3152140" y="2019300"/>
-            <a:ext cx="1022350" cy="426720"/>
-          </a:xfrm>
-          <a:prstGeom prst="rect"/>
-          <a:noFill/>
-        </p:spPr>
-      </p:pic>
-      <p:pic>
-        <p:nvPicPr>
-          <p:cNvPr id="1102" name="그림 54"/>
-          <p:cNvPicPr>
-            <a:picLocks noChangeAspect="1"/>
-          </p:cNvPicPr>
-          <p:nvPr/>
-        </p:nvPicPr>
-        <p:blipFill rotWithShape="1">
-          <a:blip r:embed="rId7" cstate="print">
-            <a:extLst>
-              <a:ext uri="{28A0092B-C50C-407E-A947-70E740481C1C}">
-                <a14:useLocalDpi xmlns:a14="http://schemas.microsoft.com/office/drawing/2010/main" val="0"/>
-              </a:ext>
-            </a:extLst>
-          </a:blip>
-          <a:stretch>
-            <a:fillRect/>
-          </a:stretch>
-        </p:blipFill>
-        <p:spPr>
-          <a:xfrm rot="0">
-            <a:off x="6814820" y="1345565"/>
-            <a:ext cx="4139565" cy="2447925"/>
-          </a:xfrm>
-          <a:prstGeom prst="roundRect"/>
-          <a:solidFill>
-            <a:srgbClr val="EDEDED"/>
-          </a:solidFill>
-        </p:spPr>
-      </p:pic>
-      <p:sp>
-        <p:nvSpPr>
-          <p:cNvPr id="1103" name="텍스트 상자 57"/>
-          <p:cNvSpPr txBox="1">
-            <a:spLocks/>
-          </p:cNvSpPr>
-          <p:nvPr/>
-        </p:nvSpPr>
-        <p:spPr>
-          <a:xfrm rot="0">
-            <a:off x="6827520" y="3893820"/>
-            <a:ext cx="4136390" cy="2339340"/>
-          </a:xfrm>
-          <a:prstGeom prst="rect"/>
-          <a:noFill/>
-          <a:ln w="0">
-            <a:noFill/>
-            <a:prstDash/>
-          </a:ln>
-        </p:spPr>
-        <p:txBody>
-          <a:bodyPr wrap="square" lIns="89535" tIns="46355" rIns="89535" bIns="46355" numCol="1" vert="horz" anchor="t">
-            <a:spAutoFit/>
-          </a:bodyPr>
-          <a:lstStyle/>
-          <a:p>
-            <a:pPr marL="0" indent="0" algn="l" latinLnBrk="0" hangingPunct="1">
-              <a:buFontTx/>
-              <a:buNone/>
-            </a:pPr>
-            <a:r>
-              <a:rPr lang="ko-KR" sz="2000" b="1">
-                <a:solidFill>
-                  <a:srgbClr val="0611F2"/>
-                </a:solidFill>
-                <a:latin typeface="맑은 고딕" charset="0"/>
-                <a:ea typeface="맑은 고딕" charset="0"/>
-              </a:rPr>
-              <a:t>21</a:t>
-            </a:r>
-            <a:r>
-              <a:rPr sz="2000" b="1">
-                <a:solidFill>
-                  <a:srgbClr val="0611F2"/>
-                </a:solidFill>
-                <a:latin typeface="맑은 고딕" charset="0"/>
-                <a:ea typeface="맑은 고딕" charset="0"/>
-              </a:rPr>
-              <a:t>. </a:t>
-            </a:r>
-            <a:r>
-              <a:rPr lang="ko-KR" sz="1800">
-                <a:latin typeface="맑은 고딕" charset="0"/>
-                <a:ea typeface="맑은 고딕" charset="0"/>
-              </a:rPr>
-              <a:t>이제 Delete 스크립트를 선택한 다음 Start( ) 함수 안에 게임 오브젝트를 파괴하는 함수를 선언합니다.</a:t>
-            </a:r>
-            <a:endParaRPr lang="ko-KR" altLang="en-US" sz="1800">
-              <a:latin typeface="맑은 고딕" charset="0"/>
-              <a:ea typeface="맑은 고딕" charset="0"/>
-            </a:endParaRPr>
-          </a:p>
-          <a:p>
-            <a:pPr marL="0" indent="0" algn="l" latinLnBrk="0" hangingPunct="1">
-              <a:buFontTx/>
-              <a:buNone/>
-            </a:pPr>
-            <a:endParaRPr lang="ko-KR" altLang="en-US" sz="1800">
-              <a:latin typeface="맑은 고딕" charset="0"/>
-              <a:ea typeface="맑은 고딕" charset="0"/>
-            </a:endParaRPr>
-          </a:p>
-          <a:p>
-            <a:pPr marL="0" indent="0" algn="l" latinLnBrk="0" hangingPunct="1">
-              <a:buFontTx/>
-              <a:buNone/>
-            </a:pPr>
-            <a:r>
-              <a:rPr lang="ko-KR" sz="1800">
-                <a:latin typeface="맑은 고딕" charset="0"/>
-                <a:ea typeface="맑은 고딕" charset="0"/>
-              </a:rPr>
-              <a:t>그리고 Random.Range( )를 사용하여 게임 오브젝트가 1 ~ 5초 사이의 특정 시간에 파괴될 수 있도록 설정합니다.</a:t>
-            </a:r>
-            <a:endParaRPr lang="ko-KR" altLang="en-US" sz="1800">
-              <a:latin typeface="맑은 고딕" charset="0"/>
-              <a:ea typeface="맑은 고딕" charset="0"/>
-            </a:endParaRPr>
-          </a:p>
-        </p:txBody>
-      </p:sp>
     </p:spTree>
   </p:cSld>
   <p:clrMapOvr>
@@ -9278,8 +8916,8 @@
         </p:nvSpPr>
         <p:spPr>
           <a:xfrm rot="0">
-            <a:off x="5285740" y="509905"/>
-            <a:ext cx="1621790" cy="554990"/>
+            <a:off x="4500880" y="384175"/>
+            <a:ext cx="3189605" cy="554990"/>
           </a:xfrm>
           <a:prstGeom prst="rect"/>
           <a:noFill/>
@@ -9306,7 +8944,17 @@
                 <a:latin typeface="맑은 고딕" charset="0"/>
                 <a:ea typeface="맑은 고딕" charset="0"/>
               </a:rPr>
-              <a:t>Destory</a:t>
+              <a:t>열</a:t>
+            </a:r>
+            <a:r>
+              <a:rPr lang="ko-KR" altLang="en-US" sz="3000" b="1">
+                <a:solidFill>
+                  <a:schemeClr val="tx1"/>
+                </a:solidFill>
+                <a:latin typeface="맑은 고딕" charset="0"/>
+                <a:ea typeface="맑은 고딕" charset="0"/>
+              </a:rPr>
+              <a:t> 번째 튜토리얼</a:t>
             </a:r>
             <a:endParaRPr lang="ko-KR" altLang="en-US" sz="3000" b="1">
               <a:solidFill>
@@ -9320,7 +8968,7 @@
       </p:sp>
       <p:sp>
         <p:nvSpPr>
-          <p:cNvPr id="1101" name="Rect 0"/>
+          <p:cNvPr id="1070" name="Rect 0"/>
           <p:cNvSpPr txBox="1">
             <a:spLocks/>
           </p:cNvSpPr>
@@ -9328,8 +8976,8 @@
         </p:nvSpPr>
         <p:spPr>
           <a:xfrm rot="0">
-            <a:off x="1047750" y="1619885"/>
-            <a:ext cx="4307840" cy="4246245"/>
+            <a:off x="1222375" y="5276850"/>
+            <a:ext cx="4164330" cy="954405"/>
           </a:xfrm>
           <a:prstGeom prst="rect"/>
           <a:noFill/>
@@ -9349,129 +8997,65 @@
               <a:buNone/>
             </a:pPr>
             <a:r>
+              <a:rPr lang="ko-KR" sz="2000" b="1">
+                <a:solidFill>
+                  <a:srgbClr val="0611F2"/>
+                </a:solidFill>
+                <a:latin typeface="맑은 고딕" charset="0"/>
+                <a:ea typeface="맑은 고딕" charset="0"/>
+              </a:rPr>
+              <a:t>23</a:t>
+            </a:r>
+            <a:r>
+              <a:rPr sz="2000" b="1">
+                <a:solidFill>
+                  <a:srgbClr val="0611F2"/>
+                </a:solidFill>
+                <a:latin typeface="맑은 고딕" charset="0"/>
+                <a:ea typeface="맑은 고딕" charset="0"/>
+              </a:rPr>
+              <a:t>. </a:t>
+            </a:r>
+            <a:r>
               <a:rPr lang="ko-KR" sz="1800">
                 <a:latin typeface="맑은 고딕" charset="0"/>
                 <a:ea typeface="맑은 고딕" charset="0"/>
               </a:rPr>
-              <a:t>Destroy( ) 함수는 게임 오브젝트를 파괴하는 함수입니다.</a:t>
+              <a:t>그런 다음</a:t>
+            </a:r>
+            <a:r>
+              <a:rPr lang="ko-KR" sz="1800">
+                <a:latin typeface="맑은 고딕" charset="0"/>
+                <a:ea typeface="맑은 고딕" charset="0"/>
+              </a:rPr>
+              <a:t> </a:t>
+            </a:r>
+            <a:r>
+              <a:rPr lang="ko-KR" sz="1800">
+                <a:latin typeface="맑은 고딕" charset="0"/>
+                <a:ea typeface="맑은 고딕" charset="0"/>
+              </a:rPr>
+              <a:t>Projcet 폴더에 있는 Materials 폴더에 Tile Material을 Plane 게임 오브젝트에 넣어줍니다.</a:t>
             </a:r>
             <a:endParaRPr lang="ko-KR" altLang="en-US" sz="1800">
               <a:latin typeface="맑은 고딕" charset="0"/>
               <a:ea typeface="맑은 고딕" charset="0"/>
             </a:endParaRPr>
           </a:p>
-          <a:p>
-            <a:pPr marL="0" indent="0" algn="l" latinLnBrk="0" hangingPunct="1">
-              <a:buFontTx/>
-              <a:buNone/>
-            </a:pPr>
-            <a:endParaRPr lang="ko-KR" altLang="en-US" sz="1800">
-              <a:latin typeface="맑은 고딕" charset="0"/>
-              <a:ea typeface="맑은 고딕" charset="0"/>
-            </a:endParaRPr>
-          </a:p>
-          <a:p>
-            <a:pPr marL="0" indent="0" algn="l" latinLnBrk="0" hangingPunct="1">
-              <a:buFontTx/>
-              <a:buNone/>
-            </a:pPr>
-            <a:r>
-              <a:rPr lang="ko-KR" sz="1800">
-                <a:latin typeface="맑은 고딕" charset="0"/>
-                <a:ea typeface="맑은 고딕" charset="0"/>
-              </a:rPr>
-              <a:t>일정 시간을 설정하고 일정 시간 후에 파괴할 수 있도록 설정할 수도 있습니다.</a:t>
-            </a:r>
-            <a:endParaRPr lang="ko-KR" altLang="en-US" sz="1800">
-              <a:latin typeface="맑은 고딕" charset="0"/>
-              <a:ea typeface="맑은 고딕" charset="0"/>
-            </a:endParaRPr>
-          </a:p>
-          <a:p>
-            <a:pPr marL="0" indent="0" algn="l" latinLnBrk="0" hangingPunct="1">
-              <a:buFontTx/>
-              <a:buNone/>
-            </a:pPr>
-            <a:endParaRPr lang="ko-KR" altLang="en-US" sz="1800">
-              <a:latin typeface="맑은 고딕" charset="0"/>
-              <a:ea typeface="맑은 고딕" charset="0"/>
-            </a:endParaRPr>
-          </a:p>
-          <a:p>
-            <a:pPr marL="0" indent="0" algn="l" latinLnBrk="0" hangingPunct="1">
-              <a:buFontTx/>
-              <a:buNone/>
-            </a:pPr>
-            <a:r>
-              <a:rPr lang="ko-KR" sz="1800">
-                <a:latin typeface="맑은 고딕" charset="0"/>
-                <a:ea typeface="맑은 고딕" charset="0"/>
-              </a:rPr>
-              <a:t>게임 오브젝트가 메모리에서 해제되면 Object의 == 연산자 오버로딩으로 인하여 해제된 객체를 확인할 수 있습니다.</a:t>
-            </a:r>
-            <a:endParaRPr lang="ko-KR" altLang="en-US" sz="1800">
-              <a:latin typeface="맑은 고딕" charset="0"/>
-              <a:ea typeface="맑은 고딕" charset="0"/>
-            </a:endParaRPr>
-          </a:p>
-          <a:p>
-            <a:pPr marL="0" indent="0" algn="l" latinLnBrk="0" hangingPunct="1">
-              <a:buFontTx/>
-              <a:buNone/>
-            </a:pPr>
-            <a:endParaRPr lang="ko-KR" altLang="en-US" sz="1800">
-              <a:latin typeface="맑은 고딕" charset="0"/>
-              <a:ea typeface="맑은 고딕" charset="0"/>
-            </a:endParaRPr>
-          </a:p>
-          <a:p>
-            <a:pPr marL="0" indent="0" algn="l" latinLnBrk="0" hangingPunct="1">
-              <a:buFontTx/>
-              <a:buNone/>
-            </a:pPr>
-            <a:r>
-              <a:rPr lang="ko-KR" sz="1800">
-                <a:latin typeface="맑은 고딕" charset="0"/>
-                <a:ea typeface="맑은 고딕" charset="0"/>
-              </a:rPr>
-              <a:t>객체가 메모리에서 해제되었을 때</a:t>
-            </a:r>
-            <a:endParaRPr lang="ko-KR" altLang="en-US" sz="1800">
-              <a:latin typeface="맑은 고딕" charset="0"/>
-              <a:ea typeface="맑은 고딕" charset="0"/>
-            </a:endParaRPr>
-          </a:p>
-          <a:p>
-            <a:pPr marL="0" indent="0" algn="l" latinLnBrk="0" hangingPunct="1">
-              <a:buFontTx/>
-              <a:buNone/>
-            </a:pPr>
-            <a:r>
-              <a:rPr lang="ko-KR" sz="1800">
-                <a:latin typeface="맑은 고딕" charset="0"/>
-                <a:ea typeface="맑은 고딕" charset="0"/>
-              </a:rPr>
-              <a:t>객체를 참조하는 참조 변수들은 허상 포인터가 되지 않도록 null을 가리키도록 설정합니다.</a:t>
-            </a:r>
-            <a:endParaRPr lang="ko-KR" altLang="en-US" sz="1800">
-              <a:latin typeface="맑은 고딕" charset="0"/>
-              <a:ea typeface="맑은 고딕" charset="0"/>
-            </a:endParaRPr>
-          </a:p>
-        </p:txBody>
-      </p:sp>
-      <p:sp>
-        <p:nvSpPr>
-          <p:cNvPr id="1109" name="텍스트 상자 11"/>
+        </p:txBody>
+      </p:sp>
+      <p:sp>
+        <p:nvSpPr>
+          <p:cNvPr id="1090" name="Rect 0"/>
           <p:cNvSpPr txBox="1">
             <a:spLocks/>
           </p:cNvSpPr>
           <p:nvPr/>
         </p:nvSpPr>
         <p:spPr>
-          <a:xfrm rot="0">
-            <a:off x="6809105" y="4394200"/>
-            <a:ext cx="4146550" cy="1478915"/>
+          <a:xfrm>
+            <a:off x="1220470" y="3073400"/>
+            <a:ext cx="4166870" cy="647065"/>
           </a:xfrm>
           <a:prstGeom prst="rect"/>
           <a:noFill/>
@@ -9486,16 +9070,71 @@
           </a:bodyPr>
           <a:lstStyle/>
           <a:p>
-            <a:pPr marL="0" indent="0" algn="l" latinLnBrk="0" hangingPunct="1">
-              <a:buFontTx/>
-              <a:buNone/>
-            </a:pPr>
+            <a:pPr marL="0" indent="0" rtl="0" algn="l" defTabSz="914400" eaLnBrk="1" latinLnBrk="0" hangingPunct="1">
+              <a:buFontTx/>
+              <a:buNone/>
+            </a:pPr>
+            <a:r>
+              <a:rPr lang="ko-KR" sz="1800" b="1">
+                <a:solidFill>
+                  <a:srgbClr val="0611F2"/>
+                </a:solidFill>
+                <a:latin typeface="맑은 고딕" charset="0"/>
+                <a:ea typeface="맑은 고딕" charset="0"/>
+              </a:rPr>
+              <a:t>22</a:t>
+            </a:r>
+            <a:r>
+              <a:rPr sz="1800" b="1">
+                <a:solidFill>
+                  <a:srgbClr val="0611F2"/>
+                </a:solidFill>
+                <a:latin typeface="맑은 고딕" charset="0"/>
+                <a:ea typeface="맑은 고딕" charset="0"/>
+              </a:rPr>
+              <a:t>.</a:t>
+            </a:r>
+            <a:r>
+              <a:rPr sz="1800">
+                <a:latin typeface="맑은 고딕" charset="0"/>
+                <a:ea typeface="맑은 고딕" charset="0"/>
+              </a:rPr>
+              <a:t> </a:t>
+            </a:r>
             <a:r>
               <a:rPr lang="ko-KR" sz="1800">
                 <a:latin typeface="맑은 고딕" charset="0"/>
                 <a:ea typeface="맑은 고딕" charset="0"/>
               </a:rPr>
-              <a:t>Destroy( ) 함수로 게임 오브젝트를 파괴했을 때 C++ nativeObject는 메모리에서 해제되며, C# UnityEngine.Object는 객체이기 때문에 해제되지 않습니다.</a:t>
+              <a:t>그다음 </a:t>
+            </a:r>
+            <a:r>
+              <a:rPr lang="ko-KR" sz="1800">
+                <a:latin typeface="맑은 고딕" charset="0"/>
+                <a:ea typeface="맑은 고딕" charset="0"/>
+              </a:rPr>
+              <a:t>Plane</a:t>
+            </a:r>
+            <a:r>
+              <a:rPr lang="ko-KR" sz="1800">
+                <a:latin typeface="맑은 고딕" charset="0"/>
+                <a:ea typeface="맑은 고딕" charset="0"/>
+              </a:rPr>
+              <a:t> 오브젝트의 위치와 회전 값을 </a:t>
+            </a:r>
+            <a:r>
+              <a:rPr lang="ko-KR" sz="1800">
+                <a:latin typeface="맑은 고딕" charset="0"/>
+                <a:ea typeface="맑은 고딕" charset="0"/>
+              </a:rPr>
+              <a:t>초기화</a:t>
+            </a:r>
+            <a:r>
+              <a:rPr lang="ko-KR" sz="1800">
+                <a:latin typeface="맑은 고딕" charset="0"/>
+                <a:ea typeface="맑은 고딕" charset="0"/>
+              </a:rPr>
+              <a:t>합니다.</a:t>
             </a:r>
             <a:endParaRPr lang="ko-KR" altLang="en-US" sz="1800">
               <a:latin typeface="맑은 고딕" charset="0"/>
@@ -9506,14 +9145,180 @@
       </p:sp>
       <p:pic>
         <p:nvPicPr>
-          <p:cNvPr id="1110" name="그림 24"/>
+          <p:cNvPr id="1105" name="그림 61"/>
           <p:cNvPicPr>
             <a:picLocks noChangeAspect="1"/>
           </p:cNvPicPr>
           <p:nvPr/>
         </p:nvPicPr>
         <p:blipFill rotWithShape="1">
-          <a:blip r:embed="rId12" cstate="hqprint">
+          <a:blip r:embed="rId3" cstate="print">
+            <a:extLst>
+              <a:ext uri="{28A0092B-C50C-407E-A947-70E740481C1C}">
+                <a14:useLocalDpi xmlns:a14="http://schemas.microsoft.com/office/drawing/2010/main" val="0"/>
+              </a:ext>
+            </a:extLst>
+          </a:blip>
+          <a:stretch>
+            <a:fillRect/>
+          </a:stretch>
+        </p:blipFill>
+        <p:spPr>
+          <a:xfrm rot="0">
+            <a:off x="1214120" y="3851910"/>
+            <a:ext cx="1488440" cy="1335405"/>
+          </a:xfrm>
+          <a:prstGeom prst="roundRect"/>
+          <a:solidFill>
+            <a:srgbClr val="EDEDED"/>
+          </a:solidFill>
+        </p:spPr>
+      </p:pic>
+      <p:pic>
+        <p:nvPicPr>
+          <p:cNvPr id="1106" name="그림 64"/>
+          <p:cNvPicPr>
+            <a:picLocks noChangeAspect="1"/>
+          </p:cNvPicPr>
+          <p:nvPr/>
+        </p:nvPicPr>
+        <p:blipFill rotWithShape="1">
+          <a:blip r:embed="rId4" cstate="print">
+            <a:extLst>
+              <a:ext uri="{28A0092B-C50C-407E-A947-70E740481C1C}">
+                <a14:useLocalDpi xmlns:a14="http://schemas.microsoft.com/office/drawing/2010/main" val="0"/>
+              </a:ext>
+            </a:extLst>
+          </a:blip>
+          <a:stretch>
+            <a:fillRect/>
+          </a:stretch>
+        </p:blipFill>
+        <p:spPr>
+          <a:xfrm rot="0">
+            <a:off x="2823210" y="3844925"/>
+            <a:ext cx="2563495" cy="1334135"/>
+          </a:xfrm>
+          <a:prstGeom prst="roundRect"/>
+          <a:solidFill>
+            <a:srgbClr val="EDEDED"/>
+          </a:solidFill>
+        </p:spPr>
+      </p:pic>
+      <p:cxnSp>
+        <p:nvCxnSpPr>
+          <p:cNvPr id="1107" name="도형 67"/>
+          <p:cNvCxnSpPr/>
+          <p:nvPr/>
+        </p:nvCxnSpPr>
+        <p:spPr>
+          <a:xfrm rot="0" flipH="1">
+            <a:off x="1835785" y="4572000"/>
+            <a:ext cx="1715135" cy="113030"/>
+          </a:xfrm>
+          <a:prstGeom prst="straightConnector1"/>
+          <a:ln w="6350" cap="flat" cmpd="sng">
+            <a:prstDash/>
+            <a:headEnd type="none" w="med" len="med"/>
+            <a:tailEnd type="triangle" w="med" len="med"/>
+          </a:ln>
+        </p:spPr>
+        <p:style>
+          <a:lnRef idx="1">
+            <a:schemeClr val="accent1"/>
+          </a:lnRef>
+          <a:fillRef idx="0">
+            <a:schemeClr val="accent1"/>
+          </a:fillRef>
+          <a:effectRef idx="0">
+            <a:schemeClr val="accent1"/>
+          </a:effectRef>
+          <a:fontRef idx="minor">
+            <a:schemeClr val="tx1"/>
+          </a:fontRef>
+        </p:style>
+      </p:cxnSp>
+      <p:sp>
+        <p:nvSpPr>
+          <p:cNvPr id="1108" name="텍스트 상자 8"/>
+          <p:cNvSpPr txBox="1">
+            <a:spLocks/>
+          </p:cNvSpPr>
+          <p:nvPr/>
+        </p:nvSpPr>
+        <p:spPr>
+          <a:xfrm rot="0">
+            <a:off x="6806565" y="5279390"/>
+            <a:ext cx="3969385" cy="954405"/>
+          </a:xfrm>
+          <a:prstGeom prst="rect"/>
+          <a:noFill/>
+          <a:ln w="0">
+            <a:noFill/>
+            <a:prstDash/>
+          </a:ln>
+        </p:spPr>
+        <p:txBody>
+          <a:bodyPr wrap="square" lIns="89535" tIns="46355" rIns="89535" bIns="46355" numCol="1" vert="horz" anchor="t">
+            <a:spAutoFit/>
+          </a:bodyPr>
+          <a:lstStyle/>
+          <a:p>
+            <a:pPr marL="0" indent="0" algn="l" latinLnBrk="0" hangingPunct="1">
+              <a:buFontTx/>
+              <a:buNone/>
+            </a:pPr>
+            <a:r>
+              <a:rPr lang="ko-KR" sz="2000" b="1">
+                <a:solidFill>
+                  <a:srgbClr val="0611F2"/>
+                </a:solidFill>
+                <a:latin typeface="맑은 고딕" charset="0"/>
+                <a:ea typeface="맑은 고딕" charset="0"/>
+              </a:rPr>
+              <a:t>24</a:t>
+            </a:r>
+            <a:r>
+              <a:rPr sz="2000" b="1">
+                <a:solidFill>
+                  <a:srgbClr val="0611F2"/>
+                </a:solidFill>
+                <a:latin typeface="맑은 고딕" charset="0"/>
+                <a:ea typeface="맑은 고딕" charset="0"/>
+              </a:rPr>
+              <a:t>. </a:t>
+            </a:r>
+            <a:r>
+              <a:rPr lang="ko-KR" sz="1800">
+                <a:latin typeface="맑은 고딕" charset="0"/>
+                <a:ea typeface="맑은 고딕" charset="0"/>
+              </a:rPr>
+              <a:t>마지막으로</a:t>
+            </a:r>
+            <a:r>
+              <a:rPr lang="ko-KR" sz="1800">
+                <a:latin typeface="맑은 고딕" charset="0"/>
+                <a:ea typeface="맑은 고딕" charset="0"/>
+              </a:rPr>
+              <a:t> Generic Create Button의 Text에 Genenric Stone Create로 정의합니다.</a:t>
+            </a:r>
+            <a:endParaRPr lang="ko-KR" altLang="en-US" sz="1800">
+              <a:latin typeface="맑은 고딕" charset="0"/>
+              <a:ea typeface="맑은 고딕" charset="0"/>
+            </a:endParaRPr>
+          </a:p>
+        </p:txBody>
+      </p:sp>
+      <p:pic>
+        <p:nvPicPr>
+          <p:cNvPr id="1109" name="그림 9"/>
+          <p:cNvPicPr>
+            <a:picLocks noChangeAspect="1"/>
+          </p:cNvPicPr>
+          <p:nvPr/>
+        </p:nvPicPr>
+        <p:blipFill rotWithShape="1">
+          <a:blip r:embed="rId6" cstate="hqprint">
             <a:extLst>
               <a:ext uri="{28A0092B-C50C-407E-A947-70E740481C1C}">
                 <a14:useLocalDpi xmlns:a14="http://schemas.microsoft.com/office/drawing/2010/main"/>
@@ -9526,8 +9331,37 @@
         </p:blipFill>
         <p:spPr>
           <a:xfrm rot="0">
-            <a:off x="6816725" y="1612265"/>
-            <a:ext cx="4141470" cy="2635250"/>
+            <a:off x="6808470" y="1448435"/>
+            <a:ext cx="3966845" cy="3669665"/>
+          </a:xfrm>
+          <a:prstGeom prst="rect"/>
+          <a:noFill/>
+        </p:spPr>
+      </p:pic>
+      <p:pic>
+        <p:nvPicPr>
+          <p:cNvPr id="1110" name="그림 1" descr="C:/Users/Admin1/AppData/Roaming/PolarisOffice/ETemp/7296_8449768/fImage1125721641.png"/>
+          <p:cNvPicPr>
+            <a:picLocks noChangeAspect="1"/>
+          </p:cNvPicPr>
+          <p:nvPr/>
+        </p:nvPicPr>
+        <p:blipFill rotWithShape="1">
+          <a:blip r:embed="rId7" cstate="print">
+            <a:extLst>
+              <a:ext uri="{28A0092B-C50C-407E-A947-70E740481C1C}">
+                <a14:useLocalDpi xmlns:a14="http://schemas.microsoft.com/office/drawing/2010/main" val="0"/>
+              </a:ext>
+            </a:extLst>
+          </a:blip>
+          <a:stretch>
+            <a:fillRect/>
+          </a:stretch>
+        </p:blipFill>
+        <p:spPr>
+          <a:xfrm rot="0">
+            <a:off x="1223010" y="1455420"/>
+            <a:ext cx="4164330" cy="1513205"/>
           </a:xfrm>
           <a:prstGeom prst="roundRect"/>
           <a:solidFill>
@@ -9585,8 +9419,8 @@
         </p:nvSpPr>
         <p:spPr>
           <a:xfrm rot="0">
-            <a:off x="4500880" y="384175"/>
-            <a:ext cx="3189605" cy="554990"/>
+            <a:off x="4318000" y="392430"/>
+            <a:ext cx="3563620" cy="554990"/>
           </a:xfrm>
           <a:prstGeom prst="rect"/>
           <a:noFill/>
@@ -9614,6 +9448,16 @@
                 <a:ea typeface="맑은 고딕" charset="0"/>
               </a:rPr>
               <a:t>열</a:t>
+            </a:r>
+            <a:r>
+              <a:rPr lang="ko-KR" altLang="en-US" sz="3000" b="1">
+                <a:solidFill>
+                  <a:schemeClr val="tx1"/>
+                </a:solidFill>
+                <a:latin typeface="맑은 고딕" charset="0"/>
+                <a:ea typeface="맑은 고딕" charset="0"/>
+              </a:rPr>
+              <a:t>한</a:t>
             </a:r>
             <a:r>
               <a:rPr lang="ko-KR" altLang="en-US" sz="3000" b="1">
@@ -9645,8 +9489,8 @@
         </p:nvSpPr>
         <p:spPr>
           <a:xfrm rot="0">
-            <a:off x="1222375" y="5276850"/>
-            <a:ext cx="4164330" cy="954405"/>
+            <a:off x="1238885" y="5152390"/>
+            <a:ext cx="4140200" cy="1231265"/>
           </a:xfrm>
           <a:prstGeom prst="rect"/>
           <a:noFill/>
@@ -9673,7 +9517,17 @@
                 <a:latin typeface="맑은 고딕" charset="0"/>
                 <a:ea typeface="맑은 고딕" charset="0"/>
               </a:rPr>
-              <a:t>23</a:t>
+              <a:t>2</a:t>
+            </a:r>
+            <a:r>
+              <a:rPr lang="ko-KR" sz="2000" b="1">
+                <a:solidFill>
+                  <a:srgbClr val="0611F2"/>
+                </a:solidFill>
+                <a:latin typeface="맑은 고딕" charset="0"/>
+                <a:ea typeface="맑은 고딕" charset="0"/>
+              </a:rPr>
+              <a:t>5</a:t>
             </a:r>
             <a:r>
               <a:rPr sz="2000" b="1">
@@ -9690,21 +9544,21 @@
                 <a:latin typeface="맑은 고딕" charset="0"/>
                 <a:ea typeface="맑은 고딕" charset="0"/>
               </a:rPr>
-              <a:t>그런 다음</a:t>
+              <a:t>이제 </a:t>
             </a:r>
             <a:r>
               <a:rPr lang="ko-KR" sz="1800">
                 <a:latin typeface="맑은 고딕" charset="0"/>
                 <a:ea typeface="맑은 고딕" charset="0"/>
               </a:rPr>
-              <a:t> </a:t>
+              <a:t>Generic Create Button</a:t>
             </a:r>
             <a:r>
               <a:rPr lang="ko-KR" sz="1800">
                 <a:latin typeface="맑은 고딕" charset="0"/>
                 <a:ea typeface="맑은 고딕" charset="0"/>
               </a:rPr>
-              <a:t>Projcet 폴더에 있는 Materials 폴더에 Tile Material을 Plane 게임 오브젝트에 넣어줍니다.</a:t>
+              <a:t> 오브젝트에 있는 Image 컴포넌트의 Image Type과 Fill Method 그리고 Fill Origin을 설정합니다.</a:t>
             </a:r>
             <a:endParaRPr lang="ko-KR" altLang="en-US" sz="1800">
               <a:latin typeface="맑은 고딕" charset="0"/>
@@ -9715,16 +9569,16 @@
       </p:sp>
       <p:sp>
         <p:nvSpPr>
-          <p:cNvPr id="1090" name="Rect 0"/>
+          <p:cNvPr id="1108" name="Rect 0"/>
           <p:cNvSpPr txBox="1">
             <a:spLocks/>
           </p:cNvSpPr>
           <p:nvPr/>
         </p:nvSpPr>
         <p:spPr>
-          <a:xfrm>
-            <a:off x="1220470" y="3073400"/>
-            <a:ext cx="4166870" cy="647065"/>
+          <a:xfrm rot="0">
+            <a:off x="6790055" y="4323080"/>
+            <a:ext cx="4167505" cy="2061845"/>
           </a:xfrm>
           <a:prstGeom prst="rect"/>
           <a:noFill/>
@@ -9739,82 +9593,122 @@
           </a:bodyPr>
           <a:lstStyle/>
           <a:p>
-            <a:pPr marL="0" indent="0" rtl="0" algn="l" defTabSz="914400" eaLnBrk="1" latinLnBrk="0" hangingPunct="1">
-              <a:buFontTx/>
-              <a:buNone/>
-            </a:pPr>
-            <a:r>
-              <a:rPr lang="ko-KR" sz="1800" b="1">
+            <a:pPr marL="0" indent="0" algn="l" latinLnBrk="0" hangingPunct="1">
+              <a:buFontTx/>
+              <a:buNone/>
+            </a:pPr>
+            <a:r>
+              <a:rPr lang="ko-KR" sz="2000" b="1">
                 <a:solidFill>
                   <a:srgbClr val="0611F2"/>
                 </a:solidFill>
                 <a:latin typeface="맑은 고딕" charset="0"/>
                 <a:ea typeface="맑은 고딕" charset="0"/>
               </a:rPr>
-              <a:t>22</a:t>
-            </a:r>
-            <a:r>
-              <a:rPr sz="1800" b="1">
+              <a:t>26</a:t>
+            </a:r>
+            <a:r>
+              <a:rPr sz="2000" b="1">
                 <a:solidFill>
                   <a:srgbClr val="0611F2"/>
                 </a:solidFill>
                 <a:latin typeface="맑은 고딕" charset="0"/>
                 <a:ea typeface="맑은 고딕" charset="0"/>
               </a:rPr>
-              <a:t>.</a:t>
-            </a:r>
-            <a:r>
-              <a:rPr sz="1800">
-                <a:latin typeface="맑은 고딕" charset="0"/>
-                <a:ea typeface="맑은 고딕" charset="0"/>
-              </a:rPr>
-              <a:t> </a:t>
+              <a:t>. </a:t>
             </a:r>
             <a:r>
               <a:rPr lang="ko-KR" sz="1800">
                 <a:latin typeface="맑은 고딕" charset="0"/>
                 <a:ea typeface="맑은 고딕" charset="0"/>
               </a:rPr>
-              <a:t>그다음 </a:t>
-            </a:r>
-            <a:r>
-              <a:rPr lang="ko-KR" sz="1800">
-                <a:latin typeface="맑은 고딕" charset="0"/>
-                <a:ea typeface="맑은 고딕" charset="0"/>
-              </a:rPr>
-              <a:t>Plane</a:t>
-            </a:r>
-            <a:r>
-              <a:rPr lang="ko-KR" sz="1800">
-                <a:latin typeface="맑은 고딕" charset="0"/>
-                <a:ea typeface="맑은 고딕" charset="0"/>
-              </a:rPr>
-              <a:t> 오브젝트의 위치와 회전 값을 </a:t>
-            </a:r>
-            <a:r>
-              <a:rPr lang="ko-KR" sz="1800">
-                <a:latin typeface="맑은 고딕" charset="0"/>
-                <a:ea typeface="맑은 고딕" charset="0"/>
-              </a:rPr>
-              <a:t>초기화</a:t>
-            </a:r>
-            <a:r>
-              <a:rPr lang="ko-KR" sz="1800">
-                <a:latin typeface="맑은 고딕" charset="0"/>
-                <a:ea typeface="맑은 고딕" charset="0"/>
-              </a:rPr>
-              <a:t>합니다.</a:t>
+              <a:t>그다음으로 Delay 스크립트에 있는 Update( ) 함수에서 조건에 따라</a:t>
             </a:r>
             <a:endParaRPr lang="ko-KR" altLang="en-US" sz="1800">
               <a:latin typeface="맑은 고딕" charset="0"/>
               <a:ea typeface="맑은 고딕" charset="0"/>
             </a:endParaRPr>
           </a:p>
+          <a:p>
+            <a:pPr marL="0" indent="0" algn="l" latinLnBrk="0" hangingPunct="1">
+              <a:buFontTx/>
+              <a:buNone/>
+            </a:pPr>
+            <a:r>
+              <a:rPr lang="ko-KR" sz="1800">
+                <a:latin typeface="맑은 고딕" charset="0"/>
+                <a:ea typeface="맑은 고딕" charset="0"/>
+              </a:rPr>
+              <a:t>버튼 오브젝트를 비활성화 및 활성화하도록 선언합니다.</a:t>
+            </a:r>
+            <a:endParaRPr lang="ko-KR" altLang="en-US" sz="1800">
+              <a:latin typeface="맑은 고딕" charset="0"/>
+              <a:ea typeface="맑은 고딕" charset="0"/>
+            </a:endParaRPr>
+          </a:p>
+          <a:p>
+            <a:pPr marL="0" indent="0" algn="l" latinLnBrk="0" hangingPunct="1">
+              <a:buFontTx/>
+              <a:buNone/>
+            </a:pPr>
+            <a:endParaRPr lang="ko-KR" altLang="en-US" sz="1800">
+              <a:latin typeface="맑은 고딕" charset="0"/>
+              <a:ea typeface="맑은 고딕" charset="0"/>
+            </a:endParaRPr>
+          </a:p>
+          <a:p>
+            <a:pPr marL="0" indent="0" algn="l" latinLnBrk="0" hangingPunct="1">
+              <a:buFontTx/>
+              <a:buNone/>
+            </a:pPr>
+            <a:r>
+              <a:rPr lang="ko-KR" sz="1800">
+                <a:latin typeface="맑은 고딕" charset="0"/>
+                <a:ea typeface="맑은 고딕" charset="0"/>
+              </a:rPr>
+              <a:t>마지막으로 이미지에 fillAmount 값을 시간에 따라 변화하도록 설정합니다.</a:t>
+            </a:r>
+            <a:endParaRPr lang="ko-KR" altLang="en-US" sz="1800">
+              <a:latin typeface="맑은 고딕" charset="0"/>
+              <a:ea typeface="맑은 고딕" charset="0"/>
+            </a:endParaRPr>
+          </a:p>
         </p:txBody>
       </p:sp>
       <p:pic>
         <p:nvPicPr>
-          <p:cNvPr id="1105" name="그림 61"/>
+          <p:cNvPr id="1110" name="그림 19"/>
+          <p:cNvPicPr>
+            <a:picLocks noChangeAspect="1"/>
+          </p:cNvPicPr>
+          <p:nvPr/>
+        </p:nvPicPr>
+        <p:blipFill rotWithShape="1">
+          <a:blip r:embed="rId2" cstate="print">
+            <a:extLst>
+              <a:ext uri="{28A0092B-C50C-407E-A947-70E740481C1C}">
+                <a14:useLocalDpi xmlns:a14="http://schemas.microsoft.com/office/drawing/2010/main" val="0"/>
+              </a:ext>
+            </a:extLst>
+          </a:blip>
+          <a:stretch>
+            <a:fillRect/>
+          </a:stretch>
+        </p:blipFill>
+        <p:spPr>
+          <a:xfrm rot="0">
+            <a:off x="1238250" y="1446530"/>
+            <a:ext cx="4149725" cy="3558540"/>
+          </a:xfrm>
+          <a:prstGeom prst="roundRect"/>
+          <a:solidFill>
+            <a:srgbClr val="EDEDED"/>
+          </a:solidFill>
+        </p:spPr>
+      </p:pic>
+      <p:pic>
+        <p:nvPicPr>
+          <p:cNvPr id="1111" name="그림 22"/>
           <p:cNvPicPr>
             <a:picLocks noChangeAspect="1"/>
           </p:cNvPicPr>
@@ -9834,203 +9728,8 @@
         </p:blipFill>
         <p:spPr>
           <a:xfrm rot="0">
-            <a:off x="1214120" y="3851910"/>
-            <a:ext cx="1488440" cy="1335405"/>
-          </a:xfrm>
-          <a:prstGeom prst="roundRect"/>
-          <a:solidFill>
-            <a:srgbClr val="EDEDED"/>
-          </a:solidFill>
-        </p:spPr>
-      </p:pic>
-      <p:pic>
-        <p:nvPicPr>
-          <p:cNvPr id="1106" name="그림 64"/>
-          <p:cNvPicPr>
-            <a:picLocks noChangeAspect="1"/>
-          </p:cNvPicPr>
-          <p:nvPr/>
-        </p:nvPicPr>
-        <p:blipFill rotWithShape="1">
-          <a:blip r:embed="rId4" cstate="print">
-            <a:extLst>
-              <a:ext uri="{28A0092B-C50C-407E-A947-70E740481C1C}">
-                <a14:useLocalDpi xmlns:a14="http://schemas.microsoft.com/office/drawing/2010/main" val="0"/>
-              </a:ext>
-            </a:extLst>
-          </a:blip>
-          <a:stretch>
-            <a:fillRect/>
-          </a:stretch>
-        </p:blipFill>
-        <p:spPr>
-          <a:xfrm rot="0">
-            <a:off x="2823210" y="3844925"/>
-            <a:ext cx="2563495" cy="1334135"/>
-          </a:xfrm>
-          <a:prstGeom prst="roundRect"/>
-          <a:solidFill>
-            <a:srgbClr val="EDEDED"/>
-          </a:solidFill>
-        </p:spPr>
-      </p:pic>
-      <p:cxnSp>
-        <p:nvCxnSpPr>
-          <p:cNvPr id="1107" name="도형 67"/>
-          <p:cNvCxnSpPr/>
-          <p:nvPr/>
-        </p:nvCxnSpPr>
-        <p:spPr>
-          <a:xfrm rot="0" flipH="1">
-            <a:off x="1835785" y="4572000"/>
-            <a:ext cx="1715135" cy="113030"/>
-          </a:xfrm>
-          <a:prstGeom prst="straightConnector1"/>
-          <a:ln w="6350" cap="flat" cmpd="sng">
-            <a:prstDash/>
-            <a:headEnd type="none" w="med" len="med"/>
-            <a:tailEnd type="triangle" w="med" len="med"/>
-          </a:ln>
-        </p:spPr>
-        <p:style>
-          <a:lnRef idx="1">
-            <a:schemeClr val="accent1"/>
-          </a:lnRef>
-          <a:fillRef idx="0">
-            <a:schemeClr val="accent1"/>
-          </a:fillRef>
-          <a:effectRef idx="0">
-            <a:schemeClr val="accent1"/>
-          </a:effectRef>
-          <a:fontRef idx="minor">
-            <a:schemeClr val="tx1"/>
-          </a:fontRef>
-        </p:style>
-      </p:cxnSp>
-      <p:sp>
-        <p:nvSpPr>
-          <p:cNvPr id="1108" name="텍스트 상자 8"/>
-          <p:cNvSpPr txBox="1">
-            <a:spLocks/>
-          </p:cNvSpPr>
-          <p:nvPr/>
-        </p:nvSpPr>
-        <p:spPr>
-          <a:xfrm rot="0">
-            <a:off x="6806565" y="5279390"/>
-            <a:ext cx="3969385" cy="954405"/>
-          </a:xfrm>
-          <a:prstGeom prst="rect"/>
-          <a:noFill/>
-          <a:ln w="0">
-            <a:noFill/>
-            <a:prstDash/>
-          </a:ln>
-        </p:spPr>
-        <p:txBody>
-          <a:bodyPr wrap="square" lIns="89535" tIns="46355" rIns="89535" bIns="46355" numCol="1" vert="horz" anchor="t">
-            <a:spAutoFit/>
-          </a:bodyPr>
-          <a:lstStyle/>
-          <a:p>
-            <a:pPr marL="0" indent="0" algn="l" latinLnBrk="0" hangingPunct="1">
-              <a:buFontTx/>
-              <a:buNone/>
-            </a:pPr>
-            <a:r>
-              <a:rPr lang="ko-KR" sz="2000" b="1">
-                <a:solidFill>
-                  <a:srgbClr val="0611F2"/>
-                </a:solidFill>
-                <a:latin typeface="맑은 고딕" charset="0"/>
-                <a:ea typeface="맑은 고딕" charset="0"/>
-              </a:rPr>
-              <a:t>24</a:t>
-            </a:r>
-            <a:r>
-              <a:rPr sz="2000" b="1">
-                <a:solidFill>
-                  <a:srgbClr val="0611F2"/>
-                </a:solidFill>
-                <a:latin typeface="맑은 고딕" charset="0"/>
-                <a:ea typeface="맑은 고딕" charset="0"/>
-              </a:rPr>
-              <a:t>. </a:t>
-            </a:r>
-            <a:r>
-              <a:rPr lang="ko-KR" sz="1800">
-                <a:latin typeface="맑은 고딕" charset="0"/>
-                <a:ea typeface="맑은 고딕" charset="0"/>
-              </a:rPr>
-              <a:t>마지막으로</a:t>
-            </a:r>
-            <a:r>
-              <a:rPr lang="ko-KR" sz="1800">
-                <a:latin typeface="맑은 고딕" charset="0"/>
-                <a:ea typeface="맑은 고딕" charset="0"/>
-              </a:rPr>
-              <a:t> Generic Create Button의 Text에 Genenric Stone Create로 정의합니다.</a:t>
-            </a:r>
-            <a:endParaRPr lang="ko-KR" altLang="en-US" sz="1800">
-              <a:latin typeface="맑은 고딕" charset="0"/>
-              <a:ea typeface="맑은 고딕" charset="0"/>
-            </a:endParaRPr>
-          </a:p>
-        </p:txBody>
-      </p:sp>
-      <p:pic>
-        <p:nvPicPr>
-          <p:cNvPr id="1109" name="그림 9"/>
-          <p:cNvPicPr>
-            <a:picLocks noChangeAspect="1"/>
-          </p:cNvPicPr>
-          <p:nvPr/>
-        </p:nvPicPr>
-        <p:blipFill rotWithShape="1">
-          <a:blip r:embed="rId6" cstate="hqprint">
-            <a:extLst>
-              <a:ext uri="{28A0092B-C50C-407E-A947-70E740481C1C}">
-                <a14:useLocalDpi xmlns:a14="http://schemas.microsoft.com/office/drawing/2010/main"/>
-              </a:ext>
-            </a:extLst>
-          </a:blip>
-          <a:stretch>
-            <a:fillRect/>
-          </a:stretch>
-        </p:blipFill>
-        <p:spPr>
-          <a:xfrm rot="0">
-            <a:off x="6808470" y="1448435"/>
-            <a:ext cx="3966845" cy="3669665"/>
-          </a:xfrm>
-          <a:prstGeom prst="rect"/>
-          <a:noFill/>
-        </p:spPr>
-      </p:pic>
-      <p:pic>
-        <p:nvPicPr>
-          <p:cNvPr id="1110" name="그림 1" descr="C:/Users/Admin1/AppData/Roaming/PolarisOffice/ETemp/7296_8449768/fImage1125721641.png"/>
-          <p:cNvPicPr>
-            <a:picLocks noChangeAspect="1"/>
-          </p:cNvPicPr>
-          <p:nvPr/>
-        </p:nvPicPr>
-        <p:blipFill rotWithShape="1">
-          <a:blip r:embed="rId7" cstate="print">
-            <a:extLst>
-              <a:ext uri="{28A0092B-C50C-407E-A947-70E740481C1C}">
-                <a14:useLocalDpi xmlns:a14="http://schemas.microsoft.com/office/drawing/2010/main" val="0"/>
-              </a:ext>
-            </a:extLst>
-          </a:blip>
-          <a:stretch>
-            <a:fillRect/>
-          </a:stretch>
-        </p:blipFill>
-        <p:spPr>
-          <a:xfrm rot="0">
-            <a:off x="1223010" y="1455420"/>
-            <a:ext cx="4164330" cy="1513205"/>
+            <a:off x="6791960" y="1438275"/>
+            <a:ext cx="4173855" cy="2735580"/>
           </a:xfrm>
           <a:prstGeom prst="roundRect"/>
           <a:solidFill>
@@ -10062,374 +9761,6 @@
 </file>
 
 <file path=ppt/slides/slide14.xml><?xml version="1.0" encoding="utf-8"?>
-<p:sld xmlns:a="http://schemas.openxmlformats.org/drawingml/2006/main" xmlns:r="http://schemas.openxmlformats.org/officeDocument/2006/relationships" xmlns:p="http://schemas.openxmlformats.org/presentationml/2006/main" xmlns:p14="http://schemas.microsoft.com/office/powerpoint/2010/main">
-  <p:cSld>
-    <p:spTree>
-      <p:nvGrpSpPr>
-        <p:cNvPr id="1" name=""/>
-        <p:cNvGrpSpPr/>
-        <p:nvPr/>
-      </p:nvGrpSpPr>
-      <p:grpSpPr>
-        <a:xfrm>
-          <a:off x="0" y="0"/>
-          <a:ext cx="0" cy="0"/>
-          <a:chOff x="0" y="0"/>
-          <a:chExt cx="0" cy="0"/>
-        </a:xfrm>
-      </p:grpSpPr>
-      <p:sp>
-        <p:nvSpPr>
-          <p:cNvPr id="1031" name="Rect 0"/>
-          <p:cNvSpPr txBox="1">
-            <a:spLocks/>
-          </p:cNvSpPr>
-          <p:nvPr/>
-        </p:nvSpPr>
-        <p:spPr>
-          <a:xfrm rot="0">
-            <a:off x="4318000" y="392430"/>
-            <a:ext cx="3563620" cy="554990"/>
-          </a:xfrm>
-          <a:prstGeom prst="rect"/>
-          <a:noFill/>
-          <a:ln w="0">
-            <a:noFill/>
-            <a:prstDash/>
-          </a:ln>
-        </p:spPr>
-        <p:txBody>
-          <a:bodyPr wrap="square" lIns="89535" tIns="46355" rIns="89535" bIns="46355" numCol="1" vert="horz" anchor="t">
-            <a:spAutoFit/>
-          </a:bodyPr>
-          <a:lstStyle/>
-          <a:p>
-            <a:pPr marL="0" indent="0" algn="l" latinLnBrk="0">
-              <a:buFontTx/>
-              <a:buNone/>
-            </a:pPr>
-            <a:r>
-              <a:rPr lang="ko-KR" altLang="en-US" sz="3000" b="1">
-                <a:solidFill>
-                  <a:schemeClr val="tx1"/>
-                </a:solidFill>
-                <a:latin typeface="맑은 고딕" charset="0"/>
-                <a:ea typeface="맑은 고딕" charset="0"/>
-              </a:rPr>
-              <a:t>열</a:t>
-            </a:r>
-            <a:r>
-              <a:rPr lang="ko-KR" altLang="en-US" sz="3000" b="1">
-                <a:solidFill>
-                  <a:schemeClr val="tx1"/>
-                </a:solidFill>
-                <a:latin typeface="맑은 고딕" charset="0"/>
-                <a:ea typeface="맑은 고딕" charset="0"/>
-              </a:rPr>
-              <a:t>한</a:t>
-            </a:r>
-            <a:r>
-              <a:rPr lang="ko-KR" altLang="en-US" sz="3000" b="1">
-                <a:solidFill>
-                  <a:schemeClr val="tx1"/>
-                </a:solidFill>
-                <a:latin typeface="맑은 고딕" charset="0"/>
-                <a:ea typeface="맑은 고딕" charset="0"/>
-              </a:rPr>
-              <a:t> 번째 튜토리얼</a:t>
-            </a:r>
-            <a:endParaRPr lang="ko-KR" altLang="en-US" sz="3000" b="1">
-              <a:solidFill>
-                <a:schemeClr val="tx1"/>
-              </a:solidFill>
-              <a:latin typeface="맑은 고딕" charset="0"/>
-              <a:ea typeface="맑은 고딕" charset="0"/>
-            </a:endParaRPr>
-          </a:p>
-        </p:txBody>
-      </p:sp>
-      <p:sp>
-        <p:nvSpPr>
-          <p:cNvPr id="1070" name="Rect 0"/>
-          <p:cNvSpPr txBox="1">
-            <a:spLocks/>
-          </p:cNvSpPr>
-          <p:nvPr/>
-        </p:nvSpPr>
-        <p:spPr>
-          <a:xfrm rot="0">
-            <a:off x="1238885" y="5152390"/>
-            <a:ext cx="4140200" cy="1231265"/>
-          </a:xfrm>
-          <a:prstGeom prst="rect"/>
-          <a:noFill/>
-          <a:ln w="0">
-            <a:noFill/>
-            <a:prstDash/>
-          </a:ln>
-        </p:spPr>
-        <p:txBody>
-          <a:bodyPr wrap="square" lIns="89535" tIns="46355" rIns="89535" bIns="46355" numCol="1" vert="horz" anchor="t">
-            <a:spAutoFit/>
-          </a:bodyPr>
-          <a:lstStyle/>
-          <a:p>
-            <a:pPr marL="0" indent="0" algn="l" latinLnBrk="0" hangingPunct="1">
-              <a:buFontTx/>
-              <a:buNone/>
-            </a:pPr>
-            <a:r>
-              <a:rPr lang="ko-KR" sz="2000" b="1">
-                <a:solidFill>
-                  <a:srgbClr val="0611F2"/>
-                </a:solidFill>
-                <a:latin typeface="맑은 고딕" charset="0"/>
-                <a:ea typeface="맑은 고딕" charset="0"/>
-              </a:rPr>
-              <a:t>2</a:t>
-            </a:r>
-            <a:r>
-              <a:rPr lang="ko-KR" sz="2000" b="1">
-                <a:solidFill>
-                  <a:srgbClr val="0611F2"/>
-                </a:solidFill>
-                <a:latin typeface="맑은 고딕" charset="0"/>
-                <a:ea typeface="맑은 고딕" charset="0"/>
-              </a:rPr>
-              <a:t>5</a:t>
-            </a:r>
-            <a:r>
-              <a:rPr sz="2000" b="1">
-                <a:solidFill>
-                  <a:srgbClr val="0611F2"/>
-                </a:solidFill>
-                <a:latin typeface="맑은 고딕" charset="0"/>
-                <a:ea typeface="맑은 고딕" charset="0"/>
-              </a:rPr>
-              <a:t>. </a:t>
-            </a:r>
-            <a:r>
-              <a:rPr lang="ko-KR" sz="1800">
-                <a:latin typeface="맑은 고딕" charset="0"/>
-                <a:ea typeface="맑은 고딕" charset="0"/>
-              </a:rPr>
-              <a:t>이제 </a:t>
-            </a:r>
-            <a:r>
-              <a:rPr lang="ko-KR" sz="1800">
-                <a:latin typeface="맑은 고딕" charset="0"/>
-                <a:ea typeface="맑은 고딕" charset="0"/>
-              </a:rPr>
-              <a:t>Generic Create Button</a:t>
-            </a:r>
-            <a:r>
-              <a:rPr lang="ko-KR" sz="1800">
-                <a:latin typeface="맑은 고딕" charset="0"/>
-                <a:ea typeface="맑은 고딕" charset="0"/>
-              </a:rPr>
-              <a:t> 오브젝트에 있는 Image 컴포넌트의 Image Type과 Fill Method 그리고 Fill Origin을 설정합니다.</a:t>
-            </a:r>
-            <a:endParaRPr lang="ko-KR" altLang="en-US" sz="1800">
-              <a:latin typeface="맑은 고딕" charset="0"/>
-              <a:ea typeface="맑은 고딕" charset="0"/>
-            </a:endParaRPr>
-          </a:p>
-        </p:txBody>
-      </p:sp>
-      <p:sp>
-        <p:nvSpPr>
-          <p:cNvPr id="1108" name="Rect 0"/>
-          <p:cNvSpPr txBox="1">
-            <a:spLocks/>
-          </p:cNvSpPr>
-          <p:nvPr/>
-        </p:nvSpPr>
-        <p:spPr>
-          <a:xfrm rot="0">
-            <a:off x="6790055" y="4323080"/>
-            <a:ext cx="4167505" cy="2061845"/>
-          </a:xfrm>
-          <a:prstGeom prst="rect"/>
-          <a:noFill/>
-          <a:ln w="0">
-            <a:noFill/>
-            <a:prstDash/>
-          </a:ln>
-        </p:spPr>
-        <p:txBody>
-          <a:bodyPr wrap="square" lIns="89535" tIns="46355" rIns="89535" bIns="46355" numCol="1" vert="horz" anchor="t">
-            <a:spAutoFit/>
-          </a:bodyPr>
-          <a:lstStyle/>
-          <a:p>
-            <a:pPr marL="0" indent="0" algn="l" latinLnBrk="0" hangingPunct="1">
-              <a:buFontTx/>
-              <a:buNone/>
-            </a:pPr>
-            <a:r>
-              <a:rPr lang="ko-KR" sz="2000" b="1">
-                <a:solidFill>
-                  <a:srgbClr val="0611F2"/>
-                </a:solidFill>
-                <a:latin typeface="맑은 고딕" charset="0"/>
-                <a:ea typeface="맑은 고딕" charset="0"/>
-              </a:rPr>
-              <a:t>26</a:t>
-            </a:r>
-            <a:r>
-              <a:rPr sz="2000" b="1">
-                <a:solidFill>
-                  <a:srgbClr val="0611F2"/>
-                </a:solidFill>
-                <a:latin typeface="맑은 고딕" charset="0"/>
-                <a:ea typeface="맑은 고딕" charset="0"/>
-              </a:rPr>
-              <a:t>. </a:t>
-            </a:r>
-            <a:r>
-              <a:rPr lang="ko-KR" sz="1800">
-                <a:latin typeface="맑은 고딕" charset="0"/>
-                <a:ea typeface="맑은 고딕" charset="0"/>
-              </a:rPr>
-              <a:t>그다음으로 Delay 스크립트에 있는 Update( ) 함수에서 조건에 따라</a:t>
-            </a:r>
-            <a:endParaRPr lang="ko-KR" altLang="en-US" sz="1800">
-              <a:latin typeface="맑은 고딕" charset="0"/>
-              <a:ea typeface="맑은 고딕" charset="0"/>
-            </a:endParaRPr>
-          </a:p>
-          <a:p>
-            <a:pPr marL="0" indent="0" algn="l" latinLnBrk="0" hangingPunct="1">
-              <a:buFontTx/>
-              <a:buNone/>
-            </a:pPr>
-            <a:r>
-              <a:rPr lang="ko-KR" sz="1800">
-                <a:latin typeface="맑은 고딕" charset="0"/>
-                <a:ea typeface="맑은 고딕" charset="0"/>
-              </a:rPr>
-              <a:t>버튼 오브젝트를 비활성화 및 활성화하도록 선언합니다.</a:t>
-            </a:r>
-            <a:endParaRPr lang="ko-KR" altLang="en-US" sz="1800">
-              <a:latin typeface="맑은 고딕" charset="0"/>
-              <a:ea typeface="맑은 고딕" charset="0"/>
-            </a:endParaRPr>
-          </a:p>
-          <a:p>
-            <a:pPr marL="0" indent="0" algn="l" latinLnBrk="0" hangingPunct="1">
-              <a:buFontTx/>
-              <a:buNone/>
-            </a:pPr>
-            <a:endParaRPr lang="ko-KR" altLang="en-US" sz="1800">
-              <a:latin typeface="맑은 고딕" charset="0"/>
-              <a:ea typeface="맑은 고딕" charset="0"/>
-            </a:endParaRPr>
-          </a:p>
-          <a:p>
-            <a:pPr marL="0" indent="0" algn="l" latinLnBrk="0" hangingPunct="1">
-              <a:buFontTx/>
-              <a:buNone/>
-            </a:pPr>
-            <a:r>
-              <a:rPr lang="ko-KR" sz="1800">
-                <a:latin typeface="맑은 고딕" charset="0"/>
-                <a:ea typeface="맑은 고딕" charset="0"/>
-              </a:rPr>
-              <a:t>마지막으로 이미지에 fillAmount 값을 시간에 따라 변화하도록 설정합니다.</a:t>
-            </a:r>
-            <a:endParaRPr lang="ko-KR" altLang="en-US" sz="1800">
-              <a:latin typeface="맑은 고딕" charset="0"/>
-              <a:ea typeface="맑은 고딕" charset="0"/>
-            </a:endParaRPr>
-          </a:p>
-        </p:txBody>
-      </p:sp>
-      <p:pic>
-        <p:nvPicPr>
-          <p:cNvPr id="1110" name="그림 19"/>
-          <p:cNvPicPr>
-            <a:picLocks noChangeAspect="1"/>
-          </p:cNvPicPr>
-          <p:nvPr/>
-        </p:nvPicPr>
-        <p:blipFill rotWithShape="1">
-          <a:blip r:embed="rId2" cstate="print">
-            <a:extLst>
-              <a:ext uri="{28A0092B-C50C-407E-A947-70E740481C1C}">
-                <a14:useLocalDpi xmlns:a14="http://schemas.microsoft.com/office/drawing/2010/main" val="0"/>
-              </a:ext>
-            </a:extLst>
-          </a:blip>
-          <a:stretch>
-            <a:fillRect/>
-          </a:stretch>
-        </p:blipFill>
-        <p:spPr>
-          <a:xfrm rot="0">
-            <a:off x="1238250" y="1446530"/>
-            <a:ext cx="4149725" cy="3558540"/>
-          </a:xfrm>
-          <a:prstGeom prst="roundRect"/>
-          <a:solidFill>
-            <a:srgbClr val="EDEDED"/>
-          </a:solidFill>
-        </p:spPr>
-      </p:pic>
-      <p:pic>
-        <p:nvPicPr>
-          <p:cNvPr id="1111" name="그림 22"/>
-          <p:cNvPicPr>
-            <a:picLocks noChangeAspect="1"/>
-          </p:cNvPicPr>
-          <p:nvPr/>
-        </p:nvPicPr>
-        <p:blipFill rotWithShape="1">
-          <a:blip r:embed="rId3" cstate="print">
-            <a:extLst>
-              <a:ext uri="{28A0092B-C50C-407E-A947-70E740481C1C}">
-                <a14:useLocalDpi xmlns:a14="http://schemas.microsoft.com/office/drawing/2010/main" val="0"/>
-              </a:ext>
-            </a:extLst>
-          </a:blip>
-          <a:stretch>
-            <a:fillRect/>
-          </a:stretch>
-        </p:blipFill>
-        <p:spPr>
-          <a:xfrm rot="0">
-            <a:off x="6791960" y="1438275"/>
-            <a:ext cx="4173855" cy="2735580"/>
-          </a:xfrm>
-          <a:prstGeom prst="roundRect"/>
-          <a:solidFill>
-            <a:srgbClr val="EDEDED"/>
-          </a:solidFill>
-        </p:spPr>
-      </p:pic>
-    </p:spTree>
-  </p:cSld>
-  <p:clrMapOvr>
-    <a:masterClrMapping/>
-  </p:clrMapOvr>
-  <mc:AlternateContent xmlns:mc="http://schemas.openxmlformats.org/markup-compatibility/2006">
-    <mc:Choice xmlns:p14="http://schemas.microsoft.com/office/powerpoint/2010/main" Requires="p14">
-      <p:transition spd="slow" p14:dur="2000"/>
-    </mc:Choice>
-    <mc:Fallback>
-      <p:transition spd="slow"/>
-    </mc:Fallback>
-  </mc:AlternateContent>
-  <p:timing>
-    <p:tnLst>
-      <p:par>
-        <p:cTn id="1" dur="indefinite" restart="never" nodeType="tmRoot"/>
-      </p:par>
-    </p:tnLst>
-  </p:timing>
-</p:sld>
-</file>
-
-<file path=ppt/slides/slide15.xml><?xml version="1.0" encoding="utf-8"?>
 <p:sld xmlns:a="http://schemas.openxmlformats.org/drawingml/2006/main" xmlns:r="http://schemas.openxmlformats.org/officeDocument/2006/relationships" xmlns:p="http://schemas.openxmlformats.org/presentationml/2006/main" xmlns:p14="http://schemas.microsoft.com/office/powerpoint/2010/main">
   <p:cSld>
     <p:spTree>
@@ -12175,8 +11506,8 @@
         </p:nvSpPr>
         <p:spPr>
           <a:xfrm rot="0">
-            <a:off x="5410200" y="469900"/>
-            <a:ext cx="1369060" cy="554990"/>
+            <a:off x="4343400" y="382270"/>
+            <a:ext cx="3521075" cy="554990"/>
           </a:xfrm>
           <a:prstGeom prst="rect"/>
           <a:noFill/>
@@ -12203,7 +11534,17 @@
                 <a:latin typeface="맑은 고딕" charset="0"/>
                 <a:ea typeface="맑은 고딕" charset="0"/>
               </a:rPr>
-              <a:t>Prefab</a:t>
+              <a:t>다섯 번째 </a:t>
+            </a:r>
+            <a:r>
+              <a:rPr lang="ko-KR" altLang="en-US" sz="3000" b="1">
+                <a:solidFill>
+                  <a:schemeClr val="tx1"/>
+                </a:solidFill>
+                <a:latin typeface="맑은 고딕" charset="0"/>
+                <a:ea typeface="맑은 고딕" charset="0"/>
+              </a:rPr>
+              <a:t>튜토리얼</a:t>
             </a:r>
             <a:endParaRPr lang="ko-KR" altLang="en-US" sz="3000" b="1">
               <a:solidFill>
@@ -12217,7 +11558,7 @@
       </p:sp>
       <p:sp>
         <p:nvSpPr>
-          <p:cNvPr id="1035" name="Rect 0"/>
+          <p:cNvPr id="1051" name="Rect 0"/>
           <p:cNvSpPr txBox="1">
             <a:spLocks/>
           </p:cNvSpPr>
@@ -12225,8 +11566,8 @@
         </p:nvSpPr>
         <p:spPr>
           <a:xfrm rot="0">
-            <a:off x="1222375" y="1491615"/>
-            <a:ext cx="4149090" cy="924560"/>
+            <a:off x="1221740" y="2866390"/>
+            <a:ext cx="4165600" cy="954405"/>
           </a:xfrm>
           <a:prstGeom prst="rect"/>
           <a:noFill/>
@@ -12246,11 +11587,31 @@
               <a:buNone/>
             </a:pPr>
             <a:r>
+              <a:rPr lang="ko-KR" sz="2000" b="1">
+                <a:solidFill>
+                  <a:srgbClr val="0611F2"/>
+                </a:solidFill>
+                <a:latin typeface="맑은 고딕" charset="0"/>
+                <a:ea typeface="맑은 고딕" charset="0"/>
+              </a:rPr>
+              <a:t>9</a:t>
+            </a:r>
+            <a:r>
+              <a:rPr sz="2000" b="1">
+                <a:solidFill>
+                  <a:srgbClr val="0611F2"/>
+                </a:solidFill>
+                <a:latin typeface="맑은 고딕" charset="0"/>
+                <a:ea typeface="맑은 고딕" charset="0"/>
+              </a:rPr>
+              <a:t>. </a:t>
+            </a:r>
+            <a:r>
               <a:rPr lang="ko-KR" sz="1800">
                 <a:latin typeface="맑은 고딕" charset="0"/>
                 <a:ea typeface="맑은 고딕" charset="0"/>
               </a:rPr>
-              <a:t>프리팹은 이미 생성된 게임 오브젝트를 재활용할 수 있는 형태로 설정해놓은 게임 오브젝트입니다.</a:t>
+              <a:t>그런 다음 Generic Create Button의 앵커를 지정하고 위치와 크기를 설정합니다.</a:t>
             </a:r>
             <a:endParaRPr lang="ko-KR" altLang="en-US" sz="1800">
               <a:latin typeface="맑은 고딕" charset="0"/>
@@ -12259,131 +11620,16 @@
           </a:p>
         </p:txBody>
       </p:sp>
-      <p:sp>
-        <p:nvSpPr>
-          <p:cNvPr id="1037" name="Rect 0"/>
-          <p:cNvSpPr txBox="1">
-            <a:spLocks/>
-          </p:cNvSpPr>
-          <p:nvPr/>
-        </p:nvSpPr>
-        <p:spPr>
-          <a:xfrm rot="0">
-            <a:off x="6823710" y="4152265"/>
-            <a:ext cx="4130675" cy="2031365"/>
-          </a:xfrm>
-          <a:prstGeom prst="rect"/>
-          <a:noFill/>
-          <a:ln w="0">
-            <a:noFill/>
-            <a:prstDash/>
-          </a:ln>
-        </p:spPr>
-        <p:txBody>
-          <a:bodyPr wrap="square" lIns="89535" tIns="46355" rIns="89535" bIns="46355" numCol="1" vert="horz" anchor="t">
-            <a:spAutoFit/>
-          </a:bodyPr>
-          <a:lstStyle/>
-          <a:p>
-            <a:pPr marL="0" indent="0" algn="l" latinLnBrk="0" hangingPunct="1">
-              <a:buFontTx/>
-              <a:buNone/>
-            </a:pPr>
-            <a:r>
-              <a:rPr lang="ko-KR" sz="1800">
-                <a:latin typeface="맑은 고딕" charset="0"/>
-                <a:ea typeface="맑은 고딕" charset="0"/>
-              </a:rPr>
-              <a:t>프리팹으로 설정된 게임 오브젝트는 다 같이 참조되어 있어 상태입니다.</a:t>
-            </a:r>
-            <a:endParaRPr lang="ko-KR" altLang="en-US" sz="1800">
-              <a:latin typeface="맑은 고딕" charset="0"/>
-              <a:ea typeface="맑은 고딕" charset="0"/>
-            </a:endParaRPr>
-          </a:p>
-          <a:p>
-            <a:pPr marL="0" indent="0" algn="l" latinLnBrk="0" hangingPunct="1">
-              <a:buFontTx/>
-              <a:buNone/>
-            </a:pPr>
-            <a:endParaRPr lang="ko-KR" altLang="en-US" sz="1800">
-              <a:latin typeface="맑은 고딕" charset="0"/>
-              <a:ea typeface="맑은 고딕" charset="0"/>
-            </a:endParaRPr>
-          </a:p>
-          <a:p>
-            <a:pPr marL="0" indent="0" algn="l" latinLnBrk="0" hangingPunct="1">
-              <a:buFontTx/>
-              <a:buNone/>
-            </a:pPr>
-            <a:r>
-              <a:rPr lang="ko-KR" sz="1800">
-                <a:latin typeface="맑은 고딕" charset="0"/>
-                <a:ea typeface="맑은 고딕" charset="0"/>
-              </a:rPr>
-              <a:t>그러므로 하나의 게임 오브젝트를 변경하게 되면 참조되어 있는 게임 오브젝트가 전체적으로 영향을 받게 됩니다.</a:t>
-            </a:r>
-            <a:endParaRPr lang="ko-KR" altLang="en-US" sz="1800">
-              <a:latin typeface="맑은 고딕" charset="0"/>
-              <a:ea typeface="맑은 고딕" charset="0"/>
-            </a:endParaRPr>
-          </a:p>
-        </p:txBody>
-      </p:sp>
-      <p:sp>
-        <p:nvSpPr>
-          <p:cNvPr id="1039" name="텍스트 상자 1"/>
-          <p:cNvSpPr txBox="1">
-            <a:spLocks/>
-          </p:cNvSpPr>
-          <p:nvPr/>
-        </p:nvSpPr>
-        <p:spPr>
-          <a:xfrm rot="0">
-            <a:off x="1221105" y="5259070"/>
-            <a:ext cx="4139565" cy="923925"/>
-          </a:xfrm>
-          <a:prstGeom prst="rect"/>
-          <a:noFill/>
-          <a:ln w="0">
-            <a:noFill/>
-            <a:prstDash/>
-          </a:ln>
-        </p:spPr>
-        <p:txBody>
-          <a:bodyPr wrap="square" lIns="89535" tIns="46355" rIns="89535" bIns="46355" numCol="1" vert="horz" anchor="t">
-            <a:spAutoFit/>
-          </a:bodyPr>
-          <a:lstStyle/>
-          <a:p>
-            <a:pPr marL="0" indent="0" algn="l" latinLnBrk="0" hangingPunct="1">
-              <a:buFontTx/>
-              <a:buNone/>
-            </a:pPr>
-            <a:r>
-              <a:rPr lang="ko-KR" sz="1800">
-                <a:latin typeface="맑은 고딕" charset="0"/>
-                <a:ea typeface="맑은 고딕" charset="0"/>
-              </a:rPr>
-              <a:t>프리팹의 경우 Asset 폴더의 데이터로 존재하며, 실행 시간에 프리팹을 생성할 수 있습니다.</a:t>
-            </a:r>
-            <a:endParaRPr lang="ko-KR" altLang="en-US" sz="1800">
-              <a:latin typeface="맑은 고딕" charset="0"/>
-              <a:ea typeface="맑은 고딕" charset="0"/>
-            </a:endParaRPr>
-          </a:p>
-        </p:txBody>
-      </p:sp>
       <p:pic>
         <p:nvPicPr>
-          <p:cNvPr id="1051" name="그림 18"/>
+          <p:cNvPr id="1052" name="그림 34"/>
           <p:cNvPicPr>
             <a:picLocks noChangeAspect="1"/>
           </p:cNvPicPr>
           <p:nvPr/>
         </p:nvPicPr>
         <p:blipFill rotWithShape="1">
-          <a:blip r:embed="rId10" cstate="hqprint">
+          <a:blip r:embed="rId8" cstate="hqprint">
             <a:extLst>
               <a:ext uri="{28A0092B-C50C-407E-A947-70E740481C1C}">
                 <a14:useLocalDpi xmlns:a14="http://schemas.microsoft.com/office/drawing/2010/main"/>
@@ -12396,8 +11642,8 @@
         </p:blipFill>
         <p:spPr>
           <a:xfrm rot="0">
-            <a:off x="6823710" y="1497965"/>
-            <a:ext cx="4134485" cy="2468880"/>
+            <a:off x="1230630" y="1402715"/>
+            <a:ext cx="4156710" cy="1352550"/>
           </a:xfrm>
           <a:prstGeom prst="roundRect"/>
           <a:solidFill>
@@ -12407,14 +11653,14 @@
       </p:pic>
       <p:pic>
         <p:nvPicPr>
-          <p:cNvPr id="1052" name="그림 21"/>
+          <p:cNvPr id="1053" name="그림 37"/>
           <p:cNvPicPr>
             <a:picLocks noChangeAspect="1"/>
           </p:cNvPicPr>
           <p:nvPr/>
         </p:nvPicPr>
         <p:blipFill rotWithShape="1">
-          <a:blip r:embed="rId11" cstate="hqprint">
+          <a:blip r:embed="rId9" cstate="hqprint">
             <a:extLst>
               <a:ext uri="{28A0092B-C50C-407E-A947-70E740481C1C}">
                 <a14:useLocalDpi xmlns:a14="http://schemas.microsoft.com/office/drawing/2010/main"/>
@@ -12427,13 +11673,387 @@
         </p:blipFill>
         <p:spPr>
           <a:xfrm rot="0">
-            <a:off x="1230630" y="2552700"/>
-            <a:ext cx="4142105" cy="2578735"/>
+            <a:off x="1221740" y="3938905"/>
+            <a:ext cx="4157345" cy="1531620"/>
           </a:xfrm>
           <a:prstGeom prst="roundRect"/>
           <a:solidFill>
             <a:srgbClr val="EDEDED"/>
           </a:solidFill>
+        </p:spPr>
+      </p:pic>
+      <p:sp>
+        <p:nvSpPr>
+          <p:cNvPr id="1054" name="텍스트 상자 40"/>
+          <p:cNvSpPr txBox="1">
+            <a:spLocks/>
+          </p:cNvSpPr>
+          <p:nvPr/>
+        </p:nvSpPr>
+        <p:spPr>
+          <a:xfrm rot="0">
+            <a:off x="1222375" y="5568315"/>
+            <a:ext cx="4158615" cy="677545"/>
+          </a:xfrm>
+          <a:prstGeom prst="rect"/>
+          <a:noFill/>
+          <a:ln w="0">
+            <a:noFill/>
+            <a:prstDash/>
+          </a:ln>
+        </p:spPr>
+        <p:txBody>
+          <a:bodyPr wrap="square" lIns="89535" tIns="46355" rIns="89535" bIns="46355" numCol="1" vert="horz" anchor="t">
+            <a:spAutoFit/>
+          </a:bodyPr>
+          <a:lstStyle/>
+          <a:p>
+            <a:pPr marL="0" indent="0" algn="l" latinLnBrk="0" hangingPunct="1">
+              <a:buFontTx/>
+              <a:buNone/>
+            </a:pPr>
+            <a:r>
+              <a:rPr lang="ko-KR" sz="2000" b="1">
+                <a:solidFill>
+                  <a:srgbClr val="0611F2"/>
+                </a:solidFill>
+                <a:latin typeface="맑은 고딕" charset="0"/>
+                <a:ea typeface="맑은 고딕" charset="0"/>
+              </a:rPr>
+              <a:t>10</a:t>
+            </a:r>
+            <a:r>
+              <a:rPr sz="2000" b="1">
+                <a:solidFill>
+                  <a:srgbClr val="0611F2"/>
+                </a:solidFill>
+                <a:latin typeface="맑은 고딕" charset="0"/>
+                <a:ea typeface="맑은 고딕" charset="0"/>
+              </a:rPr>
+              <a:t>. </a:t>
+            </a:r>
+            <a:r>
+              <a:rPr lang="ko-KR" sz="1800">
+                <a:latin typeface="맑은 고딕" charset="0"/>
+                <a:ea typeface="맑은 고딕" charset="0"/>
+              </a:rPr>
+              <a:t>그다음 Main Camera 오브젝트의 위치와 회전 값을 설정합니다.</a:t>
+            </a:r>
+            <a:endParaRPr lang="ko-KR" altLang="en-US" sz="1800">
+              <a:latin typeface="맑은 고딕" charset="0"/>
+              <a:ea typeface="맑은 고딕" charset="0"/>
+            </a:endParaRPr>
+          </a:p>
+        </p:txBody>
+      </p:sp>
+      <p:pic>
+        <p:nvPicPr>
+          <p:cNvPr id="1055" name="그림 41"/>
+          <p:cNvPicPr>
+            <a:picLocks noChangeAspect="1"/>
+          </p:cNvPicPr>
+          <p:nvPr/>
+        </p:nvPicPr>
+        <p:blipFill rotWithShape="1">
+          <a:blip r:embed="rId10" cstate="print">
+            <a:extLst>
+              <a:ext uri="{28A0092B-C50C-407E-A947-70E740481C1C}">
+                <a14:useLocalDpi xmlns:a14="http://schemas.microsoft.com/office/drawing/2010/main" val="0"/>
+              </a:ext>
+            </a:extLst>
+          </a:blip>
+          <a:stretch>
+            <a:fillRect/>
+          </a:stretch>
+        </p:blipFill>
+        <p:spPr>
+          <a:xfrm rot="0">
+            <a:off x="8355965" y="1400810"/>
+            <a:ext cx="2598420" cy="1353820"/>
+          </a:xfrm>
+          <a:prstGeom prst="roundRect"/>
+          <a:solidFill>
+            <a:srgbClr val="EDEDED"/>
+          </a:solidFill>
+        </p:spPr>
+      </p:pic>
+      <p:sp>
+        <p:nvSpPr>
+          <p:cNvPr id="1056" name="텍스트 상자 44"/>
+          <p:cNvSpPr txBox="1">
+            <a:spLocks/>
+          </p:cNvSpPr>
+          <p:nvPr/>
+        </p:nvSpPr>
+        <p:spPr>
+          <a:xfrm rot="0">
+            <a:off x="6812280" y="2938145"/>
+            <a:ext cx="4142105" cy="677545"/>
+          </a:xfrm>
+          <a:prstGeom prst="rect"/>
+          <a:noFill/>
+          <a:ln w="0">
+            <a:noFill/>
+            <a:prstDash/>
+          </a:ln>
+        </p:spPr>
+        <p:txBody>
+          <a:bodyPr wrap="square" lIns="89535" tIns="46355" rIns="89535" bIns="46355" numCol="1" vert="horz" anchor="t">
+            <a:spAutoFit/>
+          </a:bodyPr>
+          <a:lstStyle/>
+          <a:p>
+            <a:pPr marL="0" indent="0" algn="l" latinLnBrk="0" hangingPunct="1">
+              <a:buFontTx/>
+              <a:buNone/>
+            </a:pPr>
+            <a:r>
+              <a:rPr lang="ko-KR" sz="2000" b="1">
+                <a:solidFill>
+                  <a:srgbClr val="0611F2"/>
+                </a:solidFill>
+                <a:latin typeface="맑은 고딕" charset="0"/>
+                <a:ea typeface="맑은 고딕" charset="0"/>
+              </a:rPr>
+              <a:t>11</a:t>
+            </a:r>
+            <a:r>
+              <a:rPr sz="2000" b="1">
+                <a:solidFill>
+                  <a:srgbClr val="0611F2"/>
+                </a:solidFill>
+                <a:latin typeface="맑은 고딕" charset="0"/>
+                <a:ea typeface="맑은 고딕" charset="0"/>
+              </a:rPr>
+              <a:t>. </a:t>
+            </a:r>
+            <a:r>
+              <a:rPr lang="ko-KR" sz="1800">
+                <a:latin typeface="맑은 고딕" charset="0"/>
+                <a:ea typeface="맑은 고딕" charset="0"/>
+              </a:rPr>
+              <a:t>이제 Model 폴더에 있는 Orc 오브젝트를 월드 공간에 배치합니다.</a:t>
+            </a:r>
+            <a:endParaRPr lang="ko-KR" altLang="en-US" sz="1800">
+              <a:latin typeface="맑은 고딕" charset="0"/>
+              <a:ea typeface="맑은 고딕" charset="0"/>
+            </a:endParaRPr>
+          </a:p>
+        </p:txBody>
+      </p:sp>
+      <p:pic>
+        <p:nvPicPr>
+          <p:cNvPr id="1057" name="그림 45"/>
+          <p:cNvPicPr>
+            <a:picLocks noChangeAspect="1"/>
+          </p:cNvPicPr>
+          <p:nvPr/>
+        </p:nvPicPr>
+        <p:blipFill rotWithShape="1">
+          <a:blip r:embed="rId11" cstate="print">
+            <a:extLst>
+              <a:ext uri="{28A0092B-C50C-407E-A947-70E740481C1C}">
+                <a14:useLocalDpi xmlns:a14="http://schemas.microsoft.com/office/drawing/2010/main" val="0"/>
+              </a:ext>
+            </a:extLst>
+          </a:blip>
+          <a:stretch>
+            <a:fillRect/>
+          </a:stretch>
+        </p:blipFill>
+        <p:spPr>
+          <a:xfrm rot="0">
+            <a:off x="6814820" y="1406525"/>
+            <a:ext cx="1386205" cy="1365250"/>
+          </a:xfrm>
+          <a:prstGeom prst="roundRect"/>
+          <a:solidFill>
+            <a:srgbClr val="EDEDED"/>
+          </a:solidFill>
+        </p:spPr>
+      </p:pic>
+      <p:pic>
+        <p:nvPicPr>
+          <p:cNvPr id="1058" name="그림 48"/>
+          <p:cNvPicPr>
+            <a:picLocks noChangeAspect="1"/>
+          </p:cNvPicPr>
+          <p:nvPr/>
+        </p:nvPicPr>
+        <p:blipFill rotWithShape="1">
+          <a:blip r:embed="rId12" cstate="print">
+            <a:extLst>
+              <a:ext uri="{28A0092B-C50C-407E-A947-70E740481C1C}">
+                <a14:useLocalDpi xmlns:a14="http://schemas.microsoft.com/office/drawing/2010/main" val="0"/>
+              </a:ext>
+            </a:extLst>
+          </a:blip>
+          <a:stretch>
+            <a:fillRect/>
+          </a:stretch>
+        </p:blipFill>
+        <p:spPr>
+          <a:xfrm rot="0">
+            <a:off x="8347710" y="3818890"/>
+            <a:ext cx="2604135" cy="1359535"/>
+          </a:xfrm>
+          <a:prstGeom prst="roundRect"/>
+          <a:solidFill>
+            <a:srgbClr val="EDEDED"/>
+          </a:solidFill>
+        </p:spPr>
+      </p:pic>
+      <p:pic>
+        <p:nvPicPr>
+          <p:cNvPr id="1059" name="그림 49"/>
+          <p:cNvPicPr>
+            <a:picLocks noChangeAspect="1"/>
+          </p:cNvPicPr>
+          <p:nvPr/>
+        </p:nvPicPr>
+        <p:blipFill rotWithShape="1">
+          <a:blip r:embed="rId13" cstate="print">
+            <a:extLst>
+              <a:ext uri="{28A0092B-C50C-407E-A947-70E740481C1C}">
+                <a14:useLocalDpi xmlns:a14="http://schemas.microsoft.com/office/drawing/2010/main" val="0"/>
+              </a:ext>
+            </a:extLst>
+          </a:blip>
+          <a:stretch>
+            <a:fillRect/>
+          </a:stretch>
+        </p:blipFill>
+        <p:spPr>
+          <a:xfrm rot="0">
+            <a:off x="6826250" y="3816350"/>
+            <a:ext cx="1383665" cy="1365250"/>
+          </a:xfrm>
+          <a:prstGeom prst="roundRect"/>
+          <a:solidFill>
+            <a:srgbClr val="EDEDED"/>
+          </a:solidFill>
+        </p:spPr>
+      </p:pic>
+      <p:sp>
+        <p:nvSpPr>
+          <p:cNvPr id="1060" name="텍스트 상자 52"/>
+          <p:cNvSpPr txBox="1">
+            <a:spLocks/>
+          </p:cNvSpPr>
+          <p:nvPr/>
+        </p:nvSpPr>
+        <p:spPr>
+          <a:xfrm rot="0">
+            <a:off x="6814820" y="5295265"/>
+            <a:ext cx="4142105" cy="954405"/>
+          </a:xfrm>
+          <a:prstGeom prst="rect"/>
+          <a:noFill/>
+          <a:ln w="0">
+            <a:noFill/>
+            <a:prstDash/>
+          </a:ln>
+        </p:spPr>
+        <p:txBody>
+          <a:bodyPr wrap="square" lIns="89535" tIns="46355" rIns="89535" bIns="46355" numCol="1" vert="horz" anchor="t">
+            <a:spAutoFit/>
+          </a:bodyPr>
+          <a:lstStyle/>
+          <a:p>
+            <a:pPr marL="0" indent="0" algn="l" latinLnBrk="0" hangingPunct="1">
+              <a:buFontTx/>
+              <a:buNone/>
+            </a:pPr>
+            <a:r>
+              <a:rPr lang="ko-KR" sz="2000" b="1">
+                <a:solidFill>
+                  <a:srgbClr val="0611F2"/>
+                </a:solidFill>
+                <a:latin typeface="맑은 고딕" charset="0"/>
+                <a:ea typeface="맑은 고딕" charset="0"/>
+              </a:rPr>
+              <a:t>12</a:t>
+            </a:r>
+            <a:r>
+              <a:rPr sz="2000" b="1">
+                <a:solidFill>
+                  <a:srgbClr val="0611F2"/>
+                </a:solidFill>
+                <a:latin typeface="맑은 고딕" charset="0"/>
+                <a:ea typeface="맑은 고딕" charset="0"/>
+              </a:rPr>
+              <a:t>. </a:t>
+            </a:r>
+            <a:r>
+              <a:rPr lang="ko-KR" sz="1800">
+                <a:latin typeface="맑은 고딕" charset="0"/>
+                <a:ea typeface="맑은 고딕" charset="0"/>
+              </a:rPr>
+              <a:t>그리고 월드 공간에 있는 Orc 오브젝트를 Project 폴더에 있는 Prefab 폴더에 넣어줍니다.</a:t>
+            </a:r>
+            <a:endParaRPr lang="ko-KR" altLang="en-US" sz="1800">
+              <a:latin typeface="맑은 고딕" charset="0"/>
+              <a:ea typeface="맑은 고딕" charset="0"/>
+            </a:endParaRPr>
+          </a:p>
+        </p:txBody>
+      </p:sp>
+      <p:pic>
+        <p:nvPicPr>
+          <p:cNvPr id="1061" name="그림 54"/>
+          <p:cNvPicPr>
+            <a:picLocks noChangeAspect="1"/>
+          </p:cNvPicPr>
+          <p:nvPr/>
+        </p:nvPicPr>
+        <p:blipFill rotWithShape="1">
+          <a:blip r:embed="rId14" cstate="hqprint">
+            <a:extLst>
+              <a:ext uri="{28A0092B-C50C-407E-A947-70E740481C1C}">
+                <a14:useLocalDpi xmlns:a14="http://schemas.microsoft.com/office/drawing/2010/main"/>
+              </a:ext>
+            </a:extLst>
+          </a:blip>
+          <a:stretch>
+            <a:fillRect/>
+          </a:stretch>
+        </p:blipFill>
+        <p:spPr>
+          <a:xfrm rot="0">
+            <a:off x="8013700" y="4366895"/>
+            <a:ext cx="530860" cy="426085"/>
+          </a:xfrm>
+          <a:prstGeom prst="rect"/>
+          <a:noFill/>
+        </p:spPr>
+      </p:pic>
+      <p:pic>
+        <p:nvPicPr>
+          <p:cNvPr id="1062" name="그림 55"/>
+          <p:cNvPicPr>
+            <a:picLocks noChangeAspect="1"/>
+          </p:cNvPicPr>
+          <p:nvPr/>
+        </p:nvPicPr>
+        <p:blipFill rotWithShape="1">
+          <a:blip r:embed="rId15" cstate="hqprint">
+            <a:extLst>
+              <a:ext uri="{28A0092B-C50C-407E-A947-70E740481C1C}">
+                <a14:useLocalDpi xmlns:a14="http://schemas.microsoft.com/office/drawing/2010/main"/>
+              </a:ext>
+            </a:extLst>
+          </a:blip>
+          <a:stretch>
+            <a:fillRect/>
+          </a:stretch>
+        </p:blipFill>
+        <p:spPr>
+          <a:xfrm rot="10800000">
+            <a:off x="8007350" y="1866900"/>
+            <a:ext cx="530860" cy="426085"/>
+          </a:xfrm>
+          <a:prstGeom prst="rect"/>
+          <a:noFill/>
         </p:spPr>
       </p:pic>
     </p:spTree>
@@ -12486,8 +12106,8 @@
         </p:nvSpPr>
         <p:spPr>
           <a:xfrm rot="0">
-            <a:off x="4343400" y="382270"/>
-            <a:ext cx="3521075" cy="554990"/>
+            <a:off x="4343400" y="350520"/>
+            <a:ext cx="3510280" cy="554990"/>
           </a:xfrm>
           <a:prstGeom prst="rect"/>
           <a:noFill/>
@@ -12514,7 +12134,7 @@
                 <a:latin typeface="맑은 고딕" charset="0"/>
                 <a:ea typeface="맑은 고딕" charset="0"/>
               </a:rPr>
-              <a:t>다섯 번째 </a:t>
+              <a:t>여섯 번째 </a:t>
             </a:r>
             <a:r>
               <a:rPr lang="ko-KR" altLang="en-US" sz="3000" b="1">
@@ -12538,7 +12158,7 @@
       </p:sp>
       <p:sp>
         <p:nvSpPr>
-          <p:cNvPr id="1051" name="Rect 0"/>
+          <p:cNvPr id="1032" name="텍스트 상자 56"/>
           <p:cNvSpPr txBox="1">
             <a:spLocks/>
           </p:cNvSpPr>
@@ -12546,8 +12166,8 @@
         </p:nvSpPr>
         <p:spPr>
           <a:xfrm rot="0">
-            <a:off x="1221740" y="2866390"/>
-            <a:ext cx="4165600" cy="954405"/>
+            <a:off x="1230630" y="5233035"/>
+            <a:ext cx="4140835" cy="954405"/>
           </a:xfrm>
           <a:prstGeom prst="rect"/>
           <a:noFill/>
@@ -12574,7 +12194,7 @@
                 <a:latin typeface="맑은 고딕" charset="0"/>
                 <a:ea typeface="맑은 고딕" charset="0"/>
               </a:rPr>
-              <a:t>9</a:t>
+              <a:t>13</a:t>
             </a:r>
             <a:r>
               <a:rPr sz="2000" b="1">
@@ -12591,7 +12211,7 @@
                 <a:latin typeface="맑은 고딕" charset="0"/>
                 <a:ea typeface="맑은 고딕" charset="0"/>
               </a:rPr>
-              <a:t>그런 다음 Generic Create Button의 앵커를 지정하고 위치와 크기를 설정합니다.</a:t>
+              <a:t>그런 다음 월드 공간에 있는 Orc 오브젝트를 선택하고 Delete로 삭제시켜 줍니다.</a:t>
             </a:r>
             <a:endParaRPr lang="ko-KR" altLang="en-US" sz="1800">
               <a:latin typeface="맑은 고딕" charset="0"/>
@@ -12602,14 +12222,14 @@
       </p:sp>
       <p:pic>
         <p:nvPicPr>
-          <p:cNvPr id="1052" name="그림 34"/>
+          <p:cNvPr id="1034" name="그림 58" descr="C:/Users/Admin1/AppData/Roaming/PolarisOffice/ETemp/14712_13418472/fImage115662033281.png"/>
           <p:cNvPicPr>
             <a:picLocks noChangeAspect="1"/>
           </p:cNvPicPr>
           <p:nvPr/>
         </p:nvPicPr>
         <p:blipFill rotWithShape="1">
-          <a:blip r:embed="rId8" cstate="hqprint">
+          <a:blip r:embed="rId5" cstate="hqprint">
             <a:extLst>
               <a:ext uri="{28A0092B-C50C-407E-A947-70E740481C1C}">
                 <a14:useLocalDpi xmlns:a14="http://schemas.microsoft.com/office/drawing/2010/main"/>
@@ -12622,8 +12242,8 @@
         </p:blipFill>
         <p:spPr>
           <a:xfrm rot="0">
-            <a:off x="1230630" y="1402715"/>
-            <a:ext cx="4156710" cy="1352550"/>
+            <a:off x="3009265" y="1402715"/>
+            <a:ext cx="2362200" cy="3678555"/>
           </a:xfrm>
           <a:prstGeom prst="roundRect"/>
           <a:solidFill>
@@ -12633,14 +12253,14 @@
       </p:pic>
       <p:pic>
         <p:nvPicPr>
-          <p:cNvPr id="1053" name="그림 37"/>
+          <p:cNvPr id="1035" name="그림 61"/>
           <p:cNvPicPr>
             <a:picLocks noChangeAspect="1"/>
           </p:cNvPicPr>
           <p:nvPr/>
         </p:nvPicPr>
         <p:blipFill rotWithShape="1">
-          <a:blip r:embed="rId9" cstate="hqprint">
+          <a:blip r:embed="rId6" cstate="hqprint">
             <a:extLst>
               <a:ext uri="{28A0092B-C50C-407E-A947-70E740481C1C}">
                 <a14:useLocalDpi xmlns:a14="http://schemas.microsoft.com/office/drawing/2010/main"/>
@@ -12653,8 +12273,8 @@
         </p:blipFill>
         <p:spPr>
           <a:xfrm rot="0">
-            <a:off x="1221740" y="3938905"/>
-            <a:ext cx="4157345" cy="1531620"/>
+            <a:off x="1230630" y="2111375"/>
+            <a:ext cx="1630045" cy="2263775"/>
           </a:xfrm>
           <a:prstGeom prst="roundRect"/>
           <a:solidFill>
@@ -12664,7 +12284,7 @@
       </p:pic>
       <p:sp>
         <p:nvSpPr>
-          <p:cNvPr id="1054" name="텍스트 상자 40"/>
+          <p:cNvPr id="1036" name="텍스트 상자 5"/>
           <p:cNvSpPr txBox="1">
             <a:spLocks/>
           </p:cNvSpPr>
@@ -12672,8 +12292,8 @@
         </p:nvSpPr>
         <p:spPr>
           <a:xfrm rot="0">
-            <a:off x="1222375" y="5568315"/>
-            <a:ext cx="4158615" cy="677545"/>
+            <a:off x="6800215" y="4151630"/>
+            <a:ext cx="4173855" cy="2031365"/>
           </a:xfrm>
           <a:prstGeom prst="rect"/>
           <a:noFill/>
@@ -12683,59 +12303,145 @@
           </a:ln>
         </p:spPr>
         <p:txBody>
-          <a:bodyPr wrap="square" lIns="89535" tIns="46355" rIns="89535" bIns="46355" numCol="1" vert="horz" anchor="t">
+          <a:bodyPr wrap="square" lIns="89535" tIns="46355" rIns="89535" bIns="46355" vert="horz" anchor="t">
             <a:spAutoFit/>
           </a:bodyPr>
           <a:lstStyle/>
           <a:p>
-            <a:pPr marL="0" indent="0" algn="l" latinLnBrk="0" hangingPunct="1">
-              <a:buFontTx/>
-              <a:buNone/>
-            </a:pPr>
-            <a:r>
-              <a:rPr lang="ko-KR" sz="2000" b="1">
+            <a:pPr marL="0" indent="0" rtl="0" algn="l" defTabSz="914400" eaLnBrk="1" latinLnBrk="0" hangingPunct="1">
+              <a:buFontTx/>
+              <a:buNone/>
+            </a:pPr>
+            <a:r>
+              <a:rPr sz="1800" b="1">
                 <a:solidFill>
                   <a:srgbClr val="0611F2"/>
                 </a:solidFill>
                 <a:latin typeface="맑은 고딕" charset="0"/>
                 <a:ea typeface="맑은 고딕" charset="0"/>
               </a:rPr>
-              <a:t>10</a:t>
-            </a:r>
-            <a:r>
-              <a:rPr sz="2000" b="1">
+              <a:t>14</a:t>
+            </a:r>
+            <a:r>
+              <a:rPr sz="1800" b="1">
                 <a:solidFill>
                   <a:srgbClr val="0611F2"/>
                 </a:solidFill>
                 <a:latin typeface="맑은 고딕" charset="0"/>
                 <a:ea typeface="맑은 고딕" charset="0"/>
               </a:rPr>
-              <a:t>. </a:t>
+              <a:t>.</a:t>
+            </a:r>
+            <a:r>
+              <a:rPr sz="1800">
+                <a:latin typeface="맑은 고딕" charset="0"/>
+                <a:ea typeface="맑은 고딕" charset="0"/>
+              </a:rPr>
+              <a:t> 그</a:t>
             </a:r>
             <a:r>
               <a:rPr lang="ko-KR" sz="1800">
                 <a:latin typeface="맑은 고딕" charset="0"/>
                 <a:ea typeface="맑은 고딕" charset="0"/>
               </a:rPr>
-              <a:t>그다음 Main Camera 오브젝트의 위치와 회전 값을 설정합니다.</a:t>
+              <a:t>다음으로</a:t>
+            </a:r>
+            <a:r>
+              <a:rPr sz="1800">
+                <a:latin typeface="맑은 고딕" charset="0"/>
+                <a:ea typeface="맑은 고딕" charset="0"/>
+              </a:rPr>
+              <a:t> 빈 게임 오브젝트를 4개 생성합니다.</a:t>
             </a:r>
             <a:endParaRPr lang="ko-KR" altLang="en-US" sz="1800">
               <a:latin typeface="맑은 고딕" charset="0"/>
               <a:ea typeface="맑은 고딕" charset="0"/>
             </a:endParaRPr>
           </a:p>
+          <a:p>
+            <a:pPr marL="0" indent="0" rtl="0" algn="l" defTabSz="914400" eaLnBrk="1" latinLnBrk="0" hangingPunct="1">
+              <a:buFontTx/>
+              <a:buNone/>
+            </a:pPr>
+            <a:endParaRPr lang="ko-KR" altLang="en-US" sz="1800">
+              <a:latin typeface="맑은 고딕" charset="0"/>
+              <a:ea typeface="맑은 고딕" charset="0"/>
+            </a:endParaRPr>
+          </a:p>
+          <a:p>
+            <a:pPr marL="0" indent="0" rtl="0" algn="l" defTabSz="914400" eaLnBrk="1" latinLnBrk="0" hangingPunct="1">
+              <a:buFontTx/>
+              <a:buNone/>
+            </a:pPr>
+            <a:r>
+              <a:rPr sz="1800">
+                <a:latin typeface="맑은 고딕" charset="0"/>
+                <a:ea typeface="맑은 고딕" charset="0"/>
+              </a:rPr>
+              <a:t>그러</a:t>
+            </a:r>
+            <a:r>
+              <a:rPr lang="ko-KR" sz="1800">
+                <a:latin typeface="맑은 고딕" charset="0"/>
+                <a:ea typeface="맑은 고딕" charset="0"/>
+              </a:rPr>
+              <a:t>고 나서</a:t>
+            </a:r>
+            <a:r>
+              <a:rPr sz="1800">
+                <a:latin typeface="맑은 고딕" charset="0"/>
+                <a:ea typeface="맑은 고딕" charset="0"/>
+              </a:rPr>
+              <a:t> 각각의 이름을 First Point와 Second Point 그리고 Third Point 마지막으로 Four Point라는 이름으로 정의합니다.</a:t>
+            </a:r>
+            <a:endParaRPr lang="ko-KR" altLang="en-US" sz="1800">
+              <a:latin typeface="맑은 고딕" charset="0"/>
+              <a:ea typeface="맑은 고딕" charset="0"/>
+            </a:endParaRPr>
+          </a:p>
         </p:txBody>
       </p:sp>
       <p:pic>
         <p:nvPicPr>
-          <p:cNvPr id="1055" name="그림 41"/>
+          <p:cNvPr id="1037" name="그림 6"/>
           <p:cNvPicPr>
             <a:picLocks noChangeAspect="1"/>
           </p:cNvPicPr>
           <p:nvPr/>
         </p:nvPicPr>
         <p:blipFill rotWithShape="1">
-          <a:blip r:embed="rId10" cstate="print">
+          <a:blip r:embed="rId7" cstate="hqprint">
+            <a:extLst>
+              <a:ext uri="{28A0092B-C50C-407E-A947-70E740481C1C}">
+                <a14:useLocalDpi xmlns:a14="http://schemas.microsoft.com/office/drawing/2010/main"/>
+              </a:ext>
+            </a:extLst>
+          </a:blip>
+          <a:stretch>
+            <a:fillRect/>
+          </a:stretch>
+        </p:blipFill>
+        <p:spPr>
+          <a:xfrm rot="0">
+            <a:off x="6800215" y="1404620"/>
+            <a:ext cx="2411730" cy="2586990"/>
+          </a:xfrm>
+          <a:prstGeom prst="roundRect"/>
+          <a:solidFill>
+            <a:srgbClr val="EDEDED"/>
+          </a:solidFill>
+        </p:spPr>
+      </p:pic>
+      <p:pic>
+        <p:nvPicPr>
+          <p:cNvPr id="1038" name="그림 7"/>
+          <p:cNvPicPr>
+            <a:picLocks noChangeAspect="1"/>
+          </p:cNvPicPr>
+          <p:nvPr/>
+        </p:nvPicPr>
+        <p:blipFill rotWithShape="1">
+          <a:blip r:embed="rId8" cstate="print">
             <a:extLst>
               <a:ext uri="{28A0092B-C50C-407E-A947-70E740481C1C}">
                 <a14:useLocalDpi xmlns:a14="http://schemas.microsoft.com/office/drawing/2010/main" val="0"/>
@@ -12748,292 +12454,13 @@
         </p:blipFill>
         <p:spPr>
           <a:xfrm rot="0">
-            <a:off x="8355965" y="1400810"/>
-            <a:ext cx="2598420" cy="1353820"/>
+            <a:off x="9393555" y="1837055"/>
+            <a:ext cx="1588770" cy="1739265"/>
           </a:xfrm>
           <a:prstGeom prst="roundRect"/>
           <a:solidFill>
             <a:srgbClr val="EDEDED"/>
           </a:solidFill>
-        </p:spPr>
-      </p:pic>
-      <p:sp>
-        <p:nvSpPr>
-          <p:cNvPr id="1056" name="텍스트 상자 44"/>
-          <p:cNvSpPr txBox="1">
-            <a:spLocks/>
-          </p:cNvSpPr>
-          <p:nvPr/>
-        </p:nvSpPr>
-        <p:spPr>
-          <a:xfrm rot="0">
-            <a:off x="6812280" y="2938145"/>
-            <a:ext cx="4142105" cy="677545"/>
-          </a:xfrm>
-          <a:prstGeom prst="rect"/>
-          <a:noFill/>
-          <a:ln w="0">
-            <a:noFill/>
-            <a:prstDash/>
-          </a:ln>
-        </p:spPr>
-        <p:txBody>
-          <a:bodyPr wrap="square" lIns="89535" tIns="46355" rIns="89535" bIns="46355" numCol="1" vert="horz" anchor="t">
-            <a:spAutoFit/>
-          </a:bodyPr>
-          <a:lstStyle/>
-          <a:p>
-            <a:pPr marL="0" indent="0" algn="l" latinLnBrk="0" hangingPunct="1">
-              <a:buFontTx/>
-              <a:buNone/>
-            </a:pPr>
-            <a:r>
-              <a:rPr lang="ko-KR" sz="2000" b="1">
-                <a:solidFill>
-                  <a:srgbClr val="0611F2"/>
-                </a:solidFill>
-                <a:latin typeface="맑은 고딕" charset="0"/>
-                <a:ea typeface="맑은 고딕" charset="0"/>
-              </a:rPr>
-              <a:t>11</a:t>
-            </a:r>
-            <a:r>
-              <a:rPr sz="2000" b="1">
-                <a:solidFill>
-                  <a:srgbClr val="0611F2"/>
-                </a:solidFill>
-                <a:latin typeface="맑은 고딕" charset="0"/>
-                <a:ea typeface="맑은 고딕" charset="0"/>
-              </a:rPr>
-              <a:t>. </a:t>
-            </a:r>
-            <a:r>
-              <a:rPr lang="ko-KR" sz="1800">
-                <a:latin typeface="맑은 고딕" charset="0"/>
-                <a:ea typeface="맑은 고딕" charset="0"/>
-              </a:rPr>
-              <a:t>이제 Model 폴더에 있는 Orc 오브젝트를 월드 공간에 배치합니다.</a:t>
-            </a:r>
-            <a:endParaRPr lang="ko-KR" altLang="en-US" sz="1800">
-              <a:latin typeface="맑은 고딕" charset="0"/>
-              <a:ea typeface="맑은 고딕" charset="0"/>
-            </a:endParaRPr>
-          </a:p>
-        </p:txBody>
-      </p:sp>
-      <p:pic>
-        <p:nvPicPr>
-          <p:cNvPr id="1057" name="그림 45"/>
-          <p:cNvPicPr>
-            <a:picLocks noChangeAspect="1"/>
-          </p:cNvPicPr>
-          <p:nvPr/>
-        </p:nvPicPr>
-        <p:blipFill rotWithShape="1">
-          <a:blip r:embed="rId11" cstate="print">
-            <a:extLst>
-              <a:ext uri="{28A0092B-C50C-407E-A947-70E740481C1C}">
-                <a14:useLocalDpi xmlns:a14="http://schemas.microsoft.com/office/drawing/2010/main" val="0"/>
-              </a:ext>
-            </a:extLst>
-          </a:blip>
-          <a:stretch>
-            <a:fillRect/>
-          </a:stretch>
-        </p:blipFill>
-        <p:spPr>
-          <a:xfrm rot="0">
-            <a:off x="6814820" y="1406525"/>
-            <a:ext cx="1386205" cy="1365250"/>
-          </a:xfrm>
-          <a:prstGeom prst="roundRect"/>
-          <a:solidFill>
-            <a:srgbClr val="EDEDED"/>
-          </a:solidFill>
-        </p:spPr>
-      </p:pic>
-      <p:pic>
-        <p:nvPicPr>
-          <p:cNvPr id="1058" name="그림 48"/>
-          <p:cNvPicPr>
-            <a:picLocks noChangeAspect="1"/>
-          </p:cNvPicPr>
-          <p:nvPr/>
-        </p:nvPicPr>
-        <p:blipFill rotWithShape="1">
-          <a:blip r:embed="rId12" cstate="print">
-            <a:extLst>
-              <a:ext uri="{28A0092B-C50C-407E-A947-70E740481C1C}">
-                <a14:useLocalDpi xmlns:a14="http://schemas.microsoft.com/office/drawing/2010/main" val="0"/>
-              </a:ext>
-            </a:extLst>
-          </a:blip>
-          <a:stretch>
-            <a:fillRect/>
-          </a:stretch>
-        </p:blipFill>
-        <p:spPr>
-          <a:xfrm rot="0">
-            <a:off x="8347710" y="3818890"/>
-            <a:ext cx="2604135" cy="1359535"/>
-          </a:xfrm>
-          <a:prstGeom prst="roundRect"/>
-          <a:solidFill>
-            <a:srgbClr val="EDEDED"/>
-          </a:solidFill>
-        </p:spPr>
-      </p:pic>
-      <p:pic>
-        <p:nvPicPr>
-          <p:cNvPr id="1059" name="그림 49"/>
-          <p:cNvPicPr>
-            <a:picLocks noChangeAspect="1"/>
-          </p:cNvPicPr>
-          <p:nvPr/>
-        </p:nvPicPr>
-        <p:blipFill rotWithShape="1">
-          <a:blip r:embed="rId13" cstate="print">
-            <a:extLst>
-              <a:ext uri="{28A0092B-C50C-407E-A947-70E740481C1C}">
-                <a14:useLocalDpi xmlns:a14="http://schemas.microsoft.com/office/drawing/2010/main" val="0"/>
-              </a:ext>
-            </a:extLst>
-          </a:blip>
-          <a:stretch>
-            <a:fillRect/>
-          </a:stretch>
-        </p:blipFill>
-        <p:spPr>
-          <a:xfrm rot="0">
-            <a:off x="6826250" y="3816350"/>
-            <a:ext cx="1383665" cy="1365250"/>
-          </a:xfrm>
-          <a:prstGeom prst="roundRect"/>
-          <a:solidFill>
-            <a:srgbClr val="EDEDED"/>
-          </a:solidFill>
-        </p:spPr>
-      </p:pic>
-      <p:sp>
-        <p:nvSpPr>
-          <p:cNvPr id="1060" name="텍스트 상자 52"/>
-          <p:cNvSpPr txBox="1">
-            <a:spLocks/>
-          </p:cNvSpPr>
-          <p:nvPr/>
-        </p:nvSpPr>
-        <p:spPr>
-          <a:xfrm rot="0">
-            <a:off x="6814820" y="5295265"/>
-            <a:ext cx="4142105" cy="954405"/>
-          </a:xfrm>
-          <a:prstGeom prst="rect"/>
-          <a:noFill/>
-          <a:ln w="0">
-            <a:noFill/>
-            <a:prstDash/>
-          </a:ln>
-        </p:spPr>
-        <p:txBody>
-          <a:bodyPr wrap="square" lIns="89535" tIns="46355" rIns="89535" bIns="46355" numCol="1" vert="horz" anchor="t">
-            <a:spAutoFit/>
-          </a:bodyPr>
-          <a:lstStyle/>
-          <a:p>
-            <a:pPr marL="0" indent="0" algn="l" latinLnBrk="0" hangingPunct="1">
-              <a:buFontTx/>
-              <a:buNone/>
-            </a:pPr>
-            <a:r>
-              <a:rPr lang="ko-KR" sz="2000" b="1">
-                <a:solidFill>
-                  <a:srgbClr val="0611F2"/>
-                </a:solidFill>
-                <a:latin typeface="맑은 고딕" charset="0"/>
-                <a:ea typeface="맑은 고딕" charset="0"/>
-              </a:rPr>
-              <a:t>12</a:t>
-            </a:r>
-            <a:r>
-              <a:rPr sz="2000" b="1">
-                <a:solidFill>
-                  <a:srgbClr val="0611F2"/>
-                </a:solidFill>
-                <a:latin typeface="맑은 고딕" charset="0"/>
-                <a:ea typeface="맑은 고딕" charset="0"/>
-              </a:rPr>
-              <a:t>. </a:t>
-            </a:r>
-            <a:r>
-              <a:rPr lang="ko-KR" sz="1800">
-                <a:latin typeface="맑은 고딕" charset="0"/>
-                <a:ea typeface="맑은 고딕" charset="0"/>
-              </a:rPr>
-              <a:t>그리고 월드 공간에 있는 Orc 오브젝트를 Project 폴더에 있는 Prefab 폴더에 넣어줍니다.</a:t>
-            </a:r>
-            <a:endParaRPr lang="ko-KR" altLang="en-US" sz="1800">
-              <a:latin typeface="맑은 고딕" charset="0"/>
-              <a:ea typeface="맑은 고딕" charset="0"/>
-            </a:endParaRPr>
-          </a:p>
-        </p:txBody>
-      </p:sp>
-      <p:pic>
-        <p:nvPicPr>
-          <p:cNvPr id="1061" name="그림 54"/>
-          <p:cNvPicPr>
-            <a:picLocks noChangeAspect="1"/>
-          </p:cNvPicPr>
-          <p:nvPr/>
-        </p:nvPicPr>
-        <p:blipFill rotWithShape="1">
-          <a:blip r:embed="rId14" cstate="hqprint">
-            <a:extLst>
-              <a:ext uri="{28A0092B-C50C-407E-A947-70E740481C1C}">
-                <a14:useLocalDpi xmlns:a14="http://schemas.microsoft.com/office/drawing/2010/main"/>
-              </a:ext>
-            </a:extLst>
-          </a:blip>
-          <a:stretch>
-            <a:fillRect/>
-          </a:stretch>
-        </p:blipFill>
-        <p:spPr>
-          <a:xfrm rot="0">
-            <a:off x="8013700" y="4366895"/>
-            <a:ext cx="530860" cy="426085"/>
-          </a:xfrm>
-          <a:prstGeom prst="rect"/>
-          <a:noFill/>
-        </p:spPr>
-      </p:pic>
-      <p:pic>
-        <p:nvPicPr>
-          <p:cNvPr id="1062" name="그림 55"/>
-          <p:cNvPicPr>
-            <a:picLocks noChangeAspect="1"/>
-          </p:cNvPicPr>
-          <p:nvPr/>
-        </p:nvPicPr>
-        <p:blipFill rotWithShape="1">
-          <a:blip r:embed="rId15" cstate="hqprint">
-            <a:extLst>
-              <a:ext uri="{28A0092B-C50C-407E-A947-70E740481C1C}">
-                <a14:useLocalDpi xmlns:a14="http://schemas.microsoft.com/office/drawing/2010/main"/>
-              </a:ext>
-            </a:extLst>
-          </a:blip>
-          <a:stretch>
-            <a:fillRect/>
-          </a:stretch>
-        </p:blipFill>
-        <p:spPr>
-          <a:xfrm rot="10800000">
-            <a:off x="8007350" y="1866900"/>
-            <a:ext cx="530860" cy="426085"/>
-          </a:xfrm>
-          <a:prstGeom prst="rect"/>
-          <a:noFill/>
         </p:spPr>
       </p:pic>
     </p:spTree>
@@ -13086,7 +12513,7 @@
         </p:nvSpPr>
         <p:spPr>
           <a:xfrm rot="0">
-            <a:off x="4343400" y="350520"/>
+            <a:off x="4343400" y="372110"/>
             <a:ext cx="3510280" cy="554990"/>
           </a:xfrm>
           <a:prstGeom prst="rect"/>
@@ -13114,7 +12541,7 @@
                 <a:latin typeface="맑은 고딕" charset="0"/>
                 <a:ea typeface="맑은 고딕" charset="0"/>
               </a:rPr>
-              <a:t>여섯 번째 </a:t>
+              <a:t>일곱 번째 </a:t>
             </a:r>
             <a:r>
               <a:rPr lang="ko-KR" altLang="en-US" sz="3000" b="1">
@@ -13138,7 +12565,7 @@
       </p:sp>
       <p:sp>
         <p:nvSpPr>
-          <p:cNvPr id="1032" name="텍스트 상자 56"/>
+          <p:cNvPr id="1032" name="텍스트 상자 3"/>
           <p:cNvSpPr txBox="1">
             <a:spLocks/>
           </p:cNvSpPr>
@@ -13146,8 +12573,8 @@
         </p:nvSpPr>
         <p:spPr>
           <a:xfrm rot="0">
-            <a:off x="1230630" y="5233035"/>
-            <a:ext cx="4140835" cy="954405"/>
+            <a:off x="1255395" y="5032375"/>
+            <a:ext cx="4116070" cy="1200785"/>
           </a:xfrm>
           <a:prstGeom prst="rect"/>
           <a:noFill/>
@@ -13162,36 +12589,74 @@
           </a:bodyPr>
           <a:lstStyle/>
           <a:p>
-            <a:pPr marL="0" indent="0" algn="l" latinLnBrk="0" hangingPunct="1">
-              <a:buFontTx/>
-              <a:buNone/>
-            </a:pPr>
-            <a:r>
-              <a:rPr lang="ko-KR" sz="2000" b="1">
+            <a:pPr marL="0" indent="0" rtl="0" algn="l" defTabSz="914400" eaLnBrk="1" latinLnBrk="0" hangingPunct="1">
+              <a:buFontTx/>
+              <a:buNone/>
+            </a:pPr>
+            <a:r>
+              <a:rPr sz="1800" b="1">
                 <a:solidFill>
                   <a:srgbClr val="0611F2"/>
                 </a:solidFill>
                 <a:latin typeface="맑은 고딕" charset="0"/>
                 <a:ea typeface="맑은 고딕" charset="0"/>
               </a:rPr>
-              <a:t>13</a:t>
-            </a:r>
-            <a:r>
-              <a:rPr sz="2000" b="1">
+              <a:t>1</a:t>
+            </a:r>
+            <a:r>
+              <a:rPr lang="ko-KR" sz="1800" b="1">
                 <a:solidFill>
                   <a:srgbClr val="0611F2"/>
                 </a:solidFill>
                 <a:latin typeface="맑은 고딕" charset="0"/>
                 <a:ea typeface="맑은 고딕" charset="0"/>
               </a:rPr>
-              <a:t>. </a:t>
+              <a:t>5</a:t>
+            </a:r>
+            <a:r>
+              <a:rPr sz="1800" b="1">
+                <a:solidFill>
+                  <a:srgbClr val="0611F2"/>
+                </a:solidFill>
+                <a:latin typeface="맑은 고딕" charset="0"/>
+                <a:ea typeface="맑은 고딕" charset="0"/>
+              </a:rPr>
+              <a:t>.</a:t>
+            </a:r>
+            <a:r>
+              <a:rPr sz="1800">
+                <a:latin typeface="맑은 고딕" charset="0"/>
+                <a:ea typeface="맑은 고딕" charset="0"/>
+              </a:rPr>
+              <a:t> 이제</a:t>
             </a:r>
             <a:r>
               <a:rPr lang="ko-KR" sz="1800">
                 <a:latin typeface="맑은 고딕" charset="0"/>
                 <a:ea typeface="맑은 고딕" charset="0"/>
               </a:rPr>
-              <a:t>그런 다음 월드 공간에 있는 Orc 오브젝트를 선택하고 Delete로 삭제시켜 줍니다.</a:t>
+              <a:t> First Point</a:t>
+            </a:r>
+            <a:r>
+              <a:rPr sz="1800">
+                <a:latin typeface="맑은 고딕" charset="0"/>
+                <a:ea typeface="맑은 고딕" charset="0"/>
+              </a:rPr>
+              <a:t> 오브젝트</a:t>
+            </a:r>
+            <a:r>
+              <a:rPr lang="ko-KR" sz="1800">
+                <a:latin typeface="맑은 고딕" charset="0"/>
+                <a:ea typeface="맑은 고딕" charset="0"/>
+              </a:rPr>
+              <a:t>와 Second Point 오브젝트 그리고 Third Point 오브젝트와 Four Point 오브젝트에</a:t>
+            </a:r>
+            <a:r>
+              <a:rPr sz="1800">
+                <a:latin typeface="맑은 고딕" charset="0"/>
+                <a:ea typeface="맑은 고딕" charset="0"/>
+              </a:rPr>
+              <a:t> Select Icon을 설정합니다.</a:t>
             </a:r>
             <a:endParaRPr lang="ko-KR" altLang="en-US" sz="1800">
               <a:latin typeface="맑은 고딕" charset="0"/>
@@ -13202,38 +12667,7 @@
       </p:sp>
       <p:pic>
         <p:nvPicPr>
-          <p:cNvPr id="1034" name="그림 58" descr="C:/Users/Admin1/AppData/Roaming/PolarisOffice/ETemp/14712_13418472/fImage115662033281.png"/>
-          <p:cNvPicPr>
-            <a:picLocks noChangeAspect="1"/>
-          </p:cNvPicPr>
-          <p:nvPr/>
-        </p:nvPicPr>
-        <p:blipFill rotWithShape="1">
-          <a:blip r:embed="rId5" cstate="hqprint">
-            <a:extLst>
-              <a:ext uri="{28A0092B-C50C-407E-A947-70E740481C1C}">
-                <a14:useLocalDpi xmlns:a14="http://schemas.microsoft.com/office/drawing/2010/main"/>
-              </a:ext>
-            </a:extLst>
-          </a:blip>
-          <a:stretch>
-            <a:fillRect/>
-          </a:stretch>
-        </p:blipFill>
-        <p:spPr>
-          <a:xfrm rot="0">
-            <a:off x="3009265" y="1402715"/>
-            <a:ext cx="2362200" cy="3678555"/>
-          </a:xfrm>
-          <a:prstGeom prst="roundRect"/>
-          <a:solidFill>
-            <a:srgbClr val="EDEDED"/>
-          </a:solidFill>
-        </p:spPr>
-      </p:pic>
-      <p:pic>
-        <p:nvPicPr>
-          <p:cNvPr id="1035" name="그림 61"/>
+          <p:cNvPr id="1033" name="그림 4"/>
           <p:cNvPicPr>
             <a:picLocks noChangeAspect="1"/>
           </p:cNvPicPr>
@@ -13253,8 +12687,8 @@
         </p:blipFill>
         <p:spPr>
           <a:xfrm rot="0">
-            <a:off x="1230630" y="2111375"/>
-            <a:ext cx="1630045" cy="2263775"/>
+            <a:off x="3749040" y="1878330"/>
+            <a:ext cx="1621790" cy="2479675"/>
           </a:xfrm>
           <a:prstGeom prst="roundRect"/>
           <a:solidFill>
@@ -13262,128 +12696,9 @@
           </a:solidFill>
         </p:spPr>
       </p:pic>
-      <p:sp>
-        <p:nvSpPr>
-          <p:cNvPr id="1036" name="텍스트 상자 5"/>
-          <p:cNvSpPr txBox="1">
-            <a:spLocks/>
-          </p:cNvSpPr>
-          <p:nvPr/>
-        </p:nvSpPr>
-        <p:spPr>
-          <a:xfrm rot="0">
-            <a:off x="6800215" y="4151630"/>
-            <a:ext cx="4173855" cy="2031365"/>
-          </a:xfrm>
-          <a:prstGeom prst="rect"/>
-          <a:noFill/>
-          <a:ln w="0">
-            <a:noFill/>
-            <a:prstDash/>
-          </a:ln>
-        </p:spPr>
-        <p:txBody>
-          <a:bodyPr wrap="square" lIns="89535" tIns="46355" rIns="89535" bIns="46355" vert="horz" anchor="t">
-            <a:spAutoFit/>
-          </a:bodyPr>
-          <a:lstStyle/>
-          <a:p>
-            <a:pPr marL="0" indent="0" rtl="0" algn="l" defTabSz="914400" eaLnBrk="1" latinLnBrk="0" hangingPunct="1">
-              <a:buFontTx/>
-              <a:buNone/>
-            </a:pPr>
-            <a:r>
-              <a:rPr sz="1800" b="1">
-                <a:solidFill>
-                  <a:srgbClr val="0611F2"/>
-                </a:solidFill>
-                <a:latin typeface="맑은 고딕" charset="0"/>
-                <a:ea typeface="맑은 고딕" charset="0"/>
-              </a:rPr>
-              <a:t>14</a:t>
-            </a:r>
-            <a:r>
-              <a:rPr sz="1800" b="1">
-                <a:solidFill>
-                  <a:srgbClr val="0611F2"/>
-                </a:solidFill>
-                <a:latin typeface="맑은 고딕" charset="0"/>
-                <a:ea typeface="맑은 고딕" charset="0"/>
-              </a:rPr>
-              <a:t>.</a:t>
-            </a:r>
-            <a:r>
-              <a:rPr sz="1800">
-                <a:latin typeface="맑은 고딕" charset="0"/>
-                <a:ea typeface="맑은 고딕" charset="0"/>
-              </a:rPr>
-              <a:t> 그</a:t>
-            </a:r>
-            <a:r>
-              <a:rPr lang="ko-KR" sz="1800">
-                <a:latin typeface="맑은 고딕" charset="0"/>
-                <a:ea typeface="맑은 고딕" charset="0"/>
-              </a:rPr>
-              <a:t>다음으로</a:t>
-            </a:r>
-            <a:r>
-              <a:rPr sz="1800">
-                <a:latin typeface="맑은 고딕" charset="0"/>
-                <a:ea typeface="맑은 고딕" charset="0"/>
-              </a:rPr>
-              <a:t> 빈 게임 오브젝트를 4개 생성합니다.</a:t>
-            </a:r>
-            <a:endParaRPr lang="ko-KR" altLang="en-US" sz="1800">
-              <a:latin typeface="맑은 고딕" charset="0"/>
-              <a:ea typeface="맑은 고딕" charset="0"/>
-            </a:endParaRPr>
-          </a:p>
-          <a:p>
-            <a:pPr marL="0" indent="0" rtl="0" algn="l" defTabSz="914400" eaLnBrk="1" latinLnBrk="0" hangingPunct="1">
-              <a:buFontTx/>
-              <a:buNone/>
-            </a:pPr>
-            <a:endParaRPr lang="ko-KR" altLang="en-US" sz="1800">
-              <a:latin typeface="맑은 고딕" charset="0"/>
-              <a:ea typeface="맑은 고딕" charset="0"/>
-            </a:endParaRPr>
-          </a:p>
-          <a:p>
-            <a:pPr marL="0" indent="0" rtl="0" algn="l" defTabSz="914400" eaLnBrk="1" latinLnBrk="0" hangingPunct="1">
-              <a:buFontTx/>
-              <a:buNone/>
-            </a:pPr>
-            <a:r>
-              <a:rPr sz="1800">
-                <a:latin typeface="맑은 고딕" charset="0"/>
-                <a:ea typeface="맑은 고딕" charset="0"/>
-              </a:rPr>
-              <a:t>그러</a:t>
-            </a:r>
-            <a:r>
-              <a:rPr lang="ko-KR" sz="1800">
-                <a:latin typeface="맑은 고딕" charset="0"/>
-                <a:ea typeface="맑은 고딕" charset="0"/>
-              </a:rPr>
-              <a:t>고 나서</a:t>
-            </a:r>
-            <a:r>
-              <a:rPr sz="1800">
-                <a:latin typeface="맑은 고딕" charset="0"/>
-                <a:ea typeface="맑은 고딕" charset="0"/>
-              </a:rPr>
-              <a:t> 각각의 이름을 First Point와 Second Point 그리고 Third Point 마지막으로 Four Point라는 이름으로 정의합니다.</a:t>
-            </a:r>
-            <a:endParaRPr lang="ko-KR" altLang="en-US" sz="1800">
-              <a:latin typeface="맑은 고딕" charset="0"/>
-              <a:ea typeface="맑은 고딕" charset="0"/>
-            </a:endParaRPr>
-          </a:p>
-        </p:txBody>
-      </p:sp>
       <p:pic>
         <p:nvPicPr>
-          <p:cNvPr id="1037" name="그림 6"/>
+          <p:cNvPr id="1034" name="그림 10"/>
           <p:cNvPicPr>
             <a:picLocks noChangeAspect="1"/>
           </p:cNvPicPr>
@@ -13403,8 +12718,8 @@
         </p:blipFill>
         <p:spPr>
           <a:xfrm rot="0">
-            <a:off x="6800215" y="1404620"/>
-            <a:ext cx="2411730" cy="2586990"/>
+            <a:off x="1247140" y="1430020"/>
+            <a:ext cx="2279015" cy="3368040"/>
           </a:xfrm>
           <a:prstGeom prst="roundRect"/>
           <a:solidFill>
@@ -13414,7 +12729,7 @@
       </p:pic>
       <p:pic>
         <p:nvPicPr>
-          <p:cNvPr id="1038" name="그림 7"/>
+          <p:cNvPr id="1035" name="그림 11"/>
           <p:cNvPicPr>
             <a:picLocks noChangeAspect="1"/>
           </p:cNvPicPr>
@@ -13434,8 +12749,8 @@
         </p:blipFill>
         <p:spPr>
           <a:xfrm rot="0">
-            <a:off x="9393555" y="1837055"/>
-            <a:ext cx="1588770" cy="1739265"/>
+            <a:off x="8271510" y="1428115"/>
+            <a:ext cx="2686050" cy="1548765"/>
           </a:xfrm>
           <a:prstGeom prst="roundRect"/>
           <a:solidFill>
@@ -13443,6 +12758,385 @@
           </a:solidFill>
         </p:spPr>
       </p:pic>
+      <p:pic>
+        <p:nvPicPr>
+          <p:cNvPr id="1036" name="그림 14"/>
+          <p:cNvPicPr>
+            <a:picLocks noChangeAspect="1"/>
+          </p:cNvPicPr>
+          <p:nvPr/>
+        </p:nvPicPr>
+        <p:blipFill rotWithShape="1">
+          <a:blip r:embed="rId9" cstate="print">
+            <a:extLst>
+              <a:ext uri="{28A0092B-C50C-407E-A947-70E740481C1C}">
+                <a14:useLocalDpi xmlns:a14="http://schemas.microsoft.com/office/drawing/2010/main" val="0"/>
+              </a:ext>
+            </a:extLst>
+          </a:blip>
+          <a:stretch>
+            <a:fillRect/>
+          </a:stretch>
+        </p:blipFill>
+        <p:spPr>
+          <a:xfrm rot="0">
+            <a:off x="6824980" y="1435100"/>
+            <a:ext cx="1314450" cy="1541780"/>
+          </a:xfrm>
+          <a:prstGeom prst="roundRect"/>
+          <a:solidFill>
+            <a:srgbClr val="EDEDED"/>
+          </a:solidFill>
+        </p:spPr>
+      </p:pic>
+      <p:sp>
+        <p:nvSpPr>
+          <p:cNvPr id="1037" name="텍스트 상자 15"/>
+          <p:cNvSpPr txBox="1">
+            <a:spLocks/>
+          </p:cNvSpPr>
+          <p:nvPr/>
+        </p:nvSpPr>
+        <p:spPr>
+          <a:xfrm rot="0">
+            <a:off x="6791960" y="3095625"/>
+            <a:ext cx="4157345" cy="3138805"/>
+          </a:xfrm>
+          <a:prstGeom prst="rect"/>
+          <a:noFill/>
+          <a:ln w="0">
+            <a:noFill/>
+            <a:prstDash/>
+          </a:ln>
+        </p:spPr>
+        <p:txBody>
+          <a:bodyPr wrap="square" lIns="89535" tIns="46355" rIns="89535" bIns="46355" vert="horz" anchor="t">
+            <a:spAutoFit/>
+          </a:bodyPr>
+          <a:lstStyle/>
+          <a:p>
+            <a:pPr marL="0" indent="0" rtl="0" algn="l" defTabSz="914400" eaLnBrk="1" latinLnBrk="0" hangingPunct="1">
+              <a:buFontTx/>
+              <a:buNone/>
+            </a:pPr>
+            <a:r>
+              <a:rPr sz="1800" b="1">
+                <a:solidFill>
+                  <a:srgbClr val="0611F2"/>
+                </a:solidFill>
+                <a:latin typeface="맑은 고딕" charset="0"/>
+                <a:ea typeface="맑은 고딕" charset="0"/>
+              </a:rPr>
+              <a:t>16</a:t>
+            </a:r>
+            <a:r>
+              <a:rPr sz="1800" b="1">
+                <a:solidFill>
+                  <a:srgbClr val="0611F2"/>
+                </a:solidFill>
+                <a:latin typeface="맑은 고딕" charset="0"/>
+                <a:ea typeface="맑은 고딕" charset="0"/>
+              </a:rPr>
+              <a:t>.</a:t>
+            </a:r>
+            <a:r>
+              <a:rPr sz="1800">
+                <a:latin typeface="맑은 고딕" charset="0"/>
+                <a:ea typeface="맑은 고딕" charset="0"/>
+              </a:rPr>
+              <a:t> 그다음 Create </a:t>
+            </a:r>
+            <a:r>
+              <a:rPr lang="ko-KR" sz="1800">
+                <a:latin typeface="맑은 고딕" charset="0"/>
+                <a:ea typeface="맑은 고딕" charset="0"/>
+              </a:rPr>
+              <a:t>Object </a:t>
+            </a:r>
+            <a:r>
+              <a:rPr sz="1800">
+                <a:latin typeface="맑은 고딕" charset="0"/>
+                <a:ea typeface="맑은 고딕" charset="0"/>
+              </a:rPr>
+              <a:t>오브젝트에 있는 Create</a:t>
+            </a:r>
+            <a:r>
+              <a:rPr sz="1800">
+                <a:latin typeface="맑은 고딕" charset="0"/>
+                <a:ea typeface="맑은 고딕" charset="0"/>
+              </a:rPr>
+              <a:t> </a:t>
+            </a:r>
+            <a:r>
+              <a:rPr sz="1800">
+                <a:latin typeface="맑은 고딕" charset="0"/>
+                <a:ea typeface="맑은 고딕" charset="0"/>
+              </a:rPr>
+              <a:t>스크립트의 </a:t>
+            </a:r>
+            <a:r>
+              <a:rPr lang="ko-KR" sz="1800">
+                <a:latin typeface="맑은 고딕" charset="0"/>
+                <a:ea typeface="맑은 고딕" charset="0"/>
+              </a:rPr>
+              <a:t>Random Position을</a:t>
+            </a:r>
+            <a:r>
+              <a:rPr sz="1800">
+                <a:latin typeface="맑은 고딕" charset="0"/>
+                <a:ea typeface="맑은 고딕" charset="0"/>
+              </a:rPr>
+              <a:t> 4개</a:t>
+            </a:r>
+            <a:r>
+              <a:rPr lang="ko-KR" sz="1800">
+                <a:latin typeface="맑은 고딕" charset="0"/>
+                <a:ea typeface="맑은 고딕" charset="0"/>
+              </a:rPr>
+              <a:t>로</a:t>
+            </a:r>
+            <a:r>
+              <a:rPr sz="1800">
+                <a:latin typeface="맑은 고딕" charset="0"/>
+                <a:ea typeface="맑은 고딕" charset="0"/>
+              </a:rPr>
+              <a:t> 설정합니다. </a:t>
+            </a:r>
+            <a:endParaRPr lang="ko-KR" altLang="en-US" sz="1800">
+              <a:latin typeface="맑은 고딕" charset="0"/>
+              <a:ea typeface="맑은 고딕" charset="0"/>
+            </a:endParaRPr>
+          </a:p>
+          <a:p>
+            <a:pPr marL="0" indent="0" rtl="0" algn="l" defTabSz="914400" eaLnBrk="1" latinLnBrk="0" hangingPunct="1">
+              <a:buFontTx/>
+              <a:buNone/>
+            </a:pPr>
+            <a:endParaRPr lang="ko-KR" altLang="en-US" sz="1800">
+              <a:latin typeface="맑은 고딕" charset="0"/>
+              <a:ea typeface="맑은 고딕" charset="0"/>
+            </a:endParaRPr>
+          </a:p>
+          <a:p>
+            <a:pPr marL="0" indent="0" rtl="0" algn="l" defTabSz="914400" eaLnBrk="1" latinLnBrk="0" hangingPunct="1">
+              <a:buFontTx/>
+              <a:buNone/>
+            </a:pPr>
+            <a:r>
+              <a:rPr sz="1800">
+                <a:latin typeface="맑은 고딕" charset="0"/>
+                <a:ea typeface="맑은 고딕" charset="0"/>
+              </a:rPr>
+              <a:t>그</a:t>
+            </a:r>
+            <a:r>
+              <a:rPr lang="ko-KR" sz="1800">
+                <a:latin typeface="맑은 고딕" charset="0"/>
+                <a:ea typeface="맑은 고딕" charset="0"/>
+              </a:rPr>
+              <a:t>런 다음</a:t>
+            </a:r>
+            <a:r>
+              <a:rPr sz="1800">
+                <a:latin typeface="맑은 고딕" charset="0"/>
+                <a:ea typeface="맑은 고딕" charset="0"/>
+              </a:rPr>
+              <a:t> Element 0에는 First Point를 넣어주고 Element 1에는 Second Point를 넣어줍니다.</a:t>
+            </a:r>
+            <a:endParaRPr lang="ko-KR" altLang="en-US" sz="1800">
+              <a:latin typeface="맑은 고딕" charset="0"/>
+              <a:ea typeface="맑은 고딕" charset="0"/>
+            </a:endParaRPr>
+          </a:p>
+          <a:p>
+            <a:pPr marL="0" indent="0" rtl="0" algn="l" defTabSz="914400" eaLnBrk="1" latinLnBrk="0" hangingPunct="1">
+              <a:buFontTx/>
+              <a:buNone/>
+            </a:pPr>
+            <a:endParaRPr lang="ko-KR" altLang="en-US" sz="1800">
+              <a:latin typeface="맑은 고딕" charset="0"/>
+              <a:ea typeface="맑은 고딕" charset="0"/>
+            </a:endParaRPr>
+          </a:p>
+          <a:p>
+            <a:pPr marL="0" indent="0" rtl="0" algn="l" defTabSz="914400" eaLnBrk="1" latinLnBrk="0" hangingPunct="1">
+              <a:buFontTx/>
+              <a:buNone/>
+            </a:pPr>
+            <a:r>
+              <a:rPr sz="1800">
+                <a:latin typeface="맑은 고딕" charset="0"/>
+                <a:ea typeface="맑은 고딕" charset="0"/>
+              </a:rPr>
+              <a:t>마지막으</a:t>
+            </a:r>
+            <a:r>
+              <a:rPr lang="ko-KR" sz="1800">
+                <a:latin typeface="맑은 고딕" charset="0"/>
+                <a:ea typeface="맑은 고딕" charset="0"/>
+              </a:rPr>
+              <a:t>로</a:t>
+            </a:r>
+            <a:r>
+              <a:rPr sz="1800">
+                <a:latin typeface="맑은 고딕" charset="0"/>
+                <a:ea typeface="맑은 고딕" charset="0"/>
+              </a:rPr>
+              <a:t> Element 2에는 Third Point를 넣어</a:t>
+            </a:r>
+            <a:r>
+              <a:rPr lang="ko-KR" sz="1800">
+                <a:latin typeface="맑은 고딕" charset="0"/>
+                <a:ea typeface="맑은 고딕" charset="0"/>
+              </a:rPr>
+              <a:t>주고</a:t>
+            </a:r>
+            <a:r>
+              <a:rPr sz="1800">
+                <a:latin typeface="맑은 고딕" charset="0"/>
+                <a:ea typeface="맑은 고딕" charset="0"/>
+              </a:rPr>
+              <a:t> Element 3에는 Four Point를 넣어줍니다.</a:t>
+            </a:r>
+            <a:endParaRPr lang="ko-KR" altLang="en-US" sz="1800">
+              <a:latin typeface="맑은 고딕" charset="0"/>
+              <a:ea typeface="맑은 고딕" charset="0"/>
+            </a:endParaRPr>
+          </a:p>
+        </p:txBody>
+      </p:sp>
+      <p:cxnSp>
+        <p:nvCxnSpPr>
+          <p:cNvPr id="1038" name="도형 16"/>
+          <p:cNvCxnSpPr/>
+          <p:nvPr/>
+        </p:nvCxnSpPr>
+        <p:spPr>
+          <a:xfrm rot="0" flipV="1">
+            <a:off x="7714615" y="2218690"/>
+            <a:ext cx="3101340" cy="241935"/>
+          </a:xfrm>
+          <a:prstGeom prst="straightConnector1"/>
+          <a:ln w="6350" cap="flat" cmpd="sng">
+            <a:prstDash/>
+            <a:headEnd type="none" w="med" len="med"/>
+            <a:tailEnd type="triangle" w="med" len="med"/>
+          </a:ln>
+        </p:spPr>
+        <p:style>
+          <a:lnRef idx="1">
+            <a:schemeClr val="accent1"/>
+          </a:lnRef>
+          <a:fillRef idx="0">
+            <a:schemeClr val="accent1"/>
+          </a:fillRef>
+          <a:effectRef idx="0">
+            <a:schemeClr val="accent1"/>
+          </a:effectRef>
+          <a:fontRef idx="minor">
+            <a:schemeClr val="tx1"/>
+          </a:fontRef>
+        </p:style>
+      </p:cxnSp>
+      <p:cxnSp>
+        <p:nvCxnSpPr>
+          <p:cNvPr id="1039" name="도형 17"/>
+          <p:cNvCxnSpPr/>
+          <p:nvPr/>
+        </p:nvCxnSpPr>
+        <p:spPr>
+          <a:xfrm rot="0" flipV="1">
+            <a:off x="7872730" y="2368550"/>
+            <a:ext cx="2959735" cy="225425"/>
+          </a:xfrm>
+          <a:prstGeom prst="straightConnector1"/>
+          <a:ln w="6350" cap="flat" cmpd="sng">
+            <a:prstDash/>
+            <a:headEnd type="none" w="med" len="med"/>
+            <a:tailEnd type="triangle" w="med" len="med"/>
+          </a:ln>
+        </p:spPr>
+        <p:style>
+          <a:lnRef idx="1">
+            <a:schemeClr val="accent1"/>
+          </a:lnRef>
+          <a:fillRef idx="0">
+            <a:schemeClr val="accent1"/>
+          </a:fillRef>
+          <a:effectRef idx="0">
+            <a:schemeClr val="accent1"/>
+          </a:effectRef>
+          <a:fontRef idx="minor">
+            <a:schemeClr val="tx1"/>
+          </a:fontRef>
+        </p:style>
+      </p:cxnSp>
+      <p:cxnSp>
+        <p:nvCxnSpPr>
+          <p:cNvPr id="1040" name="도형 18"/>
+          <p:cNvCxnSpPr/>
+          <p:nvPr/>
+        </p:nvCxnSpPr>
+        <p:spPr>
+          <a:xfrm rot="0" flipV="1">
+            <a:off x="7755890" y="2510155"/>
+            <a:ext cx="3068320" cy="216535"/>
+          </a:xfrm>
+          <a:prstGeom prst="straightConnector1"/>
+          <a:ln w="6350" cap="flat" cmpd="sng">
+            <a:prstDash/>
+            <a:headEnd type="none" w="med" len="med"/>
+            <a:tailEnd type="triangle" w="med" len="med"/>
+          </a:ln>
+        </p:spPr>
+        <p:style>
+          <a:lnRef idx="1">
+            <a:schemeClr val="accent1"/>
+          </a:lnRef>
+          <a:fillRef idx="0">
+            <a:schemeClr val="accent1"/>
+          </a:fillRef>
+          <a:effectRef idx="0">
+            <a:schemeClr val="accent1"/>
+          </a:effectRef>
+          <a:fontRef idx="minor">
+            <a:schemeClr val="tx1"/>
+          </a:fontRef>
+        </p:style>
+      </p:cxnSp>
+      <p:cxnSp>
+        <p:nvCxnSpPr>
+          <p:cNvPr id="1041" name="도형 19"/>
+          <p:cNvCxnSpPr/>
+          <p:nvPr/>
+        </p:nvCxnSpPr>
+        <p:spPr>
+          <a:xfrm rot="0" flipV="1">
+            <a:off x="7764145" y="2651125"/>
+            <a:ext cx="3068320" cy="200025"/>
+          </a:xfrm>
+          <a:prstGeom prst="straightConnector1"/>
+          <a:ln w="6350" cap="flat" cmpd="sng">
+            <a:prstDash/>
+            <a:headEnd type="none" w="med" len="med"/>
+            <a:tailEnd type="triangle" w="med" len="med"/>
+          </a:ln>
+        </p:spPr>
+        <p:style>
+          <a:lnRef idx="1">
+            <a:schemeClr val="accent1"/>
+          </a:lnRef>
+          <a:fillRef idx="0">
+            <a:schemeClr val="accent1"/>
+          </a:fillRef>
+          <a:effectRef idx="0">
+            <a:schemeClr val="accent1"/>
+          </a:effectRef>
+          <a:fontRef idx="minor">
+            <a:schemeClr val="tx1"/>
+          </a:fontRef>
+        </p:style>
+      </p:cxnSp>
     </p:spTree>
   </p:cSld>
   <p:clrMapOvr>
@@ -13493,8 +13187,8 @@
         </p:nvSpPr>
         <p:spPr>
           <a:xfrm rot="0">
-            <a:off x="4343400" y="372110"/>
-            <a:ext cx="3510280" cy="554990"/>
+            <a:off x="4353560" y="393065"/>
+            <a:ext cx="3499485" cy="554990"/>
           </a:xfrm>
           <a:prstGeom prst="rect"/>
           <a:noFill/>
@@ -13521,7 +13215,7 @@
                 <a:latin typeface="맑은 고딕" charset="0"/>
                 <a:ea typeface="맑은 고딕" charset="0"/>
               </a:rPr>
-              <a:t>일곱 번째 </a:t>
+              <a:t>여덟 번째 </a:t>
             </a:r>
             <a:r>
               <a:rPr lang="ko-KR" altLang="en-US" sz="3000" b="1">
@@ -13545,7 +13239,7 @@
       </p:sp>
       <p:sp>
         <p:nvSpPr>
-          <p:cNvPr id="1032" name="텍스트 상자 3"/>
+          <p:cNvPr id="1070" name="Rect 0"/>
           <p:cNvSpPr txBox="1">
             <a:spLocks/>
           </p:cNvSpPr>
@@ -13553,8 +13247,8 @@
         </p:nvSpPr>
         <p:spPr>
           <a:xfrm rot="0">
-            <a:off x="1255395" y="5032375"/>
-            <a:ext cx="4116070" cy="1200785"/>
+            <a:off x="6791960" y="5241925"/>
+            <a:ext cx="4156710" cy="954405"/>
           </a:xfrm>
           <a:prstGeom prst="rect"/>
           <a:noFill/>
@@ -13569,6 +13263,98 @@
           </a:bodyPr>
           <a:lstStyle/>
           <a:p>
+            <a:pPr marL="0" indent="0" algn="l" latinLnBrk="0" hangingPunct="1">
+              <a:buFontTx/>
+              <a:buNone/>
+            </a:pPr>
+            <a:r>
+              <a:rPr lang="ko-KR" sz="2000" b="1">
+                <a:solidFill>
+                  <a:srgbClr val="0611F2"/>
+                </a:solidFill>
+                <a:latin typeface="맑은 고딕" charset="0"/>
+                <a:ea typeface="맑은 고딕" charset="0"/>
+              </a:rPr>
+              <a:t>18</a:t>
+            </a:r>
+            <a:r>
+              <a:rPr sz="2000" b="1">
+                <a:solidFill>
+                  <a:srgbClr val="0611F2"/>
+                </a:solidFill>
+                <a:latin typeface="맑은 고딕" charset="0"/>
+                <a:ea typeface="맑은 고딕" charset="0"/>
+              </a:rPr>
+              <a:t>. </a:t>
+            </a:r>
+            <a:r>
+              <a:rPr lang="ko-KR" sz="1800">
+                <a:latin typeface="맑은 고딕" charset="0"/>
+                <a:ea typeface="맑은 고딕" charset="0"/>
+              </a:rPr>
+              <a:t>그리고 </a:t>
+            </a:r>
+            <a:r>
+              <a:rPr sz="1800">
+                <a:latin typeface="맑은 고딕" charset="0"/>
+                <a:ea typeface="맑은 고딕" charset="0"/>
+              </a:rPr>
+              <a:t>Create</a:t>
+            </a:r>
+            <a:r>
+              <a:rPr sz="1800">
+                <a:latin typeface="맑은 고딕" charset="0"/>
+                <a:ea typeface="맑은 고딕" charset="0"/>
+              </a:rPr>
+              <a:t> </a:t>
+            </a:r>
+            <a:r>
+              <a:rPr sz="1800">
+                <a:latin typeface="맑은 고딕" charset="0"/>
+                <a:ea typeface="맑은 고딕" charset="0"/>
+              </a:rPr>
+              <a:t>스크립트</a:t>
+            </a:r>
+            <a:r>
+              <a:rPr lang="ko-KR" sz="1800">
+                <a:latin typeface="맑은 고딕" charset="0"/>
+                <a:ea typeface="맑은 고딕" charset="0"/>
+              </a:rPr>
+              <a:t>에 있는 Prefab에 Prefab 폴더에 있는 Orc 오브젝트를 넣어줍니다.</a:t>
+            </a:r>
+            <a:endParaRPr lang="ko-KR" altLang="en-US" sz="1800">
+              <a:latin typeface="맑은 고딕" charset="0"/>
+              <a:ea typeface="맑은 고딕" charset="0"/>
+            </a:endParaRPr>
+          </a:p>
+        </p:txBody>
+      </p:sp>
+      <p:sp>
+        <p:nvSpPr>
+          <p:cNvPr id="1090" name="텍스트 상자 20"/>
+          <p:cNvSpPr txBox="1">
+            <a:spLocks/>
+          </p:cNvSpPr>
+          <p:nvPr/>
+        </p:nvSpPr>
+        <p:spPr>
+          <a:xfrm rot="0">
+            <a:off x="1222375" y="4441825"/>
+            <a:ext cx="4173220" cy="1754505"/>
+          </a:xfrm>
+          <a:prstGeom prst="rect"/>
+          <a:noFill/>
+          <a:ln w="0">
+            <a:noFill/>
+            <a:prstDash/>
+          </a:ln>
+        </p:spPr>
+        <p:txBody>
+          <a:bodyPr wrap="square" lIns="89535" tIns="46355" rIns="89535" bIns="46355" vert="horz" anchor="t">
+            <a:spAutoFit/>
+          </a:bodyPr>
+          <a:lstStyle/>
+          <a:p>
             <a:pPr marL="0" indent="0" rtl="0" algn="l" defTabSz="914400" eaLnBrk="1" latinLnBrk="0" hangingPunct="1">
               <a:buFontTx/>
               <a:buNone/>
@@ -13581,17 +13367,7 @@
                 <a:latin typeface="맑은 고딕" charset="0"/>
                 <a:ea typeface="맑은 고딕" charset="0"/>
               </a:rPr>
-              <a:t>1</a:t>
-            </a:r>
-            <a:r>
-              <a:rPr lang="ko-KR" sz="1800" b="1">
-                <a:solidFill>
-                  <a:srgbClr val="0611F2"/>
-                </a:solidFill>
-                <a:latin typeface="맑은 고딕" charset="0"/>
-                <a:ea typeface="맑은 고딕" charset="0"/>
-              </a:rPr>
-              <a:t>5</a:t>
+              <a:t>17</a:t>
             </a:r>
             <a:r>
               <a:rPr sz="1800" b="1">
@@ -13608,56 +13384,90 @@
                 <a:latin typeface="맑은 고딕" charset="0"/>
                 <a:ea typeface="맑은 고딕" charset="0"/>
               </a:rPr>
-              <a:t> 이제</a:t>
+              <a:t> </a:t>
+            </a:r>
+            <a:r>
+              <a:rPr sz="1800">
+                <a:latin typeface="맑은 고딕" charset="0"/>
+                <a:ea typeface="맑은 고딕" charset="0"/>
+              </a:rPr>
+              <a:t>이</a:t>
             </a:r>
             <a:r>
               <a:rPr lang="ko-KR" sz="1800">
                 <a:latin typeface="맑은 고딕" charset="0"/>
                 <a:ea typeface="맑은 고딕" charset="0"/>
               </a:rPr>
-              <a:t> First Point</a:t>
+              <a:t>제</a:t>
             </a:r>
             <a:r>
               <a:rPr sz="1800">
                 <a:latin typeface="맑은 고딕" charset="0"/>
                 <a:ea typeface="맑은 고딕" charset="0"/>
               </a:rPr>
-              <a:t> 오브젝트</a:t>
-            </a:r>
-            <a:r>
-              <a:rPr lang="ko-KR" sz="1800">
-                <a:latin typeface="맑은 고딕" charset="0"/>
-                <a:ea typeface="맑은 고딕" charset="0"/>
-              </a:rPr>
-              <a:t>와 Second Point 오브젝트 그리고 Third Point 오브젝트와 Four Point 오브젝트에</a:t>
-            </a:r>
-            <a:r>
-              <a:rPr sz="1800">
-                <a:latin typeface="맑은 고딕" charset="0"/>
-                <a:ea typeface="맑은 고딕" charset="0"/>
-              </a:rPr>
-              <a:t> Select Icon을 설정합니다.</a:t>
+              <a:t> First Point 오브젝트와 Second Point 오브젝트의 위치를 설정합니다.</a:t>
             </a:r>
             <a:endParaRPr lang="ko-KR" altLang="en-US" sz="1800">
               <a:latin typeface="맑은 고딕" charset="0"/>
               <a:ea typeface="맑은 고딕" charset="0"/>
             </a:endParaRPr>
           </a:p>
+          <a:p>
+            <a:pPr marL="0" indent="0" rtl="0" algn="l" defTabSz="914400" eaLnBrk="1" latinLnBrk="0" hangingPunct="1">
+              <a:buFontTx/>
+              <a:buNone/>
+            </a:pPr>
+            <a:endParaRPr lang="ko-KR" altLang="en-US" sz="1800">
+              <a:latin typeface="맑은 고딕" charset="0"/>
+              <a:ea typeface="맑은 고딕" charset="0"/>
+            </a:endParaRPr>
+          </a:p>
+          <a:p>
+            <a:pPr marL="0" indent="0" rtl="0" algn="l" defTabSz="914400" eaLnBrk="1" latinLnBrk="0" hangingPunct="1">
+              <a:buFontTx/>
+              <a:buNone/>
+            </a:pPr>
+            <a:r>
+              <a:rPr sz="1800">
+                <a:latin typeface="맑은 고딕" charset="0"/>
+                <a:ea typeface="맑은 고딕" charset="0"/>
+              </a:rPr>
+              <a:t>그</a:t>
+            </a:r>
+            <a:r>
+              <a:rPr lang="ko-KR" sz="1800">
+                <a:latin typeface="맑은 고딕" charset="0"/>
+                <a:ea typeface="맑은 고딕" charset="0"/>
+              </a:rPr>
+              <a:t>런 다음</a:t>
+            </a:r>
+            <a:r>
+              <a:rPr sz="1800">
+                <a:latin typeface="맑은 고딕" charset="0"/>
+                <a:ea typeface="맑은 고딕" charset="0"/>
+              </a:rPr>
+              <a:t> Third Point 오브젝트와 Four Point 오브젝트의 위치를 설정합니다.</a:t>
+            </a:r>
+            <a:endParaRPr lang="ko-KR" altLang="en-US" sz="1800">
+              <a:latin typeface="맑은 고딕" charset="0"/>
+              <a:ea typeface="맑은 고딕" charset="0"/>
+            </a:endParaRPr>
+          </a:p>
         </p:txBody>
       </p:sp>
       <p:pic>
         <p:nvPicPr>
-          <p:cNvPr id="1033" name="그림 4"/>
+          <p:cNvPr id="1091" name="그림 21"/>
           <p:cNvPicPr>
             <a:picLocks noChangeAspect="1"/>
           </p:cNvPicPr>
           <p:nvPr/>
         </p:nvPicPr>
         <p:blipFill rotWithShape="1">
-          <a:blip r:embed="rId6" cstate="hqprint">
+          <a:blip r:embed="rId7" cstate="print">
             <a:extLst>
               <a:ext uri="{28A0092B-C50C-407E-A947-70E740481C1C}">
-                <a14:useLocalDpi xmlns:a14="http://schemas.microsoft.com/office/drawing/2010/main"/>
+                <a14:useLocalDpi xmlns:a14="http://schemas.microsoft.com/office/drawing/2010/main" val="0"/>
               </a:ext>
             </a:extLst>
           </a:blip>
@@ -13667,8 +13477,8 @@
         </p:blipFill>
         <p:spPr>
           <a:xfrm rot="0">
-            <a:off x="3749040" y="1878330"/>
-            <a:ext cx="1621790" cy="2479675"/>
+            <a:off x="1215390" y="1343025"/>
+            <a:ext cx="2019300" cy="1410970"/>
           </a:xfrm>
           <a:prstGeom prst="roundRect"/>
           <a:solidFill>
@@ -13678,38 +13488,7 @@
       </p:pic>
       <p:pic>
         <p:nvPicPr>
-          <p:cNvPr id="1034" name="그림 10"/>
-          <p:cNvPicPr>
-            <a:picLocks noChangeAspect="1"/>
-          </p:cNvPicPr>
-          <p:nvPr/>
-        </p:nvPicPr>
-        <p:blipFill rotWithShape="1">
-          <a:blip r:embed="rId7" cstate="hqprint">
-            <a:extLst>
-              <a:ext uri="{28A0092B-C50C-407E-A947-70E740481C1C}">
-                <a14:useLocalDpi xmlns:a14="http://schemas.microsoft.com/office/drawing/2010/main"/>
-              </a:ext>
-            </a:extLst>
-          </a:blip>
-          <a:stretch>
-            <a:fillRect/>
-          </a:stretch>
-        </p:blipFill>
-        <p:spPr>
-          <a:xfrm rot="0">
-            <a:off x="1247140" y="1430020"/>
-            <a:ext cx="2279015" cy="3368040"/>
-          </a:xfrm>
-          <a:prstGeom prst="roundRect"/>
-          <a:solidFill>
-            <a:srgbClr val="EDEDED"/>
-          </a:solidFill>
-        </p:spPr>
-      </p:pic>
-      <p:pic>
-        <p:nvPicPr>
-          <p:cNvPr id="1035" name="그림 11"/>
+          <p:cNvPr id="1092" name="그림 22"/>
           <p:cNvPicPr>
             <a:picLocks noChangeAspect="1"/>
           </p:cNvPicPr>
@@ -13729,8 +13508,8 @@
         </p:blipFill>
         <p:spPr>
           <a:xfrm rot="0">
-            <a:off x="8271510" y="1428115"/>
-            <a:ext cx="2686050" cy="1548765"/>
+            <a:off x="3333750" y="1347470"/>
+            <a:ext cx="2053590" cy="1396365"/>
           </a:xfrm>
           <a:prstGeom prst="roundRect"/>
           <a:solidFill>
@@ -13740,7 +13519,7 @@
       </p:pic>
       <p:pic>
         <p:nvPicPr>
-          <p:cNvPr id="1036" name="그림 14"/>
+          <p:cNvPr id="1093" name="그림 27"/>
           <p:cNvPicPr>
             <a:picLocks noChangeAspect="1"/>
           </p:cNvPicPr>
@@ -13760,8 +13539,8 @@
         </p:blipFill>
         <p:spPr>
           <a:xfrm rot="0">
-            <a:off x="6824980" y="1435100"/>
-            <a:ext cx="1314450" cy="1541780"/>
+            <a:off x="1219200" y="2926080"/>
+            <a:ext cx="2015490" cy="1405255"/>
           </a:xfrm>
           <a:prstGeom prst="roundRect"/>
           <a:solidFill>
@@ -13769,331 +13548,109 @@
           </a:solidFill>
         </p:spPr>
       </p:pic>
-      <p:sp>
-        <p:nvSpPr>
-          <p:cNvPr id="1037" name="텍스트 상자 15"/>
-          <p:cNvSpPr txBox="1">
-            <a:spLocks/>
-          </p:cNvSpPr>
+      <p:pic>
+        <p:nvPicPr>
+          <p:cNvPr id="1094" name="그림 30"/>
+          <p:cNvPicPr>
+            <a:picLocks noChangeAspect="1"/>
+          </p:cNvPicPr>
           <p:nvPr/>
-        </p:nvSpPr>
-        <p:spPr>
-          <a:xfrm rot="0">
-            <a:off x="6791960" y="3095625"/>
-            <a:ext cx="4157345" cy="3138805"/>
-          </a:xfrm>
-          <a:prstGeom prst="rect"/>
-          <a:noFill/>
-          <a:ln w="0">
-            <a:noFill/>
-            <a:prstDash/>
-          </a:ln>
-        </p:spPr>
-        <p:txBody>
-          <a:bodyPr wrap="square" lIns="89535" tIns="46355" rIns="89535" bIns="46355" vert="horz" anchor="t">
-            <a:spAutoFit/>
-          </a:bodyPr>
-          <a:lstStyle/>
-          <a:p>
-            <a:pPr marL="0" indent="0" rtl="0" algn="l" defTabSz="914400" eaLnBrk="1" latinLnBrk="0" hangingPunct="1">
-              <a:buFontTx/>
-              <a:buNone/>
-            </a:pPr>
-            <a:r>
-              <a:rPr sz="1800" b="1">
-                <a:solidFill>
-                  <a:srgbClr val="0611F2"/>
-                </a:solidFill>
-                <a:latin typeface="맑은 고딕" charset="0"/>
-                <a:ea typeface="맑은 고딕" charset="0"/>
-              </a:rPr>
-              <a:t>16</a:t>
-            </a:r>
-            <a:r>
-              <a:rPr sz="1800" b="1">
-                <a:solidFill>
-                  <a:srgbClr val="0611F2"/>
-                </a:solidFill>
-                <a:latin typeface="맑은 고딕" charset="0"/>
-                <a:ea typeface="맑은 고딕" charset="0"/>
-              </a:rPr>
-              <a:t>.</a:t>
-            </a:r>
-            <a:r>
-              <a:rPr sz="1800">
-                <a:latin typeface="맑은 고딕" charset="0"/>
-                <a:ea typeface="맑은 고딕" charset="0"/>
-              </a:rPr>
-              <a:t> 그다음 Create </a:t>
-            </a:r>
-            <a:r>
-              <a:rPr lang="ko-KR" sz="1800">
-                <a:latin typeface="맑은 고딕" charset="0"/>
-                <a:ea typeface="맑은 고딕" charset="0"/>
-              </a:rPr>
-              <a:t>Object </a:t>
-            </a:r>
-            <a:r>
-              <a:rPr sz="1800">
-                <a:latin typeface="맑은 고딕" charset="0"/>
-                <a:ea typeface="맑은 고딕" charset="0"/>
-              </a:rPr>
-              <a:t>오브젝트에 있는 Create</a:t>
-            </a:r>
-            <a:r>
-              <a:rPr sz="1800">
-                <a:latin typeface="맑은 고딕" charset="0"/>
-                <a:ea typeface="맑은 고딕" charset="0"/>
-              </a:rPr>
-              <a:t> </a:t>
-            </a:r>
-            <a:r>
-              <a:rPr sz="1800">
-                <a:latin typeface="맑은 고딕" charset="0"/>
-                <a:ea typeface="맑은 고딕" charset="0"/>
-              </a:rPr>
-              <a:t>스크립트의 </a:t>
-            </a:r>
-            <a:r>
-              <a:rPr lang="ko-KR" sz="1800">
-                <a:latin typeface="맑은 고딕" charset="0"/>
-                <a:ea typeface="맑은 고딕" charset="0"/>
-              </a:rPr>
-              <a:t>Random Position을</a:t>
-            </a:r>
-            <a:r>
-              <a:rPr sz="1800">
-                <a:latin typeface="맑은 고딕" charset="0"/>
-                <a:ea typeface="맑은 고딕" charset="0"/>
-              </a:rPr>
-              <a:t> 4개</a:t>
-            </a:r>
-            <a:r>
-              <a:rPr lang="ko-KR" sz="1800">
-                <a:latin typeface="맑은 고딕" charset="0"/>
-                <a:ea typeface="맑은 고딕" charset="0"/>
-              </a:rPr>
-              <a:t>로</a:t>
-            </a:r>
-            <a:r>
-              <a:rPr sz="1800">
-                <a:latin typeface="맑은 고딕" charset="0"/>
-                <a:ea typeface="맑은 고딕" charset="0"/>
-              </a:rPr>
-              <a:t> 설정합니다. </a:t>
-            </a:r>
-            <a:endParaRPr lang="ko-KR" altLang="en-US" sz="1800">
-              <a:latin typeface="맑은 고딕" charset="0"/>
-              <a:ea typeface="맑은 고딕" charset="0"/>
-            </a:endParaRPr>
-          </a:p>
-          <a:p>
-            <a:pPr marL="0" indent="0" rtl="0" algn="l" defTabSz="914400" eaLnBrk="1" latinLnBrk="0" hangingPunct="1">
-              <a:buFontTx/>
-              <a:buNone/>
-            </a:pPr>
-            <a:endParaRPr lang="ko-KR" altLang="en-US" sz="1800">
-              <a:latin typeface="맑은 고딕" charset="0"/>
-              <a:ea typeface="맑은 고딕" charset="0"/>
-            </a:endParaRPr>
-          </a:p>
-          <a:p>
-            <a:pPr marL="0" indent="0" rtl="0" algn="l" defTabSz="914400" eaLnBrk="1" latinLnBrk="0" hangingPunct="1">
-              <a:buFontTx/>
-              <a:buNone/>
-            </a:pPr>
-            <a:r>
-              <a:rPr sz="1800">
-                <a:latin typeface="맑은 고딕" charset="0"/>
-                <a:ea typeface="맑은 고딕" charset="0"/>
-              </a:rPr>
-              <a:t>그</a:t>
-            </a:r>
-            <a:r>
-              <a:rPr lang="ko-KR" sz="1800">
-                <a:latin typeface="맑은 고딕" charset="0"/>
-                <a:ea typeface="맑은 고딕" charset="0"/>
-              </a:rPr>
-              <a:t>런 다음</a:t>
-            </a:r>
-            <a:r>
-              <a:rPr sz="1800">
-                <a:latin typeface="맑은 고딕" charset="0"/>
-                <a:ea typeface="맑은 고딕" charset="0"/>
-              </a:rPr>
-              <a:t> Element 0에는 First Point를 넣어주고 Element 1에는 Second Point를 넣어줍니다.</a:t>
-            </a:r>
-            <a:endParaRPr lang="ko-KR" altLang="en-US" sz="1800">
-              <a:latin typeface="맑은 고딕" charset="0"/>
-              <a:ea typeface="맑은 고딕" charset="0"/>
-            </a:endParaRPr>
-          </a:p>
-          <a:p>
-            <a:pPr marL="0" indent="0" rtl="0" algn="l" defTabSz="914400" eaLnBrk="1" latinLnBrk="0" hangingPunct="1">
-              <a:buFontTx/>
-              <a:buNone/>
-            </a:pPr>
-            <a:endParaRPr lang="ko-KR" altLang="en-US" sz="1800">
-              <a:latin typeface="맑은 고딕" charset="0"/>
-              <a:ea typeface="맑은 고딕" charset="0"/>
-            </a:endParaRPr>
-          </a:p>
-          <a:p>
-            <a:pPr marL="0" indent="0" rtl="0" algn="l" defTabSz="914400" eaLnBrk="1" latinLnBrk="0" hangingPunct="1">
-              <a:buFontTx/>
-              <a:buNone/>
-            </a:pPr>
-            <a:r>
-              <a:rPr sz="1800">
-                <a:latin typeface="맑은 고딕" charset="0"/>
-                <a:ea typeface="맑은 고딕" charset="0"/>
-              </a:rPr>
-              <a:t>마지막으</a:t>
-            </a:r>
-            <a:r>
-              <a:rPr lang="ko-KR" sz="1800">
-                <a:latin typeface="맑은 고딕" charset="0"/>
-                <a:ea typeface="맑은 고딕" charset="0"/>
-              </a:rPr>
-              <a:t>로</a:t>
-            </a:r>
-            <a:r>
-              <a:rPr sz="1800">
-                <a:latin typeface="맑은 고딕" charset="0"/>
-                <a:ea typeface="맑은 고딕" charset="0"/>
-              </a:rPr>
-              <a:t> Element 2에는 Third Point를 넣어</a:t>
-            </a:r>
-            <a:r>
-              <a:rPr lang="ko-KR" sz="1800">
-                <a:latin typeface="맑은 고딕" charset="0"/>
-                <a:ea typeface="맑은 고딕" charset="0"/>
-              </a:rPr>
-              <a:t>주고</a:t>
-            </a:r>
-            <a:r>
-              <a:rPr sz="1800">
-                <a:latin typeface="맑은 고딕" charset="0"/>
-                <a:ea typeface="맑은 고딕" charset="0"/>
-              </a:rPr>
-              <a:t> Element 3에는 Four Point를 넣어줍니다.</a:t>
-            </a:r>
-            <a:endParaRPr lang="ko-KR" altLang="en-US" sz="1800">
-              <a:latin typeface="맑은 고딕" charset="0"/>
-              <a:ea typeface="맑은 고딕" charset="0"/>
-            </a:endParaRPr>
-          </a:p>
-        </p:txBody>
-      </p:sp>
+        </p:nvPicPr>
+        <p:blipFill rotWithShape="1">
+          <a:blip r:embed="rId10" cstate="print">
+            <a:extLst>
+              <a:ext uri="{28A0092B-C50C-407E-A947-70E740481C1C}">
+                <a14:useLocalDpi xmlns:a14="http://schemas.microsoft.com/office/drawing/2010/main" val="0"/>
+              </a:ext>
+            </a:extLst>
+          </a:blip>
+          <a:stretch>
+            <a:fillRect/>
+          </a:stretch>
+        </p:blipFill>
+        <p:spPr>
+          <a:xfrm rot="0">
+            <a:off x="3335020" y="2931795"/>
+            <a:ext cx="2044065" cy="1410335"/>
+          </a:xfrm>
+          <a:prstGeom prst="roundRect"/>
+          <a:solidFill>
+            <a:srgbClr val="EDEDED"/>
+          </a:solidFill>
+        </p:spPr>
+      </p:pic>
+      <p:pic>
+        <p:nvPicPr>
+          <p:cNvPr id="1095" name="그림 33"/>
+          <p:cNvPicPr>
+            <a:picLocks noChangeAspect="1"/>
+          </p:cNvPicPr>
+          <p:nvPr/>
+        </p:nvPicPr>
+        <p:blipFill rotWithShape="1">
+          <a:blip r:embed="rId11" cstate="print">
+            <a:extLst>
+              <a:ext uri="{28A0092B-C50C-407E-A947-70E740481C1C}">
+                <a14:useLocalDpi xmlns:a14="http://schemas.microsoft.com/office/drawing/2010/main" val="0"/>
+              </a:ext>
+            </a:extLst>
+          </a:blip>
+          <a:stretch>
+            <a:fillRect/>
+          </a:stretch>
+        </p:blipFill>
+        <p:spPr>
+          <a:xfrm rot="0">
+            <a:off x="6791960" y="1346835"/>
+            <a:ext cx="4165600" cy="2004060"/>
+          </a:xfrm>
+          <a:prstGeom prst="roundRect"/>
+          <a:solidFill>
+            <a:srgbClr val="EDEDED"/>
+          </a:solidFill>
+        </p:spPr>
+      </p:pic>
+      <p:pic>
+        <p:nvPicPr>
+          <p:cNvPr id="1096" name="그림 36"/>
+          <p:cNvPicPr>
+            <a:picLocks noChangeAspect="1"/>
+          </p:cNvPicPr>
+          <p:nvPr/>
+        </p:nvPicPr>
+        <p:blipFill rotWithShape="1">
+          <a:blip r:embed="rId12" cstate="hqprint">
+            <a:extLst>
+              <a:ext uri="{28A0092B-C50C-407E-A947-70E740481C1C}">
+                <a14:useLocalDpi xmlns:a14="http://schemas.microsoft.com/office/drawing/2010/main"/>
+              </a:ext>
+            </a:extLst>
+          </a:blip>
+          <a:stretch>
+            <a:fillRect/>
+          </a:stretch>
+        </p:blipFill>
+        <p:spPr>
+          <a:xfrm rot="0">
+            <a:off x="6800215" y="3586480"/>
+            <a:ext cx="4148455" cy="1560195"/>
+          </a:xfrm>
+          <a:prstGeom prst="roundRect"/>
+          <a:solidFill>
+            <a:srgbClr val="EDEDED"/>
+          </a:solidFill>
+        </p:spPr>
+      </p:pic>
       <p:cxnSp>
         <p:nvCxnSpPr>
-          <p:cNvPr id="1038" name="도형 16"/>
+          <p:cNvPr id="1097" name="도형 37"/>
           <p:cNvCxnSpPr/>
           <p:nvPr/>
         </p:nvCxnSpPr>
         <p:spPr>
           <a:xfrm rot="0" flipV="1">
-            <a:off x="7714615" y="2218690"/>
-            <a:ext cx="3101340" cy="241935"/>
-          </a:xfrm>
-          <a:prstGeom prst="straightConnector1"/>
-          <a:ln w="6350" cap="flat" cmpd="sng">
-            <a:prstDash/>
-            <a:headEnd type="none" w="med" len="med"/>
-            <a:tailEnd type="triangle" w="med" len="med"/>
-          </a:ln>
-        </p:spPr>
-        <p:style>
-          <a:lnRef idx="1">
-            <a:schemeClr val="accent1"/>
-          </a:lnRef>
-          <a:fillRef idx="0">
-            <a:schemeClr val="accent1"/>
-          </a:fillRef>
-          <a:effectRef idx="0">
-            <a:schemeClr val="accent1"/>
-          </a:effectRef>
-          <a:fontRef idx="minor">
-            <a:schemeClr val="tx1"/>
-          </a:fontRef>
-        </p:style>
-      </p:cxnSp>
-      <p:cxnSp>
-        <p:nvCxnSpPr>
-          <p:cNvPr id="1039" name="도형 17"/>
-          <p:cNvCxnSpPr/>
-          <p:nvPr/>
-        </p:nvCxnSpPr>
-        <p:spPr>
-          <a:xfrm rot="0" flipV="1">
-            <a:off x="7872730" y="2368550"/>
-            <a:ext cx="2959735" cy="225425"/>
-          </a:xfrm>
-          <a:prstGeom prst="straightConnector1"/>
-          <a:ln w="6350" cap="flat" cmpd="sng">
-            <a:prstDash/>
-            <a:headEnd type="none" w="med" len="med"/>
-            <a:tailEnd type="triangle" w="med" len="med"/>
-          </a:ln>
-        </p:spPr>
-        <p:style>
-          <a:lnRef idx="1">
-            <a:schemeClr val="accent1"/>
-          </a:lnRef>
-          <a:fillRef idx="0">
-            <a:schemeClr val="accent1"/>
-          </a:fillRef>
-          <a:effectRef idx="0">
-            <a:schemeClr val="accent1"/>
-          </a:effectRef>
-          <a:fontRef idx="minor">
-            <a:schemeClr val="tx1"/>
-          </a:fontRef>
-        </p:style>
-      </p:cxnSp>
-      <p:cxnSp>
-        <p:nvCxnSpPr>
-          <p:cNvPr id="1040" name="도형 18"/>
-          <p:cNvCxnSpPr/>
-          <p:nvPr/>
-        </p:nvCxnSpPr>
-        <p:spPr>
-          <a:xfrm rot="0" flipV="1">
-            <a:off x="7755890" y="2510155"/>
-            <a:ext cx="3068320" cy="216535"/>
-          </a:xfrm>
-          <a:prstGeom prst="straightConnector1"/>
-          <a:ln w="6350" cap="flat" cmpd="sng">
-            <a:prstDash/>
-            <a:headEnd type="none" w="med" len="med"/>
-            <a:tailEnd type="triangle" w="med" len="med"/>
-          </a:ln>
-        </p:spPr>
-        <p:style>
-          <a:lnRef idx="1">
-            <a:schemeClr val="accent1"/>
-          </a:lnRef>
-          <a:fillRef idx="0">
-            <a:schemeClr val="accent1"/>
-          </a:fillRef>
-          <a:effectRef idx="0">
-            <a:schemeClr val="accent1"/>
-          </a:effectRef>
-          <a:fontRef idx="minor">
-            <a:schemeClr val="tx1"/>
-          </a:fontRef>
-        </p:style>
-      </p:cxnSp>
-      <p:cxnSp>
-        <p:nvCxnSpPr>
-          <p:cNvPr id="1041" name="도형 19"/>
-          <p:cNvCxnSpPr/>
-          <p:nvPr/>
-        </p:nvCxnSpPr>
-        <p:spPr>
-          <a:xfrm rot="0" flipV="1">
-            <a:off x="7764145" y="2651125"/>
-            <a:ext cx="3068320" cy="200025"/>
+            <a:off x="7955915" y="1887220"/>
+            <a:ext cx="2860040" cy="2103755"/>
           </a:xfrm>
           <a:prstGeom prst="straightConnector1"/>
           <a:ln w="6350" cap="flat" cmpd="sng">

--- a/Assets/Class/Instantiate & Destroy/PPT Data/Instatiate and Destroy Example.pptx
+++ b/Assets/Class/Instantiate & Destroy/PPT Data/Instatiate and Destroy Example.pptx
@@ -2,26 +2,24 @@
 <file path=ppt/presentation.xml><?xml version="1.0" encoding="utf-8"?>
 <p:presentation xmlns:a="http://schemas.openxmlformats.org/drawingml/2006/main" xmlns:r="http://schemas.openxmlformats.org/officeDocument/2006/relationships" xmlns:p="http://schemas.openxmlformats.org/presentationml/2006/main" xmlns:p14="http://schemas.microsoft.com/office/powerpoint/2010/main" saveSubsetFonts="1" firstSlideNum="0">
   <p:sldMasterIdLst>
-    <p:sldMasterId id="2147485823" r:id="rId12"/>
+    <p:sldMasterId id="2147485834" r:id="rId12"/>
   </p:sldMasterIdLst>
   <p:notesMasterIdLst>
     <p:notesMasterId r:id="rId14"/>
   </p:notesMasterIdLst>
   <p:sldIdLst>
     <p:sldId id="293" r:id="rId16"/>
-    <p:sldId id="294" r:id="rId17"/>
-    <p:sldId id="295" r:id="rId19"/>
+    <p:sldId id="305" r:id="rId17"/>
+    <p:sldId id="294" r:id="rId18"/>
+    <p:sldId id="295" r:id="rId20"/>
     <p:sldId id="288" r:id="rId21"/>
-    <p:sldId id="296" r:id="rId23"/>
-    <p:sldId id="297" r:id="rId25"/>
-    <p:sldId id="298" r:id="rId27"/>
-    <p:sldId id="299" r:id="rId29"/>
-    <p:sldId id="300" r:id="rId31"/>
-    <p:sldId id="301" r:id="rId33"/>
-    <p:sldId id="287" r:id="rId35"/>
-    <p:sldId id="302" r:id="rId37"/>
-    <p:sldId id="303" r:id="rId39"/>
-    <p:sldId id="304" r:id="rId41"/>
+    <p:sldId id="296" r:id="rId22"/>
+    <p:sldId id="297" r:id="rId24"/>
+    <p:sldId id="298" r:id="rId26"/>
+    <p:sldId id="301" r:id="rId28"/>
+    <p:sldId id="287" r:id="rId30"/>
+    <p:sldId id="303" r:id="rId31"/>
+    <p:sldId id="304" r:id="rId33"/>
   </p:sldIdLst>
   <p:sldSz cx="12192000" cy="6858000"/>
   <p:notesSz cx="6858000" cy="9144000"/>
@@ -652,7 +650,7 @@
         <p:spPr>
           <a:xfrm rot="0">
             <a:off x="685800" y="1143000"/>
-            <a:ext cx="5490845" cy="3090545"/>
+            <a:ext cx="5488940" cy="3088640"/>
           </a:xfrm>
           <a:prstGeom prst="rect"/>
           <a:noFill/>
@@ -691,7 +689,7 @@
         <p:spPr>
           <a:xfrm rot="0">
             <a:off x="685800" y="4400550"/>
-            <a:ext cx="5490845" cy="3604895"/>
+            <a:ext cx="5488940" cy="3602990"/>
           </a:xfrm>
           <a:prstGeom prst="rect"/>
         </p:spPr>
@@ -721,7 +719,7 @@
         <p:spPr>
           <a:xfrm rot="0">
             <a:off x="3884930" y="8685530"/>
-            <a:ext cx="2976245" cy="462915"/>
+            <a:ext cx="2974340" cy="461010"/>
           </a:xfrm>
           <a:prstGeom prst="rect"/>
         </p:spPr>
@@ -794,7 +792,7 @@
         <p:spPr>
           <a:xfrm rot="0">
             <a:off x="685800" y="1143000"/>
-            <a:ext cx="5488940" cy="3088640"/>
+            <a:ext cx="5491480" cy="3091180"/>
           </a:xfrm>
           <a:prstGeom prst="rect"/>
           <a:noFill/>
@@ -833,7 +831,7 @@
         <p:spPr>
           <a:xfrm rot="0">
             <a:off x="685800" y="4400550"/>
-            <a:ext cx="5488940" cy="3602990"/>
+            <a:ext cx="5491480" cy="3605530"/>
           </a:xfrm>
           <a:prstGeom prst="rect"/>
         </p:spPr>
@@ -863,7 +861,7 @@
         <p:spPr>
           <a:xfrm rot="0">
             <a:off x="3884930" y="8685530"/>
-            <a:ext cx="2974340" cy="461010"/>
+            <a:ext cx="2976880" cy="463550"/>
           </a:xfrm>
           <a:prstGeom prst="rect"/>
         </p:spPr>
@@ -936,290 +934,6 @@
         <p:spPr>
           <a:xfrm rot="0">
             <a:off x="685800" y="1143000"/>
-            <a:ext cx="5490845" cy="3090545"/>
-          </a:xfrm>
-          <a:prstGeom prst="rect"/>
-          <a:noFill/>
-          <a:ln w="12700" cap="flat" cmpd="sng">
-            <a:solidFill>
-              <a:srgbClr val="000000">
-                <a:alpha val="100000"/>
-              </a:srgbClr>
-            </a:solidFill>
-            <a:prstDash val="solid"/>
-          </a:ln>
-        </p:spPr>
-        <p:txBody>
-          <a:bodyPr wrap="square" lIns="91440" tIns="45720" rIns="91440" bIns="45720" numCol="1" vert="horz" anchor="ctr">
-            <a:noAutofit/>
-          </a:bodyPr>
-          <a:lstStyle/>
-          <a:p>
-            <a:pPr marL="0" indent="0" latinLnBrk="0">
-              <a:buFontTx/>
-              <a:buNone/>
-            </a:pPr>
-          </a:p>
-        </p:txBody>
-      </p:sp>
-      <p:sp>
-        <p:nvSpPr>
-          <p:cNvPr id="3" name="슬라이드 노트 개체 틀 4"/>
-          <p:cNvSpPr txBox="1">
-            <a:spLocks/>
-          </p:cNvSpPr>
-          <p:nvPr>
-            <p:ph type="body" idx="3"/>
-          </p:nvPr>
-        </p:nvSpPr>
-        <p:spPr>
-          <a:xfrm rot="0">
-            <a:off x="685800" y="4400550"/>
-            <a:ext cx="5490845" cy="3604895"/>
-          </a:xfrm>
-          <a:prstGeom prst="rect"/>
-        </p:spPr>
-        <p:txBody>
-          <a:bodyPr wrap="square" lIns="91440" tIns="45720" rIns="91440" bIns="45720" numCol="1" vert="horz" anchor="t">
-            <a:noAutofit/>
-          </a:bodyPr>
-          <a:lstStyle/>
-          <a:p>
-            <a:pPr marL="0" indent="0" latinLnBrk="0">
-              <a:buFontTx/>
-              <a:buNone/>
-            </a:pPr>
-          </a:p>
-        </p:txBody>
-      </p:sp>
-      <p:sp>
-        <p:nvSpPr>
-          <p:cNvPr id="4" name="슬라이드 번호 개체 틀 6"/>
-          <p:cNvSpPr txBox="1">
-            <a:spLocks/>
-          </p:cNvSpPr>
-          <p:nvPr>
-            <p:ph type="sldNum" idx="5"/>
-          </p:nvPr>
-        </p:nvSpPr>
-        <p:spPr>
-          <a:xfrm rot="0">
-            <a:off x="3884930" y="8685530"/>
-            <a:ext cx="2976245" cy="462915"/>
-          </a:xfrm>
-          <a:prstGeom prst="rect"/>
-        </p:spPr>
-        <p:txBody>
-          <a:bodyPr wrap="square" lIns="91440" tIns="45720" rIns="91440" bIns="45720" numCol="1" vert="horz" anchor="b">
-            <a:noAutofit/>
-          </a:bodyPr>
-          <a:lstStyle>
-            <a:lvl1pPr marL="0" indent="0" algn="r" latinLnBrk="0">
-              <a:buFontTx/>
-              <a:buNone/>
-              <a:defRPr lang="en-GB" altLang="en-US" sz="1200"/>
-            </a:lvl1pPr>
-          </a:lstStyle>
-          <a:p>
-            <a:pPr marL="0" indent="0" latinLnBrk="0">
-              <a:buFontTx/>
-              <a:buNone/>
-            </a:pPr>
-            <a:fld id="{B9320F77-B9A0-41C5-862A-B4B631284C64}" type="slidenum">
-              <a:rPr lang="ko-KR" altLang="en-US"/>
-              <a:t>‹#›</a:t>
-            </a:fld>
-          </a:p>
-        </p:txBody>
-      </p:sp>
-    </p:spTree>
-  </p:cSld>
-  <p:clrMapOvr>
-    <a:masterClrMapping/>
-  </p:clrMapOvr>
-  <mc:AlternateContent xmlns:mc="http://schemas.openxmlformats.org/markup-compatibility/2006">
-    <mc:Choice xmlns:p14="http://schemas.microsoft.com/office/powerpoint/2010/main" Requires="p14">
-      <p:transition spd="slow" p14:dur="0"/>
-    </mc:Choice>
-    <mc:Fallback>
-      <p:transition spd="slow"/>
-    </mc:Fallback>
-  </mc:AlternateContent>
-</p:notes>
-</file>
-
-<file path=ppt/notesSlides/notesSlide13.xml><?xml version="1.0" encoding="utf-8"?>
-<p:notes xmlns:a="http://schemas.openxmlformats.org/drawingml/2006/main" xmlns:r="http://schemas.openxmlformats.org/officeDocument/2006/relationships" xmlns:p="http://schemas.openxmlformats.org/presentationml/2006/main">
-  <p:cSld>
-    <p:spTree>
-      <p:nvGrpSpPr>
-        <p:cNvPr id="1" name=""/>
-        <p:cNvGrpSpPr/>
-        <p:nvPr/>
-      </p:nvGrpSpPr>
-      <p:grpSpPr>
-        <a:xfrm>
-          <a:off x="0" y="0"/>
-          <a:ext cx="0" cy="0"/>
-          <a:chOff x="0" y="0"/>
-          <a:chExt cx="0" cy="0"/>
-        </a:xfrm>
-      </p:grpSpPr>
-      <p:sp>
-        <p:nvSpPr>
-          <p:cNvPr id="2" name="슬라이드 이미지 개체 틀 3"/>
-          <p:cNvSpPr>
-            <a:spLocks noChangeAspect="1"/>
-          </p:cNvSpPr>
-          <p:nvPr>
-            <p:ph type="sldImg" idx="2"/>
-          </p:nvPr>
-        </p:nvSpPr>
-        <p:spPr>
-          <a:xfrm rot="0">
-            <a:off x="685800" y="1143000"/>
-            <a:ext cx="5491480" cy="3091180"/>
-          </a:xfrm>
-          <a:prstGeom prst="rect"/>
-          <a:noFill/>
-          <a:ln w="12700" cap="flat" cmpd="sng">
-            <a:solidFill>
-              <a:srgbClr val="000000">
-                <a:alpha val="100000"/>
-              </a:srgbClr>
-            </a:solidFill>
-            <a:prstDash val="solid"/>
-          </a:ln>
-        </p:spPr>
-        <p:txBody>
-          <a:bodyPr wrap="square" lIns="91440" tIns="45720" rIns="91440" bIns="45720" numCol="1" vert="horz" anchor="ctr">
-            <a:noAutofit/>
-          </a:bodyPr>
-          <a:lstStyle/>
-          <a:p>
-            <a:pPr marL="0" indent="0" latinLnBrk="0">
-              <a:buFontTx/>
-              <a:buNone/>
-            </a:pPr>
-          </a:p>
-        </p:txBody>
-      </p:sp>
-      <p:sp>
-        <p:nvSpPr>
-          <p:cNvPr id="3" name="슬라이드 노트 개체 틀 4"/>
-          <p:cNvSpPr txBox="1">
-            <a:spLocks/>
-          </p:cNvSpPr>
-          <p:nvPr>
-            <p:ph type="body" idx="3"/>
-          </p:nvPr>
-        </p:nvSpPr>
-        <p:spPr>
-          <a:xfrm rot="0">
-            <a:off x="685800" y="4400550"/>
-            <a:ext cx="5491480" cy="3605530"/>
-          </a:xfrm>
-          <a:prstGeom prst="rect"/>
-        </p:spPr>
-        <p:txBody>
-          <a:bodyPr wrap="square" lIns="91440" tIns="45720" rIns="91440" bIns="45720" numCol="1" vert="horz" anchor="t">
-            <a:noAutofit/>
-          </a:bodyPr>
-          <a:lstStyle/>
-          <a:p>
-            <a:pPr marL="0" indent="0" latinLnBrk="0">
-              <a:buFontTx/>
-              <a:buNone/>
-            </a:pPr>
-          </a:p>
-        </p:txBody>
-      </p:sp>
-      <p:sp>
-        <p:nvSpPr>
-          <p:cNvPr id="4" name="슬라이드 번호 개체 틀 6"/>
-          <p:cNvSpPr txBox="1">
-            <a:spLocks/>
-          </p:cNvSpPr>
-          <p:nvPr>
-            <p:ph type="sldNum" idx="5"/>
-          </p:nvPr>
-        </p:nvSpPr>
-        <p:spPr>
-          <a:xfrm rot="0">
-            <a:off x="3884930" y="8685530"/>
-            <a:ext cx="2976880" cy="463550"/>
-          </a:xfrm>
-          <a:prstGeom prst="rect"/>
-        </p:spPr>
-        <p:txBody>
-          <a:bodyPr wrap="square" lIns="91440" tIns="45720" rIns="91440" bIns="45720" numCol="1" vert="horz" anchor="b">
-            <a:noAutofit/>
-          </a:bodyPr>
-          <a:lstStyle>
-            <a:lvl1pPr marL="0" indent="0" algn="r" latinLnBrk="0">
-              <a:buFontTx/>
-              <a:buNone/>
-              <a:defRPr lang="en-GB" altLang="en-US" sz="1200"/>
-            </a:lvl1pPr>
-          </a:lstStyle>
-          <a:p>
-            <a:pPr marL="0" indent="0" latinLnBrk="0">
-              <a:buFontTx/>
-              <a:buNone/>
-            </a:pPr>
-            <a:fld id="{B9320F77-B9A0-41C5-862A-B4B631284C64}" type="slidenum">
-              <a:rPr lang="ko-KR" altLang="en-US"/>
-              <a:t>‹#›</a:t>
-            </a:fld>
-          </a:p>
-        </p:txBody>
-      </p:sp>
-    </p:spTree>
-  </p:cSld>
-  <p:clrMapOvr>
-    <a:masterClrMapping/>
-  </p:clrMapOvr>
-  <mc:AlternateContent xmlns:mc="http://schemas.openxmlformats.org/markup-compatibility/2006">
-    <mc:Choice xmlns:p14="http://schemas.microsoft.com/office/powerpoint/2010/main" Requires="p14">
-      <p:transition spd="slow" p14:dur="0"/>
-    </mc:Choice>
-    <mc:Fallback>
-      <p:transition spd="slow"/>
-    </mc:Fallback>
-  </mc:AlternateContent>
-</p:notes>
-</file>
-
-<file path=ppt/notesSlides/notesSlide14.xml><?xml version="1.0" encoding="utf-8"?>
-<p:notes xmlns:a="http://schemas.openxmlformats.org/drawingml/2006/main" xmlns:r="http://schemas.openxmlformats.org/officeDocument/2006/relationships" xmlns:p="http://schemas.openxmlformats.org/presentationml/2006/main">
-  <p:cSld>
-    <p:spTree>
-      <p:nvGrpSpPr>
-        <p:cNvPr id="1" name=""/>
-        <p:cNvGrpSpPr/>
-        <p:nvPr/>
-      </p:nvGrpSpPr>
-      <p:grpSpPr>
-        <a:xfrm>
-          <a:off x="0" y="0"/>
-          <a:ext cx="0" cy="0"/>
-          <a:chOff x="0" y="0"/>
-          <a:chExt cx="0" cy="0"/>
-        </a:xfrm>
-      </p:grpSpPr>
-      <p:sp>
-        <p:nvSpPr>
-          <p:cNvPr id="2" name="슬라이드 이미지 개체 틀 3"/>
-          <p:cNvSpPr>
-            <a:spLocks noChangeAspect="1"/>
-          </p:cNvSpPr>
-          <p:nvPr>
-            <p:ph type="sldImg" idx="2"/>
-          </p:nvPr>
-        </p:nvSpPr>
-        <p:spPr>
-          <a:xfrm rot="0">
-            <a:off x="685800" y="1143000"/>
             <a:ext cx="5489575" cy="3089275"/>
           </a:xfrm>
           <a:prstGeom prst="rect"/>
@@ -1362,7 +1076,7 @@
         <p:spPr>
           <a:xfrm rot="0">
             <a:off x="685800" y="1143000"/>
-            <a:ext cx="5489575" cy="3089275"/>
+            <a:ext cx="5490210" cy="3089910"/>
           </a:xfrm>
           <a:prstGeom prst="rect"/>
           <a:noFill/>
@@ -1401,7 +1115,7 @@
         <p:spPr>
           <a:xfrm rot="0">
             <a:off x="685800" y="4400550"/>
-            <a:ext cx="5489575" cy="3603625"/>
+            <a:ext cx="5490210" cy="3604260"/>
           </a:xfrm>
           <a:prstGeom prst="rect"/>
         </p:spPr>
@@ -1431,7 +1145,7 @@
         <p:spPr>
           <a:xfrm rot="0">
             <a:off x="3884930" y="8685530"/>
-            <a:ext cx="2974975" cy="461645"/>
+            <a:ext cx="2975610" cy="462280"/>
           </a:xfrm>
           <a:prstGeom prst="rect"/>
         </p:spPr>
@@ -1646,7 +1360,7 @@
         <p:spPr>
           <a:xfrm rot="0">
             <a:off x="685800" y="1143000"/>
-            <a:ext cx="5488940" cy="3088640"/>
+            <a:ext cx="5489575" cy="3089275"/>
           </a:xfrm>
           <a:prstGeom prst="rect"/>
           <a:noFill/>
@@ -1685,7 +1399,7 @@
         <p:spPr>
           <a:xfrm rot="0">
             <a:off x="685800" y="4400550"/>
-            <a:ext cx="5488940" cy="3602990"/>
+            <a:ext cx="5489575" cy="3603625"/>
           </a:xfrm>
           <a:prstGeom prst="rect"/>
         </p:spPr>
@@ -1715,7 +1429,7 @@
         <p:spPr>
           <a:xfrm rot="0">
             <a:off x="3884930" y="8685530"/>
-            <a:ext cx="2974340" cy="461010"/>
+            <a:ext cx="2974975" cy="461645"/>
           </a:xfrm>
           <a:prstGeom prst="rect"/>
         </p:spPr>
@@ -1788,7 +1502,7 @@
         <p:spPr>
           <a:xfrm rot="0">
             <a:off x="685800" y="1143000"/>
-            <a:ext cx="5489575" cy="3089275"/>
+            <a:ext cx="5488940" cy="3088640"/>
           </a:xfrm>
           <a:prstGeom prst="rect"/>
           <a:noFill/>
@@ -1827,7 +1541,7 @@
         <p:spPr>
           <a:xfrm rot="0">
             <a:off x="685800" y="4400550"/>
-            <a:ext cx="5489575" cy="3603625"/>
+            <a:ext cx="5488940" cy="3602990"/>
           </a:xfrm>
           <a:prstGeom prst="rect"/>
         </p:spPr>
@@ -1857,7 +1571,7 @@
         <p:spPr>
           <a:xfrm rot="0">
             <a:off x="3884930" y="8685530"/>
-            <a:ext cx="2974975" cy="461645"/>
+            <a:ext cx="2974340" cy="461010"/>
           </a:xfrm>
           <a:prstGeom prst="rect"/>
         </p:spPr>
@@ -2072,7 +1786,7 @@
         <p:spPr>
           <a:xfrm rot="0">
             <a:off x="685800" y="1143000"/>
-            <a:ext cx="5490210" cy="3089910"/>
+            <a:ext cx="5489575" cy="3089275"/>
           </a:xfrm>
           <a:prstGeom prst="rect"/>
           <a:noFill/>
@@ -2111,7 +1825,7 @@
         <p:spPr>
           <a:xfrm rot="0">
             <a:off x="685800" y="4400550"/>
-            <a:ext cx="5490210" cy="3604260"/>
+            <a:ext cx="5489575" cy="3603625"/>
           </a:xfrm>
           <a:prstGeom prst="rect"/>
         </p:spPr>
@@ -2141,7 +1855,7 @@
         <p:spPr>
           <a:xfrm rot="0">
             <a:off x="3884930" y="8685530"/>
-            <a:ext cx="2975610" cy="462280"/>
+            <a:ext cx="2974975" cy="461645"/>
           </a:xfrm>
           <a:prstGeom prst="rect"/>
         </p:spPr>
@@ -2356,7 +2070,7 @@
         <p:spPr>
           <a:xfrm rot="0">
             <a:off x="685800" y="1143000"/>
-            <a:ext cx="5490210" cy="3089910"/>
+            <a:ext cx="5490845" cy="3090545"/>
           </a:xfrm>
           <a:prstGeom prst="rect"/>
           <a:noFill/>
@@ -2395,7 +2109,7 @@
         <p:spPr>
           <a:xfrm rot="0">
             <a:off x="685800" y="4400550"/>
-            <a:ext cx="5490210" cy="3604260"/>
+            <a:ext cx="5490845" cy="3604895"/>
           </a:xfrm>
           <a:prstGeom prst="rect"/>
         </p:spPr>
@@ -2425,7 +2139,7 @@
         <p:spPr>
           <a:xfrm rot="0">
             <a:off x="3884930" y="8685530"/>
-            <a:ext cx="2975610" cy="462280"/>
+            <a:ext cx="2976245" cy="462915"/>
           </a:xfrm>
           <a:prstGeom prst="rect"/>
         </p:spPr>
@@ -7432,7 +7146,7 @@
       </p:sp>
       <p:pic>
         <p:nvPicPr>
-          <p:cNvPr id="1042" name="그림 58" descr="C:/Users/Admin1/AppData/Roaming/PolarisOffice/ETemp/12048_10612304/fImage850627641.png"/>
+          <p:cNvPr id="1042" name="그림 58"/>
           <p:cNvPicPr>
             <a:picLocks noChangeAspect="1"/>
           </p:cNvPicPr>
@@ -7472,7 +7186,7 @@
         <p:spPr>
           <a:xfrm rot="0">
             <a:off x="1230630" y="4469765"/>
-            <a:ext cx="4145280" cy="1784985"/>
+            <a:ext cx="4136390" cy="1784985"/>
           </a:xfrm>
           <a:prstGeom prst="rect"/>
           <a:noFill/>
@@ -7516,20 +7230,27 @@
                 <a:latin typeface="맑은 고딕" charset="0"/>
                 <a:ea typeface="맑은 고딕" charset="0"/>
               </a:rPr>
-              <a:t>빈 게임 오브젝트를 생성하고 </a:t>
+              <a:t>첫 번째로 빈</a:t>
             </a:r>
             <a:r>
               <a:rPr lang="ko-KR" sz="1800">
                 <a:latin typeface="맑은 고딕" charset="0"/>
                 <a:ea typeface="맑은 고딕" charset="0"/>
               </a:rPr>
-              <a:t>이름을</a:t>
+              <a:t> </a:t>
             </a:r>
             <a:r>
               <a:rPr lang="ko-KR" sz="1800">
                 <a:latin typeface="맑은 고딕" charset="0"/>
                 <a:ea typeface="맑은 고딕" charset="0"/>
               </a:rPr>
+              <a:t>게임</a:t>
+            </a:r>
+            <a:r>
+              <a:rPr lang="ko-KR" sz="1800">
+                <a:latin typeface="맑은 고딕" charset="0"/>
+                <a:ea typeface="맑은 고딕" charset="0"/>
+              </a:rPr>
               <a:t> </a:t>
             </a:r>
             <a:r>
@@ -7537,6 +7258,34 @@
                 <a:latin typeface="맑은 고딕" charset="0"/>
                 <a:ea typeface="맑은 고딕" charset="0"/>
               </a:rPr>
+              <a:t>오브젝트를</a:t>
+            </a:r>
+            <a:r>
+              <a:rPr lang="ko-KR" sz="1800">
+                <a:latin typeface="맑은 고딕" charset="0"/>
+                <a:ea typeface="맑은 고딕" charset="0"/>
+              </a:rPr>
+              <a:t> </a:t>
+            </a:r>
+            <a:r>
+              <a:rPr lang="ko-KR" sz="1800">
+                <a:latin typeface="맑은 고딕" charset="0"/>
+                <a:ea typeface="맑은 고딕" charset="0"/>
+              </a:rPr>
+              <a:t>생성하고</a:t>
+            </a:r>
+            <a:r>
+              <a:rPr lang="ko-KR" sz="1800">
+                <a:latin typeface="맑은 고딕" charset="0"/>
+                <a:ea typeface="맑은 고딕" charset="0"/>
+              </a:rPr>
+              <a:t> </a:t>
+            </a:r>
+            <a:r>
+              <a:rPr lang="ko-KR" sz="1800">
+                <a:latin typeface="맑은 고딕" charset="0"/>
+                <a:ea typeface="맑은 고딕" charset="0"/>
+              </a:rPr>
               <a:t>Create</a:t>
             </a:r>
             <a:r>
@@ -7544,7 +7293,21 @@
                 <a:latin typeface="맑은 고딕" charset="0"/>
                 <a:ea typeface="맑은 고딕" charset="0"/>
               </a:rPr>
-              <a:t> Object로 정의합니다. </a:t>
+              <a:t> Object라는 이름으로 </a:t>
+            </a:r>
+            <a:r>
+              <a:rPr lang="ko-KR" sz="1800">
+                <a:latin typeface="맑은 고딕" charset="0"/>
+                <a:ea typeface="맑은 고딕" charset="0"/>
+              </a:rPr>
+              <a:t>정의합니다.</a:t>
+            </a:r>
+            <a:r>
+              <a:rPr lang="ko-KR" sz="1800">
+                <a:latin typeface="맑은 고딕" charset="0"/>
+                <a:ea typeface="맑은 고딕" charset="0"/>
+              </a:rPr>
+              <a:t> </a:t>
             </a:r>
             <a:endParaRPr lang="ko-KR" altLang="en-US" sz="1800">
               <a:latin typeface="맑은 고딕" charset="0"/>
@@ -7571,42 +7334,49 @@
                 <a:latin typeface="맑은 고딕" charset="0"/>
                 <a:ea typeface="맑은 고딕" charset="0"/>
               </a:rPr>
-              <a:t>그리고</a:t>
+              <a:t>이제</a:t>
             </a:r>
             <a:r>
               <a:rPr lang="ko-KR" sz="1800">
                 <a:latin typeface="맑은 고딕" charset="0"/>
                 <a:ea typeface="맑은 고딕" charset="0"/>
               </a:rPr>
-              <a:t> 스크립트를 생성하고 </a:t>
+              <a:t> Create라는 </a:t>
             </a:r>
             <a:r>
               <a:rPr lang="ko-KR" sz="1800">
                 <a:latin typeface="맑은 고딕" charset="0"/>
                 <a:ea typeface="맑은 고딕" charset="0"/>
               </a:rPr>
-              <a:t>Create라는</a:t>
+              <a:t>스크립트를 생성한 </a:t>
             </a:r>
             <a:r>
               <a:rPr lang="ko-KR" sz="1800">
                 <a:latin typeface="맑은 고딕" charset="0"/>
                 <a:ea typeface="맑은 고딕" charset="0"/>
               </a:rPr>
+              <a:t>다</a:t>
+            </a:r>
+            <a:r>
+              <a:rPr lang="ko-KR" sz="1800">
+                <a:latin typeface="맑은 고딕" charset="0"/>
+                <a:ea typeface="맑은 고딕" charset="0"/>
+              </a:rPr>
+              <a:t>음</a:t>
+            </a:r>
+            <a:r>
+              <a:rPr lang="ko-KR" sz="1800">
+                <a:latin typeface="맑은 고딕" charset="0"/>
+                <a:ea typeface="맑은 고딕" charset="0"/>
+              </a:rPr>
+              <a:t> Create</a:t>
+            </a:r>
+            <a:r>
+              <a:rPr lang="ko-KR" sz="1800">
+                <a:latin typeface="맑은 고딕" charset="0"/>
+                <a:ea typeface="맑은 고딕" charset="0"/>
+              </a:rPr>
               <a:t> </a:t>
-            </a:r>
-            <a:r>
-              <a:rPr lang="ko-KR" sz="1800">
-                <a:latin typeface="맑은 고딕" charset="0"/>
-                <a:ea typeface="맑은 고딕" charset="0"/>
-              </a:rPr>
-              <a:t>이름으로</a:t>
-            </a:r>
-            <a:r>
-              <a:rPr lang="ko-KR" sz="1800">
-                <a:latin typeface="맑은 고딕" charset="0"/>
-                <a:ea typeface="맑은 고딕" charset="0"/>
-              </a:rPr>
-              <a:t> 설정하고 Create </a:t>
             </a:r>
             <a:r>
               <a:rPr lang="ko-KR" sz="1800">
@@ -7638,7 +7408,7 @@
       </p:sp>
       <p:pic>
         <p:nvPicPr>
-          <p:cNvPr id="1045" name="그림 65" descr="C:/Users/Admin1/AppData/Roaming/PolarisOffice/ETemp/12048_10612304/fImage28282796334.png"/>
+          <p:cNvPr id="1045" name="그림 65"/>
           <p:cNvPicPr>
             <a:picLocks noChangeAspect="1"/>
           </p:cNvPicPr>
@@ -7672,14 +7442,14 @@
           <p:cNvPr id="1046" name="도형 68"/>
           <p:cNvCxnSpPr>
             <a:stCxn id="1045" idx="0"/>
-            <a:endCxn id="1049" idx="2"/>
+            <a:endCxn id="1051" idx="2"/>
           </p:cNvCxnSpPr>
           <p:nvPr/>
         </p:nvCxnSpPr>
         <p:spPr>
           <a:xfrm rot="0" flipV="1">
-            <a:off x="4639945" y="3117850"/>
-            <a:ext cx="1905" cy="382270"/>
+            <a:off x="4640580" y="3161030"/>
+            <a:ext cx="2540" cy="339090"/>
           </a:xfrm>
           <a:prstGeom prst="straightConnector1"/>
           <a:ln w="6350" cap="flat" cmpd="sng">
@@ -7702,266 +7472,125 @@
           </a:fontRef>
         </p:style>
       </p:cxnSp>
+      <p:sp>
+        <p:nvSpPr>
+          <p:cNvPr id="1050" name="텍스트 상자 1"/>
+          <p:cNvSpPr txBox="1">
+            <a:spLocks/>
+          </p:cNvSpPr>
+          <p:nvPr/>
+        </p:nvSpPr>
+        <p:spPr>
+          <a:xfrm rot="0">
+            <a:off x="6822440" y="5303520"/>
+            <a:ext cx="4118610" cy="954405"/>
+          </a:xfrm>
+          <a:prstGeom prst="rect"/>
+          <a:noFill/>
+          <a:ln w="0">
+            <a:noFill/>
+            <a:prstDash/>
+          </a:ln>
+        </p:spPr>
+        <p:txBody>
+          <a:bodyPr wrap="square" lIns="89535" tIns="46355" rIns="89535" bIns="46355" numCol="1" vert="horz" anchor="t">
+            <a:spAutoFit/>
+          </a:bodyPr>
+          <a:lstStyle/>
+          <a:p>
+            <a:pPr marL="0" indent="0" algn="l" latinLnBrk="0" hangingPunct="1">
+              <a:buFontTx/>
+              <a:buNone/>
+            </a:pPr>
+            <a:r>
+              <a:rPr lang="ko-KR" sz="2000" b="1">
+                <a:solidFill>
+                  <a:srgbClr val="0611F2"/>
+                </a:solidFill>
+                <a:latin typeface="맑은 고딕" charset="0"/>
+                <a:ea typeface="맑은 고딕" charset="0"/>
+              </a:rPr>
+              <a:t>2</a:t>
+            </a:r>
+            <a:r>
+              <a:rPr sz="2000" b="1">
+                <a:solidFill>
+                  <a:srgbClr val="0611F2"/>
+                </a:solidFill>
+                <a:latin typeface="맑은 고딕" charset="0"/>
+                <a:ea typeface="맑은 고딕" charset="0"/>
+              </a:rPr>
+              <a:t>.</a:t>
+            </a:r>
+            <a:r>
+              <a:rPr sz="2000" b="1">
+                <a:solidFill>
+                  <a:srgbClr val="0611F2"/>
+                </a:solidFill>
+                <a:latin typeface="맑은 고딕" charset="0"/>
+                <a:ea typeface="맑은 고딕" charset="0"/>
+              </a:rPr>
+              <a:t> </a:t>
+            </a:r>
+            <a:r>
+              <a:rPr lang="ko-KR" sz="1800">
+                <a:latin typeface="맑은 고딕" charset="0"/>
+                <a:ea typeface="맑은 고딕" charset="0"/>
+              </a:rPr>
+              <a:t>그리고 UI에서 Image를 생성한 </a:t>
+            </a:r>
+            <a:r>
+              <a:rPr lang="ko-KR" sz="1800">
+                <a:latin typeface="맑은 고딕" charset="0"/>
+                <a:ea typeface="맑은 고딕" charset="0"/>
+              </a:rPr>
+              <a:t>다음</a:t>
+            </a:r>
+            <a:r>
+              <a:rPr lang="ko-KR" sz="1800">
+                <a:latin typeface="맑은 고딕" charset="0"/>
+                <a:ea typeface="맑은 고딕" charset="0"/>
+              </a:rPr>
+              <a:t> </a:t>
+            </a:r>
+            <a:r>
+              <a:rPr lang="ko-KR" sz="1800">
+                <a:latin typeface="맑은 고딕" charset="0"/>
+                <a:ea typeface="맑은 고딕" charset="0"/>
+              </a:rPr>
+              <a:t>Back Ground 라는 이름으로 </a:t>
+            </a:r>
+            <a:r>
+              <a:rPr lang="ko-KR" sz="1800">
+                <a:latin typeface="맑은 고딕" charset="0"/>
+                <a:ea typeface="맑은 고딕" charset="0"/>
+              </a:rPr>
+              <a:t>정의합니</a:t>
+            </a:r>
+            <a:r>
+              <a:rPr lang="ko-KR" sz="1800">
+                <a:latin typeface="맑은 고딕" charset="0"/>
+                <a:ea typeface="맑은 고딕" charset="0"/>
+              </a:rPr>
+              <a:t>다.</a:t>
+            </a:r>
+            <a:endParaRPr lang="ko-KR" altLang="en-US" sz="1800">
+              <a:latin typeface="맑은 고딕" charset="0"/>
+              <a:ea typeface="맑은 고딕" charset="0"/>
+            </a:endParaRPr>
+          </a:p>
+        </p:txBody>
+      </p:sp>
       <p:pic>
         <p:nvPicPr>
-          <p:cNvPr id="1049" name="그림 1" descr="C:/Users/Admin1/AppData/Roaming/PolarisOffice/ETemp/12048_10612304/fImage453129141.png"/>
+          <p:cNvPr id="1051" name="그림 1" descr="C:/Users/Admin1/AppData/Roaming/PolarisOffice/ETemp/28716_10216168/fImage462429141.png"/>
           <p:cNvPicPr>
             <a:picLocks noChangeAspect="1"/>
           </p:cNvPicPr>
           <p:nvPr/>
         </p:nvPicPr>
         <p:blipFill rotWithShape="1">
-          <a:blip r:embed="rId8" cstate="hqprint">
-            <a:extLst>
-              <a:ext uri="{28A0092B-C50C-407E-A947-70E740481C1C}">
-                <a14:useLocalDpi xmlns:a14="http://schemas.microsoft.com/office/drawing/2010/main"/>
-              </a:ext>
-            </a:extLst>
-          </a:blip>
-          <a:stretch>
-            <a:fillRect/>
-          </a:stretch>
-        </p:blipFill>
-        <p:spPr>
-          <a:xfrm rot="0">
-            <a:off x="3907155" y="1447165"/>
-            <a:ext cx="1468755" cy="1671320"/>
-          </a:xfrm>
-          <a:prstGeom prst="roundRect"/>
-          <a:solidFill>
-            <a:srgbClr val="EDEDED"/>
-          </a:solidFill>
-        </p:spPr>
-      </p:pic>
-      <p:sp>
-        <p:nvSpPr>
-          <p:cNvPr id="1050" name="텍스트 상자 1"/>
-          <p:cNvSpPr txBox="1">
-            <a:spLocks/>
-          </p:cNvSpPr>
-          <p:nvPr/>
-        </p:nvSpPr>
-        <p:spPr>
-          <a:xfrm rot="0">
-            <a:off x="6800850" y="4192270"/>
-            <a:ext cx="4139565" cy="2061845"/>
-          </a:xfrm>
-          <a:prstGeom prst="rect"/>
-          <a:noFill/>
-          <a:ln w="0">
-            <a:noFill/>
-            <a:prstDash/>
-          </a:ln>
-        </p:spPr>
-        <p:txBody>
-          <a:bodyPr wrap="square" lIns="89535" tIns="46355" rIns="89535" bIns="46355" numCol="1" vert="horz" anchor="t">
-            <a:spAutoFit/>
-          </a:bodyPr>
-          <a:lstStyle/>
-          <a:p>
-            <a:pPr marL="0" indent="0" algn="l" latinLnBrk="0" hangingPunct="1">
-              <a:buFontTx/>
-              <a:buNone/>
-            </a:pPr>
-            <a:r>
-              <a:rPr lang="ko-KR" sz="2000" b="1">
-                <a:solidFill>
-                  <a:srgbClr val="0611F2"/>
-                </a:solidFill>
-                <a:latin typeface="맑은 고딕" charset="0"/>
-                <a:ea typeface="맑은 고딕" charset="0"/>
-              </a:rPr>
-              <a:t>2</a:t>
-            </a:r>
-            <a:r>
-              <a:rPr sz="2000" b="1">
-                <a:solidFill>
-                  <a:srgbClr val="0611F2"/>
-                </a:solidFill>
-                <a:latin typeface="맑은 고딕" charset="0"/>
-                <a:ea typeface="맑은 고딕" charset="0"/>
-              </a:rPr>
-              <a:t>.</a:t>
-            </a:r>
-            <a:r>
-              <a:rPr sz="2000" b="1">
-                <a:solidFill>
-                  <a:srgbClr val="0611F2"/>
-                </a:solidFill>
-                <a:latin typeface="맑은 고딕" charset="0"/>
-                <a:ea typeface="맑은 고딕" charset="0"/>
-              </a:rPr>
-              <a:t> </a:t>
-            </a:r>
-            <a:r>
-              <a:rPr lang="ko-KR" sz="1800">
-                <a:latin typeface="맑은 고딕" charset="0"/>
-                <a:ea typeface="맑은 고딕" charset="0"/>
-              </a:rPr>
-              <a:t>그다음 버튼을 생성하고 버튼의  </a:t>
-            </a:r>
-            <a:r>
-              <a:rPr lang="ko-KR" sz="1800">
-                <a:latin typeface="맑은 고딕" charset="0"/>
-                <a:ea typeface="맑은 고딕" charset="0"/>
-              </a:rPr>
-              <a:t>이름을</a:t>
-            </a:r>
-            <a:r>
-              <a:rPr lang="ko-KR" sz="1800">
-                <a:latin typeface="맑은 고딕" charset="0"/>
-                <a:ea typeface="맑은 고딕" charset="0"/>
-              </a:rPr>
-              <a:t> Generic Create Button으로 </a:t>
-            </a:r>
-            <a:r>
-              <a:rPr lang="ko-KR" sz="1800">
-                <a:latin typeface="맑은 고딕" charset="0"/>
-                <a:ea typeface="맑은 고딕" charset="0"/>
-              </a:rPr>
-              <a:t>변경합니다.</a:t>
-            </a:r>
-            <a:endParaRPr lang="ko-KR" altLang="en-US" sz="1800">
-              <a:latin typeface="맑은 고딕" charset="0"/>
-              <a:ea typeface="맑은 고딕" charset="0"/>
-            </a:endParaRPr>
-          </a:p>
-          <a:p>
-            <a:pPr marL="0" indent="0" algn="l" latinLnBrk="0" hangingPunct="1">
-              <a:buFontTx/>
-              <a:buNone/>
-            </a:pPr>
-            <a:endParaRPr lang="ko-KR" altLang="en-US" sz="1800">
-              <a:latin typeface="맑은 고딕" charset="0"/>
-              <a:ea typeface="맑은 고딕" charset="0"/>
-            </a:endParaRPr>
-          </a:p>
-          <a:p>
-            <a:pPr marL="0" indent="0" algn="l" latinLnBrk="0" hangingPunct="1">
-              <a:buFontTx/>
-              <a:buNone/>
-            </a:pPr>
-            <a:r>
-              <a:rPr lang="ko-KR" sz="1800">
-                <a:latin typeface="맑은 고딕" charset="0"/>
-                <a:ea typeface="맑은 고딕" charset="0"/>
-              </a:rPr>
-              <a:t>그러고</a:t>
-            </a:r>
-            <a:r>
-              <a:rPr lang="ko-KR" sz="1800">
-                <a:latin typeface="맑은 고딕" charset="0"/>
-                <a:ea typeface="맑은 고딕" charset="0"/>
-              </a:rPr>
-              <a:t> 나서 스크립트를 생성하고 </a:t>
-            </a:r>
-            <a:r>
-              <a:rPr lang="ko-KR" sz="1800">
-                <a:latin typeface="맑은 고딕" charset="0"/>
-                <a:ea typeface="맑은 고딕" charset="0"/>
-              </a:rPr>
-              <a:t>Delay라는</a:t>
-            </a:r>
-            <a:r>
-              <a:rPr lang="ko-KR" sz="1800">
-                <a:latin typeface="맑은 고딕" charset="0"/>
-                <a:ea typeface="맑은 고딕" charset="0"/>
-              </a:rPr>
-              <a:t> 이름으로 설정한 다음 </a:t>
-            </a:r>
-            <a:r>
-              <a:rPr lang="ko-KR" sz="1800">
-                <a:latin typeface="맑은 고딕" charset="0"/>
-                <a:ea typeface="맑은 고딕" charset="0"/>
-              </a:rPr>
-              <a:t>Generic</a:t>
-            </a:r>
-            <a:r>
-              <a:rPr lang="ko-KR" sz="1800">
-                <a:latin typeface="맑은 고딕" charset="0"/>
-                <a:ea typeface="맑은 고딕" charset="0"/>
-              </a:rPr>
-              <a:t> Create Button에 넣어줍니다.</a:t>
-            </a:r>
-            <a:endParaRPr lang="ko-KR" altLang="en-US" sz="1800">
-              <a:latin typeface="맑은 고딕" charset="0"/>
-              <a:ea typeface="맑은 고딕" charset="0"/>
-            </a:endParaRPr>
-          </a:p>
-        </p:txBody>
-      </p:sp>
-      <p:pic>
-        <p:nvPicPr>
-          <p:cNvPr id="1051" name="그림 2" descr="C:/Users/Admin1/AppData/Roaming/PolarisOffice/ETemp/12048_10612304/fImage191383915447.png"/>
-          <p:cNvPicPr>
-            <a:picLocks noChangeAspect="1"/>
-          </p:cNvPicPr>
-          <p:nvPr/>
-        </p:nvPicPr>
-        <p:blipFill rotWithShape="1">
-          <a:blip r:embed="rId9" cstate="hqprint">
-            <a:extLst>
-              <a:ext uri="{28A0092B-C50C-407E-A947-70E740481C1C}">
-                <a14:useLocalDpi xmlns:a14="http://schemas.microsoft.com/office/drawing/2010/main"/>
-              </a:ext>
-            </a:extLst>
-          </a:blip>
-          <a:stretch>
-            <a:fillRect/>
-          </a:stretch>
-        </p:blipFill>
-        <p:spPr>
-          <a:xfrm rot="0">
-            <a:off x="6805295" y="1438275"/>
-            <a:ext cx="2564765" cy="2533015"/>
-          </a:xfrm>
-          <a:prstGeom prst="roundRect"/>
-          <a:solidFill>
-            <a:srgbClr val="EDEDED"/>
-          </a:solidFill>
-        </p:spPr>
-      </p:pic>
-      <p:pic>
-        <p:nvPicPr>
-          <p:cNvPr id="1052" name="그림 1" descr="C:/Users/Admin1/AppData/Roaming/PolarisOffice/ETemp/12048_10612304/fImage729619141.png"/>
-          <p:cNvPicPr>
-            <a:picLocks noChangeAspect="1"/>
-          </p:cNvPicPr>
-          <p:nvPr/>
-        </p:nvPicPr>
-        <p:blipFill rotWithShape="1">
-          <a:blip r:embed="rId11" cstate="hqprint">
-            <a:extLst>
-              <a:ext uri="{28A0092B-C50C-407E-A947-70E740481C1C}">
-                <a14:useLocalDpi xmlns:a14="http://schemas.microsoft.com/office/drawing/2010/main"/>
-              </a:ext>
-            </a:extLst>
-          </a:blip>
-          <a:stretch>
-            <a:fillRect/>
-          </a:stretch>
-        </p:blipFill>
-        <p:spPr>
-          <a:xfrm rot="0">
-            <a:off x="9601835" y="1430020"/>
-            <a:ext cx="1346835" cy="1472565"/>
-          </a:xfrm>
-          <a:prstGeom prst="roundRect"/>
-          <a:solidFill>
-            <a:srgbClr val="EDEDED"/>
-          </a:solidFill>
-        </p:spPr>
-      </p:pic>
-      <p:pic>
-        <p:nvPicPr>
-          <p:cNvPr id="1053" name="그림 4"/>
-          <p:cNvPicPr>
-            <a:picLocks noChangeAspect="1"/>
-          </p:cNvPicPr>
-          <p:nvPr/>
-        </p:nvPicPr>
-        <p:blipFill rotWithShape="1">
-          <a:blip r:embed="rId12" cstate="print">
+          <a:blip r:embed="rId13" cstate="print">
             <a:extLst>
               <a:ext uri="{28A0092B-C50C-407E-A947-70E740481C1C}">
                 <a14:useLocalDpi xmlns:a14="http://schemas.microsoft.com/office/drawing/2010/main" val="0"/>
@@ -7974,8 +7603,8 @@
         </p:blipFill>
         <p:spPr>
           <a:xfrm rot="0">
-            <a:off x="9933940" y="3200400"/>
-            <a:ext cx="672465" cy="702945"/>
+            <a:off x="3919220" y="1741170"/>
+            <a:ext cx="1447800" cy="1420495"/>
           </a:xfrm>
           <a:prstGeom prst="roundRect"/>
           <a:solidFill>
@@ -7983,41 +7612,68 @@
           </a:solidFill>
         </p:spPr>
       </p:pic>
-      <p:cxnSp>
-        <p:nvCxnSpPr>
-          <p:cNvPr id="1054" name="도형 7"/>
-          <p:cNvCxnSpPr>
-            <a:stCxn id="1053" idx="0"/>
-          </p:cNvCxnSpPr>
+      <p:pic>
+        <p:nvPicPr>
+          <p:cNvPr id="1052" name="그림 4" descr="C:/Users/Admin1/AppData/Roaming/PolarisOffice/ETemp/28716_10216168/fImage66822928467.png"/>
+          <p:cNvPicPr>
+            <a:picLocks noChangeAspect="1"/>
+          </p:cNvPicPr>
           <p:nvPr/>
-        </p:nvCxnSpPr>
-        <p:spPr>
-          <a:xfrm rot="0" flipH="1" flipV="1">
-            <a:off x="10266680" y="2543810"/>
-            <a:ext cx="3810" cy="657225"/>
-          </a:xfrm>
-          <a:prstGeom prst="straightConnector1"/>
-          <a:ln w="6350" cap="flat" cmpd="sng">
-            <a:prstDash/>
-            <a:headEnd type="none" w="med" len="med"/>
-            <a:tailEnd type="triangle" w="med" len="med"/>
-          </a:ln>
-        </p:spPr>
-        <p:style>
-          <a:lnRef idx="1">
-            <a:schemeClr val="accent1"/>
-          </a:lnRef>
-          <a:fillRef idx="0">
-            <a:schemeClr val="accent1"/>
-          </a:fillRef>
-          <a:effectRef idx="0">
-            <a:schemeClr val="accent1"/>
-          </a:effectRef>
-          <a:fontRef idx="minor">
-            <a:schemeClr val="tx1"/>
-          </a:fontRef>
-        </p:style>
-      </p:cxnSp>
+        </p:nvPicPr>
+        <p:blipFill rotWithShape="1">
+          <a:blip r:embed="rId14" cstate="print">
+            <a:extLst>
+              <a:ext uri="{28A0092B-C50C-407E-A947-70E740481C1C}">
+                <a14:useLocalDpi xmlns:a14="http://schemas.microsoft.com/office/drawing/2010/main" val="0"/>
+              </a:ext>
+            </a:extLst>
+          </a:blip>
+          <a:stretch>
+            <a:fillRect/>
+          </a:stretch>
+        </p:blipFill>
+        <p:spPr>
+          <a:xfrm rot="0">
+            <a:off x="9698990" y="2226945"/>
+            <a:ext cx="1241425" cy="2080260"/>
+          </a:xfrm>
+          <a:prstGeom prst="roundRect"/>
+          <a:solidFill>
+            <a:srgbClr val="EDEDED"/>
+          </a:solidFill>
+        </p:spPr>
+      </p:pic>
+      <p:pic>
+        <p:nvPicPr>
+          <p:cNvPr id="1053" name="그림 5" descr="C:/Users/Admin1/AppData/Roaming/PolarisOffice/ETemp/28716_10216168/fImage212422936334.png"/>
+          <p:cNvPicPr>
+            <a:picLocks noChangeAspect="1"/>
+          </p:cNvPicPr>
+          <p:nvPr/>
+        </p:nvPicPr>
+        <p:blipFill rotWithShape="1">
+          <a:blip r:embed="rId15" cstate="print">
+            <a:extLst>
+              <a:ext uri="{28A0092B-C50C-407E-A947-70E740481C1C}">
+                <a14:useLocalDpi xmlns:a14="http://schemas.microsoft.com/office/drawing/2010/main" val="0"/>
+              </a:ext>
+            </a:extLst>
+          </a:blip>
+          <a:stretch>
+            <a:fillRect/>
+          </a:stretch>
+        </p:blipFill>
+        <p:spPr>
+          <a:xfrm rot="0">
+            <a:off x="6830695" y="1446530"/>
+            <a:ext cx="2696845" cy="3662045"/>
+          </a:xfrm>
+          <a:prstGeom prst="roundRect"/>
+          <a:solidFill>
+            <a:srgbClr val="EDEDED"/>
+          </a:solidFill>
+        </p:spPr>
+      </p:pic>
     </p:spTree>
   </p:cSld>
   <p:clrMapOvr>
@@ -8068,8 +7724,8 @@
         </p:nvSpPr>
         <p:spPr>
           <a:xfrm rot="0">
-            <a:off x="4353560" y="393065"/>
-            <a:ext cx="3500120" cy="554990"/>
+            <a:off x="5285740" y="509905"/>
+            <a:ext cx="1621790" cy="554990"/>
           </a:xfrm>
           <a:prstGeom prst="rect"/>
           <a:noFill/>
@@ -8096,17 +7752,7 @@
                 <a:latin typeface="맑은 고딕" charset="0"/>
                 <a:ea typeface="맑은 고딕" charset="0"/>
               </a:rPr>
-              <a:t>아홉</a:t>
-            </a:r>
-            <a:r>
-              <a:rPr lang="ko-KR" altLang="en-US" sz="3000" b="1">
-                <a:solidFill>
-                  <a:schemeClr val="tx1"/>
-                </a:solidFill>
-                <a:latin typeface="맑은 고딕" charset="0"/>
-                <a:ea typeface="맑은 고딕" charset="0"/>
-              </a:rPr>
-              <a:t> 번째 튜토리얼</a:t>
+              <a:t>Destory</a:t>
             </a:r>
             <a:endParaRPr lang="ko-KR" altLang="en-US" sz="3000" b="1">
               <a:solidFill>
@@ -8120,7 +7766,7 @@
       </p:sp>
       <p:sp>
         <p:nvSpPr>
-          <p:cNvPr id="1070" name="Rect 0"/>
+          <p:cNvPr id="1101" name="Rect 0"/>
           <p:cNvSpPr txBox="1">
             <a:spLocks/>
           </p:cNvSpPr>
@@ -8128,8 +7774,8 @@
         </p:nvSpPr>
         <p:spPr>
           <a:xfrm rot="0">
-            <a:off x="1222375" y="5276850"/>
-            <a:ext cx="4164330" cy="954405"/>
+            <a:off x="1047750" y="1619885"/>
+            <a:ext cx="4319270" cy="4246245"/>
           </a:xfrm>
           <a:prstGeom prst="rect"/>
           <a:noFill/>
@@ -8149,56 +7795,253 @@
               <a:buNone/>
             </a:pPr>
             <a:r>
-              <a:rPr lang="ko-KR" sz="2000" b="1">
-                <a:solidFill>
-                  <a:srgbClr val="0611F2"/>
-                </a:solidFill>
-                <a:latin typeface="맑은 고딕" charset="0"/>
-                <a:ea typeface="맑은 고딕" charset="0"/>
-              </a:rPr>
-              <a:t>20</a:t>
-            </a:r>
-            <a:r>
-              <a:rPr sz="2000" b="1">
-                <a:solidFill>
-                  <a:srgbClr val="0611F2"/>
-                </a:solidFill>
-                <a:latin typeface="맑은 고딕" charset="0"/>
-                <a:ea typeface="맑은 고딕" charset="0"/>
-              </a:rPr>
-              <a:t>. </a:t>
-            </a:r>
-            <a:r>
               <a:rPr lang="ko-KR" sz="1800">
                 <a:latin typeface="맑은 고딕" charset="0"/>
                 <a:ea typeface="맑은 고딕" charset="0"/>
               </a:rPr>
-              <a:t>마지막으로</a:t>
+              <a:t>Destroy(</a:t>
             </a:r>
             <a:r>
               <a:rPr lang="ko-KR" sz="1800">
                 <a:latin typeface="맑은 고딕" charset="0"/>
                 <a:ea typeface="맑은 고딕" charset="0"/>
               </a:rPr>
-              <a:t> </a:t>
+              <a:t> ) 함수는 게임 오브젝트를 </a:t>
             </a:r>
             <a:r>
               <a:rPr lang="ko-KR" sz="1800">
                 <a:latin typeface="맑은 고딕" charset="0"/>
                 <a:ea typeface="맑은 고딕" charset="0"/>
               </a:rPr>
-              <a:t>Prefab 폴더에 있는 Orc 오브젝트를 선택하고 Delete 스크립트라는 컴포넌트를 추가합니다.</a:t>
+              <a:t>파괴하는</a:t>
+            </a:r>
+            <a:r>
+              <a:rPr lang="ko-KR" sz="1800">
+                <a:latin typeface="맑은 고딕" charset="0"/>
+                <a:ea typeface="맑은 고딕" charset="0"/>
+              </a:rPr>
+              <a:t> 함수입니다.</a:t>
             </a:r>
             <a:endParaRPr lang="ko-KR" altLang="en-US" sz="1800">
               <a:latin typeface="맑은 고딕" charset="0"/>
               <a:ea typeface="맑은 고딕" charset="0"/>
             </a:endParaRPr>
           </a:p>
-        </p:txBody>
-      </p:sp>
-      <p:sp>
-        <p:nvSpPr>
-          <p:cNvPr id="1090" name="Rect 0"/>
+          <a:p>
+            <a:pPr marL="0" indent="0" algn="l" latinLnBrk="0" hangingPunct="1">
+              <a:buFontTx/>
+              <a:buNone/>
+            </a:pPr>
+            <a:endParaRPr lang="ko-KR" altLang="en-US" sz="1800">
+              <a:latin typeface="맑은 고딕" charset="0"/>
+              <a:ea typeface="맑은 고딕" charset="0"/>
+            </a:endParaRPr>
+          </a:p>
+          <a:p>
+            <a:pPr marL="0" indent="0" algn="l" latinLnBrk="0" hangingPunct="1">
+              <a:buFontTx/>
+              <a:buNone/>
+            </a:pPr>
+            <a:r>
+              <a:rPr lang="ko-KR" sz="1800">
+                <a:latin typeface="맑은 고딕" charset="0"/>
+                <a:ea typeface="맑은 고딕" charset="0"/>
+              </a:rPr>
+              <a:t>일정</a:t>
+            </a:r>
+            <a:r>
+              <a:rPr lang="ko-KR" sz="1800">
+                <a:latin typeface="맑은 고딕" charset="0"/>
+                <a:ea typeface="맑은 고딕" charset="0"/>
+              </a:rPr>
+              <a:t> 시간을 설정하고 일정 시간 후에 </a:t>
+            </a:r>
+            <a:r>
+              <a:rPr lang="ko-KR" sz="1800">
+                <a:latin typeface="맑은 고딕" charset="0"/>
+                <a:ea typeface="맑은 고딕" charset="0"/>
+              </a:rPr>
+              <a:t>파괴할</a:t>
+            </a:r>
+            <a:r>
+              <a:rPr lang="ko-KR" sz="1800">
+                <a:latin typeface="맑은 고딕" charset="0"/>
+                <a:ea typeface="맑은 고딕" charset="0"/>
+              </a:rPr>
+              <a:t> 수 있도록 설정할 수도 있습니다.</a:t>
+            </a:r>
+            <a:endParaRPr lang="ko-KR" altLang="en-US" sz="1800">
+              <a:latin typeface="맑은 고딕" charset="0"/>
+              <a:ea typeface="맑은 고딕" charset="0"/>
+            </a:endParaRPr>
+          </a:p>
+          <a:p>
+            <a:pPr marL="0" indent="0" algn="l" latinLnBrk="0" hangingPunct="1">
+              <a:buFontTx/>
+              <a:buNone/>
+            </a:pPr>
+            <a:endParaRPr lang="ko-KR" altLang="en-US" sz="1800">
+              <a:latin typeface="맑은 고딕" charset="0"/>
+              <a:ea typeface="맑은 고딕" charset="0"/>
+            </a:endParaRPr>
+          </a:p>
+          <a:p>
+            <a:pPr marL="0" indent="0" algn="l" latinLnBrk="0" hangingPunct="1">
+              <a:buFontTx/>
+              <a:buNone/>
+            </a:pPr>
+            <a:r>
+              <a:rPr lang="ko-KR" sz="1800">
+                <a:latin typeface="맑은 고딕" charset="0"/>
+                <a:ea typeface="맑은 고딕" charset="0"/>
+              </a:rPr>
+              <a:t>게임</a:t>
+            </a:r>
+            <a:r>
+              <a:rPr lang="ko-KR" sz="1800">
+                <a:latin typeface="맑은 고딕" charset="0"/>
+                <a:ea typeface="맑은 고딕" charset="0"/>
+              </a:rPr>
+              <a:t> 오브젝트가 메모리에서 해제되면 </a:t>
+            </a:r>
+            <a:r>
+              <a:rPr lang="ko-KR" sz="1800">
+                <a:latin typeface="맑은 고딕" charset="0"/>
+                <a:ea typeface="맑은 고딕" charset="0"/>
+              </a:rPr>
+              <a:t>Object의</a:t>
+            </a:r>
+            <a:r>
+              <a:rPr lang="ko-KR" sz="1800">
+                <a:latin typeface="맑은 고딕" charset="0"/>
+                <a:ea typeface="맑은 고딕" charset="0"/>
+              </a:rPr>
+              <a:t> == 연산자 오버로딩으로 </a:t>
+            </a:r>
+            <a:r>
+              <a:rPr lang="ko-KR" sz="1800">
+                <a:latin typeface="맑은 고딕" charset="0"/>
+                <a:ea typeface="맑은 고딕" charset="0"/>
+              </a:rPr>
+              <a:t>인하여</a:t>
+            </a:r>
+            <a:r>
+              <a:rPr lang="ko-KR" sz="1800">
+                <a:latin typeface="맑은 고딕" charset="0"/>
+                <a:ea typeface="맑은 고딕" charset="0"/>
+              </a:rPr>
+              <a:t> </a:t>
+            </a:r>
+            <a:r>
+              <a:rPr lang="ko-KR" sz="1800">
+                <a:latin typeface="맑은 고딕" charset="0"/>
+                <a:ea typeface="맑은 고딕" charset="0"/>
+              </a:rPr>
+              <a:t>해제된</a:t>
+            </a:r>
+            <a:r>
+              <a:rPr lang="ko-KR" sz="1800">
+                <a:latin typeface="맑은 고딕" charset="0"/>
+                <a:ea typeface="맑은 고딕" charset="0"/>
+              </a:rPr>
+              <a:t> 객체를 확인할 수 </a:t>
+            </a:r>
+            <a:r>
+              <a:rPr lang="ko-KR" sz="1800">
+                <a:latin typeface="맑은 고딕" charset="0"/>
+                <a:ea typeface="맑은 고딕" charset="0"/>
+              </a:rPr>
+              <a:t>있습니다.</a:t>
+            </a:r>
+            <a:endParaRPr lang="ko-KR" altLang="en-US" sz="1800">
+              <a:latin typeface="맑은 고딕" charset="0"/>
+              <a:ea typeface="맑은 고딕" charset="0"/>
+            </a:endParaRPr>
+          </a:p>
+          <a:p>
+            <a:pPr marL="0" indent="0" algn="l" latinLnBrk="0" hangingPunct="1">
+              <a:buFontTx/>
+              <a:buNone/>
+            </a:pPr>
+            <a:endParaRPr lang="ko-KR" altLang="en-US" sz="1800">
+              <a:latin typeface="맑은 고딕" charset="0"/>
+              <a:ea typeface="맑은 고딕" charset="0"/>
+            </a:endParaRPr>
+          </a:p>
+          <a:p>
+            <a:pPr marL="0" indent="0" algn="l" latinLnBrk="0" hangingPunct="1">
+              <a:buFontTx/>
+              <a:buNone/>
+            </a:pPr>
+            <a:r>
+              <a:rPr lang="ko-KR" sz="1800">
+                <a:latin typeface="맑은 고딕" charset="0"/>
+                <a:ea typeface="맑은 고딕" charset="0"/>
+              </a:rPr>
+              <a:t>객체가</a:t>
+            </a:r>
+            <a:r>
+              <a:rPr lang="ko-KR" sz="1800">
+                <a:latin typeface="맑은 고딕" charset="0"/>
+                <a:ea typeface="맑은 고딕" charset="0"/>
+              </a:rPr>
+              <a:t> 메모리에서 해제되었을 때</a:t>
+            </a:r>
+            <a:endParaRPr lang="ko-KR" altLang="en-US" sz="1800">
+              <a:latin typeface="맑은 고딕" charset="0"/>
+              <a:ea typeface="맑은 고딕" charset="0"/>
+            </a:endParaRPr>
+          </a:p>
+          <a:p>
+            <a:pPr marL="0" indent="0" algn="l" latinLnBrk="0" hangingPunct="1">
+              <a:buFontTx/>
+              <a:buNone/>
+            </a:pPr>
+            <a:r>
+              <a:rPr lang="ko-KR" sz="1800">
+                <a:latin typeface="맑은 고딕" charset="0"/>
+                <a:ea typeface="맑은 고딕" charset="0"/>
+              </a:rPr>
+              <a:t>객체를</a:t>
+            </a:r>
+            <a:r>
+              <a:rPr lang="ko-KR" sz="1800">
+                <a:latin typeface="맑은 고딕" charset="0"/>
+                <a:ea typeface="맑은 고딕" charset="0"/>
+              </a:rPr>
+              <a:t> 참조하는 참조 변수들은 허상 </a:t>
+            </a:r>
+            <a:r>
+              <a:rPr lang="ko-KR" sz="1800">
+                <a:latin typeface="맑은 고딕" charset="0"/>
+                <a:ea typeface="맑은 고딕" charset="0"/>
+              </a:rPr>
+              <a:t>포인터가</a:t>
+            </a:r>
+            <a:r>
+              <a:rPr lang="ko-KR" sz="1800">
+                <a:latin typeface="맑은 고딕" charset="0"/>
+                <a:ea typeface="맑은 고딕" charset="0"/>
+              </a:rPr>
+              <a:t> 되지 않도록 null을 가리키도록 </a:t>
+            </a:r>
+            <a:r>
+              <a:rPr lang="ko-KR" sz="1800">
+                <a:latin typeface="맑은 고딕" charset="0"/>
+                <a:ea typeface="맑은 고딕" charset="0"/>
+              </a:rPr>
+              <a:t>설정합니다.</a:t>
+            </a:r>
+            <a:endParaRPr lang="ko-KR" altLang="en-US" sz="1800">
+              <a:latin typeface="맑은 고딕" charset="0"/>
+              <a:ea typeface="맑은 고딕" charset="0"/>
+            </a:endParaRPr>
+          </a:p>
+        </p:txBody>
+      </p:sp>
+      <p:sp>
+        <p:nvSpPr>
+          <p:cNvPr id="1109" name="텍스트 상자 11"/>
           <p:cNvSpPr txBox="1">
             <a:spLocks/>
           </p:cNvSpPr>
@@ -8206,8 +8049,8 @@
         </p:nvSpPr>
         <p:spPr>
           <a:xfrm rot="0">
-            <a:off x="1222375" y="3195320"/>
-            <a:ext cx="4173220" cy="647065"/>
+            <a:off x="6809105" y="4394200"/>
+            <a:ext cx="4146550" cy="1478915"/>
           </a:xfrm>
           <a:prstGeom prst="rect"/>
           <a:noFill/>
@@ -8217,65 +8060,21 @@
           </a:ln>
         </p:spPr>
         <p:txBody>
-          <a:bodyPr wrap="square" lIns="89535" tIns="46355" rIns="89535" bIns="46355" vert="horz" anchor="t">
+          <a:bodyPr wrap="square" lIns="89535" tIns="46355" rIns="89535" bIns="46355" numCol="1" vert="horz" anchor="t">
             <a:spAutoFit/>
           </a:bodyPr>
           <a:lstStyle/>
           <a:p>
-            <a:pPr marL="0" indent="0" rtl="0" algn="l" defTabSz="914400" eaLnBrk="1" latinLnBrk="0" hangingPunct="1">
-              <a:buFontTx/>
-              <a:buNone/>
-            </a:pPr>
-            <a:r>
-              <a:rPr sz="1800" b="1">
-                <a:solidFill>
-                  <a:srgbClr val="0611F2"/>
-                </a:solidFill>
-                <a:latin typeface="맑은 고딕" charset="0"/>
-                <a:ea typeface="맑은 고딕" charset="0"/>
-              </a:rPr>
-              <a:t>1</a:t>
-            </a:r>
-            <a:r>
-              <a:rPr lang="ko-KR" sz="1800" b="1">
-                <a:solidFill>
-                  <a:srgbClr val="0611F2"/>
-                </a:solidFill>
-                <a:latin typeface="맑은 고딕" charset="0"/>
-                <a:ea typeface="맑은 고딕" charset="0"/>
-              </a:rPr>
-              <a:t>9</a:t>
-            </a:r>
-            <a:r>
-              <a:rPr sz="1800" b="1">
-                <a:solidFill>
-                  <a:srgbClr val="0611F2"/>
-                </a:solidFill>
-                <a:latin typeface="맑은 고딕" charset="0"/>
-                <a:ea typeface="맑은 고딕" charset="0"/>
-              </a:rPr>
-              <a:t>.</a:t>
-            </a:r>
-            <a:r>
-              <a:rPr sz="1800">
-                <a:latin typeface="맑은 고딕" charset="0"/>
-                <a:ea typeface="맑은 고딕" charset="0"/>
-              </a:rPr>
-              <a:t> </a:t>
-            </a:r>
-            <a:r>
-              <a:rPr sz="1800">
-                <a:latin typeface="맑은 고딕" charset="0"/>
-                <a:ea typeface="맑은 고딕" charset="0"/>
-              </a:rPr>
-              <a:t>그다음으</a:t>
-            </a:r>
+            <a:pPr marL="0" indent="0" algn="l" latinLnBrk="0" hangingPunct="1">
+              <a:buFontTx/>
+              <a:buNone/>
+            </a:pPr>
             <a:r>
               <a:rPr lang="ko-KR" sz="1800">
                 <a:latin typeface="맑은 고딕" charset="0"/>
                 <a:ea typeface="맑은 고딕" charset="0"/>
               </a:rPr>
-              <a:t>로 C# Script를 생성하고 Delete라는 이름으로 정의합니다.</a:t>
+              <a:t>Destroy( ) 함수로 게임 오브젝트를 파괴했을 때 C++ nativeObject는 메모리에서 해제되며, C# UnityEngine.Object는 객체이기 때문에 해제되지 않습니다.</a:t>
             </a:r>
             <a:endParaRPr lang="ko-KR" altLang="en-US" sz="1800">
               <a:latin typeface="맑은 고딕" charset="0"/>
@@ -8286,14 +8085,14 @@
       </p:sp>
       <p:pic>
         <p:nvPicPr>
-          <p:cNvPr id="1096" name="Picture "/>
+          <p:cNvPr id="1110" name="그림 24"/>
           <p:cNvPicPr>
             <a:picLocks noChangeAspect="1"/>
           </p:cNvPicPr>
           <p:nvPr/>
         </p:nvPicPr>
         <p:blipFill rotWithShape="1">
-          <a:blip r:embed="rId2" cstate="hqprint">
+          <a:blip r:embed="rId12" cstate="hqprint">
             <a:extLst>
               <a:ext uri="{28A0092B-C50C-407E-A947-70E740481C1C}">
                 <a14:useLocalDpi xmlns:a14="http://schemas.microsoft.com/office/drawing/2010/main"/>
@@ -8306,8 +8105,8 @@
         </p:blipFill>
         <p:spPr>
           <a:xfrm rot="0">
-            <a:off x="2976245" y="3988435"/>
-            <a:ext cx="2428240" cy="1194435"/>
+            <a:off x="6816725" y="1612265"/>
+            <a:ext cx="4141470" cy="2635250"/>
           </a:xfrm>
           <a:prstGeom prst="roundRect"/>
           <a:solidFill>
@@ -8315,250 +8114,6 @@
           </a:solidFill>
         </p:spPr>
       </p:pic>
-      <p:pic>
-        <p:nvPicPr>
-          <p:cNvPr id="1098" name="그림 38"/>
-          <p:cNvPicPr>
-            <a:picLocks noChangeAspect="1"/>
-          </p:cNvPicPr>
-          <p:nvPr/>
-        </p:nvPicPr>
-        <p:blipFill rotWithShape="1">
-          <a:blip r:embed="rId3" cstate="print">
-            <a:extLst>
-              <a:ext uri="{28A0092B-C50C-407E-A947-70E740481C1C}">
-                <a14:useLocalDpi xmlns:a14="http://schemas.microsoft.com/office/drawing/2010/main" val="0"/>
-              </a:ext>
-            </a:extLst>
-          </a:blip>
-          <a:stretch>
-            <a:fillRect/>
-          </a:stretch>
-        </p:blipFill>
-        <p:spPr>
-          <a:xfrm rot="0">
-            <a:off x="1219200" y="3977640"/>
-            <a:ext cx="1649730" cy="1213485"/>
-          </a:xfrm>
-          <a:prstGeom prst="roundRect"/>
-          <a:solidFill>
-            <a:srgbClr val="EDEDED"/>
-          </a:solidFill>
-        </p:spPr>
-      </p:pic>
-      <p:pic>
-        <p:nvPicPr>
-          <p:cNvPr id="1099" name="그림 41"/>
-          <p:cNvPicPr>
-            <a:picLocks noChangeAspect="1"/>
-          </p:cNvPicPr>
-          <p:nvPr/>
-        </p:nvPicPr>
-        <p:blipFill rotWithShape="1">
-          <a:blip r:embed="rId4" cstate="print">
-            <a:extLst>
-              <a:ext uri="{28A0092B-C50C-407E-A947-70E740481C1C}">
-                <a14:useLocalDpi xmlns:a14="http://schemas.microsoft.com/office/drawing/2010/main" val="0"/>
-              </a:ext>
-            </a:extLst>
-          </a:blip>
-          <a:stretch>
-            <a:fillRect/>
-          </a:stretch>
-        </p:blipFill>
-        <p:spPr>
-          <a:xfrm rot="0">
-            <a:off x="4355465" y="1746250"/>
-            <a:ext cx="849630" cy="939165"/>
-          </a:xfrm>
-          <a:prstGeom prst="roundRect"/>
-          <a:solidFill>
-            <a:srgbClr val="EDEDED"/>
-          </a:solidFill>
-        </p:spPr>
-      </p:pic>
-      <p:pic>
-        <p:nvPicPr>
-          <p:cNvPr id="1100" name="그림 44"/>
-          <p:cNvPicPr>
-            <a:picLocks noChangeAspect="1"/>
-          </p:cNvPicPr>
-          <p:nvPr/>
-        </p:nvPicPr>
-        <p:blipFill rotWithShape="1">
-          <a:blip r:embed="rId5" cstate="print">
-            <a:extLst>
-              <a:ext uri="{28A0092B-C50C-407E-A947-70E740481C1C}">
-                <a14:useLocalDpi xmlns:a14="http://schemas.microsoft.com/office/drawing/2010/main" val="0"/>
-              </a:ext>
-            </a:extLst>
-          </a:blip>
-          <a:stretch>
-            <a:fillRect/>
-          </a:stretch>
-        </p:blipFill>
-        <p:spPr>
-          <a:xfrm rot="0">
-            <a:off x="1221740" y="1337945"/>
-            <a:ext cx="1783715" cy="1762760"/>
-          </a:xfrm>
-          <a:prstGeom prst="roundRect"/>
-          <a:solidFill>
-            <a:srgbClr val="EDEDED"/>
-          </a:solidFill>
-        </p:spPr>
-      </p:pic>
-      <p:pic>
-        <p:nvPicPr>
-          <p:cNvPr id="1101" name="그림 51"/>
-          <p:cNvPicPr>
-            <a:picLocks noChangeAspect="1"/>
-          </p:cNvPicPr>
-          <p:nvPr/>
-        </p:nvPicPr>
-        <p:blipFill rotWithShape="1">
-          <a:blip r:embed="rId6" cstate="hqprint">
-            <a:extLst>
-              <a:ext uri="{28A0092B-C50C-407E-A947-70E740481C1C}">
-                <a14:useLocalDpi xmlns:a14="http://schemas.microsoft.com/office/drawing/2010/main"/>
-              </a:ext>
-            </a:extLst>
-          </a:blip>
-          <a:stretch>
-            <a:fillRect/>
-          </a:stretch>
-        </p:blipFill>
-        <p:spPr>
-          <a:xfrm rot="0">
-            <a:off x="3152140" y="2019300"/>
-            <a:ext cx="1022350" cy="426720"/>
-          </a:xfrm>
-          <a:prstGeom prst="rect"/>
-          <a:noFill/>
-        </p:spPr>
-      </p:pic>
-      <p:pic>
-        <p:nvPicPr>
-          <p:cNvPr id="1102" name="그림 54"/>
-          <p:cNvPicPr>
-            <a:picLocks noChangeAspect="1"/>
-          </p:cNvPicPr>
-          <p:nvPr/>
-        </p:nvPicPr>
-        <p:blipFill rotWithShape="1">
-          <a:blip r:embed="rId7" cstate="print">
-            <a:extLst>
-              <a:ext uri="{28A0092B-C50C-407E-A947-70E740481C1C}">
-                <a14:useLocalDpi xmlns:a14="http://schemas.microsoft.com/office/drawing/2010/main" val="0"/>
-              </a:ext>
-            </a:extLst>
-          </a:blip>
-          <a:stretch>
-            <a:fillRect/>
-          </a:stretch>
-        </p:blipFill>
-        <p:spPr>
-          <a:xfrm rot="0">
-            <a:off x="6814820" y="1345565"/>
-            <a:ext cx="4139565" cy="2447925"/>
-          </a:xfrm>
-          <a:prstGeom prst="roundRect"/>
-          <a:solidFill>
-            <a:srgbClr val="EDEDED"/>
-          </a:solidFill>
-        </p:spPr>
-      </p:pic>
-      <p:sp>
-        <p:nvSpPr>
-          <p:cNvPr id="1103" name="텍스트 상자 57"/>
-          <p:cNvSpPr txBox="1">
-            <a:spLocks/>
-          </p:cNvSpPr>
-          <p:nvPr/>
-        </p:nvSpPr>
-        <p:spPr>
-          <a:xfrm rot="0">
-            <a:off x="6827520" y="3893820"/>
-            <a:ext cx="4136390" cy="2339340"/>
-          </a:xfrm>
-          <a:prstGeom prst="rect"/>
-          <a:noFill/>
-          <a:ln w="0">
-            <a:noFill/>
-            <a:prstDash/>
-          </a:ln>
-        </p:spPr>
-        <p:txBody>
-          <a:bodyPr wrap="square" lIns="89535" tIns="46355" rIns="89535" bIns="46355" numCol="1" vert="horz" anchor="t">
-            <a:spAutoFit/>
-          </a:bodyPr>
-          <a:lstStyle/>
-          <a:p>
-            <a:pPr marL="0" indent="0" algn="l" latinLnBrk="0" hangingPunct="1">
-              <a:buFontTx/>
-              <a:buNone/>
-            </a:pPr>
-            <a:r>
-              <a:rPr lang="ko-KR" sz="2000" b="1">
-                <a:solidFill>
-                  <a:srgbClr val="0611F2"/>
-                </a:solidFill>
-                <a:latin typeface="맑은 고딕" charset="0"/>
-                <a:ea typeface="맑은 고딕" charset="0"/>
-              </a:rPr>
-              <a:t>21</a:t>
-            </a:r>
-            <a:r>
-              <a:rPr sz="2000" b="1">
-                <a:solidFill>
-                  <a:srgbClr val="0611F2"/>
-                </a:solidFill>
-                <a:latin typeface="맑은 고딕" charset="0"/>
-                <a:ea typeface="맑은 고딕" charset="0"/>
-              </a:rPr>
-              <a:t>. </a:t>
-            </a:r>
-            <a:r>
-              <a:rPr lang="ko-KR" sz="1800">
-                <a:latin typeface="맑은 고딕" charset="0"/>
-                <a:ea typeface="맑은 고딕" charset="0"/>
-              </a:rPr>
-              <a:t>이제 Delete 스크립트를 선택한 다음 Start( ) 함수 안에 게임 오브젝트를 파괴하는 함수를 선언합니다.</a:t>
-            </a:r>
-            <a:endParaRPr lang="ko-KR" altLang="en-US" sz="1800">
-              <a:latin typeface="맑은 고딕" charset="0"/>
-              <a:ea typeface="맑은 고딕" charset="0"/>
-            </a:endParaRPr>
-          </a:p>
-          <a:p>
-            <a:pPr marL="0" indent="0" algn="l" latinLnBrk="0" hangingPunct="1">
-              <a:buFontTx/>
-              <a:buNone/>
-            </a:pPr>
-            <a:endParaRPr lang="ko-KR" altLang="en-US" sz="1800">
-              <a:latin typeface="맑은 고딕" charset="0"/>
-              <a:ea typeface="맑은 고딕" charset="0"/>
-            </a:endParaRPr>
-          </a:p>
-          <a:p>
-            <a:pPr marL="0" indent="0" algn="l" latinLnBrk="0" hangingPunct="1">
-              <a:buFontTx/>
-              <a:buNone/>
-            </a:pPr>
-            <a:r>
-              <a:rPr lang="ko-KR" sz="1800">
-                <a:latin typeface="맑은 고딕" charset="0"/>
-                <a:ea typeface="맑은 고딕" charset="0"/>
-              </a:rPr>
-              <a:t>그리고 Random.Range( )를 사용하여 게임 오브젝트가 1 ~ 5초 사이의 특정 시간에 파괴될 수 있도록 설정합니다.</a:t>
-            </a:r>
-            <a:endParaRPr lang="ko-KR" altLang="en-US" sz="1800">
-              <a:latin typeface="맑은 고딕" charset="0"/>
-              <a:ea typeface="맑은 고딕" charset="0"/>
-            </a:endParaRPr>
-          </a:p>
-        </p:txBody>
-      </p:sp>
     </p:spTree>
   </p:cSld>
   <p:clrMapOvr>
@@ -8609,8 +8164,8 @@
         </p:nvSpPr>
         <p:spPr>
           <a:xfrm rot="0">
-            <a:off x="5285740" y="509905"/>
-            <a:ext cx="1621790" cy="554990"/>
+            <a:off x="4318000" y="392430"/>
+            <a:ext cx="3563620" cy="554990"/>
           </a:xfrm>
           <a:prstGeom prst="rect"/>
           <a:noFill/>
@@ -8637,7 +8192,27 @@
                 <a:latin typeface="맑은 고딕" charset="0"/>
                 <a:ea typeface="맑은 고딕" charset="0"/>
               </a:rPr>
-              <a:t>Destory</a:t>
+              <a:t>열</a:t>
+            </a:r>
+            <a:r>
+              <a:rPr lang="ko-KR" altLang="en-US" sz="3000" b="1">
+                <a:solidFill>
+                  <a:schemeClr val="tx1"/>
+                </a:solidFill>
+                <a:latin typeface="맑은 고딕" charset="0"/>
+                <a:ea typeface="맑은 고딕" charset="0"/>
+              </a:rPr>
+              <a:t>한</a:t>
+            </a:r>
+            <a:r>
+              <a:rPr lang="ko-KR" altLang="en-US" sz="3000" b="1">
+                <a:solidFill>
+                  <a:schemeClr val="tx1"/>
+                </a:solidFill>
+                <a:latin typeface="맑은 고딕" charset="0"/>
+                <a:ea typeface="맑은 고딕" charset="0"/>
+              </a:rPr>
+              <a:t> 번째 튜토리얼</a:t>
             </a:r>
             <a:endParaRPr lang="ko-KR" altLang="en-US" sz="3000" b="1">
               <a:solidFill>
@@ -8651,7 +8226,7 @@
       </p:sp>
       <p:sp>
         <p:nvSpPr>
-          <p:cNvPr id="1101" name="Rect 0"/>
+          <p:cNvPr id="1070" name="Rect 0"/>
           <p:cNvSpPr txBox="1">
             <a:spLocks/>
           </p:cNvSpPr>
@@ -8659,8 +8234,8 @@
         </p:nvSpPr>
         <p:spPr>
           <a:xfrm rot="0">
-            <a:off x="1047750" y="1619885"/>
-            <a:ext cx="4307840" cy="4246245"/>
+            <a:off x="1238885" y="5152390"/>
+            <a:ext cx="4140200" cy="1231265"/>
           </a:xfrm>
           <a:prstGeom prst="rect"/>
           <a:noFill/>
@@ -8680,120 +8255,66 @@
               <a:buNone/>
             </a:pPr>
             <a:r>
+              <a:rPr lang="ko-KR" sz="2000" b="1">
+                <a:solidFill>
+                  <a:srgbClr val="0611F2"/>
+                </a:solidFill>
+                <a:latin typeface="맑은 고딕" charset="0"/>
+                <a:ea typeface="맑은 고딕" charset="0"/>
+              </a:rPr>
+              <a:t>2</a:t>
+            </a:r>
+            <a:r>
+              <a:rPr lang="ko-KR" sz="2000" b="1">
+                <a:solidFill>
+                  <a:srgbClr val="0611F2"/>
+                </a:solidFill>
+                <a:latin typeface="맑은 고딕" charset="0"/>
+                <a:ea typeface="맑은 고딕" charset="0"/>
+              </a:rPr>
+              <a:t>5</a:t>
+            </a:r>
+            <a:r>
+              <a:rPr sz="2000" b="1">
+                <a:solidFill>
+                  <a:srgbClr val="0611F2"/>
+                </a:solidFill>
+                <a:latin typeface="맑은 고딕" charset="0"/>
+                <a:ea typeface="맑은 고딕" charset="0"/>
+              </a:rPr>
+              <a:t>. </a:t>
+            </a:r>
+            <a:r>
               <a:rPr lang="ko-KR" sz="1800">
                 <a:latin typeface="맑은 고딕" charset="0"/>
                 <a:ea typeface="맑은 고딕" charset="0"/>
               </a:rPr>
-              <a:t>Destroy( ) 함수는 게임 오브젝트를 파괴하는 함수입니다.</a:t>
+              <a:t>이제 </a:t>
+            </a:r>
+            <a:r>
+              <a:rPr lang="ko-KR" sz="1800">
+                <a:latin typeface="맑은 고딕" charset="0"/>
+                <a:ea typeface="맑은 고딕" charset="0"/>
+              </a:rPr>
+              <a:t>Generic Create Button</a:t>
+            </a:r>
+            <a:r>
+              <a:rPr lang="ko-KR" sz="1800">
+                <a:latin typeface="맑은 고딕" charset="0"/>
+                <a:ea typeface="맑은 고딕" charset="0"/>
+              </a:rPr>
+              <a:t> 오브젝트에 있는 Image 컴포넌트의 Image Type과 Fill Method 그리고 Fill Origin을 설정합니다.</a:t>
             </a:r>
             <a:endParaRPr lang="ko-KR" altLang="en-US" sz="1800">
               <a:latin typeface="맑은 고딕" charset="0"/>
               <a:ea typeface="맑은 고딕" charset="0"/>
             </a:endParaRPr>
           </a:p>
-          <a:p>
-            <a:pPr marL="0" indent="0" algn="l" latinLnBrk="0" hangingPunct="1">
-              <a:buFontTx/>
-              <a:buNone/>
-            </a:pPr>
-            <a:endParaRPr lang="ko-KR" altLang="en-US" sz="1800">
-              <a:latin typeface="맑은 고딕" charset="0"/>
-              <a:ea typeface="맑은 고딕" charset="0"/>
-            </a:endParaRPr>
-          </a:p>
-          <a:p>
-            <a:pPr marL="0" indent="0" algn="l" latinLnBrk="0" hangingPunct="1">
-              <a:buFontTx/>
-              <a:buNone/>
-            </a:pPr>
-            <a:r>
-              <a:rPr lang="ko-KR" sz="1800">
-                <a:latin typeface="맑은 고딕" charset="0"/>
-                <a:ea typeface="맑은 고딕" charset="0"/>
-              </a:rPr>
-              <a:t>일정 시간을 설정하고 일정 시간 후에 파괴할 수 있도록 설정할 수도 있습니다.</a:t>
-            </a:r>
-            <a:endParaRPr lang="ko-KR" altLang="en-US" sz="1800">
-              <a:latin typeface="맑은 고딕" charset="0"/>
-              <a:ea typeface="맑은 고딕" charset="0"/>
-            </a:endParaRPr>
-          </a:p>
-          <a:p>
-            <a:pPr marL="0" indent="0" algn="l" latinLnBrk="0" hangingPunct="1">
-              <a:buFontTx/>
-              <a:buNone/>
-            </a:pPr>
-            <a:endParaRPr lang="ko-KR" altLang="en-US" sz="1800">
-              <a:latin typeface="맑은 고딕" charset="0"/>
-              <a:ea typeface="맑은 고딕" charset="0"/>
-            </a:endParaRPr>
-          </a:p>
-          <a:p>
-            <a:pPr marL="0" indent="0" algn="l" latinLnBrk="0" hangingPunct="1">
-              <a:buFontTx/>
-              <a:buNone/>
-            </a:pPr>
-            <a:r>
-              <a:rPr lang="ko-KR" sz="1800">
-                <a:latin typeface="맑은 고딕" charset="0"/>
-                <a:ea typeface="맑은 고딕" charset="0"/>
-              </a:rPr>
-              <a:t>게임 오브젝트가 메모리에서 해제되면 Object의 == 연산자 오버로딩으로 인하여 해제된 객체를 확인할 수 있습니다.</a:t>
-            </a:r>
-            <a:endParaRPr lang="ko-KR" altLang="en-US" sz="1800">
-              <a:latin typeface="맑은 고딕" charset="0"/>
-              <a:ea typeface="맑은 고딕" charset="0"/>
-            </a:endParaRPr>
-          </a:p>
-          <a:p>
-            <a:pPr marL="0" indent="0" algn="l" latinLnBrk="0" hangingPunct="1">
-              <a:buFontTx/>
-              <a:buNone/>
-            </a:pPr>
-            <a:endParaRPr lang="ko-KR" altLang="en-US" sz="1800">
-              <a:latin typeface="맑은 고딕" charset="0"/>
-              <a:ea typeface="맑은 고딕" charset="0"/>
-            </a:endParaRPr>
-          </a:p>
-          <a:p>
-            <a:pPr marL="0" indent="0" algn="l" latinLnBrk="0" hangingPunct="1">
-              <a:buFontTx/>
-              <a:buNone/>
-            </a:pPr>
-            <a:r>
-              <a:rPr lang="ko-KR" sz="1800">
-                <a:latin typeface="맑은 고딕" charset="0"/>
-                <a:ea typeface="맑은 고딕" charset="0"/>
-              </a:rPr>
-              <a:t>객체가 메모리에서 해제되었을 때</a:t>
-            </a:r>
-            <a:endParaRPr lang="ko-KR" altLang="en-US" sz="1800">
-              <a:latin typeface="맑은 고딕" charset="0"/>
-              <a:ea typeface="맑은 고딕" charset="0"/>
-            </a:endParaRPr>
-          </a:p>
-          <a:p>
-            <a:pPr marL="0" indent="0" algn="l" latinLnBrk="0" hangingPunct="1">
-              <a:buFontTx/>
-              <a:buNone/>
-            </a:pPr>
-            <a:r>
-              <a:rPr lang="ko-KR" sz="1800">
-                <a:latin typeface="맑은 고딕" charset="0"/>
-                <a:ea typeface="맑은 고딕" charset="0"/>
-              </a:rPr>
-              <a:t>객체를 참조하는 참조 변수들은 허상 포인터가 되지 않도록 null을 가리키도록 설정합니다.</a:t>
-            </a:r>
-            <a:endParaRPr lang="ko-KR" altLang="en-US" sz="1800">
-              <a:latin typeface="맑은 고딕" charset="0"/>
-              <a:ea typeface="맑은 고딕" charset="0"/>
-            </a:endParaRPr>
-          </a:p>
-        </p:txBody>
-      </p:sp>
-      <p:sp>
-        <p:nvSpPr>
-          <p:cNvPr id="1109" name="텍스트 상자 11"/>
+        </p:txBody>
+      </p:sp>
+      <p:sp>
+        <p:nvSpPr>
+          <p:cNvPr id="1108" name="Rect 0"/>
           <p:cNvSpPr txBox="1">
             <a:spLocks/>
           </p:cNvSpPr>
@@ -8801,8 +8322,8 @@
         </p:nvSpPr>
         <p:spPr>
           <a:xfrm rot="0">
-            <a:off x="6809105" y="4394200"/>
-            <a:ext cx="4146550" cy="1478915"/>
+            <a:off x="6790055" y="4323080"/>
+            <a:ext cx="4167505" cy="2061845"/>
           </a:xfrm>
           <a:prstGeom prst="rect"/>
           <a:noFill/>
@@ -8822,32 +8343,96 @@
               <a:buNone/>
             </a:pPr>
             <a:r>
+              <a:rPr lang="ko-KR" sz="2000" b="1">
+                <a:solidFill>
+                  <a:srgbClr val="0611F2"/>
+                </a:solidFill>
+                <a:latin typeface="맑은 고딕" charset="0"/>
+                <a:ea typeface="맑은 고딕" charset="0"/>
+              </a:rPr>
+              <a:t>26</a:t>
+            </a:r>
+            <a:r>
+              <a:rPr sz="2000" b="1">
+                <a:solidFill>
+                  <a:srgbClr val="0611F2"/>
+                </a:solidFill>
+                <a:latin typeface="맑은 고딕" charset="0"/>
+                <a:ea typeface="맑은 고딕" charset="0"/>
+              </a:rPr>
+              <a:t>. </a:t>
+            </a:r>
+            <a:r>
               <a:rPr lang="ko-KR" sz="1800">
                 <a:latin typeface="맑은 고딕" charset="0"/>
                 <a:ea typeface="맑은 고딕" charset="0"/>
               </a:rPr>
-              <a:t>Destroy( ) 함수로 게임 오브젝트를 파괴했을 때 C++ nativeObject는 메모리에서 해제되며, C# UnityEngine.Object는 객체이기 때문에 해제되지 않습니다.</a:t>
+              <a:t>그다음으로 Delay 스크립트에 있는 Update( ) 함수에서 조건에 따라</a:t>
             </a:r>
             <a:endParaRPr lang="ko-KR" altLang="en-US" sz="1800">
               <a:latin typeface="맑은 고딕" charset="0"/>
               <a:ea typeface="맑은 고딕" charset="0"/>
             </a:endParaRPr>
           </a:p>
+          <a:p>
+            <a:pPr marL="0" indent="0" algn="l" latinLnBrk="0" hangingPunct="1">
+              <a:buFontTx/>
+              <a:buNone/>
+            </a:pPr>
+            <a:r>
+              <a:rPr lang="ko-KR" sz="1800">
+                <a:latin typeface="맑은 고딕" charset="0"/>
+                <a:ea typeface="맑은 고딕" charset="0"/>
+              </a:rPr>
+              <a:t>버튼 오브젝트를 비활성화 및 활성화하도록 선언합니다.</a:t>
+            </a:r>
+            <a:endParaRPr lang="ko-KR" altLang="en-US" sz="1800">
+              <a:latin typeface="맑은 고딕" charset="0"/>
+              <a:ea typeface="맑은 고딕" charset="0"/>
+            </a:endParaRPr>
+          </a:p>
+          <a:p>
+            <a:pPr marL="0" indent="0" algn="l" latinLnBrk="0" hangingPunct="1">
+              <a:buFontTx/>
+              <a:buNone/>
+            </a:pPr>
+            <a:endParaRPr lang="ko-KR" altLang="en-US" sz="1800">
+              <a:latin typeface="맑은 고딕" charset="0"/>
+              <a:ea typeface="맑은 고딕" charset="0"/>
+            </a:endParaRPr>
+          </a:p>
+          <a:p>
+            <a:pPr marL="0" indent="0" algn="l" latinLnBrk="0" hangingPunct="1">
+              <a:buFontTx/>
+              <a:buNone/>
+            </a:pPr>
+            <a:r>
+              <a:rPr lang="ko-KR" sz="1800">
+                <a:latin typeface="맑은 고딕" charset="0"/>
+                <a:ea typeface="맑은 고딕" charset="0"/>
+              </a:rPr>
+              <a:t>마지막으로 이미지에 fillAmount 값을 시간에 따라 변화하도록 설정합니다.</a:t>
+            </a:r>
+            <a:endParaRPr lang="ko-KR" altLang="en-US" sz="1800">
+              <a:latin typeface="맑은 고딕" charset="0"/>
+              <a:ea typeface="맑은 고딕" charset="0"/>
+            </a:endParaRPr>
+          </a:p>
         </p:txBody>
       </p:sp>
       <p:pic>
         <p:nvPicPr>
-          <p:cNvPr id="1110" name="그림 24"/>
+          <p:cNvPr id="1110" name="그림 19"/>
           <p:cNvPicPr>
             <a:picLocks noChangeAspect="1"/>
           </p:cNvPicPr>
           <p:nvPr/>
         </p:nvPicPr>
         <p:blipFill rotWithShape="1">
-          <a:blip r:embed="rId12" cstate="hqprint">
+          <a:blip r:embed="rId2" cstate="print">
             <a:extLst>
               <a:ext uri="{28A0092B-C50C-407E-A947-70E740481C1C}">
-                <a14:useLocalDpi xmlns:a14="http://schemas.microsoft.com/office/drawing/2010/main"/>
+                <a14:useLocalDpi xmlns:a14="http://schemas.microsoft.com/office/drawing/2010/main" val="0"/>
               </a:ext>
             </a:extLst>
           </a:blip>
@@ -8857,8 +8442,39 @@
         </p:blipFill>
         <p:spPr>
           <a:xfrm rot="0">
-            <a:off x="6816725" y="1612265"/>
-            <a:ext cx="4141470" cy="2635250"/>
+            <a:off x="1238250" y="1446530"/>
+            <a:ext cx="4149725" cy="3558540"/>
+          </a:xfrm>
+          <a:prstGeom prst="roundRect"/>
+          <a:solidFill>
+            <a:srgbClr val="EDEDED"/>
+          </a:solidFill>
+        </p:spPr>
+      </p:pic>
+      <p:pic>
+        <p:nvPicPr>
+          <p:cNvPr id="1111" name="그림 22"/>
+          <p:cNvPicPr>
+            <a:picLocks noChangeAspect="1"/>
+          </p:cNvPicPr>
+          <p:nvPr/>
+        </p:nvPicPr>
+        <p:blipFill rotWithShape="1">
+          <a:blip r:embed="rId3" cstate="print">
+            <a:extLst>
+              <a:ext uri="{28A0092B-C50C-407E-A947-70E740481C1C}">
+                <a14:useLocalDpi xmlns:a14="http://schemas.microsoft.com/office/drawing/2010/main" val="0"/>
+              </a:ext>
+            </a:extLst>
+          </a:blip>
+          <a:stretch>
+            <a:fillRect/>
+          </a:stretch>
+        </p:blipFill>
+        <p:spPr>
+          <a:xfrm rot="0">
+            <a:off x="6791960" y="1438275"/>
+            <a:ext cx="4173855" cy="2735580"/>
           </a:xfrm>
           <a:prstGeom prst="roundRect"/>
           <a:solidFill>
@@ -8916,877 +8532,6 @@
         </p:nvSpPr>
         <p:spPr>
           <a:xfrm rot="0">
-            <a:off x="4500880" y="384175"/>
-            <a:ext cx="3189605" cy="554990"/>
-          </a:xfrm>
-          <a:prstGeom prst="rect"/>
-          <a:noFill/>
-          <a:ln w="0">
-            <a:noFill/>
-            <a:prstDash/>
-          </a:ln>
-        </p:spPr>
-        <p:txBody>
-          <a:bodyPr wrap="square" lIns="89535" tIns="46355" rIns="89535" bIns="46355" numCol="1" vert="horz" anchor="t">
-            <a:spAutoFit/>
-          </a:bodyPr>
-          <a:lstStyle/>
-          <a:p>
-            <a:pPr marL="0" indent="0" algn="l" latinLnBrk="0">
-              <a:buFontTx/>
-              <a:buNone/>
-            </a:pPr>
-            <a:r>
-              <a:rPr lang="ko-KR" altLang="en-US" sz="3000" b="1">
-                <a:solidFill>
-                  <a:schemeClr val="tx1"/>
-                </a:solidFill>
-                <a:latin typeface="맑은 고딕" charset="0"/>
-                <a:ea typeface="맑은 고딕" charset="0"/>
-              </a:rPr>
-              <a:t>열</a:t>
-            </a:r>
-            <a:r>
-              <a:rPr lang="ko-KR" altLang="en-US" sz="3000" b="1">
-                <a:solidFill>
-                  <a:schemeClr val="tx1"/>
-                </a:solidFill>
-                <a:latin typeface="맑은 고딕" charset="0"/>
-                <a:ea typeface="맑은 고딕" charset="0"/>
-              </a:rPr>
-              <a:t> 번째 튜토리얼</a:t>
-            </a:r>
-            <a:endParaRPr lang="ko-KR" altLang="en-US" sz="3000" b="1">
-              <a:solidFill>
-                <a:schemeClr val="tx1"/>
-              </a:solidFill>
-              <a:latin typeface="맑은 고딕" charset="0"/>
-              <a:ea typeface="맑은 고딕" charset="0"/>
-            </a:endParaRPr>
-          </a:p>
-        </p:txBody>
-      </p:sp>
-      <p:sp>
-        <p:nvSpPr>
-          <p:cNvPr id="1070" name="Rect 0"/>
-          <p:cNvSpPr txBox="1">
-            <a:spLocks/>
-          </p:cNvSpPr>
-          <p:nvPr/>
-        </p:nvSpPr>
-        <p:spPr>
-          <a:xfrm rot="0">
-            <a:off x="1222375" y="5276850"/>
-            <a:ext cx="4164330" cy="954405"/>
-          </a:xfrm>
-          <a:prstGeom prst="rect"/>
-          <a:noFill/>
-          <a:ln w="0">
-            <a:noFill/>
-            <a:prstDash/>
-          </a:ln>
-        </p:spPr>
-        <p:txBody>
-          <a:bodyPr wrap="square" lIns="89535" tIns="46355" rIns="89535" bIns="46355" numCol="1" vert="horz" anchor="t">
-            <a:spAutoFit/>
-          </a:bodyPr>
-          <a:lstStyle/>
-          <a:p>
-            <a:pPr marL="0" indent="0" algn="l" latinLnBrk="0" hangingPunct="1">
-              <a:buFontTx/>
-              <a:buNone/>
-            </a:pPr>
-            <a:r>
-              <a:rPr lang="ko-KR" sz="2000" b="1">
-                <a:solidFill>
-                  <a:srgbClr val="0611F2"/>
-                </a:solidFill>
-                <a:latin typeface="맑은 고딕" charset="0"/>
-                <a:ea typeface="맑은 고딕" charset="0"/>
-              </a:rPr>
-              <a:t>23</a:t>
-            </a:r>
-            <a:r>
-              <a:rPr sz="2000" b="1">
-                <a:solidFill>
-                  <a:srgbClr val="0611F2"/>
-                </a:solidFill>
-                <a:latin typeface="맑은 고딕" charset="0"/>
-                <a:ea typeface="맑은 고딕" charset="0"/>
-              </a:rPr>
-              <a:t>. </a:t>
-            </a:r>
-            <a:r>
-              <a:rPr lang="ko-KR" sz="1800">
-                <a:latin typeface="맑은 고딕" charset="0"/>
-                <a:ea typeface="맑은 고딕" charset="0"/>
-              </a:rPr>
-              <a:t>그런 다음</a:t>
-            </a:r>
-            <a:r>
-              <a:rPr lang="ko-KR" sz="1800">
-                <a:latin typeface="맑은 고딕" charset="0"/>
-                <a:ea typeface="맑은 고딕" charset="0"/>
-              </a:rPr>
-              <a:t> </a:t>
-            </a:r>
-            <a:r>
-              <a:rPr lang="ko-KR" sz="1800">
-                <a:latin typeface="맑은 고딕" charset="0"/>
-                <a:ea typeface="맑은 고딕" charset="0"/>
-              </a:rPr>
-              <a:t>Projcet 폴더에 있는 Materials 폴더에 Tile Material을 Plane 게임 오브젝트에 넣어줍니다.</a:t>
-            </a:r>
-            <a:endParaRPr lang="ko-KR" altLang="en-US" sz="1800">
-              <a:latin typeface="맑은 고딕" charset="0"/>
-              <a:ea typeface="맑은 고딕" charset="0"/>
-            </a:endParaRPr>
-          </a:p>
-        </p:txBody>
-      </p:sp>
-      <p:sp>
-        <p:nvSpPr>
-          <p:cNvPr id="1090" name="Rect 0"/>
-          <p:cNvSpPr txBox="1">
-            <a:spLocks/>
-          </p:cNvSpPr>
-          <p:nvPr/>
-        </p:nvSpPr>
-        <p:spPr>
-          <a:xfrm>
-            <a:off x="1220470" y="3073400"/>
-            <a:ext cx="4166870" cy="647065"/>
-          </a:xfrm>
-          <a:prstGeom prst="rect"/>
-          <a:noFill/>
-          <a:ln w="0">
-            <a:noFill/>
-            <a:prstDash/>
-          </a:ln>
-        </p:spPr>
-        <p:txBody>
-          <a:bodyPr wrap="square" lIns="89535" tIns="46355" rIns="89535" bIns="46355" numCol="1" vert="horz" anchor="t">
-            <a:spAutoFit/>
-          </a:bodyPr>
-          <a:lstStyle/>
-          <a:p>
-            <a:pPr marL="0" indent="0" rtl="0" algn="l" defTabSz="914400" eaLnBrk="1" latinLnBrk="0" hangingPunct="1">
-              <a:buFontTx/>
-              <a:buNone/>
-            </a:pPr>
-            <a:r>
-              <a:rPr lang="ko-KR" sz="1800" b="1">
-                <a:solidFill>
-                  <a:srgbClr val="0611F2"/>
-                </a:solidFill>
-                <a:latin typeface="맑은 고딕" charset="0"/>
-                <a:ea typeface="맑은 고딕" charset="0"/>
-              </a:rPr>
-              <a:t>22</a:t>
-            </a:r>
-            <a:r>
-              <a:rPr sz="1800" b="1">
-                <a:solidFill>
-                  <a:srgbClr val="0611F2"/>
-                </a:solidFill>
-                <a:latin typeface="맑은 고딕" charset="0"/>
-                <a:ea typeface="맑은 고딕" charset="0"/>
-              </a:rPr>
-              <a:t>.</a:t>
-            </a:r>
-            <a:r>
-              <a:rPr sz="1800">
-                <a:latin typeface="맑은 고딕" charset="0"/>
-                <a:ea typeface="맑은 고딕" charset="0"/>
-              </a:rPr>
-              <a:t> </a:t>
-            </a:r>
-            <a:r>
-              <a:rPr lang="ko-KR" sz="1800">
-                <a:latin typeface="맑은 고딕" charset="0"/>
-                <a:ea typeface="맑은 고딕" charset="0"/>
-              </a:rPr>
-              <a:t>그다음 </a:t>
-            </a:r>
-            <a:r>
-              <a:rPr lang="ko-KR" sz="1800">
-                <a:latin typeface="맑은 고딕" charset="0"/>
-                <a:ea typeface="맑은 고딕" charset="0"/>
-              </a:rPr>
-              <a:t>Plane</a:t>
-            </a:r>
-            <a:r>
-              <a:rPr lang="ko-KR" sz="1800">
-                <a:latin typeface="맑은 고딕" charset="0"/>
-                <a:ea typeface="맑은 고딕" charset="0"/>
-              </a:rPr>
-              <a:t> 오브젝트의 위치와 회전 값을 </a:t>
-            </a:r>
-            <a:r>
-              <a:rPr lang="ko-KR" sz="1800">
-                <a:latin typeface="맑은 고딕" charset="0"/>
-                <a:ea typeface="맑은 고딕" charset="0"/>
-              </a:rPr>
-              <a:t>초기화</a:t>
-            </a:r>
-            <a:r>
-              <a:rPr lang="ko-KR" sz="1800">
-                <a:latin typeface="맑은 고딕" charset="0"/>
-                <a:ea typeface="맑은 고딕" charset="0"/>
-              </a:rPr>
-              <a:t>합니다.</a:t>
-            </a:r>
-            <a:endParaRPr lang="ko-KR" altLang="en-US" sz="1800">
-              <a:latin typeface="맑은 고딕" charset="0"/>
-              <a:ea typeface="맑은 고딕" charset="0"/>
-            </a:endParaRPr>
-          </a:p>
-        </p:txBody>
-      </p:sp>
-      <p:pic>
-        <p:nvPicPr>
-          <p:cNvPr id="1105" name="그림 61"/>
-          <p:cNvPicPr>
-            <a:picLocks noChangeAspect="1"/>
-          </p:cNvPicPr>
-          <p:nvPr/>
-        </p:nvPicPr>
-        <p:blipFill rotWithShape="1">
-          <a:blip r:embed="rId3" cstate="print">
-            <a:extLst>
-              <a:ext uri="{28A0092B-C50C-407E-A947-70E740481C1C}">
-                <a14:useLocalDpi xmlns:a14="http://schemas.microsoft.com/office/drawing/2010/main" val="0"/>
-              </a:ext>
-            </a:extLst>
-          </a:blip>
-          <a:stretch>
-            <a:fillRect/>
-          </a:stretch>
-        </p:blipFill>
-        <p:spPr>
-          <a:xfrm rot="0">
-            <a:off x="1214120" y="3851910"/>
-            <a:ext cx="1488440" cy="1335405"/>
-          </a:xfrm>
-          <a:prstGeom prst="roundRect"/>
-          <a:solidFill>
-            <a:srgbClr val="EDEDED"/>
-          </a:solidFill>
-        </p:spPr>
-      </p:pic>
-      <p:pic>
-        <p:nvPicPr>
-          <p:cNvPr id="1106" name="그림 64"/>
-          <p:cNvPicPr>
-            <a:picLocks noChangeAspect="1"/>
-          </p:cNvPicPr>
-          <p:nvPr/>
-        </p:nvPicPr>
-        <p:blipFill rotWithShape="1">
-          <a:blip r:embed="rId4" cstate="print">
-            <a:extLst>
-              <a:ext uri="{28A0092B-C50C-407E-A947-70E740481C1C}">
-                <a14:useLocalDpi xmlns:a14="http://schemas.microsoft.com/office/drawing/2010/main" val="0"/>
-              </a:ext>
-            </a:extLst>
-          </a:blip>
-          <a:stretch>
-            <a:fillRect/>
-          </a:stretch>
-        </p:blipFill>
-        <p:spPr>
-          <a:xfrm rot="0">
-            <a:off x="2823210" y="3844925"/>
-            <a:ext cx="2563495" cy="1334135"/>
-          </a:xfrm>
-          <a:prstGeom prst="roundRect"/>
-          <a:solidFill>
-            <a:srgbClr val="EDEDED"/>
-          </a:solidFill>
-        </p:spPr>
-      </p:pic>
-      <p:cxnSp>
-        <p:nvCxnSpPr>
-          <p:cNvPr id="1107" name="도형 67"/>
-          <p:cNvCxnSpPr/>
-          <p:nvPr/>
-        </p:nvCxnSpPr>
-        <p:spPr>
-          <a:xfrm rot="0" flipH="1">
-            <a:off x="1835785" y="4572000"/>
-            <a:ext cx="1715135" cy="113030"/>
-          </a:xfrm>
-          <a:prstGeom prst="straightConnector1"/>
-          <a:ln w="6350" cap="flat" cmpd="sng">
-            <a:prstDash/>
-            <a:headEnd type="none" w="med" len="med"/>
-            <a:tailEnd type="triangle" w="med" len="med"/>
-          </a:ln>
-        </p:spPr>
-        <p:style>
-          <a:lnRef idx="1">
-            <a:schemeClr val="accent1"/>
-          </a:lnRef>
-          <a:fillRef idx="0">
-            <a:schemeClr val="accent1"/>
-          </a:fillRef>
-          <a:effectRef idx="0">
-            <a:schemeClr val="accent1"/>
-          </a:effectRef>
-          <a:fontRef idx="minor">
-            <a:schemeClr val="tx1"/>
-          </a:fontRef>
-        </p:style>
-      </p:cxnSp>
-      <p:sp>
-        <p:nvSpPr>
-          <p:cNvPr id="1108" name="텍스트 상자 8"/>
-          <p:cNvSpPr txBox="1">
-            <a:spLocks/>
-          </p:cNvSpPr>
-          <p:nvPr/>
-        </p:nvSpPr>
-        <p:spPr>
-          <a:xfrm rot="0">
-            <a:off x="6806565" y="5279390"/>
-            <a:ext cx="3969385" cy="954405"/>
-          </a:xfrm>
-          <a:prstGeom prst="rect"/>
-          <a:noFill/>
-          <a:ln w="0">
-            <a:noFill/>
-            <a:prstDash/>
-          </a:ln>
-        </p:spPr>
-        <p:txBody>
-          <a:bodyPr wrap="square" lIns="89535" tIns="46355" rIns="89535" bIns="46355" numCol="1" vert="horz" anchor="t">
-            <a:spAutoFit/>
-          </a:bodyPr>
-          <a:lstStyle/>
-          <a:p>
-            <a:pPr marL="0" indent="0" algn="l" latinLnBrk="0" hangingPunct="1">
-              <a:buFontTx/>
-              <a:buNone/>
-            </a:pPr>
-            <a:r>
-              <a:rPr lang="ko-KR" sz="2000" b="1">
-                <a:solidFill>
-                  <a:srgbClr val="0611F2"/>
-                </a:solidFill>
-                <a:latin typeface="맑은 고딕" charset="0"/>
-                <a:ea typeface="맑은 고딕" charset="0"/>
-              </a:rPr>
-              <a:t>24</a:t>
-            </a:r>
-            <a:r>
-              <a:rPr sz="2000" b="1">
-                <a:solidFill>
-                  <a:srgbClr val="0611F2"/>
-                </a:solidFill>
-                <a:latin typeface="맑은 고딕" charset="0"/>
-                <a:ea typeface="맑은 고딕" charset="0"/>
-              </a:rPr>
-              <a:t>. </a:t>
-            </a:r>
-            <a:r>
-              <a:rPr lang="ko-KR" sz="1800">
-                <a:latin typeface="맑은 고딕" charset="0"/>
-                <a:ea typeface="맑은 고딕" charset="0"/>
-              </a:rPr>
-              <a:t>마지막으로</a:t>
-            </a:r>
-            <a:r>
-              <a:rPr lang="ko-KR" sz="1800">
-                <a:latin typeface="맑은 고딕" charset="0"/>
-                <a:ea typeface="맑은 고딕" charset="0"/>
-              </a:rPr>
-              <a:t> Generic Create Button의 Text에 Genenric Stone Create로 정의합니다.</a:t>
-            </a:r>
-            <a:endParaRPr lang="ko-KR" altLang="en-US" sz="1800">
-              <a:latin typeface="맑은 고딕" charset="0"/>
-              <a:ea typeface="맑은 고딕" charset="0"/>
-            </a:endParaRPr>
-          </a:p>
-        </p:txBody>
-      </p:sp>
-      <p:pic>
-        <p:nvPicPr>
-          <p:cNvPr id="1109" name="그림 9"/>
-          <p:cNvPicPr>
-            <a:picLocks noChangeAspect="1"/>
-          </p:cNvPicPr>
-          <p:nvPr/>
-        </p:nvPicPr>
-        <p:blipFill rotWithShape="1">
-          <a:blip r:embed="rId6" cstate="hqprint">
-            <a:extLst>
-              <a:ext uri="{28A0092B-C50C-407E-A947-70E740481C1C}">
-                <a14:useLocalDpi xmlns:a14="http://schemas.microsoft.com/office/drawing/2010/main"/>
-              </a:ext>
-            </a:extLst>
-          </a:blip>
-          <a:stretch>
-            <a:fillRect/>
-          </a:stretch>
-        </p:blipFill>
-        <p:spPr>
-          <a:xfrm rot="0">
-            <a:off x="6808470" y="1448435"/>
-            <a:ext cx="3966845" cy="3669665"/>
-          </a:xfrm>
-          <a:prstGeom prst="rect"/>
-          <a:noFill/>
-        </p:spPr>
-      </p:pic>
-      <p:pic>
-        <p:nvPicPr>
-          <p:cNvPr id="1110" name="그림 1" descr="C:/Users/Admin1/AppData/Roaming/PolarisOffice/ETemp/7296_8449768/fImage1125721641.png"/>
-          <p:cNvPicPr>
-            <a:picLocks noChangeAspect="1"/>
-          </p:cNvPicPr>
-          <p:nvPr/>
-        </p:nvPicPr>
-        <p:blipFill rotWithShape="1">
-          <a:blip r:embed="rId7" cstate="print">
-            <a:extLst>
-              <a:ext uri="{28A0092B-C50C-407E-A947-70E740481C1C}">
-                <a14:useLocalDpi xmlns:a14="http://schemas.microsoft.com/office/drawing/2010/main" val="0"/>
-              </a:ext>
-            </a:extLst>
-          </a:blip>
-          <a:stretch>
-            <a:fillRect/>
-          </a:stretch>
-        </p:blipFill>
-        <p:spPr>
-          <a:xfrm rot="0">
-            <a:off x="1223010" y="1455420"/>
-            <a:ext cx="4164330" cy="1513205"/>
-          </a:xfrm>
-          <a:prstGeom prst="roundRect"/>
-          <a:solidFill>
-            <a:srgbClr val="EDEDED"/>
-          </a:solidFill>
-        </p:spPr>
-      </p:pic>
-    </p:spTree>
-  </p:cSld>
-  <p:clrMapOvr>
-    <a:masterClrMapping/>
-  </p:clrMapOvr>
-  <mc:AlternateContent xmlns:mc="http://schemas.openxmlformats.org/markup-compatibility/2006">
-    <mc:Choice xmlns:p14="http://schemas.microsoft.com/office/powerpoint/2010/main" Requires="p14">
-      <p:transition spd="slow" p14:dur="2000"/>
-    </mc:Choice>
-    <mc:Fallback>
-      <p:transition spd="slow"/>
-    </mc:Fallback>
-  </mc:AlternateContent>
-  <p:timing>
-    <p:tnLst>
-      <p:par>
-        <p:cTn id="1" dur="indefinite" restart="never" nodeType="tmRoot"/>
-      </p:par>
-    </p:tnLst>
-  </p:timing>
-</p:sld>
-</file>
-
-<file path=ppt/slides/slide13.xml><?xml version="1.0" encoding="utf-8"?>
-<p:sld xmlns:a="http://schemas.openxmlformats.org/drawingml/2006/main" xmlns:r="http://schemas.openxmlformats.org/officeDocument/2006/relationships" xmlns:p="http://schemas.openxmlformats.org/presentationml/2006/main" xmlns:p14="http://schemas.microsoft.com/office/powerpoint/2010/main">
-  <p:cSld>
-    <p:spTree>
-      <p:nvGrpSpPr>
-        <p:cNvPr id="1" name=""/>
-        <p:cNvGrpSpPr/>
-        <p:nvPr/>
-      </p:nvGrpSpPr>
-      <p:grpSpPr>
-        <a:xfrm>
-          <a:off x="0" y="0"/>
-          <a:ext cx="0" cy="0"/>
-          <a:chOff x="0" y="0"/>
-          <a:chExt cx="0" cy="0"/>
-        </a:xfrm>
-      </p:grpSpPr>
-      <p:sp>
-        <p:nvSpPr>
-          <p:cNvPr id="1031" name="Rect 0"/>
-          <p:cNvSpPr txBox="1">
-            <a:spLocks/>
-          </p:cNvSpPr>
-          <p:nvPr/>
-        </p:nvSpPr>
-        <p:spPr>
-          <a:xfrm rot="0">
-            <a:off x="4318000" y="392430"/>
-            <a:ext cx="3563620" cy="554990"/>
-          </a:xfrm>
-          <a:prstGeom prst="rect"/>
-          <a:noFill/>
-          <a:ln w="0">
-            <a:noFill/>
-            <a:prstDash/>
-          </a:ln>
-        </p:spPr>
-        <p:txBody>
-          <a:bodyPr wrap="square" lIns="89535" tIns="46355" rIns="89535" bIns="46355" numCol="1" vert="horz" anchor="t">
-            <a:spAutoFit/>
-          </a:bodyPr>
-          <a:lstStyle/>
-          <a:p>
-            <a:pPr marL="0" indent="0" algn="l" latinLnBrk="0">
-              <a:buFontTx/>
-              <a:buNone/>
-            </a:pPr>
-            <a:r>
-              <a:rPr lang="ko-KR" altLang="en-US" sz="3000" b="1">
-                <a:solidFill>
-                  <a:schemeClr val="tx1"/>
-                </a:solidFill>
-                <a:latin typeface="맑은 고딕" charset="0"/>
-                <a:ea typeface="맑은 고딕" charset="0"/>
-              </a:rPr>
-              <a:t>열</a:t>
-            </a:r>
-            <a:r>
-              <a:rPr lang="ko-KR" altLang="en-US" sz="3000" b="1">
-                <a:solidFill>
-                  <a:schemeClr val="tx1"/>
-                </a:solidFill>
-                <a:latin typeface="맑은 고딕" charset="0"/>
-                <a:ea typeface="맑은 고딕" charset="0"/>
-              </a:rPr>
-              <a:t>한</a:t>
-            </a:r>
-            <a:r>
-              <a:rPr lang="ko-KR" altLang="en-US" sz="3000" b="1">
-                <a:solidFill>
-                  <a:schemeClr val="tx1"/>
-                </a:solidFill>
-                <a:latin typeface="맑은 고딕" charset="0"/>
-                <a:ea typeface="맑은 고딕" charset="0"/>
-              </a:rPr>
-              <a:t> 번째 튜토리얼</a:t>
-            </a:r>
-            <a:endParaRPr lang="ko-KR" altLang="en-US" sz="3000" b="1">
-              <a:solidFill>
-                <a:schemeClr val="tx1"/>
-              </a:solidFill>
-              <a:latin typeface="맑은 고딕" charset="0"/>
-              <a:ea typeface="맑은 고딕" charset="0"/>
-            </a:endParaRPr>
-          </a:p>
-        </p:txBody>
-      </p:sp>
-      <p:sp>
-        <p:nvSpPr>
-          <p:cNvPr id="1070" name="Rect 0"/>
-          <p:cNvSpPr txBox="1">
-            <a:spLocks/>
-          </p:cNvSpPr>
-          <p:nvPr/>
-        </p:nvSpPr>
-        <p:spPr>
-          <a:xfrm rot="0">
-            <a:off x="1238885" y="5152390"/>
-            <a:ext cx="4140200" cy="1231265"/>
-          </a:xfrm>
-          <a:prstGeom prst="rect"/>
-          <a:noFill/>
-          <a:ln w="0">
-            <a:noFill/>
-            <a:prstDash/>
-          </a:ln>
-        </p:spPr>
-        <p:txBody>
-          <a:bodyPr wrap="square" lIns="89535" tIns="46355" rIns="89535" bIns="46355" numCol="1" vert="horz" anchor="t">
-            <a:spAutoFit/>
-          </a:bodyPr>
-          <a:lstStyle/>
-          <a:p>
-            <a:pPr marL="0" indent="0" algn="l" latinLnBrk="0" hangingPunct="1">
-              <a:buFontTx/>
-              <a:buNone/>
-            </a:pPr>
-            <a:r>
-              <a:rPr lang="ko-KR" sz="2000" b="1">
-                <a:solidFill>
-                  <a:srgbClr val="0611F2"/>
-                </a:solidFill>
-                <a:latin typeface="맑은 고딕" charset="0"/>
-                <a:ea typeface="맑은 고딕" charset="0"/>
-              </a:rPr>
-              <a:t>2</a:t>
-            </a:r>
-            <a:r>
-              <a:rPr lang="ko-KR" sz="2000" b="1">
-                <a:solidFill>
-                  <a:srgbClr val="0611F2"/>
-                </a:solidFill>
-                <a:latin typeface="맑은 고딕" charset="0"/>
-                <a:ea typeface="맑은 고딕" charset="0"/>
-              </a:rPr>
-              <a:t>5</a:t>
-            </a:r>
-            <a:r>
-              <a:rPr sz="2000" b="1">
-                <a:solidFill>
-                  <a:srgbClr val="0611F2"/>
-                </a:solidFill>
-                <a:latin typeface="맑은 고딕" charset="0"/>
-                <a:ea typeface="맑은 고딕" charset="0"/>
-              </a:rPr>
-              <a:t>. </a:t>
-            </a:r>
-            <a:r>
-              <a:rPr lang="ko-KR" sz="1800">
-                <a:latin typeface="맑은 고딕" charset="0"/>
-                <a:ea typeface="맑은 고딕" charset="0"/>
-              </a:rPr>
-              <a:t>이제 </a:t>
-            </a:r>
-            <a:r>
-              <a:rPr lang="ko-KR" sz="1800">
-                <a:latin typeface="맑은 고딕" charset="0"/>
-                <a:ea typeface="맑은 고딕" charset="0"/>
-              </a:rPr>
-              <a:t>Generic Create Button</a:t>
-            </a:r>
-            <a:r>
-              <a:rPr lang="ko-KR" sz="1800">
-                <a:latin typeface="맑은 고딕" charset="0"/>
-                <a:ea typeface="맑은 고딕" charset="0"/>
-              </a:rPr>
-              <a:t> 오브젝트에 있는 Image 컴포넌트의 Image Type과 Fill Method 그리고 Fill Origin을 설정합니다.</a:t>
-            </a:r>
-            <a:endParaRPr lang="ko-KR" altLang="en-US" sz="1800">
-              <a:latin typeface="맑은 고딕" charset="0"/>
-              <a:ea typeface="맑은 고딕" charset="0"/>
-            </a:endParaRPr>
-          </a:p>
-        </p:txBody>
-      </p:sp>
-      <p:sp>
-        <p:nvSpPr>
-          <p:cNvPr id="1108" name="Rect 0"/>
-          <p:cNvSpPr txBox="1">
-            <a:spLocks/>
-          </p:cNvSpPr>
-          <p:nvPr/>
-        </p:nvSpPr>
-        <p:spPr>
-          <a:xfrm rot="0">
-            <a:off x="6790055" y="4323080"/>
-            <a:ext cx="4167505" cy="2061845"/>
-          </a:xfrm>
-          <a:prstGeom prst="rect"/>
-          <a:noFill/>
-          <a:ln w="0">
-            <a:noFill/>
-            <a:prstDash/>
-          </a:ln>
-        </p:spPr>
-        <p:txBody>
-          <a:bodyPr wrap="square" lIns="89535" tIns="46355" rIns="89535" bIns="46355" numCol="1" vert="horz" anchor="t">
-            <a:spAutoFit/>
-          </a:bodyPr>
-          <a:lstStyle/>
-          <a:p>
-            <a:pPr marL="0" indent="0" algn="l" latinLnBrk="0" hangingPunct="1">
-              <a:buFontTx/>
-              <a:buNone/>
-            </a:pPr>
-            <a:r>
-              <a:rPr lang="ko-KR" sz="2000" b="1">
-                <a:solidFill>
-                  <a:srgbClr val="0611F2"/>
-                </a:solidFill>
-                <a:latin typeface="맑은 고딕" charset="0"/>
-                <a:ea typeface="맑은 고딕" charset="0"/>
-              </a:rPr>
-              <a:t>26</a:t>
-            </a:r>
-            <a:r>
-              <a:rPr sz="2000" b="1">
-                <a:solidFill>
-                  <a:srgbClr val="0611F2"/>
-                </a:solidFill>
-                <a:latin typeface="맑은 고딕" charset="0"/>
-                <a:ea typeface="맑은 고딕" charset="0"/>
-              </a:rPr>
-              <a:t>. </a:t>
-            </a:r>
-            <a:r>
-              <a:rPr lang="ko-KR" sz="1800">
-                <a:latin typeface="맑은 고딕" charset="0"/>
-                <a:ea typeface="맑은 고딕" charset="0"/>
-              </a:rPr>
-              <a:t>그다음으로 Delay 스크립트에 있는 Update( ) 함수에서 조건에 따라</a:t>
-            </a:r>
-            <a:endParaRPr lang="ko-KR" altLang="en-US" sz="1800">
-              <a:latin typeface="맑은 고딕" charset="0"/>
-              <a:ea typeface="맑은 고딕" charset="0"/>
-            </a:endParaRPr>
-          </a:p>
-          <a:p>
-            <a:pPr marL="0" indent="0" algn="l" latinLnBrk="0" hangingPunct="1">
-              <a:buFontTx/>
-              <a:buNone/>
-            </a:pPr>
-            <a:r>
-              <a:rPr lang="ko-KR" sz="1800">
-                <a:latin typeface="맑은 고딕" charset="0"/>
-                <a:ea typeface="맑은 고딕" charset="0"/>
-              </a:rPr>
-              <a:t>버튼 오브젝트를 비활성화 및 활성화하도록 선언합니다.</a:t>
-            </a:r>
-            <a:endParaRPr lang="ko-KR" altLang="en-US" sz="1800">
-              <a:latin typeface="맑은 고딕" charset="0"/>
-              <a:ea typeface="맑은 고딕" charset="0"/>
-            </a:endParaRPr>
-          </a:p>
-          <a:p>
-            <a:pPr marL="0" indent="0" algn="l" latinLnBrk="0" hangingPunct="1">
-              <a:buFontTx/>
-              <a:buNone/>
-            </a:pPr>
-            <a:endParaRPr lang="ko-KR" altLang="en-US" sz="1800">
-              <a:latin typeface="맑은 고딕" charset="0"/>
-              <a:ea typeface="맑은 고딕" charset="0"/>
-            </a:endParaRPr>
-          </a:p>
-          <a:p>
-            <a:pPr marL="0" indent="0" algn="l" latinLnBrk="0" hangingPunct="1">
-              <a:buFontTx/>
-              <a:buNone/>
-            </a:pPr>
-            <a:r>
-              <a:rPr lang="ko-KR" sz="1800">
-                <a:latin typeface="맑은 고딕" charset="0"/>
-                <a:ea typeface="맑은 고딕" charset="0"/>
-              </a:rPr>
-              <a:t>마지막으로 이미지에 fillAmount 값을 시간에 따라 변화하도록 설정합니다.</a:t>
-            </a:r>
-            <a:endParaRPr lang="ko-KR" altLang="en-US" sz="1800">
-              <a:latin typeface="맑은 고딕" charset="0"/>
-              <a:ea typeface="맑은 고딕" charset="0"/>
-            </a:endParaRPr>
-          </a:p>
-        </p:txBody>
-      </p:sp>
-      <p:pic>
-        <p:nvPicPr>
-          <p:cNvPr id="1110" name="그림 19"/>
-          <p:cNvPicPr>
-            <a:picLocks noChangeAspect="1"/>
-          </p:cNvPicPr>
-          <p:nvPr/>
-        </p:nvPicPr>
-        <p:blipFill rotWithShape="1">
-          <a:blip r:embed="rId2" cstate="print">
-            <a:extLst>
-              <a:ext uri="{28A0092B-C50C-407E-A947-70E740481C1C}">
-                <a14:useLocalDpi xmlns:a14="http://schemas.microsoft.com/office/drawing/2010/main" val="0"/>
-              </a:ext>
-            </a:extLst>
-          </a:blip>
-          <a:stretch>
-            <a:fillRect/>
-          </a:stretch>
-        </p:blipFill>
-        <p:spPr>
-          <a:xfrm rot="0">
-            <a:off x="1238250" y="1446530"/>
-            <a:ext cx="4149725" cy="3558540"/>
-          </a:xfrm>
-          <a:prstGeom prst="roundRect"/>
-          <a:solidFill>
-            <a:srgbClr val="EDEDED"/>
-          </a:solidFill>
-        </p:spPr>
-      </p:pic>
-      <p:pic>
-        <p:nvPicPr>
-          <p:cNvPr id="1111" name="그림 22"/>
-          <p:cNvPicPr>
-            <a:picLocks noChangeAspect="1"/>
-          </p:cNvPicPr>
-          <p:nvPr/>
-        </p:nvPicPr>
-        <p:blipFill rotWithShape="1">
-          <a:blip r:embed="rId3" cstate="print">
-            <a:extLst>
-              <a:ext uri="{28A0092B-C50C-407E-A947-70E740481C1C}">
-                <a14:useLocalDpi xmlns:a14="http://schemas.microsoft.com/office/drawing/2010/main" val="0"/>
-              </a:ext>
-            </a:extLst>
-          </a:blip>
-          <a:stretch>
-            <a:fillRect/>
-          </a:stretch>
-        </p:blipFill>
-        <p:spPr>
-          <a:xfrm rot="0">
-            <a:off x="6791960" y="1438275"/>
-            <a:ext cx="4173855" cy="2735580"/>
-          </a:xfrm>
-          <a:prstGeom prst="roundRect"/>
-          <a:solidFill>
-            <a:srgbClr val="EDEDED"/>
-          </a:solidFill>
-        </p:spPr>
-      </p:pic>
-    </p:spTree>
-  </p:cSld>
-  <p:clrMapOvr>
-    <a:masterClrMapping/>
-  </p:clrMapOvr>
-  <mc:AlternateContent xmlns:mc="http://schemas.openxmlformats.org/markup-compatibility/2006">
-    <mc:Choice xmlns:p14="http://schemas.microsoft.com/office/powerpoint/2010/main" Requires="p14">
-      <p:transition spd="slow" p14:dur="2000"/>
-    </mc:Choice>
-    <mc:Fallback>
-      <p:transition spd="slow"/>
-    </mc:Fallback>
-  </mc:AlternateContent>
-  <p:timing>
-    <p:tnLst>
-      <p:par>
-        <p:cTn id="1" dur="indefinite" restart="never" nodeType="tmRoot"/>
-      </p:par>
-    </p:tnLst>
-  </p:timing>
-</p:sld>
-</file>
-
-<file path=ppt/slides/slide14.xml><?xml version="1.0" encoding="utf-8"?>
-<p:sld xmlns:a="http://schemas.openxmlformats.org/drawingml/2006/main" xmlns:r="http://schemas.openxmlformats.org/officeDocument/2006/relationships" xmlns:p="http://schemas.openxmlformats.org/presentationml/2006/main" xmlns:p14="http://schemas.microsoft.com/office/powerpoint/2010/main">
-  <p:cSld>
-    <p:spTree>
-      <p:nvGrpSpPr>
-        <p:cNvPr id="1" name=""/>
-        <p:cNvGrpSpPr/>
-        <p:nvPr/>
-      </p:nvGrpSpPr>
-      <p:grpSpPr>
-        <a:xfrm>
-          <a:off x="0" y="0"/>
-          <a:ext cx="0" cy="0"/>
-          <a:chOff x="0" y="0"/>
-          <a:chExt cx="0" cy="0"/>
-        </a:xfrm>
-      </p:grpSpPr>
-      <p:sp>
-        <p:nvSpPr>
-          <p:cNvPr id="1031" name="Rect 0"/>
-          <p:cNvSpPr txBox="1">
-            <a:spLocks/>
-          </p:cNvSpPr>
-          <p:nvPr/>
-        </p:nvSpPr>
-        <p:spPr>
-          <a:xfrm rot="0">
             <a:off x="4595495" y="551180"/>
             <a:ext cx="3003550" cy="554990"/>
           </a:xfrm>
@@ -10060,7 +8805,7 @@
 </file>
 
 <file path=ppt/slides/slide2.xml><?xml version="1.0" encoding="utf-8"?>
-<p:sld xmlns:a="http://schemas.openxmlformats.org/drawingml/2006/main" xmlns:r="http://schemas.openxmlformats.org/officeDocument/2006/relationships" xmlns:p="http://schemas.openxmlformats.org/presentationml/2006/main" xmlns:p14="http://schemas.microsoft.com/office/powerpoint/2010/main">
+<p:sld xmlns:a="http://schemas.openxmlformats.org/drawingml/2006/main" xmlns:r="http://schemas.openxmlformats.org/officeDocument/2006/relationships" xmlns:p="http://schemas.openxmlformats.org/presentationml/2006/main">
   <p:cSld>
     <p:spTree>
       <p:nvGrpSpPr>
@@ -10086,8 +8831,8 @@
         </p:nvSpPr>
         <p:spPr>
           <a:xfrm rot="0">
-            <a:off x="4525010" y="372110"/>
-            <a:ext cx="3148965" cy="554990"/>
+            <a:off x="4540250" y="346710"/>
+            <a:ext cx="3124200" cy="478155"/>
           </a:xfrm>
           <a:prstGeom prst="rect"/>
           <a:noFill/>
@@ -10102,43 +8847,43 @@
           </a:bodyPr>
           <a:lstStyle/>
           <a:p>
-            <a:pPr marL="0" indent="0" algn="l" latinLnBrk="0">
-              <a:buFontTx/>
-              <a:buNone/>
-            </a:pPr>
-            <a:r>
-              <a:rPr lang="ko-KR" altLang="en-US" sz="3000" b="1">
+            <a:pPr marL="0" indent="0" algn="ctr" latinLnBrk="0">
+              <a:buFontTx/>
+              <a:buNone/>
+            </a:pPr>
+            <a:r>
+              <a:rPr lang="ko-KR" altLang="en-US" sz="2500" b="1">
                 <a:solidFill>
                   <a:schemeClr val="tx1"/>
                 </a:solidFill>
-                <a:latin typeface="맑은 고딕" charset="0"/>
-                <a:ea typeface="맑은 고딕" charset="0"/>
-              </a:rPr>
-              <a:t>두 번째 </a:t>
-            </a:r>
-            <a:r>
-              <a:rPr lang="ko-KR" altLang="en-US" sz="3000" b="1">
+                <a:latin typeface="나눔바른고딕" charset="0"/>
+                <a:ea typeface="나눔바른고딕" charset="0"/>
+              </a:rPr>
+              <a:t>두</a:t>
+            </a:r>
+            <a:r>
+              <a:rPr lang="ko-KR" altLang="en-US" sz="2500" b="1">
                 <a:solidFill>
                   <a:schemeClr val="tx1"/>
                 </a:solidFill>
-                <a:latin typeface="맑은 고딕" charset="0"/>
-                <a:ea typeface="맑은 고딕" charset="0"/>
-              </a:rPr>
-              <a:t>튜토리얼</a:t>
-            </a:r>
-            <a:endParaRPr lang="ko-KR" altLang="en-US" sz="3000" b="1">
+                <a:latin typeface="나눔바른고딕" charset="0"/>
+                <a:ea typeface="나눔바른고딕" charset="0"/>
+              </a:rPr>
+              <a:t> 번째 튜토리얼</a:t>
+            </a:r>
+            <a:endParaRPr lang="ko-KR" altLang="en-US" sz="2500" b="1">
               <a:solidFill>
                 <a:schemeClr val="tx1"/>
               </a:solidFill>
-              <a:latin typeface="맑은 고딕" charset="0"/>
-              <a:ea typeface="맑은 고딕" charset="0"/>
+              <a:latin typeface="나눔바른고딕" charset="0"/>
+              <a:ea typeface="나눔바른고딕" charset="0"/>
             </a:endParaRPr>
           </a:p>
         </p:txBody>
       </p:sp>
       <p:sp>
         <p:nvSpPr>
-          <p:cNvPr id="1032" name="텍스트 상자 6"/>
+          <p:cNvPr id="1044" name="Rect 0"/>
           <p:cNvSpPr txBox="1">
             <a:spLocks/>
           </p:cNvSpPr>
@@ -10146,8 +8891,8 @@
         </p:nvSpPr>
         <p:spPr>
           <a:xfrm rot="0">
-            <a:off x="1230630" y="4314825"/>
-            <a:ext cx="4140200" cy="1784985"/>
+            <a:off x="1240790" y="5296535"/>
+            <a:ext cx="4126230" cy="954405"/>
           </a:xfrm>
           <a:prstGeom prst="rect"/>
           <a:noFill/>
@@ -10167,16 +8912,6 @@
               <a:buNone/>
             </a:pPr>
             <a:r>
-              <a:rPr lang="ko-KR" sz="2000" b="1">
-                <a:solidFill>
-                  <a:srgbClr val="0611F2"/>
-                </a:solidFill>
-                <a:latin typeface="맑은 고딕" charset="0"/>
-                <a:ea typeface="맑은 고딕" charset="0"/>
-              </a:rPr>
-              <a:t>3</a:t>
-            </a:r>
-            <a:r>
               <a:rPr sz="2000" b="1">
                 <a:solidFill>
                   <a:srgbClr val="0611F2"/>
@@ -10184,59 +8919,94 @@
                 <a:latin typeface="맑은 고딕" charset="0"/>
                 <a:ea typeface="맑은 고딕" charset="0"/>
               </a:rPr>
-              <a:t>. </a:t>
+              <a:t>3</a:t>
+            </a:r>
+            <a:r>
+              <a:rPr sz="2000" b="1">
+                <a:solidFill>
+                  <a:srgbClr val="0611F2"/>
+                </a:solidFill>
+                <a:latin typeface="맑은 고딕" charset="0"/>
+                <a:ea typeface="맑은 고딕" charset="0"/>
+              </a:rPr>
+              <a:t>.</a:t>
+            </a:r>
+            <a:r>
+              <a:rPr sz="2000" b="1">
+                <a:solidFill>
+                  <a:srgbClr val="0611F2"/>
+                </a:solidFill>
+                <a:latin typeface="맑은 고딕" charset="0"/>
+                <a:ea typeface="맑은 고딕" charset="0"/>
+              </a:rPr>
+              <a:t> </a:t>
             </a:r>
             <a:r>
               <a:rPr lang="ko-KR" sz="1800">
                 <a:latin typeface="맑은 고딕" charset="0"/>
                 <a:ea typeface="맑은 고딕" charset="0"/>
               </a:rPr>
-              <a:t>이제 </a:t>
+              <a:t>그런 다음 UI에 Raw Image를 </a:t>
             </a:r>
             <a:r>
               <a:rPr lang="ko-KR" sz="1800">
                 <a:latin typeface="맑은 고딕" charset="0"/>
                 <a:ea typeface="맑은 고딕" charset="0"/>
               </a:rPr>
-              <a:t>Delay 스크립트에서 Action 변수와 Button 변수 그리고 각각의 float 변수와 bool 변수를 선언합니다.</a:t>
+              <a:t>생성하고</a:t>
+            </a:r>
+            <a:r>
+              <a:rPr lang="ko-KR" sz="1800">
+                <a:latin typeface="맑은 고딕" charset="0"/>
+                <a:ea typeface="맑은 고딕" charset="0"/>
+              </a:rPr>
+              <a:t> </a:t>
+            </a:r>
+            <a:r>
+              <a:rPr lang="ko-KR" sz="1800">
+                <a:latin typeface="맑은 고딕" charset="0"/>
+                <a:ea typeface="맑은 고딕" charset="0"/>
+              </a:rPr>
+              <a:t>Render Texture라는 </a:t>
+            </a:r>
+            <a:r>
+              <a:rPr lang="ko-KR" sz="1800">
+                <a:latin typeface="맑은 고딕" charset="0"/>
+                <a:ea typeface="맑은 고딕" charset="0"/>
+              </a:rPr>
+              <a:t>이름으</a:t>
+            </a:r>
+            <a:r>
+              <a:rPr lang="ko-KR" sz="1800">
+                <a:latin typeface="맑은 고딕" charset="0"/>
+                <a:ea typeface="맑은 고딕" charset="0"/>
+              </a:rPr>
+              <a:t>로</a:t>
+            </a:r>
+            <a:r>
+              <a:rPr lang="ko-KR" sz="1800">
+                <a:latin typeface="맑은 고딕" charset="0"/>
+                <a:ea typeface="맑은 고딕" charset="0"/>
+              </a:rPr>
+              <a:t> </a:t>
+            </a:r>
+            <a:r>
+              <a:rPr lang="ko-KR" sz="1800">
+                <a:latin typeface="맑은 고딕" charset="0"/>
+                <a:ea typeface="맑은 고딕" charset="0"/>
+              </a:rPr>
+              <a:t>정의합니다.</a:t>
             </a:r>
             <a:endParaRPr lang="ko-KR" altLang="en-US" sz="1800">
               <a:latin typeface="맑은 고딕" charset="0"/>
               <a:ea typeface="맑은 고딕" charset="0"/>
             </a:endParaRPr>
           </a:p>
-          <a:p>
-            <a:pPr marL="0" indent="0" algn="l" latinLnBrk="0" hangingPunct="1">
-              <a:buFontTx/>
-              <a:buNone/>
-            </a:pPr>
-            <a:endParaRPr lang="ko-KR" altLang="en-US" sz="1800">
-              <a:latin typeface="맑은 고딕" charset="0"/>
-              <a:ea typeface="맑은 고딕" charset="0"/>
-            </a:endParaRPr>
-          </a:p>
-          <a:p>
-            <a:pPr marL="0" indent="0" algn="l" latinLnBrk="0" hangingPunct="1">
-              <a:buFontTx/>
-              <a:buNone/>
-            </a:pPr>
-            <a:r>
-              <a:rPr lang="ko-KR" sz="1800">
-                <a:latin typeface="맑은 고딕" charset="0"/>
-                <a:ea typeface="맑은 고딕" charset="0"/>
-              </a:rPr>
-              <a:t>그러고 나서 Start( ) 함수에서 button 컴포넌트를 가져옵니다.</a:t>
-            </a:r>
-            <a:endParaRPr lang="ko-KR" altLang="en-US" sz="1800">
-              <a:latin typeface="맑은 고딕" charset="0"/>
-              <a:ea typeface="맑은 고딕" charset="0"/>
-            </a:endParaRPr>
-          </a:p>
-        </p:txBody>
-      </p:sp>
-      <p:sp>
-        <p:nvSpPr>
-          <p:cNvPr id="1034" name="텍스트 상자 8"/>
+        </p:txBody>
+      </p:sp>
+      <p:sp>
+        <p:nvSpPr>
+          <p:cNvPr id="1050" name="Rect 0"/>
           <p:cNvSpPr txBox="1">
             <a:spLocks/>
           </p:cNvSpPr>
@@ -10244,8 +9014,8 @@
         </p:nvSpPr>
         <p:spPr>
           <a:xfrm rot="0">
-            <a:off x="6801485" y="5149850"/>
-            <a:ext cx="4218305" cy="954405"/>
+            <a:off x="6800850" y="4467860"/>
+            <a:ext cx="4147820" cy="1784985"/>
           </a:xfrm>
           <a:prstGeom prst="rect"/>
           <a:noFill/>
@@ -10282,32 +9052,195 @@
                 <a:latin typeface="맑은 고딕" charset="0"/>
                 <a:ea typeface="맑은 고딕" charset="0"/>
               </a:rPr>
-              <a:t>. </a:t>
+              <a:t>.</a:t>
+            </a:r>
+            <a:r>
+              <a:rPr sz="2000" b="1">
+                <a:solidFill>
+                  <a:srgbClr val="0611F2"/>
+                </a:solidFill>
+                <a:latin typeface="맑은 고딕" charset="0"/>
+                <a:ea typeface="맑은 고딕" charset="0"/>
+              </a:rPr>
+              <a:t> </a:t>
             </a:r>
             <a:r>
               <a:rPr lang="ko-KR" sz="1800">
                 <a:latin typeface="맑은 고딕" charset="0"/>
                 <a:ea typeface="맑은 고딕" charset="0"/>
               </a:rPr>
-              <a:t>그다음으로 Generic Create Button을 선택하고 On Click 함수에 Event를 추가합니다.</a:t>
+              <a:t>그다음으로 UI에 Button을 생성한 </a:t>
+            </a:r>
+            <a:r>
+              <a:rPr lang="ko-KR" sz="1800">
+                <a:latin typeface="맑은 고딕" charset="0"/>
+                <a:ea typeface="맑은 고딕" charset="0"/>
+              </a:rPr>
+              <a:t>다음</a:t>
+            </a:r>
+            <a:r>
+              <a:rPr lang="ko-KR" sz="1800">
+                <a:latin typeface="맑은 고딕" charset="0"/>
+                <a:ea typeface="맑은 고딕" charset="0"/>
+              </a:rPr>
+              <a:t> Create</a:t>
+            </a:r>
+            <a:r>
+              <a:rPr lang="ko-KR" sz="1800">
+                <a:latin typeface="맑은 고딕" charset="0"/>
+                <a:ea typeface="맑은 고딕" charset="0"/>
+              </a:rPr>
+              <a:t> </a:t>
+            </a:r>
+            <a:r>
+              <a:rPr lang="ko-KR" sz="1800">
+                <a:latin typeface="맑은 고딕" charset="0"/>
+                <a:ea typeface="맑은 고딕" charset="0"/>
+              </a:rPr>
+              <a:t>Button이라는 이름으로</a:t>
+            </a:r>
+            <a:r>
+              <a:rPr lang="ko-KR" sz="1800">
+                <a:latin typeface="맑은 고딕" charset="0"/>
+                <a:ea typeface="맑은 고딕" charset="0"/>
+              </a:rPr>
+              <a:t> </a:t>
+            </a:r>
+            <a:r>
+              <a:rPr lang="ko-KR" sz="1800">
+                <a:latin typeface="맑은 고딕" charset="0"/>
+                <a:ea typeface="맑은 고딕" charset="0"/>
+              </a:rPr>
+              <a:t>정의합니다.</a:t>
             </a:r>
             <a:endParaRPr lang="ko-KR" altLang="en-US" sz="1800">
               <a:latin typeface="맑은 고딕" charset="0"/>
               <a:ea typeface="맑은 고딕" charset="0"/>
             </a:endParaRPr>
           </a:p>
+          <a:p>
+            <a:pPr marL="0" indent="0" algn="l" latinLnBrk="0" hangingPunct="1">
+              <a:buFontTx/>
+              <a:buNone/>
+            </a:pPr>
+            <a:endParaRPr lang="ko-KR" altLang="en-US" sz="1800">
+              <a:latin typeface="맑은 고딕" charset="0"/>
+              <a:ea typeface="맑은 고딕" charset="0"/>
+            </a:endParaRPr>
+          </a:p>
+          <a:p>
+            <a:pPr marL="0" indent="0" algn="l" latinLnBrk="0" hangingPunct="1">
+              <a:buFontTx/>
+              <a:buNone/>
+            </a:pPr>
+            <a:r>
+              <a:rPr lang="ko-KR" sz="1800">
+                <a:latin typeface="맑은 고딕" charset="0"/>
+                <a:ea typeface="맑은 고딕" charset="0"/>
+              </a:rPr>
+              <a:t>그러고</a:t>
+            </a:r>
+            <a:r>
+              <a:rPr lang="ko-KR" sz="1800">
+                <a:latin typeface="맑은 고딕" charset="0"/>
+                <a:ea typeface="맑은 고딕" charset="0"/>
+              </a:rPr>
+              <a:t> 나서 </a:t>
+            </a:r>
+            <a:r>
+              <a:rPr lang="ko-KR" sz="1800">
+                <a:latin typeface="맑은 고딕" charset="0"/>
+                <a:ea typeface="맑은 고딕" charset="0"/>
+              </a:rPr>
+              <a:t>Delay라는</a:t>
+            </a:r>
+            <a:r>
+              <a:rPr lang="ko-KR" sz="1800">
+                <a:latin typeface="맑은 고딕" charset="0"/>
+                <a:ea typeface="맑은 고딕" charset="0"/>
+              </a:rPr>
+              <a:t> </a:t>
+            </a:r>
+            <a:r>
+              <a:rPr lang="ko-KR" sz="1800">
+                <a:latin typeface="맑은 고딕" charset="0"/>
+                <a:ea typeface="맑은 고딕" charset="0"/>
+              </a:rPr>
+              <a:t>스크립트를 </a:t>
+            </a:r>
+            <a:r>
+              <a:rPr lang="ko-KR" sz="1800">
+                <a:latin typeface="맑은 고딕" charset="0"/>
+                <a:ea typeface="맑은 고딕" charset="0"/>
+              </a:rPr>
+              <a:t>생성</a:t>
+            </a:r>
+            <a:r>
+              <a:rPr lang="ko-KR" sz="1800">
+                <a:latin typeface="맑은 고딕" charset="0"/>
+                <a:ea typeface="맑은 고딕" charset="0"/>
+              </a:rPr>
+              <a:t>하고</a:t>
+            </a:r>
+            <a:r>
+              <a:rPr lang="ko-KR" sz="1800">
+                <a:latin typeface="맑은 고딕" charset="0"/>
+                <a:ea typeface="맑은 고딕" charset="0"/>
+              </a:rPr>
+              <a:t> </a:t>
+            </a:r>
+            <a:r>
+              <a:rPr lang="ko-KR" sz="1800">
+                <a:latin typeface="맑은 고딕" charset="0"/>
+                <a:ea typeface="맑은 고딕" charset="0"/>
+              </a:rPr>
+              <a:t>Create</a:t>
+            </a:r>
+            <a:r>
+              <a:rPr lang="ko-KR" sz="1800">
+                <a:latin typeface="맑은 고딕" charset="0"/>
+                <a:ea typeface="맑은 고딕" charset="0"/>
+              </a:rPr>
+              <a:t> </a:t>
+            </a:r>
+            <a:r>
+              <a:rPr lang="ko-KR" sz="1800">
+                <a:latin typeface="맑은 고딕" charset="0"/>
+                <a:ea typeface="맑은 고딕" charset="0"/>
+              </a:rPr>
+              <a:t>Button에</a:t>
+            </a:r>
+            <a:r>
+              <a:rPr lang="ko-KR" sz="1800">
+                <a:latin typeface="맑은 고딕" charset="0"/>
+                <a:ea typeface="맑은 고딕" charset="0"/>
+              </a:rPr>
+              <a:t> </a:t>
+            </a:r>
+            <a:r>
+              <a:rPr lang="ko-KR" sz="1800">
+                <a:latin typeface="맑은 고딕" charset="0"/>
+                <a:ea typeface="맑은 고딕" charset="0"/>
+              </a:rPr>
+              <a:t>넣어줍니다.</a:t>
+            </a:r>
+            <a:endParaRPr lang="ko-KR" altLang="en-US" sz="1800">
+              <a:latin typeface="맑은 고딕" charset="0"/>
+              <a:ea typeface="맑은 고딕" charset="0"/>
+            </a:endParaRPr>
+          </a:p>
         </p:txBody>
       </p:sp>
       <p:pic>
         <p:nvPicPr>
-          <p:cNvPr id="1035" name="그림 9"/>
+          <p:cNvPr id="1053" name="Picture " descr="C:/Users/Admin1/AppData/Roaming/PolarisOffice/ETemp/28716_10216168/fImage19561928467.png"/>
           <p:cNvPicPr>
             <a:picLocks noChangeAspect="1"/>
           </p:cNvPicPr>
           <p:nvPr/>
         </p:nvPicPr>
         <p:blipFill rotWithShape="1">
-          <a:blip r:embed="rId8" cstate="hqprint">
+          <a:blip r:embed="rId2" cstate="hqprint">
             <a:extLst>
               <a:ext uri="{28A0092B-C50C-407E-A947-70E740481C1C}">
                 <a14:useLocalDpi xmlns:a14="http://schemas.microsoft.com/office/drawing/2010/main"/>
@@ -10320,23 +9253,25 @@
         </p:blipFill>
         <p:spPr>
           <a:xfrm rot="0">
-            <a:off x="6797040" y="1373505"/>
-            <a:ext cx="4225925" cy="3634740"/>
-          </a:xfrm>
-          <a:prstGeom prst="rect"/>
-          <a:noFill/>
+            <a:off x="10028555" y="3514090"/>
+            <a:ext cx="678815" cy="758825"/>
+          </a:xfrm>
+          <a:prstGeom prst="roundRect"/>
+          <a:solidFill>
+            <a:srgbClr val="EDEDED"/>
+          </a:solidFill>
         </p:spPr>
       </p:pic>
       <p:pic>
         <p:nvPicPr>
-          <p:cNvPr id="1036" name="그림 13"/>
+          <p:cNvPr id="1055" name="그림 10" descr="C:/Users/Admin1/AppData/Roaming/PolarisOffice/ETemp/28716_10216168/fImage72742946500.png"/>
           <p:cNvPicPr>
             <a:picLocks noChangeAspect="1"/>
           </p:cNvPicPr>
           <p:nvPr/>
         </p:nvPicPr>
         <p:blipFill rotWithShape="1">
-          <a:blip r:embed="rId9" cstate="print">
+          <a:blip r:embed="rId3" cstate="print">
             <a:extLst>
               <a:ext uri="{28A0092B-C50C-407E-A947-70E740481C1C}">
                 <a14:useLocalDpi xmlns:a14="http://schemas.microsoft.com/office/drawing/2010/main" val="0"/>
@@ -10349,8 +9284,8 @@
         </p:blipFill>
         <p:spPr>
           <a:xfrm rot="0">
-            <a:off x="1238885" y="1381125"/>
-            <a:ext cx="4131945" cy="2859405"/>
+            <a:off x="4168775" y="2247900"/>
+            <a:ext cx="1198245" cy="2050415"/>
           </a:xfrm>
           <a:prstGeom prst="roundRect"/>
           <a:solidFill>
@@ -10358,6 +9293,133 @@
           </a:solidFill>
         </p:spPr>
       </p:pic>
+      <p:pic>
+        <p:nvPicPr>
+          <p:cNvPr id="1056" name="그림 11" descr="C:/Users/Admin1/AppData/Roaming/PolarisOffice/ETemp/28716_10216168/fImage223252959169.png"/>
+          <p:cNvPicPr>
+            <a:picLocks noChangeAspect="1"/>
+          </p:cNvPicPr>
+          <p:nvPr/>
+        </p:nvPicPr>
+        <p:blipFill rotWithShape="1">
+          <a:blip r:embed="rId4" cstate="print">
+            <a:extLst>
+              <a:ext uri="{28A0092B-C50C-407E-A947-70E740481C1C}">
+                <a14:useLocalDpi xmlns:a14="http://schemas.microsoft.com/office/drawing/2010/main" val="0"/>
+              </a:ext>
+            </a:extLst>
+          </a:blip>
+          <a:stretch>
+            <a:fillRect/>
+          </a:stretch>
+        </p:blipFill>
+        <p:spPr>
+          <a:xfrm rot="0">
+            <a:off x="1240790" y="1438275"/>
+            <a:ext cx="2799715" cy="3670300"/>
+          </a:xfrm>
+          <a:prstGeom prst="roundRect"/>
+          <a:solidFill>
+            <a:srgbClr val="EDEDED"/>
+          </a:solidFill>
+        </p:spPr>
+      </p:pic>
+      <p:pic>
+        <p:nvPicPr>
+          <p:cNvPr id="1057" name="그림 16" descr="C:/Users/Admin1/AppData/Roaming/PolarisOffice/ETemp/28716_10216168/fImage254672965724.png"/>
+          <p:cNvPicPr>
+            <a:picLocks noChangeAspect="1"/>
+          </p:cNvPicPr>
+          <p:nvPr/>
+        </p:nvPicPr>
+        <p:blipFill rotWithShape="1">
+          <a:blip r:embed="rId5" cstate="print">
+            <a:extLst>
+              <a:ext uri="{28A0092B-C50C-407E-A947-70E740481C1C}">
+                <a14:useLocalDpi xmlns:a14="http://schemas.microsoft.com/office/drawing/2010/main" val="0"/>
+              </a:ext>
+            </a:extLst>
+          </a:blip>
+          <a:stretch>
+            <a:fillRect/>
+          </a:stretch>
+        </p:blipFill>
+        <p:spPr>
+          <a:xfrm rot="0">
+            <a:off x="6801485" y="1438275"/>
+            <a:ext cx="2752090" cy="2834640"/>
+          </a:xfrm>
+          <a:prstGeom prst="roundRect"/>
+          <a:solidFill>
+            <a:srgbClr val="EDEDED"/>
+          </a:solidFill>
+        </p:spPr>
+      </p:pic>
+      <p:pic>
+        <p:nvPicPr>
+          <p:cNvPr id="1058" name="그림 19" descr="C:/Users/Admin1/AppData/Roaming/PolarisOffice/ETemp/28716_10216168/fImage77952971478.png"/>
+          <p:cNvPicPr>
+            <a:picLocks noChangeAspect="1"/>
+          </p:cNvPicPr>
+          <p:nvPr/>
+        </p:nvPicPr>
+        <p:blipFill rotWithShape="1">
+          <a:blip r:embed="rId6" cstate="print">
+            <a:extLst>
+              <a:ext uri="{28A0092B-C50C-407E-A947-70E740481C1C}">
+                <a14:useLocalDpi xmlns:a14="http://schemas.microsoft.com/office/drawing/2010/main" val="0"/>
+              </a:ext>
+            </a:extLst>
+          </a:blip>
+          <a:stretch>
+            <a:fillRect/>
+          </a:stretch>
+        </p:blipFill>
+        <p:spPr>
+          <a:xfrm rot="0">
+            <a:off x="9707880" y="1670685"/>
+            <a:ext cx="1240790" cy="1525270"/>
+          </a:xfrm>
+          <a:prstGeom prst="roundRect"/>
+          <a:solidFill>
+            <a:srgbClr val="EDEDED"/>
+          </a:solidFill>
+        </p:spPr>
+      </p:pic>
+      <p:cxnSp>
+        <p:nvCxnSpPr>
+          <p:cNvPr id="1054" name="Rect 0"/>
+          <p:cNvCxnSpPr>
+            <a:stCxn id="1053" idx="0"/>
+          </p:cNvCxnSpPr>
+          <p:nvPr/>
+        </p:nvCxnSpPr>
+        <p:spPr>
+          <a:xfrm rot="0" flipV="1">
+            <a:off x="10367645" y="3014980"/>
+            <a:ext cx="3810" cy="499745"/>
+          </a:xfrm>
+          <a:prstGeom prst="straightConnector1"/>
+          <a:ln w="6350" cap="flat" cmpd="sng">
+            <a:prstDash/>
+            <a:tailEnd type="triangle" w="med" len="med"/>
+          </a:ln>
+        </p:spPr>
+        <p:style>
+          <a:lnRef idx="1">
+            <a:schemeClr val="accent1"/>
+          </a:lnRef>
+          <a:fillRef idx="0">
+            <a:schemeClr val="accent1"/>
+          </a:fillRef>
+          <a:effectRef idx="0">
+            <a:schemeClr val="accent1"/>
+          </a:effectRef>
+          <a:fontRef idx="minor">
+            <a:schemeClr val="tx1"/>
+          </a:fontRef>
+        </p:style>
+      </p:cxnSp>
     </p:spTree>
   </p:cSld>
   <p:clrMapOvr>
@@ -10408,8 +9470,8 @@
         </p:nvSpPr>
         <p:spPr>
           <a:xfrm rot="0">
-            <a:off x="4514215" y="350520"/>
-            <a:ext cx="3169920" cy="554990"/>
+            <a:off x="4525010" y="372110"/>
+            <a:ext cx="3148965" cy="554990"/>
           </a:xfrm>
           <a:prstGeom prst="rect"/>
           <a:noFill/>
@@ -10436,7 +9498,7 @@
                 <a:latin typeface="맑은 고딕" charset="0"/>
                 <a:ea typeface="맑은 고딕" charset="0"/>
               </a:rPr>
-              <a:t>세 번째 </a:t>
+              <a:t>두 번째 </a:t>
             </a:r>
             <a:r>
               <a:rPr lang="ko-KR" altLang="en-US" sz="3000" b="1">
@@ -10460,7 +9522,7 @@
       </p:sp>
       <p:sp>
         <p:nvSpPr>
-          <p:cNvPr id="1054" name="Rect 0"/>
+          <p:cNvPr id="1032" name="텍스트 상자 6"/>
           <p:cNvSpPr txBox="1">
             <a:spLocks/>
           </p:cNvSpPr>
@@ -10468,8 +9530,8 @@
         </p:nvSpPr>
         <p:spPr>
           <a:xfrm rot="0">
-            <a:off x="6810375" y="4114800"/>
-            <a:ext cx="4151630" cy="2061845"/>
+            <a:off x="1230630" y="4314825"/>
+            <a:ext cx="4140200" cy="1784985"/>
           </a:xfrm>
           <a:prstGeom prst="rect"/>
           <a:noFill/>
@@ -10496,7 +9558,7 @@
                 <a:latin typeface="맑은 고딕" charset="0"/>
                 <a:ea typeface="맑은 고딕" charset="0"/>
               </a:rPr>
-              <a:t>6</a:t>
+              <a:t>3</a:t>
             </a:r>
             <a:r>
               <a:rPr sz="2000" b="1">
@@ -10513,28 +9575,14 @@
                 <a:latin typeface="맑은 고딕" charset="0"/>
                 <a:ea typeface="맑은 고딕" charset="0"/>
               </a:rPr>
-              <a:t>그</a:t>
+              <a:t>이제 </a:t>
             </a:r>
             <a:r>
               <a:rPr lang="ko-KR" sz="1800">
                 <a:latin typeface="맑은 고딕" charset="0"/>
                 <a:ea typeface="맑은 고딕" charset="0"/>
               </a:rPr>
-              <a:t>런 </a:t>
-            </a:r>
-            <a:r>
-              <a:rPr lang="ko-KR" sz="1800">
-                <a:latin typeface="맑은 고딕" charset="0"/>
-                <a:ea typeface="맑은 고딕" charset="0"/>
-              </a:rPr>
-              <a:t>다음 Create 스크립트에서 게임 오브젝트 변수와 </a:t>
-            </a:r>
-            <a:r>
-              <a:rPr lang="ko-KR" sz="1800">
-                <a:latin typeface="맑은 고딕" charset="0"/>
-                <a:ea typeface="맑은 고딕" charset="0"/>
-              </a:rPr>
-              <a:t>Transform 배열을 선언합니다.</a:t>
+              <a:t>Delay 스크립트에서 Action 변수와 Button 변수 그리고 각각의 float 변수와 bool 변수를 선언합니다.</a:t>
             </a:r>
             <a:endParaRPr lang="ko-KR" altLang="en-US" sz="1800">
               <a:latin typeface="맑은 고딕" charset="0"/>
@@ -10561,7 +9609,7 @@
                 <a:latin typeface="맑은 고딕" charset="0"/>
                 <a:ea typeface="맑은 고딕" charset="0"/>
               </a:rPr>
-              <a:t>그러고 나서 GenericCreate( ) 함수에 생성할 게임 오브젝트와 생성되는 위치 그리고 회전 값을 설정합니다.</a:t>
+              <a:t>그러고 나서 Start( ) 함수에서 button 컴포넌트를 가져옵니다.</a:t>
             </a:r>
             <a:endParaRPr lang="ko-KR" altLang="en-US" sz="1800">
               <a:latin typeface="맑은 고딕" charset="0"/>
@@ -10570,9 +9618,73 @@
           </a:p>
         </p:txBody>
       </p:sp>
+      <p:sp>
+        <p:nvSpPr>
+          <p:cNvPr id="1034" name="텍스트 상자 8"/>
+          <p:cNvSpPr txBox="1">
+            <a:spLocks/>
+          </p:cNvSpPr>
+          <p:nvPr/>
+        </p:nvSpPr>
+        <p:spPr>
+          <a:xfrm rot="0">
+            <a:off x="6801485" y="5149850"/>
+            <a:ext cx="4218305" cy="954405"/>
+          </a:xfrm>
+          <a:prstGeom prst="rect"/>
+          <a:noFill/>
+          <a:ln w="0">
+            <a:noFill/>
+            <a:prstDash/>
+          </a:ln>
+        </p:spPr>
+        <p:txBody>
+          <a:bodyPr wrap="square" lIns="89535" tIns="46355" rIns="89535" bIns="46355" numCol="1" vert="horz" anchor="t">
+            <a:spAutoFit/>
+          </a:bodyPr>
+          <a:lstStyle/>
+          <a:p>
+            <a:pPr marL="0" indent="0" algn="l" latinLnBrk="0" hangingPunct="1">
+              <a:buFontTx/>
+              <a:buNone/>
+            </a:pPr>
+            <a:r>
+              <a:rPr lang="ko-KR" sz="2000" b="1">
+                <a:solidFill>
+                  <a:srgbClr val="0611F2"/>
+                </a:solidFill>
+                <a:latin typeface="맑은 고딕" charset="0"/>
+                <a:ea typeface="맑은 고딕" charset="0"/>
+              </a:rPr>
+              <a:t>4</a:t>
+            </a:r>
+            <a:r>
+              <a:rPr sz="2000" b="1">
+                <a:solidFill>
+                  <a:srgbClr val="0611F2"/>
+                </a:solidFill>
+                <a:latin typeface="맑은 고딕" charset="0"/>
+                <a:ea typeface="맑은 고딕" charset="0"/>
+              </a:rPr>
+              <a:t>. </a:t>
+            </a:r>
+            <a:r>
+              <a:rPr lang="ko-KR" sz="1800">
+                <a:latin typeface="맑은 고딕" charset="0"/>
+                <a:ea typeface="맑은 고딕" charset="0"/>
+              </a:rPr>
+              <a:t>그다음으로 Generic Create Button을 선택하고 On Click 함수에 Event를 추가합니다.</a:t>
+            </a:r>
+            <a:endParaRPr lang="ko-KR" altLang="en-US" sz="1800">
+              <a:latin typeface="맑은 고딕" charset="0"/>
+              <a:ea typeface="맑은 고딕" charset="0"/>
+            </a:endParaRPr>
+          </a:p>
+        </p:txBody>
+      </p:sp>
       <p:pic>
         <p:nvPicPr>
-          <p:cNvPr id="1062" name="그림 10"/>
+          <p:cNvPr id="1035" name="그림 9"/>
           <p:cNvPicPr>
             <a:picLocks noChangeAspect="1"/>
           </p:cNvPicPr>
@@ -10592,72 +9704,16 @@
         </p:blipFill>
         <p:spPr>
           <a:xfrm rot="0">
-            <a:off x="1230630" y="1421130"/>
-            <a:ext cx="2747010" cy="3914775"/>
-          </a:xfrm>
-          <a:prstGeom prst="roundRect"/>
-          <a:solidFill>
-            <a:srgbClr val="EDEDED"/>
-          </a:solidFill>
+            <a:off x="6797040" y="1373505"/>
+            <a:ext cx="4225925" cy="3634740"/>
+          </a:xfrm>
+          <a:prstGeom prst="rect"/>
+          <a:noFill/>
         </p:spPr>
       </p:pic>
-      <p:sp>
-        <p:nvSpPr>
-          <p:cNvPr id="1063" name="텍스트 상자 13"/>
-          <p:cNvSpPr txBox="1">
-            <a:spLocks/>
-          </p:cNvSpPr>
-          <p:nvPr/>
-        </p:nvSpPr>
-        <p:spPr>
-          <a:xfrm rot="0">
-            <a:off x="1222375" y="5499100"/>
-            <a:ext cx="4160520" cy="677545"/>
-          </a:xfrm>
-          <a:prstGeom prst="rect"/>
-          <a:noFill/>
-          <a:ln w="0">
-            <a:noFill/>
-            <a:prstDash/>
-          </a:ln>
-        </p:spPr>
-        <p:txBody>
-          <a:bodyPr wrap="square" lIns="89535" tIns="46355" rIns="89535" bIns="46355" numCol="1" vert="horz" anchor="t">
-            <a:spAutoFit/>
-          </a:bodyPr>
-          <a:lstStyle/>
-          <a:p>
-            <a:pPr marL="0" indent="0" algn="l" latinLnBrk="0" hangingPunct="1">
-              <a:buFontTx/>
-              <a:buNone/>
-            </a:pPr>
-            <a:r>
-              <a:rPr sz="2000" b="1">
-                <a:solidFill>
-                  <a:srgbClr val="0611F2"/>
-                </a:solidFill>
-                <a:latin typeface="맑은 고딕" charset="0"/>
-                <a:ea typeface="맑은 고딕" charset="0"/>
-              </a:rPr>
-              <a:t>5. </a:t>
-            </a:r>
-            <a:r>
-              <a:rPr lang="ko-KR" sz="1800">
-                <a:latin typeface="맑은 고딕" charset="0"/>
-                <a:ea typeface="맑은 고딕" charset="0"/>
-              </a:rPr>
-              <a:t>그리고 3D Object를 선택하여 Plane 게임 오브젝트를 생성합니다.</a:t>
-            </a:r>
-            <a:endParaRPr lang="ko-KR" altLang="en-US" sz="1800">
-              <a:latin typeface="맑은 고딕" charset="0"/>
-              <a:ea typeface="맑은 고딕" charset="0"/>
-            </a:endParaRPr>
-          </a:p>
-        </p:txBody>
-      </p:sp>
       <p:pic>
         <p:nvPicPr>
-          <p:cNvPr id="1064" name="그림 14"/>
+          <p:cNvPr id="1036" name="그림 13"/>
           <p:cNvPicPr>
             <a:picLocks noChangeAspect="1"/>
           </p:cNvPicPr>
@@ -10677,39 +9733,8 @@
         </p:blipFill>
         <p:spPr>
           <a:xfrm rot="0">
-            <a:off x="4111625" y="2159000"/>
-            <a:ext cx="1262380" cy="2287270"/>
-          </a:xfrm>
-          <a:prstGeom prst="roundRect"/>
-          <a:solidFill>
-            <a:srgbClr val="EDEDED"/>
-          </a:solidFill>
-        </p:spPr>
-      </p:pic>
-      <p:pic>
-        <p:nvPicPr>
-          <p:cNvPr id="1065" name="그림 16"/>
-          <p:cNvPicPr>
-            <a:picLocks noChangeAspect="1"/>
-          </p:cNvPicPr>
-          <p:nvPr/>
-        </p:nvPicPr>
-        <p:blipFill rotWithShape="1">
-          <a:blip r:embed="rId11" cstate="print">
-            <a:extLst>
-              <a:ext uri="{28A0092B-C50C-407E-A947-70E740481C1C}">
-                <a14:useLocalDpi xmlns:a14="http://schemas.microsoft.com/office/drawing/2010/main" val="0"/>
-              </a:ext>
-            </a:extLst>
-          </a:blip>
-          <a:stretch>
-            <a:fillRect/>
-          </a:stretch>
-        </p:blipFill>
-        <p:spPr>
-          <a:xfrm rot="0">
-            <a:off x="6816725" y="1421765"/>
-            <a:ext cx="4140835" cy="2577465"/>
+            <a:off x="1238885" y="1381125"/>
+            <a:ext cx="4131945" cy="2859405"/>
           </a:xfrm>
           <a:prstGeom prst="roundRect"/>
           <a:solidFill>
@@ -10767,8 +9792,8 @@
         </p:nvSpPr>
         <p:spPr>
           <a:xfrm rot="0">
-            <a:off x="5036820" y="469265"/>
-            <a:ext cx="2121535" cy="554990"/>
+            <a:off x="4514215" y="350520"/>
+            <a:ext cx="3169920" cy="554990"/>
           </a:xfrm>
           <a:prstGeom prst="rect"/>
           <a:noFill/>
@@ -10795,7 +9820,17 @@
                 <a:latin typeface="맑은 고딕" charset="0"/>
                 <a:ea typeface="맑은 고딕" charset="0"/>
               </a:rPr>
-              <a:t>Instantiate</a:t>
+              <a:t>세 번째 </a:t>
+            </a:r>
+            <a:r>
+              <a:rPr lang="ko-KR" altLang="en-US" sz="3000" b="1">
+                <a:solidFill>
+                  <a:schemeClr val="tx1"/>
+                </a:solidFill>
+                <a:latin typeface="맑은 고딕" charset="0"/>
+                <a:ea typeface="맑은 고딕" charset="0"/>
+              </a:rPr>
+              <a:t>튜토리얼</a:t>
             </a:r>
             <a:endParaRPr lang="ko-KR" altLang="en-US" sz="3000" b="1">
               <a:solidFill>
@@ -10809,16 +9844,16 @@
       </p:sp>
       <p:sp>
         <p:nvSpPr>
-          <p:cNvPr id="1035" name="Rect 0"/>
+          <p:cNvPr id="1054" name="Rect 0"/>
           <p:cNvSpPr txBox="1">
             <a:spLocks/>
           </p:cNvSpPr>
           <p:nvPr/>
         </p:nvSpPr>
         <p:spPr>
-          <a:xfrm>
-            <a:off x="1172845" y="1414145"/>
-            <a:ext cx="4183380" cy="4523105"/>
+          <a:xfrm rot="0">
+            <a:off x="6810375" y="4114800"/>
+            <a:ext cx="4151630" cy="2061845"/>
           </a:xfrm>
           <a:prstGeom prst="rect"/>
           <a:noFill/>
@@ -10838,11 +9873,52 @@
               <a:buNone/>
             </a:pPr>
             <a:r>
+              <a:rPr lang="ko-KR" sz="2000" b="1">
+                <a:solidFill>
+                  <a:srgbClr val="0611F2"/>
+                </a:solidFill>
+                <a:latin typeface="맑은 고딕" charset="0"/>
+                <a:ea typeface="맑은 고딕" charset="0"/>
+              </a:rPr>
+              <a:t>6</a:t>
+            </a:r>
+            <a:r>
+              <a:rPr sz="2000" b="1">
+                <a:solidFill>
+                  <a:srgbClr val="0611F2"/>
+                </a:solidFill>
+                <a:latin typeface="맑은 고딕" charset="0"/>
+                <a:ea typeface="맑은 고딕" charset="0"/>
+              </a:rPr>
+              <a:t>. </a:t>
+            </a:r>
+            <a:r>
               <a:rPr lang="ko-KR" sz="1800">
                 <a:latin typeface="맑은 고딕" charset="0"/>
                 <a:ea typeface="맑은 고딕" charset="0"/>
               </a:rPr>
-              <a:t>Instantiate( )함수는 게임 오브젝트를 생성하는 함수입니다. </a:t>
+              <a:t>그</a:t>
+            </a:r>
+            <a:r>
+              <a:rPr lang="ko-KR" sz="1800">
+                <a:latin typeface="맑은 고딕" charset="0"/>
+                <a:ea typeface="맑은 고딕" charset="0"/>
+              </a:rPr>
+              <a:t>런 </a:t>
+            </a:r>
+            <a:r>
+              <a:rPr lang="ko-KR" sz="1800">
+                <a:latin typeface="맑은 고딕" charset="0"/>
+                <a:ea typeface="맑은 고딕" charset="0"/>
+              </a:rPr>
+              <a:t>다음 Create 스크립트에서 게임 오브젝트 변수와 </a:t>
+            </a:r>
+            <a:r>
+              <a:rPr lang="ko-KR" sz="1800">
+                <a:latin typeface="맑은 고딕" charset="0"/>
+                <a:ea typeface="맑은 고딕" charset="0"/>
+              </a:rPr>
+              <a:t>Transform 배열을 선언합니다.</a:t>
             </a:r>
             <a:endParaRPr lang="ko-KR" altLang="en-US" sz="1800">
               <a:latin typeface="맑은 고딕" charset="0"/>
@@ -10869,153 +9945,28 @@
                 <a:latin typeface="맑은 고딕" charset="0"/>
                 <a:ea typeface="맑은 고딕" charset="0"/>
               </a:rPr>
-              <a:t>그리고 생성할 때 생성</a:t>
-            </a:r>
-            <a:r>
-              <a:rPr lang="ko-KR" sz="1800">
-                <a:latin typeface="맑은 고딕" charset="0"/>
-                <a:ea typeface="맑은 고딕" charset="0"/>
-              </a:rPr>
-              <a:t>되는</a:t>
-            </a:r>
-            <a:r>
-              <a:rPr lang="ko-KR" sz="1800">
-                <a:latin typeface="맑은 고딕" charset="0"/>
-                <a:ea typeface="맑은 고딕" charset="0"/>
-              </a:rPr>
-              <a:t> 위치와 생성</a:t>
-            </a:r>
-            <a:r>
-              <a:rPr lang="ko-KR" sz="1800">
-                <a:latin typeface="맑은 고딕" charset="0"/>
-                <a:ea typeface="맑은 고딕" charset="0"/>
-              </a:rPr>
-              <a:t>될 때</a:t>
-            </a:r>
-            <a:r>
-              <a:rPr lang="ko-KR" sz="1800">
-                <a:latin typeface="맑은 고딕" charset="0"/>
-                <a:ea typeface="맑은 고딕" charset="0"/>
-              </a:rPr>
-              <a:t> 방향을 설정할 수 있습니다.</a:t>
+              <a:t>그러고 나서 GenericCreate( ) 함수에 생성할 게임 오브젝트와 생성되는 위치 그리고 회전 값을 설정합니다.</a:t>
             </a:r>
             <a:endParaRPr lang="ko-KR" altLang="en-US" sz="1800">
               <a:latin typeface="맑은 고딕" charset="0"/>
               <a:ea typeface="맑은 고딕" charset="0"/>
             </a:endParaRPr>
           </a:p>
-          <a:p>
-            <a:pPr marL="0" indent="0" algn="l" latinLnBrk="0" hangingPunct="1">
-              <a:buFontTx/>
-              <a:buNone/>
-            </a:pPr>
-            <a:endParaRPr lang="ko-KR" altLang="en-US" sz="1800">
-              <a:latin typeface="맑은 고딕" charset="0"/>
-              <a:ea typeface="맑은 고딕" charset="0"/>
-            </a:endParaRPr>
-          </a:p>
-          <a:p>
-            <a:pPr marL="0" indent="0" algn="l" latinLnBrk="0" hangingPunct="1">
-              <a:buFontTx/>
-              <a:buNone/>
-            </a:pPr>
-            <a:endParaRPr lang="ko-KR" altLang="en-US" sz="1800">
-              <a:latin typeface="맑은 고딕" charset="0"/>
-              <a:ea typeface="맑은 고딕" charset="0"/>
-            </a:endParaRPr>
-          </a:p>
-          <a:p>
-            <a:pPr marL="0" indent="0" algn="l" latinLnBrk="0" hangingPunct="1">
-              <a:buFontTx/>
-              <a:buNone/>
-            </a:pPr>
-            <a:endParaRPr lang="ko-KR" altLang="en-US" sz="1800">
-              <a:latin typeface="맑은 고딕" charset="0"/>
-              <a:ea typeface="맑은 고딕" charset="0"/>
-            </a:endParaRPr>
-          </a:p>
-          <a:p>
-            <a:pPr marL="0" indent="0" algn="l" latinLnBrk="0" hangingPunct="1">
-              <a:buFontTx/>
-              <a:buNone/>
-            </a:pPr>
-            <a:endParaRPr lang="ko-KR" altLang="en-US" sz="1800">
-              <a:latin typeface="맑은 고딕" charset="0"/>
-              <a:ea typeface="맑은 고딕" charset="0"/>
-            </a:endParaRPr>
-          </a:p>
-          <a:p>
-            <a:pPr marL="0" indent="0" algn="l" latinLnBrk="0" hangingPunct="1">
-              <a:buFontTx/>
-              <a:buNone/>
-            </a:pPr>
-            <a:endParaRPr lang="ko-KR" altLang="en-US" sz="1800">
-              <a:latin typeface="맑은 고딕" charset="0"/>
-              <a:ea typeface="맑은 고딕" charset="0"/>
-            </a:endParaRPr>
-          </a:p>
-          <a:p>
-            <a:pPr marL="0" indent="0" algn="l" latinLnBrk="0" hangingPunct="1">
-              <a:buFontTx/>
-              <a:buNone/>
-            </a:pPr>
-            <a:endParaRPr lang="ko-KR" altLang="en-US" sz="1800">
-              <a:latin typeface="맑은 고딕" charset="0"/>
-              <a:ea typeface="맑은 고딕" charset="0"/>
-            </a:endParaRPr>
-          </a:p>
-          <a:p>
-            <a:pPr marL="0" indent="0" algn="l" latinLnBrk="0" hangingPunct="1">
-              <a:buFontTx/>
-              <a:buNone/>
-            </a:pPr>
-            <a:endParaRPr lang="ko-KR" altLang="en-US" sz="1800">
-              <a:latin typeface="맑은 고딕" charset="0"/>
-              <a:ea typeface="맑은 고딕" charset="0"/>
-            </a:endParaRPr>
-          </a:p>
-          <a:p>
-            <a:pPr marL="0" indent="0" algn="l" latinLnBrk="0" hangingPunct="1">
-              <a:buFontTx/>
-              <a:buNone/>
-            </a:pPr>
-            <a:endParaRPr lang="ko-KR" altLang="en-US" sz="1800">
-              <a:latin typeface="맑은 고딕" charset="0"/>
-              <a:ea typeface="맑은 고딕" charset="0"/>
-            </a:endParaRPr>
-          </a:p>
-          <a:p>
-            <a:pPr marL="0" indent="0" algn="l" latinLnBrk="0" hangingPunct="1">
-              <a:buFontTx/>
-              <a:buNone/>
-            </a:pPr>
-            <a:r>
-              <a:rPr lang="ko-KR" sz="1800">
-                <a:latin typeface="맑은 고딕" charset="0"/>
-                <a:ea typeface="맑은 고딕" charset="0"/>
-              </a:rPr>
-              <a:t>게임 오브젝트의 생성은 메모리를 새로 할당하며, Managed Heap 영역에서 관리합니다.</a:t>
-            </a:r>
-            <a:endParaRPr lang="ko-KR" altLang="en-US" sz="1800">
-              <a:latin typeface="맑은 고딕" charset="0"/>
-              <a:ea typeface="맑은 고딕" charset="0"/>
-            </a:endParaRPr>
-          </a:p>
         </p:txBody>
       </p:sp>
       <p:pic>
         <p:nvPicPr>
-          <p:cNvPr id="1036" name="그림 1"/>
+          <p:cNvPr id="1065" name="그림 16"/>
           <p:cNvPicPr>
             <a:picLocks noChangeAspect="1"/>
           </p:cNvPicPr>
           <p:nvPr/>
         </p:nvPicPr>
         <p:blipFill rotWithShape="1">
-          <a:blip r:embed="rId4" cstate="hqprint">
+          <a:blip r:embed="rId11" cstate="print">
             <a:extLst>
               <a:ext uri="{28A0092B-C50C-407E-A947-70E740481C1C}">
-                <a14:useLocalDpi xmlns:a14="http://schemas.microsoft.com/office/drawing/2010/main"/>
+                <a14:useLocalDpi xmlns:a14="http://schemas.microsoft.com/office/drawing/2010/main" val="0"/>
               </a:ext>
             </a:extLst>
           </a:blip>
@@ -11025,86 +9976,13 @@
         </p:blipFill>
         <p:spPr>
           <a:xfrm rot="0">
-            <a:off x="6804660" y="1421765"/>
-            <a:ext cx="4077970" cy="3417570"/>
+            <a:off x="6816725" y="1421765"/>
+            <a:ext cx="4140835" cy="2577465"/>
           </a:xfrm>
           <a:prstGeom prst="roundRect"/>
           <a:solidFill>
             <a:srgbClr val="EDEDED"/>
           </a:solidFill>
-        </p:spPr>
-      </p:pic>
-      <p:sp>
-        <p:nvSpPr>
-          <p:cNvPr id="1037" name="텍스트 상자 4"/>
-          <p:cNvSpPr txBox="1">
-            <a:spLocks/>
-          </p:cNvSpPr>
-          <p:nvPr/>
-        </p:nvSpPr>
-        <p:spPr>
-          <a:xfrm rot="0">
-            <a:off x="6797040" y="5013960"/>
-            <a:ext cx="4096385" cy="925195"/>
-          </a:xfrm>
-          <a:prstGeom prst="rect"/>
-          <a:noFill/>
-          <a:ln w="0">
-            <a:noFill/>
-            <a:prstDash/>
-          </a:ln>
-        </p:spPr>
-        <p:txBody>
-          <a:bodyPr wrap="square" lIns="89535" tIns="46355" rIns="89535" bIns="46355" numCol="1" vert="horz" anchor="t">
-            <a:spAutoFit/>
-          </a:bodyPr>
-          <a:lstStyle/>
-          <a:p>
-            <a:pPr marL="0" indent="0" algn="l" latinLnBrk="0" hangingPunct="1">
-              <a:buFontTx/>
-              <a:buNone/>
-            </a:pPr>
-            <a:r>
-              <a:rPr lang="ko-KR" sz="1800">
-                <a:latin typeface="맑은 고딕" charset="0"/>
-                <a:ea typeface="맑은 고딕" charset="0"/>
-              </a:rPr>
-              <a:t>Instantiate로 게임 오브젝트를 생성하게 되면 (Clone)이라는 이름이 붙어서 생성됩니다. </a:t>
-            </a:r>
-            <a:endParaRPr lang="ko-KR" altLang="en-US" sz="1800">
-              <a:latin typeface="맑은 고딕" charset="0"/>
-              <a:ea typeface="맑은 고딕" charset="0"/>
-            </a:endParaRPr>
-          </a:p>
-        </p:txBody>
-      </p:sp>
-      <p:pic>
-        <p:nvPicPr>
-          <p:cNvPr id="1044" name="그림 145" descr="C:/Users/Admin1/AppData/Roaming/PolarisOffice/ETemp/8536_15965928/fImage688723905436.png"/>
-          <p:cNvPicPr>
-            <a:picLocks noChangeAspect="1"/>
-          </p:cNvPicPr>
-          <p:nvPr/>
-        </p:nvPicPr>
-        <p:blipFill rotWithShape="1">
-          <a:blip r:embed="rId13" cstate="hqprint">
-            <a:extLst>
-              <a:ext uri="{28A0092B-C50C-407E-A947-70E740481C1C}">
-                <a14:useLocalDpi xmlns:a14="http://schemas.microsoft.com/office/drawing/2010/main"/>
-              </a:ext>
-            </a:extLst>
-          </a:blip>
-          <a:stretch>
-            <a:fillRect/>
-          </a:stretch>
-        </p:blipFill>
-        <p:spPr>
-          <a:xfrm rot="0">
-            <a:off x="1230630" y="3075305"/>
-            <a:ext cx="4126230" cy="1779905"/>
-          </a:xfrm>
-          <a:prstGeom prst="rect"/>
-          <a:noFill/>
         </p:spPr>
       </p:pic>
     </p:spTree>
@@ -11157,8 +10035,8 @@
         </p:nvSpPr>
         <p:spPr>
           <a:xfrm rot="0">
-            <a:off x="4535170" y="361315"/>
-            <a:ext cx="3127375" cy="554990"/>
+            <a:off x="5036820" y="469265"/>
+            <a:ext cx="2121535" cy="554990"/>
           </a:xfrm>
           <a:prstGeom prst="rect"/>
           <a:noFill/>
@@ -11185,17 +10063,7 @@
                 <a:latin typeface="맑은 고딕" charset="0"/>
                 <a:ea typeface="맑은 고딕" charset="0"/>
               </a:rPr>
-              <a:t>네 번째</a:t>
-            </a:r>
-            <a:r>
-              <a:rPr lang="ko-KR" altLang="en-US" sz="3000" b="1">
-                <a:solidFill>
-                  <a:schemeClr val="tx1"/>
-                </a:solidFill>
-                <a:latin typeface="맑은 고딕" charset="0"/>
-                <a:ea typeface="맑은 고딕" charset="0"/>
-              </a:rPr>
-              <a:t> 튜토리얼</a:t>
+              <a:t>Instantiate</a:t>
             </a:r>
             <a:endParaRPr lang="ko-KR" altLang="en-US" sz="3000" b="1">
               <a:solidFill>
@@ -11209,7 +10077,7 @@
       </p:sp>
       <p:sp>
         <p:nvSpPr>
-          <p:cNvPr id="1032" name="텍스트 상자 20"/>
+          <p:cNvPr id="1035" name="Rect 0"/>
           <p:cNvSpPr txBox="1">
             <a:spLocks/>
           </p:cNvSpPr>
@@ -11217,8 +10085,8 @@
         </p:nvSpPr>
         <p:spPr>
           <a:xfrm rot="0">
-            <a:off x="1221740" y="5361305"/>
-            <a:ext cx="4125595" cy="677545"/>
+            <a:off x="1181735" y="1423035"/>
+            <a:ext cx="4184015" cy="4523740"/>
           </a:xfrm>
           <a:prstGeom prst="rect"/>
           <a:noFill/>
@@ -11238,113 +10106,223 @@
               <a:buNone/>
             </a:pPr>
             <a:r>
-              <a:rPr lang="ko-KR" sz="2000" b="1">
-                <a:solidFill>
-                  <a:srgbClr val="0611F2"/>
-                </a:solidFill>
-                <a:latin typeface="맑은 고딕" charset="0"/>
-                <a:ea typeface="맑은 고딕" charset="0"/>
-              </a:rPr>
-              <a:t>7</a:t>
-            </a:r>
-            <a:r>
-              <a:rPr sz="2000" b="1">
-                <a:solidFill>
-                  <a:srgbClr val="0611F2"/>
-                </a:solidFill>
-                <a:latin typeface="맑은 고딕" charset="0"/>
-                <a:ea typeface="맑은 고딕" charset="0"/>
-              </a:rPr>
-              <a:t>. </a:t>
-            </a:r>
-            <a:r>
               <a:rPr lang="ko-KR" sz="1800">
                 <a:latin typeface="맑은 고딕" charset="0"/>
                 <a:ea typeface="맑은 고딕" charset="0"/>
               </a:rPr>
-              <a:t>이제 On Click 함수의 Event에 Create Object 오브젝트를 넣어줍니다.</a:t>
+              <a:t>Instantiate(</a:t>
+            </a:r>
+            <a:r>
+              <a:rPr lang="ko-KR" sz="1800">
+                <a:latin typeface="맑은 고딕" charset="0"/>
+                <a:ea typeface="맑은 고딕" charset="0"/>
+              </a:rPr>
+              <a:t> )함수는 게임 오브젝트를 </a:t>
+            </a:r>
+            <a:r>
+              <a:rPr lang="ko-KR" sz="1800">
+                <a:latin typeface="맑은 고딕" charset="0"/>
+                <a:ea typeface="맑은 고딕" charset="0"/>
+              </a:rPr>
+              <a:t>생성하는</a:t>
+            </a:r>
+            <a:r>
+              <a:rPr lang="ko-KR" sz="1800">
+                <a:latin typeface="맑은 고딕" charset="0"/>
+                <a:ea typeface="맑은 고딕" charset="0"/>
+              </a:rPr>
+              <a:t> 함수입니다. </a:t>
             </a:r>
             <a:endParaRPr lang="ko-KR" altLang="en-US" sz="1800">
               <a:latin typeface="맑은 고딕" charset="0"/>
               <a:ea typeface="맑은 고딕" charset="0"/>
             </a:endParaRPr>
           </a:p>
-        </p:txBody>
-      </p:sp>
-      <p:sp>
-        <p:nvSpPr>
-          <p:cNvPr id="1033" name="텍스트 상자 21"/>
-          <p:cNvSpPr txBox="1">
-            <a:spLocks/>
-          </p:cNvSpPr>
-          <p:nvPr/>
-        </p:nvSpPr>
-        <p:spPr>
-          <a:xfrm rot="0">
-            <a:off x="6801485" y="5082540"/>
-            <a:ext cx="4152900" cy="954405"/>
-          </a:xfrm>
-          <a:prstGeom prst="rect"/>
-          <a:noFill/>
-          <a:ln w="0">
-            <a:noFill/>
-            <a:prstDash/>
-          </a:ln>
-        </p:spPr>
-        <p:txBody>
-          <a:bodyPr wrap="square" lIns="89535" tIns="46355" rIns="89535" bIns="46355" numCol="1" vert="horz" anchor="t">
-            <a:spAutoFit/>
-          </a:bodyPr>
-          <a:lstStyle/>
           <a:p>
             <a:pPr marL="0" indent="0" algn="l" latinLnBrk="0" hangingPunct="1">
               <a:buFontTx/>
               <a:buNone/>
             </a:pPr>
-            <a:r>
-              <a:rPr lang="ko-KR" sz="2000" b="1">
-                <a:solidFill>
-                  <a:srgbClr val="0611F2"/>
-                </a:solidFill>
-                <a:latin typeface="맑은 고딕" charset="0"/>
-                <a:ea typeface="맑은 고딕" charset="0"/>
-              </a:rPr>
-              <a:t>8</a:t>
-            </a:r>
-            <a:r>
-              <a:rPr sz="2000" b="1">
-                <a:solidFill>
-                  <a:srgbClr val="0611F2"/>
-                </a:solidFill>
-                <a:latin typeface="맑은 고딕" charset="0"/>
-                <a:ea typeface="맑은 고딕" charset="0"/>
-              </a:rPr>
-              <a:t>. </a:t>
-            </a:r>
-            <a:r>
-              <a:rPr lang="ko-KR" sz="1800">
-                <a:latin typeface="맑은 고딕" charset="0"/>
-                <a:ea typeface="맑은 고딕" charset="0"/>
-              </a:rPr>
-              <a:t>그리고 Button Event로 사용할 Create.GenericCreate( )함수를 설정합니다.</a:t>
-            </a:r>
             <a:endParaRPr lang="ko-KR" altLang="en-US" sz="1800">
               <a:latin typeface="맑은 고딕" charset="0"/>
               <a:ea typeface="맑은 고딕" charset="0"/>
             </a:endParaRPr>
           </a:p>
+          <a:p>
+            <a:pPr marL="0" indent="0" algn="l" latinLnBrk="0" hangingPunct="1">
+              <a:buFontTx/>
+              <a:buNone/>
+            </a:pPr>
+            <a:r>
+              <a:rPr lang="ko-KR" sz="1800">
+                <a:latin typeface="맑은 고딕" charset="0"/>
+                <a:ea typeface="맑은 고딕" charset="0"/>
+              </a:rPr>
+              <a:t>그리고</a:t>
+            </a:r>
+            <a:r>
+              <a:rPr lang="ko-KR" sz="1800">
+                <a:latin typeface="맑은 고딕" charset="0"/>
+                <a:ea typeface="맑은 고딕" charset="0"/>
+              </a:rPr>
+              <a:t> 생성할 때 생성되는 위치와 </a:t>
+            </a:r>
+            <a:r>
+              <a:rPr lang="ko-KR" sz="1800">
+                <a:latin typeface="맑은 고딕" charset="0"/>
+                <a:ea typeface="맑은 고딕" charset="0"/>
+              </a:rPr>
+              <a:t>생성될</a:t>
+            </a:r>
+            <a:r>
+              <a:rPr lang="ko-KR" sz="1800">
+                <a:latin typeface="맑은 고딕" charset="0"/>
+                <a:ea typeface="맑은 고딕" charset="0"/>
+              </a:rPr>
+              <a:t> 때 방향을 설정할 수 있습니다.</a:t>
+            </a:r>
+            <a:endParaRPr lang="ko-KR" altLang="en-US" sz="1800">
+              <a:latin typeface="맑은 고딕" charset="0"/>
+              <a:ea typeface="맑은 고딕" charset="0"/>
+            </a:endParaRPr>
+          </a:p>
+          <a:p>
+            <a:pPr marL="0" indent="0" algn="l" latinLnBrk="0" hangingPunct="1">
+              <a:buFontTx/>
+              <a:buNone/>
+            </a:pPr>
+            <a:endParaRPr lang="ko-KR" altLang="en-US" sz="1800">
+              <a:latin typeface="맑은 고딕" charset="0"/>
+              <a:ea typeface="맑은 고딕" charset="0"/>
+            </a:endParaRPr>
+          </a:p>
+          <a:p>
+            <a:pPr marL="0" indent="0" algn="l" latinLnBrk="0" hangingPunct="1">
+              <a:buFontTx/>
+              <a:buNone/>
+            </a:pPr>
+            <a:endParaRPr lang="ko-KR" altLang="en-US" sz="1800">
+              <a:latin typeface="맑은 고딕" charset="0"/>
+              <a:ea typeface="맑은 고딕" charset="0"/>
+            </a:endParaRPr>
+          </a:p>
+          <a:p>
+            <a:pPr marL="0" indent="0" algn="l" latinLnBrk="0" hangingPunct="1">
+              <a:buFontTx/>
+              <a:buNone/>
+            </a:pPr>
+            <a:endParaRPr lang="ko-KR" altLang="en-US" sz="1800">
+              <a:latin typeface="맑은 고딕" charset="0"/>
+              <a:ea typeface="맑은 고딕" charset="0"/>
+            </a:endParaRPr>
+          </a:p>
+          <a:p>
+            <a:pPr marL="0" indent="0" algn="l" latinLnBrk="0" hangingPunct="1">
+              <a:buFontTx/>
+              <a:buNone/>
+            </a:pPr>
+            <a:endParaRPr lang="ko-KR" altLang="en-US" sz="1800">
+              <a:latin typeface="맑은 고딕" charset="0"/>
+              <a:ea typeface="맑은 고딕" charset="0"/>
+            </a:endParaRPr>
+          </a:p>
+          <a:p>
+            <a:pPr marL="0" indent="0" algn="l" latinLnBrk="0" hangingPunct="1">
+              <a:buFontTx/>
+              <a:buNone/>
+            </a:pPr>
+            <a:endParaRPr lang="ko-KR" altLang="en-US" sz="1800">
+              <a:latin typeface="맑은 고딕" charset="0"/>
+              <a:ea typeface="맑은 고딕" charset="0"/>
+            </a:endParaRPr>
+          </a:p>
+          <a:p>
+            <a:pPr marL="0" indent="0" algn="l" latinLnBrk="0" hangingPunct="1">
+              <a:buFontTx/>
+              <a:buNone/>
+            </a:pPr>
+            <a:endParaRPr lang="ko-KR" altLang="en-US" sz="1800">
+              <a:latin typeface="맑은 고딕" charset="0"/>
+              <a:ea typeface="맑은 고딕" charset="0"/>
+            </a:endParaRPr>
+          </a:p>
+          <a:p>
+            <a:pPr marL="0" indent="0" algn="l" latinLnBrk="0" hangingPunct="1">
+              <a:buFontTx/>
+              <a:buNone/>
+            </a:pPr>
+            <a:endParaRPr lang="ko-KR" altLang="en-US" sz="1800">
+              <a:latin typeface="맑은 고딕" charset="0"/>
+              <a:ea typeface="맑은 고딕" charset="0"/>
+            </a:endParaRPr>
+          </a:p>
+          <a:p>
+            <a:pPr marL="0" indent="0" algn="l" latinLnBrk="0" hangingPunct="1">
+              <a:buFontTx/>
+              <a:buNone/>
+            </a:pPr>
+            <a:endParaRPr lang="ko-KR" altLang="en-US" sz="1800">
+              <a:latin typeface="맑은 고딕" charset="0"/>
+              <a:ea typeface="맑은 고딕" charset="0"/>
+            </a:endParaRPr>
+          </a:p>
+          <a:p>
+            <a:pPr marL="0" indent="0" algn="l" latinLnBrk="0" hangingPunct="1">
+              <a:buFontTx/>
+              <a:buNone/>
+            </a:pPr>
+            <a:r>
+              <a:rPr lang="ko-KR" sz="1800">
+                <a:latin typeface="맑은 고딕" charset="0"/>
+                <a:ea typeface="맑은 고딕" charset="0"/>
+              </a:rPr>
+              <a:t>게임</a:t>
+            </a:r>
+            <a:r>
+              <a:rPr lang="ko-KR" sz="1800">
+                <a:latin typeface="맑은 고딕" charset="0"/>
+                <a:ea typeface="맑은 고딕" charset="0"/>
+              </a:rPr>
+              <a:t> 오브젝트의 생성은 메모리를 새로 </a:t>
+            </a:r>
+            <a:r>
+              <a:rPr lang="ko-KR" sz="1800">
+                <a:latin typeface="맑은 고딕" charset="0"/>
+                <a:ea typeface="맑은 고딕" charset="0"/>
+              </a:rPr>
+              <a:t>할당하며,</a:t>
+            </a:r>
+            <a:r>
+              <a:rPr lang="ko-KR" sz="1800">
+                <a:latin typeface="맑은 고딕" charset="0"/>
+                <a:ea typeface="맑은 고딕" charset="0"/>
+              </a:rPr>
+              <a:t> Managed Heap 영역에서 </a:t>
+            </a:r>
+            <a:r>
+              <a:rPr lang="ko-KR" sz="1800">
+                <a:latin typeface="맑은 고딕" charset="0"/>
+                <a:ea typeface="맑은 고딕" charset="0"/>
+              </a:rPr>
+              <a:t>관리합니다.</a:t>
+            </a:r>
+            <a:endParaRPr lang="ko-KR" altLang="en-US" sz="1800">
+              <a:latin typeface="맑은 고딕" charset="0"/>
+              <a:ea typeface="맑은 고딕" charset="0"/>
+            </a:endParaRPr>
+          </a:p>
         </p:txBody>
       </p:sp>
       <p:pic>
         <p:nvPicPr>
-          <p:cNvPr id="1034" name="그림 22"/>
+          <p:cNvPr id="1036" name="그림 1"/>
           <p:cNvPicPr>
             <a:picLocks noChangeAspect="1"/>
           </p:cNvPicPr>
           <p:nvPr/>
         </p:nvPicPr>
         <p:blipFill rotWithShape="1">
-          <a:blip r:embed="rId8" cstate="hqprint">
+          <a:blip r:embed="rId4" cstate="hqprint">
             <a:extLst>
               <a:ext uri="{28A0092B-C50C-407E-A947-70E740481C1C}">
                 <a14:useLocalDpi xmlns:a14="http://schemas.microsoft.com/office/drawing/2010/main"/>
@@ -11357,23 +10335,69 @@
         </p:blipFill>
         <p:spPr>
           <a:xfrm rot="0">
-            <a:off x="2876550" y="1373505"/>
-            <a:ext cx="2479040" cy="3797935"/>
+            <a:off x="6804660" y="1421765"/>
+            <a:ext cx="4077970" cy="3417570"/>
+          </a:xfrm>
+          <a:prstGeom prst="roundRect"/>
+          <a:solidFill>
+            <a:srgbClr val="EDEDED"/>
+          </a:solidFill>
+        </p:spPr>
+      </p:pic>
+      <p:sp>
+        <p:nvSpPr>
+          <p:cNvPr id="1037" name="텍스트 상자 4"/>
+          <p:cNvSpPr txBox="1">
+            <a:spLocks/>
+          </p:cNvSpPr>
+          <p:nvPr/>
+        </p:nvSpPr>
+        <p:spPr>
+          <a:xfrm rot="0">
+            <a:off x="6797040" y="5013960"/>
+            <a:ext cx="4096385" cy="925195"/>
           </a:xfrm>
           <a:prstGeom prst="rect"/>
           <a:noFill/>
-        </p:spPr>
-      </p:pic>
+          <a:ln w="0">
+            <a:noFill/>
+            <a:prstDash/>
+          </a:ln>
+        </p:spPr>
+        <p:txBody>
+          <a:bodyPr wrap="square" lIns="89535" tIns="46355" rIns="89535" bIns="46355" numCol="1" vert="horz" anchor="t">
+            <a:spAutoFit/>
+          </a:bodyPr>
+          <a:lstStyle/>
+          <a:p>
+            <a:pPr marL="0" indent="0" algn="l" latinLnBrk="0" hangingPunct="1">
+              <a:buFontTx/>
+              <a:buNone/>
+            </a:pPr>
+            <a:r>
+              <a:rPr lang="ko-KR" sz="1800">
+                <a:latin typeface="맑은 고딕" charset="0"/>
+                <a:ea typeface="맑은 고딕" charset="0"/>
+              </a:rPr>
+              <a:t>Instantiate로 게임 오브젝트를 생성하게 되면 (Clone)이라는 이름이 붙어서 생성됩니다. </a:t>
+            </a:r>
+            <a:endParaRPr lang="ko-KR" altLang="en-US" sz="1800">
+              <a:latin typeface="맑은 고딕" charset="0"/>
+              <a:ea typeface="맑은 고딕" charset="0"/>
+            </a:endParaRPr>
+          </a:p>
+        </p:txBody>
+      </p:sp>
       <p:pic>
         <p:nvPicPr>
-          <p:cNvPr id="1037" name="그림 25"/>
+          <p:cNvPr id="1044" name="그림 145" descr="C:/Users/Admin1/AppData/Roaming/PolarisOffice/ETemp/28716_10216168/fImage688723905436.png"/>
           <p:cNvPicPr>
             <a:picLocks noChangeAspect="1"/>
           </p:cNvPicPr>
           <p:nvPr/>
         </p:nvPicPr>
         <p:blipFill rotWithShape="1">
-          <a:blip r:embed="rId9" cstate="hqprint">
+          <a:blip r:embed="rId13" cstate="hqprint">
             <a:extLst>
               <a:ext uri="{28A0092B-C50C-407E-A947-70E740481C1C}">
                 <a14:useLocalDpi xmlns:a14="http://schemas.microsoft.com/office/drawing/2010/main"/>
@@ -11386,76 +10410,13 @@
         </p:blipFill>
         <p:spPr>
           <a:xfrm rot="0">
-            <a:off x="6814820" y="1390015"/>
-            <a:ext cx="4139565" cy="3572510"/>
+            <a:off x="1179195" y="3032125"/>
+            <a:ext cx="4196715" cy="1780540"/>
           </a:xfrm>
           <a:prstGeom prst="rect"/>
           <a:noFill/>
         </p:spPr>
       </p:pic>
-      <p:pic>
-        <p:nvPicPr>
-          <p:cNvPr id="1038" name="그림 26"/>
-          <p:cNvPicPr>
-            <a:picLocks noChangeAspect="1"/>
-          </p:cNvPicPr>
-          <p:nvPr/>
-        </p:nvPicPr>
-        <p:blipFill rotWithShape="1">
-          <a:blip r:embed="rId10" cstate="hqprint">
-            <a:extLst>
-              <a:ext uri="{28A0092B-C50C-407E-A947-70E740481C1C}">
-                <a14:useLocalDpi xmlns:a14="http://schemas.microsoft.com/office/drawing/2010/main"/>
-              </a:ext>
-            </a:extLst>
-          </a:blip>
-          <a:stretch>
-            <a:fillRect/>
-          </a:stretch>
-        </p:blipFill>
-        <p:spPr>
-          <a:xfrm rot="0">
-            <a:off x="1230630" y="1984375"/>
-            <a:ext cx="1485265" cy="2205990"/>
-          </a:xfrm>
-          <a:prstGeom prst="roundRect"/>
-          <a:solidFill>
-            <a:srgbClr val="EDEDED"/>
-          </a:solidFill>
-        </p:spPr>
-      </p:pic>
-      <p:cxnSp>
-        <p:nvCxnSpPr>
-          <p:cNvPr id="1036" name="도형 24"/>
-          <p:cNvCxnSpPr/>
-          <p:nvPr/>
-        </p:nvCxnSpPr>
-        <p:spPr>
-          <a:xfrm rot="0">
-            <a:off x="2377440" y="3075940"/>
-            <a:ext cx="1264285" cy="1729740"/>
-          </a:xfrm>
-          <a:prstGeom prst="straightConnector1"/>
-          <a:ln w="6350" cap="flat" cmpd="sng">
-            <a:prstDash/>
-            <a:tailEnd type="triangle" w="med" len="med"/>
-          </a:ln>
-        </p:spPr>
-        <p:style>
-          <a:lnRef idx="1">
-            <a:schemeClr val="accent1"/>
-          </a:lnRef>
-          <a:fillRef idx="0">
-            <a:schemeClr val="accent1"/>
-          </a:fillRef>
-          <a:effectRef idx="0">
-            <a:schemeClr val="accent1"/>
-          </a:effectRef>
-          <a:fontRef idx="minor">
-            <a:schemeClr val="tx1"/>
-          </a:fontRef>
-        </p:style>
-      </p:cxnSp>
     </p:spTree>
   </p:cSld>
   <p:clrMapOvr>
@@ -11506,8 +10467,8 @@
         </p:nvSpPr>
         <p:spPr>
           <a:xfrm rot="0">
-            <a:off x="4343400" y="382270"/>
-            <a:ext cx="3521075" cy="554990"/>
+            <a:off x="4535170" y="361315"/>
+            <a:ext cx="3127375" cy="554990"/>
           </a:xfrm>
           <a:prstGeom prst="rect"/>
           <a:noFill/>
@@ -11534,7 +10495,7 @@
                 <a:latin typeface="맑은 고딕" charset="0"/>
                 <a:ea typeface="맑은 고딕" charset="0"/>
               </a:rPr>
-              <a:t>다섯 번째 </a:t>
+              <a:t>네 번째</a:t>
             </a:r>
             <a:r>
               <a:rPr lang="ko-KR" altLang="en-US" sz="3000" b="1">
@@ -11544,7 +10505,7 @@
                 <a:latin typeface="맑은 고딕" charset="0"/>
                 <a:ea typeface="맑은 고딕" charset="0"/>
               </a:rPr>
-              <a:t>튜토리얼</a:t>
+              <a:t> 튜토리얼</a:t>
             </a:r>
             <a:endParaRPr lang="ko-KR" altLang="en-US" sz="3000" b="1">
               <a:solidFill>
@@ -11558,7 +10519,7 @@
       </p:sp>
       <p:sp>
         <p:nvSpPr>
-          <p:cNvPr id="1051" name="Rect 0"/>
+          <p:cNvPr id="1032" name="텍스트 상자 20"/>
           <p:cNvSpPr txBox="1">
             <a:spLocks/>
           </p:cNvSpPr>
@@ -11566,8 +10527,8 @@
         </p:nvSpPr>
         <p:spPr>
           <a:xfrm rot="0">
-            <a:off x="1221740" y="2866390"/>
-            <a:ext cx="4165600" cy="954405"/>
+            <a:off x="1221740" y="5361305"/>
+            <a:ext cx="4125595" cy="677545"/>
           </a:xfrm>
           <a:prstGeom prst="rect"/>
           <a:noFill/>
@@ -11594,7 +10555,7 @@
                 <a:latin typeface="맑은 고딕" charset="0"/>
                 <a:ea typeface="맑은 고딕" charset="0"/>
               </a:rPr>
-              <a:t>9</a:t>
+              <a:t>7</a:t>
             </a:r>
             <a:r>
               <a:rPr sz="2000" b="1">
@@ -11611,7 +10572,7 @@
                 <a:latin typeface="맑은 고딕" charset="0"/>
                 <a:ea typeface="맑은 고딕" charset="0"/>
               </a:rPr>
-              <a:t>그런 다음 Generic Create Button의 앵커를 지정하고 위치와 크기를 설정합니다.</a:t>
+              <a:t>이제 On Click 함수의 Event에 Create Object 오브젝트를 넣어줍니다.</a:t>
             </a:r>
             <a:endParaRPr lang="ko-KR" altLang="en-US" sz="1800">
               <a:latin typeface="맑은 고딕" charset="0"/>
@@ -11620,9 +10581,73 @@
           </a:p>
         </p:txBody>
       </p:sp>
+      <p:sp>
+        <p:nvSpPr>
+          <p:cNvPr id="1033" name="텍스트 상자 21"/>
+          <p:cNvSpPr txBox="1">
+            <a:spLocks/>
+          </p:cNvSpPr>
+          <p:nvPr/>
+        </p:nvSpPr>
+        <p:spPr>
+          <a:xfrm rot="0">
+            <a:off x="6801485" y="5082540"/>
+            <a:ext cx="4152900" cy="954405"/>
+          </a:xfrm>
+          <a:prstGeom prst="rect"/>
+          <a:noFill/>
+          <a:ln w="0">
+            <a:noFill/>
+            <a:prstDash/>
+          </a:ln>
+        </p:spPr>
+        <p:txBody>
+          <a:bodyPr wrap="square" lIns="89535" tIns="46355" rIns="89535" bIns="46355" numCol="1" vert="horz" anchor="t">
+            <a:spAutoFit/>
+          </a:bodyPr>
+          <a:lstStyle/>
+          <a:p>
+            <a:pPr marL="0" indent="0" algn="l" latinLnBrk="0" hangingPunct="1">
+              <a:buFontTx/>
+              <a:buNone/>
+            </a:pPr>
+            <a:r>
+              <a:rPr lang="ko-KR" sz="2000" b="1">
+                <a:solidFill>
+                  <a:srgbClr val="0611F2"/>
+                </a:solidFill>
+                <a:latin typeface="맑은 고딕" charset="0"/>
+                <a:ea typeface="맑은 고딕" charset="0"/>
+              </a:rPr>
+              <a:t>8</a:t>
+            </a:r>
+            <a:r>
+              <a:rPr sz="2000" b="1">
+                <a:solidFill>
+                  <a:srgbClr val="0611F2"/>
+                </a:solidFill>
+                <a:latin typeface="맑은 고딕" charset="0"/>
+                <a:ea typeface="맑은 고딕" charset="0"/>
+              </a:rPr>
+              <a:t>. </a:t>
+            </a:r>
+            <a:r>
+              <a:rPr lang="ko-KR" sz="1800">
+                <a:latin typeface="맑은 고딕" charset="0"/>
+                <a:ea typeface="맑은 고딕" charset="0"/>
+              </a:rPr>
+              <a:t>그리고 Button Event로 사용할 Create.GenericCreate( )함수를 설정합니다.</a:t>
+            </a:r>
+            <a:endParaRPr lang="ko-KR" altLang="en-US" sz="1800">
+              <a:latin typeface="맑은 고딕" charset="0"/>
+              <a:ea typeface="맑은 고딕" charset="0"/>
+            </a:endParaRPr>
+          </a:p>
+        </p:txBody>
+      </p:sp>
       <p:pic>
         <p:nvPicPr>
-          <p:cNvPr id="1052" name="그림 34"/>
+          <p:cNvPr id="1034" name="그림 22"/>
           <p:cNvPicPr>
             <a:picLocks noChangeAspect="1"/>
           </p:cNvPicPr>
@@ -11642,18 +10667,16 @@
         </p:blipFill>
         <p:spPr>
           <a:xfrm rot="0">
-            <a:off x="1230630" y="1402715"/>
-            <a:ext cx="4156710" cy="1352550"/>
-          </a:xfrm>
-          <a:prstGeom prst="roundRect"/>
-          <a:solidFill>
-            <a:srgbClr val="EDEDED"/>
-          </a:solidFill>
+            <a:off x="2876550" y="1373505"/>
+            <a:ext cx="2479040" cy="3797935"/>
+          </a:xfrm>
+          <a:prstGeom prst="rect"/>
+          <a:noFill/>
         </p:spPr>
       </p:pic>
       <p:pic>
         <p:nvPicPr>
-          <p:cNvPr id="1053" name="그림 37"/>
+          <p:cNvPr id="1037" name="그림 25"/>
           <p:cNvPicPr>
             <a:picLocks noChangeAspect="1"/>
           </p:cNvPicPr>
@@ -11673,341 +10696,23 @@
         </p:blipFill>
         <p:spPr>
           <a:xfrm rot="0">
-            <a:off x="1221740" y="3938905"/>
-            <a:ext cx="4157345" cy="1531620"/>
-          </a:xfrm>
-          <a:prstGeom prst="roundRect"/>
-          <a:solidFill>
-            <a:srgbClr val="EDEDED"/>
-          </a:solidFill>
+            <a:off x="6814820" y="1390015"/>
+            <a:ext cx="4139565" cy="3572510"/>
+          </a:xfrm>
+          <a:prstGeom prst="rect"/>
+          <a:noFill/>
         </p:spPr>
       </p:pic>
-      <p:sp>
-        <p:nvSpPr>
-          <p:cNvPr id="1054" name="텍스트 상자 40"/>
-          <p:cNvSpPr txBox="1">
-            <a:spLocks/>
-          </p:cNvSpPr>
-          <p:nvPr/>
-        </p:nvSpPr>
-        <p:spPr>
-          <a:xfrm rot="0">
-            <a:off x="1222375" y="5568315"/>
-            <a:ext cx="4158615" cy="677545"/>
-          </a:xfrm>
-          <a:prstGeom prst="rect"/>
-          <a:noFill/>
-          <a:ln w="0">
-            <a:noFill/>
-            <a:prstDash/>
-          </a:ln>
-        </p:spPr>
-        <p:txBody>
-          <a:bodyPr wrap="square" lIns="89535" tIns="46355" rIns="89535" bIns="46355" numCol="1" vert="horz" anchor="t">
-            <a:spAutoFit/>
-          </a:bodyPr>
-          <a:lstStyle/>
-          <a:p>
-            <a:pPr marL="0" indent="0" algn="l" latinLnBrk="0" hangingPunct="1">
-              <a:buFontTx/>
-              <a:buNone/>
-            </a:pPr>
-            <a:r>
-              <a:rPr lang="ko-KR" sz="2000" b="1">
-                <a:solidFill>
-                  <a:srgbClr val="0611F2"/>
-                </a:solidFill>
-                <a:latin typeface="맑은 고딕" charset="0"/>
-                <a:ea typeface="맑은 고딕" charset="0"/>
-              </a:rPr>
-              <a:t>10</a:t>
-            </a:r>
-            <a:r>
-              <a:rPr sz="2000" b="1">
-                <a:solidFill>
-                  <a:srgbClr val="0611F2"/>
-                </a:solidFill>
-                <a:latin typeface="맑은 고딕" charset="0"/>
-                <a:ea typeface="맑은 고딕" charset="0"/>
-              </a:rPr>
-              <a:t>. </a:t>
-            </a:r>
-            <a:r>
-              <a:rPr lang="ko-KR" sz="1800">
-                <a:latin typeface="맑은 고딕" charset="0"/>
-                <a:ea typeface="맑은 고딕" charset="0"/>
-              </a:rPr>
-              <a:t>그다음 Main Camera 오브젝트의 위치와 회전 값을 설정합니다.</a:t>
-            </a:r>
-            <a:endParaRPr lang="ko-KR" altLang="en-US" sz="1800">
-              <a:latin typeface="맑은 고딕" charset="0"/>
-              <a:ea typeface="맑은 고딕" charset="0"/>
-            </a:endParaRPr>
-          </a:p>
-        </p:txBody>
-      </p:sp>
       <p:pic>
         <p:nvPicPr>
-          <p:cNvPr id="1055" name="그림 41"/>
+          <p:cNvPr id="1038" name="그림 26"/>
           <p:cNvPicPr>
             <a:picLocks noChangeAspect="1"/>
           </p:cNvPicPr>
           <p:nvPr/>
         </p:nvPicPr>
         <p:blipFill rotWithShape="1">
-          <a:blip r:embed="rId10" cstate="print">
-            <a:extLst>
-              <a:ext uri="{28A0092B-C50C-407E-A947-70E740481C1C}">
-                <a14:useLocalDpi xmlns:a14="http://schemas.microsoft.com/office/drawing/2010/main" val="0"/>
-              </a:ext>
-            </a:extLst>
-          </a:blip>
-          <a:stretch>
-            <a:fillRect/>
-          </a:stretch>
-        </p:blipFill>
-        <p:spPr>
-          <a:xfrm rot="0">
-            <a:off x="8355965" y="1400810"/>
-            <a:ext cx="2598420" cy="1353820"/>
-          </a:xfrm>
-          <a:prstGeom prst="roundRect"/>
-          <a:solidFill>
-            <a:srgbClr val="EDEDED"/>
-          </a:solidFill>
-        </p:spPr>
-      </p:pic>
-      <p:sp>
-        <p:nvSpPr>
-          <p:cNvPr id="1056" name="텍스트 상자 44"/>
-          <p:cNvSpPr txBox="1">
-            <a:spLocks/>
-          </p:cNvSpPr>
-          <p:nvPr/>
-        </p:nvSpPr>
-        <p:spPr>
-          <a:xfrm rot="0">
-            <a:off x="6812280" y="2938145"/>
-            <a:ext cx="4142105" cy="677545"/>
-          </a:xfrm>
-          <a:prstGeom prst="rect"/>
-          <a:noFill/>
-          <a:ln w="0">
-            <a:noFill/>
-            <a:prstDash/>
-          </a:ln>
-        </p:spPr>
-        <p:txBody>
-          <a:bodyPr wrap="square" lIns="89535" tIns="46355" rIns="89535" bIns="46355" numCol="1" vert="horz" anchor="t">
-            <a:spAutoFit/>
-          </a:bodyPr>
-          <a:lstStyle/>
-          <a:p>
-            <a:pPr marL="0" indent="0" algn="l" latinLnBrk="0" hangingPunct="1">
-              <a:buFontTx/>
-              <a:buNone/>
-            </a:pPr>
-            <a:r>
-              <a:rPr lang="ko-KR" sz="2000" b="1">
-                <a:solidFill>
-                  <a:srgbClr val="0611F2"/>
-                </a:solidFill>
-                <a:latin typeface="맑은 고딕" charset="0"/>
-                <a:ea typeface="맑은 고딕" charset="0"/>
-              </a:rPr>
-              <a:t>11</a:t>
-            </a:r>
-            <a:r>
-              <a:rPr sz="2000" b="1">
-                <a:solidFill>
-                  <a:srgbClr val="0611F2"/>
-                </a:solidFill>
-                <a:latin typeface="맑은 고딕" charset="0"/>
-                <a:ea typeface="맑은 고딕" charset="0"/>
-              </a:rPr>
-              <a:t>. </a:t>
-            </a:r>
-            <a:r>
-              <a:rPr lang="ko-KR" sz="1800">
-                <a:latin typeface="맑은 고딕" charset="0"/>
-                <a:ea typeface="맑은 고딕" charset="0"/>
-              </a:rPr>
-              <a:t>이제 Model 폴더에 있는 Orc 오브젝트를 월드 공간에 배치합니다.</a:t>
-            </a:r>
-            <a:endParaRPr lang="ko-KR" altLang="en-US" sz="1800">
-              <a:latin typeface="맑은 고딕" charset="0"/>
-              <a:ea typeface="맑은 고딕" charset="0"/>
-            </a:endParaRPr>
-          </a:p>
-        </p:txBody>
-      </p:sp>
-      <p:pic>
-        <p:nvPicPr>
-          <p:cNvPr id="1057" name="그림 45"/>
-          <p:cNvPicPr>
-            <a:picLocks noChangeAspect="1"/>
-          </p:cNvPicPr>
-          <p:nvPr/>
-        </p:nvPicPr>
-        <p:blipFill rotWithShape="1">
-          <a:blip r:embed="rId11" cstate="print">
-            <a:extLst>
-              <a:ext uri="{28A0092B-C50C-407E-A947-70E740481C1C}">
-                <a14:useLocalDpi xmlns:a14="http://schemas.microsoft.com/office/drawing/2010/main" val="0"/>
-              </a:ext>
-            </a:extLst>
-          </a:blip>
-          <a:stretch>
-            <a:fillRect/>
-          </a:stretch>
-        </p:blipFill>
-        <p:spPr>
-          <a:xfrm rot="0">
-            <a:off x="6814820" y="1406525"/>
-            <a:ext cx="1386205" cy="1365250"/>
-          </a:xfrm>
-          <a:prstGeom prst="roundRect"/>
-          <a:solidFill>
-            <a:srgbClr val="EDEDED"/>
-          </a:solidFill>
-        </p:spPr>
-      </p:pic>
-      <p:pic>
-        <p:nvPicPr>
-          <p:cNvPr id="1058" name="그림 48"/>
-          <p:cNvPicPr>
-            <a:picLocks noChangeAspect="1"/>
-          </p:cNvPicPr>
-          <p:nvPr/>
-        </p:nvPicPr>
-        <p:blipFill rotWithShape="1">
-          <a:blip r:embed="rId12" cstate="print">
-            <a:extLst>
-              <a:ext uri="{28A0092B-C50C-407E-A947-70E740481C1C}">
-                <a14:useLocalDpi xmlns:a14="http://schemas.microsoft.com/office/drawing/2010/main" val="0"/>
-              </a:ext>
-            </a:extLst>
-          </a:blip>
-          <a:stretch>
-            <a:fillRect/>
-          </a:stretch>
-        </p:blipFill>
-        <p:spPr>
-          <a:xfrm rot="0">
-            <a:off x="8347710" y="3818890"/>
-            <a:ext cx="2604135" cy="1359535"/>
-          </a:xfrm>
-          <a:prstGeom prst="roundRect"/>
-          <a:solidFill>
-            <a:srgbClr val="EDEDED"/>
-          </a:solidFill>
-        </p:spPr>
-      </p:pic>
-      <p:pic>
-        <p:nvPicPr>
-          <p:cNvPr id="1059" name="그림 49"/>
-          <p:cNvPicPr>
-            <a:picLocks noChangeAspect="1"/>
-          </p:cNvPicPr>
-          <p:nvPr/>
-        </p:nvPicPr>
-        <p:blipFill rotWithShape="1">
-          <a:blip r:embed="rId13" cstate="print">
-            <a:extLst>
-              <a:ext uri="{28A0092B-C50C-407E-A947-70E740481C1C}">
-                <a14:useLocalDpi xmlns:a14="http://schemas.microsoft.com/office/drawing/2010/main" val="0"/>
-              </a:ext>
-            </a:extLst>
-          </a:blip>
-          <a:stretch>
-            <a:fillRect/>
-          </a:stretch>
-        </p:blipFill>
-        <p:spPr>
-          <a:xfrm rot="0">
-            <a:off x="6826250" y="3816350"/>
-            <a:ext cx="1383665" cy="1365250"/>
-          </a:xfrm>
-          <a:prstGeom prst="roundRect"/>
-          <a:solidFill>
-            <a:srgbClr val="EDEDED"/>
-          </a:solidFill>
-        </p:spPr>
-      </p:pic>
-      <p:sp>
-        <p:nvSpPr>
-          <p:cNvPr id="1060" name="텍스트 상자 52"/>
-          <p:cNvSpPr txBox="1">
-            <a:spLocks/>
-          </p:cNvSpPr>
-          <p:nvPr/>
-        </p:nvSpPr>
-        <p:spPr>
-          <a:xfrm rot="0">
-            <a:off x="6814820" y="5295265"/>
-            <a:ext cx="4142105" cy="954405"/>
-          </a:xfrm>
-          <a:prstGeom prst="rect"/>
-          <a:noFill/>
-          <a:ln w="0">
-            <a:noFill/>
-            <a:prstDash/>
-          </a:ln>
-        </p:spPr>
-        <p:txBody>
-          <a:bodyPr wrap="square" lIns="89535" tIns="46355" rIns="89535" bIns="46355" numCol="1" vert="horz" anchor="t">
-            <a:spAutoFit/>
-          </a:bodyPr>
-          <a:lstStyle/>
-          <a:p>
-            <a:pPr marL="0" indent="0" algn="l" latinLnBrk="0" hangingPunct="1">
-              <a:buFontTx/>
-              <a:buNone/>
-            </a:pPr>
-            <a:r>
-              <a:rPr lang="ko-KR" sz="2000" b="1">
-                <a:solidFill>
-                  <a:srgbClr val="0611F2"/>
-                </a:solidFill>
-                <a:latin typeface="맑은 고딕" charset="0"/>
-                <a:ea typeface="맑은 고딕" charset="0"/>
-              </a:rPr>
-              <a:t>12</a:t>
-            </a:r>
-            <a:r>
-              <a:rPr sz="2000" b="1">
-                <a:solidFill>
-                  <a:srgbClr val="0611F2"/>
-                </a:solidFill>
-                <a:latin typeface="맑은 고딕" charset="0"/>
-                <a:ea typeface="맑은 고딕" charset="0"/>
-              </a:rPr>
-              <a:t>. </a:t>
-            </a:r>
-            <a:r>
-              <a:rPr lang="ko-KR" sz="1800">
-                <a:latin typeface="맑은 고딕" charset="0"/>
-                <a:ea typeface="맑은 고딕" charset="0"/>
-              </a:rPr>
-              <a:t>그리고 월드 공간에 있는 Orc 오브젝트를 Project 폴더에 있는 Prefab 폴더에 넣어줍니다.</a:t>
-            </a:r>
-            <a:endParaRPr lang="ko-KR" altLang="en-US" sz="1800">
-              <a:latin typeface="맑은 고딕" charset="0"/>
-              <a:ea typeface="맑은 고딕" charset="0"/>
-            </a:endParaRPr>
-          </a:p>
-        </p:txBody>
-      </p:sp>
-      <p:pic>
-        <p:nvPicPr>
-          <p:cNvPr id="1061" name="그림 54"/>
-          <p:cNvPicPr>
-            <a:picLocks noChangeAspect="1"/>
-          </p:cNvPicPr>
-          <p:nvPr/>
-        </p:nvPicPr>
-        <p:blipFill rotWithShape="1">
-          <a:blip r:embed="rId14" cstate="hqprint">
+          <a:blip r:embed="rId10" cstate="hqprint">
             <a:extLst>
               <a:ext uri="{28A0092B-C50C-407E-A947-70E740481C1C}">
                 <a14:useLocalDpi xmlns:a14="http://schemas.microsoft.com/office/drawing/2010/main"/>
@@ -12020,42 +10725,47 @@
         </p:blipFill>
         <p:spPr>
           <a:xfrm rot="0">
-            <a:off x="8013700" y="4366895"/>
-            <a:ext cx="530860" cy="426085"/>
-          </a:xfrm>
-          <a:prstGeom prst="rect"/>
-          <a:noFill/>
+            <a:off x="1230630" y="1984375"/>
+            <a:ext cx="1485265" cy="2205990"/>
+          </a:xfrm>
+          <a:prstGeom prst="roundRect"/>
+          <a:solidFill>
+            <a:srgbClr val="EDEDED"/>
+          </a:solidFill>
         </p:spPr>
       </p:pic>
-      <p:pic>
-        <p:nvPicPr>
-          <p:cNvPr id="1062" name="그림 55"/>
-          <p:cNvPicPr>
-            <a:picLocks noChangeAspect="1"/>
-          </p:cNvPicPr>
+      <p:cxnSp>
+        <p:nvCxnSpPr>
+          <p:cNvPr id="1036" name="도형 24"/>
+          <p:cNvCxnSpPr/>
           <p:nvPr/>
-        </p:nvPicPr>
-        <p:blipFill rotWithShape="1">
-          <a:blip r:embed="rId15" cstate="hqprint">
-            <a:extLst>
-              <a:ext uri="{28A0092B-C50C-407E-A947-70E740481C1C}">
-                <a14:useLocalDpi xmlns:a14="http://schemas.microsoft.com/office/drawing/2010/main"/>
-              </a:ext>
-            </a:extLst>
-          </a:blip>
-          <a:stretch>
-            <a:fillRect/>
-          </a:stretch>
-        </p:blipFill>
-        <p:spPr>
-          <a:xfrm rot="10800000">
-            <a:off x="8007350" y="1866900"/>
-            <a:ext cx="530860" cy="426085"/>
-          </a:xfrm>
-          <a:prstGeom prst="rect"/>
-          <a:noFill/>
-        </p:spPr>
-      </p:pic>
+        </p:nvCxnSpPr>
+        <p:spPr>
+          <a:xfrm rot="0">
+            <a:off x="2377440" y="3075940"/>
+            <a:ext cx="1264285" cy="1729740"/>
+          </a:xfrm>
+          <a:prstGeom prst="straightConnector1"/>
+          <a:ln w="6350" cap="flat" cmpd="sng">
+            <a:prstDash/>
+            <a:tailEnd type="triangle" w="med" len="med"/>
+          </a:ln>
+        </p:spPr>
+        <p:style>
+          <a:lnRef idx="1">
+            <a:schemeClr val="accent1"/>
+          </a:lnRef>
+          <a:fillRef idx="0">
+            <a:schemeClr val="accent1"/>
+          </a:fillRef>
+          <a:effectRef idx="0">
+            <a:schemeClr val="accent1"/>
+          </a:effectRef>
+          <a:fontRef idx="minor">
+            <a:schemeClr val="tx1"/>
+          </a:fontRef>
+        </p:style>
+      </p:cxnSp>
     </p:spTree>
   </p:cSld>
   <p:clrMapOvr>
@@ -12106,8 +10816,8 @@
         </p:nvSpPr>
         <p:spPr>
           <a:xfrm rot="0">
-            <a:off x="4343400" y="350520"/>
-            <a:ext cx="3510280" cy="554990"/>
+            <a:off x="4343400" y="382270"/>
+            <a:ext cx="3521075" cy="554990"/>
           </a:xfrm>
           <a:prstGeom prst="rect"/>
           <a:noFill/>
@@ -12134,7 +10844,7 @@
                 <a:latin typeface="맑은 고딕" charset="0"/>
                 <a:ea typeface="맑은 고딕" charset="0"/>
               </a:rPr>
-              <a:t>여섯 번째 </a:t>
+              <a:t>다섯 번째 </a:t>
             </a:r>
             <a:r>
               <a:rPr lang="ko-KR" altLang="en-US" sz="3000" b="1">
@@ -12158,7 +10868,7 @@
       </p:sp>
       <p:sp>
         <p:nvSpPr>
-          <p:cNvPr id="1032" name="텍스트 상자 56"/>
+          <p:cNvPr id="1051" name="Rect 0"/>
           <p:cNvSpPr txBox="1">
             <a:spLocks/>
           </p:cNvSpPr>
@@ -12166,8 +10876,8 @@
         </p:nvSpPr>
         <p:spPr>
           <a:xfrm rot="0">
-            <a:off x="1230630" y="5233035"/>
-            <a:ext cx="4140835" cy="954405"/>
+            <a:off x="1221740" y="2866390"/>
+            <a:ext cx="4165600" cy="954405"/>
           </a:xfrm>
           <a:prstGeom prst="rect"/>
           <a:noFill/>
@@ -12194,7 +10904,7 @@
                 <a:latin typeface="맑은 고딕" charset="0"/>
                 <a:ea typeface="맑은 고딕" charset="0"/>
               </a:rPr>
-              <a:t>13</a:t>
+              <a:t>9</a:t>
             </a:r>
             <a:r>
               <a:rPr sz="2000" b="1">
@@ -12211,7 +10921,7 @@
                 <a:latin typeface="맑은 고딕" charset="0"/>
                 <a:ea typeface="맑은 고딕" charset="0"/>
               </a:rPr>
-              <a:t>그런 다음 월드 공간에 있는 Orc 오브젝트를 선택하고 Delete로 삭제시켜 줍니다.</a:t>
+              <a:t>그런 다음 Generic Create Button의 앵커를 지정하고 위치와 크기를 설정합니다.</a:t>
             </a:r>
             <a:endParaRPr lang="ko-KR" altLang="en-US" sz="1800">
               <a:latin typeface="맑은 고딕" charset="0"/>
@@ -12222,14 +10932,14 @@
       </p:sp>
       <p:pic>
         <p:nvPicPr>
-          <p:cNvPr id="1034" name="그림 58" descr="C:/Users/Admin1/AppData/Roaming/PolarisOffice/ETemp/14712_13418472/fImage115662033281.png"/>
+          <p:cNvPr id="1052" name="그림 34"/>
           <p:cNvPicPr>
             <a:picLocks noChangeAspect="1"/>
           </p:cNvPicPr>
           <p:nvPr/>
         </p:nvPicPr>
         <p:blipFill rotWithShape="1">
-          <a:blip r:embed="rId5" cstate="hqprint">
+          <a:blip r:embed="rId8" cstate="hqprint">
             <a:extLst>
               <a:ext uri="{28A0092B-C50C-407E-A947-70E740481C1C}">
                 <a14:useLocalDpi xmlns:a14="http://schemas.microsoft.com/office/drawing/2010/main"/>
@@ -12242,8 +10952,8 @@
         </p:blipFill>
         <p:spPr>
           <a:xfrm rot="0">
-            <a:off x="3009265" y="1402715"/>
-            <a:ext cx="2362200" cy="3678555"/>
+            <a:off x="1230630" y="1402715"/>
+            <a:ext cx="4156710" cy="1352550"/>
           </a:xfrm>
           <a:prstGeom prst="roundRect"/>
           <a:solidFill>
@@ -12253,14 +10963,14 @@
       </p:pic>
       <p:pic>
         <p:nvPicPr>
-          <p:cNvPr id="1035" name="그림 61"/>
+          <p:cNvPr id="1053" name="그림 37"/>
           <p:cNvPicPr>
             <a:picLocks noChangeAspect="1"/>
           </p:cNvPicPr>
           <p:nvPr/>
         </p:nvPicPr>
         <p:blipFill rotWithShape="1">
-          <a:blip r:embed="rId6" cstate="hqprint">
+          <a:blip r:embed="rId9" cstate="hqprint">
             <a:extLst>
               <a:ext uri="{28A0092B-C50C-407E-A947-70E740481C1C}">
                 <a14:useLocalDpi xmlns:a14="http://schemas.microsoft.com/office/drawing/2010/main"/>
@@ -12273,8 +10983,8 @@
         </p:blipFill>
         <p:spPr>
           <a:xfrm rot="0">
-            <a:off x="1230630" y="2111375"/>
-            <a:ext cx="1630045" cy="2263775"/>
+            <a:off x="1221740" y="3938905"/>
+            <a:ext cx="4157345" cy="1531620"/>
           </a:xfrm>
           <a:prstGeom prst="roundRect"/>
           <a:solidFill>
@@ -12284,7 +10994,7 @@
       </p:pic>
       <p:sp>
         <p:nvSpPr>
-          <p:cNvPr id="1036" name="텍스트 상자 5"/>
+          <p:cNvPr id="1054" name="텍스트 상자 40"/>
           <p:cNvSpPr txBox="1">
             <a:spLocks/>
           </p:cNvSpPr>
@@ -12292,8 +11002,8 @@
         </p:nvSpPr>
         <p:spPr>
           <a:xfrm rot="0">
-            <a:off x="6800215" y="4151630"/>
-            <a:ext cx="4173855" cy="2031365"/>
+            <a:off x="1222375" y="5568315"/>
+            <a:ext cx="4158615" cy="677545"/>
           </a:xfrm>
           <a:prstGeom prst="rect"/>
           <a:noFill/>
@@ -12303,114 +11013,311 @@
           </a:ln>
         </p:spPr>
         <p:txBody>
-          <a:bodyPr wrap="square" lIns="89535" tIns="46355" rIns="89535" bIns="46355" vert="horz" anchor="t">
+          <a:bodyPr wrap="square" lIns="89535" tIns="46355" rIns="89535" bIns="46355" numCol="1" vert="horz" anchor="t">
             <a:spAutoFit/>
           </a:bodyPr>
           <a:lstStyle/>
           <a:p>
-            <a:pPr marL="0" indent="0" rtl="0" algn="l" defTabSz="914400" eaLnBrk="1" latinLnBrk="0" hangingPunct="1">
-              <a:buFontTx/>
-              <a:buNone/>
-            </a:pPr>
-            <a:r>
-              <a:rPr sz="1800" b="1">
+            <a:pPr marL="0" indent="0" algn="l" latinLnBrk="0" hangingPunct="1">
+              <a:buFontTx/>
+              <a:buNone/>
+            </a:pPr>
+            <a:r>
+              <a:rPr lang="ko-KR" sz="2000" b="1">
                 <a:solidFill>
                   <a:srgbClr val="0611F2"/>
                 </a:solidFill>
                 <a:latin typeface="맑은 고딕" charset="0"/>
                 <a:ea typeface="맑은 고딕" charset="0"/>
               </a:rPr>
-              <a:t>14</a:t>
-            </a:r>
-            <a:r>
-              <a:rPr sz="1800" b="1">
+              <a:t>10</a:t>
+            </a:r>
+            <a:r>
+              <a:rPr sz="2000" b="1">
                 <a:solidFill>
                   <a:srgbClr val="0611F2"/>
                 </a:solidFill>
                 <a:latin typeface="맑은 고딕" charset="0"/>
                 <a:ea typeface="맑은 고딕" charset="0"/>
               </a:rPr>
-              <a:t>.</a:t>
-            </a:r>
-            <a:r>
-              <a:rPr sz="1800">
-                <a:latin typeface="맑은 고딕" charset="0"/>
-                <a:ea typeface="맑은 고딕" charset="0"/>
-              </a:rPr>
-              <a:t> 그</a:t>
+              <a:t>. </a:t>
             </a:r>
             <a:r>
               <a:rPr lang="ko-KR" sz="1800">
                 <a:latin typeface="맑은 고딕" charset="0"/>
                 <a:ea typeface="맑은 고딕" charset="0"/>
               </a:rPr>
-              <a:t>다음으로</a:t>
-            </a:r>
-            <a:r>
-              <a:rPr sz="1800">
-                <a:latin typeface="맑은 고딕" charset="0"/>
-                <a:ea typeface="맑은 고딕" charset="0"/>
-              </a:rPr>
-              <a:t> 빈 게임 오브젝트를 4개 생성합니다.</a:t>
+              <a:t>그다음 Main Camera 오브젝트의 위치와 회전 값을 설정합니다.</a:t>
             </a:r>
             <a:endParaRPr lang="ko-KR" altLang="en-US" sz="1800">
               <a:latin typeface="맑은 고딕" charset="0"/>
               <a:ea typeface="맑은 고딕" charset="0"/>
             </a:endParaRPr>
           </a:p>
-          <a:p>
-            <a:pPr marL="0" indent="0" rtl="0" algn="l" defTabSz="914400" eaLnBrk="1" latinLnBrk="0" hangingPunct="1">
-              <a:buFontTx/>
-              <a:buNone/>
-            </a:pPr>
-            <a:endParaRPr lang="ko-KR" altLang="en-US" sz="1800">
-              <a:latin typeface="맑은 고딕" charset="0"/>
-              <a:ea typeface="맑은 고딕" charset="0"/>
-            </a:endParaRPr>
-          </a:p>
-          <a:p>
-            <a:pPr marL="0" indent="0" rtl="0" algn="l" defTabSz="914400" eaLnBrk="1" latinLnBrk="0" hangingPunct="1">
-              <a:buFontTx/>
-              <a:buNone/>
-            </a:pPr>
-            <a:r>
-              <a:rPr sz="1800">
-                <a:latin typeface="맑은 고딕" charset="0"/>
-                <a:ea typeface="맑은 고딕" charset="0"/>
-              </a:rPr>
-              <a:t>그러</a:t>
-            </a:r>
-            <a:r>
-              <a:rPr lang="ko-KR" sz="1800">
-                <a:latin typeface="맑은 고딕" charset="0"/>
-                <a:ea typeface="맑은 고딕" charset="0"/>
-              </a:rPr>
-              <a:t>고 나서</a:t>
-            </a:r>
-            <a:r>
-              <a:rPr sz="1800">
-                <a:latin typeface="맑은 고딕" charset="0"/>
-                <a:ea typeface="맑은 고딕" charset="0"/>
-              </a:rPr>
-              <a:t> 각각의 이름을 First Point와 Second Point 그리고 Third Point 마지막으로 Four Point라는 이름으로 정의합니다.</a:t>
-            </a:r>
-            <a:endParaRPr lang="ko-KR" altLang="en-US" sz="1800">
-              <a:latin typeface="맑은 고딕" charset="0"/>
-              <a:ea typeface="맑은 고딕" charset="0"/>
-            </a:endParaRPr>
-          </a:p>
         </p:txBody>
       </p:sp>
       <p:pic>
         <p:nvPicPr>
-          <p:cNvPr id="1037" name="그림 6"/>
+          <p:cNvPr id="1055" name="그림 41"/>
           <p:cNvPicPr>
             <a:picLocks noChangeAspect="1"/>
           </p:cNvPicPr>
           <p:nvPr/>
         </p:nvPicPr>
         <p:blipFill rotWithShape="1">
-          <a:blip r:embed="rId7" cstate="hqprint">
+          <a:blip r:embed="rId10" cstate="print">
+            <a:extLst>
+              <a:ext uri="{28A0092B-C50C-407E-A947-70E740481C1C}">
+                <a14:useLocalDpi xmlns:a14="http://schemas.microsoft.com/office/drawing/2010/main" val="0"/>
+              </a:ext>
+            </a:extLst>
+          </a:blip>
+          <a:stretch>
+            <a:fillRect/>
+          </a:stretch>
+        </p:blipFill>
+        <p:spPr>
+          <a:xfrm rot="0">
+            <a:off x="8355965" y="1400810"/>
+            <a:ext cx="2598420" cy="1353820"/>
+          </a:xfrm>
+          <a:prstGeom prst="roundRect"/>
+          <a:solidFill>
+            <a:srgbClr val="EDEDED"/>
+          </a:solidFill>
+        </p:spPr>
+      </p:pic>
+      <p:sp>
+        <p:nvSpPr>
+          <p:cNvPr id="1056" name="텍스트 상자 44"/>
+          <p:cNvSpPr txBox="1">
+            <a:spLocks/>
+          </p:cNvSpPr>
+          <p:nvPr/>
+        </p:nvSpPr>
+        <p:spPr>
+          <a:xfrm rot="0">
+            <a:off x="6812280" y="2938145"/>
+            <a:ext cx="4142105" cy="677545"/>
+          </a:xfrm>
+          <a:prstGeom prst="rect"/>
+          <a:noFill/>
+          <a:ln w="0">
+            <a:noFill/>
+            <a:prstDash/>
+          </a:ln>
+        </p:spPr>
+        <p:txBody>
+          <a:bodyPr wrap="square" lIns="89535" tIns="46355" rIns="89535" bIns="46355" numCol="1" vert="horz" anchor="t">
+            <a:spAutoFit/>
+          </a:bodyPr>
+          <a:lstStyle/>
+          <a:p>
+            <a:pPr marL="0" indent="0" algn="l" latinLnBrk="0" hangingPunct="1">
+              <a:buFontTx/>
+              <a:buNone/>
+            </a:pPr>
+            <a:r>
+              <a:rPr lang="ko-KR" sz="2000" b="1">
+                <a:solidFill>
+                  <a:srgbClr val="0611F2"/>
+                </a:solidFill>
+                <a:latin typeface="맑은 고딕" charset="0"/>
+                <a:ea typeface="맑은 고딕" charset="0"/>
+              </a:rPr>
+              <a:t>11</a:t>
+            </a:r>
+            <a:r>
+              <a:rPr sz="2000" b="1">
+                <a:solidFill>
+                  <a:srgbClr val="0611F2"/>
+                </a:solidFill>
+                <a:latin typeface="맑은 고딕" charset="0"/>
+                <a:ea typeface="맑은 고딕" charset="0"/>
+              </a:rPr>
+              <a:t>. </a:t>
+            </a:r>
+            <a:r>
+              <a:rPr lang="ko-KR" sz="1800">
+                <a:latin typeface="맑은 고딕" charset="0"/>
+                <a:ea typeface="맑은 고딕" charset="0"/>
+              </a:rPr>
+              <a:t>이제 Model 폴더에 있는 Orc 오브젝트를 월드 공간에 배치합니다.</a:t>
+            </a:r>
+            <a:endParaRPr lang="ko-KR" altLang="en-US" sz="1800">
+              <a:latin typeface="맑은 고딕" charset="0"/>
+              <a:ea typeface="맑은 고딕" charset="0"/>
+            </a:endParaRPr>
+          </a:p>
+        </p:txBody>
+      </p:sp>
+      <p:pic>
+        <p:nvPicPr>
+          <p:cNvPr id="1057" name="그림 45"/>
+          <p:cNvPicPr>
+            <a:picLocks noChangeAspect="1"/>
+          </p:cNvPicPr>
+          <p:nvPr/>
+        </p:nvPicPr>
+        <p:blipFill rotWithShape="1">
+          <a:blip r:embed="rId11" cstate="print">
+            <a:extLst>
+              <a:ext uri="{28A0092B-C50C-407E-A947-70E740481C1C}">
+                <a14:useLocalDpi xmlns:a14="http://schemas.microsoft.com/office/drawing/2010/main" val="0"/>
+              </a:ext>
+            </a:extLst>
+          </a:blip>
+          <a:stretch>
+            <a:fillRect/>
+          </a:stretch>
+        </p:blipFill>
+        <p:spPr>
+          <a:xfrm rot="0">
+            <a:off x="6814820" y="1406525"/>
+            <a:ext cx="1386205" cy="1365250"/>
+          </a:xfrm>
+          <a:prstGeom prst="roundRect"/>
+          <a:solidFill>
+            <a:srgbClr val="EDEDED"/>
+          </a:solidFill>
+        </p:spPr>
+      </p:pic>
+      <p:pic>
+        <p:nvPicPr>
+          <p:cNvPr id="1058" name="그림 48"/>
+          <p:cNvPicPr>
+            <a:picLocks noChangeAspect="1"/>
+          </p:cNvPicPr>
+          <p:nvPr/>
+        </p:nvPicPr>
+        <p:blipFill rotWithShape="1">
+          <a:blip r:embed="rId12" cstate="print">
+            <a:extLst>
+              <a:ext uri="{28A0092B-C50C-407E-A947-70E740481C1C}">
+                <a14:useLocalDpi xmlns:a14="http://schemas.microsoft.com/office/drawing/2010/main" val="0"/>
+              </a:ext>
+            </a:extLst>
+          </a:blip>
+          <a:stretch>
+            <a:fillRect/>
+          </a:stretch>
+        </p:blipFill>
+        <p:spPr>
+          <a:xfrm rot="0">
+            <a:off x="8347710" y="3818890"/>
+            <a:ext cx="2604135" cy="1359535"/>
+          </a:xfrm>
+          <a:prstGeom prst="roundRect"/>
+          <a:solidFill>
+            <a:srgbClr val="EDEDED"/>
+          </a:solidFill>
+        </p:spPr>
+      </p:pic>
+      <p:pic>
+        <p:nvPicPr>
+          <p:cNvPr id="1059" name="그림 49"/>
+          <p:cNvPicPr>
+            <a:picLocks noChangeAspect="1"/>
+          </p:cNvPicPr>
+          <p:nvPr/>
+        </p:nvPicPr>
+        <p:blipFill rotWithShape="1">
+          <a:blip r:embed="rId13" cstate="print">
+            <a:extLst>
+              <a:ext uri="{28A0092B-C50C-407E-A947-70E740481C1C}">
+                <a14:useLocalDpi xmlns:a14="http://schemas.microsoft.com/office/drawing/2010/main" val="0"/>
+              </a:ext>
+            </a:extLst>
+          </a:blip>
+          <a:stretch>
+            <a:fillRect/>
+          </a:stretch>
+        </p:blipFill>
+        <p:spPr>
+          <a:xfrm rot="0">
+            <a:off x="6826250" y="3816350"/>
+            <a:ext cx="1383665" cy="1365250"/>
+          </a:xfrm>
+          <a:prstGeom prst="roundRect"/>
+          <a:solidFill>
+            <a:srgbClr val="EDEDED"/>
+          </a:solidFill>
+        </p:spPr>
+      </p:pic>
+      <p:sp>
+        <p:nvSpPr>
+          <p:cNvPr id="1060" name="텍스트 상자 52"/>
+          <p:cNvSpPr txBox="1">
+            <a:spLocks/>
+          </p:cNvSpPr>
+          <p:nvPr/>
+        </p:nvSpPr>
+        <p:spPr>
+          <a:xfrm rot="0">
+            <a:off x="6814820" y="5295265"/>
+            <a:ext cx="4142105" cy="954405"/>
+          </a:xfrm>
+          <a:prstGeom prst="rect"/>
+          <a:noFill/>
+          <a:ln w="0">
+            <a:noFill/>
+            <a:prstDash/>
+          </a:ln>
+        </p:spPr>
+        <p:txBody>
+          <a:bodyPr wrap="square" lIns="89535" tIns="46355" rIns="89535" bIns="46355" numCol="1" vert="horz" anchor="t">
+            <a:spAutoFit/>
+          </a:bodyPr>
+          <a:lstStyle/>
+          <a:p>
+            <a:pPr marL="0" indent="0" algn="l" latinLnBrk="0" hangingPunct="1">
+              <a:buFontTx/>
+              <a:buNone/>
+            </a:pPr>
+            <a:r>
+              <a:rPr lang="ko-KR" sz="2000" b="1">
+                <a:solidFill>
+                  <a:srgbClr val="0611F2"/>
+                </a:solidFill>
+                <a:latin typeface="맑은 고딕" charset="0"/>
+                <a:ea typeface="맑은 고딕" charset="0"/>
+              </a:rPr>
+              <a:t>12</a:t>
+            </a:r>
+            <a:r>
+              <a:rPr sz="2000" b="1">
+                <a:solidFill>
+                  <a:srgbClr val="0611F2"/>
+                </a:solidFill>
+                <a:latin typeface="맑은 고딕" charset="0"/>
+                <a:ea typeface="맑은 고딕" charset="0"/>
+              </a:rPr>
+              <a:t>. </a:t>
+            </a:r>
+            <a:r>
+              <a:rPr lang="ko-KR" sz="1800">
+                <a:latin typeface="맑은 고딕" charset="0"/>
+                <a:ea typeface="맑은 고딕" charset="0"/>
+              </a:rPr>
+              <a:t>그리고 월드 공간에 있는 Orc 오브젝트를 Project 폴더에 있는 Prefab 폴더에 넣어줍니다.</a:t>
+            </a:r>
+            <a:endParaRPr lang="ko-KR" altLang="en-US" sz="1800">
+              <a:latin typeface="맑은 고딕" charset="0"/>
+              <a:ea typeface="맑은 고딕" charset="0"/>
+            </a:endParaRPr>
+          </a:p>
+        </p:txBody>
+      </p:sp>
+      <p:pic>
+        <p:nvPicPr>
+          <p:cNvPr id="1061" name="그림 54"/>
+          <p:cNvPicPr>
+            <a:picLocks noChangeAspect="1"/>
+          </p:cNvPicPr>
+          <p:nvPr/>
+        </p:nvPicPr>
+        <p:blipFill rotWithShape="1">
+          <a:blip r:embed="rId14" cstate="hqprint">
             <a:extLst>
               <a:ext uri="{28A0092B-C50C-407E-A947-70E740481C1C}">
                 <a14:useLocalDpi xmlns:a14="http://schemas.microsoft.com/office/drawing/2010/main"/>
@@ -12423,28 +11330,26 @@
         </p:blipFill>
         <p:spPr>
           <a:xfrm rot="0">
-            <a:off x="6800215" y="1404620"/>
-            <a:ext cx="2411730" cy="2586990"/>
-          </a:xfrm>
-          <a:prstGeom prst="roundRect"/>
-          <a:solidFill>
-            <a:srgbClr val="EDEDED"/>
-          </a:solidFill>
+            <a:off x="8013700" y="4366895"/>
+            <a:ext cx="530860" cy="426085"/>
+          </a:xfrm>
+          <a:prstGeom prst="rect"/>
+          <a:noFill/>
         </p:spPr>
       </p:pic>
       <p:pic>
         <p:nvPicPr>
-          <p:cNvPr id="1038" name="그림 7"/>
+          <p:cNvPr id="1062" name="그림 55"/>
           <p:cNvPicPr>
             <a:picLocks noChangeAspect="1"/>
           </p:cNvPicPr>
           <p:nvPr/>
         </p:nvPicPr>
         <p:blipFill rotWithShape="1">
-          <a:blip r:embed="rId8" cstate="print">
+          <a:blip r:embed="rId15" cstate="hqprint">
             <a:extLst>
               <a:ext uri="{28A0092B-C50C-407E-A947-70E740481C1C}">
-                <a14:useLocalDpi xmlns:a14="http://schemas.microsoft.com/office/drawing/2010/main" val="0"/>
+                <a14:useLocalDpi xmlns:a14="http://schemas.microsoft.com/office/drawing/2010/main"/>
               </a:ext>
             </a:extLst>
           </a:blip>
@@ -12453,14 +11358,12 @@
           </a:stretch>
         </p:blipFill>
         <p:spPr>
-          <a:xfrm rot="0">
-            <a:off x="9393555" y="1837055"/>
-            <a:ext cx="1588770" cy="1739265"/>
-          </a:xfrm>
-          <a:prstGeom prst="roundRect"/>
-          <a:solidFill>
-            <a:srgbClr val="EDEDED"/>
-          </a:solidFill>
+          <a:xfrm rot="10800000">
+            <a:off x="8007350" y="1866900"/>
+            <a:ext cx="530860" cy="426085"/>
+          </a:xfrm>
+          <a:prstGeom prst="rect"/>
+          <a:noFill/>
         </p:spPr>
       </p:pic>
     </p:spTree>
@@ -12513,7 +11416,7 @@
         </p:nvSpPr>
         <p:spPr>
           <a:xfrm rot="0">
-            <a:off x="4343400" y="372110"/>
+            <a:off x="4343400" y="350520"/>
             <a:ext cx="3510280" cy="554990"/>
           </a:xfrm>
           <a:prstGeom prst="rect"/>
@@ -12541,7 +11444,7 @@
                 <a:latin typeface="맑은 고딕" charset="0"/>
                 <a:ea typeface="맑은 고딕" charset="0"/>
               </a:rPr>
-              <a:t>일곱 번째 </a:t>
+              <a:t>여섯 번째 </a:t>
             </a:r>
             <a:r>
               <a:rPr lang="ko-KR" altLang="en-US" sz="3000" b="1">
@@ -12565,7 +11468,7 @@
       </p:sp>
       <p:sp>
         <p:nvSpPr>
-          <p:cNvPr id="1032" name="텍스트 상자 3"/>
+          <p:cNvPr id="1032" name="텍스트 상자 56"/>
           <p:cNvSpPr txBox="1">
             <a:spLocks/>
           </p:cNvSpPr>
@@ -12573,8 +11476,8 @@
         </p:nvSpPr>
         <p:spPr>
           <a:xfrm rot="0">
-            <a:off x="1255395" y="5032375"/>
-            <a:ext cx="4116070" cy="1200785"/>
+            <a:off x="1230630" y="5233035"/>
+            <a:ext cx="4140835" cy="954405"/>
           </a:xfrm>
           <a:prstGeom prst="rect"/>
           <a:noFill/>
@@ -12589,74 +11492,36 @@
           </a:bodyPr>
           <a:lstStyle/>
           <a:p>
-            <a:pPr marL="0" indent="0" rtl="0" algn="l" defTabSz="914400" eaLnBrk="1" latinLnBrk="0" hangingPunct="1">
-              <a:buFontTx/>
-              <a:buNone/>
-            </a:pPr>
-            <a:r>
-              <a:rPr sz="1800" b="1">
+            <a:pPr marL="0" indent="0" algn="l" latinLnBrk="0" hangingPunct="1">
+              <a:buFontTx/>
+              <a:buNone/>
+            </a:pPr>
+            <a:r>
+              <a:rPr lang="ko-KR" sz="2000" b="1">
                 <a:solidFill>
                   <a:srgbClr val="0611F2"/>
                 </a:solidFill>
                 <a:latin typeface="맑은 고딕" charset="0"/>
                 <a:ea typeface="맑은 고딕" charset="0"/>
               </a:rPr>
-              <a:t>1</a:t>
-            </a:r>
-            <a:r>
-              <a:rPr lang="ko-KR" sz="1800" b="1">
+              <a:t>13</a:t>
+            </a:r>
+            <a:r>
+              <a:rPr sz="2000" b="1">
                 <a:solidFill>
                   <a:srgbClr val="0611F2"/>
                 </a:solidFill>
                 <a:latin typeface="맑은 고딕" charset="0"/>
                 <a:ea typeface="맑은 고딕" charset="0"/>
               </a:rPr>
-              <a:t>5</a:t>
-            </a:r>
-            <a:r>
-              <a:rPr sz="1800" b="1">
-                <a:solidFill>
-                  <a:srgbClr val="0611F2"/>
-                </a:solidFill>
-                <a:latin typeface="맑은 고딕" charset="0"/>
-                <a:ea typeface="맑은 고딕" charset="0"/>
-              </a:rPr>
-              <a:t>.</a:t>
-            </a:r>
-            <a:r>
-              <a:rPr sz="1800">
-                <a:latin typeface="맑은 고딕" charset="0"/>
-                <a:ea typeface="맑은 고딕" charset="0"/>
-              </a:rPr>
-              <a:t> 이제</a:t>
+              <a:t>. </a:t>
             </a:r>
             <a:r>
               <a:rPr lang="ko-KR" sz="1800">
                 <a:latin typeface="맑은 고딕" charset="0"/>
                 <a:ea typeface="맑은 고딕" charset="0"/>
               </a:rPr>
-              <a:t> First Point</a:t>
-            </a:r>
-            <a:r>
-              <a:rPr sz="1800">
-                <a:latin typeface="맑은 고딕" charset="0"/>
-                <a:ea typeface="맑은 고딕" charset="0"/>
-              </a:rPr>
-              <a:t> 오브젝트</a:t>
-            </a:r>
-            <a:r>
-              <a:rPr lang="ko-KR" sz="1800">
-                <a:latin typeface="맑은 고딕" charset="0"/>
-                <a:ea typeface="맑은 고딕" charset="0"/>
-              </a:rPr>
-              <a:t>와 Second Point 오브젝트 그리고 Third Point 오브젝트와 Four Point 오브젝트에</a:t>
-            </a:r>
-            <a:r>
-              <a:rPr sz="1800">
-                <a:latin typeface="맑은 고딕" charset="0"/>
-                <a:ea typeface="맑은 고딕" charset="0"/>
-              </a:rPr>
-              <a:t> Select Icon을 설정합니다.</a:t>
+              <a:t>그런 다음 월드 공간에 있는 Orc 오브젝트를 선택하고 Delete로 삭제시켜 줍니다.</a:t>
             </a:r>
             <a:endParaRPr lang="ko-KR" altLang="en-US" sz="1800">
               <a:latin typeface="맑은 고딕" charset="0"/>
@@ -12667,7 +11532,38 @@
       </p:sp>
       <p:pic>
         <p:nvPicPr>
-          <p:cNvPr id="1033" name="그림 4"/>
+          <p:cNvPr id="1034" name="그림 58" descr="C:/Users/Admin1/AppData/Roaming/PolarisOffice/ETemp/14712_13418472/fImage115662033281.png"/>
+          <p:cNvPicPr>
+            <a:picLocks noChangeAspect="1"/>
+          </p:cNvPicPr>
+          <p:nvPr/>
+        </p:nvPicPr>
+        <p:blipFill rotWithShape="1">
+          <a:blip r:embed="rId5" cstate="hqprint">
+            <a:extLst>
+              <a:ext uri="{28A0092B-C50C-407E-A947-70E740481C1C}">
+                <a14:useLocalDpi xmlns:a14="http://schemas.microsoft.com/office/drawing/2010/main"/>
+              </a:ext>
+            </a:extLst>
+          </a:blip>
+          <a:stretch>
+            <a:fillRect/>
+          </a:stretch>
+        </p:blipFill>
+        <p:spPr>
+          <a:xfrm rot="0">
+            <a:off x="3009265" y="1402715"/>
+            <a:ext cx="2362200" cy="3678555"/>
+          </a:xfrm>
+          <a:prstGeom prst="roundRect"/>
+          <a:solidFill>
+            <a:srgbClr val="EDEDED"/>
+          </a:solidFill>
+        </p:spPr>
+      </p:pic>
+      <p:pic>
+        <p:nvPicPr>
+          <p:cNvPr id="1035" name="그림 61"/>
           <p:cNvPicPr>
             <a:picLocks noChangeAspect="1"/>
           </p:cNvPicPr>
@@ -12687,8 +11583,8 @@
         </p:blipFill>
         <p:spPr>
           <a:xfrm rot="0">
-            <a:off x="3749040" y="1878330"/>
-            <a:ext cx="1621790" cy="2479675"/>
+            <a:off x="1230630" y="2111375"/>
+            <a:ext cx="1630045" cy="2263775"/>
           </a:xfrm>
           <a:prstGeom prst="roundRect"/>
           <a:solidFill>
@@ -12696,9 +11592,128 @@
           </a:solidFill>
         </p:spPr>
       </p:pic>
+      <p:sp>
+        <p:nvSpPr>
+          <p:cNvPr id="1036" name="텍스트 상자 5"/>
+          <p:cNvSpPr txBox="1">
+            <a:spLocks/>
+          </p:cNvSpPr>
+          <p:nvPr/>
+        </p:nvSpPr>
+        <p:spPr>
+          <a:xfrm rot="0">
+            <a:off x="6800215" y="4151630"/>
+            <a:ext cx="4173855" cy="2031365"/>
+          </a:xfrm>
+          <a:prstGeom prst="rect"/>
+          <a:noFill/>
+          <a:ln w="0">
+            <a:noFill/>
+            <a:prstDash/>
+          </a:ln>
+        </p:spPr>
+        <p:txBody>
+          <a:bodyPr wrap="square" lIns="89535" tIns="46355" rIns="89535" bIns="46355" vert="horz" anchor="t">
+            <a:spAutoFit/>
+          </a:bodyPr>
+          <a:lstStyle/>
+          <a:p>
+            <a:pPr marL="0" indent="0" rtl="0" algn="l" defTabSz="914400" eaLnBrk="1" latinLnBrk="0" hangingPunct="1">
+              <a:buFontTx/>
+              <a:buNone/>
+            </a:pPr>
+            <a:r>
+              <a:rPr sz="1800" b="1">
+                <a:solidFill>
+                  <a:srgbClr val="0611F2"/>
+                </a:solidFill>
+                <a:latin typeface="맑은 고딕" charset="0"/>
+                <a:ea typeface="맑은 고딕" charset="0"/>
+              </a:rPr>
+              <a:t>14</a:t>
+            </a:r>
+            <a:r>
+              <a:rPr sz="1800" b="1">
+                <a:solidFill>
+                  <a:srgbClr val="0611F2"/>
+                </a:solidFill>
+                <a:latin typeface="맑은 고딕" charset="0"/>
+                <a:ea typeface="맑은 고딕" charset="0"/>
+              </a:rPr>
+              <a:t>.</a:t>
+            </a:r>
+            <a:r>
+              <a:rPr sz="1800">
+                <a:latin typeface="맑은 고딕" charset="0"/>
+                <a:ea typeface="맑은 고딕" charset="0"/>
+              </a:rPr>
+              <a:t> 그</a:t>
+            </a:r>
+            <a:r>
+              <a:rPr lang="ko-KR" sz="1800">
+                <a:latin typeface="맑은 고딕" charset="0"/>
+                <a:ea typeface="맑은 고딕" charset="0"/>
+              </a:rPr>
+              <a:t>다음으로</a:t>
+            </a:r>
+            <a:r>
+              <a:rPr sz="1800">
+                <a:latin typeface="맑은 고딕" charset="0"/>
+                <a:ea typeface="맑은 고딕" charset="0"/>
+              </a:rPr>
+              <a:t> 빈 게임 오브젝트를 4개 생성합니다.</a:t>
+            </a:r>
+            <a:endParaRPr lang="ko-KR" altLang="en-US" sz="1800">
+              <a:latin typeface="맑은 고딕" charset="0"/>
+              <a:ea typeface="맑은 고딕" charset="0"/>
+            </a:endParaRPr>
+          </a:p>
+          <a:p>
+            <a:pPr marL="0" indent="0" rtl="0" algn="l" defTabSz="914400" eaLnBrk="1" latinLnBrk="0" hangingPunct="1">
+              <a:buFontTx/>
+              <a:buNone/>
+            </a:pPr>
+            <a:endParaRPr lang="ko-KR" altLang="en-US" sz="1800">
+              <a:latin typeface="맑은 고딕" charset="0"/>
+              <a:ea typeface="맑은 고딕" charset="0"/>
+            </a:endParaRPr>
+          </a:p>
+          <a:p>
+            <a:pPr marL="0" indent="0" rtl="0" algn="l" defTabSz="914400" eaLnBrk="1" latinLnBrk="0" hangingPunct="1">
+              <a:buFontTx/>
+              <a:buNone/>
+            </a:pPr>
+            <a:r>
+              <a:rPr sz="1800">
+                <a:latin typeface="맑은 고딕" charset="0"/>
+                <a:ea typeface="맑은 고딕" charset="0"/>
+              </a:rPr>
+              <a:t>그러</a:t>
+            </a:r>
+            <a:r>
+              <a:rPr lang="ko-KR" sz="1800">
+                <a:latin typeface="맑은 고딕" charset="0"/>
+                <a:ea typeface="맑은 고딕" charset="0"/>
+              </a:rPr>
+              <a:t>고 나서</a:t>
+            </a:r>
+            <a:r>
+              <a:rPr sz="1800">
+                <a:latin typeface="맑은 고딕" charset="0"/>
+                <a:ea typeface="맑은 고딕" charset="0"/>
+              </a:rPr>
+              <a:t> 각각의 이름을 First Point와 Second Point 그리고 Third Point 마지막으로 Four Point라는 이름으로 정의합니다.</a:t>
+            </a:r>
+            <a:endParaRPr lang="ko-KR" altLang="en-US" sz="1800">
+              <a:latin typeface="맑은 고딕" charset="0"/>
+              <a:ea typeface="맑은 고딕" charset="0"/>
+            </a:endParaRPr>
+          </a:p>
+        </p:txBody>
+      </p:sp>
       <p:pic>
         <p:nvPicPr>
-          <p:cNvPr id="1034" name="그림 10"/>
+          <p:cNvPr id="1037" name="그림 6"/>
           <p:cNvPicPr>
             <a:picLocks noChangeAspect="1"/>
           </p:cNvPicPr>
@@ -12718,8 +11733,8 @@
         </p:blipFill>
         <p:spPr>
           <a:xfrm rot="0">
-            <a:off x="1247140" y="1430020"/>
-            <a:ext cx="2279015" cy="3368040"/>
+            <a:off x="6800215" y="1404620"/>
+            <a:ext cx="2411730" cy="2586990"/>
           </a:xfrm>
           <a:prstGeom prst="roundRect"/>
           <a:solidFill>
@@ -12729,7 +11744,7 @@
       </p:pic>
       <p:pic>
         <p:nvPicPr>
-          <p:cNvPr id="1035" name="그림 11"/>
+          <p:cNvPr id="1038" name="그림 7"/>
           <p:cNvPicPr>
             <a:picLocks noChangeAspect="1"/>
           </p:cNvPicPr>
@@ -12749,8 +11764,8 @@
         </p:blipFill>
         <p:spPr>
           <a:xfrm rot="0">
-            <a:off x="8271510" y="1428115"/>
-            <a:ext cx="2686050" cy="1548765"/>
+            <a:off x="9393555" y="1837055"/>
+            <a:ext cx="1588770" cy="1739265"/>
           </a:xfrm>
           <a:prstGeom prst="roundRect"/>
           <a:solidFill>
@@ -12758,385 +11773,6 @@
           </a:solidFill>
         </p:spPr>
       </p:pic>
-      <p:pic>
-        <p:nvPicPr>
-          <p:cNvPr id="1036" name="그림 14"/>
-          <p:cNvPicPr>
-            <a:picLocks noChangeAspect="1"/>
-          </p:cNvPicPr>
-          <p:nvPr/>
-        </p:nvPicPr>
-        <p:blipFill rotWithShape="1">
-          <a:blip r:embed="rId9" cstate="print">
-            <a:extLst>
-              <a:ext uri="{28A0092B-C50C-407E-A947-70E740481C1C}">
-                <a14:useLocalDpi xmlns:a14="http://schemas.microsoft.com/office/drawing/2010/main" val="0"/>
-              </a:ext>
-            </a:extLst>
-          </a:blip>
-          <a:stretch>
-            <a:fillRect/>
-          </a:stretch>
-        </p:blipFill>
-        <p:spPr>
-          <a:xfrm rot="0">
-            <a:off x="6824980" y="1435100"/>
-            <a:ext cx="1314450" cy="1541780"/>
-          </a:xfrm>
-          <a:prstGeom prst="roundRect"/>
-          <a:solidFill>
-            <a:srgbClr val="EDEDED"/>
-          </a:solidFill>
-        </p:spPr>
-      </p:pic>
-      <p:sp>
-        <p:nvSpPr>
-          <p:cNvPr id="1037" name="텍스트 상자 15"/>
-          <p:cNvSpPr txBox="1">
-            <a:spLocks/>
-          </p:cNvSpPr>
-          <p:nvPr/>
-        </p:nvSpPr>
-        <p:spPr>
-          <a:xfrm rot="0">
-            <a:off x="6791960" y="3095625"/>
-            <a:ext cx="4157345" cy="3138805"/>
-          </a:xfrm>
-          <a:prstGeom prst="rect"/>
-          <a:noFill/>
-          <a:ln w="0">
-            <a:noFill/>
-            <a:prstDash/>
-          </a:ln>
-        </p:spPr>
-        <p:txBody>
-          <a:bodyPr wrap="square" lIns="89535" tIns="46355" rIns="89535" bIns="46355" vert="horz" anchor="t">
-            <a:spAutoFit/>
-          </a:bodyPr>
-          <a:lstStyle/>
-          <a:p>
-            <a:pPr marL="0" indent="0" rtl="0" algn="l" defTabSz="914400" eaLnBrk="1" latinLnBrk="0" hangingPunct="1">
-              <a:buFontTx/>
-              <a:buNone/>
-            </a:pPr>
-            <a:r>
-              <a:rPr sz="1800" b="1">
-                <a:solidFill>
-                  <a:srgbClr val="0611F2"/>
-                </a:solidFill>
-                <a:latin typeface="맑은 고딕" charset="0"/>
-                <a:ea typeface="맑은 고딕" charset="0"/>
-              </a:rPr>
-              <a:t>16</a:t>
-            </a:r>
-            <a:r>
-              <a:rPr sz="1800" b="1">
-                <a:solidFill>
-                  <a:srgbClr val="0611F2"/>
-                </a:solidFill>
-                <a:latin typeface="맑은 고딕" charset="0"/>
-                <a:ea typeface="맑은 고딕" charset="0"/>
-              </a:rPr>
-              <a:t>.</a:t>
-            </a:r>
-            <a:r>
-              <a:rPr sz="1800">
-                <a:latin typeface="맑은 고딕" charset="0"/>
-                <a:ea typeface="맑은 고딕" charset="0"/>
-              </a:rPr>
-              <a:t> 그다음 Create </a:t>
-            </a:r>
-            <a:r>
-              <a:rPr lang="ko-KR" sz="1800">
-                <a:latin typeface="맑은 고딕" charset="0"/>
-                <a:ea typeface="맑은 고딕" charset="0"/>
-              </a:rPr>
-              <a:t>Object </a:t>
-            </a:r>
-            <a:r>
-              <a:rPr sz="1800">
-                <a:latin typeface="맑은 고딕" charset="0"/>
-                <a:ea typeface="맑은 고딕" charset="0"/>
-              </a:rPr>
-              <a:t>오브젝트에 있는 Create</a:t>
-            </a:r>
-            <a:r>
-              <a:rPr sz="1800">
-                <a:latin typeface="맑은 고딕" charset="0"/>
-                <a:ea typeface="맑은 고딕" charset="0"/>
-              </a:rPr>
-              <a:t> </a:t>
-            </a:r>
-            <a:r>
-              <a:rPr sz="1800">
-                <a:latin typeface="맑은 고딕" charset="0"/>
-                <a:ea typeface="맑은 고딕" charset="0"/>
-              </a:rPr>
-              <a:t>스크립트의 </a:t>
-            </a:r>
-            <a:r>
-              <a:rPr lang="ko-KR" sz="1800">
-                <a:latin typeface="맑은 고딕" charset="0"/>
-                <a:ea typeface="맑은 고딕" charset="0"/>
-              </a:rPr>
-              <a:t>Random Position을</a:t>
-            </a:r>
-            <a:r>
-              <a:rPr sz="1800">
-                <a:latin typeface="맑은 고딕" charset="0"/>
-                <a:ea typeface="맑은 고딕" charset="0"/>
-              </a:rPr>
-              <a:t> 4개</a:t>
-            </a:r>
-            <a:r>
-              <a:rPr lang="ko-KR" sz="1800">
-                <a:latin typeface="맑은 고딕" charset="0"/>
-                <a:ea typeface="맑은 고딕" charset="0"/>
-              </a:rPr>
-              <a:t>로</a:t>
-            </a:r>
-            <a:r>
-              <a:rPr sz="1800">
-                <a:latin typeface="맑은 고딕" charset="0"/>
-                <a:ea typeface="맑은 고딕" charset="0"/>
-              </a:rPr>
-              <a:t> 설정합니다. </a:t>
-            </a:r>
-            <a:endParaRPr lang="ko-KR" altLang="en-US" sz="1800">
-              <a:latin typeface="맑은 고딕" charset="0"/>
-              <a:ea typeface="맑은 고딕" charset="0"/>
-            </a:endParaRPr>
-          </a:p>
-          <a:p>
-            <a:pPr marL="0" indent="0" rtl="0" algn="l" defTabSz="914400" eaLnBrk="1" latinLnBrk="0" hangingPunct="1">
-              <a:buFontTx/>
-              <a:buNone/>
-            </a:pPr>
-            <a:endParaRPr lang="ko-KR" altLang="en-US" sz="1800">
-              <a:latin typeface="맑은 고딕" charset="0"/>
-              <a:ea typeface="맑은 고딕" charset="0"/>
-            </a:endParaRPr>
-          </a:p>
-          <a:p>
-            <a:pPr marL="0" indent="0" rtl="0" algn="l" defTabSz="914400" eaLnBrk="1" latinLnBrk="0" hangingPunct="1">
-              <a:buFontTx/>
-              <a:buNone/>
-            </a:pPr>
-            <a:r>
-              <a:rPr sz="1800">
-                <a:latin typeface="맑은 고딕" charset="0"/>
-                <a:ea typeface="맑은 고딕" charset="0"/>
-              </a:rPr>
-              <a:t>그</a:t>
-            </a:r>
-            <a:r>
-              <a:rPr lang="ko-KR" sz="1800">
-                <a:latin typeface="맑은 고딕" charset="0"/>
-                <a:ea typeface="맑은 고딕" charset="0"/>
-              </a:rPr>
-              <a:t>런 다음</a:t>
-            </a:r>
-            <a:r>
-              <a:rPr sz="1800">
-                <a:latin typeface="맑은 고딕" charset="0"/>
-                <a:ea typeface="맑은 고딕" charset="0"/>
-              </a:rPr>
-              <a:t> Element 0에는 First Point를 넣어주고 Element 1에는 Second Point를 넣어줍니다.</a:t>
-            </a:r>
-            <a:endParaRPr lang="ko-KR" altLang="en-US" sz="1800">
-              <a:latin typeface="맑은 고딕" charset="0"/>
-              <a:ea typeface="맑은 고딕" charset="0"/>
-            </a:endParaRPr>
-          </a:p>
-          <a:p>
-            <a:pPr marL="0" indent="0" rtl="0" algn="l" defTabSz="914400" eaLnBrk="1" latinLnBrk="0" hangingPunct="1">
-              <a:buFontTx/>
-              <a:buNone/>
-            </a:pPr>
-            <a:endParaRPr lang="ko-KR" altLang="en-US" sz="1800">
-              <a:latin typeface="맑은 고딕" charset="0"/>
-              <a:ea typeface="맑은 고딕" charset="0"/>
-            </a:endParaRPr>
-          </a:p>
-          <a:p>
-            <a:pPr marL="0" indent="0" rtl="0" algn="l" defTabSz="914400" eaLnBrk="1" latinLnBrk="0" hangingPunct="1">
-              <a:buFontTx/>
-              <a:buNone/>
-            </a:pPr>
-            <a:r>
-              <a:rPr sz="1800">
-                <a:latin typeface="맑은 고딕" charset="0"/>
-                <a:ea typeface="맑은 고딕" charset="0"/>
-              </a:rPr>
-              <a:t>마지막으</a:t>
-            </a:r>
-            <a:r>
-              <a:rPr lang="ko-KR" sz="1800">
-                <a:latin typeface="맑은 고딕" charset="0"/>
-                <a:ea typeface="맑은 고딕" charset="0"/>
-              </a:rPr>
-              <a:t>로</a:t>
-            </a:r>
-            <a:r>
-              <a:rPr sz="1800">
-                <a:latin typeface="맑은 고딕" charset="0"/>
-                <a:ea typeface="맑은 고딕" charset="0"/>
-              </a:rPr>
-              <a:t> Element 2에는 Third Point를 넣어</a:t>
-            </a:r>
-            <a:r>
-              <a:rPr lang="ko-KR" sz="1800">
-                <a:latin typeface="맑은 고딕" charset="0"/>
-                <a:ea typeface="맑은 고딕" charset="0"/>
-              </a:rPr>
-              <a:t>주고</a:t>
-            </a:r>
-            <a:r>
-              <a:rPr sz="1800">
-                <a:latin typeface="맑은 고딕" charset="0"/>
-                <a:ea typeface="맑은 고딕" charset="0"/>
-              </a:rPr>
-              <a:t> Element 3에는 Four Point를 넣어줍니다.</a:t>
-            </a:r>
-            <a:endParaRPr lang="ko-KR" altLang="en-US" sz="1800">
-              <a:latin typeface="맑은 고딕" charset="0"/>
-              <a:ea typeface="맑은 고딕" charset="0"/>
-            </a:endParaRPr>
-          </a:p>
-        </p:txBody>
-      </p:sp>
-      <p:cxnSp>
-        <p:nvCxnSpPr>
-          <p:cNvPr id="1038" name="도형 16"/>
-          <p:cNvCxnSpPr/>
-          <p:nvPr/>
-        </p:nvCxnSpPr>
-        <p:spPr>
-          <a:xfrm rot="0" flipV="1">
-            <a:off x="7714615" y="2218690"/>
-            <a:ext cx="3101340" cy="241935"/>
-          </a:xfrm>
-          <a:prstGeom prst="straightConnector1"/>
-          <a:ln w="6350" cap="flat" cmpd="sng">
-            <a:prstDash/>
-            <a:headEnd type="none" w="med" len="med"/>
-            <a:tailEnd type="triangle" w="med" len="med"/>
-          </a:ln>
-        </p:spPr>
-        <p:style>
-          <a:lnRef idx="1">
-            <a:schemeClr val="accent1"/>
-          </a:lnRef>
-          <a:fillRef idx="0">
-            <a:schemeClr val="accent1"/>
-          </a:fillRef>
-          <a:effectRef idx="0">
-            <a:schemeClr val="accent1"/>
-          </a:effectRef>
-          <a:fontRef idx="minor">
-            <a:schemeClr val="tx1"/>
-          </a:fontRef>
-        </p:style>
-      </p:cxnSp>
-      <p:cxnSp>
-        <p:nvCxnSpPr>
-          <p:cNvPr id="1039" name="도형 17"/>
-          <p:cNvCxnSpPr/>
-          <p:nvPr/>
-        </p:nvCxnSpPr>
-        <p:spPr>
-          <a:xfrm rot="0" flipV="1">
-            <a:off x="7872730" y="2368550"/>
-            <a:ext cx="2959735" cy="225425"/>
-          </a:xfrm>
-          <a:prstGeom prst="straightConnector1"/>
-          <a:ln w="6350" cap="flat" cmpd="sng">
-            <a:prstDash/>
-            <a:headEnd type="none" w="med" len="med"/>
-            <a:tailEnd type="triangle" w="med" len="med"/>
-          </a:ln>
-        </p:spPr>
-        <p:style>
-          <a:lnRef idx="1">
-            <a:schemeClr val="accent1"/>
-          </a:lnRef>
-          <a:fillRef idx="0">
-            <a:schemeClr val="accent1"/>
-          </a:fillRef>
-          <a:effectRef idx="0">
-            <a:schemeClr val="accent1"/>
-          </a:effectRef>
-          <a:fontRef idx="minor">
-            <a:schemeClr val="tx1"/>
-          </a:fontRef>
-        </p:style>
-      </p:cxnSp>
-      <p:cxnSp>
-        <p:nvCxnSpPr>
-          <p:cNvPr id="1040" name="도형 18"/>
-          <p:cNvCxnSpPr/>
-          <p:nvPr/>
-        </p:nvCxnSpPr>
-        <p:spPr>
-          <a:xfrm rot="0" flipV="1">
-            <a:off x="7755890" y="2510155"/>
-            <a:ext cx="3068320" cy="216535"/>
-          </a:xfrm>
-          <a:prstGeom prst="straightConnector1"/>
-          <a:ln w="6350" cap="flat" cmpd="sng">
-            <a:prstDash/>
-            <a:headEnd type="none" w="med" len="med"/>
-            <a:tailEnd type="triangle" w="med" len="med"/>
-          </a:ln>
-        </p:spPr>
-        <p:style>
-          <a:lnRef idx="1">
-            <a:schemeClr val="accent1"/>
-          </a:lnRef>
-          <a:fillRef idx="0">
-            <a:schemeClr val="accent1"/>
-          </a:fillRef>
-          <a:effectRef idx="0">
-            <a:schemeClr val="accent1"/>
-          </a:effectRef>
-          <a:fontRef idx="minor">
-            <a:schemeClr val="tx1"/>
-          </a:fontRef>
-        </p:style>
-      </p:cxnSp>
-      <p:cxnSp>
-        <p:nvCxnSpPr>
-          <p:cNvPr id="1041" name="도형 19"/>
-          <p:cNvCxnSpPr/>
-          <p:nvPr/>
-        </p:nvCxnSpPr>
-        <p:spPr>
-          <a:xfrm rot="0" flipV="1">
-            <a:off x="7764145" y="2651125"/>
-            <a:ext cx="3068320" cy="200025"/>
-          </a:xfrm>
-          <a:prstGeom prst="straightConnector1"/>
-          <a:ln w="6350" cap="flat" cmpd="sng">
-            <a:prstDash/>
-            <a:headEnd type="none" w="med" len="med"/>
-            <a:tailEnd type="triangle" w="med" len="med"/>
-          </a:ln>
-        </p:spPr>
-        <p:style>
-          <a:lnRef idx="1">
-            <a:schemeClr val="accent1"/>
-          </a:lnRef>
-          <a:fillRef idx="0">
-            <a:schemeClr val="accent1"/>
-          </a:fillRef>
-          <a:effectRef idx="0">
-            <a:schemeClr val="accent1"/>
-          </a:effectRef>
-          <a:fontRef idx="minor">
-            <a:schemeClr val="tx1"/>
-          </a:fontRef>
-        </p:style>
-      </p:cxnSp>
     </p:spTree>
   </p:cSld>
   <p:clrMapOvr>
@@ -13188,7 +11824,7 @@
         <p:spPr>
           <a:xfrm rot="0">
             <a:off x="4353560" y="393065"/>
-            <a:ext cx="3499485" cy="554990"/>
+            <a:ext cx="3500120" cy="554990"/>
           </a:xfrm>
           <a:prstGeom prst="rect"/>
           <a:noFill/>
@@ -13215,7 +11851,7 @@
                 <a:latin typeface="맑은 고딕" charset="0"/>
                 <a:ea typeface="맑은 고딕" charset="0"/>
               </a:rPr>
-              <a:t>여덟 번째 </a:t>
+              <a:t>아홉</a:t>
             </a:r>
             <a:r>
               <a:rPr lang="ko-KR" altLang="en-US" sz="3000" b="1">
@@ -13225,7 +11861,7 @@
                 <a:latin typeface="맑은 고딕" charset="0"/>
                 <a:ea typeface="맑은 고딕" charset="0"/>
               </a:rPr>
-              <a:t>튜토리얼</a:t>
+              <a:t> 번째 튜토리얼</a:t>
             </a:r>
             <a:endParaRPr lang="ko-KR" altLang="en-US" sz="3000" b="1">
               <a:solidFill>
@@ -13247,8 +11883,8 @@
         </p:nvSpPr>
         <p:spPr>
           <a:xfrm rot="0">
-            <a:off x="6791960" y="5241925"/>
-            <a:ext cx="4156710" cy="954405"/>
+            <a:off x="1222375" y="5276850"/>
+            <a:ext cx="4164330" cy="954405"/>
           </a:xfrm>
           <a:prstGeom prst="rect"/>
           <a:noFill/>
@@ -13275,7 +11911,7 @@
                 <a:latin typeface="맑은 고딕" charset="0"/>
                 <a:ea typeface="맑은 고딕" charset="0"/>
               </a:rPr>
-              <a:t>18</a:t>
+              <a:t>20</a:t>
             </a:r>
             <a:r>
               <a:rPr sz="2000" b="1">
@@ -13292,35 +11928,21 @@
                 <a:latin typeface="맑은 고딕" charset="0"/>
                 <a:ea typeface="맑은 고딕" charset="0"/>
               </a:rPr>
-              <a:t>그리고 </a:t>
-            </a:r>
-            <a:r>
-              <a:rPr sz="1800">
-                <a:latin typeface="맑은 고딕" charset="0"/>
-                <a:ea typeface="맑은 고딕" charset="0"/>
-              </a:rPr>
-              <a:t>Create</a:t>
-            </a:r>
-            <a:r>
-              <a:rPr sz="1800">
+              <a:t>마지막으로</a:t>
+            </a:r>
+            <a:r>
+              <a:rPr lang="ko-KR" sz="1800">
                 <a:latin typeface="맑은 고딕" charset="0"/>
                 <a:ea typeface="맑은 고딕" charset="0"/>
               </a:rPr>
               <a:t> </a:t>
             </a:r>
             <a:r>
-              <a:rPr sz="1800">
-                <a:latin typeface="맑은 고딕" charset="0"/>
-                <a:ea typeface="맑은 고딕" charset="0"/>
-              </a:rPr>
-              <a:t>스크립트</a:t>
-            </a:r>
-            <a:r>
               <a:rPr lang="ko-KR" sz="1800">
                 <a:latin typeface="맑은 고딕" charset="0"/>
                 <a:ea typeface="맑은 고딕" charset="0"/>
               </a:rPr>
-              <a:t>에 있는 Prefab에 Prefab 폴더에 있는 Orc 오브젝트를 넣어줍니다.</a:t>
+              <a:t>Prefab 폴더에 있는 Orc 오브젝트를 선택하고 Delete 스크립트라는 컴포넌트를 추가합니다.</a:t>
             </a:r>
             <a:endParaRPr lang="ko-KR" altLang="en-US" sz="1800">
               <a:latin typeface="맑은 고딕" charset="0"/>
@@ -13331,7 +11953,7 @@
       </p:sp>
       <p:sp>
         <p:nvSpPr>
-          <p:cNvPr id="1090" name="텍스트 상자 20"/>
+          <p:cNvPr id="1090" name="Rect 0"/>
           <p:cNvSpPr txBox="1">
             <a:spLocks/>
           </p:cNvSpPr>
@@ -13339,8 +11961,8 @@
         </p:nvSpPr>
         <p:spPr>
           <a:xfrm rot="0">
-            <a:off x="1222375" y="4441825"/>
-            <a:ext cx="4173220" cy="1754505"/>
+            <a:off x="1222375" y="3195320"/>
+            <a:ext cx="4173220" cy="647065"/>
           </a:xfrm>
           <a:prstGeom prst="rect"/>
           <a:noFill/>
@@ -13367,7 +11989,17 @@
                 <a:latin typeface="맑은 고딕" charset="0"/>
                 <a:ea typeface="맑은 고딕" charset="0"/>
               </a:rPr>
-              <a:t>17</a:t>
+              <a:t>1</a:t>
+            </a:r>
+            <a:r>
+              <a:rPr lang="ko-KR" sz="1800" b="1">
+                <a:solidFill>
+                  <a:srgbClr val="0611F2"/>
+                </a:solidFill>
+                <a:latin typeface="맑은 고딕" charset="0"/>
+                <a:ea typeface="맑은 고딕" charset="0"/>
+              </a:rPr>
+              <a:t>9</a:t>
             </a:r>
             <a:r>
               <a:rPr sz="1800" b="1">
@@ -13391,73 +12023,178 @@
                 <a:latin typeface="맑은 고딕" charset="0"/>
                 <a:ea typeface="맑은 고딕" charset="0"/>
               </a:rPr>
-              <a:t>이</a:t>
+              <a:t>그다음으</a:t>
             </a:r>
             <a:r>
               <a:rPr lang="ko-KR" sz="1800">
                 <a:latin typeface="맑은 고딕" charset="0"/>
                 <a:ea typeface="맑은 고딕" charset="0"/>
               </a:rPr>
-              <a:t>제</a:t>
-            </a:r>
-            <a:r>
-              <a:rPr sz="1800">
-                <a:latin typeface="맑은 고딕" charset="0"/>
-                <a:ea typeface="맑은 고딕" charset="0"/>
-              </a:rPr>
-              <a:t> First Point 오브젝트와 Second Point 오브젝트의 위치를 설정합니다.</a:t>
+              <a:t>로 C# Script를 생성하고 Delete라는 이름으로 정의합니다.</a:t>
             </a:r>
             <a:endParaRPr lang="ko-KR" altLang="en-US" sz="1800">
               <a:latin typeface="맑은 고딕" charset="0"/>
               <a:ea typeface="맑은 고딕" charset="0"/>
             </a:endParaRPr>
           </a:p>
-          <a:p>
-            <a:pPr marL="0" indent="0" rtl="0" algn="l" defTabSz="914400" eaLnBrk="1" latinLnBrk="0" hangingPunct="1">
-              <a:buFontTx/>
-              <a:buNone/>
-            </a:pPr>
-            <a:endParaRPr lang="ko-KR" altLang="en-US" sz="1800">
-              <a:latin typeface="맑은 고딕" charset="0"/>
-              <a:ea typeface="맑은 고딕" charset="0"/>
-            </a:endParaRPr>
-          </a:p>
-          <a:p>
-            <a:pPr marL="0" indent="0" rtl="0" algn="l" defTabSz="914400" eaLnBrk="1" latinLnBrk="0" hangingPunct="1">
-              <a:buFontTx/>
-              <a:buNone/>
-            </a:pPr>
-            <a:r>
-              <a:rPr sz="1800">
-                <a:latin typeface="맑은 고딕" charset="0"/>
-                <a:ea typeface="맑은 고딕" charset="0"/>
-              </a:rPr>
-              <a:t>그</a:t>
-            </a:r>
-            <a:r>
-              <a:rPr lang="ko-KR" sz="1800">
-                <a:latin typeface="맑은 고딕" charset="0"/>
-                <a:ea typeface="맑은 고딕" charset="0"/>
-              </a:rPr>
-              <a:t>런 다음</a:t>
-            </a:r>
-            <a:r>
-              <a:rPr sz="1800">
-                <a:latin typeface="맑은 고딕" charset="0"/>
-                <a:ea typeface="맑은 고딕" charset="0"/>
-              </a:rPr>
-              <a:t> Third Point 오브젝트와 Four Point 오브젝트의 위치를 설정합니다.</a:t>
-            </a:r>
-            <a:endParaRPr lang="ko-KR" altLang="en-US" sz="1800">
-              <a:latin typeface="맑은 고딕" charset="0"/>
-              <a:ea typeface="맑은 고딕" charset="0"/>
-            </a:endParaRPr>
-          </a:p>
         </p:txBody>
       </p:sp>
       <p:pic>
         <p:nvPicPr>
-          <p:cNvPr id="1091" name="그림 21"/>
+          <p:cNvPr id="1096" name="Picture "/>
+          <p:cNvPicPr>
+            <a:picLocks noChangeAspect="1"/>
+          </p:cNvPicPr>
+          <p:nvPr/>
+        </p:nvPicPr>
+        <p:blipFill rotWithShape="1">
+          <a:blip r:embed="rId2" cstate="hqprint">
+            <a:extLst>
+              <a:ext uri="{28A0092B-C50C-407E-A947-70E740481C1C}">
+                <a14:useLocalDpi xmlns:a14="http://schemas.microsoft.com/office/drawing/2010/main"/>
+              </a:ext>
+            </a:extLst>
+          </a:blip>
+          <a:stretch>
+            <a:fillRect/>
+          </a:stretch>
+        </p:blipFill>
+        <p:spPr>
+          <a:xfrm rot="0">
+            <a:off x="2976245" y="3988435"/>
+            <a:ext cx="2428240" cy="1194435"/>
+          </a:xfrm>
+          <a:prstGeom prst="roundRect"/>
+          <a:solidFill>
+            <a:srgbClr val="EDEDED"/>
+          </a:solidFill>
+        </p:spPr>
+      </p:pic>
+      <p:pic>
+        <p:nvPicPr>
+          <p:cNvPr id="1098" name="그림 38"/>
+          <p:cNvPicPr>
+            <a:picLocks noChangeAspect="1"/>
+          </p:cNvPicPr>
+          <p:nvPr/>
+        </p:nvPicPr>
+        <p:blipFill rotWithShape="1">
+          <a:blip r:embed="rId3" cstate="print">
+            <a:extLst>
+              <a:ext uri="{28A0092B-C50C-407E-A947-70E740481C1C}">
+                <a14:useLocalDpi xmlns:a14="http://schemas.microsoft.com/office/drawing/2010/main" val="0"/>
+              </a:ext>
+            </a:extLst>
+          </a:blip>
+          <a:stretch>
+            <a:fillRect/>
+          </a:stretch>
+        </p:blipFill>
+        <p:spPr>
+          <a:xfrm rot="0">
+            <a:off x="1219200" y="3977640"/>
+            <a:ext cx="1649730" cy="1213485"/>
+          </a:xfrm>
+          <a:prstGeom prst="roundRect"/>
+          <a:solidFill>
+            <a:srgbClr val="EDEDED"/>
+          </a:solidFill>
+        </p:spPr>
+      </p:pic>
+      <p:pic>
+        <p:nvPicPr>
+          <p:cNvPr id="1099" name="그림 41"/>
+          <p:cNvPicPr>
+            <a:picLocks noChangeAspect="1"/>
+          </p:cNvPicPr>
+          <p:nvPr/>
+        </p:nvPicPr>
+        <p:blipFill rotWithShape="1">
+          <a:blip r:embed="rId4" cstate="print">
+            <a:extLst>
+              <a:ext uri="{28A0092B-C50C-407E-A947-70E740481C1C}">
+                <a14:useLocalDpi xmlns:a14="http://schemas.microsoft.com/office/drawing/2010/main" val="0"/>
+              </a:ext>
+            </a:extLst>
+          </a:blip>
+          <a:stretch>
+            <a:fillRect/>
+          </a:stretch>
+        </p:blipFill>
+        <p:spPr>
+          <a:xfrm rot="0">
+            <a:off x="4355465" y="1746250"/>
+            <a:ext cx="849630" cy="939165"/>
+          </a:xfrm>
+          <a:prstGeom prst="roundRect"/>
+          <a:solidFill>
+            <a:srgbClr val="EDEDED"/>
+          </a:solidFill>
+        </p:spPr>
+      </p:pic>
+      <p:pic>
+        <p:nvPicPr>
+          <p:cNvPr id="1100" name="그림 44"/>
+          <p:cNvPicPr>
+            <a:picLocks noChangeAspect="1"/>
+          </p:cNvPicPr>
+          <p:nvPr/>
+        </p:nvPicPr>
+        <p:blipFill rotWithShape="1">
+          <a:blip r:embed="rId5" cstate="print">
+            <a:extLst>
+              <a:ext uri="{28A0092B-C50C-407E-A947-70E740481C1C}">
+                <a14:useLocalDpi xmlns:a14="http://schemas.microsoft.com/office/drawing/2010/main" val="0"/>
+              </a:ext>
+            </a:extLst>
+          </a:blip>
+          <a:stretch>
+            <a:fillRect/>
+          </a:stretch>
+        </p:blipFill>
+        <p:spPr>
+          <a:xfrm rot="0">
+            <a:off x="1221740" y="1337945"/>
+            <a:ext cx="1783715" cy="1762760"/>
+          </a:xfrm>
+          <a:prstGeom prst="roundRect"/>
+          <a:solidFill>
+            <a:srgbClr val="EDEDED"/>
+          </a:solidFill>
+        </p:spPr>
+      </p:pic>
+      <p:pic>
+        <p:nvPicPr>
+          <p:cNvPr id="1101" name="그림 51"/>
+          <p:cNvPicPr>
+            <a:picLocks noChangeAspect="1"/>
+          </p:cNvPicPr>
+          <p:nvPr/>
+        </p:nvPicPr>
+        <p:blipFill rotWithShape="1">
+          <a:blip r:embed="rId6" cstate="hqprint">
+            <a:extLst>
+              <a:ext uri="{28A0092B-C50C-407E-A947-70E740481C1C}">
+                <a14:useLocalDpi xmlns:a14="http://schemas.microsoft.com/office/drawing/2010/main"/>
+              </a:ext>
+            </a:extLst>
+          </a:blip>
+          <a:stretch>
+            <a:fillRect/>
+          </a:stretch>
+        </p:blipFill>
+        <p:spPr>
+          <a:xfrm rot="0">
+            <a:off x="3152140" y="2019300"/>
+            <a:ext cx="1022350" cy="426720"/>
+          </a:xfrm>
+          <a:prstGeom prst="rect"/>
+          <a:noFill/>
+        </p:spPr>
+      </p:pic>
+      <p:pic>
+        <p:nvPicPr>
+          <p:cNvPr id="1102" name="그림 54"/>
           <p:cNvPicPr>
             <a:picLocks noChangeAspect="1"/>
           </p:cNvPicPr>
@@ -13477,8 +12214,8 @@
         </p:blipFill>
         <p:spPr>
           <a:xfrm rot="0">
-            <a:off x="1215390" y="1343025"/>
-            <a:ext cx="2019300" cy="1410970"/>
+            <a:off x="6814820" y="1345565"/>
+            <a:ext cx="4139565" cy="2447925"/>
           </a:xfrm>
           <a:prstGeom prst="roundRect"/>
           <a:solidFill>
@@ -13486,194 +12223,97 @@
           </a:solidFill>
         </p:spPr>
       </p:pic>
-      <p:pic>
-        <p:nvPicPr>
-          <p:cNvPr id="1092" name="그림 22"/>
-          <p:cNvPicPr>
-            <a:picLocks noChangeAspect="1"/>
-          </p:cNvPicPr>
+      <p:sp>
+        <p:nvSpPr>
+          <p:cNvPr id="1103" name="텍스트 상자 57"/>
+          <p:cNvSpPr txBox="1">
+            <a:spLocks/>
+          </p:cNvSpPr>
           <p:nvPr/>
-        </p:nvPicPr>
-        <p:blipFill rotWithShape="1">
-          <a:blip r:embed="rId8" cstate="print">
-            <a:extLst>
-              <a:ext uri="{28A0092B-C50C-407E-A947-70E740481C1C}">
-                <a14:useLocalDpi xmlns:a14="http://schemas.microsoft.com/office/drawing/2010/main" val="0"/>
-              </a:ext>
-            </a:extLst>
-          </a:blip>
-          <a:stretch>
-            <a:fillRect/>
-          </a:stretch>
-        </p:blipFill>
-        <p:spPr>
-          <a:xfrm rot="0">
-            <a:off x="3333750" y="1347470"/>
-            <a:ext cx="2053590" cy="1396365"/>
-          </a:xfrm>
-          <a:prstGeom prst="roundRect"/>
-          <a:solidFill>
-            <a:srgbClr val="EDEDED"/>
-          </a:solidFill>
-        </p:spPr>
-      </p:pic>
-      <p:pic>
-        <p:nvPicPr>
-          <p:cNvPr id="1093" name="그림 27"/>
-          <p:cNvPicPr>
-            <a:picLocks noChangeAspect="1"/>
-          </p:cNvPicPr>
-          <p:nvPr/>
-        </p:nvPicPr>
-        <p:blipFill rotWithShape="1">
-          <a:blip r:embed="rId9" cstate="print">
-            <a:extLst>
-              <a:ext uri="{28A0092B-C50C-407E-A947-70E740481C1C}">
-                <a14:useLocalDpi xmlns:a14="http://schemas.microsoft.com/office/drawing/2010/main" val="0"/>
-              </a:ext>
-            </a:extLst>
-          </a:blip>
-          <a:stretch>
-            <a:fillRect/>
-          </a:stretch>
-        </p:blipFill>
-        <p:spPr>
-          <a:xfrm rot="0">
-            <a:off x="1219200" y="2926080"/>
-            <a:ext cx="2015490" cy="1405255"/>
-          </a:xfrm>
-          <a:prstGeom prst="roundRect"/>
-          <a:solidFill>
-            <a:srgbClr val="EDEDED"/>
-          </a:solidFill>
-        </p:spPr>
-      </p:pic>
-      <p:pic>
-        <p:nvPicPr>
-          <p:cNvPr id="1094" name="그림 30"/>
-          <p:cNvPicPr>
-            <a:picLocks noChangeAspect="1"/>
-          </p:cNvPicPr>
-          <p:nvPr/>
-        </p:nvPicPr>
-        <p:blipFill rotWithShape="1">
-          <a:blip r:embed="rId10" cstate="print">
-            <a:extLst>
-              <a:ext uri="{28A0092B-C50C-407E-A947-70E740481C1C}">
-                <a14:useLocalDpi xmlns:a14="http://schemas.microsoft.com/office/drawing/2010/main" val="0"/>
-              </a:ext>
-            </a:extLst>
-          </a:blip>
-          <a:stretch>
-            <a:fillRect/>
-          </a:stretch>
-        </p:blipFill>
-        <p:spPr>
-          <a:xfrm rot="0">
-            <a:off x="3335020" y="2931795"/>
-            <a:ext cx="2044065" cy="1410335"/>
-          </a:xfrm>
-          <a:prstGeom prst="roundRect"/>
-          <a:solidFill>
-            <a:srgbClr val="EDEDED"/>
-          </a:solidFill>
-        </p:spPr>
-      </p:pic>
-      <p:pic>
-        <p:nvPicPr>
-          <p:cNvPr id="1095" name="그림 33"/>
-          <p:cNvPicPr>
-            <a:picLocks noChangeAspect="1"/>
-          </p:cNvPicPr>
-          <p:nvPr/>
-        </p:nvPicPr>
-        <p:blipFill rotWithShape="1">
-          <a:blip r:embed="rId11" cstate="print">
-            <a:extLst>
-              <a:ext uri="{28A0092B-C50C-407E-A947-70E740481C1C}">
-                <a14:useLocalDpi xmlns:a14="http://schemas.microsoft.com/office/drawing/2010/main" val="0"/>
-              </a:ext>
-            </a:extLst>
-          </a:blip>
-          <a:stretch>
-            <a:fillRect/>
-          </a:stretch>
-        </p:blipFill>
-        <p:spPr>
-          <a:xfrm rot="0">
-            <a:off x="6791960" y="1346835"/>
-            <a:ext cx="4165600" cy="2004060"/>
-          </a:xfrm>
-          <a:prstGeom prst="roundRect"/>
-          <a:solidFill>
-            <a:srgbClr val="EDEDED"/>
-          </a:solidFill>
-        </p:spPr>
-      </p:pic>
-      <p:pic>
-        <p:nvPicPr>
-          <p:cNvPr id="1096" name="그림 36"/>
-          <p:cNvPicPr>
-            <a:picLocks noChangeAspect="1"/>
-          </p:cNvPicPr>
-          <p:nvPr/>
-        </p:nvPicPr>
-        <p:blipFill rotWithShape="1">
-          <a:blip r:embed="rId12" cstate="hqprint">
-            <a:extLst>
-              <a:ext uri="{28A0092B-C50C-407E-A947-70E740481C1C}">
-                <a14:useLocalDpi xmlns:a14="http://schemas.microsoft.com/office/drawing/2010/main"/>
-              </a:ext>
-            </a:extLst>
-          </a:blip>
-          <a:stretch>
-            <a:fillRect/>
-          </a:stretch>
-        </p:blipFill>
-        <p:spPr>
-          <a:xfrm rot="0">
-            <a:off x="6800215" y="3586480"/>
-            <a:ext cx="4148455" cy="1560195"/>
-          </a:xfrm>
-          <a:prstGeom prst="roundRect"/>
-          <a:solidFill>
-            <a:srgbClr val="EDEDED"/>
-          </a:solidFill>
-        </p:spPr>
-      </p:pic>
-      <p:cxnSp>
-        <p:nvCxnSpPr>
-          <p:cNvPr id="1097" name="도형 37"/>
-          <p:cNvCxnSpPr/>
-          <p:nvPr/>
-        </p:nvCxnSpPr>
-        <p:spPr>
-          <a:xfrm rot="0" flipV="1">
-            <a:off x="7955915" y="1887220"/>
-            <a:ext cx="2860040" cy="2103755"/>
-          </a:xfrm>
-          <a:prstGeom prst="straightConnector1"/>
-          <a:ln w="6350" cap="flat" cmpd="sng">
+        </p:nvSpPr>
+        <p:spPr>
+          <a:xfrm rot="0">
+            <a:off x="6827520" y="3893820"/>
+            <a:ext cx="4136390" cy="2339340"/>
+          </a:xfrm>
+          <a:prstGeom prst="rect"/>
+          <a:noFill/>
+          <a:ln w="0">
+            <a:noFill/>
             <a:prstDash/>
-            <a:headEnd type="none" w="med" len="med"/>
-            <a:tailEnd type="triangle" w="med" len="med"/>
           </a:ln>
         </p:spPr>
-        <p:style>
-          <a:lnRef idx="1">
-            <a:schemeClr val="accent1"/>
-          </a:lnRef>
-          <a:fillRef idx="0">
-            <a:schemeClr val="accent1"/>
-          </a:fillRef>
-          <a:effectRef idx="0">
-            <a:schemeClr val="accent1"/>
-          </a:effectRef>
-          <a:fontRef idx="minor">
-            <a:schemeClr val="tx1"/>
-          </a:fontRef>
-        </p:style>
-      </p:cxnSp>
+        <p:txBody>
+          <a:bodyPr wrap="square" lIns="89535" tIns="46355" rIns="89535" bIns="46355" numCol="1" vert="horz" anchor="t">
+            <a:spAutoFit/>
+          </a:bodyPr>
+          <a:lstStyle/>
+          <a:p>
+            <a:pPr marL="0" indent="0" algn="l" latinLnBrk="0" hangingPunct="1">
+              <a:buFontTx/>
+              <a:buNone/>
+            </a:pPr>
+            <a:r>
+              <a:rPr lang="ko-KR" sz="2000" b="1">
+                <a:solidFill>
+                  <a:srgbClr val="0611F2"/>
+                </a:solidFill>
+                <a:latin typeface="맑은 고딕" charset="0"/>
+                <a:ea typeface="맑은 고딕" charset="0"/>
+              </a:rPr>
+              <a:t>21</a:t>
+            </a:r>
+            <a:r>
+              <a:rPr sz="2000" b="1">
+                <a:solidFill>
+                  <a:srgbClr val="0611F2"/>
+                </a:solidFill>
+                <a:latin typeface="맑은 고딕" charset="0"/>
+                <a:ea typeface="맑은 고딕" charset="0"/>
+              </a:rPr>
+              <a:t>. </a:t>
+            </a:r>
+            <a:r>
+              <a:rPr lang="ko-KR" sz="1800">
+                <a:latin typeface="맑은 고딕" charset="0"/>
+                <a:ea typeface="맑은 고딕" charset="0"/>
+              </a:rPr>
+              <a:t>이제 Delete 스크립트를 선택한 다음 Start( ) 함수 안에 게임 오브젝트를 파괴하는 함수를 선언합니다.</a:t>
+            </a:r>
+            <a:endParaRPr lang="ko-KR" altLang="en-US" sz="1800">
+              <a:latin typeface="맑은 고딕" charset="0"/>
+              <a:ea typeface="맑은 고딕" charset="0"/>
+            </a:endParaRPr>
+          </a:p>
+          <a:p>
+            <a:pPr marL="0" indent="0" algn="l" latinLnBrk="0" hangingPunct="1">
+              <a:buFontTx/>
+              <a:buNone/>
+            </a:pPr>
+            <a:endParaRPr lang="ko-KR" altLang="en-US" sz="1800">
+              <a:latin typeface="맑은 고딕" charset="0"/>
+              <a:ea typeface="맑은 고딕" charset="0"/>
+            </a:endParaRPr>
+          </a:p>
+          <a:p>
+            <a:pPr marL="0" indent="0" algn="l" latinLnBrk="0" hangingPunct="1">
+              <a:buFontTx/>
+              <a:buNone/>
+            </a:pPr>
+            <a:r>
+              <a:rPr lang="ko-KR" sz="1800">
+                <a:latin typeface="맑은 고딕" charset="0"/>
+                <a:ea typeface="맑은 고딕" charset="0"/>
+              </a:rPr>
+              <a:t>그리고 Random.Range( )를 사용하여 게임 오브젝트가 1 ~ 5초 사이의 특정 시간에 파괴될 수 있도록 설정합니다.</a:t>
+            </a:r>
+            <a:endParaRPr lang="ko-KR" altLang="en-US" sz="1800">
+              <a:latin typeface="맑은 고딕" charset="0"/>
+              <a:ea typeface="맑은 고딕" charset="0"/>
+            </a:endParaRPr>
+          </a:p>
+        </p:txBody>
+      </p:sp>
     </p:spTree>
   </p:cSld>
   <p:clrMapOvr>

--- a/Assets/Class/Instantiate & Destroy/PPT Data/Instatiate and Destroy Example.pptx
+++ b/Assets/Class/Instantiate & Destroy/PPT Data/Instatiate and Destroy Example.pptx
@@ -2,24 +2,23 @@
 <file path=ppt/presentation.xml><?xml version="1.0" encoding="utf-8"?>
 <p:presentation xmlns:a="http://schemas.openxmlformats.org/drawingml/2006/main" xmlns:r="http://schemas.openxmlformats.org/officeDocument/2006/relationships" xmlns:p="http://schemas.openxmlformats.org/presentationml/2006/main" xmlns:p14="http://schemas.microsoft.com/office/powerpoint/2010/main" saveSubsetFonts="1" firstSlideNum="0">
   <p:sldMasterIdLst>
-    <p:sldMasterId id="2147485834" r:id="rId12"/>
+    <p:sldMasterId id="2147485864" r:id="rId12"/>
   </p:sldMasterIdLst>
   <p:notesMasterIdLst>
     <p:notesMasterId r:id="rId14"/>
   </p:notesMasterIdLst>
   <p:sldIdLst>
     <p:sldId id="293" r:id="rId16"/>
-    <p:sldId id="305" r:id="rId17"/>
-    <p:sldId id="294" r:id="rId18"/>
+    <p:sldId id="305" r:id="rId18"/>
+    <p:sldId id="294" r:id="rId19"/>
     <p:sldId id="295" r:id="rId20"/>
-    <p:sldId id="288" r:id="rId21"/>
-    <p:sldId id="296" r:id="rId22"/>
-    <p:sldId id="297" r:id="rId24"/>
-    <p:sldId id="298" r:id="rId26"/>
-    <p:sldId id="301" r:id="rId28"/>
-    <p:sldId id="287" r:id="rId30"/>
-    <p:sldId id="303" r:id="rId31"/>
-    <p:sldId id="304" r:id="rId33"/>
+    <p:sldId id="306" r:id="rId21"/>
+    <p:sldId id="307" r:id="rId22"/>
+    <p:sldId id="288" r:id="rId23"/>
+    <p:sldId id="308" r:id="rId24"/>
+    <p:sldId id="301" r:id="rId25"/>
+    <p:sldId id="287" r:id="rId26"/>
+    <p:sldId id="304" r:id="rId27"/>
   </p:sldIdLst>
   <p:sldSz cx="12192000" cy="6858000"/>
   <p:notesSz cx="6858000" cy="9144000"/>
@@ -792,148 +791,6 @@
         <p:spPr>
           <a:xfrm rot="0">
             <a:off x="685800" y="1143000"/>
-            <a:ext cx="5491480" cy="3091180"/>
-          </a:xfrm>
-          <a:prstGeom prst="rect"/>
-          <a:noFill/>
-          <a:ln w="12700" cap="flat" cmpd="sng">
-            <a:solidFill>
-              <a:srgbClr val="000000">
-                <a:alpha val="100000"/>
-              </a:srgbClr>
-            </a:solidFill>
-            <a:prstDash val="solid"/>
-          </a:ln>
-        </p:spPr>
-        <p:txBody>
-          <a:bodyPr wrap="square" lIns="91440" tIns="45720" rIns="91440" bIns="45720" numCol="1" vert="horz" anchor="ctr">
-            <a:noAutofit/>
-          </a:bodyPr>
-          <a:lstStyle/>
-          <a:p>
-            <a:pPr marL="0" indent="0" latinLnBrk="0">
-              <a:buFontTx/>
-              <a:buNone/>
-            </a:pPr>
-          </a:p>
-        </p:txBody>
-      </p:sp>
-      <p:sp>
-        <p:nvSpPr>
-          <p:cNvPr id="3" name="슬라이드 노트 개체 틀 4"/>
-          <p:cNvSpPr txBox="1">
-            <a:spLocks/>
-          </p:cNvSpPr>
-          <p:nvPr>
-            <p:ph type="body" idx="3"/>
-          </p:nvPr>
-        </p:nvSpPr>
-        <p:spPr>
-          <a:xfrm rot="0">
-            <a:off x="685800" y="4400550"/>
-            <a:ext cx="5491480" cy="3605530"/>
-          </a:xfrm>
-          <a:prstGeom prst="rect"/>
-        </p:spPr>
-        <p:txBody>
-          <a:bodyPr wrap="square" lIns="91440" tIns="45720" rIns="91440" bIns="45720" numCol="1" vert="horz" anchor="t">
-            <a:noAutofit/>
-          </a:bodyPr>
-          <a:lstStyle/>
-          <a:p>
-            <a:pPr marL="0" indent="0" latinLnBrk="0">
-              <a:buFontTx/>
-              <a:buNone/>
-            </a:pPr>
-          </a:p>
-        </p:txBody>
-      </p:sp>
-      <p:sp>
-        <p:nvSpPr>
-          <p:cNvPr id="4" name="슬라이드 번호 개체 틀 6"/>
-          <p:cNvSpPr txBox="1">
-            <a:spLocks/>
-          </p:cNvSpPr>
-          <p:nvPr>
-            <p:ph type="sldNum" idx="5"/>
-          </p:nvPr>
-        </p:nvSpPr>
-        <p:spPr>
-          <a:xfrm rot="0">
-            <a:off x="3884930" y="8685530"/>
-            <a:ext cx="2976880" cy="463550"/>
-          </a:xfrm>
-          <a:prstGeom prst="rect"/>
-        </p:spPr>
-        <p:txBody>
-          <a:bodyPr wrap="square" lIns="91440" tIns="45720" rIns="91440" bIns="45720" numCol="1" vert="horz" anchor="b">
-            <a:noAutofit/>
-          </a:bodyPr>
-          <a:lstStyle>
-            <a:lvl1pPr marL="0" indent="0" algn="r" latinLnBrk="0">
-              <a:buFontTx/>
-              <a:buNone/>
-              <a:defRPr lang="en-GB" altLang="en-US" sz="1200"/>
-            </a:lvl1pPr>
-          </a:lstStyle>
-          <a:p>
-            <a:pPr marL="0" indent="0" latinLnBrk="0">
-              <a:buFontTx/>
-              <a:buNone/>
-            </a:pPr>
-            <a:fld id="{B9320F77-B9A0-41C5-862A-B4B631284C64}" type="slidenum">
-              <a:rPr lang="ko-KR" altLang="en-US"/>
-              <a:t>‹#›</a:t>
-            </a:fld>
-          </a:p>
-        </p:txBody>
-      </p:sp>
-    </p:spTree>
-  </p:cSld>
-  <p:clrMapOvr>
-    <a:masterClrMapping/>
-  </p:clrMapOvr>
-  <mc:AlternateContent xmlns:mc="http://schemas.openxmlformats.org/markup-compatibility/2006">
-    <mc:Choice xmlns:p14="http://schemas.microsoft.com/office/powerpoint/2010/main" Requires="p14">
-      <p:transition spd="slow" p14:dur="0"/>
-    </mc:Choice>
-    <mc:Fallback>
-      <p:transition spd="slow"/>
-    </mc:Fallback>
-  </mc:AlternateContent>
-</p:notes>
-</file>
-
-<file path=ppt/notesSlides/notesSlide12.xml><?xml version="1.0" encoding="utf-8"?>
-<p:notes xmlns:a="http://schemas.openxmlformats.org/drawingml/2006/main" xmlns:r="http://schemas.openxmlformats.org/officeDocument/2006/relationships" xmlns:p="http://schemas.openxmlformats.org/presentationml/2006/main">
-  <p:cSld>
-    <p:spTree>
-      <p:nvGrpSpPr>
-        <p:cNvPr id="1" name=""/>
-        <p:cNvGrpSpPr/>
-        <p:nvPr/>
-      </p:nvGrpSpPr>
-      <p:grpSpPr>
-        <a:xfrm>
-          <a:off x="0" y="0"/>
-          <a:ext cx="0" cy="0"/>
-          <a:chOff x="0" y="0"/>
-          <a:chExt cx="0" cy="0"/>
-        </a:xfrm>
-      </p:grpSpPr>
-      <p:sp>
-        <p:nvSpPr>
-          <p:cNvPr id="2" name="슬라이드 이미지 개체 틀 3"/>
-          <p:cNvSpPr>
-            <a:spLocks noChangeAspect="1"/>
-          </p:cNvSpPr>
-          <p:nvPr>
-            <p:ph type="sldImg" idx="2"/>
-          </p:nvPr>
-        </p:nvSpPr>
-        <p:spPr>
-          <a:xfrm rot="0">
-            <a:off x="685800" y="1143000"/>
             <a:ext cx="5489575" cy="3089275"/>
           </a:xfrm>
           <a:prstGeom prst="rect"/>
@@ -1502,7 +1359,7 @@
         <p:spPr>
           <a:xfrm rot="0">
             <a:off x="685800" y="1143000"/>
-            <a:ext cx="5488940" cy="3088640"/>
+            <a:ext cx="5490210" cy="3089910"/>
           </a:xfrm>
           <a:prstGeom prst="rect"/>
           <a:noFill/>
@@ -1541,7 +1398,7 @@
         <p:spPr>
           <a:xfrm rot="0">
             <a:off x="685800" y="4400550"/>
-            <a:ext cx="5488940" cy="3602990"/>
+            <a:ext cx="5490210" cy="3604260"/>
           </a:xfrm>
           <a:prstGeom prst="rect"/>
         </p:spPr>
@@ -1571,7 +1428,7 @@
         <p:spPr>
           <a:xfrm rot="0">
             <a:off x="3884930" y="8685530"/>
-            <a:ext cx="2974340" cy="461010"/>
+            <a:ext cx="2975610" cy="462280"/>
           </a:xfrm>
           <a:prstGeom prst="rect"/>
         </p:spPr>
@@ -1644,7 +1501,7 @@
         <p:spPr>
           <a:xfrm rot="0">
             <a:off x="685800" y="1143000"/>
-            <a:ext cx="5489575" cy="3089275"/>
+            <a:ext cx="5490210" cy="3089910"/>
           </a:xfrm>
           <a:prstGeom prst="rect"/>
           <a:noFill/>
@@ -1683,7 +1540,7 @@
         <p:spPr>
           <a:xfrm rot="0">
             <a:off x="685800" y="4400550"/>
-            <a:ext cx="5489575" cy="3603625"/>
+            <a:ext cx="5490210" cy="3604260"/>
           </a:xfrm>
           <a:prstGeom prst="rect"/>
         </p:spPr>
@@ -1713,7 +1570,7 @@
         <p:spPr>
           <a:xfrm rot="0">
             <a:off x="3884930" y="8685530"/>
-            <a:ext cx="2974975" cy="461645"/>
+            <a:ext cx="2975610" cy="462280"/>
           </a:xfrm>
           <a:prstGeom prst="rect"/>
         </p:spPr>
@@ -1786,7 +1643,7 @@
         <p:spPr>
           <a:xfrm rot="0">
             <a:off x="685800" y="1143000"/>
-            <a:ext cx="5489575" cy="3089275"/>
+            <a:ext cx="5488940" cy="3088640"/>
           </a:xfrm>
           <a:prstGeom prst="rect"/>
           <a:noFill/>
@@ -1825,7 +1682,7 @@
         <p:spPr>
           <a:xfrm rot="0">
             <a:off x="685800" y="4400550"/>
-            <a:ext cx="5489575" cy="3603625"/>
+            <a:ext cx="5488940" cy="3602990"/>
           </a:xfrm>
           <a:prstGeom prst="rect"/>
         </p:spPr>
@@ -1855,7 +1712,7 @@
         <p:spPr>
           <a:xfrm rot="0">
             <a:off x="3884930" y="8685530"/>
-            <a:ext cx="2974975" cy="461645"/>
+            <a:ext cx="2974340" cy="461010"/>
           </a:xfrm>
           <a:prstGeom prst="rect"/>
         </p:spPr>
@@ -8049,8 +7906,8 @@
         </p:nvSpPr>
         <p:spPr>
           <a:xfrm rot="0">
-            <a:off x="6809105" y="4394200"/>
-            <a:ext cx="4146550" cy="1478915"/>
+            <a:off x="6830695" y="5514340"/>
+            <a:ext cx="4117975" cy="647065"/>
           </a:xfrm>
           <a:prstGeom prst="rect"/>
           <a:noFill/>
@@ -8074,7 +7931,56 @@
                 <a:latin typeface="맑은 고딕" charset="0"/>
                 <a:ea typeface="맑은 고딕" charset="0"/>
               </a:rPr>
-              <a:t>Destroy( ) 함수로 게임 오브젝트를 파괴했을 때 C++ nativeObject는 메모리에서 해제되며, C# UnityEngine.Object는 객체이기 때문에 해제되지 않습니다.</a:t>
+              <a:t>C#</a:t>
+            </a:r>
+            <a:r>
+              <a:rPr lang="ko-KR" sz="1800">
+                <a:latin typeface="맑은 고딕" charset="0"/>
+                <a:ea typeface="맑은 고딕" charset="0"/>
+              </a:rPr>
+              <a:t> </a:t>
+            </a:r>
+            <a:r>
+              <a:rPr lang="ko-KR" sz="1800">
+                <a:latin typeface="맑은 고딕" charset="0"/>
+                <a:ea typeface="맑은 고딕" charset="0"/>
+              </a:rPr>
+              <a:t>UnityEngine.Object는</a:t>
+            </a:r>
+            <a:r>
+              <a:rPr lang="ko-KR" sz="1800">
+                <a:latin typeface="맑은 고딕" charset="0"/>
+                <a:ea typeface="맑은 고딕" charset="0"/>
+              </a:rPr>
+              <a:t> 객체이기 </a:t>
+            </a:r>
+            <a:r>
+              <a:rPr lang="ko-KR" sz="1800">
+                <a:latin typeface="맑은 고딕" charset="0"/>
+                <a:ea typeface="맑은 고딕" charset="0"/>
+              </a:rPr>
+              <a:t>때문에</a:t>
+            </a:r>
+            <a:r>
+              <a:rPr lang="ko-KR" sz="1800">
+                <a:latin typeface="맑은 고딕" charset="0"/>
+                <a:ea typeface="맑은 고딕" charset="0"/>
+              </a:rPr>
+              <a:t> </a:t>
+            </a:r>
+            <a:r>
+              <a:rPr lang="ko-KR" sz="1800">
+                <a:latin typeface="맑은 고딕" charset="0"/>
+                <a:ea typeface="맑은 고딕" charset="0"/>
+              </a:rPr>
+              <a:t>해제되지</a:t>
+            </a:r>
+            <a:r>
+              <a:rPr lang="ko-KR" sz="1800">
+                <a:latin typeface="맑은 고딕" charset="0"/>
+                <a:ea typeface="맑은 고딕" charset="0"/>
+              </a:rPr>
+              <a:t> 않습니다.</a:t>
             </a:r>
             <a:endParaRPr lang="ko-KR" altLang="en-US" sz="1800">
               <a:latin typeface="맑은 고딕" charset="0"/>
@@ -8085,7 +7991,7 @@
       </p:sp>
       <p:pic>
         <p:nvPicPr>
-          <p:cNvPr id="1110" name="그림 24"/>
+          <p:cNvPr id="1110" name="그림 24" descr="C:/Users/Admin1/AppData/Roaming/PolarisOffice/ETemp/21916_16244272/fImage187452986500.png"/>
           <p:cNvPicPr>
             <a:picLocks noChangeAspect="1"/>
           </p:cNvPicPr>
@@ -8105,8 +8011,8 @@
         </p:blipFill>
         <p:spPr>
           <a:xfrm rot="0">
-            <a:off x="6816725" y="1612265"/>
-            <a:ext cx="4141470" cy="2635250"/>
+            <a:off x="6822440" y="2731770"/>
+            <a:ext cx="4135120" cy="2583180"/>
           </a:xfrm>
           <a:prstGeom prst="roundRect"/>
           <a:solidFill>
@@ -8114,6 +8020,120 @@
           </a:solidFill>
         </p:spPr>
       </p:pic>
+      <p:sp>
+        <p:nvSpPr>
+          <p:cNvPr id="1111" name="텍스트 상자 78"/>
+          <p:cNvSpPr txBox="1">
+            <a:spLocks/>
+          </p:cNvSpPr>
+          <p:nvPr/>
+        </p:nvSpPr>
+        <p:spPr>
+          <a:xfrm rot="0">
+            <a:off x="6822440" y="1554480"/>
+            <a:ext cx="4126230" cy="923925"/>
+          </a:xfrm>
+          <a:prstGeom prst="rect"/>
+          <a:noFill/>
+          <a:ln w="0">
+            <a:noFill/>
+            <a:prstDash/>
+          </a:ln>
+        </p:spPr>
+        <p:txBody>
+          <a:bodyPr wrap="square" lIns="89535" tIns="46355" rIns="89535" bIns="46355" numCol="1" vert="horz" anchor="t">
+            <a:spAutoFit/>
+          </a:bodyPr>
+          <a:lstStyle/>
+          <a:p>
+            <a:pPr marL="0" indent="0" algn="l" latinLnBrk="0" hangingPunct="1">
+              <a:buFontTx/>
+              <a:buNone/>
+            </a:pPr>
+            <a:r>
+              <a:rPr lang="ko-KR" sz="1800">
+                <a:latin typeface="맑은 고딕" charset="0"/>
+                <a:ea typeface="맑은 고딕" charset="0"/>
+              </a:rPr>
+              <a:t>Destroy(</a:t>
+            </a:r>
+            <a:r>
+              <a:rPr lang="ko-KR" sz="1800">
+                <a:latin typeface="맑은 고딕" charset="0"/>
+                <a:ea typeface="맑은 고딕" charset="0"/>
+              </a:rPr>
+              <a:t> ) 함수로 게임 </a:t>
+            </a:r>
+            <a:r>
+              <a:rPr lang="ko-KR" sz="1800">
+                <a:latin typeface="맑은 고딕" charset="0"/>
+                <a:ea typeface="맑은 고딕" charset="0"/>
+              </a:rPr>
+              <a:t>오브젝트를</a:t>
+            </a:r>
+            <a:r>
+              <a:rPr lang="ko-KR" sz="1800">
+                <a:latin typeface="맑은 고딕" charset="0"/>
+                <a:ea typeface="맑은 고딕" charset="0"/>
+              </a:rPr>
+              <a:t> </a:t>
+            </a:r>
+            <a:r>
+              <a:rPr lang="ko-KR" sz="1800">
+                <a:latin typeface="맑은 고딕" charset="0"/>
+                <a:ea typeface="맑은 고딕" charset="0"/>
+              </a:rPr>
+              <a:t>파괴했을</a:t>
+            </a:r>
+            <a:r>
+              <a:rPr lang="ko-KR" sz="1800">
+                <a:latin typeface="맑은 고딕" charset="0"/>
+                <a:ea typeface="맑은 고딕" charset="0"/>
+              </a:rPr>
+              <a:t> 때 C++ </a:t>
+            </a:r>
+            <a:r>
+              <a:rPr lang="ko-KR" sz="1800">
+                <a:latin typeface="맑은 고딕" charset="0"/>
+                <a:ea typeface="맑은 고딕" charset="0"/>
+              </a:rPr>
+              <a:t>nativeObject는</a:t>
+            </a:r>
+            <a:r>
+              <a:rPr lang="ko-KR" sz="1800">
+                <a:latin typeface="맑은 고딕" charset="0"/>
+                <a:ea typeface="맑은 고딕" charset="0"/>
+              </a:rPr>
+              <a:t> </a:t>
+            </a:r>
+            <a:r>
+              <a:rPr lang="ko-KR" sz="1800">
+                <a:latin typeface="맑은 고딕" charset="0"/>
+                <a:ea typeface="맑은 고딕" charset="0"/>
+              </a:rPr>
+              <a:t>메모리에서</a:t>
+            </a:r>
+            <a:r>
+              <a:rPr lang="ko-KR" sz="1800">
+                <a:latin typeface="맑은 고딕" charset="0"/>
+                <a:ea typeface="맑은 고딕" charset="0"/>
+              </a:rPr>
+              <a:t> </a:t>
+            </a:r>
+            <a:r>
+              <a:rPr lang="ko-KR" sz="1800">
+                <a:latin typeface="맑은 고딕" charset="0"/>
+                <a:ea typeface="맑은 고딕" charset="0"/>
+              </a:rPr>
+              <a:t>해제됩니다.</a:t>
+            </a:r>
+            <a:endParaRPr lang="ko-KR" altLang="en-US" sz="1800">
+              <a:latin typeface="맑은 고딕" charset="0"/>
+              <a:ea typeface="맑은 고딕" charset="0"/>
+            </a:endParaRPr>
+          </a:p>
+        </p:txBody>
+      </p:sp>
     </p:spTree>
   </p:cSld>
   <p:clrMapOvr>
@@ -8164,8 +8184,8 @@
         </p:nvSpPr>
         <p:spPr>
           <a:xfrm rot="0">
-            <a:off x="4318000" y="392430"/>
-            <a:ext cx="3563620" cy="554990"/>
+            <a:off x="4483100" y="353060"/>
+            <a:ext cx="3227070" cy="478155"/>
           </a:xfrm>
           <a:prstGeom prst="rect"/>
           <a:noFill/>
@@ -8180,53 +8200,43 @@
           </a:bodyPr>
           <a:lstStyle/>
           <a:p>
-            <a:pPr marL="0" indent="0" algn="l" latinLnBrk="0">
-              <a:buFontTx/>
-              <a:buNone/>
-            </a:pPr>
-            <a:r>
-              <a:rPr lang="ko-KR" altLang="en-US" sz="3000" b="1">
+            <a:pPr marL="0" indent="0" algn="ctr" latinLnBrk="0">
+              <a:buFontTx/>
+              <a:buNone/>
+            </a:pPr>
+            <a:r>
+              <a:rPr lang="ko-KR" altLang="en-US" sz="2500" b="1">
                 <a:solidFill>
                   <a:schemeClr val="tx1"/>
                 </a:solidFill>
-                <a:latin typeface="맑은 고딕" charset="0"/>
-                <a:ea typeface="맑은 고딕" charset="0"/>
-              </a:rPr>
-              <a:t>열</a:t>
-            </a:r>
-            <a:r>
-              <a:rPr lang="ko-KR" altLang="en-US" sz="3000" b="1">
+                <a:latin typeface="나눔바른고딕" charset="0"/>
+                <a:ea typeface="나눔바른고딕" charset="0"/>
+              </a:rPr>
+              <a:t>Managed</a:t>
+            </a:r>
+            <a:r>
+              <a:rPr lang="ko-KR" altLang="en-US" sz="2500" b="1">
                 <a:solidFill>
                   <a:schemeClr val="tx1"/>
                 </a:solidFill>
-                <a:latin typeface="맑은 고딕" charset="0"/>
-                <a:ea typeface="맑은 고딕" charset="0"/>
-              </a:rPr>
-              <a:t>한</a:t>
-            </a:r>
-            <a:r>
-              <a:rPr lang="ko-KR" altLang="en-US" sz="3000" b="1">
-                <a:solidFill>
-                  <a:schemeClr val="tx1"/>
-                </a:solidFill>
-                <a:latin typeface="맑은 고딕" charset="0"/>
-                <a:ea typeface="맑은 고딕" charset="0"/>
-              </a:rPr>
-              <a:t> 번째 튜토리얼</a:t>
-            </a:r>
-            <a:endParaRPr lang="ko-KR" altLang="en-US" sz="3000" b="1">
+                <a:latin typeface="나눔바른고딕" charset="0"/>
+                <a:ea typeface="나눔바른고딕" charset="0"/>
+              </a:rPr>
+              <a:t> Heap</a:t>
+            </a:r>
+            <a:endParaRPr lang="ko-KR" altLang="en-US" sz="2500" b="1">
               <a:solidFill>
                 <a:schemeClr val="tx1"/>
               </a:solidFill>
-              <a:latin typeface="맑은 고딕" charset="0"/>
-              <a:ea typeface="맑은 고딕" charset="0"/>
+              <a:latin typeface="나눔바른고딕" charset="0"/>
+              <a:ea typeface="나눔바른고딕" charset="0"/>
             </a:endParaRPr>
           </a:p>
         </p:txBody>
       </p:sp>
       <p:sp>
         <p:nvSpPr>
-          <p:cNvPr id="1070" name="Rect 0"/>
+          <p:cNvPr id="1101" name="Rect 0"/>
           <p:cNvSpPr txBox="1">
             <a:spLocks/>
           </p:cNvSpPr>
@@ -8234,8 +8244,8 @@
         </p:nvSpPr>
         <p:spPr>
           <a:xfrm rot="0">
-            <a:off x="1238885" y="5152390"/>
-            <a:ext cx="4140200" cy="1231265"/>
+            <a:off x="1257935" y="1438910"/>
+            <a:ext cx="4107815" cy="923925"/>
           </a:xfrm>
           <a:prstGeom prst="rect"/>
           <a:noFill/>
@@ -8255,66 +8265,67 @@
               <a:buNone/>
             </a:pPr>
             <a:r>
-              <a:rPr lang="ko-KR" sz="2000" b="1">
-                <a:solidFill>
-                  <a:srgbClr val="0611F2"/>
-                </a:solidFill>
-                <a:latin typeface="맑은 고딕" charset="0"/>
-                <a:ea typeface="맑은 고딕" charset="0"/>
-              </a:rPr>
-              <a:t>2</a:t>
-            </a:r>
-            <a:r>
-              <a:rPr lang="ko-KR" sz="2000" b="1">
-                <a:solidFill>
-                  <a:srgbClr val="0611F2"/>
-                </a:solidFill>
-                <a:latin typeface="맑은 고딕" charset="0"/>
-                <a:ea typeface="맑은 고딕" charset="0"/>
-              </a:rPr>
-              <a:t>5</a:t>
-            </a:r>
-            <a:r>
-              <a:rPr sz="2000" b="1">
-                <a:solidFill>
-                  <a:srgbClr val="0611F2"/>
-                </a:solidFill>
-                <a:latin typeface="맑은 고딕" charset="0"/>
-                <a:ea typeface="맑은 고딕" charset="0"/>
-              </a:rPr>
-              <a:t>. </a:t>
-            </a:r>
-            <a:r>
-              <a:rPr lang="ko-KR" sz="1800">
-                <a:latin typeface="맑은 고딕" charset="0"/>
-                <a:ea typeface="맑은 고딕" charset="0"/>
-              </a:rPr>
-              <a:t>이제 </a:t>
-            </a:r>
-            <a:r>
-              <a:rPr lang="ko-KR" sz="1800">
-                <a:latin typeface="맑은 고딕" charset="0"/>
-                <a:ea typeface="맑은 고딕" charset="0"/>
-              </a:rPr>
-              <a:t>Generic Create Button</a:t>
-            </a:r>
-            <a:r>
-              <a:rPr lang="ko-KR" sz="1800">
-                <a:latin typeface="맑은 고딕" charset="0"/>
-                <a:ea typeface="맑은 고딕" charset="0"/>
-              </a:rPr>
-              <a:t> 오브젝트에 있는 Image 컴포넌트의 Image Type과 Fill Method 그리고 Fill Origin을 설정합니다.</a:t>
+              <a:rPr lang="ko-KR" sz="1800">
+                <a:latin typeface="맑은 고딕" charset="0"/>
+                <a:ea typeface="맑은 고딕" charset="0"/>
+              </a:rPr>
+              <a:t>관리되는</a:t>
+            </a:r>
+            <a:r>
+              <a:rPr lang="ko-KR" sz="1800">
+                <a:latin typeface="맑은 고딕" charset="0"/>
+                <a:ea typeface="맑은 고딕" charset="0"/>
+              </a:rPr>
+              <a:t> 힙이란?</a:t>
             </a:r>
             <a:endParaRPr lang="ko-KR" altLang="en-US" sz="1800">
               <a:latin typeface="맑은 고딕" charset="0"/>
               <a:ea typeface="맑은 고딕" charset="0"/>
             </a:endParaRPr>
           </a:p>
-        </p:txBody>
-      </p:sp>
-      <p:sp>
-        <p:nvSpPr>
-          <p:cNvPr id="1108" name="Rect 0"/>
+          <a:p>
+            <a:pPr marL="0" indent="0" algn="l" latinLnBrk="0" hangingPunct="1">
+              <a:buFontTx/>
+              <a:buNone/>
+            </a:pPr>
+            <a:r>
+              <a:rPr lang="ko-KR" sz="1800">
+                <a:latin typeface="맑은 고딕" charset="0"/>
+                <a:ea typeface="맑은 고딕" charset="0"/>
+              </a:rPr>
+              <a:t>메모리</a:t>
+            </a:r>
+            <a:r>
+              <a:rPr lang="ko-KR" sz="1800">
+                <a:latin typeface="맑은 고딕" charset="0"/>
+                <a:ea typeface="맑은 고딕" charset="0"/>
+              </a:rPr>
+              <a:t> 관리자에 의해 자동으로 </a:t>
+            </a:r>
+            <a:r>
+              <a:rPr lang="ko-KR" sz="1800">
+                <a:latin typeface="맑은 고딕" charset="0"/>
+                <a:ea typeface="맑은 고딕" charset="0"/>
+              </a:rPr>
+              <a:t>관리되는</a:t>
+            </a:r>
+            <a:r>
+              <a:rPr lang="ko-KR" sz="1800">
+                <a:latin typeface="맑은 고딕" charset="0"/>
+                <a:ea typeface="맑은 고딕" charset="0"/>
+              </a:rPr>
+              <a:t> 메모리 영역입니다.</a:t>
+            </a:r>
+            <a:endParaRPr lang="ko-KR" altLang="en-US" sz="1800">
+              <a:latin typeface="맑은 고딕" charset="0"/>
+              <a:ea typeface="맑은 고딕" charset="0"/>
+            </a:endParaRPr>
+          </a:p>
+        </p:txBody>
+      </p:sp>
+      <p:sp>
+        <p:nvSpPr>
+          <p:cNvPr id="1109" name="Rect 0"/>
           <p:cNvSpPr txBox="1">
             <a:spLocks/>
           </p:cNvSpPr>
@@ -8322,8 +8333,8 @@
         </p:nvSpPr>
         <p:spPr>
           <a:xfrm rot="0">
-            <a:off x="6790055" y="4323080"/>
-            <a:ext cx="4167505" cy="2061845"/>
+            <a:off x="6816725" y="5314950"/>
+            <a:ext cx="4141470" cy="924560"/>
           </a:xfrm>
           <a:prstGeom prst="rect"/>
           <a:noFill/>
@@ -8343,37 +8354,79 @@
               <a:buNone/>
             </a:pPr>
             <a:r>
-              <a:rPr lang="ko-KR" sz="2000" b="1">
-                <a:solidFill>
-                  <a:srgbClr val="0611F2"/>
-                </a:solidFill>
-                <a:latin typeface="맑은 고딕" charset="0"/>
-                <a:ea typeface="맑은 고딕" charset="0"/>
-              </a:rPr>
-              <a:t>26</a:t>
-            </a:r>
-            <a:r>
-              <a:rPr sz="2000" b="1">
-                <a:solidFill>
-                  <a:srgbClr val="0611F2"/>
-                </a:solidFill>
-                <a:latin typeface="맑은 고딕" charset="0"/>
-                <a:ea typeface="맑은 고딕" charset="0"/>
-              </a:rPr>
-              <a:t>. </a:t>
-            </a:r>
-            <a:r>
-              <a:rPr lang="ko-KR" sz="1800">
-                <a:latin typeface="맑은 고딕" charset="0"/>
-                <a:ea typeface="맑은 고딕" charset="0"/>
-              </a:rPr>
-              <a:t>그다음으로 Delay 스크립트에 있는 Update( ) 함수에서 조건에 따라</a:t>
+              <a:rPr lang="ko-KR" sz="1800">
+                <a:latin typeface="맑은 고딕" charset="0"/>
+                <a:ea typeface="맑은 고딕" charset="0"/>
+              </a:rPr>
+              <a:t>관리되는</a:t>
+            </a:r>
+            <a:r>
+              <a:rPr lang="ko-KR" sz="1800">
+                <a:latin typeface="맑은 고딕" charset="0"/>
+                <a:ea typeface="맑은 고딕" charset="0"/>
+              </a:rPr>
+              <a:t> 힙의 경우 더 이상 할당할 </a:t>
+            </a:r>
+            <a:r>
+              <a:rPr lang="ko-KR" sz="1800">
+                <a:latin typeface="맑은 고딕" charset="0"/>
+                <a:ea typeface="맑은 고딕" charset="0"/>
+              </a:rPr>
+              <a:t>메모리</a:t>
+            </a:r>
+            <a:r>
+              <a:rPr lang="ko-KR" sz="1800">
+                <a:latin typeface="맑은 고딕" charset="0"/>
+                <a:ea typeface="맑은 고딕" charset="0"/>
+              </a:rPr>
+              <a:t> 공간이 없다면 메모리 공간의 </a:t>
+            </a:r>
+            <a:r>
+              <a:rPr lang="ko-KR" sz="1800">
+                <a:latin typeface="맑은 고딕" charset="0"/>
+                <a:ea typeface="맑은 고딕" charset="0"/>
+              </a:rPr>
+              <a:t>크기를</a:t>
+            </a:r>
+            <a:r>
+              <a:rPr lang="ko-KR" sz="1800">
+                <a:latin typeface="맑은 고딕" charset="0"/>
+                <a:ea typeface="맑은 고딕" charset="0"/>
+              </a:rPr>
+              <a:t> 2배로 확장합니다.</a:t>
             </a:r>
             <a:endParaRPr lang="ko-KR" altLang="en-US" sz="1800">
               <a:latin typeface="맑은 고딕" charset="0"/>
               <a:ea typeface="맑은 고딕" charset="0"/>
             </a:endParaRPr>
           </a:p>
+        </p:txBody>
+      </p:sp>
+      <p:sp>
+        <p:nvSpPr>
+          <p:cNvPr id="1112" name="텍스트 상자 4"/>
+          <p:cNvSpPr txBox="1">
+            <a:spLocks/>
+          </p:cNvSpPr>
+          <p:nvPr/>
+        </p:nvSpPr>
+        <p:spPr>
+          <a:xfrm rot="0">
+            <a:off x="1240790" y="5033645"/>
+            <a:ext cx="4126230" cy="1200785"/>
+          </a:xfrm>
+          <a:prstGeom prst="rect"/>
+          <a:noFill/>
+          <a:ln w="0">
+            <a:noFill/>
+            <a:prstDash/>
+          </a:ln>
+        </p:spPr>
+        <p:txBody>
+          <a:bodyPr wrap="square" lIns="89535" tIns="46355" rIns="89535" bIns="46355" numCol="1" vert="horz" anchor="t">
+            <a:spAutoFit/>
+          </a:bodyPr>
+          <a:lstStyle/>
           <a:p>
             <a:pPr marL="0" indent="0" algn="l" latinLnBrk="0" hangingPunct="1">
               <a:buFontTx/>
@@ -8384,55 +8437,70 @@
                 <a:latin typeface="맑은 고딕" charset="0"/>
                 <a:ea typeface="맑은 고딕" charset="0"/>
               </a:rPr>
-              <a:t>버튼 오브젝트를 비활성화 및 활성화하도록 선언합니다.</a:t>
+              <a:t>Unity의</a:t>
+            </a:r>
+            <a:r>
+              <a:rPr lang="ko-KR" sz="1800">
+                <a:latin typeface="맑은 고딕" charset="0"/>
+                <a:ea typeface="맑은 고딕" charset="0"/>
+              </a:rPr>
+              <a:t> 가비지 컬렉터는 Boehm GC </a:t>
+            </a:r>
+            <a:r>
+              <a:rPr lang="ko-KR" sz="1800">
+                <a:latin typeface="맑은 고딕" charset="0"/>
+                <a:ea typeface="맑은 고딕" charset="0"/>
+              </a:rPr>
+              <a:t>알고리즘을</a:t>
+            </a:r>
+            <a:r>
+              <a:rPr lang="ko-KR" sz="1800">
+                <a:latin typeface="맑은 고딕" charset="0"/>
+                <a:ea typeface="맑은 고딕" charset="0"/>
+              </a:rPr>
+              <a:t> 사용하므로, 세대 기반 </a:t>
+            </a:r>
+            <a:r>
+              <a:rPr lang="ko-KR" sz="1800">
+                <a:latin typeface="맑은 고딕" charset="0"/>
+                <a:ea typeface="맑은 고딕" charset="0"/>
+              </a:rPr>
+              <a:t>가비지</a:t>
+            </a:r>
+            <a:r>
+              <a:rPr lang="ko-KR" sz="1800">
+                <a:latin typeface="맑은 고딕" charset="0"/>
+                <a:ea typeface="맑은 고딕" charset="0"/>
+              </a:rPr>
+              <a:t> 컬렉터 방식을 지원하지 </a:t>
+            </a:r>
+            <a:r>
+              <a:rPr lang="ko-KR" sz="1800">
+                <a:latin typeface="맑은 고딕" charset="0"/>
+                <a:ea typeface="맑은 고딕" charset="0"/>
+              </a:rPr>
+              <a:t>않습니다.</a:t>
             </a:r>
             <a:endParaRPr lang="ko-KR" altLang="en-US" sz="1800">
               <a:latin typeface="맑은 고딕" charset="0"/>
               <a:ea typeface="맑은 고딕" charset="0"/>
             </a:endParaRPr>
           </a:p>
-          <a:p>
-            <a:pPr marL="0" indent="0" algn="l" latinLnBrk="0" hangingPunct="1">
-              <a:buFontTx/>
-              <a:buNone/>
-            </a:pPr>
-            <a:endParaRPr lang="ko-KR" altLang="en-US" sz="1800">
-              <a:latin typeface="맑은 고딕" charset="0"/>
-              <a:ea typeface="맑은 고딕" charset="0"/>
-            </a:endParaRPr>
-          </a:p>
-          <a:p>
-            <a:pPr marL="0" indent="0" algn="l" latinLnBrk="0" hangingPunct="1">
-              <a:buFontTx/>
-              <a:buNone/>
-            </a:pPr>
-            <a:r>
-              <a:rPr lang="ko-KR" sz="1800">
-                <a:latin typeface="맑은 고딕" charset="0"/>
-                <a:ea typeface="맑은 고딕" charset="0"/>
-              </a:rPr>
-              <a:t>마지막으로 이미지에 fillAmount 값을 시간에 따라 변화하도록 설정합니다.</a:t>
-            </a:r>
-            <a:endParaRPr lang="ko-KR" altLang="en-US" sz="1800">
-              <a:latin typeface="맑은 고딕" charset="0"/>
-              <a:ea typeface="맑은 고딕" charset="0"/>
-            </a:endParaRPr>
-          </a:p>
         </p:txBody>
       </p:sp>
       <p:pic>
         <p:nvPicPr>
-          <p:cNvPr id="1110" name="그림 19"/>
+          <p:cNvPr id="1115" name="그림 4" descr="C:/Users/Admin1/AppData/Roaming/PolarisOffice/ETemp/21916_16244272/fImage684032178467.png"/>
           <p:cNvPicPr>
             <a:picLocks noChangeAspect="1"/>
           </p:cNvPicPr>
           <p:nvPr/>
         </p:nvPicPr>
         <p:blipFill rotWithShape="1">
-          <a:blip r:embed="rId2" cstate="print">
+          <a:blip r:embed="rId5" cstate="hqprint">
             <a:extLst>
               <a:ext uri="{28A0092B-C50C-407E-A947-70E740481C1C}">
-                <a14:useLocalDpi xmlns:a14="http://schemas.microsoft.com/office/drawing/2010/main" val="0"/>
+                <a14:useLocalDpi xmlns:a14="http://schemas.microsoft.com/office/drawing/2010/main"/>
               </a:ext>
             </a:extLst>
           </a:blip>
@@ -8442,8 +8510,8 @@
         </p:blipFill>
         <p:spPr>
           <a:xfrm rot="0">
-            <a:off x="1238250" y="1446530"/>
-            <a:ext cx="4149725" cy="3558540"/>
+            <a:off x="1249045" y="2566670"/>
+            <a:ext cx="4114165" cy="2249170"/>
           </a:xfrm>
           <a:prstGeom prst="roundRect"/>
           <a:solidFill>
@@ -8453,17 +8521,17 @@
       </p:pic>
       <p:pic>
         <p:nvPicPr>
-          <p:cNvPr id="1111" name="그림 22"/>
+          <p:cNvPr id="1116" name="그림 16" descr="C:/Users/Admin1/AppData/Roaming/PolarisOffice/ETemp/21916_16244272/fImage72232226334.png"/>
           <p:cNvPicPr>
             <a:picLocks noChangeAspect="1"/>
           </p:cNvPicPr>
           <p:nvPr/>
         </p:nvPicPr>
         <p:blipFill rotWithShape="1">
-          <a:blip r:embed="rId3" cstate="print">
+          <a:blip r:embed="rId6" cstate="hqprint">
             <a:extLst>
               <a:ext uri="{28A0092B-C50C-407E-A947-70E740481C1C}">
-                <a14:useLocalDpi xmlns:a14="http://schemas.microsoft.com/office/drawing/2010/main" val="0"/>
+                <a14:useLocalDpi xmlns:a14="http://schemas.microsoft.com/office/drawing/2010/main"/>
               </a:ext>
             </a:extLst>
           </a:blip>
@@ -8473,309 +8541,8 @@
         </p:blipFill>
         <p:spPr>
           <a:xfrm rot="0">
-            <a:off x="6791960" y="1438275"/>
-            <a:ext cx="4173855" cy="2735580"/>
-          </a:xfrm>
-          <a:prstGeom prst="roundRect"/>
-          <a:solidFill>
-            <a:srgbClr val="EDEDED"/>
-          </a:solidFill>
-        </p:spPr>
-      </p:pic>
-    </p:spTree>
-  </p:cSld>
-  <p:clrMapOvr>
-    <a:masterClrMapping/>
-  </p:clrMapOvr>
-  <mc:AlternateContent xmlns:mc="http://schemas.openxmlformats.org/markup-compatibility/2006">
-    <mc:Choice xmlns:p14="http://schemas.microsoft.com/office/powerpoint/2010/main" Requires="p14">
-      <p:transition spd="slow" p14:dur="2000"/>
-    </mc:Choice>
-    <mc:Fallback>
-      <p:transition spd="slow"/>
-    </mc:Fallback>
-  </mc:AlternateContent>
-  <p:timing>
-    <p:tnLst>
-      <p:par>
-        <p:cTn id="1" dur="indefinite" restart="never" nodeType="tmRoot"/>
-      </p:par>
-    </p:tnLst>
-  </p:timing>
-</p:sld>
-</file>
-
-<file path=ppt/slides/slide12.xml><?xml version="1.0" encoding="utf-8"?>
-<p:sld xmlns:a="http://schemas.openxmlformats.org/drawingml/2006/main" xmlns:r="http://schemas.openxmlformats.org/officeDocument/2006/relationships" xmlns:p="http://schemas.openxmlformats.org/presentationml/2006/main" xmlns:p14="http://schemas.microsoft.com/office/powerpoint/2010/main">
-  <p:cSld>
-    <p:spTree>
-      <p:nvGrpSpPr>
-        <p:cNvPr id="1" name=""/>
-        <p:cNvGrpSpPr/>
-        <p:nvPr/>
-      </p:nvGrpSpPr>
-      <p:grpSpPr>
-        <a:xfrm>
-          <a:off x="0" y="0"/>
-          <a:ext cx="0" cy="0"/>
-          <a:chOff x="0" y="0"/>
-          <a:chExt cx="0" cy="0"/>
-        </a:xfrm>
-      </p:grpSpPr>
-      <p:sp>
-        <p:nvSpPr>
-          <p:cNvPr id="1031" name="Rect 0"/>
-          <p:cNvSpPr txBox="1">
-            <a:spLocks/>
-          </p:cNvSpPr>
-          <p:nvPr/>
-        </p:nvSpPr>
-        <p:spPr>
-          <a:xfrm rot="0">
-            <a:off x="4595495" y="551180"/>
-            <a:ext cx="3003550" cy="554990"/>
-          </a:xfrm>
-          <a:prstGeom prst="rect"/>
-          <a:noFill/>
-          <a:ln w="0">
-            <a:noFill/>
-            <a:prstDash/>
-          </a:ln>
-        </p:spPr>
-        <p:txBody>
-          <a:bodyPr wrap="square" lIns="89535" tIns="46355" rIns="89535" bIns="46355" numCol="1" vert="horz" anchor="t">
-            <a:spAutoFit/>
-          </a:bodyPr>
-          <a:lstStyle/>
-          <a:p>
-            <a:pPr marL="0" indent="0" algn="l" latinLnBrk="0">
-              <a:buFontTx/>
-              <a:buNone/>
-            </a:pPr>
-            <a:r>
-              <a:rPr lang="ko-KR" altLang="en-US" sz="3000" b="1">
-                <a:solidFill>
-                  <a:schemeClr val="tx1"/>
-                </a:solidFill>
-                <a:latin typeface="맑은 고딕" charset="0"/>
-                <a:ea typeface="맑은 고딕" charset="0"/>
-              </a:rPr>
-              <a:t>Managed Heap</a:t>
-            </a:r>
-            <a:endParaRPr lang="ko-KR" altLang="en-US" sz="3000" b="1">
-              <a:solidFill>
-                <a:schemeClr val="tx1"/>
-              </a:solidFill>
-              <a:latin typeface="맑은 고딕" charset="0"/>
-              <a:ea typeface="맑은 고딕" charset="0"/>
-            </a:endParaRPr>
-          </a:p>
-        </p:txBody>
-      </p:sp>
-      <p:sp>
-        <p:nvSpPr>
-          <p:cNvPr id="1101" name="Rect 0"/>
-          <p:cNvSpPr txBox="1">
-            <a:spLocks/>
-          </p:cNvSpPr>
-          <p:nvPr/>
-        </p:nvSpPr>
-        <p:spPr>
-          <a:xfrm rot="0">
-            <a:off x="1047750" y="1619885"/>
-            <a:ext cx="4308475" cy="923925"/>
-          </a:xfrm>
-          <a:prstGeom prst="rect"/>
-          <a:noFill/>
-          <a:ln w="0">
-            <a:noFill/>
-            <a:prstDash/>
-          </a:ln>
-        </p:spPr>
-        <p:txBody>
-          <a:bodyPr wrap="square" lIns="89535" tIns="46355" rIns="89535" bIns="46355" numCol="1" vert="horz" anchor="t">
-            <a:spAutoFit/>
-          </a:bodyPr>
-          <a:lstStyle/>
-          <a:p>
-            <a:pPr marL="0" indent="0" algn="l" latinLnBrk="0" hangingPunct="1">
-              <a:buFontTx/>
-              <a:buNone/>
-            </a:pPr>
-            <a:r>
-              <a:rPr lang="ko-KR" sz="1800">
-                <a:latin typeface="맑은 고딕" charset="0"/>
-                <a:ea typeface="맑은 고딕" charset="0"/>
-              </a:rPr>
-              <a:t>관리되는 힙이란?</a:t>
-            </a:r>
-            <a:endParaRPr lang="ko-KR" altLang="en-US" sz="1800">
-              <a:latin typeface="맑은 고딕" charset="0"/>
-              <a:ea typeface="맑은 고딕" charset="0"/>
-            </a:endParaRPr>
-          </a:p>
-          <a:p>
-            <a:pPr marL="0" indent="0" algn="l" latinLnBrk="0" hangingPunct="1">
-              <a:buFontTx/>
-              <a:buNone/>
-            </a:pPr>
-            <a:r>
-              <a:rPr lang="ko-KR" sz="1800">
-                <a:latin typeface="맑은 고딕" charset="0"/>
-                <a:ea typeface="맑은 고딕" charset="0"/>
-              </a:rPr>
-              <a:t>메모리 관리자에 의해 자동으로 관리되는 메모리 영역입니다.</a:t>
-            </a:r>
-            <a:endParaRPr lang="ko-KR" altLang="en-US" sz="1800">
-              <a:latin typeface="맑은 고딕" charset="0"/>
-              <a:ea typeface="맑은 고딕" charset="0"/>
-            </a:endParaRPr>
-          </a:p>
-        </p:txBody>
-      </p:sp>
-      <p:sp>
-        <p:nvSpPr>
-          <p:cNvPr id="1109" name="Rect 0"/>
-          <p:cNvSpPr txBox="1">
-            <a:spLocks/>
-          </p:cNvSpPr>
-          <p:nvPr/>
-        </p:nvSpPr>
-        <p:spPr>
-          <a:xfrm rot="0">
-            <a:off x="6816725" y="5314950"/>
-            <a:ext cx="4140835" cy="923925"/>
-          </a:xfrm>
-          <a:prstGeom prst="rect"/>
-          <a:noFill/>
-          <a:ln w="0">
-            <a:noFill/>
-            <a:prstDash/>
-          </a:ln>
-        </p:spPr>
-        <p:txBody>
-          <a:bodyPr wrap="square" lIns="89535" tIns="46355" rIns="89535" bIns="46355" numCol="1" vert="horz" anchor="t">
-            <a:spAutoFit/>
-          </a:bodyPr>
-          <a:lstStyle/>
-          <a:p>
-            <a:pPr marL="0" indent="0" algn="l" latinLnBrk="0" hangingPunct="1">
-              <a:buFontTx/>
-              <a:buNone/>
-            </a:pPr>
-            <a:r>
-              <a:rPr lang="ko-KR" sz="1800">
-                <a:latin typeface="맑은 고딕" charset="0"/>
-                <a:ea typeface="맑은 고딕" charset="0"/>
-              </a:rPr>
-              <a:t>관리되는 힙의 경우 더 이상 할당할 메모리 공간이 없다면 메모리 공간의 크기를 2배로 확장합니다.</a:t>
-            </a:r>
-            <a:endParaRPr lang="ko-KR" altLang="en-US" sz="1800">
-              <a:latin typeface="맑은 고딕" charset="0"/>
-              <a:ea typeface="맑은 고딕" charset="0"/>
-            </a:endParaRPr>
-          </a:p>
-        </p:txBody>
-      </p:sp>
-      <p:sp>
-        <p:nvSpPr>
-          <p:cNvPr id="1112" name="텍스트 상자 4"/>
-          <p:cNvSpPr txBox="1">
-            <a:spLocks/>
-          </p:cNvSpPr>
-          <p:nvPr/>
-        </p:nvSpPr>
-        <p:spPr>
-          <a:xfrm rot="0">
-            <a:off x="1047750" y="5033645"/>
-            <a:ext cx="4309110" cy="1201420"/>
-          </a:xfrm>
-          <a:prstGeom prst="rect"/>
-          <a:noFill/>
-          <a:ln w="0">
-            <a:noFill/>
-            <a:prstDash/>
-          </a:ln>
-        </p:spPr>
-        <p:txBody>
-          <a:bodyPr wrap="square" lIns="89535" tIns="46355" rIns="89535" bIns="46355" numCol="1" vert="horz" anchor="t">
-            <a:spAutoFit/>
-          </a:bodyPr>
-          <a:lstStyle/>
-          <a:p>
-            <a:pPr marL="0" indent="0" algn="l" latinLnBrk="0" hangingPunct="1">
-              <a:buFontTx/>
-              <a:buNone/>
-            </a:pPr>
-            <a:r>
-              <a:rPr lang="ko-KR" sz="1800">
-                <a:latin typeface="맑은 고딕" charset="0"/>
-                <a:ea typeface="맑은 고딕" charset="0"/>
-              </a:rPr>
-              <a:t>Unity의 가비지 컬렉터는 Boehm GC 알고리즘을 사용하므로, 세대 기반 가비지 컬렉터 방식을 지원하지 않습니다.</a:t>
-            </a:r>
-            <a:endParaRPr lang="ko-KR" altLang="en-US" sz="1800">
-              <a:latin typeface="맑은 고딕" charset="0"/>
-              <a:ea typeface="맑은 고딕" charset="0"/>
-            </a:endParaRPr>
-          </a:p>
-        </p:txBody>
-      </p:sp>
-      <p:pic>
-        <p:nvPicPr>
-          <p:cNvPr id="1115" name="그림 4" descr="C:/Users/Admin1/AppData/Roaming/PolarisOffice/ETemp/7296_8449768/fImage684032178467.png"/>
-          <p:cNvPicPr>
-            <a:picLocks noChangeAspect="1"/>
-          </p:cNvPicPr>
-          <p:nvPr/>
-        </p:nvPicPr>
-        <p:blipFill rotWithShape="1">
-          <a:blip r:embed="rId5" cstate="print">
-            <a:extLst>
-              <a:ext uri="{28A0092B-C50C-407E-A947-70E740481C1C}">
-                <a14:useLocalDpi xmlns:a14="http://schemas.microsoft.com/office/drawing/2010/main" val="0"/>
-              </a:ext>
-            </a:extLst>
-          </a:blip>
-          <a:stretch>
-            <a:fillRect/>
-          </a:stretch>
-        </p:blipFill>
-        <p:spPr>
-          <a:xfrm rot="0">
-            <a:off x="1047115" y="2720340"/>
-            <a:ext cx="4315460" cy="2176780"/>
-          </a:xfrm>
-          <a:prstGeom prst="roundRect"/>
-          <a:solidFill>
-            <a:srgbClr val="EDEDED"/>
-          </a:solidFill>
-        </p:spPr>
-      </p:pic>
-      <p:pic>
-        <p:nvPicPr>
-          <p:cNvPr id="1116" name="그림 16" descr="C:/Users/Admin1/AppData/Roaming/PolarisOffice/ETemp/7296_8449768/fImage72232226334.png"/>
-          <p:cNvPicPr>
-            <a:picLocks noChangeAspect="1"/>
-          </p:cNvPicPr>
-          <p:nvPr/>
-        </p:nvPicPr>
-        <p:blipFill rotWithShape="1">
-          <a:blip r:embed="rId6" cstate="print">
-            <a:extLst>
-              <a:ext uri="{28A0092B-C50C-407E-A947-70E740481C1C}">
-                <a14:useLocalDpi xmlns:a14="http://schemas.microsoft.com/office/drawing/2010/main" val="0"/>
-              </a:ext>
-            </a:extLst>
-          </a:blip>
-          <a:stretch>
-            <a:fillRect/>
-          </a:stretch>
-        </p:blipFill>
-        <p:spPr>
-          <a:xfrm rot="0">
-            <a:off x="6816725" y="1621155"/>
-            <a:ext cx="4140835" cy="3542030"/>
+            <a:off x="6805295" y="1438275"/>
+            <a:ext cx="4143375" cy="3601085"/>
           </a:xfrm>
           <a:prstGeom prst="rect"/>
           <a:noFill/>
@@ -8805,7 +8572,7 @@
 </file>
 
 <file path=ppt/slides/slide2.xml><?xml version="1.0" encoding="utf-8"?>
-<p:sld xmlns:a="http://schemas.openxmlformats.org/drawingml/2006/main" xmlns:r="http://schemas.openxmlformats.org/officeDocument/2006/relationships" xmlns:p="http://schemas.openxmlformats.org/presentationml/2006/main">
+<p:sld xmlns:a="http://schemas.openxmlformats.org/drawingml/2006/main" xmlns:r="http://schemas.openxmlformats.org/officeDocument/2006/relationships" xmlns:p="http://schemas.openxmlformats.org/presentationml/2006/main" xmlns:p14="http://schemas.microsoft.com/office/powerpoint/2010/main">
   <p:cSld>
     <p:spTree>
       <p:nvGrpSpPr>
@@ -9014,8 +8781,8 @@
         </p:nvSpPr>
         <p:spPr>
           <a:xfrm rot="0">
-            <a:off x="6800850" y="4467860"/>
-            <a:ext cx="4147820" cy="1784985"/>
+            <a:off x="6805295" y="5294630"/>
+            <a:ext cx="4152265" cy="954405"/>
           </a:xfrm>
           <a:prstGeom prst="rect"/>
           <a:noFill/>
@@ -9083,28 +8850,7 @@
                 <a:latin typeface="맑은 고딕" charset="0"/>
                 <a:ea typeface="맑은 고딕" charset="0"/>
               </a:rPr>
-              <a:t> Create</a:t>
-            </a:r>
-            <a:r>
-              <a:rPr lang="ko-KR" sz="1800">
-                <a:latin typeface="맑은 고딕" charset="0"/>
-                <a:ea typeface="맑은 고딕" charset="0"/>
-              </a:rPr>
-              <a:t> </a:t>
-            </a:r>
-            <a:r>
-              <a:rPr lang="ko-KR" sz="1800">
-                <a:latin typeface="맑은 고딕" charset="0"/>
-                <a:ea typeface="맑은 고딕" charset="0"/>
-              </a:rPr>
-              <a:t>Button이라는 이름으로</a:t>
-            </a:r>
-            <a:r>
-              <a:rPr lang="ko-KR" sz="1800">
-                <a:latin typeface="맑은 고딕" charset="0"/>
-                <a:ea typeface="맑은 고딕" charset="0"/>
-              </a:rPr>
-              <a:t> </a:t>
+              <a:t> Create Button이라는 이름으로 </a:t>
             </a:r>
             <a:r>
               <a:rPr lang="ko-KR" sz="1800">
@@ -9118,153 +8864,11 @@
               <a:ea typeface="맑은 고딕" charset="0"/>
             </a:endParaRPr>
           </a:p>
-          <a:p>
-            <a:pPr marL="0" indent="0" algn="l" latinLnBrk="0" hangingPunct="1">
-              <a:buFontTx/>
-              <a:buNone/>
-            </a:pPr>
-            <a:endParaRPr lang="ko-KR" altLang="en-US" sz="1800">
-              <a:latin typeface="맑은 고딕" charset="0"/>
-              <a:ea typeface="맑은 고딕" charset="0"/>
-            </a:endParaRPr>
-          </a:p>
-          <a:p>
-            <a:pPr marL="0" indent="0" algn="l" latinLnBrk="0" hangingPunct="1">
-              <a:buFontTx/>
-              <a:buNone/>
-            </a:pPr>
-            <a:r>
-              <a:rPr lang="ko-KR" sz="1800">
-                <a:latin typeface="맑은 고딕" charset="0"/>
-                <a:ea typeface="맑은 고딕" charset="0"/>
-              </a:rPr>
-              <a:t>그러고</a:t>
-            </a:r>
-            <a:r>
-              <a:rPr lang="ko-KR" sz="1800">
-                <a:latin typeface="맑은 고딕" charset="0"/>
-                <a:ea typeface="맑은 고딕" charset="0"/>
-              </a:rPr>
-              <a:t> 나서 </a:t>
-            </a:r>
-            <a:r>
-              <a:rPr lang="ko-KR" sz="1800">
-                <a:latin typeface="맑은 고딕" charset="0"/>
-                <a:ea typeface="맑은 고딕" charset="0"/>
-              </a:rPr>
-              <a:t>Delay라는</a:t>
-            </a:r>
-            <a:r>
-              <a:rPr lang="ko-KR" sz="1800">
-                <a:latin typeface="맑은 고딕" charset="0"/>
-                <a:ea typeface="맑은 고딕" charset="0"/>
-              </a:rPr>
-              <a:t> </a:t>
-            </a:r>
-            <a:r>
-              <a:rPr lang="ko-KR" sz="1800">
-                <a:latin typeface="맑은 고딕" charset="0"/>
-                <a:ea typeface="맑은 고딕" charset="0"/>
-              </a:rPr>
-              <a:t>스크립트를 </a:t>
-            </a:r>
-            <a:r>
-              <a:rPr lang="ko-KR" sz="1800">
-                <a:latin typeface="맑은 고딕" charset="0"/>
-                <a:ea typeface="맑은 고딕" charset="0"/>
-              </a:rPr>
-              <a:t>생성</a:t>
-            </a:r>
-            <a:r>
-              <a:rPr lang="ko-KR" sz="1800">
-                <a:latin typeface="맑은 고딕" charset="0"/>
-                <a:ea typeface="맑은 고딕" charset="0"/>
-              </a:rPr>
-              <a:t>하고</a:t>
-            </a:r>
-            <a:r>
-              <a:rPr lang="ko-KR" sz="1800">
-                <a:latin typeface="맑은 고딕" charset="0"/>
-                <a:ea typeface="맑은 고딕" charset="0"/>
-              </a:rPr>
-              <a:t> </a:t>
-            </a:r>
-            <a:r>
-              <a:rPr lang="ko-KR" sz="1800">
-                <a:latin typeface="맑은 고딕" charset="0"/>
-                <a:ea typeface="맑은 고딕" charset="0"/>
-              </a:rPr>
-              <a:t>Create</a:t>
-            </a:r>
-            <a:r>
-              <a:rPr lang="ko-KR" sz="1800">
-                <a:latin typeface="맑은 고딕" charset="0"/>
-                <a:ea typeface="맑은 고딕" charset="0"/>
-              </a:rPr>
-              <a:t> </a:t>
-            </a:r>
-            <a:r>
-              <a:rPr lang="ko-KR" sz="1800">
-                <a:latin typeface="맑은 고딕" charset="0"/>
-                <a:ea typeface="맑은 고딕" charset="0"/>
-              </a:rPr>
-              <a:t>Button에</a:t>
-            </a:r>
-            <a:r>
-              <a:rPr lang="ko-KR" sz="1800">
-                <a:latin typeface="맑은 고딕" charset="0"/>
-                <a:ea typeface="맑은 고딕" charset="0"/>
-              </a:rPr>
-              <a:t> </a:t>
-            </a:r>
-            <a:r>
-              <a:rPr lang="ko-KR" sz="1800">
-                <a:latin typeface="맑은 고딕" charset="0"/>
-                <a:ea typeface="맑은 고딕" charset="0"/>
-              </a:rPr>
-              <a:t>넣어줍니다.</a:t>
-            </a:r>
-            <a:endParaRPr lang="ko-KR" altLang="en-US" sz="1800">
-              <a:latin typeface="맑은 고딕" charset="0"/>
-              <a:ea typeface="맑은 고딕" charset="0"/>
-            </a:endParaRPr>
-          </a:p>
         </p:txBody>
       </p:sp>
       <p:pic>
         <p:nvPicPr>
-          <p:cNvPr id="1053" name="Picture " descr="C:/Users/Admin1/AppData/Roaming/PolarisOffice/ETemp/28716_10216168/fImage19561928467.png"/>
-          <p:cNvPicPr>
-            <a:picLocks noChangeAspect="1"/>
-          </p:cNvPicPr>
-          <p:nvPr/>
-        </p:nvPicPr>
-        <p:blipFill rotWithShape="1">
-          <a:blip r:embed="rId2" cstate="hqprint">
-            <a:extLst>
-              <a:ext uri="{28A0092B-C50C-407E-A947-70E740481C1C}">
-                <a14:useLocalDpi xmlns:a14="http://schemas.microsoft.com/office/drawing/2010/main"/>
-              </a:ext>
-            </a:extLst>
-          </a:blip>
-          <a:stretch>
-            <a:fillRect/>
-          </a:stretch>
-        </p:blipFill>
-        <p:spPr>
-          <a:xfrm rot="0">
-            <a:off x="10028555" y="3514090"/>
-            <a:ext cx="678815" cy="758825"/>
-          </a:xfrm>
-          <a:prstGeom prst="roundRect"/>
-          <a:solidFill>
-            <a:srgbClr val="EDEDED"/>
-          </a:solidFill>
-        </p:spPr>
-      </p:pic>
-      <p:pic>
-        <p:nvPicPr>
-          <p:cNvPr id="1055" name="그림 10" descr="C:/Users/Admin1/AppData/Roaming/PolarisOffice/ETemp/28716_10216168/fImage72742946500.png"/>
+          <p:cNvPr id="1055" name="그림 10"/>
           <p:cNvPicPr>
             <a:picLocks noChangeAspect="1"/>
           </p:cNvPicPr>
@@ -9295,7 +8899,7 @@
       </p:pic>
       <p:pic>
         <p:nvPicPr>
-          <p:cNvPr id="1056" name="그림 11" descr="C:/Users/Admin1/AppData/Roaming/PolarisOffice/ETemp/28716_10216168/fImage223252959169.png"/>
+          <p:cNvPr id="1056" name="그림 11"/>
           <p:cNvPicPr>
             <a:picLocks noChangeAspect="1"/>
           </p:cNvPicPr>
@@ -9326,17 +8930,17 @@
       </p:pic>
       <p:pic>
         <p:nvPicPr>
-          <p:cNvPr id="1057" name="그림 16" descr="C:/Users/Admin1/AppData/Roaming/PolarisOffice/ETemp/28716_10216168/fImage254672965724.png"/>
+          <p:cNvPr id="1057" name="그림 16" descr="C:/Users/Admin1/AppData/Roaming/PolarisOffice/ETemp/21916_16244272/fImage254672965724.png"/>
           <p:cNvPicPr>
             <a:picLocks noChangeAspect="1"/>
           </p:cNvPicPr>
           <p:nvPr/>
         </p:nvPicPr>
         <p:blipFill rotWithShape="1">
-          <a:blip r:embed="rId5" cstate="print">
+          <a:blip r:embed="rId5" cstate="hqprint">
             <a:extLst>
               <a:ext uri="{28A0092B-C50C-407E-A947-70E740481C1C}">
-                <a14:useLocalDpi xmlns:a14="http://schemas.microsoft.com/office/drawing/2010/main" val="0"/>
+                <a14:useLocalDpi xmlns:a14="http://schemas.microsoft.com/office/drawing/2010/main"/>
               </a:ext>
             </a:extLst>
           </a:blip>
@@ -9347,7 +8951,7 @@
         <p:spPr>
           <a:xfrm rot="0">
             <a:off x="6801485" y="1438275"/>
-            <a:ext cx="2752090" cy="2834640"/>
+            <a:ext cx="2803525" cy="3627120"/>
           </a:xfrm>
           <a:prstGeom prst="roundRect"/>
           <a:solidFill>
@@ -9357,17 +8961,17 @@
       </p:pic>
       <p:pic>
         <p:nvPicPr>
-          <p:cNvPr id="1058" name="그림 19" descr="C:/Users/Admin1/AppData/Roaming/PolarisOffice/ETemp/28716_10216168/fImage77952971478.png"/>
+          <p:cNvPr id="1058" name="그림 19" descr="C:/Users/Admin1/AppData/Roaming/PolarisOffice/ETemp/21916_16244272/fImage77952971478.png"/>
           <p:cNvPicPr>
             <a:picLocks noChangeAspect="1"/>
           </p:cNvPicPr>
           <p:nvPr/>
         </p:nvPicPr>
         <p:blipFill rotWithShape="1">
-          <a:blip r:embed="rId6" cstate="print">
+          <a:blip r:embed="rId6" cstate="hqprint">
             <a:extLst>
               <a:ext uri="{28A0092B-C50C-407E-A947-70E740481C1C}">
-                <a14:useLocalDpi xmlns:a14="http://schemas.microsoft.com/office/drawing/2010/main" val="0"/>
+                <a14:useLocalDpi xmlns:a14="http://schemas.microsoft.com/office/drawing/2010/main"/>
               </a:ext>
             </a:extLst>
           </a:blip>
@@ -9377,8 +8981,8 @@
         </p:blipFill>
         <p:spPr>
           <a:xfrm rot="0">
-            <a:off x="9707880" y="1670685"/>
-            <a:ext cx="1240790" cy="1525270"/>
+            <a:off x="9733915" y="2273300"/>
+            <a:ext cx="1223645" cy="2007235"/>
           </a:xfrm>
           <a:prstGeom prst="roundRect"/>
           <a:solidFill>
@@ -9386,40 +8990,6 @@
           </a:solidFill>
         </p:spPr>
       </p:pic>
-      <p:cxnSp>
-        <p:nvCxnSpPr>
-          <p:cNvPr id="1054" name="Rect 0"/>
-          <p:cNvCxnSpPr>
-            <a:stCxn id="1053" idx="0"/>
-          </p:cNvCxnSpPr>
-          <p:nvPr/>
-        </p:nvCxnSpPr>
-        <p:spPr>
-          <a:xfrm rot="0" flipV="1">
-            <a:off x="10367645" y="3014980"/>
-            <a:ext cx="3810" cy="499745"/>
-          </a:xfrm>
-          <a:prstGeom prst="straightConnector1"/>
-          <a:ln w="6350" cap="flat" cmpd="sng">
-            <a:prstDash/>
-            <a:tailEnd type="triangle" w="med" len="med"/>
-          </a:ln>
-        </p:spPr>
-        <p:style>
-          <a:lnRef idx="1">
-            <a:schemeClr val="accent1"/>
-          </a:lnRef>
-          <a:fillRef idx="0">
-            <a:schemeClr val="accent1"/>
-          </a:fillRef>
-          <a:effectRef idx="0">
-            <a:schemeClr val="accent1"/>
-          </a:effectRef>
-          <a:fontRef idx="minor">
-            <a:schemeClr val="tx1"/>
-          </a:fontRef>
-        </p:style>
-      </p:cxnSp>
     </p:spTree>
   </p:cSld>
   <p:clrMapOvr>
@@ -9469,9 +9039,9 @@
           <p:nvPr/>
         </p:nvSpPr>
         <p:spPr>
-          <a:xfrm rot="0">
+          <a:xfrm>
             <a:off x="4525010" y="372110"/>
-            <a:ext cx="3148965" cy="554990"/>
+            <a:ext cx="3149600" cy="478155"/>
           </a:xfrm>
           <a:prstGeom prst="rect"/>
           <a:noFill/>
@@ -9486,43 +9056,53 @@
           </a:bodyPr>
           <a:lstStyle/>
           <a:p>
-            <a:pPr marL="0" indent="0" algn="l" latinLnBrk="0">
-              <a:buFontTx/>
-              <a:buNone/>
-            </a:pPr>
-            <a:r>
-              <a:rPr lang="ko-KR" altLang="en-US" sz="3000" b="1">
+            <a:pPr marL="0" indent="0" algn="ctr" latinLnBrk="0">
+              <a:buFontTx/>
+              <a:buNone/>
+            </a:pPr>
+            <a:r>
+              <a:rPr lang="ko-KR" altLang="en-US" sz="2500" b="1">
                 <a:solidFill>
                   <a:schemeClr val="tx1"/>
                 </a:solidFill>
-                <a:latin typeface="맑은 고딕" charset="0"/>
-                <a:ea typeface="맑은 고딕" charset="0"/>
-              </a:rPr>
-              <a:t>두 번째 </a:t>
-            </a:r>
-            <a:r>
-              <a:rPr lang="ko-KR" altLang="en-US" sz="3000" b="1">
+                <a:latin typeface="나눔바른고딕" charset="0"/>
+                <a:ea typeface="나눔바른고딕" charset="0"/>
+              </a:rPr>
+              <a:t>세</a:t>
+            </a:r>
+            <a:r>
+              <a:rPr lang="ko-KR" altLang="en-US" sz="2500" b="1">
                 <a:solidFill>
                   <a:schemeClr val="tx1"/>
                 </a:solidFill>
-                <a:latin typeface="맑은 고딕" charset="0"/>
-                <a:ea typeface="맑은 고딕" charset="0"/>
+                <a:latin typeface="나눔바른고딕" charset="0"/>
+                <a:ea typeface="나눔바른고딕" charset="0"/>
+              </a:rPr>
+              <a:t> 번째 </a:t>
+            </a:r>
+            <a:r>
+              <a:rPr lang="ko-KR" altLang="en-US" sz="2500" b="1">
+                <a:solidFill>
+                  <a:schemeClr val="tx1"/>
+                </a:solidFill>
+                <a:latin typeface="나눔바른고딕" charset="0"/>
+                <a:ea typeface="나눔바른고딕" charset="0"/>
               </a:rPr>
               <a:t>튜토리얼</a:t>
             </a:r>
-            <a:endParaRPr lang="ko-KR" altLang="en-US" sz="3000" b="1">
+            <a:endParaRPr lang="ko-KR" altLang="en-US" sz="2500" b="1">
               <a:solidFill>
                 <a:schemeClr val="tx1"/>
               </a:solidFill>
-              <a:latin typeface="맑은 고딕" charset="0"/>
-              <a:ea typeface="맑은 고딕" charset="0"/>
+              <a:latin typeface="나눔바른고딕" charset="0"/>
+              <a:ea typeface="나눔바른고딕" charset="0"/>
             </a:endParaRPr>
           </a:p>
         </p:txBody>
       </p:sp>
       <p:sp>
         <p:nvSpPr>
-          <p:cNvPr id="1032" name="텍스트 상자 6"/>
+          <p:cNvPr id="1034" name="텍스트 상자 8"/>
           <p:cNvSpPr txBox="1">
             <a:spLocks/>
           </p:cNvSpPr>
@@ -9530,8 +9110,8 @@
         </p:nvSpPr>
         <p:spPr>
           <a:xfrm rot="0">
-            <a:off x="1230630" y="4314825"/>
-            <a:ext cx="4140200" cy="1784985"/>
+            <a:off x="6801485" y="5244465"/>
+            <a:ext cx="4181475" cy="954405"/>
           </a:xfrm>
           <a:prstGeom prst="rect"/>
           <a:noFill/>
@@ -9558,7 +9138,7 @@
                 <a:latin typeface="맑은 고딕" charset="0"/>
                 <a:ea typeface="맑은 고딕" charset="0"/>
               </a:rPr>
-              <a:t>3</a:t>
+              <a:t>8</a:t>
             </a:r>
             <a:r>
               <a:rPr sz="2000" b="1">
@@ -9568,130 +9148,77 @@
                 <a:latin typeface="맑은 고딕" charset="0"/>
                 <a:ea typeface="맑은 고딕" charset="0"/>
               </a:rPr>
-              <a:t>. </a:t>
-            </a:r>
-            <a:r>
-              <a:rPr lang="ko-KR" sz="1800">
-                <a:latin typeface="맑은 고딕" charset="0"/>
-                <a:ea typeface="맑은 고딕" charset="0"/>
-              </a:rPr>
-              <a:t>이제 </a:t>
-            </a:r>
-            <a:r>
-              <a:rPr lang="ko-KR" sz="1800">
-                <a:latin typeface="맑은 고딕" charset="0"/>
-                <a:ea typeface="맑은 고딕" charset="0"/>
-              </a:rPr>
-              <a:t>Delay 스크립트에서 Action 변수와 Button 변수 그리고 각각의 float 변수와 bool 변수를 선언합니다.</a:t>
+              <a:t>.</a:t>
+            </a:r>
+            <a:r>
+              <a:rPr sz="2000" b="1">
+                <a:solidFill>
+                  <a:srgbClr val="0611F2"/>
+                </a:solidFill>
+                <a:latin typeface="맑은 고딕" charset="0"/>
+                <a:ea typeface="맑은 고딕" charset="0"/>
+              </a:rPr>
+              <a:t> </a:t>
+            </a:r>
+            <a:r>
+              <a:rPr lang="ko-KR" sz="1800">
+                <a:latin typeface="맑은 고딕" charset="0"/>
+                <a:ea typeface="맑은 고딕" charset="0"/>
+              </a:rPr>
+              <a:t>그다음 Create Button 오브젝트의 </a:t>
+            </a:r>
+            <a:r>
+              <a:rPr lang="ko-KR" sz="1800">
+                <a:latin typeface="맑은 고딕" charset="0"/>
+                <a:ea typeface="맑은 고딕" charset="0"/>
+              </a:rPr>
+              <a:t>앵커를</a:t>
+            </a:r>
+            <a:r>
+              <a:rPr lang="ko-KR" sz="1800">
+                <a:latin typeface="맑은 고딕" charset="0"/>
+                <a:ea typeface="맑은 고딕" charset="0"/>
+              </a:rPr>
+              <a:t> </a:t>
+            </a:r>
+            <a:r>
+              <a:rPr lang="ko-KR" sz="1800">
+                <a:latin typeface="맑은 고딕" charset="0"/>
+                <a:ea typeface="맑은 고딕" charset="0"/>
+              </a:rPr>
+              <a:t>지정하고 위치와 크기를 </a:t>
+            </a:r>
+            <a:r>
+              <a:rPr lang="ko-KR" sz="1800">
+                <a:latin typeface="맑은 고딕" charset="0"/>
+                <a:ea typeface="맑은 고딕" charset="0"/>
+              </a:rPr>
+              <a:t>설정합니</a:t>
+            </a:r>
+            <a:r>
+              <a:rPr lang="ko-KR" sz="1800">
+                <a:latin typeface="맑은 고딕" charset="0"/>
+                <a:ea typeface="맑은 고딕" charset="0"/>
+              </a:rPr>
+              <a:t>다.</a:t>
             </a:r>
             <a:endParaRPr lang="ko-KR" altLang="en-US" sz="1800">
               <a:latin typeface="맑은 고딕" charset="0"/>
               <a:ea typeface="맑은 고딕" charset="0"/>
             </a:endParaRPr>
           </a:p>
-          <a:p>
-            <a:pPr marL="0" indent="0" algn="l" latinLnBrk="0" hangingPunct="1">
-              <a:buFontTx/>
-              <a:buNone/>
-            </a:pPr>
-            <a:endParaRPr lang="ko-KR" altLang="en-US" sz="1800">
-              <a:latin typeface="맑은 고딕" charset="0"/>
-              <a:ea typeface="맑은 고딕" charset="0"/>
-            </a:endParaRPr>
-          </a:p>
-          <a:p>
-            <a:pPr marL="0" indent="0" algn="l" latinLnBrk="0" hangingPunct="1">
-              <a:buFontTx/>
-              <a:buNone/>
-            </a:pPr>
-            <a:r>
-              <a:rPr lang="ko-KR" sz="1800">
-                <a:latin typeface="맑은 고딕" charset="0"/>
-                <a:ea typeface="맑은 고딕" charset="0"/>
-              </a:rPr>
-              <a:t>그러고 나서 Start( ) 함수에서 button 컴포넌트를 가져옵니다.</a:t>
-            </a:r>
-            <a:endParaRPr lang="ko-KR" altLang="en-US" sz="1800">
-              <a:latin typeface="맑은 고딕" charset="0"/>
-              <a:ea typeface="맑은 고딕" charset="0"/>
-            </a:endParaRPr>
-          </a:p>
-        </p:txBody>
-      </p:sp>
-      <p:sp>
-        <p:nvSpPr>
-          <p:cNvPr id="1034" name="텍스트 상자 8"/>
-          <p:cNvSpPr txBox="1">
-            <a:spLocks/>
-          </p:cNvSpPr>
-          <p:nvPr/>
-        </p:nvSpPr>
-        <p:spPr>
-          <a:xfrm rot="0">
-            <a:off x="6801485" y="5149850"/>
-            <a:ext cx="4218305" cy="954405"/>
-          </a:xfrm>
-          <a:prstGeom prst="rect"/>
-          <a:noFill/>
-          <a:ln w="0">
-            <a:noFill/>
-            <a:prstDash/>
-          </a:ln>
-        </p:spPr>
-        <p:txBody>
-          <a:bodyPr wrap="square" lIns="89535" tIns="46355" rIns="89535" bIns="46355" numCol="1" vert="horz" anchor="t">
-            <a:spAutoFit/>
-          </a:bodyPr>
-          <a:lstStyle/>
-          <a:p>
-            <a:pPr marL="0" indent="0" algn="l" latinLnBrk="0" hangingPunct="1">
-              <a:buFontTx/>
-              <a:buNone/>
-            </a:pPr>
-            <a:r>
-              <a:rPr lang="ko-KR" sz="2000" b="1">
-                <a:solidFill>
-                  <a:srgbClr val="0611F2"/>
-                </a:solidFill>
-                <a:latin typeface="맑은 고딕" charset="0"/>
-                <a:ea typeface="맑은 고딕" charset="0"/>
-              </a:rPr>
-              <a:t>4</a:t>
-            </a:r>
-            <a:r>
-              <a:rPr sz="2000" b="1">
-                <a:solidFill>
-                  <a:srgbClr val="0611F2"/>
-                </a:solidFill>
-                <a:latin typeface="맑은 고딕" charset="0"/>
-                <a:ea typeface="맑은 고딕" charset="0"/>
-              </a:rPr>
-              <a:t>. </a:t>
-            </a:r>
-            <a:r>
-              <a:rPr lang="ko-KR" sz="1800">
-                <a:latin typeface="맑은 고딕" charset="0"/>
-                <a:ea typeface="맑은 고딕" charset="0"/>
-              </a:rPr>
-              <a:t>그다음으로 Generic Create Button을 선택하고 On Click 함수에 Event를 추가합니다.</a:t>
-            </a:r>
-            <a:endParaRPr lang="ko-KR" altLang="en-US" sz="1800">
-              <a:latin typeface="맑은 고딕" charset="0"/>
-              <a:ea typeface="맑은 고딕" charset="0"/>
-            </a:endParaRPr>
-          </a:p>
         </p:txBody>
       </p:sp>
       <p:pic>
         <p:nvPicPr>
-          <p:cNvPr id="1035" name="그림 9"/>
+          <p:cNvPr id="1037" name="그림 2" descr="C:/Users/Admin1/AppData/Roaming/PolarisOffice/ETemp/21916_16244272/fImage301717141.png"/>
           <p:cNvPicPr>
             <a:picLocks noChangeAspect="1"/>
           </p:cNvPicPr>
           <p:nvPr/>
         </p:nvPicPr>
         <p:blipFill rotWithShape="1">
-          <a:blip r:embed="rId8" cstate="hqprint">
+          <a:blip r:embed="rId10" cstate="hqprint">
             <a:extLst>
               <a:ext uri="{28A0092B-C50C-407E-A947-70E740481C1C}">
                 <a14:useLocalDpi xmlns:a14="http://schemas.microsoft.com/office/drawing/2010/main"/>
@@ -9704,23 +9231,221 @@
         </p:blipFill>
         <p:spPr>
           <a:xfrm rot="0">
-            <a:off x="6797040" y="1373505"/>
-            <a:ext cx="4225925" cy="3634740"/>
-          </a:xfrm>
-          <a:prstGeom prst="rect"/>
-          <a:noFill/>
+            <a:off x="2621280" y="1393825"/>
+            <a:ext cx="2752725" cy="1144270"/>
+          </a:xfrm>
+          <a:prstGeom prst="roundRect"/>
+          <a:solidFill>
+            <a:srgbClr val="EDEDED"/>
+          </a:solidFill>
         </p:spPr>
       </p:pic>
       <p:pic>
         <p:nvPicPr>
-          <p:cNvPr id="1036" name="그림 13"/>
+          <p:cNvPr id="1038" name="그림 3" descr="C:/Users/Admin1/AppData/Roaming/PolarisOffice/ETemp/21916_16244272/fImage77952971478.png"/>
           <p:cNvPicPr>
             <a:picLocks noChangeAspect="1"/>
           </p:cNvPicPr>
           <p:nvPr/>
         </p:nvPicPr>
         <p:blipFill rotWithShape="1">
-          <a:blip r:embed="rId9" cstate="print">
+          <a:blip r:embed="rId11" cstate="hqprint">
+            <a:extLst>
+              <a:ext uri="{28A0092B-C50C-407E-A947-70E740481C1C}">
+                <a14:useLocalDpi xmlns:a14="http://schemas.microsoft.com/office/drawing/2010/main"/>
+              </a:ext>
+            </a:extLst>
+          </a:blip>
+          <a:stretch>
+            <a:fillRect/>
+          </a:stretch>
+        </p:blipFill>
+        <p:spPr>
+          <a:xfrm rot="0">
+            <a:off x="1231900" y="1386205"/>
+            <a:ext cx="1240790" cy="1146810"/>
+          </a:xfrm>
+          <a:prstGeom prst="roundRect"/>
+          <a:solidFill>
+            <a:srgbClr val="EDEDED"/>
+          </a:solidFill>
+        </p:spPr>
+      </p:pic>
+      <p:sp>
+        <p:nvSpPr>
+          <p:cNvPr id="1039" name="텍스트 상자 5"/>
+          <p:cNvSpPr txBox="1">
+            <a:spLocks/>
+          </p:cNvSpPr>
+          <p:nvPr/>
+        </p:nvSpPr>
+        <p:spPr>
+          <a:xfrm rot="0">
+            <a:off x="1231265" y="2646045"/>
+            <a:ext cx="4152900" cy="954405"/>
+          </a:xfrm>
+          <a:prstGeom prst="rect"/>
+          <a:noFill/>
+          <a:ln w="0">
+            <a:noFill/>
+            <a:prstDash/>
+          </a:ln>
+        </p:spPr>
+        <p:txBody>
+          <a:bodyPr wrap="square" lIns="89535" tIns="46355" rIns="89535" bIns="46355" numCol="1" vert="horz" anchor="t">
+            <a:spAutoFit/>
+          </a:bodyPr>
+          <a:lstStyle/>
+          <a:p>
+            <a:pPr marL="0" indent="0" algn="l" latinLnBrk="0" hangingPunct="1">
+              <a:buFontTx/>
+              <a:buNone/>
+            </a:pPr>
+            <a:r>
+              <a:rPr lang="ko-KR" sz="2000" b="1">
+                <a:solidFill>
+                  <a:srgbClr val="0611F2"/>
+                </a:solidFill>
+                <a:latin typeface="맑은 고딕" charset="0"/>
+                <a:ea typeface="맑은 고딕" charset="0"/>
+              </a:rPr>
+              <a:t>5</a:t>
+            </a:r>
+            <a:r>
+              <a:rPr sz="2000" b="1">
+                <a:solidFill>
+                  <a:srgbClr val="0611F2"/>
+                </a:solidFill>
+                <a:latin typeface="맑은 고딕" charset="0"/>
+                <a:ea typeface="맑은 고딕" charset="0"/>
+              </a:rPr>
+              <a:t>.</a:t>
+            </a:r>
+            <a:r>
+              <a:rPr sz="2000" b="1">
+                <a:solidFill>
+                  <a:srgbClr val="0611F2"/>
+                </a:solidFill>
+                <a:latin typeface="맑은 고딕" charset="0"/>
+                <a:ea typeface="맑은 고딕" charset="0"/>
+              </a:rPr>
+              <a:t> </a:t>
+            </a:r>
+            <a:r>
+              <a:rPr lang="ko-KR" sz="1800">
+                <a:latin typeface="맑은 고딕" charset="0"/>
+                <a:ea typeface="맑은 고딕" charset="0"/>
+              </a:rPr>
+              <a:t>이제 Create </a:t>
+            </a:r>
+            <a:r>
+              <a:rPr lang="ko-KR" sz="1800">
+                <a:latin typeface="맑은 고딕" charset="0"/>
+                <a:ea typeface="맑은 고딕" charset="0"/>
+              </a:rPr>
+              <a:t>Button 오브젝트를</a:t>
+            </a:r>
+            <a:r>
+              <a:rPr lang="ko-KR" sz="1800">
+                <a:latin typeface="맑은 고딕" charset="0"/>
+                <a:ea typeface="맑은 고딕" charset="0"/>
+              </a:rPr>
+              <a:t> </a:t>
+            </a:r>
+            <a:r>
+              <a:rPr lang="ko-KR" sz="1800">
+                <a:latin typeface="맑은 고딕" charset="0"/>
+                <a:ea typeface="맑은 고딕" charset="0"/>
+              </a:rPr>
+              <a:t>선택한</a:t>
+            </a:r>
+            <a:r>
+              <a:rPr lang="ko-KR" sz="1800">
+                <a:latin typeface="맑은 고딕" charset="0"/>
+                <a:ea typeface="맑은 고딕" charset="0"/>
+              </a:rPr>
+              <a:t> </a:t>
+            </a:r>
+            <a:r>
+              <a:rPr lang="ko-KR" sz="1800">
+                <a:latin typeface="맑은 고딕" charset="0"/>
+                <a:ea typeface="맑은 고딕" charset="0"/>
+              </a:rPr>
+              <a:t>다음</a:t>
+            </a:r>
+            <a:r>
+              <a:rPr lang="ko-KR" sz="1800">
+                <a:latin typeface="맑은 고딕" charset="0"/>
+                <a:ea typeface="맑은 고딕" charset="0"/>
+              </a:rPr>
+              <a:t> </a:t>
+            </a:r>
+            <a:r>
+              <a:rPr lang="ko-KR" sz="1800">
+                <a:latin typeface="맑은 고딕" charset="0"/>
+                <a:ea typeface="맑은 고딕" charset="0"/>
+              </a:rPr>
+              <a:t>On</a:t>
+            </a:r>
+            <a:r>
+              <a:rPr lang="ko-KR" sz="1800">
+                <a:latin typeface="맑은 고딕" charset="0"/>
+                <a:ea typeface="맑은 고딕" charset="0"/>
+              </a:rPr>
+              <a:t> </a:t>
+            </a:r>
+            <a:r>
+              <a:rPr lang="ko-KR" sz="1800">
+                <a:latin typeface="맑은 고딕" charset="0"/>
+                <a:ea typeface="맑은 고딕" charset="0"/>
+              </a:rPr>
+              <a:t>Click</a:t>
+            </a:r>
+            <a:r>
+              <a:rPr lang="ko-KR" sz="1800">
+                <a:latin typeface="맑은 고딕" charset="0"/>
+                <a:ea typeface="맑은 고딕" charset="0"/>
+              </a:rPr>
+              <a:t> 함수에 </a:t>
+            </a:r>
+            <a:r>
+              <a:rPr lang="ko-KR" sz="1800">
+                <a:latin typeface="맑은 고딕" charset="0"/>
+                <a:ea typeface="맑은 고딕" charset="0"/>
+              </a:rPr>
+              <a:t>Event를</a:t>
+            </a:r>
+            <a:r>
+              <a:rPr lang="ko-KR" sz="1800">
+                <a:latin typeface="맑은 고딕" charset="0"/>
+                <a:ea typeface="맑은 고딕" charset="0"/>
+              </a:rPr>
+              <a:t> </a:t>
+            </a:r>
+            <a:r>
+              <a:rPr lang="ko-KR" sz="1800">
+                <a:latin typeface="맑은 고딕" charset="0"/>
+                <a:ea typeface="맑은 고딕" charset="0"/>
+              </a:rPr>
+              <a:t>추가합니다.</a:t>
+            </a:r>
+            <a:endParaRPr lang="ko-KR" altLang="en-US" sz="1800">
+              <a:latin typeface="맑은 고딕" charset="0"/>
+              <a:ea typeface="맑은 고딕" charset="0"/>
+            </a:endParaRPr>
+          </a:p>
+        </p:txBody>
+      </p:sp>
+      <p:pic>
+        <p:nvPicPr>
+          <p:cNvPr id="1040" name="그림 6" descr="C:/Users/Admin1/AppData/Roaming/PolarisOffice/ETemp/21916_16244272/fImage123181758467.png"/>
+          <p:cNvPicPr>
+            <a:picLocks noChangeAspect="1"/>
+          </p:cNvPicPr>
+          <p:nvPr/>
+        </p:nvPicPr>
+        <p:blipFill rotWithShape="1">
+          <a:blip r:embed="rId12" cstate="print">
             <a:extLst>
               <a:ext uri="{28A0092B-C50C-407E-A947-70E740481C1C}">
                 <a14:useLocalDpi xmlns:a14="http://schemas.microsoft.com/office/drawing/2010/main" val="0"/>
@@ -9733,8 +9458,267 @@
         </p:blipFill>
         <p:spPr>
           <a:xfrm rot="0">
-            <a:off x="1238885" y="1381125"/>
-            <a:ext cx="4131945" cy="2859405"/>
+            <a:off x="1228725" y="3729355"/>
+            <a:ext cx="4138295" cy="1663065"/>
+          </a:xfrm>
+          <a:prstGeom prst="roundRect"/>
+          <a:solidFill>
+            <a:srgbClr val="EDEDED"/>
+          </a:solidFill>
+        </p:spPr>
+      </p:pic>
+      <p:sp>
+        <p:nvSpPr>
+          <p:cNvPr id="1041" name="텍스트 상자 9"/>
+          <p:cNvSpPr txBox="1">
+            <a:spLocks/>
+          </p:cNvSpPr>
+          <p:nvPr/>
+        </p:nvSpPr>
+        <p:spPr>
+          <a:xfrm rot="0">
+            <a:off x="1240155" y="5479415"/>
+            <a:ext cx="4144645" cy="677545"/>
+          </a:xfrm>
+          <a:prstGeom prst="rect"/>
+          <a:noFill/>
+          <a:ln w="0">
+            <a:noFill/>
+            <a:prstDash/>
+          </a:ln>
+        </p:spPr>
+        <p:txBody>
+          <a:bodyPr wrap="square" lIns="89535" tIns="46355" rIns="89535" bIns="46355" numCol="1" vert="horz" anchor="t">
+            <a:spAutoFit/>
+          </a:bodyPr>
+          <a:lstStyle/>
+          <a:p>
+            <a:pPr marL="0" indent="0" algn="l" latinLnBrk="0" hangingPunct="1">
+              <a:buFontTx/>
+              <a:buNone/>
+            </a:pPr>
+            <a:r>
+              <a:rPr lang="ko-KR" sz="2000" b="1">
+                <a:solidFill>
+                  <a:srgbClr val="0611F2"/>
+                </a:solidFill>
+                <a:latin typeface="맑은 고딕" charset="0"/>
+                <a:ea typeface="맑은 고딕" charset="0"/>
+              </a:rPr>
+              <a:t>6</a:t>
+            </a:r>
+            <a:r>
+              <a:rPr sz="2000" b="1">
+                <a:solidFill>
+                  <a:srgbClr val="0611F2"/>
+                </a:solidFill>
+                <a:latin typeface="맑은 고딕" charset="0"/>
+                <a:ea typeface="맑은 고딕" charset="0"/>
+              </a:rPr>
+              <a:t>.</a:t>
+            </a:r>
+            <a:r>
+              <a:rPr sz="2000" b="1">
+                <a:solidFill>
+                  <a:srgbClr val="0611F2"/>
+                </a:solidFill>
+                <a:latin typeface="맑은 고딕" charset="0"/>
+                <a:ea typeface="맑은 고딕" charset="0"/>
+              </a:rPr>
+              <a:t> </a:t>
+            </a:r>
+            <a:r>
+              <a:rPr lang="ko-KR" sz="1800">
+                <a:latin typeface="맑은 고딕" charset="0"/>
+                <a:ea typeface="맑은 고딕" charset="0"/>
+              </a:rPr>
+              <a:t>그리고 Back Ground 오브젝트</a:t>
+            </a:r>
+            <a:r>
+              <a:rPr lang="ko-KR" sz="1800">
+                <a:latin typeface="맑은 고딕" charset="0"/>
+                <a:ea typeface="맑은 고딕" charset="0"/>
+              </a:rPr>
+              <a:t>의</a:t>
+            </a:r>
+            <a:r>
+              <a:rPr lang="ko-KR" sz="1800">
+                <a:latin typeface="맑은 고딕" charset="0"/>
+                <a:ea typeface="맑은 고딕" charset="0"/>
+              </a:rPr>
+              <a:t> </a:t>
+            </a:r>
+            <a:r>
+              <a:rPr lang="ko-KR" sz="1800">
+                <a:latin typeface="맑은 고딕" charset="0"/>
+                <a:ea typeface="맑은 고딕" charset="0"/>
+              </a:rPr>
+              <a:t>앵커를</a:t>
+            </a:r>
+            <a:r>
+              <a:rPr lang="ko-KR" sz="1800">
+                <a:latin typeface="맑은 고딕" charset="0"/>
+                <a:ea typeface="맑은 고딕" charset="0"/>
+              </a:rPr>
+              <a:t> 설정합니다.</a:t>
+            </a:r>
+            <a:endParaRPr lang="ko-KR" altLang="en-US" sz="1800">
+              <a:latin typeface="맑은 고딕" charset="0"/>
+              <a:ea typeface="맑은 고딕" charset="0"/>
+            </a:endParaRPr>
+          </a:p>
+        </p:txBody>
+      </p:sp>
+      <p:pic>
+        <p:nvPicPr>
+          <p:cNvPr id="1042" name="그림 10" descr="C:/Users/Admin1/AppData/Roaming/PolarisOffice/ETemp/21916_16244272/fImage122371776334.png"/>
+          <p:cNvPicPr>
+            <a:picLocks noChangeAspect="1"/>
+          </p:cNvPicPr>
+          <p:nvPr/>
+        </p:nvPicPr>
+        <p:blipFill rotWithShape="1">
+          <a:blip r:embed="rId13" cstate="print">
+            <a:extLst>
+              <a:ext uri="{28A0092B-C50C-407E-A947-70E740481C1C}">
+                <a14:useLocalDpi xmlns:a14="http://schemas.microsoft.com/office/drawing/2010/main" val="0"/>
+              </a:ext>
+            </a:extLst>
+          </a:blip>
+          <a:stretch>
+            <a:fillRect/>
+          </a:stretch>
+        </p:blipFill>
+        <p:spPr>
+          <a:xfrm rot="0">
+            <a:off x="6805930" y="1395095"/>
+            <a:ext cx="4159885" cy="1379220"/>
+          </a:xfrm>
+          <a:prstGeom prst="roundRect"/>
+          <a:solidFill>
+            <a:srgbClr val="EDEDED"/>
+          </a:solidFill>
+        </p:spPr>
+      </p:pic>
+      <p:sp>
+        <p:nvSpPr>
+          <p:cNvPr id="1043" name="텍스트 상자 14"/>
+          <p:cNvSpPr txBox="1">
+            <a:spLocks/>
+          </p:cNvSpPr>
+          <p:nvPr/>
+        </p:nvSpPr>
+        <p:spPr>
+          <a:xfrm rot="0">
+            <a:off x="6795770" y="2887345"/>
+            <a:ext cx="4178935" cy="677545"/>
+          </a:xfrm>
+          <a:prstGeom prst="rect"/>
+          <a:noFill/>
+          <a:ln w="0">
+            <a:noFill/>
+            <a:prstDash/>
+          </a:ln>
+        </p:spPr>
+        <p:txBody>
+          <a:bodyPr wrap="square" lIns="89535" tIns="46355" rIns="89535" bIns="46355" numCol="1" vert="horz" anchor="t">
+            <a:spAutoFit/>
+          </a:bodyPr>
+          <a:lstStyle/>
+          <a:p>
+            <a:pPr marL="0" indent="0" algn="l" latinLnBrk="0" hangingPunct="1">
+              <a:buFontTx/>
+              <a:buNone/>
+            </a:pPr>
+            <a:r>
+              <a:rPr lang="ko-KR" sz="2000" b="1">
+                <a:solidFill>
+                  <a:srgbClr val="0611F2"/>
+                </a:solidFill>
+                <a:latin typeface="맑은 고딕" charset="0"/>
+                <a:ea typeface="맑은 고딕" charset="0"/>
+              </a:rPr>
+              <a:t>7</a:t>
+            </a:r>
+            <a:r>
+              <a:rPr sz="2000" b="1">
+                <a:solidFill>
+                  <a:srgbClr val="0611F2"/>
+                </a:solidFill>
+                <a:latin typeface="맑은 고딕" charset="0"/>
+                <a:ea typeface="맑은 고딕" charset="0"/>
+              </a:rPr>
+              <a:t>.</a:t>
+            </a:r>
+            <a:r>
+              <a:rPr sz="2000" b="1">
+                <a:solidFill>
+                  <a:srgbClr val="0611F2"/>
+                </a:solidFill>
+                <a:latin typeface="맑은 고딕" charset="0"/>
+                <a:ea typeface="맑은 고딕" charset="0"/>
+              </a:rPr>
+              <a:t> </a:t>
+            </a:r>
+            <a:r>
+              <a:rPr lang="ko-KR" sz="1800">
+                <a:latin typeface="맑은 고딕" charset="0"/>
+                <a:ea typeface="맑은 고딕" charset="0"/>
+              </a:rPr>
+              <a:t>그런 다음 Render Texture </a:t>
+            </a:r>
+            <a:r>
+              <a:rPr lang="ko-KR" sz="1800">
+                <a:latin typeface="맑은 고딕" charset="0"/>
+                <a:ea typeface="맑은 고딕" charset="0"/>
+              </a:rPr>
+              <a:t>오브젝트의</a:t>
+            </a:r>
+            <a:r>
+              <a:rPr lang="ko-KR" sz="1800">
+                <a:latin typeface="맑은 고딕" charset="0"/>
+                <a:ea typeface="맑은 고딕" charset="0"/>
+              </a:rPr>
+              <a:t> </a:t>
+            </a:r>
+            <a:r>
+              <a:rPr lang="ko-KR" sz="1800">
+                <a:latin typeface="맑은 고딕" charset="0"/>
+                <a:ea typeface="맑은 고딕" charset="0"/>
+              </a:rPr>
+              <a:t>위치와 크기를 설정합니다.</a:t>
+            </a:r>
+            <a:endParaRPr lang="ko-KR" altLang="en-US" sz="1800">
+              <a:latin typeface="맑은 고딕" charset="0"/>
+              <a:ea typeface="맑은 고딕" charset="0"/>
+            </a:endParaRPr>
+          </a:p>
+        </p:txBody>
+      </p:sp>
+      <p:pic>
+        <p:nvPicPr>
+          <p:cNvPr id="1044" name="그림 15" descr="C:/Users/Admin1/AppData/Roaming/PolarisOffice/ETemp/21916_16244272/fImage119231796500.png"/>
+          <p:cNvPicPr>
+            <a:picLocks noChangeAspect="1"/>
+          </p:cNvPicPr>
+          <p:nvPr/>
+        </p:nvPicPr>
+        <p:blipFill rotWithShape="1">
+          <a:blip r:embed="rId14" cstate="print">
+            <a:extLst>
+              <a:ext uri="{28A0092B-C50C-407E-A947-70E740481C1C}">
+                <a14:useLocalDpi xmlns:a14="http://schemas.microsoft.com/office/drawing/2010/main" val="0"/>
+              </a:ext>
+            </a:extLst>
+          </a:blip>
+          <a:stretch>
+            <a:fillRect/>
+          </a:stretch>
+        </p:blipFill>
+        <p:spPr>
+          <a:xfrm rot="0">
+            <a:off x="6804025" y="3686810"/>
+            <a:ext cx="4161790" cy="1456055"/>
           </a:xfrm>
           <a:prstGeom prst="roundRect"/>
           <a:solidFill>
@@ -9791,9 +9775,9 @@
           <p:nvPr/>
         </p:nvSpPr>
         <p:spPr>
-          <a:xfrm rot="0">
+          <a:xfrm>
             <a:off x="4514215" y="350520"/>
-            <a:ext cx="3169920" cy="554990"/>
+            <a:ext cx="3170555" cy="478155"/>
           </a:xfrm>
           <a:prstGeom prst="rect"/>
           <a:noFill/>
@@ -9808,43 +9792,53 @@
           </a:bodyPr>
           <a:lstStyle/>
           <a:p>
-            <a:pPr marL="0" indent="0" algn="l" latinLnBrk="0">
-              <a:buFontTx/>
-              <a:buNone/>
-            </a:pPr>
-            <a:r>
-              <a:rPr lang="ko-KR" altLang="en-US" sz="3000" b="1">
+            <a:pPr marL="0" indent="0" algn="ctr" latinLnBrk="0">
+              <a:buFontTx/>
+              <a:buNone/>
+            </a:pPr>
+            <a:r>
+              <a:rPr lang="ko-KR" altLang="en-US" sz="2500" b="1">
                 <a:solidFill>
                   <a:schemeClr val="tx1"/>
                 </a:solidFill>
-                <a:latin typeface="맑은 고딕" charset="0"/>
-                <a:ea typeface="맑은 고딕" charset="0"/>
-              </a:rPr>
-              <a:t>세 번째 </a:t>
-            </a:r>
-            <a:r>
-              <a:rPr lang="ko-KR" altLang="en-US" sz="3000" b="1">
+                <a:latin typeface="나눔바른고딕" charset="0"/>
+                <a:ea typeface="나눔바른고딕" charset="0"/>
+              </a:rPr>
+              <a:t>네</a:t>
+            </a:r>
+            <a:r>
+              <a:rPr lang="ko-KR" altLang="en-US" sz="2500" b="1">
                 <a:solidFill>
                   <a:schemeClr val="tx1"/>
                 </a:solidFill>
-                <a:latin typeface="맑은 고딕" charset="0"/>
-                <a:ea typeface="맑은 고딕" charset="0"/>
-              </a:rPr>
-              <a:t>튜토리얼</a:t>
-            </a:r>
-            <a:endParaRPr lang="ko-KR" altLang="en-US" sz="3000" b="1">
+                <a:latin typeface="나눔바른고딕" charset="0"/>
+                <a:ea typeface="나눔바른고딕" charset="0"/>
+              </a:rPr>
+              <a:t> </a:t>
+            </a:r>
+            <a:r>
+              <a:rPr lang="ko-KR" altLang="en-US" sz="2500" b="1">
+                <a:solidFill>
+                  <a:schemeClr val="tx1"/>
+                </a:solidFill>
+                <a:latin typeface="나눔바른고딕" charset="0"/>
+                <a:ea typeface="나눔바른고딕" charset="0"/>
+              </a:rPr>
+              <a:t>번째 튜토리얼</a:t>
+            </a:r>
+            <a:endParaRPr lang="ko-KR" altLang="en-US" sz="2500" b="1">
               <a:solidFill>
                 <a:schemeClr val="tx1"/>
               </a:solidFill>
-              <a:latin typeface="맑은 고딕" charset="0"/>
-              <a:ea typeface="맑은 고딕" charset="0"/>
+              <a:latin typeface="나눔바른고딕" charset="0"/>
+              <a:ea typeface="나눔바른고딕" charset="0"/>
             </a:endParaRPr>
           </a:p>
         </p:txBody>
       </p:sp>
       <p:sp>
         <p:nvSpPr>
-          <p:cNvPr id="1054" name="Rect 0"/>
+          <p:cNvPr id="1067" name="텍스트 상자 21"/>
           <p:cNvSpPr txBox="1">
             <a:spLocks/>
           </p:cNvSpPr>
@@ -9852,8 +9846,8 @@
         </p:nvSpPr>
         <p:spPr>
           <a:xfrm rot="0">
-            <a:off x="6810375" y="4114800"/>
-            <a:ext cx="4151630" cy="2061845"/>
+            <a:off x="1214120" y="5219700"/>
+            <a:ext cx="4144645" cy="954405"/>
           </a:xfrm>
           <a:prstGeom prst="rect"/>
           <a:noFill/>
@@ -9880,7 +9874,17 @@
                 <a:latin typeface="맑은 고딕" charset="0"/>
                 <a:ea typeface="맑은 고딕" charset="0"/>
               </a:rPr>
-              <a:t>6</a:t>
+              <a:t>1</a:t>
+            </a:r>
+            <a:r>
+              <a:rPr lang="ko-KR" sz="2000" b="1">
+                <a:solidFill>
+                  <a:srgbClr val="0611F2"/>
+                </a:solidFill>
+                <a:latin typeface="맑은 고딕" charset="0"/>
+                <a:ea typeface="맑은 고딕" charset="0"/>
+              </a:rPr>
+              <a:t>0</a:t>
             </a:r>
             <a:r>
               <a:rPr sz="2000" b="1">
@@ -9890,80 +9894,77 @@
                 <a:latin typeface="맑은 고딕" charset="0"/>
                 <a:ea typeface="맑은 고딕" charset="0"/>
               </a:rPr>
-              <a:t>. </a:t>
-            </a:r>
-            <a:r>
-              <a:rPr lang="ko-KR" sz="1800">
-                <a:latin typeface="맑은 고딕" charset="0"/>
-                <a:ea typeface="맑은 고딕" charset="0"/>
-              </a:rPr>
-              <a:t>그</a:t>
-            </a:r>
-            <a:r>
-              <a:rPr lang="ko-KR" sz="1800">
-                <a:latin typeface="맑은 고딕" charset="0"/>
-                <a:ea typeface="맑은 고딕" charset="0"/>
-              </a:rPr>
-              <a:t>런 </a:t>
-            </a:r>
-            <a:r>
-              <a:rPr lang="ko-KR" sz="1800">
-                <a:latin typeface="맑은 고딕" charset="0"/>
-                <a:ea typeface="맑은 고딕" charset="0"/>
-              </a:rPr>
-              <a:t>다음 Create 스크립트에서 게임 오브젝트 변수와 </a:t>
-            </a:r>
-            <a:r>
-              <a:rPr lang="ko-KR" sz="1800">
-                <a:latin typeface="맑은 고딕" charset="0"/>
-                <a:ea typeface="맑은 고딕" charset="0"/>
-              </a:rPr>
-              <a:t>Transform 배열을 선언합니다.</a:t>
+              <a:t>.</a:t>
+            </a:r>
+            <a:r>
+              <a:rPr sz="2000" b="1">
+                <a:solidFill>
+                  <a:srgbClr val="0611F2"/>
+                </a:solidFill>
+                <a:latin typeface="맑은 고딕" charset="0"/>
+                <a:ea typeface="맑은 고딕" charset="0"/>
+              </a:rPr>
+              <a:t> </a:t>
+            </a:r>
+            <a:r>
+              <a:rPr lang="ko-KR" sz="1800">
+                <a:latin typeface="맑은 고딕" charset="0"/>
+                <a:ea typeface="맑은 고딕" charset="0"/>
+              </a:rPr>
+              <a:t>이제 Alien 오브젝트의 위치와 </a:t>
+            </a:r>
+            <a:r>
+              <a:rPr lang="ko-KR" sz="1800">
+                <a:latin typeface="맑은 고딕" charset="0"/>
+                <a:ea typeface="맑은 고딕" charset="0"/>
+              </a:rPr>
+              <a:t>회전</a:t>
+            </a:r>
+            <a:r>
+              <a:rPr lang="ko-KR" sz="1800">
+                <a:latin typeface="맑은 고딕" charset="0"/>
+                <a:ea typeface="맑은 고딕" charset="0"/>
+              </a:rPr>
+              <a:t> </a:t>
+            </a:r>
+            <a:r>
+              <a:rPr lang="ko-KR" sz="1800">
+                <a:latin typeface="맑은 고딕" charset="0"/>
+                <a:ea typeface="맑은 고딕" charset="0"/>
+              </a:rPr>
+              <a:t>값을 설정한 다음 크기를 </a:t>
+            </a:r>
+            <a:r>
+              <a:rPr lang="ko-KR" sz="1800">
+                <a:latin typeface="맑은 고딕" charset="0"/>
+                <a:ea typeface="맑은 고딕" charset="0"/>
+              </a:rPr>
+              <a:t>설정합니</a:t>
+            </a:r>
+            <a:r>
+              <a:rPr lang="ko-KR" sz="1800">
+                <a:latin typeface="맑은 고딕" charset="0"/>
+                <a:ea typeface="맑은 고딕" charset="0"/>
+              </a:rPr>
+              <a:t>다.</a:t>
             </a:r>
             <a:endParaRPr lang="ko-KR" altLang="en-US" sz="1800">
               <a:latin typeface="맑은 고딕" charset="0"/>
               <a:ea typeface="맑은 고딕" charset="0"/>
             </a:endParaRPr>
           </a:p>
-          <a:p>
-            <a:pPr marL="0" indent="0" algn="l" latinLnBrk="0" hangingPunct="1">
-              <a:buFontTx/>
-              <a:buNone/>
-            </a:pPr>
-            <a:endParaRPr lang="ko-KR" altLang="en-US" sz="1800">
-              <a:latin typeface="맑은 고딕" charset="0"/>
-              <a:ea typeface="맑은 고딕" charset="0"/>
-            </a:endParaRPr>
-          </a:p>
-          <a:p>
-            <a:pPr marL="0" indent="0" algn="l" latinLnBrk="0" hangingPunct="1">
-              <a:buFontTx/>
-              <a:buNone/>
-            </a:pPr>
-            <a:r>
-              <a:rPr lang="ko-KR" sz="1800">
-                <a:latin typeface="맑은 고딕" charset="0"/>
-                <a:ea typeface="맑은 고딕" charset="0"/>
-              </a:rPr>
-              <a:t>그러고 나서 GenericCreate( ) 함수에 생성할 게임 오브젝트와 생성되는 위치 그리고 회전 값을 설정합니다.</a:t>
-            </a:r>
-            <a:endParaRPr lang="ko-KR" altLang="en-US" sz="1800">
-              <a:latin typeface="맑은 고딕" charset="0"/>
-              <a:ea typeface="맑은 고딕" charset="0"/>
-            </a:endParaRPr>
-          </a:p>
         </p:txBody>
       </p:sp>
       <p:pic>
         <p:nvPicPr>
-          <p:cNvPr id="1065" name="그림 16"/>
+          <p:cNvPr id="1070" name="그림 28" descr="C:/Users/Admin1/AppData/Roaming/PolarisOffice/ETemp/21916_16244272/fImage57802649169.png"/>
           <p:cNvPicPr>
             <a:picLocks noChangeAspect="1"/>
           </p:cNvPicPr>
           <p:nvPr/>
         </p:nvPicPr>
         <p:blipFill rotWithShape="1">
-          <a:blip r:embed="rId11" cstate="print">
+          <a:blip r:embed="rId12" cstate="print">
             <a:extLst>
               <a:ext uri="{28A0092B-C50C-407E-A947-70E740481C1C}">
                 <a14:useLocalDpi xmlns:a14="http://schemas.microsoft.com/office/drawing/2010/main" val="0"/>
@@ -9976,8 +9977,617 @@
         </p:blipFill>
         <p:spPr>
           <a:xfrm rot="0">
-            <a:off x="6816725" y="1421765"/>
-            <a:ext cx="4140835" cy="2577465"/>
+            <a:off x="2567305" y="1459230"/>
+            <a:ext cx="2799715" cy="1177290"/>
+          </a:xfrm>
+          <a:prstGeom prst="roundRect"/>
+          <a:solidFill>
+            <a:srgbClr val="EDEDED"/>
+          </a:solidFill>
+        </p:spPr>
+      </p:pic>
+      <p:sp>
+        <p:nvSpPr>
+          <p:cNvPr id="1073" name="텍스트 상자 35"/>
+          <p:cNvSpPr txBox="1">
+            <a:spLocks/>
+          </p:cNvSpPr>
+          <p:nvPr/>
+        </p:nvSpPr>
+        <p:spPr>
+          <a:xfrm rot="0">
+            <a:off x="1225550" y="2715895"/>
+            <a:ext cx="4141470" cy="954405"/>
+          </a:xfrm>
+          <a:prstGeom prst="rect"/>
+          <a:noFill/>
+          <a:ln w="0">
+            <a:noFill/>
+            <a:prstDash/>
+          </a:ln>
+        </p:spPr>
+        <p:txBody>
+          <a:bodyPr wrap="square" lIns="89535" tIns="46355" rIns="89535" bIns="46355" numCol="1" vert="horz" anchor="t">
+            <a:spAutoFit/>
+          </a:bodyPr>
+          <a:lstStyle/>
+          <a:p>
+            <a:pPr marL="0" indent="0" algn="l" latinLnBrk="0" hangingPunct="1">
+              <a:buFontTx/>
+              <a:buNone/>
+            </a:pPr>
+            <a:r>
+              <a:rPr lang="ko-KR" sz="2000" b="1">
+                <a:solidFill>
+                  <a:srgbClr val="0611F2"/>
+                </a:solidFill>
+                <a:latin typeface="맑은 고딕" charset="0"/>
+                <a:ea typeface="맑은 고딕" charset="0"/>
+              </a:rPr>
+              <a:t>9</a:t>
+            </a:r>
+            <a:r>
+              <a:rPr sz="2000" b="1">
+                <a:solidFill>
+                  <a:srgbClr val="0611F2"/>
+                </a:solidFill>
+                <a:latin typeface="맑은 고딕" charset="0"/>
+                <a:ea typeface="맑은 고딕" charset="0"/>
+              </a:rPr>
+              <a:t>.</a:t>
+            </a:r>
+            <a:r>
+              <a:rPr sz="2000" b="1">
+                <a:solidFill>
+                  <a:srgbClr val="0611F2"/>
+                </a:solidFill>
+                <a:latin typeface="맑은 고딕" charset="0"/>
+                <a:ea typeface="맑은 고딕" charset="0"/>
+              </a:rPr>
+              <a:t> </a:t>
+            </a:r>
+            <a:r>
+              <a:rPr lang="ko-KR" sz="1800">
+                <a:latin typeface="맑은 고딕" charset="0"/>
+                <a:ea typeface="맑은 고딕" charset="0"/>
+              </a:rPr>
+              <a:t>그러고 나서 Project 폴더 아래에 </a:t>
+            </a:r>
+            <a:r>
+              <a:rPr lang="ko-KR" sz="1800">
+                <a:latin typeface="맑은 고딕" charset="0"/>
+                <a:ea typeface="맑은 고딕" charset="0"/>
+              </a:rPr>
+              <a:t>있는</a:t>
+            </a:r>
+            <a:r>
+              <a:rPr lang="ko-KR" sz="1800">
+                <a:latin typeface="맑은 고딕" charset="0"/>
+                <a:ea typeface="맑은 고딕" charset="0"/>
+              </a:rPr>
+              <a:t> </a:t>
+            </a:r>
+            <a:r>
+              <a:rPr lang="ko-KR" sz="1800">
+                <a:latin typeface="맑은 고딕" charset="0"/>
+                <a:ea typeface="맑은 고딕" charset="0"/>
+              </a:rPr>
+              <a:t>Model 폴더에 Alien 모델을 월드 </a:t>
+            </a:r>
+            <a:r>
+              <a:rPr lang="ko-KR" sz="1800">
+                <a:latin typeface="맑은 고딕" charset="0"/>
+                <a:ea typeface="맑은 고딕" charset="0"/>
+              </a:rPr>
+              <a:t>공간</a:t>
+            </a:r>
+            <a:r>
+              <a:rPr lang="ko-KR" sz="1800">
+                <a:latin typeface="맑은 고딕" charset="0"/>
+                <a:ea typeface="맑은 고딕" charset="0"/>
+              </a:rPr>
+              <a:t>에</a:t>
+            </a:r>
+            <a:r>
+              <a:rPr lang="ko-KR" sz="1800">
+                <a:latin typeface="맑은 고딕" charset="0"/>
+                <a:ea typeface="맑은 고딕" charset="0"/>
+              </a:rPr>
+              <a:t> </a:t>
+            </a:r>
+            <a:r>
+              <a:rPr lang="ko-KR" sz="1800">
+                <a:latin typeface="맑은 고딕" charset="0"/>
+                <a:ea typeface="맑은 고딕" charset="0"/>
+              </a:rPr>
+              <a:t>배치합니다</a:t>
+            </a:r>
+            <a:endParaRPr lang="ko-KR" altLang="en-US" sz="1800">
+              <a:latin typeface="맑은 고딕" charset="0"/>
+              <a:ea typeface="맑은 고딕" charset="0"/>
+            </a:endParaRPr>
+          </a:p>
+        </p:txBody>
+      </p:sp>
+      <p:pic>
+        <p:nvPicPr>
+          <p:cNvPr id="1074" name="그림 36" descr="C:/Users/Admin1/AppData/Roaming/PolarisOffice/ETemp/21916_16244272/fImage91672685724.png"/>
+          <p:cNvPicPr>
+            <a:picLocks noChangeAspect="1"/>
+          </p:cNvPicPr>
+          <p:nvPr/>
+        </p:nvPicPr>
+        <p:blipFill rotWithShape="1">
+          <a:blip r:embed="rId13" cstate="print">
+            <a:extLst>
+              <a:ext uri="{28A0092B-C50C-407E-A947-70E740481C1C}">
+                <a14:useLocalDpi xmlns:a14="http://schemas.microsoft.com/office/drawing/2010/main" val="0"/>
+              </a:ext>
+            </a:extLst>
+          </a:blip>
+          <a:stretch>
+            <a:fillRect/>
+          </a:stretch>
+        </p:blipFill>
+        <p:spPr>
+          <a:xfrm rot="0">
+            <a:off x="1195705" y="1455420"/>
+            <a:ext cx="1303020" cy="1179830"/>
+          </a:xfrm>
+          <a:prstGeom prst="roundRect"/>
+          <a:solidFill>
+            <a:srgbClr val="EDEDED"/>
+          </a:solidFill>
+        </p:spPr>
+      </p:pic>
+      <p:pic>
+        <p:nvPicPr>
+          <p:cNvPr id="1072" name="그림 34" descr="C:/Users/Admin1/AppData/Roaming/PolarisOffice/ETemp/21916_16244272/fImage2242171995705.png"/>
+          <p:cNvPicPr>
+            <a:picLocks noChangeAspect="1"/>
+          </p:cNvPicPr>
+          <p:nvPr/>
+        </p:nvPicPr>
+        <p:blipFill rotWithShape="1">
+          <a:blip r:embed="rId14" cstate="hqprint">
+            <a:extLst>
+              <a:ext uri="{28A0092B-C50C-407E-A947-70E740481C1C}">
+                <a14:useLocalDpi xmlns:a14="http://schemas.microsoft.com/office/drawing/2010/main"/>
+              </a:ext>
+            </a:extLst>
+          </a:blip>
+          <a:stretch>
+            <a:fillRect/>
+          </a:stretch>
+        </p:blipFill>
+        <p:spPr>
+          <a:xfrm rot="10800000">
+            <a:off x="2282190" y="1852295"/>
+            <a:ext cx="578485" cy="387985"/>
+          </a:xfrm>
+          <a:prstGeom prst="rect"/>
+          <a:noFill/>
+        </p:spPr>
+      </p:pic>
+      <p:pic>
+        <p:nvPicPr>
+          <p:cNvPr id="1075" name="그림 39" descr="C:/Users/Admin1/AppData/Roaming/PolarisOffice/ETemp/21916_16244272/fImage151762691478.png"/>
+          <p:cNvPicPr>
+            <a:picLocks noChangeAspect="1"/>
+          </p:cNvPicPr>
+          <p:nvPr/>
+        </p:nvPicPr>
+        <p:blipFill rotWithShape="1">
+          <a:blip r:embed="rId15" cstate="print">
+            <a:extLst>
+              <a:ext uri="{28A0092B-C50C-407E-A947-70E740481C1C}">
+                <a14:useLocalDpi xmlns:a14="http://schemas.microsoft.com/office/drawing/2010/main" val="0"/>
+              </a:ext>
+            </a:extLst>
+          </a:blip>
+          <a:stretch>
+            <a:fillRect/>
+          </a:stretch>
+        </p:blipFill>
+        <p:spPr>
+          <a:xfrm rot="0">
+            <a:off x="1205230" y="3799840"/>
+            <a:ext cx="4161790" cy="1343025"/>
+          </a:xfrm>
+          <a:prstGeom prst="roundRect"/>
+          <a:solidFill>
+            <a:srgbClr val="EDEDED"/>
+          </a:solidFill>
+        </p:spPr>
+      </p:pic>
+      <p:sp>
+        <p:nvSpPr>
+          <p:cNvPr id="1076" name="텍스트 상자 46"/>
+          <p:cNvSpPr txBox="1">
+            <a:spLocks/>
+          </p:cNvSpPr>
+          <p:nvPr/>
+        </p:nvSpPr>
+        <p:spPr>
+          <a:xfrm rot="0">
+            <a:off x="6822440" y="3350260"/>
+            <a:ext cx="4117975" cy="647065"/>
+          </a:xfrm>
+          <a:prstGeom prst="rect"/>
+          <a:noFill/>
+          <a:ln w="0">
+            <a:noFill/>
+            <a:prstDash/>
+          </a:ln>
+        </p:spPr>
+        <p:txBody>
+          <a:bodyPr wrap="square" lIns="89535" tIns="46355" rIns="89535" bIns="46355" numCol="1" vert="horz" anchor="t">
+            <a:spAutoFit/>
+          </a:bodyPr>
+          <a:lstStyle/>
+          <a:p>
+            <a:pPr marL="0" indent="0" rtl="0" algn="l" defTabSz="914400" eaLnBrk="1" latinLnBrk="0" hangingPunct="1">
+              <a:buFontTx/>
+              <a:buNone/>
+            </a:pPr>
+            <a:r>
+              <a:rPr sz="1800" b="1">
+                <a:solidFill>
+                  <a:srgbClr val="0611F2"/>
+                </a:solidFill>
+                <a:latin typeface="맑은 고딕" charset="0"/>
+                <a:ea typeface="맑은 고딕" charset="0"/>
+              </a:rPr>
+              <a:t>1</a:t>
+            </a:r>
+            <a:r>
+              <a:rPr lang="ko-KR" sz="1800" b="1">
+                <a:solidFill>
+                  <a:srgbClr val="0611F2"/>
+                </a:solidFill>
+                <a:latin typeface="맑은 고딕" charset="0"/>
+                <a:ea typeface="맑은 고딕" charset="0"/>
+              </a:rPr>
+              <a:t>1</a:t>
+            </a:r>
+            <a:r>
+              <a:rPr sz="1800" b="1">
+                <a:solidFill>
+                  <a:srgbClr val="0611F2"/>
+                </a:solidFill>
+                <a:latin typeface="맑은 고딕" charset="0"/>
+                <a:ea typeface="맑은 고딕" charset="0"/>
+              </a:rPr>
+              <a:t>.</a:t>
+            </a:r>
+            <a:r>
+              <a:rPr sz="1800">
+                <a:latin typeface="맑은 고딕" charset="0"/>
+                <a:ea typeface="맑은 고딕" charset="0"/>
+              </a:rPr>
+              <a:t> 그리고</a:t>
+            </a:r>
+            <a:r>
+              <a:rPr lang="ko-KR" sz="1800">
+                <a:latin typeface="맑은 고딕" charset="0"/>
+                <a:ea typeface="맑은 고딕" charset="0"/>
+              </a:rPr>
+              <a:t> C# Script를 생성한 다음 </a:t>
+            </a:r>
+            <a:r>
+              <a:rPr lang="ko-KR" sz="1800">
+                <a:latin typeface="맑은 고딕" charset="0"/>
+                <a:ea typeface="맑은 고딕" charset="0"/>
+              </a:rPr>
+              <a:t>Delete라는</a:t>
+            </a:r>
+            <a:r>
+              <a:rPr lang="ko-KR" sz="1800">
+                <a:latin typeface="맑은 고딕" charset="0"/>
+                <a:ea typeface="맑은 고딕" charset="0"/>
+              </a:rPr>
+              <a:t> </a:t>
+            </a:r>
+            <a:r>
+              <a:rPr lang="ko-KR" sz="1800">
+                <a:latin typeface="맑은 고딕" charset="0"/>
+                <a:ea typeface="맑은 고딕" charset="0"/>
+              </a:rPr>
+              <a:t>이름으로</a:t>
+            </a:r>
+            <a:r>
+              <a:rPr lang="ko-KR" sz="1800">
+                <a:latin typeface="맑은 고딕" charset="0"/>
+                <a:ea typeface="맑은 고딕" charset="0"/>
+              </a:rPr>
+              <a:t> 정의합니다.</a:t>
+            </a:r>
+            <a:endParaRPr lang="ko-KR" altLang="en-US" sz="1800">
+              <a:latin typeface="맑은 고딕" charset="0"/>
+              <a:ea typeface="맑은 고딕" charset="0"/>
+            </a:endParaRPr>
+          </a:p>
+        </p:txBody>
+      </p:sp>
+      <p:pic>
+        <p:nvPicPr>
+          <p:cNvPr id="1077" name="그림 47" descr="C:/Users/Admin1/AppData/Roaming/PolarisOffice/ETemp/21916_16244272/fImage18932593281.png"/>
+          <p:cNvPicPr>
+            <a:picLocks noChangeAspect="1"/>
+          </p:cNvPicPr>
+          <p:nvPr/>
+        </p:nvPicPr>
+        <p:blipFill rotWithShape="1">
+          <a:blip r:embed="rId16" cstate="hqprint">
+            <a:extLst>
+              <a:ext uri="{28A0092B-C50C-407E-A947-70E740481C1C}">
+                <a14:useLocalDpi xmlns:a14="http://schemas.microsoft.com/office/drawing/2010/main"/>
+              </a:ext>
+            </a:extLst>
+          </a:blip>
+          <a:stretch>
+            <a:fillRect/>
+          </a:stretch>
+        </p:blipFill>
+        <p:spPr>
+          <a:xfrm rot="0">
+            <a:off x="10060940" y="1886585"/>
+            <a:ext cx="889635" cy="913130"/>
+          </a:xfrm>
+          <a:prstGeom prst="roundRect"/>
+          <a:solidFill>
+            <a:srgbClr val="EDEDED"/>
+          </a:solidFill>
+        </p:spPr>
+      </p:pic>
+      <p:pic>
+        <p:nvPicPr>
+          <p:cNvPr id="1078" name="그림 48" descr="C:/Users/Admin1/AppData/Roaming/PolarisOffice/ETemp/21916_16244272/fImage82892606827.png"/>
+          <p:cNvPicPr>
+            <a:picLocks noChangeAspect="1"/>
+          </p:cNvPicPr>
+          <p:nvPr/>
+        </p:nvPicPr>
+        <p:blipFill rotWithShape="1">
+          <a:blip r:embed="rId17" cstate="hqprint">
+            <a:extLst>
+              <a:ext uri="{28A0092B-C50C-407E-A947-70E740481C1C}">
+                <a14:useLocalDpi xmlns:a14="http://schemas.microsoft.com/office/drawing/2010/main"/>
+              </a:ext>
+            </a:extLst>
+          </a:blip>
+          <a:stretch>
+            <a:fillRect/>
+          </a:stretch>
+        </p:blipFill>
+        <p:spPr>
+          <a:xfrm rot="0">
+            <a:off x="6822440" y="1458595"/>
+            <a:ext cx="2326005" cy="1763395"/>
+          </a:xfrm>
+          <a:prstGeom prst="roundRect"/>
+          <a:solidFill>
+            <a:srgbClr val="EDEDED"/>
+          </a:solidFill>
+        </p:spPr>
+      </p:pic>
+      <p:pic>
+        <p:nvPicPr>
+          <p:cNvPr id="1079" name="그림 49" descr="C:/Users/Admin1/AppData/Roaming/PolarisOffice/ETemp/21916_16244272/fImage2242171995705.png"/>
+          <p:cNvPicPr>
+            <a:picLocks noChangeAspect="1"/>
+          </p:cNvPicPr>
+          <p:nvPr/>
+        </p:nvPicPr>
+        <p:blipFill rotWithShape="1">
+          <a:blip r:embed="rId14" cstate="hqprint">
+            <a:extLst>
+              <a:ext uri="{28A0092B-C50C-407E-A947-70E740481C1C}">
+                <a14:useLocalDpi xmlns:a14="http://schemas.microsoft.com/office/drawing/2010/main"/>
+              </a:ext>
+            </a:extLst>
+          </a:blip>
+          <a:stretch>
+            <a:fillRect/>
+          </a:stretch>
+        </p:blipFill>
+        <p:spPr>
+          <a:xfrm rot="0">
+            <a:off x="9233535" y="2131060"/>
+            <a:ext cx="733425" cy="427355"/>
+          </a:xfrm>
+          <a:prstGeom prst="rect"/>
+          <a:noFill/>
+        </p:spPr>
+      </p:pic>
+      <p:sp>
+        <p:nvSpPr>
+          <p:cNvPr id="1080" name="텍스트 상자 52"/>
+          <p:cNvSpPr txBox="1">
+            <a:spLocks/>
+          </p:cNvSpPr>
+          <p:nvPr/>
+        </p:nvSpPr>
+        <p:spPr>
+          <a:xfrm rot="0">
+            <a:off x="6821805" y="5501005"/>
+            <a:ext cx="4126865" cy="677545"/>
+          </a:xfrm>
+          <a:prstGeom prst="rect"/>
+          <a:noFill/>
+          <a:ln w="0">
+            <a:noFill/>
+            <a:prstDash/>
+          </a:ln>
+        </p:spPr>
+        <p:txBody>
+          <a:bodyPr wrap="square" lIns="89535" tIns="46355" rIns="89535" bIns="46355" numCol="1" vert="horz" anchor="t">
+            <a:spAutoFit/>
+          </a:bodyPr>
+          <a:lstStyle/>
+          <a:p>
+            <a:pPr marL="0" indent="0" algn="l" latinLnBrk="0" hangingPunct="1">
+              <a:buFontTx/>
+              <a:buNone/>
+            </a:pPr>
+            <a:r>
+              <a:rPr lang="ko-KR" sz="2000" b="1">
+                <a:solidFill>
+                  <a:srgbClr val="0611F2"/>
+                </a:solidFill>
+                <a:latin typeface="맑은 고딕" charset="0"/>
+                <a:ea typeface="맑은 고딕" charset="0"/>
+              </a:rPr>
+              <a:t>1</a:t>
+            </a:r>
+            <a:r>
+              <a:rPr lang="ko-KR" sz="2000" b="1">
+                <a:solidFill>
+                  <a:srgbClr val="0611F2"/>
+                </a:solidFill>
+                <a:latin typeface="맑은 고딕" charset="0"/>
+                <a:ea typeface="맑은 고딕" charset="0"/>
+              </a:rPr>
+              <a:t>2</a:t>
+            </a:r>
+            <a:r>
+              <a:rPr sz="2000" b="1">
+                <a:solidFill>
+                  <a:srgbClr val="0611F2"/>
+                </a:solidFill>
+                <a:latin typeface="맑은 고딕" charset="0"/>
+                <a:ea typeface="맑은 고딕" charset="0"/>
+              </a:rPr>
+              <a:t>.</a:t>
+            </a:r>
+            <a:r>
+              <a:rPr sz="2000" b="1">
+                <a:solidFill>
+                  <a:srgbClr val="0611F2"/>
+                </a:solidFill>
+                <a:latin typeface="맑은 고딕" charset="0"/>
+                <a:ea typeface="맑은 고딕" charset="0"/>
+              </a:rPr>
+              <a:t> </a:t>
+            </a:r>
+            <a:r>
+              <a:rPr lang="ko-KR" sz="1800">
+                <a:latin typeface="맑은 고딕" charset="0"/>
+                <a:ea typeface="맑은 고딕" charset="0"/>
+              </a:rPr>
+              <a:t>그다음 Alien </a:t>
+            </a:r>
+            <a:r>
+              <a:rPr lang="ko-KR" sz="1800">
+                <a:latin typeface="맑은 고딕" charset="0"/>
+                <a:ea typeface="맑은 고딕" charset="0"/>
+              </a:rPr>
+              <a:t>오브젝트에 </a:t>
+            </a:r>
+            <a:r>
+              <a:rPr lang="ko-KR" sz="1800">
+                <a:latin typeface="맑은 고딕" charset="0"/>
+                <a:ea typeface="맑은 고딕" charset="0"/>
+              </a:rPr>
+              <a:t>Delete </a:t>
+            </a:r>
+            <a:r>
+              <a:rPr lang="ko-KR" sz="1800">
+                <a:latin typeface="맑은 고딕" charset="0"/>
+                <a:ea typeface="맑은 고딕" charset="0"/>
+              </a:rPr>
+              <a:t>스크립트</a:t>
+            </a:r>
+            <a:r>
+              <a:rPr lang="ko-KR" sz="1800">
+                <a:latin typeface="맑은 고딕" charset="0"/>
+                <a:ea typeface="맑은 고딕" charset="0"/>
+              </a:rPr>
+              <a:t> </a:t>
+            </a:r>
+            <a:r>
+              <a:rPr lang="ko-KR" sz="1800">
+                <a:latin typeface="맑은 고딕" charset="0"/>
+                <a:ea typeface="맑은 고딕" charset="0"/>
+              </a:rPr>
+              <a:t>컴포넌트를</a:t>
+            </a:r>
+            <a:r>
+              <a:rPr lang="ko-KR" sz="1800">
+                <a:latin typeface="맑은 고딕" charset="0"/>
+                <a:ea typeface="맑은 고딕" charset="0"/>
+              </a:rPr>
+              <a:t> </a:t>
+            </a:r>
+            <a:r>
+              <a:rPr lang="ko-KR" sz="1800">
+                <a:latin typeface="맑은 고딕" charset="0"/>
+                <a:ea typeface="맑은 고딕" charset="0"/>
+              </a:rPr>
+              <a:t>추가합니다.</a:t>
+            </a:r>
+            <a:endParaRPr lang="ko-KR" altLang="en-US" sz="1800">
+              <a:latin typeface="맑은 고딕" charset="0"/>
+              <a:ea typeface="맑은 고딕" charset="0"/>
+            </a:endParaRPr>
+          </a:p>
+        </p:txBody>
+      </p:sp>
+      <p:pic>
+        <p:nvPicPr>
+          <p:cNvPr id="1081" name="그림 53" descr="C:/Users/Admin1/AppData/Roaming/PolarisOffice/ETemp/21916_16244272/fImage52902588145.png"/>
+          <p:cNvPicPr>
+            <a:picLocks noChangeAspect="1"/>
+          </p:cNvPicPr>
+          <p:nvPr/>
+        </p:nvPicPr>
+        <p:blipFill rotWithShape="1">
+          <a:blip r:embed="rId18" cstate="hqprint">
+            <a:extLst>
+              <a:ext uri="{28A0092B-C50C-407E-A947-70E740481C1C}">
+                <a14:useLocalDpi xmlns:a14="http://schemas.microsoft.com/office/drawing/2010/main"/>
+              </a:ext>
+            </a:extLst>
+          </a:blip>
+          <a:stretch>
+            <a:fillRect/>
+          </a:stretch>
+        </p:blipFill>
+        <p:spPr>
+          <a:xfrm rot="0">
+            <a:off x="8286750" y="4125595"/>
+            <a:ext cx="2661920" cy="1266825"/>
+          </a:xfrm>
+          <a:prstGeom prst="roundRect"/>
+          <a:solidFill>
+            <a:srgbClr val="EDEDED"/>
+          </a:solidFill>
+        </p:spPr>
+      </p:pic>
+      <p:pic>
+        <p:nvPicPr>
+          <p:cNvPr id="1082" name="그림 54" descr="C:/Users/Admin1/AppData/Roaming/PolarisOffice/ETemp/21916_16244272/fImage91672829358.png"/>
+          <p:cNvPicPr>
+            <a:picLocks noChangeAspect="1"/>
+          </p:cNvPicPr>
+          <p:nvPr/>
+        </p:nvPicPr>
+        <p:blipFill rotWithShape="1">
+          <a:blip r:embed="rId19" cstate="print">
+            <a:extLst>
+              <a:ext uri="{28A0092B-C50C-407E-A947-70E740481C1C}">
+                <a14:useLocalDpi xmlns:a14="http://schemas.microsoft.com/office/drawing/2010/main" val="0"/>
+              </a:ext>
+            </a:extLst>
+          </a:blip>
+          <a:stretch>
+            <a:fillRect/>
+          </a:stretch>
+        </p:blipFill>
+        <p:spPr>
+          <a:xfrm rot="0">
+            <a:off x="6823075" y="4125595"/>
+            <a:ext cx="1300480" cy="1258570"/>
           </a:xfrm>
           <a:prstGeom prst="roundRect"/>
           <a:solidFill>
@@ -10009,7 +10619,7 @@
 </file>
 
 <file path=ppt/slides/slide5.xml><?xml version="1.0" encoding="utf-8"?>
-<p:sld xmlns:a="http://schemas.openxmlformats.org/drawingml/2006/main" xmlns:r="http://schemas.openxmlformats.org/officeDocument/2006/relationships" xmlns:p="http://schemas.openxmlformats.org/presentationml/2006/main" xmlns:p14="http://schemas.microsoft.com/office/powerpoint/2010/main">
+<p:sld xmlns:a="http://schemas.openxmlformats.org/drawingml/2006/main" xmlns:r="http://schemas.openxmlformats.org/officeDocument/2006/relationships" xmlns:p="http://schemas.openxmlformats.org/presentationml/2006/main">
   <p:cSld>
     <p:spTree>
       <p:nvGrpSpPr>
@@ -10035,8 +10645,8 @@
         </p:nvSpPr>
         <p:spPr>
           <a:xfrm rot="0">
-            <a:off x="5036820" y="469265"/>
-            <a:ext cx="2121535" cy="554990"/>
+            <a:off x="4514215" y="350520"/>
+            <a:ext cx="3170555" cy="478155"/>
           </a:xfrm>
           <a:prstGeom prst="rect"/>
           <a:noFill/>
@@ -10051,33 +10661,53 @@
           </a:bodyPr>
           <a:lstStyle/>
           <a:p>
-            <a:pPr marL="0" indent="0" algn="l" latinLnBrk="0">
-              <a:buFontTx/>
-              <a:buNone/>
-            </a:pPr>
-            <a:r>
-              <a:rPr lang="ko-KR" altLang="en-US" sz="3000" b="1">
+            <a:pPr marL="0" indent="0" algn="ctr" latinLnBrk="0">
+              <a:buFontTx/>
+              <a:buNone/>
+            </a:pPr>
+            <a:r>
+              <a:rPr lang="ko-KR" altLang="en-US" sz="2500" b="1">
                 <a:solidFill>
                   <a:schemeClr val="tx1"/>
                 </a:solidFill>
-                <a:latin typeface="맑은 고딕" charset="0"/>
-                <a:ea typeface="맑은 고딕" charset="0"/>
-              </a:rPr>
-              <a:t>Instantiate</a:t>
-            </a:r>
-            <a:endParaRPr lang="ko-KR" altLang="en-US" sz="3000" b="1">
+                <a:latin typeface="나눔바른고딕" charset="0"/>
+                <a:ea typeface="나눔바른고딕" charset="0"/>
+              </a:rPr>
+              <a:t>다섯</a:t>
+            </a:r>
+            <a:r>
+              <a:rPr lang="ko-KR" altLang="en-US" sz="2500" b="1">
+                <a:solidFill>
+                  <a:schemeClr val="tx1"/>
+                </a:solidFill>
+                <a:latin typeface="나눔바른고딕" charset="0"/>
+                <a:ea typeface="나눔바른고딕" charset="0"/>
+              </a:rPr>
+              <a:t> </a:t>
+            </a:r>
+            <a:r>
+              <a:rPr lang="ko-KR" altLang="en-US" sz="2500" b="1">
+                <a:solidFill>
+                  <a:schemeClr val="tx1"/>
+                </a:solidFill>
+                <a:latin typeface="나눔바른고딕" charset="0"/>
+                <a:ea typeface="나눔바른고딕" charset="0"/>
+              </a:rPr>
+              <a:t>번째 튜토리얼</a:t>
+            </a:r>
+            <a:endParaRPr lang="ko-KR" altLang="en-US" sz="2500" b="1">
               <a:solidFill>
                 <a:schemeClr val="tx1"/>
               </a:solidFill>
-              <a:latin typeface="맑은 고딕" charset="0"/>
-              <a:ea typeface="맑은 고딕" charset="0"/>
+              <a:latin typeface="나눔바른고딕" charset="0"/>
+              <a:ea typeface="나눔바른고딕" charset="0"/>
             </a:endParaRPr>
           </a:p>
         </p:txBody>
       </p:sp>
       <p:sp>
         <p:nvSpPr>
-          <p:cNvPr id="1035" name="Rect 0"/>
+          <p:cNvPr id="1054" name="Rect 0"/>
           <p:cNvSpPr txBox="1">
             <a:spLocks/>
           </p:cNvSpPr>
@@ -10085,8 +10715,8 @@
         </p:nvSpPr>
         <p:spPr>
           <a:xfrm rot="0">
-            <a:off x="1181735" y="1423035"/>
-            <a:ext cx="4184015" cy="4523740"/>
+            <a:off x="6810375" y="4114800"/>
+            <a:ext cx="4164330" cy="2061845"/>
           </a:xfrm>
           <a:prstGeom prst="rect"/>
           <a:noFill/>
@@ -10106,32 +10736,188 @@
               <a:buNone/>
             </a:pPr>
             <a:r>
-              <a:rPr lang="ko-KR" sz="1800">
-                <a:latin typeface="맑은 고딕" charset="0"/>
-                <a:ea typeface="맑은 고딕" charset="0"/>
-              </a:rPr>
-              <a:t>Instantiate(</a:t>
-            </a:r>
-            <a:r>
-              <a:rPr lang="ko-KR" sz="1800">
-                <a:latin typeface="맑은 고딕" charset="0"/>
-                <a:ea typeface="맑은 고딕" charset="0"/>
-              </a:rPr>
-              <a:t> )함수는 게임 오브젝트를 </a:t>
-            </a:r>
-            <a:r>
-              <a:rPr lang="ko-KR" sz="1800">
-                <a:latin typeface="맑은 고딕" charset="0"/>
-                <a:ea typeface="맑은 고딕" charset="0"/>
-              </a:rPr>
-              <a:t>생성하는</a:t>
-            </a:r>
-            <a:r>
-              <a:rPr lang="ko-KR" sz="1800">
-                <a:latin typeface="맑은 고딕" charset="0"/>
-                <a:ea typeface="맑은 고딕" charset="0"/>
-              </a:rPr>
-              <a:t> 함수입니다. </a:t>
+              <a:rPr lang="ko-KR" sz="2000" b="1">
+                <a:solidFill>
+                  <a:srgbClr val="0611F2"/>
+                </a:solidFill>
+                <a:latin typeface="맑은 고딕" charset="0"/>
+                <a:ea typeface="맑은 고딕" charset="0"/>
+              </a:rPr>
+              <a:t>14</a:t>
+            </a:r>
+            <a:r>
+              <a:rPr sz="2000" b="1">
+                <a:solidFill>
+                  <a:srgbClr val="0611F2"/>
+                </a:solidFill>
+                <a:latin typeface="맑은 고딕" charset="0"/>
+                <a:ea typeface="맑은 고딕" charset="0"/>
+              </a:rPr>
+              <a:t>.</a:t>
+            </a:r>
+            <a:r>
+              <a:rPr sz="2000" b="1">
+                <a:solidFill>
+                  <a:srgbClr val="0611F2"/>
+                </a:solidFill>
+                <a:latin typeface="맑은 고딕" charset="0"/>
+                <a:ea typeface="맑은 고딕" charset="0"/>
+              </a:rPr>
+              <a:t> </a:t>
+            </a:r>
+            <a:r>
+              <a:rPr lang="ko-KR" sz="1800">
+                <a:latin typeface="맑은 고딕" charset="0"/>
+                <a:ea typeface="맑은 고딕" charset="0"/>
+              </a:rPr>
+              <a:t>그러고 나서 GenericCreate( ) </a:t>
+            </a:r>
+            <a:r>
+              <a:rPr lang="ko-KR" sz="1800">
+                <a:latin typeface="맑은 고딕" charset="0"/>
+                <a:ea typeface="맑은 고딕" charset="0"/>
+              </a:rPr>
+              <a:t>함수를</a:t>
+            </a:r>
+            <a:r>
+              <a:rPr lang="ko-KR" sz="1800">
+                <a:latin typeface="맑은 고딕" charset="0"/>
+                <a:ea typeface="맑은 고딕" charset="0"/>
+              </a:rPr>
+              <a:t> </a:t>
+            </a:r>
+            <a:r>
+              <a:rPr lang="ko-KR" sz="1800">
+                <a:latin typeface="맑은 고딕" charset="0"/>
+                <a:ea typeface="맑은 고딕" charset="0"/>
+              </a:rPr>
+              <a:t>선언한 다음</a:t>
+            </a:r>
+            <a:r>
+              <a:rPr lang="ko-KR" sz="1800">
+                <a:latin typeface="맑은 고딕" charset="0"/>
+                <a:ea typeface="맑은 고딕" charset="0"/>
+              </a:rPr>
+              <a:t> </a:t>
+            </a:r>
+            <a:r>
+              <a:rPr lang="ko-KR" sz="1800">
+                <a:latin typeface="맑은 고딕" charset="0"/>
+                <a:ea typeface="맑은 고딕" charset="0"/>
+              </a:rPr>
+              <a:t>생성할</a:t>
+            </a:r>
+            <a:r>
+              <a:rPr lang="ko-KR" sz="1800">
+                <a:latin typeface="맑은 고딕" charset="0"/>
+                <a:ea typeface="맑은 고딕" charset="0"/>
+              </a:rPr>
+              <a:t> </a:t>
+            </a:r>
+            <a:r>
+              <a:rPr lang="ko-KR" sz="1800">
+                <a:latin typeface="맑은 고딕" charset="0"/>
+                <a:ea typeface="맑은 고딕" charset="0"/>
+              </a:rPr>
+              <a:t>게임</a:t>
+            </a:r>
+            <a:r>
+              <a:rPr lang="ko-KR" sz="1800">
+                <a:latin typeface="맑은 고딕" charset="0"/>
+                <a:ea typeface="맑은 고딕" charset="0"/>
+              </a:rPr>
+              <a:t> </a:t>
+            </a:r>
+            <a:r>
+              <a:rPr lang="ko-KR" sz="1800">
+                <a:latin typeface="맑은 고딕" charset="0"/>
+                <a:ea typeface="맑은 고딕" charset="0"/>
+              </a:rPr>
+              <a:t>오브젝트와</a:t>
+            </a:r>
+            <a:r>
+              <a:rPr lang="ko-KR" sz="1800">
+                <a:latin typeface="맑은 고딕" charset="0"/>
+                <a:ea typeface="맑은 고딕" charset="0"/>
+              </a:rPr>
+              <a:t> </a:t>
+            </a:r>
+            <a:r>
+              <a:rPr lang="ko-KR" sz="1800">
+                <a:latin typeface="맑은 고딕" charset="0"/>
+                <a:ea typeface="맑은 고딕" charset="0"/>
+              </a:rPr>
+              <a:t>생성되는</a:t>
+            </a:r>
+            <a:r>
+              <a:rPr lang="ko-KR" sz="1800">
+                <a:latin typeface="맑은 고딕" charset="0"/>
+                <a:ea typeface="맑은 고딕" charset="0"/>
+              </a:rPr>
+              <a:t> </a:t>
+            </a:r>
+            <a:r>
+              <a:rPr lang="ko-KR" sz="1800">
+                <a:latin typeface="맑은 고딕" charset="0"/>
+                <a:ea typeface="맑은 고딕" charset="0"/>
+              </a:rPr>
+              <a:t>위치</a:t>
+            </a:r>
+            <a:r>
+              <a:rPr lang="ko-KR" sz="1800">
+                <a:latin typeface="맑은 고딕" charset="0"/>
+                <a:ea typeface="맑은 고딕" charset="0"/>
+              </a:rPr>
+              <a:t> </a:t>
+            </a:r>
+            <a:r>
+              <a:rPr lang="ko-KR" sz="1800">
+                <a:latin typeface="맑은 고딕" charset="0"/>
+                <a:ea typeface="맑은 고딕" charset="0"/>
+              </a:rPr>
+              <a:t>그리고</a:t>
+            </a:r>
+            <a:r>
+              <a:rPr lang="ko-KR" sz="1800">
+                <a:latin typeface="맑은 고딕" charset="0"/>
+                <a:ea typeface="맑은 고딕" charset="0"/>
+              </a:rPr>
+              <a:t> </a:t>
+            </a:r>
+            <a:r>
+              <a:rPr lang="ko-KR" sz="1800">
+                <a:latin typeface="맑은 고딕" charset="0"/>
+                <a:ea typeface="맑은 고딕" charset="0"/>
+              </a:rPr>
+              <a:t>회전</a:t>
+            </a:r>
+            <a:r>
+              <a:rPr lang="ko-KR" sz="1800">
+                <a:latin typeface="맑은 고딕" charset="0"/>
+                <a:ea typeface="맑은 고딕" charset="0"/>
+              </a:rPr>
+              <a:t> </a:t>
+            </a:r>
+            <a:r>
+              <a:rPr lang="ko-KR" sz="1800">
+                <a:latin typeface="맑은 고딕" charset="0"/>
+                <a:ea typeface="맑은 고딕" charset="0"/>
+              </a:rPr>
+              <a:t>값을</a:t>
+            </a:r>
+            <a:r>
+              <a:rPr lang="ko-KR" sz="1800">
+                <a:latin typeface="맑은 고딕" charset="0"/>
+                <a:ea typeface="맑은 고딕" charset="0"/>
+              </a:rPr>
+              <a:t> </a:t>
+            </a:r>
+            <a:r>
+              <a:rPr lang="ko-KR" sz="1800">
+                <a:latin typeface="맑은 고딕" charset="0"/>
+                <a:ea typeface="맑은 고딕" charset="0"/>
+              </a:rPr>
+              <a:t>설정합니다.</a:t>
             </a:r>
             <a:endParaRPr lang="ko-KR" altLang="en-US" sz="1800">
               <a:latin typeface="맑은 고딕" charset="0"/>
@@ -10158,174 +10944,231 @@
                 <a:latin typeface="맑은 고딕" charset="0"/>
                 <a:ea typeface="맑은 고딕" charset="0"/>
               </a:rPr>
-              <a:t>그리고</a:t>
-            </a:r>
-            <a:r>
-              <a:rPr lang="ko-KR" sz="1800">
-                <a:latin typeface="맑은 고딕" charset="0"/>
-                <a:ea typeface="맑은 고딕" charset="0"/>
-              </a:rPr>
-              <a:t> 생성할 때 생성되는 위치와 </a:t>
-            </a:r>
-            <a:r>
-              <a:rPr lang="ko-KR" sz="1800">
-                <a:latin typeface="맑은 고딕" charset="0"/>
-                <a:ea typeface="맑은 고딕" charset="0"/>
-              </a:rPr>
-              <a:t>생성될</a:t>
-            </a:r>
-            <a:r>
-              <a:rPr lang="ko-KR" sz="1800">
-                <a:latin typeface="맑은 고딕" charset="0"/>
-                <a:ea typeface="맑은 고딕" charset="0"/>
-              </a:rPr>
-              <a:t> 때 방향을 설정할 수 있습니다.</a:t>
+              <a:t>이제</a:t>
+            </a:r>
+            <a:r>
+              <a:rPr lang="ko-KR" sz="1800">
+                <a:latin typeface="맑은 고딕" charset="0"/>
+                <a:ea typeface="맑은 고딕" charset="0"/>
+              </a:rPr>
+              <a:t> </a:t>
+            </a:r>
+            <a:r>
+              <a:rPr lang="ko-KR" sz="1800">
+                <a:latin typeface="맑은 고딕" charset="0"/>
+                <a:ea typeface="맑은 고딕" charset="0"/>
+              </a:rPr>
+              <a:t>생성되는 순간 Delete 컴포넌트</a:t>
+            </a:r>
+            <a:r>
+              <a:rPr lang="ko-KR" sz="1800">
+                <a:latin typeface="맑은 고딕" charset="0"/>
+                <a:ea typeface="맑은 고딕" charset="0"/>
+              </a:rPr>
+              <a:t>를 </a:t>
+            </a:r>
+            <a:r>
+              <a:rPr lang="ko-KR" sz="1800">
+                <a:latin typeface="맑은 고딕" charset="0"/>
+                <a:ea typeface="맑은 고딕" charset="0"/>
+              </a:rPr>
+              <a:t>추가하도록</a:t>
+            </a:r>
+            <a:r>
+              <a:rPr lang="ko-KR" sz="1800">
+                <a:latin typeface="맑은 고딕" charset="0"/>
+                <a:ea typeface="맑은 고딕" charset="0"/>
+              </a:rPr>
+              <a:t> 설정합니다.</a:t>
             </a:r>
             <a:endParaRPr lang="ko-KR" altLang="en-US" sz="1800">
               <a:latin typeface="맑은 고딕" charset="0"/>
               <a:ea typeface="맑은 고딕" charset="0"/>
             </a:endParaRPr>
           </a:p>
+        </p:txBody>
+      </p:sp>
+      <p:sp>
+        <p:nvSpPr>
+          <p:cNvPr id="1067" name="Rect 0"/>
+          <p:cNvSpPr txBox="1">
+            <a:spLocks/>
+          </p:cNvSpPr>
+          <p:nvPr/>
+        </p:nvSpPr>
+        <p:spPr>
+          <a:xfrm rot="0">
+            <a:off x="1214120" y="4944110"/>
+            <a:ext cx="4152265" cy="1231265"/>
+          </a:xfrm>
+          <a:prstGeom prst="rect"/>
+          <a:noFill/>
+          <a:ln w="0">
+            <a:noFill/>
+            <a:prstDash/>
+          </a:ln>
+        </p:spPr>
+        <p:txBody>
+          <a:bodyPr wrap="square" lIns="89535" tIns="46355" rIns="89535" bIns="46355" numCol="1" vert="horz" anchor="t">
+            <a:spAutoFit/>
+          </a:bodyPr>
+          <a:lstStyle/>
           <a:p>
             <a:pPr marL="0" indent="0" algn="l" latinLnBrk="0" hangingPunct="1">
               <a:buFontTx/>
               <a:buNone/>
             </a:pPr>
+            <a:r>
+              <a:rPr lang="ko-KR" sz="2000" b="1">
+                <a:solidFill>
+                  <a:srgbClr val="0611F2"/>
+                </a:solidFill>
+                <a:latin typeface="맑은 고딕" charset="0"/>
+                <a:ea typeface="맑은 고딕" charset="0"/>
+              </a:rPr>
+              <a:t>1</a:t>
+            </a:r>
+            <a:r>
+              <a:rPr lang="ko-KR" sz="2000" b="1">
+                <a:solidFill>
+                  <a:srgbClr val="0611F2"/>
+                </a:solidFill>
+                <a:latin typeface="맑은 고딕" charset="0"/>
+                <a:ea typeface="맑은 고딕" charset="0"/>
+              </a:rPr>
+              <a:t>3</a:t>
+            </a:r>
+            <a:r>
+              <a:rPr sz="2000" b="1">
+                <a:solidFill>
+                  <a:srgbClr val="0611F2"/>
+                </a:solidFill>
+                <a:latin typeface="맑은 고딕" charset="0"/>
+                <a:ea typeface="맑은 고딕" charset="0"/>
+              </a:rPr>
+              <a:t>.</a:t>
+            </a:r>
+            <a:r>
+              <a:rPr sz="2000" b="1">
+                <a:solidFill>
+                  <a:srgbClr val="0611F2"/>
+                </a:solidFill>
+                <a:latin typeface="맑은 고딕" charset="0"/>
+                <a:ea typeface="맑은 고딕" charset="0"/>
+              </a:rPr>
+              <a:t> </a:t>
+            </a:r>
+            <a:r>
+              <a:rPr lang="ko-KR" sz="1800">
+                <a:latin typeface="맑은 고딕" charset="0"/>
+                <a:ea typeface="맑은 고딕" charset="0"/>
+              </a:rPr>
+              <a:t>그런 다음 Create 스크립트의 </a:t>
+            </a:r>
+            <a:r>
+              <a:rPr lang="ko-KR" sz="1800">
+                <a:latin typeface="맑은 고딕" charset="0"/>
+                <a:ea typeface="맑은 고딕" charset="0"/>
+              </a:rPr>
+              <a:t>Button</a:t>
+            </a:r>
+            <a:r>
+              <a:rPr lang="ko-KR" sz="1800">
+                <a:latin typeface="맑은 고딕" charset="0"/>
+                <a:ea typeface="맑은 고딕" charset="0"/>
+              </a:rPr>
+              <a:t> </a:t>
+            </a:r>
+            <a:r>
+              <a:rPr lang="ko-KR" sz="1800">
+                <a:latin typeface="맑은 고딕" charset="0"/>
+                <a:ea typeface="맑은 고딕" charset="0"/>
+              </a:rPr>
+              <a:t>변수와</a:t>
+            </a:r>
+            <a:r>
+              <a:rPr lang="ko-KR" sz="1800">
+                <a:latin typeface="맑은 고딕" charset="0"/>
+                <a:ea typeface="맑은 고딕" charset="0"/>
+              </a:rPr>
+              <a:t> GameObject 변수를 </a:t>
+            </a:r>
+            <a:r>
+              <a:rPr lang="ko-KR" sz="1800">
+                <a:latin typeface="맑은 고딕" charset="0"/>
+                <a:ea typeface="맑은 고딕" charset="0"/>
+              </a:rPr>
+              <a:t>선언한</a:t>
+            </a:r>
+            <a:r>
+              <a:rPr lang="ko-KR" sz="1800">
+                <a:latin typeface="맑은 고딕" charset="0"/>
+                <a:ea typeface="맑은 고딕" charset="0"/>
+              </a:rPr>
+              <a:t> </a:t>
+            </a:r>
+            <a:r>
+              <a:rPr lang="ko-KR" sz="1800">
+                <a:latin typeface="맑은 고딕" charset="0"/>
+                <a:ea typeface="맑은 고딕" charset="0"/>
+              </a:rPr>
+              <a:t>다음</a:t>
+            </a:r>
+            <a:r>
+              <a:rPr lang="ko-KR" sz="1800">
+                <a:latin typeface="맑은 고딕" charset="0"/>
+                <a:ea typeface="맑은 고딕" charset="0"/>
+              </a:rPr>
+              <a:t> </a:t>
+            </a:r>
+            <a:r>
+              <a:rPr lang="ko-KR" sz="1800">
+                <a:latin typeface="맑은 고딕" charset="0"/>
+                <a:ea typeface="맑은 고딕" charset="0"/>
+              </a:rPr>
+              <a:t>bool 변수와 float 변수를 </a:t>
+            </a:r>
+            <a:r>
+              <a:rPr lang="ko-KR" sz="1800">
+                <a:latin typeface="맑은 고딕" charset="0"/>
+                <a:ea typeface="맑은 고딕" charset="0"/>
+              </a:rPr>
+              <a:t>2개</a:t>
+            </a:r>
+            <a:r>
+              <a:rPr lang="ko-KR" sz="1800">
+                <a:latin typeface="맑은 고딕" charset="0"/>
+                <a:ea typeface="맑은 고딕" charset="0"/>
+              </a:rPr>
+              <a:t> 선언합니</a:t>
+            </a:r>
+            <a:r>
+              <a:rPr lang="ko-KR" sz="1800">
+                <a:latin typeface="맑은 고딕" charset="0"/>
+                <a:ea typeface="맑은 고딕" charset="0"/>
+              </a:rPr>
+              <a:t>다.</a:t>
+            </a:r>
             <a:endParaRPr lang="ko-KR" altLang="en-US" sz="1800">
               <a:latin typeface="맑은 고딕" charset="0"/>
               <a:ea typeface="맑은 고딕" charset="0"/>
             </a:endParaRPr>
           </a:p>
-          <a:p>
-            <a:pPr marL="0" indent="0" algn="l" latinLnBrk="0" hangingPunct="1">
-              <a:buFontTx/>
-              <a:buNone/>
-            </a:pPr>
-            <a:endParaRPr lang="ko-KR" altLang="en-US" sz="1800">
-              <a:latin typeface="맑은 고딕" charset="0"/>
-              <a:ea typeface="맑은 고딕" charset="0"/>
-            </a:endParaRPr>
-          </a:p>
-          <a:p>
-            <a:pPr marL="0" indent="0" algn="l" latinLnBrk="0" hangingPunct="1">
-              <a:buFontTx/>
-              <a:buNone/>
-            </a:pPr>
-            <a:endParaRPr lang="ko-KR" altLang="en-US" sz="1800">
-              <a:latin typeface="맑은 고딕" charset="0"/>
-              <a:ea typeface="맑은 고딕" charset="0"/>
-            </a:endParaRPr>
-          </a:p>
-          <a:p>
-            <a:pPr marL="0" indent="0" algn="l" latinLnBrk="0" hangingPunct="1">
-              <a:buFontTx/>
-              <a:buNone/>
-            </a:pPr>
-            <a:endParaRPr lang="ko-KR" altLang="en-US" sz="1800">
-              <a:latin typeface="맑은 고딕" charset="0"/>
-              <a:ea typeface="맑은 고딕" charset="0"/>
-            </a:endParaRPr>
-          </a:p>
-          <a:p>
-            <a:pPr marL="0" indent="0" algn="l" latinLnBrk="0" hangingPunct="1">
-              <a:buFontTx/>
-              <a:buNone/>
-            </a:pPr>
-            <a:endParaRPr lang="ko-KR" altLang="en-US" sz="1800">
-              <a:latin typeface="맑은 고딕" charset="0"/>
-              <a:ea typeface="맑은 고딕" charset="0"/>
-            </a:endParaRPr>
-          </a:p>
-          <a:p>
-            <a:pPr marL="0" indent="0" algn="l" latinLnBrk="0" hangingPunct="1">
-              <a:buFontTx/>
-              <a:buNone/>
-            </a:pPr>
-            <a:endParaRPr lang="ko-KR" altLang="en-US" sz="1800">
-              <a:latin typeface="맑은 고딕" charset="0"/>
-              <a:ea typeface="맑은 고딕" charset="0"/>
-            </a:endParaRPr>
-          </a:p>
-          <a:p>
-            <a:pPr marL="0" indent="0" algn="l" latinLnBrk="0" hangingPunct="1">
-              <a:buFontTx/>
-              <a:buNone/>
-            </a:pPr>
-            <a:endParaRPr lang="ko-KR" altLang="en-US" sz="1800">
-              <a:latin typeface="맑은 고딕" charset="0"/>
-              <a:ea typeface="맑은 고딕" charset="0"/>
-            </a:endParaRPr>
-          </a:p>
-          <a:p>
-            <a:pPr marL="0" indent="0" algn="l" latinLnBrk="0" hangingPunct="1">
-              <a:buFontTx/>
-              <a:buNone/>
-            </a:pPr>
-            <a:endParaRPr lang="ko-KR" altLang="en-US" sz="1800">
-              <a:latin typeface="맑은 고딕" charset="0"/>
-              <a:ea typeface="맑은 고딕" charset="0"/>
-            </a:endParaRPr>
-          </a:p>
-          <a:p>
-            <a:pPr marL="0" indent="0" algn="l" latinLnBrk="0" hangingPunct="1">
-              <a:buFontTx/>
-              <a:buNone/>
-            </a:pPr>
-            <a:r>
-              <a:rPr lang="ko-KR" sz="1800">
-                <a:latin typeface="맑은 고딕" charset="0"/>
-                <a:ea typeface="맑은 고딕" charset="0"/>
-              </a:rPr>
-              <a:t>게임</a:t>
-            </a:r>
-            <a:r>
-              <a:rPr lang="ko-KR" sz="1800">
-                <a:latin typeface="맑은 고딕" charset="0"/>
-                <a:ea typeface="맑은 고딕" charset="0"/>
-              </a:rPr>
-              <a:t> 오브젝트의 생성은 메모리를 새로 </a:t>
-            </a:r>
-            <a:r>
-              <a:rPr lang="ko-KR" sz="1800">
-                <a:latin typeface="맑은 고딕" charset="0"/>
-                <a:ea typeface="맑은 고딕" charset="0"/>
-              </a:rPr>
-              <a:t>할당하며,</a:t>
-            </a:r>
-            <a:r>
-              <a:rPr lang="ko-KR" sz="1800">
-                <a:latin typeface="맑은 고딕" charset="0"/>
-                <a:ea typeface="맑은 고딕" charset="0"/>
-              </a:rPr>
-              <a:t> Managed Heap 영역에서 </a:t>
-            </a:r>
-            <a:r>
-              <a:rPr lang="ko-KR" sz="1800">
-                <a:latin typeface="맑은 고딕" charset="0"/>
-                <a:ea typeface="맑은 고딕" charset="0"/>
-              </a:rPr>
-              <a:t>관리합니다.</a:t>
-            </a:r>
-            <a:endParaRPr lang="ko-KR" altLang="en-US" sz="1800">
-              <a:latin typeface="맑은 고딕" charset="0"/>
-              <a:ea typeface="맑은 고딕" charset="0"/>
-            </a:endParaRPr>
-          </a:p>
         </p:txBody>
       </p:sp>
       <p:pic>
         <p:nvPicPr>
-          <p:cNvPr id="1036" name="그림 1"/>
+          <p:cNvPr id="1068" name="Picture " descr="C:/Users/Admin1/AppData/Roaming/PolarisOffice/ETemp/21916_16244272/fImage735932596962.png"/>
           <p:cNvPicPr>
             <a:picLocks noChangeAspect="1"/>
           </p:cNvPicPr>
           <p:nvPr/>
         </p:nvPicPr>
         <p:blipFill rotWithShape="1">
-          <a:blip r:embed="rId4" cstate="hqprint">
+          <a:blip r:embed="rId2" cstate="print">
             <a:extLst>
               <a:ext uri="{28A0092B-C50C-407E-A947-70E740481C1C}">
-                <a14:useLocalDpi xmlns:a14="http://schemas.microsoft.com/office/drawing/2010/main"/>
+                <a14:useLocalDpi xmlns:a14="http://schemas.microsoft.com/office/drawing/2010/main" val="0"/>
               </a:ext>
             </a:extLst>
           </a:blip>
@@ -10335,8 +11178,8 @@
         </p:blipFill>
         <p:spPr>
           <a:xfrm rot="0">
-            <a:off x="6804660" y="1421765"/>
-            <a:ext cx="4077970" cy="3417570"/>
+            <a:off x="1213485" y="1455420"/>
+            <a:ext cx="4162425" cy="3317240"/>
           </a:xfrm>
           <a:prstGeom prst="roundRect"/>
           <a:solidFill>
@@ -10344,63 +11187,19 @@
           </a:solidFill>
         </p:spPr>
       </p:pic>
-      <p:sp>
-        <p:nvSpPr>
-          <p:cNvPr id="1037" name="텍스트 상자 4"/>
-          <p:cNvSpPr txBox="1">
-            <a:spLocks/>
-          </p:cNvSpPr>
-          <p:nvPr/>
-        </p:nvSpPr>
-        <p:spPr>
-          <a:xfrm rot="0">
-            <a:off x="6797040" y="5013960"/>
-            <a:ext cx="4096385" cy="925195"/>
-          </a:xfrm>
-          <a:prstGeom prst="rect"/>
-          <a:noFill/>
-          <a:ln w="0">
-            <a:noFill/>
-            <a:prstDash/>
-          </a:ln>
-        </p:spPr>
-        <p:txBody>
-          <a:bodyPr wrap="square" lIns="89535" tIns="46355" rIns="89535" bIns="46355" numCol="1" vert="horz" anchor="t">
-            <a:spAutoFit/>
-          </a:bodyPr>
-          <a:lstStyle/>
-          <a:p>
-            <a:pPr marL="0" indent="0" algn="l" latinLnBrk="0" hangingPunct="1">
-              <a:buFontTx/>
-              <a:buNone/>
-            </a:pPr>
-            <a:r>
-              <a:rPr lang="ko-KR" sz="1800">
-                <a:latin typeface="맑은 고딕" charset="0"/>
-                <a:ea typeface="맑은 고딕" charset="0"/>
-              </a:rPr>
-              <a:t>Instantiate로 게임 오브젝트를 생성하게 되면 (Clone)이라는 이름이 붙어서 생성됩니다. </a:t>
-            </a:r>
-            <a:endParaRPr lang="ko-KR" altLang="en-US" sz="1800">
-              <a:latin typeface="맑은 고딕" charset="0"/>
-              <a:ea typeface="맑은 고딕" charset="0"/>
-            </a:endParaRPr>
-          </a:p>
-        </p:txBody>
-      </p:sp>
       <p:pic>
         <p:nvPicPr>
-          <p:cNvPr id="1044" name="그림 145" descr="C:/Users/Admin1/AppData/Roaming/PolarisOffice/ETemp/28716_10216168/fImage688723905436.png"/>
+          <p:cNvPr id="1069" name="Picture " descr="C:/Users/Admin1/AppData/Roaming/PolarisOffice/ETemp/21916_16244272/fImage529592604464.png"/>
           <p:cNvPicPr>
             <a:picLocks noChangeAspect="1"/>
           </p:cNvPicPr>
           <p:nvPr/>
         </p:nvPicPr>
         <p:blipFill rotWithShape="1">
-          <a:blip r:embed="rId13" cstate="hqprint">
+          <a:blip r:embed="rId3" cstate="print">
             <a:extLst>
               <a:ext uri="{28A0092B-C50C-407E-A947-70E740481C1C}">
-                <a14:useLocalDpi xmlns:a14="http://schemas.microsoft.com/office/drawing/2010/main"/>
+                <a14:useLocalDpi xmlns:a14="http://schemas.microsoft.com/office/drawing/2010/main" val="0"/>
               </a:ext>
             </a:extLst>
           </a:blip>
@@ -10410,11 +11209,13 @@
         </p:blipFill>
         <p:spPr>
           <a:xfrm rot="0">
-            <a:off x="1179195" y="3032125"/>
-            <a:ext cx="4196715" cy="1780540"/>
-          </a:xfrm>
-          <a:prstGeom prst="rect"/>
-          <a:noFill/>
+            <a:off x="6813550" y="1456055"/>
+            <a:ext cx="4144010" cy="2515235"/>
+          </a:xfrm>
+          <a:prstGeom prst="roundRect"/>
+          <a:solidFill>
+            <a:srgbClr val="EDEDED"/>
+          </a:solidFill>
         </p:spPr>
       </p:pic>
     </p:spTree>
@@ -10441,7 +11242,7 @@
 </file>
 
 <file path=ppt/slides/slide6.xml><?xml version="1.0" encoding="utf-8"?>
-<p:sld xmlns:a="http://schemas.openxmlformats.org/drawingml/2006/main" xmlns:r="http://schemas.openxmlformats.org/officeDocument/2006/relationships" xmlns:p="http://schemas.openxmlformats.org/presentationml/2006/main" xmlns:p14="http://schemas.microsoft.com/office/powerpoint/2010/main">
+<p:sld xmlns:a="http://schemas.openxmlformats.org/drawingml/2006/main" xmlns:r="http://schemas.openxmlformats.org/officeDocument/2006/relationships" xmlns:p="http://schemas.openxmlformats.org/presentationml/2006/main">
   <p:cSld>
     <p:spTree>
       <p:nvGrpSpPr>
@@ -10467,8 +11268,8 @@
         </p:nvSpPr>
         <p:spPr>
           <a:xfrm rot="0">
-            <a:off x="4535170" y="361315"/>
-            <a:ext cx="3127375" cy="554990"/>
+            <a:off x="4514215" y="350520"/>
+            <a:ext cx="3170555" cy="478155"/>
           </a:xfrm>
           <a:prstGeom prst="rect"/>
           <a:noFill/>
@@ -10483,43 +11284,53 @@
           </a:bodyPr>
           <a:lstStyle/>
           <a:p>
-            <a:pPr marL="0" indent="0" algn="l" latinLnBrk="0">
-              <a:buFontTx/>
-              <a:buNone/>
-            </a:pPr>
-            <a:r>
-              <a:rPr lang="ko-KR" altLang="en-US" sz="3000" b="1">
+            <a:pPr marL="0" indent="0" algn="ctr" latinLnBrk="0">
+              <a:buFontTx/>
+              <a:buNone/>
+            </a:pPr>
+            <a:r>
+              <a:rPr lang="ko-KR" altLang="en-US" sz="2500" b="1">
                 <a:solidFill>
                   <a:schemeClr val="tx1"/>
                 </a:solidFill>
-                <a:latin typeface="맑은 고딕" charset="0"/>
-                <a:ea typeface="맑은 고딕" charset="0"/>
-              </a:rPr>
-              <a:t>네 번째</a:t>
-            </a:r>
-            <a:r>
-              <a:rPr lang="ko-KR" altLang="en-US" sz="3000" b="1">
+                <a:latin typeface="나눔바른고딕" charset="0"/>
+                <a:ea typeface="나눔바른고딕" charset="0"/>
+              </a:rPr>
+              <a:t>여섯</a:t>
+            </a:r>
+            <a:r>
+              <a:rPr lang="ko-KR" altLang="en-US" sz="2500" b="1">
                 <a:solidFill>
                   <a:schemeClr val="tx1"/>
                 </a:solidFill>
-                <a:latin typeface="맑은 고딕" charset="0"/>
-                <a:ea typeface="맑은 고딕" charset="0"/>
-              </a:rPr>
-              <a:t> 튜토리얼</a:t>
-            </a:r>
-            <a:endParaRPr lang="ko-KR" altLang="en-US" sz="3000" b="1">
+                <a:latin typeface="나눔바른고딕" charset="0"/>
+                <a:ea typeface="나눔바른고딕" charset="0"/>
+              </a:rPr>
+              <a:t> </a:t>
+            </a:r>
+            <a:r>
+              <a:rPr lang="ko-KR" altLang="en-US" sz="2500" b="1">
+                <a:solidFill>
+                  <a:schemeClr val="tx1"/>
+                </a:solidFill>
+                <a:latin typeface="나눔바른고딕" charset="0"/>
+                <a:ea typeface="나눔바른고딕" charset="0"/>
+              </a:rPr>
+              <a:t>번째 튜토리얼</a:t>
+            </a:r>
+            <a:endParaRPr lang="ko-KR" altLang="en-US" sz="2500" b="1">
               <a:solidFill>
                 <a:schemeClr val="tx1"/>
               </a:solidFill>
-              <a:latin typeface="맑은 고딕" charset="0"/>
-              <a:ea typeface="맑은 고딕" charset="0"/>
+              <a:latin typeface="나눔바른고딕" charset="0"/>
+              <a:ea typeface="나눔바른고딕" charset="0"/>
             </a:endParaRPr>
           </a:p>
         </p:txBody>
       </p:sp>
       <p:sp>
         <p:nvSpPr>
-          <p:cNvPr id="1032" name="텍스트 상자 20"/>
+          <p:cNvPr id="1067" name="Rect 0"/>
           <p:cNvSpPr txBox="1">
             <a:spLocks/>
           </p:cNvSpPr>
@@ -10527,8 +11338,8 @@
         </p:nvSpPr>
         <p:spPr>
           <a:xfrm rot="0">
-            <a:off x="1221740" y="5361305"/>
-            <a:ext cx="4125595" cy="677545"/>
+            <a:off x="1231900" y="4392930"/>
+            <a:ext cx="4144010" cy="1784985"/>
           </a:xfrm>
           <a:prstGeom prst="rect"/>
           <a:noFill/>
@@ -10555,7 +11366,17 @@
                 <a:latin typeface="맑은 고딕" charset="0"/>
                 <a:ea typeface="맑은 고딕" charset="0"/>
               </a:rPr>
-              <a:t>7</a:t>
+              <a:t>1</a:t>
+            </a:r>
+            <a:r>
+              <a:rPr lang="ko-KR" sz="2000" b="1">
+                <a:solidFill>
+                  <a:srgbClr val="0611F2"/>
+                </a:solidFill>
+                <a:latin typeface="맑은 고딕" charset="0"/>
+                <a:ea typeface="맑은 고딕" charset="0"/>
+              </a:rPr>
+              <a:t>5</a:t>
             </a:r>
             <a:r>
               <a:rPr sz="2000" b="1">
@@ -10565,96 +11386,247 @@
                 <a:latin typeface="맑은 고딕" charset="0"/>
                 <a:ea typeface="맑은 고딕" charset="0"/>
               </a:rPr>
-              <a:t>. </a:t>
-            </a:r>
-            <a:r>
-              <a:rPr lang="ko-KR" sz="1800">
-                <a:latin typeface="맑은 고딕" charset="0"/>
-                <a:ea typeface="맑은 고딕" charset="0"/>
-              </a:rPr>
-              <a:t>이제 On Click 함수의 Event에 Create Object 오브젝트를 넣어줍니다.</a:t>
+              <a:t>.</a:t>
+            </a:r>
+            <a:r>
+              <a:rPr sz="2000" b="1">
+                <a:solidFill>
+                  <a:srgbClr val="0611F2"/>
+                </a:solidFill>
+                <a:latin typeface="맑은 고딕" charset="0"/>
+                <a:ea typeface="맑은 고딕" charset="0"/>
+              </a:rPr>
+              <a:t> </a:t>
+            </a:r>
+            <a:r>
+              <a:rPr lang="ko-KR" sz="1800">
+                <a:latin typeface="맑은 고딕" charset="0"/>
+                <a:ea typeface="맑은 고딕" charset="0"/>
+              </a:rPr>
+              <a:t>그리고 </a:t>
+            </a:r>
+            <a:r>
+              <a:rPr lang="ko-KR" sz="1800">
+                <a:latin typeface="맑은 고딕" charset="0"/>
+                <a:ea typeface="맑은 고딕" charset="0"/>
+              </a:rPr>
+              <a:t>Update(</a:t>
+            </a:r>
+            <a:r>
+              <a:rPr lang="ko-KR" sz="1800">
+                <a:latin typeface="맑은 고딕" charset="0"/>
+                <a:ea typeface="맑은 고딕" charset="0"/>
+              </a:rPr>
+              <a:t> ) </a:t>
+            </a:r>
+            <a:r>
+              <a:rPr lang="ko-KR" sz="1800">
+                <a:latin typeface="맑은 고딕" charset="0"/>
+                <a:ea typeface="맑은 고딕" charset="0"/>
+              </a:rPr>
+              <a:t>함수에서</a:t>
+            </a:r>
+            <a:r>
+              <a:rPr lang="ko-KR" sz="1800">
+                <a:latin typeface="맑은 고딕" charset="0"/>
+                <a:ea typeface="맑은 고딕" charset="0"/>
+              </a:rPr>
+              <a:t> 조건에 </a:t>
+            </a:r>
+            <a:r>
+              <a:rPr lang="ko-KR" sz="1800">
+                <a:latin typeface="맑은 고딕" charset="0"/>
+                <a:ea typeface="맑은 고딕" charset="0"/>
+              </a:rPr>
+              <a:t>따라</a:t>
+            </a:r>
+            <a:r>
+              <a:rPr lang="ko-KR" sz="1800">
+                <a:latin typeface="맑은 고딕" charset="0"/>
+                <a:ea typeface="맑은 고딕" charset="0"/>
+              </a:rPr>
+              <a:t> 버튼</a:t>
+            </a:r>
+            <a:r>
+              <a:rPr lang="ko-KR" sz="1800">
+                <a:latin typeface="맑은 고딕" charset="0"/>
+                <a:ea typeface="맑은 고딕" charset="0"/>
+              </a:rPr>
+              <a:t> 오브젝트를 활성화 </a:t>
+            </a:r>
+            <a:r>
+              <a:rPr lang="ko-KR" sz="1800">
+                <a:latin typeface="맑은 고딕" charset="0"/>
+                <a:ea typeface="맑은 고딕" charset="0"/>
+              </a:rPr>
+              <a:t>또는 </a:t>
+            </a:r>
+            <a:r>
+              <a:rPr lang="ko-KR" sz="1800">
+                <a:latin typeface="맑은 고딕" charset="0"/>
+                <a:ea typeface="맑은 고딕" charset="0"/>
+              </a:rPr>
+              <a:t>비활성</a:t>
+            </a:r>
+            <a:r>
+              <a:rPr lang="ko-KR" sz="1800">
+                <a:latin typeface="맑은 고딕" charset="0"/>
+                <a:ea typeface="맑은 고딕" charset="0"/>
+              </a:rPr>
+              <a:t>화</a:t>
+            </a:r>
+            <a:r>
+              <a:rPr lang="ko-KR" sz="1800">
+                <a:latin typeface="맑은 고딕" charset="0"/>
+                <a:ea typeface="맑은 고딕" charset="0"/>
+              </a:rPr>
+              <a:t>하</a:t>
+            </a:r>
+            <a:r>
+              <a:rPr lang="ko-KR" sz="1800">
+                <a:latin typeface="맑은 고딕" charset="0"/>
+                <a:ea typeface="맑은 고딕" charset="0"/>
+              </a:rPr>
+              <a:t>도록</a:t>
+            </a:r>
+            <a:r>
+              <a:rPr lang="ko-KR" sz="1800">
+                <a:latin typeface="맑은 고딕" charset="0"/>
+                <a:ea typeface="맑은 고딕" charset="0"/>
+              </a:rPr>
+              <a:t> </a:t>
+            </a:r>
+            <a:r>
+              <a:rPr lang="ko-KR" sz="1800">
+                <a:latin typeface="맑은 고딕" charset="0"/>
+                <a:ea typeface="맑은 고딕" charset="0"/>
+              </a:rPr>
+              <a:t>선언합니다.</a:t>
             </a:r>
             <a:endParaRPr lang="ko-KR" altLang="en-US" sz="1800">
               <a:latin typeface="맑은 고딕" charset="0"/>
               <a:ea typeface="맑은 고딕" charset="0"/>
             </a:endParaRPr>
           </a:p>
-        </p:txBody>
-      </p:sp>
-      <p:sp>
-        <p:nvSpPr>
-          <p:cNvPr id="1033" name="텍스트 상자 21"/>
-          <p:cNvSpPr txBox="1">
-            <a:spLocks/>
-          </p:cNvSpPr>
-          <p:nvPr/>
-        </p:nvSpPr>
-        <p:spPr>
-          <a:xfrm rot="0">
-            <a:off x="6801485" y="5082540"/>
-            <a:ext cx="4152900" cy="954405"/>
-          </a:xfrm>
-          <a:prstGeom prst="rect"/>
-          <a:noFill/>
-          <a:ln w="0">
-            <a:noFill/>
-            <a:prstDash/>
-          </a:ln>
-        </p:spPr>
-        <p:txBody>
-          <a:bodyPr wrap="square" lIns="89535" tIns="46355" rIns="89535" bIns="46355" numCol="1" vert="horz" anchor="t">
-            <a:spAutoFit/>
-          </a:bodyPr>
-          <a:lstStyle/>
           <a:p>
             <a:pPr marL="0" indent="0" algn="l" latinLnBrk="0" hangingPunct="1">
               <a:buFontTx/>
               <a:buNone/>
             </a:pPr>
-            <a:r>
-              <a:rPr lang="ko-KR" sz="2000" b="1">
-                <a:solidFill>
-                  <a:srgbClr val="0611F2"/>
-                </a:solidFill>
-                <a:latin typeface="맑은 고딕" charset="0"/>
-                <a:ea typeface="맑은 고딕" charset="0"/>
-              </a:rPr>
-              <a:t>8</a:t>
-            </a:r>
-            <a:r>
-              <a:rPr sz="2000" b="1">
-                <a:solidFill>
-                  <a:srgbClr val="0611F2"/>
-                </a:solidFill>
-                <a:latin typeface="맑은 고딕" charset="0"/>
-                <a:ea typeface="맑은 고딕" charset="0"/>
-              </a:rPr>
-              <a:t>. </a:t>
-            </a:r>
-            <a:r>
-              <a:rPr lang="ko-KR" sz="1800">
-                <a:latin typeface="맑은 고딕" charset="0"/>
-                <a:ea typeface="맑은 고딕" charset="0"/>
-              </a:rPr>
-              <a:t>그리고 Button Event로 사용할 Create.GenericCreate( )함수를 설정합니다.</a:t>
-            </a:r>
             <a:endParaRPr lang="ko-KR" altLang="en-US" sz="1800">
               <a:latin typeface="맑은 고딕" charset="0"/>
               <a:ea typeface="맑은 고딕" charset="0"/>
             </a:endParaRPr>
           </a:p>
+          <a:p>
+            <a:pPr marL="0" indent="0" algn="l" latinLnBrk="0" hangingPunct="1">
+              <a:buFontTx/>
+              <a:buNone/>
+            </a:pPr>
+            <a:r>
+              <a:rPr lang="ko-KR" sz="1800">
+                <a:latin typeface="맑은 고딕" charset="0"/>
+                <a:ea typeface="맑은 고딕" charset="0"/>
+              </a:rPr>
+              <a:t>그런</a:t>
+            </a:r>
+            <a:r>
+              <a:rPr lang="ko-KR" sz="1800">
+                <a:latin typeface="맑은 고딕" charset="0"/>
+                <a:ea typeface="맑은 고딕" charset="0"/>
+              </a:rPr>
+              <a:t> </a:t>
+            </a:r>
+            <a:r>
+              <a:rPr lang="ko-KR" sz="1800">
+                <a:latin typeface="맑은 고딕" charset="0"/>
+                <a:ea typeface="맑은 고딕" charset="0"/>
+              </a:rPr>
+              <a:t>다음</a:t>
+            </a:r>
+            <a:r>
+              <a:rPr lang="ko-KR" sz="1800">
+                <a:latin typeface="맑은 고딕" charset="0"/>
+                <a:ea typeface="맑은 고딕" charset="0"/>
+              </a:rPr>
+              <a:t> 이미지에 fillAmount 값을 </a:t>
+            </a:r>
+            <a:r>
+              <a:rPr lang="ko-KR" sz="1800">
+                <a:latin typeface="맑은 고딕" charset="0"/>
+                <a:ea typeface="맑은 고딕" charset="0"/>
+              </a:rPr>
+              <a:t>시간에</a:t>
+            </a:r>
+            <a:r>
+              <a:rPr lang="ko-KR" sz="1800">
+                <a:latin typeface="맑은 고딕" charset="0"/>
+                <a:ea typeface="맑은 고딕" charset="0"/>
+              </a:rPr>
+              <a:t> </a:t>
+            </a:r>
+            <a:r>
+              <a:rPr lang="ko-KR" sz="1800">
+                <a:latin typeface="맑은 고딕" charset="0"/>
+                <a:ea typeface="맑은 고딕" charset="0"/>
+              </a:rPr>
+              <a:t>따라</a:t>
+            </a:r>
+            <a:r>
+              <a:rPr lang="ko-KR" sz="1800">
+                <a:latin typeface="맑은 고딕" charset="0"/>
+                <a:ea typeface="맑은 고딕" charset="0"/>
+              </a:rPr>
+              <a:t> 변화하도록 설정합니다.</a:t>
+            </a:r>
+            <a:endParaRPr lang="ko-KR" altLang="en-US" sz="1800">
+              <a:latin typeface="맑은 고딕" charset="0"/>
+              <a:ea typeface="맑은 고딕" charset="0"/>
+            </a:endParaRPr>
+          </a:p>
         </p:txBody>
       </p:sp>
       <p:pic>
         <p:nvPicPr>
-          <p:cNvPr id="1034" name="그림 22"/>
+          <p:cNvPr id="1070" name="그림 55" descr="C:/Users/Admin1/AppData/Roaming/PolarisOffice/ETemp/21916_16244272/fImage677412915705.png"/>
           <p:cNvPicPr>
             <a:picLocks noChangeAspect="1"/>
           </p:cNvPicPr>
           <p:nvPr/>
         </p:nvPicPr>
         <p:blipFill rotWithShape="1">
-          <a:blip r:embed="rId8" cstate="hqprint">
+          <a:blip r:embed="rId2" cstate="print">
+            <a:extLst>
+              <a:ext uri="{28A0092B-C50C-407E-A947-70E740481C1C}">
+                <a14:useLocalDpi xmlns:a14="http://schemas.microsoft.com/office/drawing/2010/main" val="0"/>
+              </a:ext>
+            </a:extLst>
+          </a:blip>
+          <a:stretch>
+            <a:fillRect/>
+          </a:stretch>
+        </p:blipFill>
+        <p:spPr>
+          <a:xfrm rot="0">
+            <a:off x="1240790" y="1447165"/>
+            <a:ext cx="4152265" cy="2791460"/>
+          </a:xfrm>
+          <a:prstGeom prst="roundRect"/>
+          <a:solidFill>
+            <a:srgbClr val="EDEDED"/>
+          </a:solidFill>
+        </p:spPr>
+      </p:pic>
+      <p:pic>
+        <p:nvPicPr>
+          <p:cNvPr id="1071" name="그림 58" descr="C:/Users/Admin1/AppData/Roaming/PolarisOffice/ETemp/21916_16244272/fImage192962919169.png"/>
+          <p:cNvPicPr>
+            <a:picLocks noChangeAspect="1"/>
+          </p:cNvPicPr>
+          <p:nvPr/>
+        </p:nvPicPr>
+        <p:blipFill rotWithShape="1">
+          <a:blip r:embed="rId3" cstate="hqprint">
             <a:extLst>
               <a:ext uri="{28A0092B-C50C-407E-A947-70E740481C1C}">
                 <a14:useLocalDpi xmlns:a14="http://schemas.microsoft.com/office/drawing/2010/main"/>
@@ -10667,66 +11639,8 @@
         </p:blipFill>
         <p:spPr>
           <a:xfrm rot="0">
-            <a:off x="2876550" y="1373505"/>
-            <a:ext cx="2479040" cy="3797935"/>
-          </a:xfrm>
-          <a:prstGeom prst="rect"/>
-          <a:noFill/>
-        </p:spPr>
-      </p:pic>
-      <p:pic>
-        <p:nvPicPr>
-          <p:cNvPr id="1037" name="그림 25"/>
-          <p:cNvPicPr>
-            <a:picLocks noChangeAspect="1"/>
-          </p:cNvPicPr>
-          <p:nvPr/>
-        </p:nvPicPr>
-        <p:blipFill rotWithShape="1">
-          <a:blip r:embed="rId9" cstate="hqprint">
-            <a:extLst>
-              <a:ext uri="{28A0092B-C50C-407E-A947-70E740481C1C}">
-                <a14:useLocalDpi xmlns:a14="http://schemas.microsoft.com/office/drawing/2010/main"/>
-              </a:ext>
-            </a:extLst>
-          </a:blip>
-          <a:stretch>
-            <a:fillRect/>
-          </a:stretch>
-        </p:blipFill>
-        <p:spPr>
-          <a:xfrm rot="0">
-            <a:off x="6814820" y="1390015"/>
-            <a:ext cx="4139565" cy="3572510"/>
-          </a:xfrm>
-          <a:prstGeom prst="rect"/>
-          <a:noFill/>
-        </p:spPr>
-      </p:pic>
-      <p:pic>
-        <p:nvPicPr>
-          <p:cNvPr id="1038" name="그림 26"/>
-          <p:cNvPicPr>
-            <a:picLocks noChangeAspect="1"/>
-          </p:cNvPicPr>
-          <p:nvPr/>
-        </p:nvPicPr>
-        <p:blipFill rotWithShape="1">
-          <a:blip r:embed="rId10" cstate="hqprint">
-            <a:extLst>
-              <a:ext uri="{28A0092B-C50C-407E-A947-70E740481C1C}">
-                <a14:useLocalDpi xmlns:a14="http://schemas.microsoft.com/office/drawing/2010/main"/>
-              </a:ext>
-            </a:extLst>
-          </a:blip>
-          <a:stretch>
-            <a:fillRect/>
-          </a:stretch>
-        </p:blipFill>
-        <p:spPr>
-          <a:xfrm rot="0">
-            <a:off x="1230630" y="1984375"/>
-            <a:ext cx="1485265" cy="2205990"/>
+            <a:off x="6813550" y="1447165"/>
+            <a:ext cx="4144010" cy="3376930"/>
           </a:xfrm>
           <a:prstGeom prst="roundRect"/>
           <a:solidFill>
@@ -10734,38 +11648,219 @@
           </a:solidFill>
         </p:spPr>
       </p:pic>
-      <p:cxnSp>
-        <p:nvCxnSpPr>
-          <p:cNvPr id="1036" name="도형 24"/>
-          <p:cNvCxnSpPr/>
+      <p:sp>
+        <p:nvSpPr>
+          <p:cNvPr id="1072" name="텍스트 상자 59"/>
+          <p:cNvSpPr txBox="1">
+            <a:spLocks/>
+          </p:cNvSpPr>
           <p:nvPr/>
-        </p:nvCxnSpPr>
-        <p:spPr>
-          <a:xfrm rot="0">
-            <a:off x="2377440" y="3075940"/>
-            <a:ext cx="1264285" cy="1729740"/>
-          </a:xfrm>
-          <a:prstGeom prst="straightConnector1"/>
-          <a:ln w="6350" cap="flat" cmpd="sng">
-            <a:prstDash/>
-            <a:tailEnd type="triangle" w="med" len="med"/>
-          </a:ln>
-        </p:spPr>
-        <p:style>
-          <a:lnRef idx="1">
-            <a:schemeClr val="accent1"/>
-          </a:lnRef>
-          <a:fillRef idx="0">
-            <a:schemeClr val="accent1"/>
-          </a:fillRef>
-          <a:effectRef idx="0">
-            <a:schemeClr val="accent1"/>
-          </a:effectRef>
-          <a:fontRef idx="minor">
-            <a:schemeClr val="tx1"/>
-          </a:fontRef>
-        </p:style>
-      </p:cxnSp>
+        </p:nvSpPr>
+        <p:spPr>
+          <a:xfrm rot="0">
+            <a:off x="6807200" y="5041900"/>
+            <a:ext cx="4141470" cy="1138555"/>
+          </a:xfrm>
+          <a:prstGeom prst="rect"/>
+          <a:noFill/>
+        </p:spPr>
+        <p:txBody>
+          <a:bodyPr wrap="square" lIns="0" tIns="0" rIns="0" bIns="0" vert="horz" anchor="t">
+            <a:noAutofit/>
+          </a:bodyPr>
+          <a:lstStyle/>
+          <a:p>
+            <a:pPr marL="0" indent="0" algn="l" latinLnBrk="0" hangingPunct="1">
+              <a:buFontTx/>
+              <a:buNone/>
+            </a:pPr>
+            <a:r>
+              <a:rPr lang="ko-KR" sz="2000" b="1">
+                <a:solidFill>
+                  <a:srgbClr val="0611F2"/>
+                </a:solidFill>
+                <a:latin typeface="맑은 고딕" charset="0"/>
+                <a:ea typeface="맑은 고딕" charset="0"/>
+              </a:rPr>
+              <a:t>1</a:t>
+            </a:r>
+            <a:r>
+              <a:rPr lang="ko-KR" sz="2000" b="1">
+                <a:solidFill>
+                  <a:srgbClr val="0611F2"/>
+                </a:solidFill>
+                <a:latin typeface="맑은 고딕" charset="0"/>
+                <a:ea typeface="맑은 고딕" charset="0"/>
+              </a:rPr>
+              <a:t>6</a:t>
+            </a:r>
+            <a:r>
+              <a:rPr sz="2000" b="1">
+                <a:solidFill>
+                  <a:srgbClr val="0611F2"/>
+                </a:solidFill>
+                <a:latin typeface="맑은 고딕" charset="0"/>
+                <a:ea typeface="맑은 고딕" charset="0"/>
+              </a:rPr>
+              <a:t>.</a:t>
+            </a:r>
+            <a:r>
+              <a:rPr sz="2000" b="1">
+                <a:solidFill>
+                  <a:srgbClr val="0611F2"/>
+                </a:solidFill>
+                <a:latin typeface="맑은 고딕" charset="0"/>
+                <a:ea typeface="맑은 고딕" charset="0"/>
+              </a:rPr>
+              <a:t> </a:t>
+            </a:r>
+            <a:r>
+              <a:rPr lang="ko-KR" sz="1800">
+                <a:latin typeface="맑은 고딕" charset="0"/>
+                <a:ea typeface="맑은 고딕" charset="0"/>
+              </a:rPr>
+              <a:t>그다음으로 Create Button </a:t>
+            </a:r>
+            <a:r>
+              <a:rPr lang="ko-KR" sz="1800">
+                <a:latin typeface="맑은 고딕" charset="0"/>
+                <a:ea typeface="맑은 고딕" charset="0"/>
+              </a:rPr>
+              <a:t>오브젝트에</a:t>
+            </a:r>
+            <a:r>
+              <a:rPr lang="ko-KR" sz="1800">
+                <a:latin typeface="맑은 고딕" charset="0"/>
+                <a:ea typeface="맑은 고딕" charset="0"/>
+              </a:rPr>
+              <a:t> </a:t>
+            </a:r>
+            <a:r>
+              <a:rPr lang="ko-KR" sz="1800">
+                <a:latin typeface="맑은 고딕" charset="0"/>
+                <a:ea typeface="맑은 고딕" charset="0"/>
+              </a:rPr>
+              <a:t>있는</a:t>
+            </a:r>
+            <a:r>
+              <a:rPr lang="ko-KR" sz="1800">
+                <a:latin typeface="맑은 고딕" charset="0"/>
+                <a:ea typeface="맑은 고딕" charset="0"/>
+              </a:rPr>
+              <a:t> Image 컴포넌트의 </a:t>
+            </a:r>
+            <a:r>
+              <a:rPr lang="ko-KR" sz="1800">
+                <a:latin typeface="맑은 고딕" charset="0"/>
+                <a:ea typeface="맑은 고딕" charset="0"/>
+              </a:rPr>
+              <a:t>Image</a:t>
+            </a:r>
+            <a:r>
+              <a:rPr lang="ko-KR" sz="1800">
+                <a:latin typeface="맑은 고딕" charset="0"/>
+                <a:ea typeface="맑은 고딕" charset="0"/>
+              </a:rPr>
+              <a:t> </a:t>
+            </a:r>
+            <a:r>
+              <a:rPr lang="ko-KR" sz="1800">
+                <a:latin typeface="맑은 고딕" charset="0"/>
+                <a:ea typeface="맑은 고딕" charset="0"/>
+              </a:rPr>
+              <a:t>Type을 설정한 다음</a:t>
+            </a:r>
+            <a:r>
+              <a:rPr lang="ko-KR" sz="1800">
+                <a:latin typeface="맑은 고딕" charset="0"/>
+                <a:ea typeface="맑은 고딕" charset="0"/>
+              </a:rPr>
+              <a:t> </a:t>
+            </a:r>
+            <a:r>
+              <a:rPr lang="ko-KR" sz="1800">
+                <a:latin typeface="맑은 고딕" charset="0"/>
+                <a:ea typeface="맑은 고딕" charset="0"/>
+              </a:rPr>
+              <a:t>Fill</a:t>
+            </a:r>
+            <a:r>
+              <a:rPr lang="ko-KR" sz="1800">
+                <a:latin typeface="맑은 고딕" charset="0"/>
+                <a:ea typeface="맑은 고딕" charset="0"/>
+              </a:rPr>
+              <a:t> </a:t>
+            </a:r>
+            <a:r>
+              <a:rPr lang="ko-KR" sz="1800">
+                <a:latin typeface="맑은 고딕" charset="0"/>
+                <a:ea typeface="맑은 고딕" charset="0"/>
+              </a:rPr>
+              <a:t>Method</a:t>
+            </a:r>
+            <a:r>
+              <a:rPr lang="ko-KR" sz="1800">
+                <a:latin typeface="맑은 고딕" charset="0"/>
+                <a:ea typeface="맑은 고딕" charset="0"/>
+              </a:rPr>
+              <a:t> </a:t>
+            </a:r>
+            <a:r>
+              <a:rPr lang="ko-KR" sz="1800">
+                <a:latin typeface="맑은 고딕" charset="0"/>
+                <a:ea typeface="맑은 고딕" charset="0"/>
+              </a:rPr>
+              <a:t>와</a:t>
+            </a:r>
+            <a:r>
+              <a:rPr lang="ko-KR" sz="1800">
+                <a:latin typeface="맑은 고딕" charset="0"/>
+                <a:ea typeface="맑은 고딕" charset="0"/>
+              </a:rPr>
+              <a:t> </a:t>
+            </a:r>
+            <a:r>
+              <a:rPr lang="ko-KR" sz="1800">
+                <a:latin typeface="맑은 고딕" charset="0"/>
+                <a:ea typeface="맑은 고딕" charset="0"/>
+              </a:rPr>
+              <a:t>Fill</a:t>
+            </a:r>
+            <a:r>
+              <a:rPr lang="ko-KR" sz="1800">
+                <a:latin typeface="맑은 고딕" charset="0"/>
+                <a:ea typeface="맑은 고딕" charset="0"/>
+              </a:rPr>
+              <a:t> </a:t>
+            </a:r>
+            <a:r>
+              <a:rPr lang="ko-KR" sz="1800">
+                <a:latin typeface="맑은 고딕" charset="0"/>
+                <a:ea typeface="맑은 고딕" charset="0"/>
+              </a:rPr>
+              <a:t>Origin을</a:t>
+            </a:r>
+            <a:r>
+              <a:rPr lang="ko-KR" sz="1800">
+                <a:latin typeface="맑은 고딕" charset="0"/>
+                <a:ea typeface="맑은 고딕" charset="0"/>
+              </a:rPr>
+              <a:t> </a:t>
+            </a:r>
+            <a:r>
+              <a:rPr lang="ko-KR" sz="1800">
+                <a:latin typeface="맑은 고딕" charset="0"/>
+                <a:ea typeface="맑은 고딕" charset="0"/>
+              </a:rPr>
+              <a:t>설정합니다.</a:t>
+            </a:r>
+            <a:endParaRPr lang="ko-KR" altLang="en-US" sz="1800">
+              <a:latin typeface="맑은 고딕" charset="0"/>
+              <a:ea typeface="맑은 고딕" charset="0"/>
+            </a:endParaRPr>
+          </a:p>
+        </p:txBody>
+      </p:sp>
     </p:spTree>
   </p:cSld>
   <p:clrMapOvr>
@@ -10815,9 +11910,9 @@
           <p:nvPr/>
         </p:nvSpPr>
         <p:spPr>
-          <a:xfrm rot="0">
-            <a:off x="4343400" y="382270"/>
-            <a:ext cx="3521075" cy="554990"/>
+          <a:xfrm>
+            <a:off x="5036820" y="469265"/>
+            <a:ext cx="2122170" cy="478155"/>
           </a:xfrm>
           <a:prstGeom prst="rect"/>
           <a:noFill/>
@@ -10832,43 +11927,33 @@
           </a:bodyPr>
           <a:lstStyle/>
           <a:p>
-            <a:pPr marL="0" indent="0" algn="l" latinLnBrk="0">
-              <a:buFontTx/>
-              <a:buNone/>
-            </a:pPr>
-            <a:r>
-              <a:rPr lang="ko-KR" altLang="en-US" sz="3000" b="1">
+            <a:pPr marL="0" indent="0" algn="ctr" latinLnBrk="0">
+              <a:buFontTx/>
+              <a:buNone/>
+            </a:pPr>
+            <a:r>
+              <a:rPr lang="ko-KR" altLang="en-US" sz="2500" b="1">
                 <a:solidFill>
                   <a:schemeClr val="tx1"/>
                 </a:solidFill>
-                <a:latin typeface="맑은 고딕" charset="0"/>
-                <a:ea typeface="맑은 고딕" charset="0"/>
-              </a:rPr>
-              <a:t>다섯 번째 </a:t>
-            </a:r>
-            <a:r>
-              <a:rPr lang="ko-KR" altLang="en-US" sz="3000" b="1">
-                <a:solidFill>
-                  <a:schemeClr val="tx1"/>
-                </a:solidFill>
-                <a:latin typeface="맑은 고딕" charset="0"/>
-                <a:ea typeface="맑은 고딕" charset="0"/>
-              </a:rPr>
-              <a:t>튜토리얼</a:t>
-            </a:r>
-            <a:endParaRPr lang="ko-KR" altLang="en-US" sz="3000" b="1">
+                <a:latin typeface="나눔바른고딕" charset="0"/>
+                <a:ea typeface="나눔바른고딕" charset="0"/>
+              </a:rPr>
+              <a:t>Instantiate</a:t>
+            </a:r>
+            <a:endParaRPr lang="ko-KR" altLang="en-US" sz="2500" b="1">
               <a:solidFill>
                 <a:schemeClr val="tx1"/>
               </a:solidFill>
-              <a:latin typeface="맑은 고딕" charset="0"/>
-              <a:ea typeface="맑은 고딕" charset="0"/>
+              <a:latin typeface="나눔바른고딕" charset="0"/>
+              <a:ea typeface="나눔바른고딕" charset="0"/>
             </a:endParaRPr>
           </a:p>
         </p:txBody>
       </p:sp>
       <p:sp>
         <p:nvSpPr>
-          <p:cNvPr id="1051" name="Rect 0"/>
+          <p:cNvPr id="1035" name="Rect 0"/>
           <p:cNvSpPr txBox="1">
             <a:spLocks/>
           </p:cNvSpPr>
@@ -10876,8 +11961,8 @@
         </p:nvSpPr>
         <p:spPr>
           <a:xfrm rot="0">
-            <a:off x="1221740" y="2866390"/>
-            <a:ext cx="4165600" cy="954405"/>
+            <a:off x="1181735" y="1440180"/>
+            <a:ext cx="4184650" cy="4799965"/>
           </a:xfrm>
           <a:prstGeom prst="rect"/>
           <a:noFill/>
@@ -10897,49 +11982,233 @@
               <a:buNone/>
             </a:pPr>
             <a:r>
-              <a:rPr lang="ko-KR" sz="2000" b="1">
-                <a:solidFill>
-                  <a:srgbClr val="0611F2"/>
-                </a:solidFill>
-                <a:latin typeface="맑은 고딕" charset="0"/>
-                <a:ea typeface="맑은 고딕" charset="0"/>
-              </a:rPr>
-              <a:t>9</a:t>
-            </a:r>
-            <a:r>
-              <a:rPr sz="2000" b="1">
-                <a:solidFill>
-                  <a:srgbClr val="0611F2"/>
-                </a:solidFill>
-                <a:latin typeface="맑은 고딕" charset="0"/>
-                <a:ea typeface="맑은 고딕" charset="0"/>
-              </a:rPr>
-              <a:t>. </a:t>
-            </a:r>
-            <a:r>
-              <a:rPr lang="ko-KR" sz="1800">
-                <a:latin typeface="맑은 고딕" charset="0"/>
-                <a:ea typeface="맑은 고딕" charset="0"/>
-              </a:rPr>
-              <a:t>그런 다음 Generic Create Button의 앵커를 지정하고 위치와 크기를 설정합니다.</a:t>
+              <a:rPr lang="ko-KR" sz="1800">
+                <a:latin typeface="맑은 고딕" charset="0"/>
+                <a:ea typeface="맑은 고딕" charset="0"/>
+              </a:rPr>
+              <a:t>Instantiate(</a:t>
+            </a:r>
+            <a:r>
+              <a:rPr lang="ko-KR" sz="1800">
+                <a:latin typeface="맑은 고딕" charset="0"/>
+                <a:ea typeface="맑은 고딕" charset="0"/>
+              </a:rPr>
+              <a:t> )함수는 게임 오브젝트를 </a:t>
+            </a:r>
+            <a:r>
+              <a:rPr lang="ko-KR" sz="1800">
+                <a:latin typeface="맑은 고딕" charset="0"/>
+                <a:ea typeface="맑은 고딕" charset="0"/>
+              </a:rPr>
+              <a:t>생성하는</a:t>
+            </a:r>
+            <a:r>
+              <a:rPr lang="ko-KR" sz="1800">
+                <a:latin typeface="맑은 고딕" charset="0"/>
+                <a:ea typeface="맑은 고딕" charset="0"/>
+              </a:rPr>
+              <a:t> 함수입니다. </a:t>
             </a:r>
             <a:endParaRPr lang="ko-KR" altLang="en-US" sz="1800">
               <a:latin typeface="맑은 고딕" charset="0"/>
               <a:ea typeface="맑은 고딕" charset="0"/>
             </a:endParaRPr>
           </a:p>
+          <a:p>
+            <a:pPr marL="0" indent="0" algn="l" latinLnBrk="0" hangingPunct="1">
+              <a:buFontTx/>
+              <a:buNone/>
+            </a:pPr>
+            <a:endParaRPr lang="ko-KR" altLang="en-US" sz="1800">
+              <a:latin typeface="맑은 고딕" charset="0"/>
+              <a:ea typeface="맑은 고딕" charset="0"/>
+            </a:endParaRPr>
+          </a:p>
+          <a:p>
+            <a:pPr marL="0" indent="0" algn="l" latinLnBrk="0" hangingPunct="1">
+              <a:buFontTx/>
+              <a:buNone/>
+            </a:pPr>
+            <a:r>
+              <a:rPr lang="ko-KR" sz="1800">
+                <a:latin typeface="맑은 고딕" charset="0"/>
+                <a:ea typeface="맑은 고딕" charset="0"/>
+              </a:rPr>
+              <a:t>그리고</a:t>
+            </a:r>
+            <a:r>
+              <a:rPr lang="ko-KR" sz="1800">
+                <a:latin typeface="맑은 고딕" charset="0"/>
+                <a:ea typeface="맑은 고딕" charset="0"/>
+              </a:rPr>
+              <a:t> 생성할 때 생성되는 위치와 </a:t>
+            </a:r>
+            <a:r>
+              <a:rPr lang="ko-KR" sz="1800">
+                <a:latin typeface="맑은 고딕" charset="0"/>
+                <a:ea typeface="맑은 고딕" charset="0"/>
+              </a:rPr>
+              <a:t>생성될</a:t>
+            </a:r>
+            <a:r>
+              <a:rPr lang="ko-KR" sz="1800">
+                <a:latin typeface="맑은 고딕" charset="0"/>
+                <a:ea typeface="맑은 고딕" charset="0"/>
+              </a:rPr>
+              <a:t> 때 방향을 설정할 수 있습니다.</a:t>
+            </a:r>
+            <a:endParaRPr lang="ko-KR" altLang="en-US" sz="1800">
+              <a:latin typeface="맑은 고딕" charset="0"/>
+              <a:ea typeface="맑은 고딕" charset="0"/>
+            </a:endParaRPr>
+          </a:p>
+          <a:p>
+            <a:pPr marL="0" indent="0" algn="l" latinLnBrk="0" hangingPunct="1">
+              <a:buFontTx/>
+              <a:buNone/>
+            </a:pPr>
+            <a:endParaRPr lang="ko-KR" altLang="en-US" sz="1800">
+              <a:latin typeface="맑은 고딕" charset="0"/>
+              <a:ea typeface="맑은 고딕" charset="0"/>
+            </a:endParaRPr>
+          </a:p>
+          <a:p>
+            <a:pPr marL="0" indent="0" algn="l" latinLnBrk="0" hangingPunct="1">
+              <a:buFontTx/>
+              <a:buNone/>
+            </a:pPr>
+            <a:endParaRPr lang="ko-KR" altLang="en-US" sz="1800">
+              <a:latin typeface="맑은 고딕" charset="0"/>
+              <a:ea typeface="맑은 고딕" charset="0"/>
+            </a:endParaRPr>
+          </a:p>
+          <a:p>
+            <a:pPr marL="0" indent="0" algn="l" latinLnBrk="0" hangingPunct="1">
+              <a:buFontTx/>
+              <a:buNone/>
+            </a:pPr>
+            <a:endParaRPr lang="ko-KR" altLang="en-US" sz="1800">
+              <a:latin typeface="맑은 고딕" charset="0"/>
+              <a:ea typeface="맑은 고딕" charset="0"/>
+            </a:endParaRPr>
+          </a:p>
+          <a:p>
+            <a:pPr marL="0" indent="0" algn="l" latinLnBrk="0" hangingPunct="1">
+              <a:buFontTx/>
+              <a:buNone/>
+            </a:pPr>
+            <a:endParaRPr lang="ko-KR" altLang="en-US" sz="1800">
+              <a:latin typeface="맑은 고딕" charset="0"/>
+              <a:ea typeface="맑은 고딕" charset="0"/>
+            </a:endParaRPr>
+          </a:p>
+          <a:p>
+            <a:pPr marL="0" indent="0" algn="l" latinLnBrk="0" hangingPunct="1">
+              <a:buFontTx/>
+              <a:buNone/>
+            </a:pPr>
+            <a:endParaRPr lang="ko-KR" altLang="en-US" sz="1800">
+              <a:latin typeface="맑은 고딕" charset="0"/>
+              <a:ea typeface="맑은 고딕" charset="0"/>
+            </a:endParaRPr>
+          </a:p>
+          <a:p>
+            <a:pPr marL="0" indent="0" algn="l" latinLnBrk="0" hangingPunct="1">
+              <a:buFontTx/>
+              <a:buNone/>
+            </a:pPr>
+            <a:endParaRPr lang="ko-KR" altLang="en-US" sz="1800">
+              <a:latin typeface="맑은 고딕" charset="0"/>
+              <a:ea typeface="맑은 고딕" charset="0"/>
+            </a:endParaRPr>
+          </a:p>
+          <a:p>
+            <a:pPr marL="0" indent="0" algn="l" latinLnBrk="0" hangingPunct="1">
+              <a:buFontTx/>
+              <a:buNone/>
+            </a:pPr>
+            <a:endParaRPr lang="ko-KR" altLang="en-US" sz="1800">
+              <a:latin typeface="맑은 고딕" charset="0"/>
+              <a:ea typeface="맑은 고딕" charset="0"/>
+            </a:endParaRPr>
+          </a:p>
+          <a:p>
+            <a:pPr marL="0" indent="0" algn="l" latinLnBrk="0" hangingPunct="1">
+              <a:buFontTx/>
+              <a:buNone/>
+            </a:pPr>
+            <a:endParaRPr lang="ko-KR" altLang="en-US" sz="1800">
+              <a:latin typeface="맑은 고딕" charset="0"/>
+              <a:ea typeface="맑은 고딕" charset="0"/>
+            </a:endParaRPr>
+          </a:p>
+          <a:p>
+            <a:pPr marL="0" indent="0" algn="l" latinLnBrk="0" hangingPunct="1">
+              <a:buFontTx/>
+              <a:buNone/>
+            </a:pPr>
+            <a:endParaRPr lang="ko-KR" altLang="en-US" sz="1800">
+              <a:latin typeface="맑은 고딕" charset="0"/>
+              <a:ea typeface="맑은 고딕" charset="0"/>
+            </a:endParaRPr>
+          </a:p>
+          <a:p>
+            <a:pPr marL="0" indent="0" algn="l" latinLnBrk="0" hangingPunct="1">
+              <a:buFontTx/>
+              <a:buNone/>
+            </a:pPr>
+            <a:r>
+              <a:rPr lang="ko-KR" sz="1800">
+                <a:latin typeface="맑은 고딕" charset="0"/>
+                <a:ea typeface="맑은 고딕" charset="0"/>
+              </a:rPr>
+              <a:t>게임</a:t>
+            </a:r>
+            <a:r>
+              <a:rPr lang="ko-KR" sz="1800">
+                <a:latin typeface="맑은 고딕" charset="0"/>
+                <a:ea typeface="맑은 고딕" charset="0"/>
+              </a:rPr>
+              <a:t> 오브젝트의 생성은 메모리를 새로 </a:t>
+            </a:r>
+            <a:r>
+              <a:rPr lang="ko-KR" sz="1800">
+                <a:latin typeface="맑은 고딕" charset="0"/>
+                <a:ea typeface="맑은 고딕" charset="0"/>
+              </a:rPr>
+              <a:t>할당하며,</a:t>
+            </a:r>
+            <a:r>
+              <a:rPr lang="ko-KR" sz="1800">
+                <a:latin typeface="맑은 고딕" charset="0"/>
+                <a:ea typeface="맑은 고딕" charset="0"/>
+              </a:rPr>
+              <a:t> Managed Heap 영역에서 </a:t>
+            </a:r>
+            <a:r>
+              <a:rPr lang="ko-KR" sz="1800">
+                <a:latin typeface="맑은 고딕" charset="0"/>
+                <a:ea typeface="맑은 고딕" charset="0"/>
+              </a:rPr>
+              <a:t>관리합니다.</a:t>
+            </a:r>
+            <a:endParaRPr lang="ko-KR" altLang="en-US" sz="1800">
+              <a:latin typeface="맑은 고딕" charset="0"/>
+              <a:ea typeface="맑은 고딕" charset="0"/>
+            </a:endParaRPr>
+          </a:p>
         </p:txBody>
       </p:sp>
       <p:pic>
         <p:nvPicPr>
-          <p:cNvPr id="1052" name="그림 34"/>
+          <p:cNvPr id="1036" name="그림 1" descr="C:/Users/Admin1/AppData/Roaming/PolarisOffice/ETemp/21916_16244272/fImage29139941.png"/>
           <p:cNvPicPr>
             <a:picLocks noChangeAspect="1"/>
           </p:cNvPicPr>
           <p:nvPr/>
         </p:nvPicPr>
         <p:blipFill rotWithShape="1">
-          <a:blip r:embed="rId8" cstate="hqprint">
+          <a:blip r:embed="rId4" cstate="hqprint">
             <a:extLst>
               <a:ext uri="{28A0092B-C50C-407E-A947-70E740481C1C}">
                 <a14:useLocalDpi xmlns:a14="http://schemas.microsoft.com/office/drawing/2010/main"/>
@@ -10952,8 +12221,8 @@
         </p:blipFill>
         <p:spPr>
           <a:xfrm rot="0">
-            <a:off x="1230630" y="1402715"/>
-            <a:ext cx="4156710" cy="1352550"/>
+            <a:off x="6813550" y="1438275"/>
+            <a:ext cx="4152265" cy="3686810"/>
           </a:xfrm>
           <a:prstGeom prst="roundRect"/>
           <a:solidFill>
@@ -10961,16 +12230,123 @@
           </a:solidFill>
         </p:spPr>
       </p:pic>
+      <p:sp>
+        <p:nvSpPr>
+          <p:cNvPr id="1037" name="텍스트 상자 4"/>
+          <p:cNvSpPr txBox="1">
+            <a:spLocks/>
+          </p:cNvSpPr>
+          <p:nvPr/>
+        </p:nvSpPr>
+        <p:spPr>
+          <a:xfrm rot="0">
+            <a:off x="6805295" y="5306695"/>
+            <a:ext cx="4160520" cy="923925"/>
+          </a:xfrm>
+          <a:prstGeom prst="rect"/>
+          <a:noFill/>
+          <a:ln w="0">
+            <a:noFill/>
+            <a:prstDash/>
+          </a:ln>
+        </p:spPr>
+        <p:txBody>
+          <a:bodyPr wrap="square" lIns="89535" tIns="46355" rIns="89535" bIns="46355" numCol="1" vert="horz" anchor="t">
+            <a:spAutoFit/>
+          </a:bodyPr>
+          <a:lstStyle/>
+          <a:p>
+            <a:pPr marL="0" indent="0" algn="l" latinLnBrk="0" hangingPunct="1">
+              <a:buFontTx/>
+              <a:buNone/>
+            </a:pPr>
+            <a:r>
+              <a:rPr lang="ko-KR" sz="1800">
+                <a:latin typeface="맑은 고딕" charset="0"/>
+                <a:ea typeface="맑은 고딕" charset="0"/>
+              </a:rPr>
+              <a:t>Instantiate로</a:t>
+            </a:r>
+            <a:r>
+              <a:rPr lang="ko-KR" sz="1800">
+                <a:latin typeface="맑은 고딕" charset="0"/>
+                <a:ea typeface="맑은 고딕" charset="0"/>
+              </a:rPr>
+              <a:t> 게임 오브젝트를 </a:t>
+            </a:r>
+            <a:r>
+              <a:rPr lang="ko-KR" sz="1800">
+                <a:latin typeface="맑은 고딕" charset="0"/>
+                <a:ea typeface="맑은 고딕" charset="0"/>
+              </a:rPr>
+              <a:t>생성하게</a:t>
+            </a:r>
+            <a:r>
+              <a:rPr lang="ko-KR" sz="1800">
+                <a:latin typeface="맑은 고딕" charset="0"/>
+                <a:ea typeface="맑은 고딕" charset="0"/>
+              </a:rPr>
+              <a:t> </a:t>
+            </a:r>
+            <a:r>
+              <a:rPr lang="ko-KR" sz="1800">
+                <a:latin typeface="맑은 고딕" charset="0"/>
+                <a:ea typeface="맑은 고딕" charset="0"/>
+              </a:rPr>
+              <a:t>되면</a:t>
+            </a:r>
+            <a:r>
+              <a:rPr lang="ko-KR" sz="1800">
+                <a:latin typeface="맑은 고딕" charset="0"/>
+                <a:ea typeface="맑은 고딕" charset="0"/>
+              </a:rPr>
+              <a:t> (Clone)이라는 이름이 </a:t>
+            </a:r>
+            <a:r>
+              <a:rPr lang="ko-KR" sz="1800">
+                <a:latin typeface="맑은 고딕" charset="0"/>
+                <a:ea typeface="맑은 고딕" charset="0"/>
+              </a:rPr>
+              <a:t>붙어서</a:t>
+            </a:r>
+            <a:r>
+              <a:rPr lang="ko-KR" sz="1800">
+                <a:latin typeface="맑은 고딕" charset="0"/>
+                <a:ea typeface="맑은 고딕" charset="0"/>
+              </a:rPr>
+              <a:t> </a:t>
+            </a:r>
+            <a:r>
+              <a:rPr lang="ko-KR" sz="1800">
+                <a:latin typeface="맑은 고딕" charset="0"/>
+                <a:ea typeface="맑은 고딕" charset="0"/>
+              </a:rPr>
+              <a:t>생성됩니다.</a:t>
+            </a:r>
+            <a:r>
+              <a:rPr lang="ko-KR" sz="1800">
+                <a:latin typeface="맑은 고딕" charset="0"/>
+                <a:ea typeface="맑은 고딕" charset="0"/>
+              </a:rPr>
+              <a:t> </a:t>
+            </a:r>
+            <a:endParaRPr lang="ko-KR" altLang="en-US" sz="1800">
+              <a:latin typeface="맑은 고딕" charset="0"/>
+              <a:ea typeface="맑은 고딕" charset="0"/>
+            </a:endParaRPr>
+          </a:p>
+        </p:txBody>
+      </p:sp>
       <p:pic>
         <p:nvPicPr>
-          <p:cNvPr id="1053" name="그림 37"/>
+          <p:cNvPr id="1044" name="그림 145" descr="C:/Users/Admin1/AppData/Roaming/PolarisOffice/ETemp/21916_16244272/fImage688723905436.png"/>
           <p:cNvPicPr>
             <a:picLocks noChangeAspect="1"/>
           </p:cNvPicPr>
           <p:nvPr/>
         </p:nvPicPr>
         <p:blipFill rotWithShape="1">
-          <a:blip r:embed="rId9" cstate="hqprint">
+          <a:blip r:embed="rId13" cstate="hqprint">
             <a:extLst>
               <a:ext uri="{28A0092B-C50C-407E-A947-70E740481C1C}">
                 <a14:useLocalDpi xmlns:a14="http://schemas.microsoft.com/office/drawing/2010/main"/>
@@ -10983,384 +12359,8 @@
         </p:blipFill>
         <p:spPr>
           <a:xfrm rot="0">
-            <a:off x="1221740" y="3938905"/>
-            <a:ext cx="4157345" cy="1531620"/>
-          </a:xfrm>
-          <a:prstGeom prst="roundRect"/>
-          <a:solidFill>
-            <a:srgbClr val="EDEDED"/>
-          </a:solidFill>
-        </p:spPr>
-      </p:pic>
-      <p:sp>
-        <p:nvSpPr>
-          <p:cNvPr id="1054" name="텍스트 상자 40"/>
-          <p:cNvSpPr txBox="1">
-            <a:spLocks/>
-          </p:cNvSpPr>
-          <p:nvPr/>
-        </p:nvSpPr>
-        <p:spPr>
-          <a:xfrm rot="0">
-            <a:off x="1222375" y="5568315"/>
-            <a:ext cx="4158615" cy="677545"/>
-          </a:xfrm>
-          <a:prstGeom prst="rect"/>
-          <a:noFill/>
-          <a:ln w="0">
-            <a:noFill/>
-            <a:prstDash/>
-          </a:ln>
-        </p:spPr>
-        <p:txBody>
-          <a:bodyPr wrap="square" lIns="89535" tIns="46355" rIns="89535" bIns="46355" numCol="1" vert="horz" anchor="t">
-            <a:spAutoFit/>
-          </a:bodyPr>
-          <a:lstStyle/>
-          <a:p>
-            <a:pPr marL="0" indent="0" algn="l" latinLnBrk="0" hangingPunct="1">
-              <a:buFontTx/>
-              <a:buNone/>
-            </a:pPr>
-            <a:r>
-              <a:rPr lang="ko-KR" sz="2000" b="1">
-                <a:solidFill>
-                  <a:srgbClr val="0611F2"/>
-                </a:solidFill>
-                <a:latin typeface="맑은 고딕" charset="0"/>
-                <a:ea typeface="맑은 고딕" charset="0"/>
-              </a:rPr>
-              <a:t>10</a:t>
-            </a:r>
-            <a:r>
-              <a:rPr sz="2000" b="1">
-                <a:solidFill>
-                  <a:srgbClr val="0611F2"/>
-                </a:solidFill>
-                <a:latin typeface="맑은 고딕" charset="0"/>
-                <a:ea typeface="맑은 고딕" charset="0"/>
-              </a:rPr>
-              <a:t>. </a:t>
-            </a:r>
-            <a:r>
-              <a:rPr lang="ko-KR" sz="1800">
-                <a:latin typeface="맑은 고딕" charset="0"/>
-                <a:ea typeface="맑은 고딕" charset="0"/>
-              </a:rPr>
-              <a:t>그다음 Main Camera 오브젝트의 위치와 회전 값을 설정합니다.</a:t>
-            </a:r>
-            <a:endParaRPr lang="ko-KR" altLang="en-US" sz="1800">
-              <a:latin typeface="맑은 고딕" charset="0"/>
-              <a:ea typeface="맑은 고딕" charset="0"/>
-            </a:endParaRPr>
-          </a:p>
-        </p:txBody>
-      </p:sp>
-      <p:pic>
-        <p:nvPicPr>
-          <p:cNvPr id="1055" name="그림 41"/>
-          <p:cNvPicPr>
-            <a:picLocks noChangeAspect="1"/>
-          </p:cNvPicPr>
-          <p:nvPr/>
-        </p:nvPicPr>
-        <p:blipFill rotWithShape="1">
-          <a:blip r:embed="rId10" cstate="print">
-            <a:extLst>
-              <a:ext uri="{28A0092B-C50C-407E-A947-70E740481C1C}">
-                <a14:useLocalDpi xmlns:a14="http://schemas.microsoft.com/office/drawing/2010/main" val="0"/>
-              </a:ext>
-            </a:extLst>
-          </a:blip>
-          <a:stretch>
-            <a:fillRect/>
-          </a:stretch>
-        </p:blipFill>
-        <p:spPr>
-          <a:xfrm rot="0">
-            <a:off x="8355965" y="1400810"/>
-            <a:ext cx="2598420" cy="1353820"/>
-          </a:xfrm>
-          <a:prstGeom prst="roundRect"/>
-          <a:solidFill>
-            <a:srgbClr val="EDEDED"/>
-          </a:solidFill>
-        </p:spPr>
-      </p:pic>
-      <p:sp>
-        <p:nvSpPr>
-          <p:cNvPr id="1056" name="텍스트 상자 44"/>
-          <p:cNvSpPr txBox="1">
-            <a:spLocks/>
-          </p:cNvSpPr>
-          <p:nvPr/>
-        </p:nvSpPr>
-        <p:spPr>
-          <a:xfrm rot="0">
-            <a:off x="6812280" y="2938145"/>
-            <a:ext cx="4142105" cy="677545"/>
-          </a:xfrm>
-          <a:prstGeom prst="rect"/>
-          <a:noFill/>
-          <a:ln w="0">
-            <a:noFill/>
-            <a:prstDash/>
-          </a:ln>
-        </p:spPr>
-        <p:txBody>
-          <a:bodyPr wrap="square" lIns="89535" tIns="46355" rIns="89535" bIns="46355" numCol="1" vert="horz" anchor="t">
-            <a:spAutoFit/>
-          </a:bodyPr>
-          <a:lstStyle/>
-          <a:p>
-            <a:pPr marL="0" indent="0" algn="l" latinLnBrk="0" hangingPunct="1">
-              <a:buFontTx/>
-              <a:buNone/>
-            </a:pPr>
-            <a:r>
-              <a:rPr lang="ko-KR" sz="2000" b="1">
-                <a:solidFill>
-                  <a:srgbClr val="0611F2"/>
-                </a:solidFill>
-                <a:latin typeface="맑은 고딕" charset="0"/>
-                <a:ea typeface="맑은 고딕" charset="0"/>
-              </a:rPr>
-              <a:t>11</a:t>
-            </a:r>
-            <a:r>
-              <a:rPr sz="2000" b="1">
-                <a:solidFill>
-                  <a:srgbClr val="0611F2"/>
-                </a:solidFill>
-                <a:latin typeface="맑은 고딕" charset="0"/>
-                <a:ea typeface="맑은 고딕" charset="0"/>
-              </a:rPr>
-              <a:t>. </a:t>
-            </a:r>
-            <a:r>
-              <a:rPr lang="ko-KR" sz="1800">
-                <a:latin typeface="맑은 고딕" charset="0"/>
-                <a:ea typeface="맑은 고딕" charset="0"/>
-              </a:rPr>
-              <a:t>이제 Model 폴더에 있는 Orc 오브젝트를 월드 공간에 배치합니다.</a:t>
-            </a:r>
-            <a:endParaRPr lang="ko-KR" altLang="en-US" sz="1800">
-              <a:latin typeface="맑은 고딕" charset="0"/>
-              <a:ea typeface="맑은 고딕" charset="0"/>
-            </a:endParaRPr>
-          </a:p>
-        </p:txBody>
-      </p:sp>
-      <p:pic>
-        <p:nvPicPr>
-          <p:cNvPr id="1057" name="그림 45"/>
-          <p:cNvPicPr>
-            <a:picLocks noChangeAspect="1"/>
-          </p:cNvPicPr>
-          <p:nvPr/>
-        </p:nvPicPr>
-        <p:blipFill rotWithShape="1">
-          <a:blip r:embed="rId11" cstate="print">
-            <a:extLst>
-              <a:ext uri="{28A0092B-C50C-407E-A947-70E740481C1C}">
-                <a14:useLocalDpi xmlns:a14="http://schemas.microsoft.com/office/drawing/2010/main" val="0"/>
-              </a:ext>
-            </a:extLst>
-          </a:blip>
-          <a:stretch>
-            <a:fillRect/>
-          </a:stretch>
-        </p:blipFill>
-        <p:spPr>
-          <a:xfrm rot="0">
-            <a:off x="6814820" y="1406525"/>
-            <a:ext cx="1386205" cy="1365250"/>
-          </a:xfrm>
-          <a:prstGeom prst="roundRect"/>
-          <a:solidFill>
-            <a:srgbClr val="EDEDED"/>
-          </a:solidFill>
-        </p:spPr>
-      </p:pic>
-      <p:pic>
-        <p:nvPicPr>
-          <p:cNvPr id="1058" name="그림 48"/>
-          <p:cNvPicPr>
-            <a:picLocks noChangeAspect="1"/>
-          </p:cNvPicPr>
-          <p:nvPr/>
-        </p:nvPicPr>
-        <p:blipFill rotWithShape="1">
-          <a:blip r:embed="rId12" cstate="print">
-            <a:extLst>
-              <a:ext uri="{28A0092B-C50C-407E-A947-70E740481C1C}">
-                <a14:useLocalDpi xmlns:a14="http://schemas.microsoft.com/office/drawing/2010/main" val="0"/>
-              </a:ext>
-            </a:extLst>
-          </a:blip>
-          <a:stretch>
-            <a:fillRect/>
-          </a:stretch>
-        </p:blipFill>
-        <p:spPr>
-          <a:xfrm rot="0">
-            <a:off x="8347710" y="3818890"/>
-            <a:ext cx="2604135" cy="1359535"/>
-          </a:xfrm>
-          <a:prstGeom prst="roundRect"/>
-          <a:solidFill>
-            <a:srgbClr val="EDEDED"/>
-          </a:solidFill>
-        </p:spPr>
-      </p:pic>
-      <p:pic>
-        <p:nvPicPr>
-          <p:cNvPr id="1059" name="그림 49"/>
-          <p:cNvPicPr>
-            <a:picLocks noChangeAspect="1"/>
-          </p:cNvPicPr>
-          <p:nvPr/>
-        </p:nvPicPr>
-        <p:blipFill rotWithShape="1">
-          <a:blip r:embed="rId13" cstate="print">
-            <a:extLst>
-              <a:ext uri="{28A0092B-C50C-407E-A947-70E740481C1C}">
-                <a14:useLocalDpi xmlns:a14="http://schemas.microsoft.com/office/drawing/2010/main" val="0"/>
-              </a:ext>
-            </a:extLst>
-          </a:blip>
-          <a:stretch>
-            <a:fillRect/>
-          </a:stretch>
-        </p:blipFill>
-        <p:spPr>
-          <a:xfrm rot="0">
-            <a:off x="6826250" y="3816350"/>
-            <a:ext cx="1383665" cy="1365250"/>
-          </a:xfrm>
-          <a:prstGeom prst="roundRect"/>
-          <a:solidFill>
-            <a:srgbClr val="EDEDED"/>
-          </a:solidFill>
-        </p:spPr>
-      </p:pic>
-      <p:sp>
-        <p:nvSpPr>
-          <p:cNvPr id="1060" name="텍스트 상자 52"/>
-          <p:cNvSpPr txBox="1">
-            <a:spLocks/>
-          </p:cNvSpPr>
-          <p:nvPr/>
-        </p:nvSpPr>
-        <p:spPr>
-          <a:xfrm rot="0">
-            <a:off x="6814820" y="5295265"/>
-            <a:ext cx="4142105" cy="954405"/>
-          </a:xfrm>
-          <a:prstGeom prst="rect"/>
-          <a:noFill/>
-          <a:ln w="0">
-            <a:noFill/>
-            <a:prstDash/>
-          </a:ln>
-        </p:spPr>
-        <p:txBody>
-          <a:bodyPr wrap="square" lIns="89535" tIns="46355" rIns="89535" bIns="46355" numCol="1" vert="horz" anchor="t">
-            <a:spAutoFit/>
-          </a:bodyPr>
-          <a:lstStyle/>
-          <a:p>
-            <a:pPr marL="0" indent="0" algn="l" latinLnBrk="0" hangingPunct="1">
-              <a:buFontTx/>
-              <a:buNone/>
-            </a:pPr>
-            <a:r>
-              <a:rPr lang="ko-KR" sz="2000" b="1">
-                <a:solidFill>
-                  <a:srgbClr val="0611F2"/>
-                </a:solidFill>
-                <a:latin typeface="맑은 고딕" charset="0"/>
-                <a:ea typeface="맑은 고딕" charset="0"/>
-              </a:rPr>
-              <a:t>12</a:t>
-            </a:r>
-            <a:r>
-              <a:rPr sz="2000" b="1">
-                <a:solidFill>
-                  <a:srgbClr val="0611F2"/>
-                </a:solidFill>
-                <a:latin typeface="맑은 고딕" charset="0"/>
-                <a:ea typeface="맑은 고딕" charset="0"/>
-              </a:rPr>
-              <a:t>. </a:t>
-            </a:r>
-            <a:r>
-              <a:rPr lang="ko-KR" sz="1800">
-                <a:latin typeface="맑은 고딕" charset="0"/>
-                <a:ea typeface="맑은 고딕" charset="0"/>
-              </a:rPr>
-              <a:t>그리고 월드 공간에 있는 Orc 오브젝트를 Project 폴더에 있는 Prefab 폴더에 넣어줍니다.</a:t>
-            </a:r>
-            <a:endParaRPr lang="ko-KR" altLang="en-US" sz="1800">
-              <a:latin typeface="맑은 고딕" charset="0"/>
-              <a:ea typeface="맑은 고딕" charset="0"/>
-            </a:endParaRPr>
-          </a:p>
-        </p:txBody>
-      </p:sp>
-      <p:pic>
-        <p:nvPicPr>
-          <p:cNvPr id="1061" name="그림 54"/>
-          <p:cNvPicPr>
-            <a:picLocks noChangeAspect="1"/>
-          </p:cNvPicPr>
-          <p:nvPr/>
-        </p:nvPicPr>
-        <p:blipFill rotWithShape="1">
-          <a:blip r:embed="rId14" cstate="hqprint">
-            <a:extLst>
-              <a:ext uri="{28A0092B-C50C-407E-A947-70E740481C1C}">
-                <a14:useLocalDpi xmlns:a14="http://schemas.microsoft.com/office/drawing/2010/main"/>
-              </a:ext>
-            </a:extLst>
-          </a:blip>
-          <a:stretch>
-            <a:fillRect/>
-          </a:stretch>
-        </p:blipFill>
-        <p:spPr>
-          <a:xfrm rot="0">
-            <a:off x="8013700" y="4366895"/>
-            <a:ext cx="530860" cy="426085"/>
-          </a:xfrm>
-          <a:prstGeom prst="rect"/>
-          <a:noFill/>
-        </p:spPr>
-      </p:pic>
-      <p:pic>
-        <p:nvPicPr>
-          <p:cNvPr id="1062" name="그림 55"/>
-          <p:cNvPicPr>
-            <a:picLocks noChangeAspect="1"/>
-          </p:cNvPicPr>
-          <p:nvPr/>
-        </p:nvPicPr>
-        <p:blipFill rotWithShape="1">
-          <a:blip r:embed="rId15" cstate="hqprint">
-            <a:extLst>
-              <a:ext uri="{28A0092B-C50C-407E-A947-70E740481C1C}">
-                <a14:useLocalDpi xmlns:a14="http://schemas.microsoft.com/office/drawing/2010/main"/>
-              </a:ext>
-            </a:extLst>
-          </a:blip>
-          <a:stretch>
-            <a:fillRect/>
-          </a:stretch>
-        </p:blipFill>
-        <p:spPr>
-          <a:xfrm rot="10800000">
-            <a:off x="8007350" y="1866900"/>
-            <a:ext cx="530860" cy="426085"/>
+            <a:off x="1179195" y="3126740"/>
+            <a:ext cx="4187825" cy="1964690"/>
           </a:xfrm>
           <a:prstGeom prst="rect"/>
           <a:noFill/>
@@ -11390,7 +12390,7 @@
 </file>
 
 <file path=ppt/slides/slide8.xml><?xml version="1.0" encoding="utf-8"?>
-<p:sld xmlns:a="http://schemas.openxmlformats.org/drawingml/2006/main" xmlns:r="http://schemas.openxmlformats.org/officeDocument/2006/relationships" xmlns:p="http://schemas.openxmlformats.org/presentationml/2006/main" xmlns:p14="http://schemas.microsoft.com/office/powerpoint/2010/main">
+<p:sld xmlns:a="http://schemas.openxmlformats.org/drawingml/2006/main" xmlns:r="http://schemas.openxmlformats.org/officeDocument/2006/relationships" xmlns:p="http://schemas.openxmlformats.org/presentationml/2006/main">
   <p:cSld>
     <p:spTree>
       <p:nvGrpSpPr>
@@ -11416,8 +12416,8 @@
         </p:nvSpPr>
         <p:spPr>
           <a:xfrm rot="0">
-            <a:off x="4343400" y="350520"/>
-            <a:ext cx="3510280" cy="554990"/>
+            <a:off x="4514215" y="350520"/>
+            <a:ext cx="3170555" cy="478155"/>
           </a:xfrm>
           <a:prstGeom prst="rect"/>
           <a:noFill/>
@@ -11432,43 +12432,53 @@
           </a:bodyPr>
           <a:lstStyle/>
           <a:p>
-            <a:pPr marL="0" indent="0" algn="l" latinLnBrk="0">
-              <a:buFontTx/>
-              <a:buNone/>
-            </a:pPr>
-            <a:r>
-              <a:rPr lang="ko-KR" altLang="en-US" sz="3000" b="1">
+            <a:pPr marL="0" indent="0" algn="ctr" latinLnBrk="0">
+              <a:buFontTx/>
+              <a:buNone/>
+            </a:pPr>
+            <a:r>
+              <a:rPr lang="ko-KR" altLang="en-US" sz="2500" b="1">
                 <a:solidFill>
                   <a:schemeClr val="tx1"/>
                 </a:solidFill>
-                <a:latin typeface="맑은 고딕" charset="0"/>
-                <a:ea typeface="맑은 고딕" charset="0"/>
-              </a:rPr>
-              <a:t>여섯 번째 </a:t>
-            </a:r>
-            <a:r>
-              <a:rPr lang="ko-KR" altLang="en-US" sz="3000" b="1">
+                <a:latin typeface="나눔바른고딕" charset="0"/>
+                <a:ea typeface="나눔바른고딕" charset="0"/>
+              </a:rPr>
+              <a:t>일곱</a:t>
+            </a:r>
+            <a:r>
+              <a:rPr lang="ko-KR" altLang="en-US" sz="2500" b="1">
                 <a:solidFill>
                   <a:schemeClr val="tx1"/>
                 </a:solidFill>
-                <a:latin typeface="맑은 고딕" charset="0"/>
-                <a:ea typeface="맑은 고딕" charset="0"/>
-              </a:rPr>
-              <a:t>튜토리얼</a:t>
-            </a:r>
-            <a:endParaRPr lang="ko-KR" altLang="en-US" sz="3000" b="1">
+                <a:latin typeface="나눔바른고딕" charset="0"/>
+                <a:ea typeface="나눔바른고딕" charset="0"/>
+              </a:rPr>
+              <a:t> </a:t>
+            </a:r>
+            <a:r>
+              <a:rPr lang="ko-KR" altLang="en-US" sz="2500" b="1">
+                <a:solidFill>
+                  <a:schemeClr val="tx1"/>
+                </a:solidFill>
+                <a:latin typeface="나눔바른고딕" charset="0"/>
+                <a:ea typeface="나눔바른고딕" charset="0"/>
+              </a:rPr>
+              <a:t>번째 튜토리얼</a:t>
+            </a:r>
+            <a:endParaRPr lang="ko-KR" altLang="en-US" sz="2500" b="1">
               <a:solidFill>
                 <a:schemeClr val="tx1"/>
               </a:solidFill>
-              <a:latin typeface="맑은 고딕" charset="0"/>
-              <a:ea typeface="맑은 고딕" charset="0"/>
+              <a:latin typeface="나눔바른고딕" charset="0"/>
+              <a:ea typeface="나눔바른고딕" charset="0"/>
             </a:endParaRPr>
           </a:p>
         </p:txBody>
       </p:sp>
       <p:sp>
         <p:nvSpPr>
-          <p:cNvPr id="1032" name="텍스트 상자 56"/>
+          <p:cNvPr id="1067" name="Rect 0"/>
           <p:cNvSpPr txBox="1">
             <a:spLocks/>
           </p:cNvSpPr>
@@ -11476,8 +12486,8 @@
         </p:nvSpPr>
         <p:spPr>
           <a:xfrm rot="0">
-            <a:off x="1230630" y="5233035"/>
-            <a:ext cx="4140835" cy="954405"/>
+            <a:off x="1240790" y="5495290"/>
+            <a:ext cx="4144010" cy="677545"/>
           </a:xfrm>
           <a:prstGeom prst="rect"/>
           <a:noFill/>
@@ -11504,7 +12514,7 @@
                 <a:latin typeface="맑은 고딕" charset="0"/>
                 <a:ea typeface="맑은 고딕" charset="0"/>
               </a:rPr>
-              <a:t>13</a:t>
+              <a:t>18</a:t>
             </a:r>
             <a:r>
               <a:rPr sz="2000" b="1">
@@ -11514,14 +12524,101 @@
                 <a:latin typeface="맑은 고딕" charset="0"/>
                 <a:ea typeface="맑은 고딕" charset="0"/>
               </a:rPr>
-              <a:t>. </a:t>
-            </a:r>
-            <a:r>
-              <a:rPr lang="ko-KR" sz="1800">
-                <a:latin typeface="맑은 고딕" charset="0"/>
-                <a:ea typeface="맑은 고딕" charset="0"/>
-              </a:rPr>
-              <a:t>그런 다음 월드 공간에 있는 Orc 오브젝트를 선택하고 Delete로 삭제시켜 줍니다.</a:t>
+              <a:t>.</a:t>
+            </a:r>
+            <a:r>
+              <a:rPr sz="2000" b="1">
+                <a:solidFill>
+                  <a:srgbClr val="0611F2"/>
+                </a:solidFill>
+                <a:latin typeface="맑은 고딕" charset="0"/>
+                <a:ea typeface="맑은 고딕" charset="0"/>
+              </a:rPr>
+              <a:t> </a:t>
+            </a:r>
+            <a:r>
+              <a:rPr lang="ko-KR" sz="1800">
+                <a:latin typeface="맑은 고딕" charset="0"/>
+                <a:ea typeface="맑은 고딕" charset="0"/>
+              </a:rPr>
+              <a:t>이제 </a:t>
+            </a:r>
+            <a:r>
+              <a:rPr sz="1800">
+                <a:latin typeface="맑은 고딕" charset="0"/>
+                <a:ea typeface="맑은 고딕" charset="0"/>
+              </a:rPr>
+              <a:t>Generic Create( ) 함수를 </a:t>
+            </a:r>
+            <a:r>
+              <a:rPr sz="1800">
+                <a:latin typeface="맑은 고딕" charset="0"/>
+                <a:ea typeface="맑은 고딕" charset="0"/>
+              </a:rPr>
+              <a:t>On</a:t>
+            </a:r>
+            <a:r>
+              <a:rPr sz="1800">
+                <a:latin typeface="맑은 고딕" charset="0"/>
+                <a:ea typeface="맑은 고딕" charset="0"/>
+              </a:rPr>
+              <a:t> </a:t>
+            </a:r>
+            <a:r>
+              <a:rPr sz="1800">
+                <a:latin typeface="맑은 고딕" charset="0"/>
+                <a:ea typeface="맑은 고딕" charset="0"/>
+              </a:rPr>
+              <a:t>Click(</a:t>
+            </a:r>
+            <a:r>
+              <a:rPr sz="1800">
+                <a:latin typeface="맑은 고딕" charset="0"/>
+                <a:ea typeface="맑은 고딕" charset="0"/>
+              </a:rPr>
+              <a:t> </a:t>
+            </a:r>
+            <a:r>
+              <a:rPr sz="1800">
+                <a:latin typeface="맑은 고딕" charset="0"/>
+                <a:ea typeface="맑은 고딕" charset="0"/>
+              </a:rPr>
+              <a:t>)</a:t>
+            </a:r>
+            <a:r>
+              <a:rPr sz="1800">
+                <a:latin typeface="맑은 고딕" charset="0"/>
+                <a:ea typeface="맑은 고딕" charset="0"/>
+              </a:rPr>
+              <a:t> </a:t>
+            </a:r>
+            <a:r>
+              <a:rPr sz="1800">
+                <a:latin typeface="맑은 고딕" charset="0"/>
+                <a:ea typeface="맑은 고딕" charset="0"/>
+              </a:rPr>
+              <a:t>함수에</a:t>
+            </a:r>
+            <a:r>
+              <a:rPr sz="1800">
+                <a:latin typeface="맑은 고딕" charset="0"/>
+                <a:ea typeface="맑은 고딕" charset="0"/>
+              </a:rPr>
+              <a:t> </a:t>
+            </a:r>
+            <a:r>
+              <a:rPr sz="1800">
+                <a:latin typeface="맑은 고딕" charset="0"/>
+                <a:ea typeface="맑은 고딕" charset="0"/>
+              </a:rPr>
+              <a:t>등록합니다.</a:t>
+            </a:r>
+            <a:r>
+              <a:rPr sz="1800">
+                <a:latin typeface="맑은 고딕" charset="0"/>
+                <a:ea typeface="맑은 고딕" charset="0"/>
+              </a:rPr>
+              <a:t> </a:t>
             </a:r>
             <a:endParaRPr lang="ko-KR" altLang="en-US" sz="1800">
               <a:latin typeface="맑은 고딕" charset="0"/>
@@ -11530,228 +12627,177 @@
           </a:p>
         </p:txBody>
       </p:sp>
+      <p:sp>
+        <p:nvSpPr>
+          <p:cNvPr id="1072" name="Rect 0"/>
+          <p:cNvSpPr txBox="1">
+            <a:spLocks/>
+          </p:cNvSpPr>
+          <p:nvPr/>
+        </p:nvSpPr>
+        <p:spPr>
+          <a:xfrm rot="0">
+            <a:off x="6807200" y="5041900"/>
+            <a:ext cx="4141470" cy="1138555"/>
+          </a:xfrm>
+          <a:prstGeom prst="rect"/>
+          <a:noFill/>
+        </p:spPr>
+        <p:txBody>
+          <a:bodyPr wrap="square" lIns="0" tIns="0" rIns="0" bIns="0" vert="horz" anchor="t">
+            <a:noAutofit/>
+          </a:bodyPr>
+          <a:lstStyle/>
+          <a:p>
+            <a:pPr marL="0" indent="0" algn="l" latinLnBrk="0" hangingPunct="1">
+              <a:buFontTx/>
+              <a:buNone/>
+            </a:pPr>
+            <a:r>
+              <a:rPr lang="ko-KR" sz="2000" b="1">
+                <a:solidFill>
+                  <a:srgbClr val="0611F2"/>
+                </a:solidFill>
+                <a:latin typeface="맑은 고딕" charset="0"/>
+                <a:ea typeface="맑은 고딕" charset="0"/>
+              </a:rPr>
+              <a:t>19</a:t>
+            </a:r>
+            <a:r>
+              <a:rPr sz="2000" b="1">
+                <a:solidFill>
+                  <a:srgbClr val="0611F2"/>
+                </a:solidFill>
+                <a:latin typeface="맑은 고딕" charset="0"/>
+                <a:ea typeface="맑은 고딕" charset="0"/>
+              </a:rPr>
+              <a:t>.</a:t>
+            </a:r>
+            <a:r>
+              <a:rPr sz="2000" b="1">
+                <a:solidFill>
+                  <a:srgbClr val="0611F2"/>
+                </a:solidFill>
+                <a:latin typeface="맑은 고딕" charset="0"/>
+                <a:ea typeface="맑은 고딕" charset="0"/>
+              </a:rPr>
+              <a:t> </a:t>
+            </a:r>
+            <a:r>
+              <a:rPr sz="1800">
+                <a:latin typeface="맑은 고딕" charset="0"/>
+                <a:ea typeface="맑은 고딕" charset="0"/>
+              </a:rPr>
+              <a:t>그리고 Project 폴더 아래에 있는 </a:t>
+            </a:r>
+            <a:r>
+              <a:rPr sz="1800">
+                <a:latin typeface="맑은 고딕" charset="0"/>
+                <a:ea typeface="맑은 고딕" charset="0"/>
+              </a:rPr>
+              <a:t>Texture</a:t>
+            </a:r>
+            <a:r>
+              <a:rPr sz="1800">
+                <a:latin typeface="맑은 고딕" charset="0"/>
+                <a:ea typeface="맑은 고딕" charset="0"/>
+              </a:rPr>
+              <a:t> </a:t>
+            </a:r>
+            <a:r>
+              <a:rPr sz="1800">
+                <a:latin typeface="맑은 고딕" charset="0"/>
+                <a:ea typeface="맑은 고딕" charset="0"/>
+              </a:rPr>
+              <a:t>폴더에</a:t>
+            </a:r>
+            <a:r>
+              <a:rPr sz="1800">
+                <a:latin typeface="맑은 고딕" charset="0"/>
+                <a:ea typeface="맑은 고딕" charset="0"/>
+              </a:rPr>
+              <a:t> Space Ground 텍스처를 </a:t>
+            </a:r>
+            <a:r>
+              <a:rPr sz="1800">
+                <a:latin typeface="맑은 고딕" charset="0"/>
+                <a:ea typeface="맑은 고딕" charset="0"/>
+              </a:rPr>
+              <a:t>선택하고</a:t>
+            </a:r>
+            <a:r>
+              <a:rPr sz="1800">
+                <a:latin typeface="맑은 고딕" charset="0"/>
+                <a:ea typeface="맑은 고딕" charset="0"/>
+              </a:rPr>
+              <a:t> </a:t>
+            </a:r>
+            <a:r>
+              <a:rPr sz="1800">
+                <a:latin typeface="맑은 고딕" charset="0"/>
+                <a:ea typeface="맑은 고딕" charset="0"/>
+              </a:rPr>
+              <a:t>Back Ground</a:t>
+            </a:r>
+            <a:r>
+              <a:rPr sz="1800">
+                <a:latin typeface="맑은 고딕" charset="0"/>
+                <a:ea typeface="맑은 고딕" charset="0"/>
+              </a:rPr>
+              <a:t> 오브젝트의 </a:t>
+            </a:r>
+            <a:r>
+              <a:rPr sz="1800">
+                <a:latin typeface="맑은 고딕" charset="0"/>
+                <a:ea typeface="맑은 고딕" charset="0"/>
+              </a:rPr>
+              <a:t>Source</a:t>
+            </a:r>
+            <a:r>
+              <a:rPr sz="1800">
+                <a:latin typeface="맑은 고딕" charset="0"/>
+                <a:ea typeface="맑은 고딕" charset="0"/>
+              </a:rPr>
+              <a:t> </a:t>
+            </a:r>
+            <a:r>
+              <a:rPr sz="1800">
+                <a:latin typeface="맑은 고딕" charset="0"/>
+                <a:ea typeface="맑은 고딕" charset="0"/>
+              </a:rPr>
+              <a:t>Image에</a:t>
+            </a:r>
+            <a:r>
+              <a:rPr sz="1800">
+                <a:latin typeface="맑은 고딕" charset="0"/>
+                <a:ea typeface="맑은 고딕" charset="0"/>
+              </a:rPr>
+              <a:t> </a:t>
+            </a:r>
+            <a:r>
+              <a:rPr sz="1800">
+                <a:latin typeface="맑은 고딕" charset="0"/>
+                <a:ea typeface="맑은 고딕" charset="0"/>
+              </a:rPr>
+              <a:t>넣어줍니다.</a:t>
+            </a:r>
+            <a:endParaRPr lang="ko-KR" altLang="en-US" sz="1800">
+              <a:latin typeface="맑은 고딕" charset="0"/>
+              <a:ea typeface="맑은 고딕" charset="0"/>
+            </a:endParaRPr>
+          </a:p>
+        </p:txBody>
+      </p:sp>
       <p:pic>
         <p:nvPicPr>
-          <p:cNvPr id="1034" name="그림 58" descr="C:/Users/Admin1/AppData/Roaming/PolarisOffice/ETemp/14712_13418472/fImage115662033281.png"/>
+          <p:cNvPr id="1073" name="그림 60" descr="C:/Users/Admin1/AppData/Roaming/PolarisOffice/ETemp/21916_16244272/fImage90643028145.png"/>
           <p:cNvPicPr>
             <a:picLocks noChangeAspect="1"/>
           </p:cNvPicPr>
           <p:nvPr/>
         </p:nvPicPr>
         <p:blipFill rotWithShape="1">
-          <a:blip r:embed="rId5" cstate="hqprint">
-            <a:extLst>
-              <a:ext uri="{28A0092B-C50C-407E-A947-70E740481C1C}">
-                <a14:useLocalDpi xmlns:a14="http://schemas.microsoft.com/office/drawing/2010/main"/>
-              </a:ext>
-            </a:extLst>
-          </a:blip>
-          <a:stretch>
-            <a:fillRect/>
-          </a:stretch>
-        </p:blipFill>
-        <p:spPr>
-          <a:xfrm rot="0">
-            <a:off x="3009265" y="1402715"/>
-            <a:ext cx="2362200" cy="3678555"/>
-          </a:xfrm>
-          <a:prstGeom prst="roundRect"/>
-          <a:solidFill>
-            <a:srgbClr val="EDEDED"/>
-          </a:solidFill>
-        </p:spPr>
-      </p:pic>
-      <p:pic>
-        <p:nvPicPr>
-          <p:cNvPr id="1035" name="그림 61"/>
-          <p:cNvPicPr>
-            <a:picLocks noChangeAspect="1"/>
-          </p:cNvPicPr>
-          <p:nvPr/>
-        </p:nvPicPr>
-        <p:blipFill rotWithShape="1">
-          <a:blip r:embed="rId6" cstate="hqprint">
-            <a:extLst>
-              <a:ext uri="{28A0092B-C50C-407E-A947-70E740481C1C}">
-                <a14:useLocalDpi xmlns:a14="http://schemas.microsoft.com/office/drawing/2010/main"/>
-              </a:ext>
-            </a:extLst>
-          </a:blip>
-          <a:stretch>
-            <a:fillRect/>
-          </a:stretch>
-        </p:blipFill>
-        <p:spPr>
-          <a:xfrm rot="0">
-            <a:off x="1230630" y="2111375"/>
-            <a:ext cx="1630045" cy="2263775"/>
-          </a:xfrm>
-          <a:prstGeom prst="roundRect"/>
-          <a:solidFill>
-            <a:srgbClr val="EDEDED"/>
-          </a:solidFill>
-        </p:spPr>
-      </p:pic>
-      <p:sp>
-        <p:nvSpPr>
-          <p:cNvPr id="1036" name="텍스트 상자 5"/>
-          <p:cNvSpPr txBox="1">
-            <a:spLocks/>
-          </p:cNvSpPr>
-          <p:nvPr/>
-        </p:nvSpPr>
-        <p:spPr>
-          <a:xfrm rot="0">
-            <a:off x="6800215" y="4151630"/>
-            <a:ext cx="4173855" cy="2031365"/>
-          </a:xfrm>
-          <a:prstGeom prst="rect"/>
-          <a:noFill/>
-          <a:ln w="0">
-            <a:noFill/>
-            <a:prstDash/>
-          </a:ln>
-        </p:spPr>
-        <p:txBody>
-          <a:bodyPr wrap="square" lIns="89535" tIns="46355" rIns="89535" bIns="46355" vert="horz" anchor="t">
-            <a:spAutoFit/>
-          </a:bodyPr>
-          <a:lstStyle/>
-          <a:p>
-            <a:pPr marL="0" indent="0" rtl="0" algn="l" defTabSz="914400" eaLnBrk="1" latinLnBrk="0" hangingPunct="1">
-              <a:buFontTx/>
-              <a:buNone/>
-            </a:pPr>
-            <a:r>
-              <a:rPr sz="1800" b="1">
-                <a:solidFill>
-                  <a:srgbClr val="0611F2"/>
-                </a:solidFill>
-                <a:latin typeface="맑은 고딕" charset="0"/>
-                <a:ea typeface="맑은 고딕" charset="0"/>
-              </a:rPr>
-              <a:t>14</a:t>
-            </a:r>
-            <a:r>
-              <a:rPr sz="1800" b="1">
-                <a:solidFill>
-                  <a:srgbClr val="0611F2"/>
-                </a:solidFill>
-                <a:latin typeface="맑은 고딕" charset="0"/>
-                <a:ea typeface="맑은 고딕" charset="0"/>
-              </a:rPr>
-              <a:t>.</a:t>
-            </a:r>
-            <a:r>
-              <a:rPr sz="1800">
-                <a:latin typeface="맑은 고딕" charset="0"/>
-                <a:ea typeface="맑은 고딕" charset="0"/>
-              </a:rPr>
-              <a:t> 그</a:t>
-            </a:r>
-            <a:r>
-              <a:rPr lang="ko-KR" sz="1800">
-                <a:latin typeface="맑은 고딕" charset="0"/>
-                <a:ea typeface="맑은 고딕" charset="0"/>
-              </a:rPr>
-              <a:t>다음으로</a:t>
-            </a:r>
-            <a:r>
-              <a:rPr sz="1800">
-                <a:latin typeface="맑은 고딕" charset="0"/>
-                <a:ea typeface="맑은 고딕" charset="0"/>
-              </a:rPr>
-              <a:t> 빈 게임 오브젝트를 4개 생성합니다.</a:t>
-            </a:r>
-            <a:endParaRPr lang="ko-KR" altLang="en-US" sz="1800">
-              <a:latin typeface="맑은 고딕" charset="0"/>
-              <a:ea typeface="맑은 고딕" charset="0"/>
-            </a:endParaRPr>
-          </a:p>
-          <a:p>
-            <a:pPr marL="0" indent="0" rtl="0" algn="l" defTabSz="914400" eaLnBrk="1" latinLnBrk="0" hangingPunct="1">
-              <a:buFontTx/>
-              <a:buNone/>
-            </a:pPr>
-            <a:endParaRPr lang="ko-KR" altLang="en-US" sz="1800">
-              <a:latin typeface="맑은 고딕" charset="0"/>
-              <a:ea typeface="맑은 고딕" charset="0"/>
-            </a:endParaRPr>
-          </a:p>
-          <a:p>
-            <a:pPr marL="0" indent="0" rtl="0" algn="l" defTabSz="914400" eaLnBrk="1" latinLnBrk="0" hangingPunct="1">
-              <a:buFontTx/>
-              <a:buNone/>
-            </a:pPr>
-            <a:r>
-              <a:rPr sz="1800">
-                <a:latin typeface="맑은 고딕" charset="0"/>
-                <a:ea typeface="맑은 고딕" charset="0"/>
-              </a:rPr>
-              <a:t>그러</a:t>
-            </a:r>
-            <a:r>
-              <a:rPr lang="ko-KR" sz="1800">
-                <a:latin typeface="맑은 고딕" charset="0"/>
-                <a:ea typeface="맑은 고딕" charset="0"/>
-              </a:rPr>
-              <a:t>고 나서</a:t>
-            </a:r>
-            <a:r>
-              <a:rPr sz="1800">
-                <a:latin typeface="맑은 고딕" charset="0"/>
-                <a:ea typeface="맑은 고딕" charset="0"/>
-              </a:rPr>
-              <a:t> 각각의 이름을 First Point와 Second Point 그리고 Third Point 마지막으로 Four Point라는 이름으로 정의합니다.</a:t>
-            </a:r>
-            <a:endParaRPr lang="ko-KR" altLang="en-US" sz="1800">
-              <a:latin typeface="맑은 고딕" charset="0"/>
-              <a:ea typeface="맑은 고딕" charset="0"/>
-            </a:endParaRPr>
-          </a:p>
-        </p:txBody>
-      </p:sp>
-      <p:pic>
-        <p:nvPicPr>
-          <p:cNvPr id="1037" name="그림 6"/>
-          <p:cNvPicPr>
-            <a:picLocks noChangeAspect="1"/>
-          </p:cNvPicPr>
-          <p:nvPr/>
-        </p:nvPicPr>
-        <p:blipFill rotWithShape="1">
-          <a:blip r:embed="rId7" cstate="hqprint">
-            <a:extLst>
-              <a:ext uri="{28A0092B-C50C-407E-A947-70E740481C1C}">
-                <a14:useLocalDpi xmlns:a14="http://schemas.microsoft.com/office/drawing/2010/main"/>
-              </a:ext>
-            </a:extLst>
-          </a:blip>
-          <a:stretch>
-            <a:fillRect/>
-          </a:stretch>
-        </p:blipFill>
-        <p:spPr>
-          <a:xfrm rot="0">
-            <a:off x="6800215" y="1404620"/>
-            <a:ext cx="2411730" cy="2586990"/>
-          </a:xfrm>
-          <a:prstGeom prst="roundRect"/>
-          <a:solidFill>
-            <a:srgbClr val="EDEDED"/>
-          </a:solidFill>
-        </p:spPr>
-      </p:pic>
-      <p:pic>
-        <p:nvPicPr>
-          <p:cNvPr id="1038" name="그림 7"/>
-          <p:cNvPicPr>
-            <a:picLocks noChangeAspect="1"/>
-          </p:cNvPicPr>
-          <p:nvPr/>
-        </p:nvPicPr>
-        <p:blipFill rotWithShape="1">
-          <a:blip r:embed="rId8" cstate="print">
+          <a:blip r:embed="rId2" cstate="print">
             <a:extLst>
               <a:ext uri="{28A0092B-C50C-407E-A947-70E740481C1C}">
                 <a14:useLocalDpi xmlns:a14="http://schemas.microsoft.com/office/drawing/2010/main" val="0"/>
@@ -11764,8 +12810,8 @@
         </p:blipFill>
         <p:spPr>
           <a:xfrm rot="0">
-            <a:off x="9393555" y="1837055"/>
-            <a:ext cx="1588770" cy="1739265"/>
+            <a:off x="1233170" y="1447165"/>
+            <a:ext cx="1274445" cy="1247775"/>
           </a:xfrm>
           <a:prstGeom prst="roundRect"/>
           <a:solidFill>
@@ -11773,6 +12819,312 @@
           </a:solidFill>
         </p:spPr>
       </p:pic>
+      <p:pic>
+        <p:nvPicPr>
+          <p:cNvPr id="1074" name="그림 63" descr="C:/Users/Admin1/AppData/Roaming/PolarisOffice/ETemp/21916_16244272/fImage56453033281.png"/>
+          <p:cNvPicPr>
+            <a:picLocks noChangeAspect="1"/>
+          </p:cNvPicPr>
+          <p:nvPr/>
+        </p:nvPicPr>
+        <p:blipFill rotWithShape="1">
+          <a:blip r:embed="rId3" cstate="print">
+            <a:extLst>
+              <a:ext uri="{28A0092B-C50C-407E-A947-70E740481C1C}">
+                <a14:useLocalDpi xmlns:a14="http://schemas.microsoft.com/office/drawing/2010/main" val="0"/>
+              </a:ext>
+            </a:extLst>
+          </a:blip>
+          <a:stretch>
+            <a:fillRect/>
+          </a:stretch>
+        </p:blipFill>
+        <p:spPr>
+          <a:xfrm rot="0">
+            <a:off x="2592705" y="1447165"/>
+            <a:ext cx="2791460" cy="1257935"/>
+          </a:xfrm>
+          <a:prstGeom prst="roundRect"/>
+          <a:solidFill>
+            <a:srgbClr val="EDEDED"/>
+          </a:solidFill>
+        </p:spPr>
+      </p:pic>
+      <p:cxnSp>
+        <p:nvCxnSpPr>
+          <p:cNvPr id="1075" name="도형 66"/>
+          <p:cNvCxnSpPr/>
+          <p:nvPr/>
+        </p:nvCxnSpPr>
+        <p:spPr>
+          <a:xfrm rot="0">
+            <a:off x="2256790" y="1894840"/>
+            <a:ext cx="1224280" cy="293370"/>
+          </a:xfrm>
+          <a:prstGeom prst="straightConnector1"/>
+          <a:ln w="6350" cap="flat" cmpd="sng">
+            <a:prstDash/>
+            <a:headEnd type="none" w="med" len="med"/>
+            <a:tailEnd type="triangle" w="med" len="med"/>
+          </a:ln>
+        </p:spPr>
+        <p:style>
+          <a:lnRef idx="1">
+            <a:schemeClr val="accent1"/>
+          </a:lnRef>
+          <a:fillRef idx="0">
+            <a:schemeClr val="accent1"/>
+          </a:fillRef>
+          <a:effectRef idx="0">
+            <a:schemeClr val="accent1"/>
+          </a:effectRef>
+          <a:fontRef idx="minor">
+            <a:schemeClr val="tx1"/>
+          </a:fontRef>
+        </p:style>
+      </p:cxnSp>
+      <p:sp>
+        <p:nvSpPr>
+          <p:cNvPr id="1076" name="텍스트 상자 67"/>
+          <p:cNvSpPr txBox="1">
+            <a:spLocks/>
+          </p:cNvSpPr>
+          <p:nvPr/>
+        </p:nvSpPr>
+        <p:spPr>
+          <a:xfrm rot="0">
+            <a:off x="1234440" y="2810510"/>
+            <a:ext cx="4141470" cy="954405"/>
+          </a:xfrm>
+          <a:prstGeom prst="rect"/>
+          <a:noFill/>
+          <a:ln w="0">
+            <a:noFill/>
+            <a:prstDash/>
+          </a:ln>
+        </p:spPr>
+        <p:txBody>
+          <a:bodyPr wrap="square" lIns="89535" tIns="46355" rIns="89535" bIns="46355" numCol="1" vert="horz" anchor="t">
+            <a:spAutoFit/>
+          </a:bodyPr>
+          <a:lstStyle/>
+          <a:p>
+            <a:pPr marL="0" indent="0" algn="l" latinLnBrk="0" hangingPunct="1">
+              <a:buFontTx/>
+              <a:buNone/>
+            </a:pPr>
+            <a:r>
+              <a:rPr lang="ko-KR" sz="2000" b="1">
+                <a:solidFill>
+                  <a:srgbClr val="0611F2"/>
+                </a:solidFill>
+                <a:latin typeface="맑은 고딕" charset="0"/>
+                <a:ea typeface="맑은 고딕" charset="0"/>
+              </a:rPr>
+              <a:t>17</a:t>
+            </a:r>
+            <a:r>
+              <a:rPr sz="2000" b="1">
+                <a:solidFill>
+                  <a:srgbClr val="0611F2"/>
+                </a:solidFill>
+                <a:latin typeface="맑은 고딕" charset="0"/>
+                <a:ea typeface="맑은 고딕" charset="0"/>
+              </a:rPr>
+              <a:t>.</a:t>
+            </a:r>
+            <a:r>
+              <a:rPr sz="2000" b="1">
+                <a:solidFill>
+                  <a:srgbClr val="0611F2"/>
+                </a:solidFill>
+                <a:latin typeface="맑은 고딕" charset="0"/>
+                <a:ea typeface="맑은 고딕" charset="0"/>
+              </a:rPr>
+              <a:t> </a:t>
+            </a:r>
+            <a:r>
+              <a:rPr lang="ko-KR" sz="1800">
+                <a:latin typeface="맑은 고딕" charset="0"/>
+                <a:ea typeface="맑은 고딕" charset="0"/>
+              </a:rPr>
+              <a:t>그러고 나서 Create Button </a:t>
+            </a:r>
+            <a:r>
+              <a:rPr lang="ko-KR" sz="1800">
+                <a:latin typeface="맑은 고딕" charset="0"/>
+                <a:ea typeface="맑은 고딕" charset="0"/>
+              </a:rPr>
+              <a:t>오브젝트의</a:t>
+            </a:r>
+            <a:r>
+              <a:rPr lang="ko-KR" sz="1800">
+                <a:latin typeface="맑은 고딕" charset="0"/>
+                <a:ea typeface="맑은 고딕" charset="0"/>
+              </a:rPr>
+              <a:t> </a:t>
+            </a:r>
+            <a:r>
+              <a:rPr lang="ko-KR" sz="1800">
+                <a:latin typeface="맑은 고딕" charset="0"/>
+                <a:ea typeface="맑은 고딕" charset="0"/>
+              </a:rPr>
+              <a:t>On Click( ) 함수에 Create </a:t>
+            </a:r>
+            <a:r>
+              <a:rPr lang="ko-KR" sz="1800">
+                <a:latin typeface="맑은 고딕" charset="0"/>
+                <a:ea typeface="맑은 고딕" charset="0"/>
+              </a:rPr>
+              <a:t>Object</a:t>
+            </a:r>
+            <a:r>
+              <a:rPr lang="ko-KR" sz="1800">
+                <a:latin typeface="맑은 고딕" charset="0"/>
+                <a:ea typeface="맑은 고딕" charset="0"/>
+              </a:rPr>
+              <a:t>를</a:t>
+            </a:r>
+            <a:r>
+              <a:rPr lang="ko-KR" sz="1800">
+                <a:latin typeface="맑은 고딕" charset="0"/>
+                <a:ea typeface="맑은 고딕" charset="0"/>
+              </a:rPr>
+              <a:t> 넣어줍니다.</a:t>
+            </a:r>
+            <a:endParaRPr lang="ko-KR" altLang="en-US" sz="1800">
+              <a:latin typeface="맑은 고딕" charset="0"/>
+              <a:ea typeface="맑은 고딕" charset="0"/>
+            </a:endParaRPr>
+          </a:p>
+        </p:txBody>
+      </p:sp>
+      <p:pic>
+        <p:nvPicPr>
+          <p:cNvPr id="1077" name="그림 68" descr="C:/Users/Admin1/AppData/Roaming/PolarisOffice/ETemp/21916_16244272/fImage60353066827.png"/>
+          <p:cNvPicPr>
+            <a:picLocks noChangeAspect="1"/>
+          </p:cNvPicPr>
+          <p:nvPr/>
+        </p:nvPicPr>
+        <p:blipFill rotWithShape="1">
+          <a:blip r:embed="rId4" cstate="print">
+            <a:extLst>
+              <a:ext uri="{28A0092B-C50C-407E-A947-70E740481C1C}">
+                <a14:useLocalDpi xmlns:a14="http://schemas.microsoft.com/office/drawing/2010/main" val="0"/>
+              </a:ext>
+            </a:extLst>
+          </a:blip>
+          <a:stretch>
+            <a:fillRect/>
+          </a:stretch>
+        </p:blipFill>
+        <p:spPr>
+          <a:xfrm rot="0">
+            <a:off x="1239520" y="3919220"/>
+            <a:ext cx="4136390" cy="1498600"/>
+          </a:xfrm>
+          <a:prstGeom prst="roundRect"/>
+          <a:solidFill>
+            <a:srgbClr val="EDEDED"/>
+          </a:solidFill>
+        </p:spPr>
+      </p:pic>
+      <p:pic>
+        <p:nvPicPr>
+          <p:cNvPr id="1078" name="그림 71" descr="C:/Users/Admin1/AppData/Roaming/PolarisOffice/ETemp/21916_16244272/fImage173613079961.png"/>
+          <p:cNvPicPr>
+            <a:picLocks noChangeAspect="1"/>
+          </p:cNvPicPr>
+          <p:nvPr/>
+        </p:nvPicPr>
+        <p:blipFill rotWithShape="1">
+          <a:blip r:embed="rId5" cstate="print">
+            <a:extLst>
+              <a:ext uri="{28A0092B-C50C-407E-A947-70E740481C1C}">
+                <a14:useLocalDpi xmlns:a14="http://schemas.microsoft.com/office/drawing/2010/main" val="0"/>
+              </a:ext>
+            </a:extLst>
+          </a:blip>
+          <a:stretch>
+            <a:fillRect/>
+          </a:stretch>
+        </p:blipFill>
+        <p:spPr>
+          <a:xfrm rot="0">
+            <a:off x="6802120" y="1438275"/>
+            <a:ext cx="4146550" cy="2240280"/>
+          </a:xfrm>
+          <a:prstGeom prst="roundRect"/>
+          <a:solidFill>
+            <a:srgbClr val="EDEDED"/>
+          </a:solidFill>
+        </p:spPr>
+      </p:pic>
+      <p:pic>
+        <p:nvPicPr>
+          <p:cNvPr id="1079" name="그림 74" descr="C:/Users/Admin1/AppData/Roaming/PolarisOffice/ETemp/21916_16244272/fImage27694308491.png"/>
+          <p:cNvPicPr>
+            <a:picLocks noChangeAspect="1"/>
+          </p:cNvPicPr>
+          <p:nvPr/>
+        </p:nvPicPr>
+        <p:blipFill rotWithShape="1">
+          <a:blip r:embed="rId6" cstate="print">
+            <a:extLst>
+              <a:ext uri="{28A0092B-C50C-407E-A947-70E740481C1C}">
+                <a14:useLocalDpi xmlns:a14="http://schemas.microsoft.com/office/drawing/2010/main" val="0"/>
+              </a:ext>
+            </a:extLst>
+          </a:blip>
+          <a:stretch>
+            <a:fillRect/>
+          </a:stretch>
+        </p:blipFill>
+        <p:spPr>
+          <a:xfrm rot="0">
+            <a:off x="6817360" y="3841750"/>
+            <a:ext cx="4131310" cy="1051560"/>
+          </a:xfrm>
+          <a:prstGeom prst="roundRect"/>
+          <a:solidFill>
+            <a:srgbClr val="EDEDED"/>
+          </a:solidFill>
+        </p:spPr>
+      </p:pic>
+      <p:cxnSp>
+        <p:nvCxnSpPr>
+          <p:cNvPr id="1080" name="도형 77"/>
+          <p:cNvCxnSpPr/>
+          <p:nvPr/>
+        </p:nvCxnSpPr>
+        <p:spPr>
+          <a:xfrm rot="0" flipV="1">
+            <a:off x="9630410" y="1765935"/>
+            <a:ext cx="1206500" cy="2429510"/>
+          </a:xfrm>
+          <a:prstGeom prst="straightConnector1"/>
+          <a:ln w="6350" cap="flat" cmpd="sng">
+            <a:prstDash/>
+            <a:headEnd type="none" w="med" len="med"/>
+            <a:tailEnd type="triangle" w="med" len="med"/>
+          </a:ln>
+        </p:spPr>
+        <p:style>
+          <a:lnRef idx="1">
+            <a:schemeClr val="accent1"/>
+          </a:lnRef>
+          <a:fillRef idx="0">
+            <a:schemeClr val="accent1"/>
+          </a:fillRef>
+          <a:effectRef idx="0">
+            <a:schemeClr val="accent1"/>
+          </a:effectRef>
+          <a:fontRef idx="minor">
+            <a:schemeClr val="tx1"/>
+          </a:fontRef>
+        </p:style>
+      </p:cxnSp>
     </p:spTree>
   </p:cSld>
   <p:clrMapOvr>
@@ -11873,325 +13225,6 @@
           </a:p>
         </p:txBody>
       </p:sp>
-      <p:sp>
-        <p:nvSpPr>
-          <p:cNvPr id="1070" name="Rect 0"/>
-          <p:cNvSpPr txBox="1">
-            <a:spLocks/>
-          </p:cNvSpPr>
-          <p:nvPr/>
-        </p:nvSpPr>
-        <p:spPr>
-          <a:xfrm rot="0">
-            <a:off x="1222375" y="5276850"/>
-            <a:ext cx="4164330" cy="954405"/>
-          </a:xfrm>
-          <a:prstGeom prst="rect"/>
-          <a:noFill/>
-          <a:ln w="0">
-            <a:noFill/>
-            <a:prstDash/>
-          </a:ln>
-        </p:spPr>
-        <p:txBody>
-          <a:bodyPr wrap="square" lIns="89535" tIns="46355" rIns="89535" bIns="46355" numCol="1" vert="horz" anchor="t">
-            <a:spAutoFit/>
-          </a:bodyPr>
-          <a:lstStyle/>
-          <a:p>
-            <a:pPr marL="0" indent="0" algn="l" latinLnBrk="0" hangingPunct="1">
-              <a:buFontTx/>
-              <a:buNone/>
-            </a:pPr>
-            <a:r>
-              <a:rPr lang="ko-KR" sz="2000" b="1">
-                <a:solidFill>
-                  <a:srgbClr val="0611F2"/>
-                </a:solidFill>
-                <a:latin typeface="맑은 고딕" charset="0"/>
-                <a:ea typeface="맑은 고딕" charset="0"/>
-              </a:rPr>
-              <a:t>20</a:t>
-            </a:r>
-            <a:r>
-              <a:rPr sz="2000" b="1">
-                <a:solidFill>
-                  <a:srgbClr val="0611F2"/>
-                </a:solidFill>
-                <a:latin typeface="맑은 고딕" charset="0"/>
-                <a:ea typeface="맑은 고딕" charset="0"/>
-              </a:rPr>
-              <a:t>. </a:t>
-            </a:r>
-            <a:r>
-              <a:rPr lang="ko-KR" sz="1800">
-                <a:latin typeface="맑은 고딕" charset="0"/>
-                <a:ea typeface="맑은 고딕" charset="0"/>
-              </a:rPr>
-              <a:t>마지막으로</a:t>
-            </a:r>
-            <a:r>
-              <a:rPr lang="ko-KR" sz="1800">
-                <a:latin typeface="맑은 고딕" charset="0"/>
-                <a:ea typeface="맑은 고딕" charset="0"/>
-              </a:rPr>
-              <a:t> </a:t>
-            </a:r>
-            <a:r>
-              <a:rPr lang="ko-KR" sz="1800">
-                <a:latin typeface="맑은 고딕" charset="0"/>
-                <a:ea typeface="맑은 고딕" charset="0"/>
-              </a:rPr>
-              <a:t>Prefab 폴더에 있는 Orc 오브젝트를 선택하고 Delete 스크립트라는 컴포넌트를 추가합니다.</a:t>
-            </a:r>
-            <a:endParaRPr lang="ko-KR" altLang="en-US" sz="1800">
-              <a:latin typeface="맑은 고딕" charset="0"/>
-              <a:ea typeface="맑은 고딕" charset="0"/>
-            </a:endParaRPr>
-          </a:p>
-        </p:txBody>
-      </p:sp>
-      <p:sp>
-        <p:nvSpPr>
-          <p:cNvPr id="1090" name="Rect 0"/>
-          <p:cNvSpPr txBox="1">
-            <a:spLocks/>
-          </p:cNvSpPr>
-          <p:nvPr/>
-        </p:nvSpPr>
-        <p:spPr>
-          <a:xfrm rot="0">
-            <a:off x="1222375" y="3195320"/>
-            <a:ext cx="4173220" cy="647065"/>
-          </a:xfrm>
-          <a:prstGeom prst="rect"/>
-          <a:noFill/>
-          <a:ln w="0">
-            <a:noFill/>
-            <a:prstDash/>
-          </a:ln>
-        </p:spPr>
-        <p:txBody>
-          <a:bodyPr wrap="square" lIns="89535" tIns="46355" rIns="89535" bIns="46355" vert="horz" anchor="t">
-            <a:spAutoFit/>
-          </a:bodyPr>
-          <a:lstStyle/>
-          <a:p>
-            <a:pPr marL="0" indent="0" rtl="0" algn="l" defTabSz="914400" eaLnBrk="1" latinLnBrk="0" hangingPunct="1">
-              <a:buFontTx/>
-              <a:buNone/>
-            </a:pPr>
-            <a:r>
-              <a:rPr sz="1800" b="1">
-                <a:solidFill>
-                  <a:srgbClr val="0611F2"/>
-                </a:solidFill>
-                <a:latin typeface="맑은 고딕" charset="0"/>
-                <a:ea typeface="맑은 고딕" charset="0"/>
-              </a:rPr>
-              <a:t>1</a:t>
-            </a:r>
-            <a:r>
-              <a:rPr lang="ko-KR" sz="1800" b="1">
-                <a:solidFill>
-                  <a:srgbClr val="0611F2"/>
-                </a:solidFill>
-                <a:latin typeface="맑은 고딕" charset="0"/>
-                <a:ea typeface="맑은 고딕" charset="0"/>
-              </a:rPr>
-              <a:t>9</a:t>
-            </a:r>
-            <a:r>
-              <a:rPr sz="1800" b="1">
-                <a:solidFill>
-                  <a:srgbClr val="0611F2"/>
-                </a:solidFill>
-                <a:latin typeface="맑은 고딕" charset="0"/>
-                <a:ea typeface="맑은 고딕" charset="0"/>
-              </a:rPr>
-              <a:t>.</a:t>
-            </a:r>
-            <a:r>
-              <a:rPr sz="1800">
-                <a:latin typeface="맑은 고딕" charset="0"/>
-                <a:ea typeface="맑은 고딕" charset="0"/>
-              </a:rPr>
-              <a:t> </a:t>
-            </a:r>
-            <a:r>
-              <a:rPr sz="1800">
-                <a:latin typeface="맑은 고딕" charset="0"/>
-                <a:ea typeface="맑은 고딕" charset="0"/>
-              </a:rPr>
-              <a:t>그다음으</a:t>
-            </a:r>
-            <a:r>
-              <a:rPr lang="ko-KR" sz="1800">
-                <a:latin typeface="맑은 고딕" charset="0"/>
-                <a:ea typeface="맑은 고딕" charset="0"/>
-              </a:rPr>
-              <a:t>로 C# Script를 생성하고 Delete라는 이름으로 정의합니다.</a:t>
-            </a:r>
-            <a:endParaRPr lang="ko-KR" altLang="en-US" sz="1800">
-              <a:latin typeface="맑은 고딕" charset="0"/>
-              <a:ea typeface="맑은 고딕" charset="0"/>
-            </a:endParaRPr>
-          </a:p>
-        </p:txBody>
-      </p:sp>
-      <p:pic>
-        <p:nvPicPr>
-          <p:cNvPr id="1096" name="Picture "/>
-          <p:cNvPicPr>
-            <a:picLocks noChangeAspect="1"/>
-          </p:cNvPicPr>
-          <p:nvPr/>
-        </p:nvPicPr>
-        <p:blipFill rotWithShape="1">
-          <a:blip r:embed="rId2" cstate="hqprint">
-            <a:extLst>
-              <a:ext uri="{28A0092B-C50C-407E-A947-70E740481C1C}">
-                <a14:useLocalDpi xmlns:a14="http://schemas.microsoft.com/office/drawing/2010/main"/>
-              </a:ext>
-            </a:extLst>
-          </a:blip>
-          <a:stretch>
-            <a:fillRect/>
-          </a:stretch>
-        </p:blipFill>
-        <p:spPr>
-          <a:xfrm rot="0">
-            <a:off x="2976245" y="3988435"/>
-            <a:ext cx="2428240" cy="1194435"/>
-          </a:xfrm>
-          <a:prstGeom prst="roundRect"/>
-          <a:solidFill>
-            <a:srgbClr val="EDEDED"/>
-          </a:solidFill>
-        </p:spPr>
-      </p:pic>
-      <p:pic>
-        <p:nvPicPr>
-          <p:cNvPr id="1098" name="그림 38"/>
-          <p:cNvPicPr>
-            <a:picLocks noChangeAspect="1"/>
-          </p:cNvPicPr>
-          <p:nvPr/>
-        </p:nvPicPr>
-        <p:blipFill rotWithShape="1">
-          <a:blip r:embed="rId3" cstate="print">
-            <a:extLst>
-              <a:ext uri="{28A0092B-C50C-407E-A947-70E740481C1C}">
-                <a14:useLocalDpi xmlns:a14="http://schemas.microsoft.com/office/drawing/2010/main" val="0"/>
-              </a:ext>
-            </a:extLst>
-          </a:blip>
-          <a:stretch>
-            <a:fillRect/>
-          </a:stretch>
-        </p:blipFill>
-        <p:spPr>
-          <a:xfrm rot="0">
-            <a:off x="1219200" y="3977640"/>
-            <a:ext cx="1649730" cy="1213485"/>
-          </a:xfrm>
-          <a:prstGeom prst="roundRect"/>
-          <a:solidFill>
-            <a:srgbClr val="EDEDED"/>
-          </a:solidFill>
-        </p:spPr>
-      </p:pic>
-      <p:pic>
-        <p:nvPicPr>
-          <p:cNvPr id="1099" name="그림 41"/>
-          <p:cNvPicPr>
-            <a:picLocks noChangeAspect="1"/>
-          </p:cNvPicPr>
-          <p:nvPr/>
-        </p:nvPicPr>
-        <p:blipFill rotWithShape="1">
-          <a:blip r:embed="rId4" cstate="print">
-            <a:extLst>
-              <a:ext uri="{28A0092B-C50C-407E-A947-70E740481C1C}">
-                <a14:useLocalDpi xmlns:a14="http://schemas.microsoft.com/office/drawing/2010/main" val="0"/>
-              </a:ext>
-            </a:extLst>
-          </a:blip>
-          <a:stretch>
-            <a:fillRect/>
-          </a:stretch>
-        </p:blipFill>
-        <p:spPr>
-          <a:xfrm rot="0">
-            <a:off x="4355465" y="1746250"/>
-            <a:ext cx="849630" cy="939165"/>
-          </a:xfrm>
-          <a:prstGeom prst="roundRect"/>
-          <a:solidFill>
-            <a:srgbClr val="EDEDED"/>
-          </a:solidFill>
-        </p:spPr>
-      </p:pic>
-      <p:pic>
-        <p:nvPicPr>
-          <p:cNvPr id="1100" name="그림 44"/>
-          <p:cNvPicPr>
-            <a:picLocks noChangeAspect="1"/>
-          </p:cNvPicPr>
-          <p:nvPr/>
-        </p:nvPicPr>
-        <p:blipFill rotWithShape="1">
-          <a:blip r:embed="rId5" cstate="print">
-            <a:extLst>
-              <a:ext uri="{28A0092B-C50C-407E-A947-70E740481C1C}">
-                <a14:useLocalDpi xmlns:a14="http://schemas.microsoft.com/office/drawing/2010/main" val="0"/>
-              </a:ext>
-            </a:extLst>
-          </a:blip>
-          <a:stretch>
-            <a:fillRect/>
-          </a:stretch>
-        </p:blipFill>
-        <p:spPr>
-          <a:xfrm rot="0">
-            <a:off x="1221740" y="1337945"/>
-            <a:ext cx="1783715" cy="1762760"/>
-          </a:xfrm>
-          <a:prstGeom prst="roundRect"/>
-          <a:solidFill>
-            <a:srgbClr val="EDEDED"/>
-          </a:solidFill>
-        </p:spPr>
-      </p:pic>
-      <p:pic>
-        <p:nvPicPr>
-          <p:cNvPr id="1101" name="그림 51"/>
-          <p:cNvPicPr>
-            <a:picLocks noChangeAspect="1"/>
-          </p:cNvPicPr>
-          <p:nvPr/>
-        </p:nvPicPr>
-        <p:blipFill rotWithShape="1">
-          <a:blip r:embed="rId6" cstate="hqprint">
-            <a:extLst>
-              <a:ext uri="{28A0092B-C50C-407E-A947-70E740481C1C}">
-                <a14:useLocalDpi xmlns:a14="http://schemas.microsoft.com/office/drawing/2010/main"/>
-              </a:ext>
-            </a:extLst>
-          </a:blip>
-          <a:stretch>
-            <a:fillRect/>
-          </a:stretch>
-        </p:blipFill>
-        <p:spPr>
-          <a:xfrm rot="0">
-            <a:off x="3152140" y="2019300"/>
-            <a:ext cx="1022350" cy="426720"/>
-          </a:xfrm>
-          <a:prstGeom prst="rect"/>
-          <a:noFill/>
-        </p:spPr>
-      </p:pic>
       <p:pic>
         <p:nvPicPr>
           <p:cNvPr id="1102" name="그림 54"/>

--- a/Assets/Class/Instantiate & Destroy/PPT Data/Instatiate and Destroy Example.pptx
+++ b/Assets/Class/Instantiate & Destroy/PPT Data/Instatiate and Destroy Example.pptx
@@ -2,7 +2,7 @@
 <file path=ppt/presentation.xml><?xml version="1.0" encoding="utf-8"?>
 <p:presentation xmlns:a="http://schemas.openxmlformats.org/drawingml/2006/main" xmlns:r="http://schemas.openxmlformats.org/officeDocument/2006/relationships" xmlns:p="http://schemas.openxmlformats.org/presentationml/2006/main" xmlns:p14="http://schemas.microsoft.com/office/powerpoint/2010/main" saveSubsetFonts="1" firstSlideNum="0">
   <p:sldMasterIdLst>
-    <p:sldMasterId id="2147485864" r:id="rId12"/>
+    <p:sldMasterId id="2147485874" r:id="rId12"/>
   </p:sldMasterIdLst>
   <p:notesMasterIdLst>
     <p:notesMasterId r:id="rId14"/>
@@ -10,15 +10,15 @@
   <p:sldIdLst>
     <p:sldId id="293" r:id="rId16"/>
     <p:sldId id="305" r:id="rId18"/>
-    <p:sldId id="294" r:id="rId19"/>
-    <p:sldId id="295" r:id="rId20"/>
-    <p:sldId id="306" r:id="rId21"/>
-    <p:sldId id="307" r:id="rId22"/>
-    <p:sldId id="288" r:id="rId23"/>
-    <p:sldId id="308" r:id="rId24"/>
-    <p:sldId id="301" r:id="rId25"/>
-    <p:sldId id="287" r:id="rId26"/>
-    <p:sldId id="304" r:id="rId27"/>
+    <p:sldId id="294" r:id="rId20"/>
+    <p:sldId id="295" r:id="rId22"/>
+    <p:sldId id="306" r:id="rId24"/>
+    <p:sldId id="307" r:id="rId25"/>
+    <p:sldId id="288" r:id="rId26"/>
+    <p:sldId id="308" r:id="rId28"/>
+    <p:sldId id="309" r:id="rId30"/>
+    <p:sldId id="287" r:id="rId31"/>
+    <p:sldId id="304" r:id="rId32"/>
   </p:sldIdLst>
   <p:sldSz cx="12192000" cy="6858000"/>
   <p:notesSz cx="6858000" cy="9144000"/>
@@ -7581,8 +7581,8 @@
         </p:nvSpPr>
         <p:spPr>
           <a:xfrm rot="0">
-            <a:off x="5285740" y="509905"/>
-            <a:ext cx="1621790" cy="554990"/>
+            <a:off x="4961255" y="363855"/>
+            <a:ext cx="2266315" cy="478155"/>
           </a:xfrm>
           <a:prstGeom prst="rect"/>
           <a:noFill/>
@@ -7597,26 +7597,26 @@
           </a:bodyPr>
           <a:lstStyle/>
           <a:p>
-            <a:pPr marL="0" indent="0" algn="l" latinLnBrk="0">
-              <a:buFontTx/>
-              <a:buNone/>
-            </a:pPr>
-            <a:r>
-              <a:rPr lang="ko-KR" altLang="en-US" sz="3000" b="1">
+            <a:pPr marL="0" indent="0" algn="ctr" latinLnBrk="0">
+              <a:buFontTx/>
+              <a:buNone/>
+            </a:pPr>
+            <a:r>
+              <a:rPr lang="ko-KR" altLang="en-US" sz="2500" b="1">
                 <a:solidFill>
                   <a:schemeClr val="tx1"/>
                 </a:solidFill>
-                <a:latin typeface="맑은 고딕" charset="0"/>
-                <a:ea typeface="맑은 고딕" charset="0"/>
+                <a:latin typeface="나눔바른고딕" charset="0"/>
+                <a:ea typeface="나눔바른고딕" charset="0"/>
               </a:rPr>
               <a:t>Destory</a:t>
             </a:r>
-            <a:endParaRPr lang="ko-KR" altLang="en-US" sz="3000" b="1">
+            <a:endParaRPr lang="ko-KR" altLang="en-US" sz="2500" b="1">
               <a:solidFill>
                 <a:schemeClr val="tx1"/>
               </a:solidFill>
-              <a:latin typeface="맑은 고딕" charset="0"/>
-              <a:ea typeface="맑은 고딕" charset="0"/>
+              <a:latin typeface="나눔바른고딕" charset="0"/>
+              <a:ea typeface="나눔바른고딕" charset="0"/>
             </a:endParaRPr>
           </a:p>
         </p:txBody>
@@ -7631,8 +7631,8 @@
         </p:nvSpPr>
         <p:spPr>
           <a:xfrm rot="0">
-            <a:off x="1047750" y="1619885"/>
-            <a:ext cx="4319270" cy="4246245"/>
+            <a:off x="1240790" y="1456055"/>
+            <a:ext cx="4137660" cy="647065"/>
           </a:xfrm>
           <a:prstGeom prst="rect"/>
           <a:noFill/>
@@ -7670,230 +7670,41 @@
                 <a:latin typeface="맑은 고딕" charset="0"/>
                 <a:ea typeface="맑은 고딕" charset="0"/>
               </a:rPr>
-              <a:t>파괴하는</a:t>
-            </a:r>
-            <a:r>
-              <a:rPr lang="ko-KR" sz="1800">
-                <a:latin typeface="맑은 고딕" charset="0"/>
-                <a:ea typeface="맑은 고딕" charset="0"/>
-              </a:rPr>
-              <a:t> 함수입니다.</a:t>
+              <a:t>일정</a:t>
+            </a:r>
+            <a:r>
+              <a:rPr lang="ko-KR" sz="1800">
+                <a:latin typeface="맑은 고딕" charset="0"/>
+                <a:ea typeface="맑은 고딕" charset="0"/>
+              </a:rPr>
+              <a:t> </a:t>
+            </a:r>
+            <a:r>
+              <a:rPr lang="ko-KR" sz="1800">
+                <a:latin typeface="맑은 고딕" charset="0"/>
+                <a:ea typeface="맑은 고딕" charset="0"/>
+              </a:rPr>
+              <a:t>시간</a:t>
+            </a:r>
+            <a:r>
+              <a:rPr lang="ko-KR" sz="1800">
+                <a:latin typeface="맑은 고딕" charset="0"/>
+                <a:ea typeface="맑은 고딕" charset="0"/>
+              </a:rPr>
+              <a:t> 후에 </a:t>
+            </a:r>
+            <a:r>
+              <a:rPr lang="ko-KR" sz="1800">
+                <a:latin typeface="맑은 고딕" charset="0"/>
+                <a:ea typeface="맑은 고딕" charset="0"/>
+              </a:rPr>
+              <a:t>파괴하는 함수입니다.</a:t>
             </a:r>
             <a:endParaRPr lang="ko-KR" altLang="en-US" sz="1800">
               <a:latin typeface="맑은 고딕" charset="0"/>
               <a:ea typeface="맑은 고딕" charset="0"/>
             </a:endParaRPr>
           </a:p>
-          <a:p>
-            <a:pPr marL="0" indent="0" algn="l" latinLnBrk="0" hangingPunct="1">
-              <a:buFontTx/>
-              <a:buNone/>
-            </a:pPr>
-            <a:endParaRPr lang="ko-KR" altLang="en-US" sz="1800">
-              <a:latin typeface="맑은 고딕" charset="0"/>
-              <a:ea typeface="맑은 고딕" charset="0"/>
-            </a:endParaRPr>
-          </a:p>
-          <a:p>
-            <a:pPr marL="0" indent="0" algn="l" latinLnBrk="0" hangingPunct="1">
-              <a:buFontTx/>
-              <a:buNone/>
-            </a:pPr>
-            <a:r>
-              <a:rPr lang="ko-KR" sz="1800">
-                <a:latin typeface="맑은 고딕" charset="0"/>
-                <a:ea typeface="맑은 고딕" charset="0"/>
-              </a:rPr>
-              <a:t>일정</a:t>
-            </a:r>
-            <a:r>
-              <a:rPr lang="ko-KR" sz="1800">
-                <a:latin typeface="맑은 고딕" charset="0"/>
-                <a:ea typeface="맑은 고딕" charset="0"/>
-              </a:rPr>
-              <a:t> 시간을 설정하고 일정 시간 후에 </a:t>
-            </a:r>
-            <a:r>
-              <a:rPr lang="ko-KR" sz="1800">
-                <a:latin typeface="맑은 고딕" charset="0"/>
-                <a:ea typeface="맑은 고딕" charset="0"/>
-              </a:rPr>
-              <a:t>파괴할</a:t>
-            </a:r>
-            <a:r>
-              <a:rPr lang="ko-KR" sz="1800">
-                <a:latin typeface="맑은 고딕" charset="0"/>
-                <a:ea typeface="맑은 고딕" charset="0"/>
-              </a:rPr>
-              <a:t> 수 있도록 설정할 수도 있습니다.</a:t>
-            </a:r>
-            <a:endParaRPr lang="ko-KR" altLang="en-US" sz="1800">
-              <a:latin typeface="맑은 고딕" charset="0"/>
-              <a:ea typeface="맑은 고딕" charset="0"/>
-            </a:endParaRPr>
-          </a:p>
-          <a:p>
-            <a:pPr marL="0" indent="0" algn="l" latinLnBrk="0" hangingPunct="1">
-              <a:buFontTx/>
-              <a:buNone/>
-            </a:pPr>
-            <a:endParaRPr lang="ko-KR" altLang="en-US" sz="1800">
-              <a:latin typeface="맑은 고딕" charset="0"/>
-              <a:ea typeface="맑은 고딕" charset="0"/>
-            </a:endParaRPr>
-          </a:p>
-          <a:p>
-            <a:pPr marL="0" indent="0" algn="l" latinLnBrk="0" hangingPunct="1">
-              <a:buFontTx/>
-              <a:buNone/>
-            </a:pPr>
-            <a:r>
-              <a:rPr lang="ko-KR" sz="1800">
-                <a:latin typeface="맑은 고딕" charset="0"/>
-                <a:ea typeface="맑은 고딕" charset="0"/>
-              </a:rPr>
-              <a:t>게임</a:t>
-            </a:r>
-            <a:r>
-              <a:rPr lang="ko-KR" sz="1800">
-                <a:latin typeface="맑은 고딕" charset="0"/>
-                <a:ea typeface="맑은 고딕" charset="0"/>
-              </a:rPr>
-              <a:t> 오브젝트가 메모리에서 해제되면 </a:t>
-            </a:r>
-            <a:r>
-              <a:rPr lang="ko-KR" sz="1800">
-                <a:latin typeface="맑은 고딕" charset="0"/>
-                <a:ea typeface="맑은 고딕" charset="0"/>
-              </a:rPr>
-              <a:t>Object의</a:t>
-            </a:r>
-            <a:r>
-              <a:rPr lang="ko-KR" sz="1800">
-                <a:latin typeface="맑은 고딕" charset="0"/>
-                <a:ea typeface="맑은 고딕" charset="0"/>
-              </a:rPr>
-              <a:t> == 연산자 오버로딩으로 </a:t>
-            </a:r>
-            <a:r>
-              <a:rPr lang="ko-KR" sz="1800">
-                <a:latin typeface="맑은 고딕" charset="0"/>
-                <a:ea typeface="맑은 고딕" charset="0"/>
-              </a:rPr>
-              <a:t>인하여</a:t>
-            </a:r>
-            <a:r>
-              <a:rPr lang="ko-KR" sz="1800">
-                <a:latin typeface="맑은 고딕" charset="0"/>
-                <a:ea typeface="맑은 고딕" charset="0"/>
-              </a:rPr>
-              <a:t> </a:t>
-            </a:r>
-            <a:r>
-              <a:rPr lang="ko-KR" sz="1800">
-                <a:latin typeface="맑은 고딕" charset="0"/>
-                <a:ea typeface="맑은 고딕" charset="0"/>
-              </a:rPr>
-              <a:t>해제된</a:t>
-            </a:r>
-            <a:r>
-              <a:rPr lang="ko-KR" sz="1800">
-                <a:latin typeface="맑은 고딕" charset="0"/>
-                <a:ea typeface="맑은 고딕" charset="0"/>
-              </a:rPr>
-              <a:t> 객체를 확인할 수 </a:t>
-            </a:r>
-            <a:r>
-              <a:rPr lang="ko-KR" sz="1800">
-                <a:latin typeface="맑은 고딕" charset="0"/>
-                <a:ea typeface="맑은 고딕" charset="0"/>
-              </a:rPr>
-              <a:t>있습니다.</a:t>
-            </a:r>
-            <a:endParaRPr lang="ko-KR" altLang="en-US" sz="1800">
-              <a:latin typeface="맑은 고딕" charset="0"/>
-              <a:ea typeface="맑은 고딕" charset="0"/>
-            </a:endParaRPr>
-          </a:p>
-          <a:p>
-            <a:pPr marL="0" indent="0" algn="l" latinLnBrk="0" hangingPunct="1">
-              <a:buFontTx/>
-              <a:buNone/>
-            </a:pPr>
-            <a:endParaRPr lang="ko-KR" altLang="en-US" sz="1800">
-              <a:latin typeface="맑은 고딕" charset="0"/>
-              <a:ea typeface="맑은 고딕" charset="0"/>
-            </a:endParaRPr>
-          </a:p>
-          <a:p>
-            <a:pPr marL="0" indent="0" algn="l" latinLnBrk="0" hangingPunct="1">
-              <a:buFontTx/>
-              <a:buNone/>
-            </a:pPr>
-            <a:r>
-              <a:rPr lang="ko-KR" sz="1800">
-                <a:latin typeface="맑은 고딕" charset="0"/>
-                <a:ea typeface="맑은 고딕" charset="0"/>
-              </a:rPr>
-              <a:t>객체가</a:t>
-            </a:r>
-            <a:r>
-              <a:rPr lang="ko-KR" sz="1800">
-                <a:latin typeface="맑은 고딕" charset="0"/>
-                <a:ea typeface="맑은 고딕" charset="0"/>
-              </a:rPr>
-              <a:t> 메모리에서 해제되었을 때</a:t>
-            </a:r>
-            <a:endParaRPr lang="ko-KR" altLang="en-US" sz="1800">
-              <a:latin typeface="맑은 고딕" charset="0"/>
-              <a:ea typeface="맑은 고딕" charset="0"/>
-            </a:endParaRPr>
-          </a:p>
-          <a:p>
-            <a:pPr marL="0" indent="0" algn="l" latinLnBrk="0" hangingPunct="1">
-              <a:buFontTx/>
-              <a:buNone/>
-            </a:pPr>
-            <a:r>
-              <a:rPr lang="ko-KR" sz="1800">
-                <a:latin typeface="맑은 고딕" charset="0"/>
-                <a:ea typeface="맑은 고딕" charset="0"/>
-              </a:rPr>
-              <a:t>객체를</a:t>
-            </a:r>
-            <a:r>
-              <a:rPr lang="ko-KR" sz="1800">
-                <a:latin typeface="맑은 고딕" charset="0"/>
-                <a:ea typeface="맑은 고딕" charset="0"/>
-              </a:rPr>
-              <a:t> 참조하는 참조 변수들은 허상 </a:t>
-            </a:r>
-            <a:r>
-              <a:rPr lang="ko-KR" sz="1800">
-                <a:latin typeface="맑은 고딕" charset="0"/>
-                <a:ea typeface="맑은 고딕" charset="0"/>
-              </a:rPr>
-              <a:t>포인터가</a:t>
-            </a:r>
-            <a:r>
-              <a:rPr lang="ko-KR" sz="1800">
-                <a:latin typeface="맑은 고딕" charset="0"/>
-                <a:ea typeface="맑은 고딕" charset="0"/>
-              </a:rPr>
-              <a:t> 되지 않도록 null을 가리키도록 </a:t>
-            </a:r>
-            <a:r>
-              <a:rPr lang="ko-KR" sz="1800">
-                <a:latin typeface="맑은 고딕" charset="0"/>
-                <a:ea typeface="맑은 고딕" charset="0"/>
-              </a:rPr>
-              <a:t>설정합니다.</a:t>
-            </a:r>
-            <a:endParaRPr lang="ko-KR" altLang="en-US" sz="1800">
-              <a:latin typeface="맑은 고딕" charset="0"/>
-              <a:ea typeface="맑은 고딕" charset="0"/>
-            </a:endParaRPr>
-          </a:p>
         </p:txBody>
       </p:sp>
       <p:sp>
@@ -7906,8 +7717,8 @@
         </p:nvSpPr>
         <p:spPr>
           <a:xfrm rot="0">
-            <a:off x="6830695" y="5514340"/>
-            <a:ext cx="4117975" cy="647065"/>
+            <a:off x="1240790" y="4464050"/>
+            <a:ext cx="4137660" cy="1754505"/>
           </a:xfrm>
           <a:prstGeom prst="rect"/>
           <a:noFill/>
@@ -7931,74 +7742,195 @@
                 <a:latin typeface="맑은 고딕" charset="0"/>
                 <a:ea typeface="맑은 고딕" charset="0"/>
               </a:rPr>
-              <a:t>C#</a:t>
-            </a:r>
-            <a:r>
-              <a:rPr lang="ko-KR" sz="1800">
-                <a:latin typeface="맑은 고딕" charset="0"/>
-                <a:ea typeface="맑은 고딕" charset="0"/>
-              </a:rPr>
-              <a:t> </a:t>
-            </a:r>
-            <a:r>
-              <a:rPr lang="ko-KR" sz="1800">
-                <a:latin typeface="맑은 고딕" charset="0"/>
-                <a:ea typeface="맑은 고딕" charset="0"/>
-              </a:rPr>
-              <a:t>UnityEngine.Object는</a:t>
-            </a:r>
-            <a:r>
-              <a:rPr lang="ko-KR" sz="1800">
-                <a:latin typeface="맑은 고딕" charset="0"/>
-                <a:ea typeface="맑은 고딕" charset="0"/>
-              </a:rPr>
-              <a:t> 객체이기 </a:t>
-            </a:r>
-            <a:r>
-              <a:rPr lang="ko-KR" sz="1800">
-                <a:latin typeface="맑은 고딕" charset="0"/>
-                <a:ea typeface="맑은 고딕" charset="0"/>
-              </a:rPr>
-              <a:t>때문에</a:t>
-            </a:r>
-            <a:r>
-              <a:rPr lang="ko-KR" sz="1800">
-                <a:latin typeface="맑은 고딕" charset="0"/>
-                <a:ea typeface="맑은 고딕" charset="0"/>
-              </a:rPr>
-              <a:t> </a:t>
-            </a:r>
-            <a:r>
-              <a:rPr lang="ko-KR" sz="1800">
-                <a:latin typeface="맑은 고딕" charset="0"/>
-                <a:ea typeface="맑은 고딕" charset="0"/>
-              </a:rPr>
-              <a:t>해제되지</a:t>
-            </a:r>
-            <a:r>
-              <a:rPr lang="ko-KR" sz="1800">
-                <a:latin typeface="맑은 고딕" charset="0"/>
-                <a:ea typeface="맑은 고딕" charset="0"/>
-              </a:rPr>
-              <a:t> 않습니다.</a:t>
+              <a:t>Destroy(</a:t>
+            </a:r>
+            <a:r>
+              <a:rPr lang="ko-KR" sz="1800">
+                <a:latin typeface="맑은 고딕" charset="0"/>
+                <a:ea typeface="맑은 고딕" charset="0"/>
+              </a:rPr>
+              <a:t> ) 함수로 게임 오브젝트를 </a:t>
+            </a:r>
+            <a:r>
+              <a:rPr lang="ko-KR" sz="1800">
+                <a:latin typeface="맑은 고딕" charset="0"/>
+                <a:ea typeface="맑은 고딕" charset="0"/>
+              </a:rPr>
+              <a:t>파괴했을</a:t>
+            </a:r>
+            <a:r>
+              <a:rPr lang="ko-KR" sz="1800">
+                <a:latin typeface="맑은 고딕" charset="0"/>
+                <a:ea typeface="맑은 고딕" charset="0"/>
+              </a:rPr>
+              <a:t> 때 C++ nativeObject는 </a:t>
+            </a:r>
+            <a:r>
+              <a:rPr lang="ko-KR" sz="1800">
+                <a:latin typeface="맑은 고딕" charset="0"/>
+                <a:ea typeface="맑은 고딕" charset="0"/>
+              </a:rPr>
+              <a:t>메모리에서</a:t>
+            </a:r>
+            <a:r>
+              <a:rPr lang="ko-KR" sz="1800">
+                <a:latin typeface="맑은 고딕" charset="0"/>
+                <a:ea typeface="맑은 고딕" charset="0"/>
+              </a:rPr>
+              <a:t> 해제됩니다.</a:t>
             </a:r>
             <a:endParaRPr lang="ko-KR" altLang="en-US" sz="1800">
               <a:latin typeface="맑은 고딕" charset="0"/>
               <a:ea typeface="맑은 고딕" charset="0"/>
             </a:endParaRPr>
           </a:p>
+          <a:p>
+            <a:pPr marL="0" indent="0" algn="l" latinLnBrk="0" hangingPunct="1">
+              <a:buFontTx/>
+              <a:buNone/>
+            </a:pPr>
+            <a:endParaRPr lang="ko-KR" altLang="en-US" sz="1800">
+              <a:latin typeface="맑은 고딕" charset="0"/>
+              <a:ea typeface="맑은 고딕" charset="0"/>
+            </a:endParaRPr>
+          </a:p>
+          <a:p>
+            <a:pPr marL="0" indent="0" algn="l" latinLnBrk="0" hangingPunct="1">
+              <a:buFontTx/>
+              <a:buNone/>
+            </a:pPr>
+            <a:r>
+              <a:rPr lang="ko-KR" sz="1800">
+                <a:latin typeface="맑은 고딕" charset="0"/>
+                <a:ea typeface="맑은 고딕" charset="0"/>
+              </a:rPr>
+              <a:t>하지만,</a:t>
+            </a:r>
+            <a:r>
+              <a:rPr lang="ko-KR" sz="1800">
+                <a:latin typeface="맑은 고딕" charset="0"/>
+                <a:ea typeface="맑은 고딕" charset="0"/>
+              </a:rPr>
+              <a:t> </a:t>
+            </a:r>
+            <a:r>
+              <a:rPr lang="ko-KR" sz="1800">
+                <a:latin typeface="맑은 고딕" charset="0"/>
+                <a:ea typeface="맑은 고딕" charset="0"/>
+              </a:rPr>
+              <a:t>C#</a:t>
+            </a:r>
+            <a:r>
+              <a:rPr lang="ko-KR" sz="1800">
+                <a:latin typeface="맑은 고딕" charset="0"/>
+                <a:ea typeface="맑은 고딕" charset="0"/>
+              </a:rPr>
+              <a:t> </a:t>
+            </a:r>
+            <a:r>
+              <a:rPr lang="ko-KR" sz="1800">
+                <a:latin typeface="맑은 고딕" charset="0"/>
+                <a:ea typeface="맑은 고딕" charset="0"/>
+              </a:rPr>
+              <a:t>UnityEngine.Object는</a:t>
+            </a:r>
+            <a:r>
+              <a:rPr lang="ko-KR" sz="1800">
+                <a:latin typeface="맑은 고딕" charset="0"/>
+                <a:ea typeface="맑은 고딕" charset="0"/>
+              </a:rPr>
+              <a:t> </a:t>
+            </a:r>
+            <a:r>
+              <a:rPr lang="ko-KR" sz="1800">
+                <a:latin typeface="맑은 고딕" charset="0"/>
+                <a:ea typeface="맑은 고딕" charset="0"/>
+              </a:rPr>
+              <a:t>객체이기</a:t>
+            </a:r>
+            <a:r>
+              <a:rPr lang="ko-KR" sz="1800">
+                <a:latin typeface="맑은 고딕" charset="0"/>
+                <a:ea typeface="맑은 고딕" charset="0"/>
+              </a:rPr>
+              <a:t> </a:t>
+            </a:r>
+            <a:r>
+              <a:rPr lang="ko-KR" sz="1800">
+                <a:latin typeface="맑은 고딕" charset="0"/>
+                <a:ea typeface="맑은 고딕" charset="0"/>
+              </a:rPr>
+              <a:t>때문에</a:t>
+            </a:r>
+            <a:r>
+              <a:rPr lang="ko-KR" sz="1800">
+                <a:latin typeface="맑은 고딕" charset="0"/>
+                <a:ea typeface="맑은 고딕" charset="0"/>
+              </a:rPr>
+              <a:t> </a:t>
+            </a:r>
+            <a:r>
+              <a:rPr lang="ko-KR" sz="1800">
+                <a:latin typeface="맑은 고딕" charset="0"/>
+                <a:ea typeface="맑은 고딕" charset="0"/>
+              </a:rPr>
+              <a:t>해제되지</a:t>
+            </a:r>
+            <a:r>
+              <a:rPr lang="ko-KR" sz="1800">
+                <a:latin typeface="맑은 고딕" charset="0"/>
+                <a:ea typeface="맑은 고딕" charset="0"/>
+              </a:rPr>
+              <a:t> 않습니다.</a:t>
+            </a:r>
+            <a:endParaRPr lang="ko-KR" altLang="en-US" sz="1800">
+              <a:latin typeface="맑은 고딕" charset="0"/>
+              <a:ea typeface="맑은 고딕" charset="0"/>
+            </a:endParaRPr>
+          </a:p>
         </p:txBody>
       </p:sp>
       <p:pic>
         <p:nvPicPr>
-          <p:cNvPr id="1110" name="그림 24" descr="C:/Users/Admin1/AppData/Roaming/PolarisOffice/ETemp/21916_16244272/fImage187452986500.png"/>
+          <p:cNvPr id="1110" name="그림 25" descr="C:/Users/Admin1/AppData/Roaming/PolarisOffice/ETemp/6964_10535456/fImage691572615724.png"/>
           <p:cNvPicPr>
             <a:picLocks noChangeAspect="1"/>
           </p:cNvPicPr>
           <p:nvPr/>
         </p:nvPicPr>
         <p:blipFill rotWithShape="1">
-          <a:blip r:embed="rId12" cstate="hqprint">
+          <a:blip r:embed="rId13" cstate="print">
+            <a:extLst>
+              <a:ext uri="{28A0092B-C50C-407E-A947-70E740481C1C}">
+                <a14:useLocalDpi xmlns:a14="http://schemas.microsoft.com/office/drawing/2010/main" val="0"/>
+              </a:ext>
+            </a:extLst>
+          </a:blip>
+          <a:stretch>
+            <a:fillRect/>
+          </a:stretch>
+        </p:blipFill>
+        <p:spPr>
+          <a:xfrm rot="0">
+            <a:off x="1235075" y="2251710"/>
+            <a:ext cx="4143375" cy="2052320"/>
+          </a:xfrm>
+          <a:prstGeom prst="roundRect"/>
+          <a:solidFill>
+            <a:srgbClr val="EDEDED"/>
+          </a:solidFill>
+        </p:spPr>
+      </p:pic>
+      <p:pic>
+        <p:nvPicPr>
+          <p:cNvPr id="1111" name="그림 29" descr="C:/Users/Admin1/AppData/Roaming/PolarisOffice/ETemp/6964_10535456/fImage75692641478.png"/>
+          <p:cNvPicPr>
+            <a:picLocks noChangeAspect="1"/>
+          </p:cNvPicPr>
+          <p:nvPr/>
+        </p:nvPicPr>
+        <p:blipFill rotWithShape="1">
+          <a:blip r:embed="rId14" cstate="hqprint">
             <a:extLst>
               <a:ext uri="{28A0092B-C50C-407E-A947-70E740481C1C}">
                 <a14:useLocalDpi xmlns:a14="http://schemas.microsoft.com/office/drawing/2010/main"/>
@@ -8011,8 +7943,8 @@
         </p:blipFill>
         <p:spPr>
           <a:xfrm rot="0">
-            <a:off x="6822440" y="2731770"/>
-            <a:ext cx="4135120" cy="2583180"/>
+            <a:off x="6832600" y="1463040"/>
+            <a:ext cx="2632710" cy="3888740"/>
           </a:xfrm>
           <a:prstGeom prst="roundRect"/>
           <a:solidFill>
@@ -8020,9 +7952,40 @@
           </a:solidFill>
         </p:spPr>
       </p:pic>
-      <p:sp>
-        <p:nvSpPr>
-          <p:cNvPr id="1111" name="텍스트 상자 78"/>
+      <p:pic>
+        <p:nvPicPr>
+          <p:cNvPr id="1112" name="그림 30" descr="C:/Users/Admin1/AppData/Roaming/PolarisOffice/ETemp/6964_10535456/fImage71672659358.png"/>
+          <p:cNvPicPr>
+            <a:picLocks noChangeAspect="1"/>
+          </p:cNvPicPr>
+          <p:nvPr/>
+        </p:nvPicPr>
+        <p:blipFill rotWithShape="1">
+          <a:blip r:embed="rId15" cstate="print">
+            <a:extLst>
+              <a:ext uri="{28A0092B-C50C-407E-A947-70E740481C1C}">
+                <a14:useLocalDpi xmlns:a14="http://schemas.microsoft.com/office/drawing/2010/main" val="0"/>
+              </a:ext>
+            </a:extLst>
+          </a:blip>
+          <a:stretch>
+            <a:fillRect/>
+          </a:stretch>
+        </p:blipFill>
+        <p:spPr>
+          <a:xfrm rot="0">
+            <a:off x="9620885" y="2286000"/>
+            <a:ext cx="1342390" cy="2243455"/>
+          </a:xfrm>
+          <a:prstGeom prst="roundRect"/>
+          <a:solidFill>
+            <a:srgbClr val="EDEDED"/>
+          </a:solidFill>
+        </p:spPr>
+      </p:pic>
+      <p:sp>
+        <p:nvSpPr>
+          <p:cNvPr id="1113" name="텍스트 상자 33"/>
           <p:cNvSpPr txBox="1">
             <a:spLocks/>
           </p:cNvSpPr>
@@ -8030,19 +7993,15 @@
         </p:nvSpPr>
         <p:spPr>
           <a:xfrm rot="0">
-            <a:off x="6822440" y="1554480"/>
-            <a:ext cx="4126230" cy="923925"/>
+            <a:off x="6831965" y="5593080"/>
+            <a:ext cx="4131310" cy="624840"/>
           </a:xfrm>
           <a:prstGeom prst="rect"/>
           <a:noFill/>
-          <a:ln w="0">
-            <a:noFill/>
-            <a:prstDash/>
-          </a:ln>
-        </p:spPr>
-        <p:txBody>
-          <a:bodyPr wrap="square" lIns="89535" tIns="46355" rIns="89535" bIns="46355" numCol="1" vert="horz" anchor="t">
-            <a:spAutoFit/>
+        </p:spPr>
+        <p:txBody>
+          <a:bodyPr wrap="square" lIns="0" tIns="0" rIns="0" bIns="0" numCol="1" vert="horz" anchor="t">
+            <a:noAutofit/>
           </a:bodyPr>
           <a:lstStyle/>
           <a:p>
@@ -8051,81 +8010,62 @@
               <a:buNone/>
             </a:pPr>
             <a:r>
-              <a:rPr lang="ko-KR" sz="1800">
-                <a:latin typeface="맑은 고딕" charset="0"/>
-                <a:ea typeface="맑은 고딕" charset="0"/>
-              </a:rPr>
-              <a:t>Destroy(</a:t>
-            </a:r>
-            <a:r>
-              <a:rPr lang="ko-KR" sz="1800">
-                <a:latin typeface="맑은 고딕" charset="0"/>
-                <a:ea typeface="맑은 고딕" charset="0"/>
-              </a:rPr>
-              <a:t> ) 함수로 게임 </a:t>
-            </a:r>
-            <a:r>
-              <a:rPr lang="ko-KR" sz="1800">
+              <a:rPr lang="ko-KR" sz="2000" b="1">
+                <a:solidFill>
+                  <a:srgbClr val="0611F2"/>
+                </a:solidFill>
+                <a:latin typeface="맑은 고딕" charset="0"/>
+                <a:ea typeface="맑은 고딕" charset="0"/>
+              </a:rPr>
+              <a:t>23</a:t>
+            </a:r>
+            <a:r>
+              <a:rPr sz="2000" b="1">
+                <a:solidFill>
+                  <a:srgbClr val="0611F2"/>
+                </a:solidFill>
+                <a:latin typeface="맑은 고딕" charset="0"/>
+                <a:ea typeface="맑은 고딕" charset="0"/>
+              </a:rPr>
+              <a:t>.</a:t>
+            </a:r>
+            <a:r>
+              <a:rPr sz="2000" b="1">
+                <a:solidFill>
+                  <a:srgbClr val="0611F2"/>
+                </a:solidFill>
+                <a:latin typeface="맑은 고딕" charset="0"/>
+                <a:ea typeface="맑은 고딕" charset="0"/>
+              </a:rPr>
+              <a:t> </a:t>
+            </a:r>
+            <a:r>
+              <a:rPr sz="1800">
+                <a:latin typeface="맑은 고딕" charset="0"/>
+                <a:ea typeface="맑은 고딕" charset="0"/>
+              </a:rPr>
+              <a:t>이제 Camera </a:t>
+            </a:r>
+            <a:r>
+              <a:rPr sz="1800">
                 <a:latin typeface="맑은 고딕" charset="0"/>
                 <a:ea typeface="맑은 고딕" charset="0"/>
               </a:rPr>
               <a:t>오브젝트를</a:t>
             </a:r>
             <a:r>
-              <a:rPr lang="ko-KR" sz="1800">
+              <a:rPr sz="1800">
                 <a:latin typeface="맑은 고딕" charset="0"/>
                 <a:ea typeface="맑은 고딕" charset="0"/>
               </a:rPr>
               <a:t> </a:t>
             </a:r>
             <a:r>
-              <a:rPr lang="ko-KR" sz="1800">
-                <a:latin typeface="맑은 고딕" charset="0"/>
-                <a:ea typeface="맑은 고딕" charset="0"/>
-              </a:rPr>
-              <a:t>파괴했을</a:t>
-            </a:r>
-            <a:r>
-              <a:rPr lang="ko-KR" sz="1800">
-                <a:latin typeface="맑은 고딕" charset="0"/>
-                <a:ea typeface="맑은 고딕" charset="0"/>
-              </a:rPr>
-              <a:t> 때 C++ </a:t>
-            </a:r>
-            <a:r>
-              <a:rPr lang="ko-KR" sz="1800">
-                <a:latin typeface="맑은 고딕" charset="0"/>
-                <a:ea typeface="맑은 고딕" charset="0"/>
-              </a:rPr>
-              <a:t>nativeObject는</a:t>
-            </a:r>
-            <a:r>
-              <a:rPr lang="ko-KR" sz="1800">
-                <a:latin typeface="맑은 고딕" charset="0"/>
-                <a:ea typeface="맑은 고딕" charset="0"/>
-              </a:rPr>
-              <a:t> </a:t>
-            </a:r>
-            <a:r>
-              <a:rPr lang="ko-KR" sz="1800">
-                <a:latin typeface="맑은 고딕" charset="0"/>
-                <a:ea typeface="맑은 고딕" charset="0"/>
-              </a:rPr>
-              <a:t>메모리에서</a:t>
-            </a:r>
-            <a:r>
-              <a:rPr lang="ko-KR" sz="1800">
-                <a:latin typeface="맑은 고딕" charset="0"/>
-                <a:ea typeface="맑은 고딕" charset="0"/>
-              </a:rPr>
-              <a:t> </a:t>
-            </a:r>
-            <a:r>
-              <a:rPr lang="ko-KR" sz="1800">
-                <a:latin typeface="맑은 고딕" charset="0"/>
-                <a:ea typeface="맑은 고딕" charset="0"/>
-              </a:rPr>
-              <a:t>해제됩니다.</a:t>
+              <a:rPr sz="1800">
+                <a:latin typeface="맑은 고딕" charset="0"/>
+                <a:ea typeface="맑은 고딕" charset="0"/>
+              </a:rPr>
+              <a:t>생성합니다.</a:t>
             </a:r>
             <a:endParaRPr lang="ko-KR" altLang="en-US" sz="1800">
               <a:latin typeface="맑은 고딕" charset="0"/>
@@ -10619,7 +10559,7 @@
 </file>
 
 <file path=ppt/slides/slide5.xml><?xml version="1.0" encoding="utf-8"?>
-<p:sld xmlns:a="http://schemas.openxmlformats.org/drawingml/2006/main" xmlns:r="http://schemas.openxmlformats.org/officeDocument/2006/relationships" xmlns:p="http://schemas.openxmlformats.org/presentationml/2006/main">
+<p:sld xmlns:a="http://schemas.openxmlformats.org/drawingml/2006/main" xmlns:r="http://schemas.openxmlformats.org/officeDocument/2006/relationships" xmlns:p="http://schemas.openxmlformats.org/presentationml/2006/main" xmlns:p14="http://schemas.microsoft.com/office/powerpoint/2010/main">
   <p:cSld>
     <p:spTree>
       <p:nvGrpSpPr>
@@ -11158,7 +11098,7 @@
       </p:sp>
       <p:pic>
         <p:nvPicPr>
-          <p:cNvPr id="1068" name="Picture " descr="C:/Users/Admin1/AppData/Roaming/PolarisOffice/ETemp/21916_16244272/fImage735932596962.png"/>
+          <p:cNvPr id="1068" name="Picture "/>
           <p:cNvPicPr>
             <a:picLocks noChangeAspect="1"/>
           </p:cNvPicPr>
@@ -11189,17 +11129,17 @@
       </p:pic>
       <p:pic>
         <p:nvPicPr>
-          <p:cNvPr id="1069" name="Picture " descr="C:/Users/Admin1/AppData/Roaming/PolarisOffice/ETemp/21916_16244272/fImage529592604464.png"/>
+          <p:cNvPr id="1069" name="Picture " descr="C:/Users/Admin1/AppData/Roaming/PolarisOffice/ETemp/6964_10535456/fImage529592604464.png"/>
           <p:cNvPicPr>
             <a:picLocks noChangeAspect="1"/>
           </p:cNvPicPr>
           <p:nvPr/>
         </p:nvPicPr>
         <p:blipFill rotWithShape="1">
-          <a:blip r:embed="rId3" cstate="print">
+          <a:blip r:embed="rId3" cstate="hqprint">
             <a:extLst>
               <a:ext uri="{28A0092B-C50C-407E-A947-70E740481C1C}">
-                <a14:useLocalDpi xmlns:a14="http://schemas.microsoft.com/office/drawing/2010/main" val="0"/>
+                <a14:useLocalDpi xmlns:a14="http://schemas.microsoft.com/office/drawing/2010/main"/>
               </a:ext>
             </a:extLst>
           </a:blip>
@@ -11210,7 +11150,7 @@
         <p:spPr>
           <a:xfrm rot="0">
             <a:off x="6813550" y="1456055"/>
-            <a:ext cx="4144010" cy="2515235"/>
+            <a:ext cx="4144645" cy="2498090"/>
           </a:xfrm>
           <a:prstGeom prst="roundRect"/>
           <a:solidFill>
@@ -11242,7 +11182,7 @@
 </file>
 
 <file path=ppt/slides/slide6.xml><?xml version="1.0" encoding="utf-8"?>
-<p:sld xmlns:a="http://schemas.openxmlformats.org/drawingml/2006/main" xmlns:r="http://schemas.openxmlformats.org/officeDocument/2006/relationships" xmlns:p="http://schemas.openxmlformats.org/presentationml/2006/main">
+<p:sld xmlns:a="http://schemas.openxmlformats.org/drawingml/2006/main" xmlns:r="http://schemas.openxmlformats.org/officeDocument/2006/relationships" xmlns:p="http://schemas.openxmlformats.org/presentationml/2006/main" xmlns:p14="http://schemas.microsoft.com/office/powerpoint/2010/main">
   <p:cSld>
     <p:spTree>
       <p:nvGrpSpPr>
@@ -11588,17 +11528,17 @@
       </p:sp>
       <p:pic>
         <p:nvPicPr>
-          <p:cNvPr id="1070" name="그림 55" descr="C:/Users/Admin1/AppData/Roaming/PolarisOffice/ETemp/21916_16244272/fImage677412915705.png"/>
+          <p:cNvPr id="1070" name="그림 55" descr="C:/Users/Admin1/AppData/Roaming/PolarisOffice/ETemp/6964_10535456/fImage677412915705.png"/>
           <p:cNvPicPr>
             <a:picLocks noChangeAspect="1"/>
           </p:cNvPicPr>
           <p:nvPr/>
         </p:nvPicPr>
         <p:blipFill rotWithShape="1">
-          <a:blip r:embed="rId2" cstate="print">
+          <a:blip r:embed="rId2" cstate="hqprint">
             <a:extLst>
               <a:ext uri="{28A0092B-C50C-407E-A947-70E740481C1C}">
-                <a14:useLocalDpi xmlns:a14="http://schemas.microsoft.com/office/drawing/2010/main" val="0"/>
+                <a14:useLocalDpi xmlns:a14="http://schemas.microsoft.com/office/drawing/2010/main"/>
               </a:ext>
             </a:extLst>
           </a:blip>
@@ -11608,8 +11548,8 @@
         </p:blipFill>
         <p:spPr>
           <a:xfrm rot="0">
-            <a:off x="1240790" y="1447165"/>
-            <a:ext cx="4152265" cy="2791460"/>
+            <a:off x="1249045" y="1447165"/>
+            <a:ext cx="4144645" cy="2792095"/>
           </a:xfrm>
           <a:prstGeom prst="roundRect"/>
           <a:solidFill>
@@ -11619,7 +11559,7 @@
       </p:pic>
       <p:pic>
         <p:nvPicPr>
-          <p:cNvPr id="1071" name="그림 58" descr="C:/Users/Admin1/AppData/Roaming/PolarisOffice/ETemp/21916_16244272/fImage192962919169.png"/>
+          <p:cNvPr id="1071" name="그림 58"/>
           <p:cNvPicPr>
             <a:picLocks noChangeAspect="1"/>
           </p:cNvPicPr>
@@ -13149,7 +13089,7 @@
 </file>
 
 <file path=ppt/slides/slide9.xml><?xml version="1.0" encoding="utf-8"?>
-<p:sld xmlns:a="http://schemas.openxmlformats.org/drawingml/2006/main" xmlns:r="http://schemas.openxmlformats.org/officeDocument/2006/relationships" xmlns:p="http://schemas.openxmlformats.org/presentationml/2006/main" xmlns:p14="http://schemas.microsoft.com/office/powerpoint/2010/main">
+<p:sld xmlns:a="http://schemas.openxmlformats.org/drawingml/2006/main" xmlns:r="http://schemas.openxmlformats.org/officeDocument/2006/relationships" xmlns:p="http://schemas.openxmlformats.org/presentationml/2006/main">
   <p:cSld>
     <p:spTree>
       <p:nvGrpSpPr>
@@ -13175,8 +13115,8 @@
         </p:nvSpPr>
         <p:spPr>
           <a:xfrm rot="0">
-            <a:off x="4353560" y="393065"/>
-            <a:ext cx="3500120" cy="554990"/>
+            <a:off x="4514215" y="350520"/>
+            <a:ext cx="3171190" cy="478155"/>
           </a:xfrm>
           <a:prstGeom prst="rect"/>
           <a:noFill/>
@@ -13191,50 +13131,466 @@
           </a:bodyPr>
           <a:lstStyle/>
           <a:p>
-            <a:pPr marL="0" indent="0" algn="l" latinLnBrk="0">
-              <a:buFontTx/>
-              <a:buNone/>
-            </a:pPr>
-            <a:r>
-              <a:rPr lang="ko-KR" altLang="en-US" sz="3000" b="1">
+            <a:pPr marL="0" indent="0" algn="ctr" latinLnBrk="0">
+              <a:buFontTx/>
+              <a:buNone/>
+            </a:pPr>
+            <a:r>
+              <a:rPr lang="ko-KR" altLang="en-US" sz="2500" b="1">
                 <a:solidFill>
                   <a:schemeClr val="tx1"/>
                 </a:solidFill>
-                <a:latin typeface="맑은 고딕" charset="0"/>
-                <a:ea typeface="맑은 고딕" charset="0"/>
-              </a:rPr>
-              <a:t>아홉</a:t>
-            </a:r>
-            <a:r>
-              <a:rPr lang="ko-KR" altLang="en-US" sz="3000" b="1">
+                <a:latin typeface="나눔바른고딕" charset="0"/>
+                <a:ea typeface="나눔바른고딕" charset="0"/>
+              </a:rPr>
+              <a:t>여덟</a:t>
+            </a:r>
+            <a:r>
+              <a:rPr lang="ko-KR" altLang="en-US" sz="2500" b="1">
                 <a:solidFill>
                   <a:schemeClr val="tx1"/>
                 </a:solidFill>
-                <a:latin typeface="맑은 고딕" charset="0"/>
-                <a:ea typeface="맑은 고딕" charset="0"/>
+                <a:latin typeface="나눔바른고딕" charset="0"/>
+                <a:ea typeface="나눔바른고딕" charset="0"/>
               </a:rPr>
               <a:t> 번째 튜토리얼</a:t>
             </a:r>
-            <a:endParaRPr lang="ko-KR" altLang="en-US" sz="3000" b="1">
+            <a:endParaRPr lang="ko-KR" altLang="en-US" sz="2500" b="1">
               <a:solidFill>
                 <a:schemeClr val="tx1"/>
               </a:solidFill>
+              <a:latin typeface="나눔바른고딕" charset="0"/>
+              <a:ea typeface="나눔바른고딕" charset="0"/>
+            </a:endParaRPr>
+          </a:p>
+        </p:txBody>
+      </p:sp>
+      <p:sp>
+        <p:nvSpPr>
+          <p:cNvPr id="1067" name="Rect 0"/>
+          <p:cNvSpPr txBox="1">
+            <a:spLocks/>
+          </p:cNvSpPr>
+          <p:nvPr/>
+        </p:nvSpPr>
+        <p:spPr>
+          <a:xfrm rot="0">
+            <a:off x="1240790" y="5038725"/>
+            <a:ext cx="4135120" cy="1231265"/>
+          </a:xfrm>
+          <a:prstGeom prst="rect"/>
+          <a:noFill/>
+          <a:ln w="0">
+            <a:noFill/>
+            <a:prstDash/>
+          </a:ln>
+        </p:spPr>
+        <p:txBody>
+          <a:bodyPr wrap="square" lIns="89535" tIns="46355" rIns="89535" bIns="46355" numCol="1" vert="horz" anchor="t">
+            <a:spAutoFit/>
+          </a:bodyPr>
+          <a:lstStyle/>
+          <a:p>
+            <a:pPr marL="0" indent="0" algn="l" latinLnBrk="0" hangingPunct="1">
+              <a:buFontTx/>
+              <a:buNone/>
+            </a:pPr>
+            <a:r>
+              <a:rPr lang="ko-KR" sz="2000" b="1">
+                <a:solidFill>
+                  <a:srgbClr val="0611F2"/>
+                </a:solidFill>
+                <a:latin typeface="맑은 고딕" charset="0"/>
+                <a:ea typeface="맑은 고딕" charset="0"/>
+              </a:rPr>
+              <a:t>2</a:t>
+            </a:r>
+            <a:r>
+              <a:rPr lang="ko-KR" sz="2000" b="1">
+                <a:solidFill>
+                  <a:srgbClr val="0611F2"/>
+                </a:solidFill>
+                <a:latin typeface="맑은 고딕" charset="0"/>
+                <a:ea typeface="맑은 고딕" charset="0"/>
+              </a:rPr>
+              <a:t>0</a:t>
+            </a:r>
+            <a:r>
+              <a:rPr sz="2000" b="1">
+                <a:solidFill>
+                  <a:srgbClr val="0611F2"/>
+                </a:solidFill>
+                <a:latin typeface="맑은 고딕" charset="0"/>
+                <a:ea typeface="맑은 고딕" charset="0"/>
+              </a:rPr>
+              <a:t>.</a:t>
+            </a:r>
+            <a:r>
+              <a:rPr sz="2000" b="1">
+                <a:solidFill>
+                  <a:srgbClr val="0611F2"/>
+                </a:solidFill>
+                <a:latin typeface="맑은 고딕" charset="0"/>
+                <a:ea typeface="맑은 고딕" charset="0"/>
+              </a:rPr>
+              <a:t> </a:t>
+            </a:r>
+            <a:r>
+              <a:rPr sz="1800">
+                <a:latin typeface="맑은 고딕" charset="0"/>
+                <a:ea typeface="맑은 고딕" charset="0"/>
+              </a:rPr>
+              <a:t>그다음 Project 폴더 아래에 </a:t>
+            </a:r>
+            <a:r>
+              <a:rPr sz="1800">
+                <a:latin typeface="맑은 고딕" charset="0"/>
+                <a:ea typeface="맑은 고딕" charset="0"/>
+              </a:rPr>
+              <a:t>있는</a:t>
+            </a:r>
+            <a:r>
+              <a:rPr sz="1800">
+                <a:latin typeface="맑은 고딕" charset="0"/>
+                <a:ea typeface="맑은 고딕" charset="0"/>
+              </a:rPr>
+              <a:t> </a:t>
+            </a:r>
+            <a:r>
+              <a:rPr sz="1800">
+                <a:latin typeface="맑은 고딕" charset="0"/>
+                <a:ea typeface="맑은 고딕" charset="0"/>
+              </a:rPr>
+              <a:t>Texture</a:t>
+            </a:r>
+            <a:r>
+              <a:rPr sz="1800">
+                <a:latin typeface="맑은 고딕" charset="0"/>
+                <a:ea typeface="맑은 고딕" charset="0"/>
+              </a:rPr>
+              <a:t> </a:t>
+            </a:r>
+            <a:r>
+              <a:rPr sz="1800">
+                <a:latin typeface="맑은 고딕" charset="0"/>
+                <a:ea typeface="맑은 고딕" charset="0"/>
+              </a:rPr>
+              <a:t>폴더에</a:t>
+            </a:r>
+            <a:r>
+              <a:rPr sz="1800">
+                <a:latin typeface="맑은 고딕" charset="0"/>
+                <a:ea typeface="맑은 고딕" charset="0"/>
+              </a:rPr>
+              <a:t> Alien Button </a:t>
+            </a:r>
+            <a:r>
+              <a:rPr sz="1800">
+                <a:latin typeface="맑은 고딕" charset="0"/>
+                <a:ea typeface="맑은 고딕" charset="0"/>
+              </a:rPr>
+              <a:t>텍스처를</a:t>
+            </a:r>
+            <a:r>
+              <a:rPr sz="1800">
+                <a:latin typeface="맑은 고딕" charset="0"/>
+                <a:ea typeface="맑은 고딕" charset="0"/>
+              </a:rPr>
+              <a:t> </a:t>
+            </a:r>
+            <a:r>
+              <a:rPr sz="1800">
+                <a:latin typeface="맑은 고딕" charset="0"/>
+                <a:ea typeface="맑은 고딕" charset="0"/>
+              </a:rPr>
+              <a:t>선택하고</a:t>
+            </a:r>
+            <a:r>
+              <a:rPr sz="1800">
+                <a:latin typeface="맑은 고딕" charset="0"/>
+                <a:ea typeface="맑은 고딕" charset="0"/>
+              </a:rPr>
+              <a:t> </a:t>
+            </a:r>
+            <a:r>
+              <a:rPr sz="1800">
+                <a:latin typeface="맑은 고딕" charset="0"/>
+                <a:ea typeface="맑은 고딕" charset="0"/>
+              </a:rPr>
+              <a:t>Create B</a:t>
+            </a:r>
+            <a:r>
+              <a:rPr sz="1800">
+                <a:latin typeface="맑은 고딕" charset="0"/>
+                <a:ea typeface="맑은 고딕" charset="0"/>
+              </a:rPr>
+              <a:t>u</a:t>
+            </a:r>
+            <a:r>
+              <a:rPr sz="1800">
+                <a:latin typeface="맑은 고딕" charset="0"/>
+                <a:ea typeface="맑은 고딕" charset="0"/>
+              </a:rPr>
+              <a:t>tton </a:t>
+            </a:r>
+            <a:r>
+              <a:rPr sz="1800">
+                <a:latin typeface="맑은 고딕" charset="0"/>
+                <a:ea typeface="맑은 고딕" charset="0"/>
+              </a:rPr>
+              <a:t>오브젝트의</a:t>
+            </a:r>
+            <a:r>
+              <a:rPr sz="1800">
+                <a:latin typeface="맑은 고딕" charset="0"/>
+                <a:ea typeface="맑은 고딕" charset="0"/>
+              </a:rPr>
+              <a:t> </a:t>
+            </a:r>
+            <a:r>
+              <a:rPr sz="1800">
+                <a:latin typeface="맑은 고딕" charset="0"/>
+                <a:ea typeface="맑은 고딕" charset="0"/>
+              </a:rPr>
+              <a:t>Source</a:t>
+            </a:r>
+            <a:r>
+              <a:rPr sz="1800">
+                <a:latin typeface="맑은 고딕" charset="0"/>
+                <a:ea typeface="맑은 고딕" charset="0"/>
+              </a:rPr>
+              <a:t> </a:t>
+            </a:r>
+            <a:r>
+              <a:rPr sz="1800">
+                <a:latin typeface="맑은 고딕" charset="0"/>
+                <a:ea typeface="맑은 고딕" charset="0"/>
+              </a:rPr>
+              <a:t>Image에</a:t>
+            </a:r>
+            <a:r>
+              <a:rPr sz="1800">
+                <a:latin typeface="맑은 고딕" charset="0"/>
+                <a:ea typeface="맑은 고딕" charset="0"/>
+              </a:rPr>
+              <a:t> </a:t>
+            </a:r>
+            <a:r>
+              <a:rPr sz="1800">
+                <a:latin typeface="맑은 고딕" charset="0"/>
+                <a:ea typeface="맑은 고딕" charset="0"/>
+              </a:rPr>
+              <a:t>넣어줍니다.</a:t>
+            </a:r>
+            <a:endParaRPr lang="ko-KR" altLang="en-US" sz="1800">
               <a:latin typeface="맑은 고딕" charset="0"/>
               <a:ea typeface="맑은 고딕" charset="0"/>
             </a:endParaRPr>
           </a:p>
         </p:txBody>
       </p:sp>
+      <p:sp>
+        <p:nvSpPr>
+          <p:cNvPr id="1072" name="Rect 0"/>
+          <p:cNvSpPr txBox="1">
+            <a:spLocks/>
+          </p:cNvSpPr>
+          <p:nvPr/>
+        </p:nvSpPr>
+        <p:spPr>
+          <a:xfrm rot="0">
+            <a:off x="6807200" y="2759075"/>
+            <a:ext cx="4147185" cy="1139190"/>
+          </a:xfrm>
+          <a:prstGeom prst="rect"/>
+          <a:noFill/>
+        </p:spPr>
+        <p:txBody>
+          <a:bodyPr wrap="square" lIns="0" tIns="0" rIns="0" bIns="0" numCol="1" vert="horz" anchor="t">
+            <a:noAutofit/>
+          </a:bodyPr>
+          <a:lstStyle/>
+          <a:p>
+            <a:pPr marL="0" indent="0" algn="l" latinLnBrk="0" hangingPunct="1">
+              <a:buFontTx/>
+              <a:buNone/>
+            </a:pPr>
+            <a:r>
+              <a:rPr lang="ko-KR" sz="2000" b="1">
+                <a:solidFill>
+                  <a:srgbClr val="0611F2"/>
+                </a:solidFill>
+                <a:latin typeface="맑은 고딕" charset="0"/>
+                <a:ea typeface="맑은 고딕" charset="0"/>
+              </a:rPr>
+              <a:t>2</a:t>
+            </a:r>
+            <a:r>
+              <a:rPr lang="ko-KR" sz="2000" b="1">
+                <a:solidFill>
+                  <a:srgbClr val="0611F2"/>
+                </a:solidFill>
+                <a:latin typeface="맑은 고딕" charset="0"/>
+                <a:ea typeface="맑은 고딕" charset="0"/>
+              </a:rPr>
+              <a:t>1</a:t>
+            </a:r>
+            <a:r>
+              <a:rPr sz="2000" b="1">
+                <a:solidFill>
+                  <a:srgbClr val="0611F2"/>
+                </a:solidFill>
+                <a:latin typeface="맑은 고딕" charset="0"/>
+                <a:ea typeface="맑은 고딕" charset="0"/>
+              </a:rPr>
+              <a:t>.</a:t>
+            </a:r>
+            <a:r>
+              <a:rPr sz="2000" b="1">
+                <a:solidFill>
+                  <a:srgbClr val="0611F2"/>
+                </a:solidFill>
+                <a:latin typeface="맑은 고딕" charset="0"/>
+                <a:ea typeface="맑은 고딕" charset="0"/>
+              </a:rPr>
+              <a:t> </a:t>
+            </a:r>
+            <a:r>
+              <a:rPr sz="1800">
+                <a:latin typeface="맑은 고딕" charset="0"/>
+                <a:ea typeface="맑은 고딕" charset="0"/>
+              </a:rPr>
+              <a:t>그런 다음 Project 폴더 아래에 있는 </a:t>
+            </a:r>
+            <a:r>
+              <a:rPr sz="1800">
+                <a:latin typeface="맑은 고딕" charset="0"/>
+                <a:ea typeface="맑은 고딕" charset="0"/>
+              </a:rPr>
+              <a:t>Texture</a:t>
+            </a:r>
+            <a:r>
+              <a:rPr sz="1800">
+                <a:latin typeface="맑은 고딕" charset="0"/>
+                <a:ea typeface="맑은 고딕" charset="0"/>
+              </a:rPr>
+              <a:t> </a:t>
+            </a:r>
+            <a:r>
+              <a:rPr sz="1800">
+                <a:latin typeface="맑은 고딕" charset="0"/>
+                <a:ea typeface="맑은 고딕" charset="0"/>
+              </a:rPr>
+              <a:t>폴더에</a:t>
+            </a:r>
+            <a:r>
+              <a:rPr sz="1800">
+                <a:latin typeface="맑은 고딕" charset="0"/>
+                <a:ea typeface="맑은 고딕" charset="0"/>
+              </a:rPr>
+              <a:t> Alien 텍스처를 </a:t>
+            </a:r>
+            <a:r>
+              <a:rPr sz="1800">
+                <a:latin typeface="맑은 고딕" charset="0"/>
+                <a:ea typeface="맑은 고딕" charset="0"/>
+              </a:rPr>
+              <a:t>선택한 </a:t>
+            </a:r>
+            <a:r>
+              <a:rPr sz="1800">
+                <a:latin typeface="맑은 고딕" charset="0"/>
+                <a:ea typeface="맑은 고딕" charset="0"/>
+              </a:rPr>
+              <a:t>다</a:t>
+            </a:r>
+            <a:r>
+              <a:rPr sz="1800">
+                <a:latin typeface="맑은 고딕" charset="0"/>
+                <a:ea typeface="맑은 고딕" charset="0"/>
+              </a:rPr>
+              <a:t>음</a:t>
+            </a:r>
+            <a:r>
+              <a:rPr sz="1800">
+                <a:latin typeface="맑은 고딕" charset="0"/>
+                <a:ea typeface="맑은 고딕" charset="0"/>
+              </a:rPr>
+              <a:t> </a:t>
+            </a:r>
+            <a:r>
+              <a:rPr sz="1800">
+                <a:latin typeface="맑은 고딕" charset="0"/>
+                <a:ea typeface="맑은 고딕" charset="0"/>
+              </a:rPr>
+              <a:t>Alien 오브젝트 하위</a:t>
+            </a:r>
+            <a:r>
+              <a:rPr sz="1800">
+                <a:latin typeface="맑은 고딕" charset="0"/>
+                <a:ea typeface="맑은 고딕" charset="0"/>
+              </a:rPr>
+              <a:t> </a:t>
+            </a:r>
+            <a:r>
+              <a:rPr sz="1800">
+                <a:latin typeface="맑은 고딕" charset="0"/>
+                <a:ea typeface="맑은 고딕" charset="0"/>
+              </a:rPr>
+              <a:t>오브젝트의 </a:t>
+            </a:r>
+            <a:r>
+              <a:rPr sz="1800">
+                <a:latin typeface="맑은 고딕" charset="0"/>
+                <a:ea typeface="맑은 고딕" charset="0"/>
+              </a:rPr>
+              <a:t> </a:t>
+            </a:r>
+            <a:r>
+              <a:rPr sz="1800">
+                <a:latin typeface="맑은 고딕" charset="0"/>
+                <a:ea typeface="맑은 고딕" charset="0"/>
+              </a:rPr>
+              <a:t>Body</a:t>
+            </a:r>
+            <a:r>
+              <a:rPr sz="1800">
+                <a:latin typeface="맑은 고딕" charset="0"/>
+                <a:ea typeface="맑은 고딕" charset="0"/>
+              </a:rPr>
+              <a:t> 오브젝트에</a:t>
+            </a:r>
+            <a:r>
+              <a:rPr sz="1800">
+                <a:latin typeface="맑은 고딕" charset="0"/>
+                <a:ea typeface="맑은 고딕" charset="0"/>
+              </a:rPr>
+              <a:t> </a:t>
+            </a:r>
+            <a:r>
+              <a:rPr sz="1800">
+                <a:latin typeface="맑은 고딕" charset="0"/>
+                <a:ea typeface="맑은 고딕" charset="0"/>
+              </a:rPr>
+              <a:t>넣어줍니다.</a:t>
+            </a:r>
+            <a:endParaRPr lang="ko-KR" altLang="en-US" sz="1800">
+              <a:latin typeface="맑은 고딕" charset="0"/>
+              <a:ea typeface="맑은 고딕" charset="0"/>
+            </a:endParaRPr>
+          </a:p>
+        </p:txBody>
+      </p:sp>
       <p:pic>
         <p:nvPicPr>
-          <p:cNvPr id="1102" name="그림 54"/>
+          <p:cNvPr id="1081" name="그림 7" descr="C:/Users/Admin1/AppData/Roaming/PolarisOffice/ETemp/6964_10535456/fImage2085225341.png"/>
           <p:cNvPicPr>
             <a:picLocks noChangeAspect="1"/>
           </p:cNvPicPr>
           <p:nvPr/>
         </p:nvPicPr>
         <p:blipFill rotWithShape="1">
-          <a:blip r:embed="rId7" cstate="print">
+          <a:blip r:embed="rId2" cstate="print">
             <a:extLst>
               <a:ext uri="{28A0092B-C50C-407E-A947-70E740481C1C}">
                 <a14:useLocalDpi xmlns:a14="http://schemas.microsoft.com/office/drawing/2010/main" val="0"/>
@@ -13247,8 +13603,8 @@
         </p:blipFill>
         <p:spPr>
           <a:xfrm rot="0">
-            <a:off x="6814820" y="1345565"/>
-            <a:ext cx="4139565" cy="2447925"/>
+            <a:off x="1231900" y="1438275"/>
+            <a:ext cx="4144010" cy="2232025"/>
           </a:xfrm>
           <a:prstGeom prst="roundRect"/>
           <a:solidFill>
@@ -13256,9 +13612,199 @@
           </a:solidFill>
         </p:spPr>
       </p:pic>
-      <p:sp>
-        <p:nvSpPr>
-          <p:cNvPr id="1103" name="텍스트 상자 57"/>
+      <p:pic>
+        <p:nvPicPr>
+          <p:cNvPr id="1082" name="그림 10" descr="C:/Users/Admin1/AppData/Roaming/PolarisOffice/ETemp/6964_10535456/fImage275792548467.png"/>
+          <p:cNvPicPr>
+            <a:picLocks noChangeAspect="1"/>
+          </p:cNvPicPr>
+          <p:nvPr/>
+        </p:nvPicPr>
+        <p:blipFill rotWithShape="1">
+          <a:blip r:embed="rId3" cstate="print">
+            <a:extLst>
+              <a:ext uri="{28A0092B-C50C-407E-A947-70E740481C1C}">
+                <a14:useLocalDpi xmlns:a14="http://schemas.microsoft.com/office/drawing/2010/main" val="0"/>
+              </a:ext>
+            </a:extLst>
+          </a:blip>
+          <a:stretch>
+            <a:fillRect/>
+          </a:stretch>
+        </p:blipFill>
+        <p:spPr>
+          <a:xfrm rot="0">
+            <a:off x="1251585" y="3838575"/>
+            <a:ext cx="4115435" cy="1054735"/>
+          </a:xfrm>
+          <a:prstGeom prst="roundRect"/>
+          <a:solidFill>
+            <a:srgbClr val="EDEDED"/>
+          </a:solidFill>
+        </p:spPr>
+      </p:pic>
+      <p:cxnSp>
+        <p:nvCxnSpPr>
+          <p:cNvPr id="1083" name="도형 13"/>
+          <p:cNvCxnSpPr/>
+          <p:nvPr/>
+        </p:nvCxnSpPr>
+        <p:spPr>
+          <a:xfrm rot="0" flipV="1">
+            <a:off x="2558415" y="1705610"/>
+            <a:ext cx="2696845" cy="2378075"/>
+          </a:xfrm>
+          <a:prstGeom prst="straightConnector1"/>
+          <a:ln w="6350" cap="flat" cmpd="sng">
+            <a:prstDash/>
+            <a:headEnd type="none" w="med" len="med"/>
+            <a:tailEnd type="triangle" w="med" len="med"/>
+          </a:ln>
+        </p:spPr>
+        <p:style>
+          <a:lnRef idx="1">
+            <a:schemeClr val="accent1"/>
+          </a:lnRef>
+          <a:fillRef idx="0">
+            <a:schemeClr val="accent1"/>
+          </a:fillRef>
+          <a:effectRef idx="0">
+            <a:schemeClr val="accent1"/>
+          </a:effectRef>
+          <a:fontRef idx="minor">
+            <a:schemeClr val="tx1"/>
+          </a:fontRef>
+        </p:style>
+      </p:cxnSp>
+      <p:pic>
+        <p:nvPicPr>
+          <p:cNvPr id="1084" name="그림 14" descr="C:/Users/Admin1/AppData/Roaming/PolarisOffice/ETemp/6964_10535456/fImage276932566334.png"/>
+          <p:cNvPicPr>
+            <a:picLocks noChangeAspect="1"/>
+          </p:cNvPicPr>
+          <p:nvPr/>
+        </p:nvPicPr>
+        <p:blipFill rotWithShape="1">
+          <a:blip r:embed="rId4" cstate="print">
+            <a:extLst>
+              <a:ext uri="{28A0092B-C50C-407E-A947-70E740481C1C}">
+                <a14:useLocalDpi xmlns:a14="http://schemas.microsoft.com/office/drawing/2010/main" val="0"/>
+              </a:ext>
+            </a:extLst>
+          </a:blip>
+          <a:stretch>
+            <a:fillRect/>
+          </a:stretch>
+        </p:blipFill>
+        <p:spPr>
+          <a:xfrm rot="0">
+            <a:off x="8166100" y="1442085"/>
+            <a:ext cx="2782570" cy="1182370"/>
+          </a:xfrm>
+          <a:prstGeom prst="roundRect"/>
+          <a:solidFill>
+            <a:srgbClr val="EDEDED"/>
+          </a:solidFill>
+        </p:spPr>
+      </p:pic>
+      <p:pic>
+        <p:nvPicPr>
+          <p:cNvPr id="1085" name="그림 17" descr="C:/Users/Admin1/AppData/Roaming/PolarisOffice/ETemp/6964_10535456/fImage102992576500.png"/>
+          <p:cNvPicPr>
+            <a:picLocks noChangeAspect="1"/>
+          </p:cNvPicPr>
+          <p:nvPr/>
+        </p:nvPicPr>
+        <p:blipFill rotWithShape="1">
+          <a:blip r:embed="rId5" cstate="print">
+            <a:extLst>
+              <a:ext uri="{28A0092B-C50C-407E-A947-70E740481C1C}">
+                <a14:useLocalDpi xmlns:a14="http://schemas.microsoft.com/office/drawing/2010/main" val="0"/>
+              </a:ext>
+            </a:extLst>
+          </a:blip>
+          <a:stretch>
+            <a:fillRect/>
+          </a:stretch>
+        </p:blipFill>
+        <p:spPr>
+          <a:xfrm rot="0">
+            <a:off x="6802755" y="1448435"/>
+            <a:ext cx="1269365" cy="1175385"/>
+          </a:xfrm>
+          <a:prstGeom prst="roundRect"/>
+          <a:solidFill>
+            <a:srgbClr val="EDEDED"/>
+          </a:solidFill>
+        </p:spPr>
+      </p:pic>
+      <p:cxnSp>
+        <p:nvCxnSpPr>
+          <p:cNvPr id="1086" name="도형 20"/>
+          <p:cNvCxnSpPr/>
+          <p:nvPr/>
+        </p:nvCxnSpPr>
+        <p:spPr>
+          <a:xfrm rot="0" flipH="1">
+            <a:off x="7533640" y="1852930"/>
+            <a:ext cx="1507490" cy="381635"/>
+          </a:xfrm>
+          <a:prstGeom prst="straightConnector1"/>
+          <a:ln w="6350" cap="flat" cmpd="sng">
+            <a:prstDash/>
+            <a:headEnd type="none" w="med" len="med"/>
+            <a:tailEnd type="triangle" w="med" len="med"/>
+          </a:ln>
+        </p:spPr>
+        <p:style>
+          <a:lnRef idx="1">
+            <a:schemeClr val="accent1"/>
+          </a:lnRef>
+          <a:fillRef idx="0">
+            <a:schemeClr val="accent1"/>
+          </a:fillRef>
+          <a:effectRef idx="0">
+            <a:schemeClr val="accent1"/>
+          </a:effectRef>
+          <a:fontRef idx="minor">
+            <a:schemeClr val="tx1"/>
+          </a:fontRef>
+        </p:style>
+      </p:cxnSp>
+      <p:pic>
+        <p:nvPicPr>
+          <p:cNvPr id="1087" name="그림 21" descr="C:/Users/Admin1/AppData/Roaming/PolarisOffice/ETemp/6964_10535456/fImage121522599169.png"/>
+          <p:cNvPicPr>
+            <a:picLocks noChangeAspect="1"/>
+          </p:cNvPicPr>
+          <p:nvPr/>
+        </p:nvPicPr>
+        <p:blipFill rotWithShape="1">
+          <a:blip r:embed="rId6" cstate="print">
+            <a:extLst>
+              <a:ext uri="{28A0092B-C50C-407E-A947-70E740481C1C}">
+                <a14:useLocalDpi xmlns:a14="http://schemas.microsoft.com/office/drawing/2010/main" val="0"/>
+              </a:ext>
+            </a:extLst>
+          </a:blip>
+          <a:stretch>
+            <a:fillRect/>
+          </a:stretch>
+        </p:blipFill>
+        <p:spPr>
+          <a:xfrm rot="0">
+            <a:off x="6806565" y="4087495"/>
+            <a:ext cx="4139565" cy="1402715"/>
+          </a:xfrm>
+          <a:prstGeom prst="roundRect"/>
+          <a:solidFill>
+            <a:srgbClr val="EDEDED"/>
+          </a:solidFill>
+        </p:spPr>
+      </p:pic>
+      <p:sp>
+        <p:nvSpPr>
+          <p:cNvPr id="1088" name="텍스트 상자 24"/>
           <p:cNvSpPr txBox="1">
             <a:spLocks/>
           </p:cNvSpPr>
@@ -13266,19 +13812,15 @@
         </p:nvSpPr>
         <p:spPr>
           <a:xfrm rot="0">
-            <a:off x="6827520" y="3893820"/>
-            <a:ext cx="4136390" cy="2339340"/>
+            <a:off x="6805930" y="5601970"/>
+            <a:ext cx="4122420" cy="668020"/>
           </a:xfrm>
           <a:prstGeom prst="rect"/>
           <a:noFill/>
-          <a:ln w="0">
-            <a:noFill/>
-            <a:prstDash/>
-          </a:ln>
-        </p:spPr>
-        <p:txBody>
-          <a:bodyPr wrap="square" lIns="89535" tIns="46355" rIns="89535" bIns="46355" numCol="1" vert="horz" anchor="t">
-            <a:spAutoFit/>
+        </p:spPr>
+        <p:txBody>
+          <a:bodyPr wrap="square" lIns="0" tIns="0" rIns="0" bIns="0" numCol="1" vert="horz" anchor="t">
+            <a:noAutofit/>
           </a:bodyPr>
           <a:lstStyle/>
           <a:p>
@@ -13294,7 +13836,7 @@
                 <a:latin typeface="맑은 고딕" charset="0"/>
                 <a:ea typeface="맑은 고딕" charset="0"/>
               </a:rPr>
-              <a:t>21</a:t>
+              <a:t>22</a:t>
             </a:r>
             <a:r>
               <a:rPr sz="2000" b="1">
@@ -13304,41 +13846,52 @@
                 <a:latin typeface="맑은 고딕" charset="0"/>
                 <a:ea typeface="맑은 고딕" charset="0"/>
               </a:rPr>
-              <a:t>. </a:t>
-            </a:r>
-            <a:r>
-              <a:rPr lang="ko-KR" sz="1800">
-                <a:latin typeface="맑은 고딕" charset="0"/>
-                <a:ea typeface="맑은 고딕" charset="0"/>
-              </a:rPr>
-              <a:t>이제 Delete 스크립트를 선택한 다음 Start( ) 함수 안에 게임 오브젝트를 파괴하는 함수를 선언합니다.</a:t>
-            </a:r>
-            <a:endParaRPr lang="ko-KR" altLang="en-US" sz="1800">
-              <a:latin typeface="맑은 고딕" charset="0"/>
-              <a:ea typeface="맑은 고딕" charset="0"/>
-            </a:endParaRPr>
-          </a:p>
-          <a:p>
-            <a:pPr marL="0" indent="0" algn="l" latinLnBrk="0" hangingPunct="1">
-              <a:buFontTx/>
-              <a:buNone/>
-            </a:pPr>
-            <a:endParaRPr lang="ko-KR" altLang="en-US" sz="1800">
-              <a:latin typeface="맑은 고딕" charset="0"/>
-              <a:ea typeface="맑은 고딕" charset="0"/>
-            </a:endParaRPr>
-          </a:p>
-          <a:p>
-            <a:pPr marL="0" indent="0" algn="l" latinLnBrk="0" hangingPunct="1">
-              <a:buFontTx/>
-              <a:buNone/>
-            </a:pPr>
-            <a:r>
-              <a:rPr lang="ko-KR" sz="1800">
-                <a:latin typeface="맑은 고딕" charset="0"/>
-                <a:ea typeface="맑은 고딕" charset="0"/>
-              </a:rPr>
-              <a:t>그리고 Random.Range( )를 사용하여 게임 오브젝트가 1 ~ 5초 사이의 특정 시간에 파괴될 수 있도록 설정합니다.</a:t>
+              <a:t>.</a:t>
+            </a:r>
+            <a:r>
+              <a:rPr sz="2000" b="1">
+                <a:solidFill>
+                  <a:srgbClr val="0611F2"/>
+                </a:solidFill>
+                <a:latin typeface="맑은 고딕" charset="0"/>
+                <a:ea typeface="맑은 고딕" charset="0"/>
+              </a:rPr>
+              <a:t> </a:t>
+            </a:r>
+            <a:r>
+              <a:rPr sz="1800">
+                <a:latin typeface="맑은 고딕" charset="0"/>
+                <a:ea typeface="맑은 고딕" charset="0"/>
+              </a:rPr>
+              <a:t>그러고 나서 Create Object의 </a:t>
+            </a:r>
+            <a:r>
+              <a:rPr sz="1800">
+                <a:latin typeface="맑은 고딕" charset="0"/>
+                <a:ea typeface="맑은 고딕" charset="0"/>
+              </a:rPr>
+              <a:t>위치</a:t>
+            </a:r>
+            <a:r>
+              <a:rPr sz="1800">
+                <a:latin typeface="맑은 고딕" charset="0"/>
+                <a:ea typeface="맑은 고딕" charset="0"/>
+              </a:rPr>
+              <a:t>와</a:t>
+            </a:r>
+            <a:r>
+              <a:rPr sz="1800">
+                <a:latin typeface="맑은 고딕" charset="0"/>
+                <a:ea typeface="맑은 고딕" charset="0"/>
+              </a:rPr>
+              <a:t> </a:t>
+            </a:r>
+            <a:r>
+              <a:rPr sz="1800">
+                <a:latin typeface="맑은 고딕" charset="0"/>
+                <a:ea typeface="맑은 고딕" charset="0"/>
+              </a:rPr>
+              <a:t>회전 값을 초기화합니다.</a:t>
             </a:r>
             <a:endParaRPr lang="ko-KR" altLang="en-US" sz="1800">
               <a:latin typeface="맑은 고딕" charset="0"/>

--- a/Assets/Class/Instantiate & Destroy/PPT Data/Instatiate and Destroy Example.pptx
+++ b/Assets/Class/Instantiate & Destroy/PPT Data/Instatiate and Destroy Example.pptx
@@ -2,7 +2,7 @@
 <file path=ppt/presentation.xml><?xml version="1.0" encoding="utf-8"?>
 <p:presentation xmlns:a="http://schemas.openxmlformats.org/drawingml/2006/main" xmlns:r="http://schemas.openxmlformats.org/officeDocument/2006/relationships" xmlns:p="http://schemas.openxmlformats.org/presentationml/2006/main" xmlns:p14="http://schemas.microsoft.com/office/powerpoint/2010/main" saveSubsetFonts="1" firstSlideNum="0">
   <p:sldMasterIdLst>
-    <p:sldMasterId id="2147485874" r:id="rId12"/>
+    <p:sldMasterId id="2147485884" r:id="rId12"/>
   </p:sldMasterIdLst>
   <p:notesMasterIdLst>
     <p:notesMasterId r:id="rId14"/>
@@ -13,12 +13,13 @@
     <p:sldId id="294" r:id="rId20"/>
     <p:sldId id="295" r:id="rId22"/>
     <p:sldId id="306" r:id="rId24"/>
-    <p:sldId id="307" r:id="rId25"/>
-    <p:sldId id="288" r:id="rId26"/>
-    <p:sldId id="308" r:id="rId28"/>
-    <p:sldId id="309" r:id="rId30"/>
-    <p:sldId id="287" r:id="rId31"/>
-    <p:sldId id="304" r:id="rId32"/>
+    <p:sldId id="307" r:id="rId26"/>
+    <p:sldId id="288" r:id="rId28"/>
+    <p:sldId id="308" r:id="rId30"/>
+    <p:sldId id="309" r:id="rId32"/>
+    <p:sldId id="287" r:id="rId34"/>
+    <p:sldId id="310" r:id="rId35"/>
+    <p:sldId id="304" r:id="rId36"/>
   </p:sldIdLst>
   <p:sldSz cx="12192000" cy="6858000"/>
   <p:notesSz cx="6858000" cy="9144000"/>
@@ -903,6 +904,148 @@
 </p:notes>
 </file>
 
+<file path=ppt/notesSlides/notesSlide12.xml><?xml version="1.0" encoding="utf-8"?>
+<p:notes xmlns:a="http://schemas.openxmlformats.org/drawingml/2006/main" xmlns:r="http://schemas.openxmlformats.org/officeDocument/2006/relationships" xmlns:p="http://schemas.openxmlformats.org/presentationml/2006/main">
+  <p:cSld>
+    <p:spTree>
+      <p:nvGrpSpPr>
+        <p:cNvPr id="1" name=""/>
+        <p:cNvGrpSpPr/>
+        <p:nvPr/>
+      </p:nvGrpSpPr>
+      <p:grpSpPr>
+        <a:xfrm>
+          <a:off x="0" y="0"/>
+          <a:ext cx="0" cy="0"/>
+          <a:chOff x="0" y="0"/>
+          <a:chExt cx="0" cy="0"/>
+        </a:xfrm>
+      </p:grpSpPr>
+      <p:sp>
+        <p:nvSpPr>
+          <p:cNvPr id="2" name="슬라이드 이미지 개체 틀 3"/>
+          <p:cNvSpPr>
+            <a:spLocks noChangeAspect="1"/>
+          </p:cNvSpPr>
+          <p:nvPr>
+            <p:ph type="sldImg" idx="2"/>
+          </p:nvPr>
+        </p:nvSpPr>
+        <p:spPr>
+          <a:xfrm rot="0">
+            <a:off x="685800" y="1143000"/>
+            <a:ext cx="5489575" cy="3089275"/>
+          </a:xfrm>
+          <a:prstGeom prst="rect"/>
+          <a:noFill/>
+          <a:ln w="12700" cap="flat" cmpd="sng">
+            <a:solidFill>
+              <a:srgbClr val="000000">
+                <a:alpha val="100000"/>
+              </a:srgbClr>
+            </a:solidFill>
+            <a:prstDash val="solid"/>
+          </a:ln>
+        </p:spPr>
+        <p:txBody>
+          <a:bodyPr wrap="square" lIns="91440" tIns="45720" rIns="91440" bIns="45720" numCol="1" vert="horz" anchor="ctr">
+            <a:noAutofit/>
+          </a:bodyPr>
+          <a:lstStyle/>
+          <a:p>
+            <a:pPr marL="0" indent="0" latinLnBrk="0">
+              <a:buFontTx/>
+              <a:buNone/>
+            </a:pPr>
+          </a:p>
+        </p:txBody>
+      </p:sp>
+      <p:sp>
+        <p:nvSpPr>
+          <p:cNvPr id="3" name="슬라이드 노트 개체 틀 4"/>
+          <p:cNvSpPr txBox="1">
+            <a:spLocks/>
+          </p:cNvSpPr>
+          <p:nvPr>
+            <p:ph type="body" idx="3"/>
+          </p:nvPr>
+        </p:nvSpPr>
+        <p:spPr>
+          <a:xfrm rot="0">
+            <a:off x="685800" y="4400550"/>
+            <a:ext cx="5489575" cy="3603625"/>
+          </a:xfrm>
+          <a:prstGeom prst="rect"/>
+        </p:spPr>
+        <p:txBody>
+          <a:bodyPr wrap="square" lIns="91440" tIns="45720" rIns="91440" bIns="45720" numCol="1" vert="horz" anchor="t">
+            <a:noAutofit/>
+          </a:bodyPr>
+          <a:lstStyle/>
+          <a:p>
+            <a:pPr marL="0" indent="0" latinLnBrk="0">
+              <a:buFontTx/>
+              <a:buNone/>
+            </a:pPr>
+          </a:p>
+        </p:txBody>
+      </p:sp>
+      <p:sp>
+        <p:nvSpPr>
+          <p:cNvPr id="4" name="슬라이드 번호 개체 틀 6"/>
+          <p:cNvSpPr txBox="1">
+            <a:spLocks/>
+          </p:cNvSpPr>
+          <p:nvPr>
+            <p:ph type="sldNum" idx="5"/>
+          </p:nvPr>
+        </p:nvSpPr>
+        <p:spPr>
+          <a:xfrm rot="0">
+            <a:off x="3884930" y="8685530"/>
+            <a:ext cx="2974975" cy="461645"/>
+          </a:xfrm>
+          <a:prstGeom prst="rect"/>
+        </p:spPr>
+        <p:txBody>
+          <a:bodyPr wrap="square" lIns="91440" tIns="45720" rIns="91440" bIns="45720" numCol="1" vert="horz" anchor="b">
+            <a:noAutofit/>
+          </a:bodyPr>
+          <a:lstStyle>
+            <a:lvl1pPr marL="0" indent="0" algn="r" latinLnBrk="0">
+              <a:buFontTx/>
+              <a:buNone/>
+              <a:defRPr lang="en-GB" altLang="en-US" sz="1200"/>
+            </a:lvl1pPr>
+          </a:lstStyle>
+          <a:p>
+            <a:pPr marL="0" indent="0" latinLnBrk="0">
+              <a:buFontTx/>
+              <a:buNone/>
+            </a:pPr>
+            <a:fld id="{B9320F77-B9A0-41C5-862A-B4B631284C64}" type="slidenum">
+              <a:rPr lang="ko-KR" altLang="en-US"/>
+              <a:t>‹#›</a:t>
+            </a:fld>
+          </a:p>
+        </p:txBody>
+      </p:sp>
+    </p:spTree>
+  </p:cSld>
+  <p:clrMapOvr>
+    <a:masterClrMapping/>
+  </p:clrMapOvr>
+  <mc:AlternateContent xmlns:mc="http://schemas.openxmlformats.org/markup-compatibility/2006">
+    <mc:Choice xmlns:p14="http://schemas.microsoft.com/office/powerpoint/2010/main" Requires="p14">
+      <p:transition spd="slow" p14:dur="0"/>
+    </mc:Choice>
+    <mc:Fallback>
+      <p:transition spd="slow"/>
+    </mc:Fallback>
+  </mc:AlternateContent>
+</p:notes>
+</file>
+
 <file path=ppt/notesSlides/notesSlide2.xml><?xml version="1.0" encoding="utf-8"?>
 <p:notes xmlns:a="http://schemas.openxmlformats.org/drawingml/2006/main" xmlns:r="http://schemas.openxmlformats.org/officeDocument/2006/relationships" xmlns:p="http://schemas.openxmlformats.org/presentationml/2006/main">
   <p:cSld>
@@ -7581,8 +7724,8 @@
         </p:nvSpPr>
         <p:spPr>
           <a:xfrm rot="0">
-            <a:off x="4961255" y="363855"/>
-            <a:ext cx="2266315" cy="478155"/>
+            <a:off x="4676775" y="389890"/>
+            <a:ext cx="2834640" cy="478155"/>
           </a:xfrm>
           <a:prstGeom prst="rect"/>
           <a:noFill/>
@@ -7609,7 +7752,37 @@
                 <a:latin typeface="나눔바른고딕" charset="0"/>
                 <a:ea typeface="나눔바른고딕" charset="0"/>
               </a:rPr>
-              <a:t>Destory</a:t>
+              <a:t>아홉</a:t>
+            </a:r>
+            <a:r>
+              <a:rPr lang="ko-KR" altLang="en-US" sz="2500" b="1">
+                <a:solidFill>
+                  <a:schemeClr val="tx1"/>
+                </a:solidFill>
+                <a:latin typeface="나눔바른고딕" charset="0"/>
+                <a:ea typeface="나눔바른고딕" charset="0"/>
+              </a:rPr>
+              <a:t> </a:t>
+            </a:r>
+            <a:r>
+              <a:rPr lang="ko-KR" altLang="en-US" sz="2500" b="1">
+                <a:solidFill>
+                  <a:schemeClr val="tx1"/>
+                </a:solidFill>
+                <a:latin typeface="나눔바른고딕" charset="0"/>
+                <a:ea typeface="나눔바른고딕" charset="0"/>
+              </a:rPr>
+              <a:t>번째 튜토리</a:t>
+            </a:r>
+            <a:r>
+              <a:rPr lang="ko-KR" altLang="en-US" sz="2500" b="1">
+                <a:solidFill>
+                  <a:schemeClr val="tx1"/>
+                </a:solidFill>
+                <a:latin typeface="나눔바른고딕" charset="0"/>
+                <a:ea typeface="나눔바른고딕" charset="0"/>
+              </a:rPr>
+              <a:t>얼</a:t>
             </a:r>
             <a:endParaRPr lang="ko-KR" altLang="en-US" sz="2500" b="1">
               <a:solidFill>
@@ -7892,7 +8065,7 @@
       </p:sp>
       <p:pic>
         <p:nvPicPr>
-          <p:cNvPr id="1110" name="그림 25" descr="C:/Users/Admin1/AppData/Roaming/PolarisOffice/ETemp/6964_10535456/fImage691572615724.png"/>
+          <p:cNvPr id="1110" name="그림 25"/>
           <p:cNvPicPr>
             <a:picLocks noChangeAspect="1"/>
           </p:cNvPicPr>
@@ -7923,7 +8096,7 @@
       </p:pic>
       <p:pic>
         <p:nvPicPr>
-          <p:cNvPr id="1111" name="그림 29" descr="C:/Users/Admin1/AppData/Roaming/PolarisOffice/ETemp/6964_10535456/fImage75692641478.png"/>
+          <p:cNvPr id="1111" name="그림 29" descr="C:/Users/Admin1/AppData/Roaming/PolarisOffice/ETemp/26440_22663712/fImage75692641478.png"/>
           <p:cNvPicPr>
             <a:picLocks noChangeAspect="1"/>
           </p:cNvPicPr>
@@ -7943,8 +8116,8 @@
         </p:blipFill>
         <p:spPr>
           <a:xfrm rot="0">
-            <a:off x="6832600" y="1463040"/>
-            <a:ext cx="2632710" cy="3888740"/>
+            <a:off x="6832600" y="1464310"/>
+            <a:ext cx="2633345" cy="3888105"/>
           </a:xfrm>
           <a:prstGeom prst="roundRect"/>
           <a:solidFill>
@@ -7954,7 +8127,7 @@
       </p:pic>
       <p:pic>
         <p:nvPicPr>
-          <p:cNvPr id="1112" name="그림 30" descr="C:/Users/Admin1/AppData/Roaming/PolarisOffice/ETemp/6964_10535456/fImage71672659358.png"/>
+          <p:cNvPr id="1112" name="그림 30"/>
           <p:cNvPicPr>
             <a:picLocks noChangeAspect="1"/>
           </p:cNvPicPr>
@@ -8098,6 +8271,664 @@
 </file>
 
 <file path=ppt/slides/slide11.xml><?xml version="1.0" encoding="utf-8"?>
+<p:sld xmlns:a="http://schemas.openxmlformats.org/drawingml/2006/main" xmlns:r="http://schemas.openxmlformats.org/officeDocument/2006/relationships" xmlns:p="http://schemas.openxmlformats.org/presentationml/2006/main">
+  <p:cSld>
+    <p:spTree>
+      <p:nvGrpSpPr>
+        <p:cNvPr id="1" name=""/>
+        <p:cNvGrpSpPr/>
+        <p:nvPr/>
+      </p:nvGrpSpPr>
+      <p:grpSpPr>
+        <a:xfrm>
+          <a:off x="0" y="0"/>
+          <a:ext cx="0" cy="0"/>
+          <a:chOff x="0" y="0"/>
+          <a:chExt cx="0" cy="0"/>
+        </a:xfrm>
+      </p:grpSpPr>
+      <p:sp>
+        <p:nvSpPr>
+          <p:cNvPr id="1031" name="Rect 0"/>
+          <p:cNvSpPr txBox="1">
+            <a:spLocks/>
+          </p:cNvSpPr>
+          <p:nvPr/>
+        </p:nvSpPr>
+        <p:spPr>
+          <a:xfrm rot="0">
+            <a:off x="4478655" y="407035"/>
+            <a:ext cx="3231515" cy="478155"/>
+          </a:xfrm>
+          <a:prstGeom prst="rect"/>
+          <a:noFill/>
+          <a:ln w="0">
+            <a:noFill/>
+            <a:prstDash/>
+          </a:ln>
+        </p:spPr>
+        <p:txBody>
+          <a:bodyPr wrap="square" lIns="89535" tIns="46355" rIns="89535" bIns="46355" numCol="1" vert="horz" anchor="t">
+            <a:spAutoFit/>
+          </a:bodyPr>
+          <a:lstStyle/>
+          <a:p>
+            <a:pPr marL="0" indent="0" algn="ctr" latinLnBrk="0">
+              <a:buFontTx/>
+              <a:buNone/>
+            </a:pPr>
+            <a:r>
+              <a:rPr lang="ko-KR" altLang="en-US" sz="2500" b="1">
+                <a:solidFill>
+                  <a:schemeClr val="tx1"/>
+                </a:solidFill>
+                <a:latin typeface="나눔바른고딕" charset="0"/>
+                <a:ea typeface="나눔바른고딕" charset="0"/>
+              </a:rPr>
+              <a:t>열</a:t>
+            </a:r>
+            <a:r>
+              <a:rPr lang="ko-KR" altLang="en-US" sz="2500" b="1">
+                <a:solidFill>
+                  <a:schemeClr val="tx1"/>
+                </a:solidFill>
+                <a:latin typeface="나눔바른고딕" charset="0"/>
+                <a:ea typeface="나눔바른고딕" charset="0"/>
+              </a:rPr>
+              <a:t> </a:t>
+            </a:r>
+            <a:r>
+              <a:rPr lang="ko-KR" altLang="en-US" sz="2500" b="1">
+                <a:solidFill>
+                  <a:schemeClr val="tx1"/>
+                </a:solidFill>
+                <a:latin typeface="나눔바른고딕" charset="0"/>
+                <a:ea typeface="나눔바른고딕" charset="0"/>
+              </a:rPr>
+              <a:t>번째 튜토리</a:t>
+            </a:r>
+            <a:r>
+              <a:rPr lang="ko-KR" altLang="en-US" sz="2500" b="1">
+                <a:solidFill>
+                  <a:schemeClr val="tx1"/>
+                </a:solidFill>
+                <a:latin typeface="나눔바른고딕" charset="0"/>
+                <a:ea typeface="나눔바른고딕" charset="0"/>
+              </a:rPr>
+              <a:t>얼</a:t>
+            </a:r>
+            <a:endParaRPr lang="ko-KR" altLang="en-US" sz="2500" b="1">
+              <a:solidFill>
+                <a:schemeClr val="tx1"/>
+              </a:solidFill>
+              <a:latin typeface="나눔바른고딕" charset="0"/>
+              <a:ea typeface="나눔바른고딕" charset="0"/>
+            </a:endParaRPr>
+          </a:p>
+        </p:txBody>
+      </p:sp>
+      <p:sp>
+        <p:nvSpPr>
+          <p:cNvPr id="1113" name="Rect 0"/>
+          <p:cNvSpPr txBox="1">
+            <a:spLocks/>
+          </p:cNvSpPr>
+          <p:nvPr/>
+        </p:nvSpPr>
+        <p:spPr>
+          <a:xfrm rot="0">
+            <a:off x="6823710" y="5020945"/>
+            <a:ext cx="4139565" cy="1196975"/>
+          </a:xfrm>
+          <a:prstGeom prst="rect"/>
+          <a:noFill/>
+        </p:spPr>
+        <p:txBody>
+          <a:bodyPr wrap="square" lIns="0" tIns="0" rIns="0" bIns="0" numCol="1" vert="horz" anchor="t">
+            <a:noAutofit/>
+          </a:bodyPr>
+          <a:lstStyle/>
+          <a:p>
+            <a:pPr marL="0" indent="0" algn="l" latinLnBrk="0" hangingPunct="1">
+              <a:buFontTx/>
+              <a:buNone/>
+            </a:pPr>
+            <a:r>
+              <a:rPr lang="ko-KR" sz="2000" b="1">
+                <a:solidFill>
+                  <a:srgbClr val="0611F2"/>
+                </a:solidFill>
+                <a:latin typeface="맑은 고딕" charset="0"/>
+                <a:ea typeface="맑은 고딕" charset="0"/>
+              </a:rPr>
+              <a:t>26</a:t>
+            </a:r>
+            <a:r>
+              <a:rPr sz="2000" b="1">
+                <a:solidFill>
+                  <a:srgbClr val="0611F2"/>
+                </a:solidFill>
+                <a:latin typeface="맑은 고딕" charset="0"/>
+                <a:ea typeface="맑은 고딕" charset="0"/>
+              </a:rPr>
+              <a:t>.</a:t>
+            </a:r>
+            <a:r>
+              <a:rPr sz="2000" b="1">
+                <a:solidFill>
+                  <a:srgbClr val="0611F2"/>
+                </a:solidFill>
+                <a:latin typeface="맑은 고딕" charset="0"/>
+                <a:ea typeface="맑은 고딕" charset="0"/>
+              </a:rPr>
+              <a:t> </a:t>
+            </a:r>
+            <a:r>
+              <a:rPr sz="1800">
+                <a:latin typeface="맑은 고딕" charset="0"/>
+                <a:ea typeface="맑은 고딕" charset="0"/>
+              </a:rPr>
+              <a:t>그다음으로 Project 폴더에 있는 </a:t>
+            </a:r>
+            <a:r>
+              <a:rPr sz="1800">
+                <a:latin typeface="맑은 고딕" charset="0"/>
+                <a:ea typeface="맑은 고딕" charset="0"/>
+              </a:rPr>
+              <a:t>Render</a:t>
+            </a:r>
+            <a:r>
+              <a:rPr sz="1800">
+                <a:latin typeface="맑은 고딕" charset="0"/>
+                <a:ea typeface="맑은 고딕" charset="0"/>
+              </a:rPr>
+              <a:t> Texture 폴더에 3D Texture를 </a:t>
+            </a:r>
+            <a:r>
+              <a:rPr sz="1800">
+                <a:latin typeface="맑은 고딕" charset="0"/>
+                <a:ea typeface="맑은 고딕" charset="0"/>
+              </a:rPr>
+              <a:t>Rend</a:t>
+            </a:r>
+            <a:r>
+              <a:rPr sz="1800">
+                <a:latin typeface="맑은 고딕" charset="0"/>
+                <a:ea typeface="맑은 고딕" charset="0"/>
+              </a:rPr>
+              <a:t>e</a:t>
+            </a:r>
+            <a:r>
+              <a:rPr sz="1800">
+                <a:latin typeface="맑은 고딕" charset="0"/>
+                <a:ea typeface="맑은 고딕" charset="0"/>
+              </a:rPr>
+              <a:t>r</a:t>
+            </a:r>
+            <a:r>
+              <a:rPr sz="1800">
+                <a:latin typeface="맑은 고딕" charset="0"/>
+                <a:ea typeface="맑은 고딕" charset="0"/>
+              </a:rPr>
+              <a:t> Texture 오브젝트에 있는 이미지 </a:t>
+            </a:r>
+            <a:r>
+              <a:rPr sz="1800">
+                <a:latin typeface="맑은 고딕" charset="0"/>
+                <a:ea typeface="맑은 고딕" charset="0"/>
+              </a:rPr>
+              <a:t>컴포넌트</a:t>
+            </a:r>
+            <a:r>
+              <a:rPr lang="ko-KR" sz="1800">
+                <a:latin typeface="맑은 고딕" charset="0"/>
+                <a:ea typeface="맑은 고딕" charset="0"/>
+              </a:rPr>
+              <a:t>에</a:t>
+            </a:r>
+            <a:r>
+              <a:rPr lang="ko-KR" sz="1800">
+                <a:latin typeface="맑은 고딕" charset="0"/>
+                <a:ea typeface="맑은 고딕" charset="0"/>
+              </a:rPr>
+              <a:t> </a:t>
+            </a:r>
+            <a:r>
+              <a:rPr lang="ko-KR" sz="1800">
+                <a:latin typeface="맑은 고딕" charset="0"/>
+                <a:ea typeface="맑은 고딕" charset="0"/>
+              </a:rPr>
+              <a:t>넣어줍니다.</a:t>
+            </a:r>
+            <a:endParaRPr lang="ko-KR" altLang="en-US" sz="1800">
+              <a:latin typeface="맑은 고딕" charset="0"/>
+              <a:ea typeface="맑은 고딕" charset="0"/>
+            </a:endParaRPr>
+          </a:p>
+        </p:txBody>
+      </p:sp>
+      <p:sp>
+        <p:nvSpPr>
+          <p:cNvPr id="1114" name="텍스트 상자 1"/>
+          <p:cNvSpPr txBox="1">
+            <a:spLocks/>
+          </p:cNvSpPr>
+          <p:nvPr/>
+        </p:nvSpPr>
+        <p:spPr>
+          <a:xfrm rot="0">
+            <a:off x="1244600" y="2851150"/>
+            <a:ext cx="4131945" cy="1002665"/>
+          </a:xfrm>
+          <a:prstGeom prst="rect"/>
+          <a:noFill/>
+        </p:spPr>
+        <p:txBody>
+          <a:bodyPr wrap="square" lIns="0" tIns="0" rIns="0" bIns="0" numCol="1" vert="horz" anchor="t">
+            <a:noAutofit/>
+          </a:bodyPr>
+          <a:lstStyle/>
+          <a:p>
+            <a:pPr marL="0" indent="0" algn="l" latinLnBrk="0" hangingPunct="1">
+              <a:buFontTx/>
+              <a:buNone/>
+            </a:pPr>
+            <a:r>
+              <a:rPr lang="ko-KR" sz="2000" b="1">
+                <a:solidFill>
+                  <a:srgbClr val="0611F2"/>
+                </a:solidFill>
+                <a:latin typeface="맑은 고딕" charset="0"/>
+                <a:ea typeface="맑은 고딕" charset="0"/>
+              </a:rPr>
+              <a:t>24</a:t>
+            </a:r>
+            <a:r>
+              <a:rPr sz="2000" b="1">
+                <a:solidFill>
+                  <a:srgbClr val="0611F2"/>
+                </a:solidFill>
+                <a:latin typeface="맑은 고딕" charset="0"/>
+                <a:ea typeface="맑은 고딕" charset="0"/>
+              </a:rPr>
+              <a:t>.</a:t>
+            </a:r>
+            <a:r>
+              <a:rPr sz="2000" b="1">
+                <a:solidFill>
+                  <a:srgbClr val="0611F2"/>
+                </a:solidFill>
+                <a:latin typeface="맑은 고딕" charset="0"/>
+                <a:ea typeface="맑은 고딕" charset="0"/>
+              </a:rPr>
+              <a:t> </a:t>
+            </a:r>
+            <a:r>
+              <a:rPr sz="1800">
+                <a:latin typeface="맑은 고딕" charset="0"/>
+                <a:ea typeface="맑은 고딕" charset="0"/>
+              </a:rPr>
+              <a:t>그리고 Render Texture를 </a:t>
+            </a:r>
+            <a:r>
+              <a:rPr sz="1800">
+                <a:latin typeface="맑은 고딕" charset="0"/>
+                <a:ea typeface="맑은 고딕" charset="0"/>
+              </a:rPr>
+              <a:t>생성한 </a:t>
+            </a:r>
+            <a:r>
+              <a:rPr sz="1800">
+                <a:latin typeface="맑은 고딕" charset="0"/>
+                <a:ea typeface="맑은 고딕" charset="0"/>
+              </a:rPr>
+              <a:t>다</a:t>
+            </a:r>
+            <a:r>
+              <a:rPr sz="1800">
+                <a:latin typeface="맑은 고딕" charset="0"/>
+                <a:ea typeface="맑은 고딕" charset="0"/>
+              </a:rPr>
+              <a:t>음</a:t>
+            </a:r>
+            <a:r>
+              <a:rPr sz="1800">
+                <a:latin typeface="맑은 고딕" charset="0"/>
+                <a:ea typeface="맑은 고딕" charset="0"/>
+              </a:rPr>
+              <a:t> 3D Texture라는 이름으로 </a:t>
+            </a:r>
+            <a:r>
+              <a:rPr sz="1800">
+                <a:latin typeface="맑은 고딕" charset="0"/>
+                <a:ea typeface="맑은 고딕" charset="0"/>
+              </a:rPr>
+              <a:t>정의합니</a:t>
+            </a:r>
+            <a:r>
+              <a:rPr lang="ko-KR" sz="1800">
+                <a:latin typeface="맑은 고딕" charset="0"/>
+                <a:ea typeface="맑은 고딕" charset="0"/>
+              </a:rPr>
+              <a:t>다.</a:t>
+            </a:r>
+            <a:endParaRPr lang="ko-KR" altLang="en-US" sz="1800">
+              <a:latin typeface="맑은 고딕" charset="0"/>
+              <a:ea typeface="맑은 고딕" charset="0"/>
+            </a:endParaRPr>
+          </a:p>
+        </p:txBody>
+      </p:sp>
+      <p:pic>
+        <p:nvPicPr>
+          <p:cNvPr id="1115" name="그림 2" descr="C:/Users/Admin1/AppData/Roaming/PolarisOffice/ETemp/26440_22663712/fImage364325441.png"/>
+          <p:cNvPicPr>
+            <a:picLocks noChangeAspect="1"/>
+          </p:cNvPicPr>
+          <p:nvPr/>
+        </p:nvPicPr>
+        <p:blipFill rotWithShape="1">
+          <a:blip r:embed="rId2" cstate="print">
+            <a:extLst>
+              <a:ext uri="{28A0092B-C50C-407E-A947-70E740481C1C}">
+                <a14:useLocalDpi xmlns:a14="http://schemas.microsoft.com/office/drawing/2010/main" val="0"/>
+              </a:ext>
+            </a:extLst>
+          </a:blip>
+          <a:stretch>
+            <a:fillRect/>
+          </a:stretch>
+        </p:blipFill>
+        <p:spPr>
+          <a:xfrm rot="0">
+            <a:off x="1244600" y="1455420"/>
+            <a:ext cx="1391920" cy="1250950"/>
+          </a:xfrm>
+          <a:prstGeom prst="roundRect"/>
+          <a:solidFill>
+            <a:srgbClr val="EDEDED"/>
+          </a:solidFill>
+        </p:spPr>
+      </p:pic>
+      <p:pic>
+        <p:nvPicPr>
+          <p:cNvPr id="1116" name="그림 5" descr="C:/Users/Admin1/AppData/Roaming/PolarisOffice/ETemp/26440_22663712/fImage45992558467.png"/>
+          <p:cNvPicPr>
+            <a:picLocks noChangeAspect="1"/>
+          </p:cNvPicPr>
+          <p:nvPr/>
+        </p:nvPicPr>
+        <p:blipFill rotWithShape="1">
+          <a:blip r:embed="rId3" cstate="print">
+            <a:extLst>
+              <a:ext uri="{28A0092B-C50C-407E-A947-70E740481C1C}">
+                <a14:useLocalDpi xmlns:a14="http://schemas.microsoft.com/office/drawing/2010/main" val="0"/>
+              </a:ext>
+            </a:extLst>
+          </a:blip>
+          <a:stretch>
+            <a:fillRect/>
+          </a:stretch>
+        </p:blipFill>
+        <p:spPr>
+          <a:xfrm rot="0">
+            <a:off x="2756535" y="1454785"/>
+            <a:ext cx="2619375" cy="1260475"/>
+          </a:xfrm>
+          <a:prstGeom prst="roundRect"/>
+          <a:solidFill>
+            <a:srgbClr val="EDEDED"/>
+          </a:solidFill>
+        </p:spPr>
+      </p:pic>
+      <p:pic>
+        <p:nvPicPr>
+          <p:cNvPr id="1117" name="그림 8" descr="C:/Users/Admin1/AppData/Roaming/PolarisOffice/ETemp/26440_22663712/fImage123042566334.png"/>
+          <p:cNvPicPr>
+            <a:picLocks noChangeAspect="1"/>
+          </p:cNvPicPr>
+          <p:nvPr/>
+        </p:nvPicPr>
+        <p:blipFill rotWithShape="1">
+          <a:blip r:embed="rId4" cstate="print">
+            <a:extLst>
+              <a:ext uri="{28A0092B-C50C-407E-A947-70E740481C1C}">
+                <a14:useLocalDpi xmlns:a14="http://schemas.microsoft.com/office/drawing/2010/main" val="0"/>
+              </a:ext>
+            </a:extLst>
+          </a:blip>
+          <a:stretch>
+            <a:fillRect/>
+          </a:stretch>
+        </p:blipFill>
+        <p:spPr>
+          <a:xfrm rot="0">
+            <a:off x="1243330" y="3914140"/>
+            <a:ext cx="4133215" cy="1517650"/>
+          </a:xfrm>
+          <a:prstGeom prst="roundRect"/>
+          <a:solidFill>
+            <a:srgbClr val="EDEDED"/>
+          </a:solidFill>
+        </p:spPr>
+      </p:pic>
+      <p:sp>
+        <p:nvSpPr>
+          <p:cNvPr id="1118" name="텍스트 상자 11"/>
+          <p:cNvSpPr txBox="1">
+            <a:spLocks/>
+          </p:cNvSpPr>
+          <p:nvPr/>
+        </p:nvSpPr>
+        <p:spPr>
+          <a:xfrm rot="0">
+            <a:off x="1236980" y="5589270"/>
+            <a:ext cx="4131945" cy="625475"/>
+          </a:xfrm>
+          <a:prstGeom prst="rect"/>
+          <a:noFill/>
+        </p:spPr>
+        <p:txBody>
+          <a:bodyPr wrap="square" lIns="0" tIns="0" rIns="0" bIns="0" numCol="1" vert="horz" anchor="t">
+            <a:noAutofit/>
+          </a:bodyPr>
+          <a:lstStyle/>
+          <a:p>
+            <a:pPr marL="0" indent="0" algn="l" latinLnBrk="0" hangingPunct="1">
+              <a:buFontTx/>
+              <a:buNone/>
+            </a:pPr>
+            <a:r>
+              <a:rPr lang="ko-KR" sz="2000" b="1">
+                <a:solidFill>
+                  <a:srgbClr val="0611F2"/>
+                </a:solidFill>
+                <a:latin typeface="맑은 고딕" charset="0"/>
+                <a:ea typeface="맑은 고딕" charset="0"/>
+              </a:rPr>
+              <a:t>25</a:t>
+            </a:r>
+            <a:r>
+              <a:rPr sz="2000" b="1">
+                <a:solidFill>
+                  <a:srgbClr val="0611F2"/>
+                </a:solidFill>
+                <a:latin typeface="맑은 고딕" charset="0"/>
+                <a:ea typeface="맑은 고딕" charset="0"/>
+              </a:rPr>
+              <a:t>.</a:t>
+            </a:r>
+            <a:r>
+              <a:rPr sz="2000" b="1">
+                <a:solidFill>
+                  <a:srgbClr val="0611F2"/>
+                </a:solidFill>
+                <a:latin typeface="맑은 고딕" charset="0"/>
+                <a:ea typeface="맑은 고딕" charset="0"/>
+              </a:rPr>
+              <a:t> </a:t>
+            </a:r>
+            <a:r>
+              <a:rPr sz="1800">
+                <a:latin typeface="맑은 고딕" charset="0"/>
+                <a:ea typeface="맑은 고딕" charset="0"/>
+              </a:rPr>
+              <a:t>그런 다음 Camera 오브젝트의 </a:t>
+            </a:r>
+            <a:r>
+              <a:rPr sz="1800">
+                <a:latin typeface="맑은 고딕" charset="0"/>
+                <a:ea typeface="맑은 고딕" charset="0"/>
+              </a:rPr>
+              <a:t>위치</a:t>
+            </a:r>
+            <a:r>
+              <a:rPr sz="1800">
+                <a:latin typeface="맑은 고딕" charset="0"/>
+                <a:ea typeface="맑은 고딕" charset="0"/>
+              </a:rPr>
+              <a:t>와</a:t>
+            </a:r>
+            <a:r>
+              <a:rPr sz="1800">
+                <a:latin typeface="맑은 고딕" charset="0"/>
+                <a:ea typeface="맑은 고딕" charset="0"/>
+              </a:rPr>
+              <a:t> </a:t>
+            </a:r>
+            <a:r>
+              <a:rPr sz="1800">
+                <a:latin typeface="맑은 고딕" charset="0"/>
+                <a:ea typeface="맑은 고딕" charset="0"/>
+              </a:rPr>
+              <a:t>회전 값을 설정합니다.</a:t>
+            </a:r>
+            <a:endParaRPr lang="ko-KR" altLang="en-US" sz="1800">
+              <a:latin typeface="맑은 고딕" charset="0"/>
+              <a:ea typeface="맑은 고딕" charset="0"/>
+            </a:endParaRPr>
+          </a:p>
+        </p:txBody>
+      </p:sp>
+      <p:pic>
+        <p:nvPicPr>
+          <p:cNvPr id="1119" name="그림 12" descr="C:/Users/Admin1/AppData/Roaming/PolarisOffice/ETemp/26440_22663712/fImage145202586500.png"/>
+          <p:cNvPicPr>
+            <a:picLocks noChangeAspect="1"/>
+          </p:cNvPicPr>
+          <p:nvPr/>
+        </p:nvPicPr>
+        <p:blipFill rotWithShape="1">
+          <a:blip r:embed="rId5" cstate="print">
+            <a:extLst>
+              <a:ext uri="{28A0092B-C50C-407E-A947-70E740481C1C}">
+                <a14:useLocalDpi xmlns:a14="http://schemas.microsoft.com/office/drawing/2010/main" val="0"/>
+              </a:ext>
+            </a:extLst>
+          </a:blip>
+          <a:stretch>
+            <a:fillRect/>
+          </a:stretch>
+        </p:blipFill>
+        <p:spPr>
+          <a:xfrm rot="0">
+            <a:off x="6806565" y="1445260"/>
+            <a:ext cx="4156710" cy="2157730"/>
+          </a:xfrm>
+          <a:prstGeom prst="roundRect"/>
+          <a:solidFill>
+            <a:srgbClr val="EDEDED"/>
+          </a:solidFill>
+        </p:spPr>
+      </p:pic>
+      <p:pic>
+        <p:nvPicPr>
+          <p:cNvPr id="1120" name="그림 15" descr="C:/Users/Admin1/AppData/Roaming/PolarisOffice/ETemp/26440_22663712/fImage45992599169.png"/>
+          <p:cNvPicPr>
+            <a:picLocks noChangeAspect="1"/>
+          </p:cNvPicPr>
+          <p:nvPr/>
+        </p:nvPicPr>
+        <p:blipFill rotWithShape="1">
+          <a:blip r:embed="rId6" cstate="print">
+            <a:extLst>
+              <a:ext uri="{28A0092B-C50C-407E-A947-70E740481C1C}">
+                <a14:useLocalDpi xmlns:a14="http://schemas.microsoft.com/office/drawing/2010/main" val="0"/>
+              </a:ext>
+            </a:extLst>
+          </a:blip>
+          <a:stretch>
+            <a:fillRect/>
+          </a:stretch>
+        </p:blipFill>
+        <p:spPr>
+          <a:xfrm rot="0">
+            <a:off x="6820535" y="3757930"/>
+            <a:ext cx="4133850" cy="1090295"/>
+          </a:xfrm>
+          <a:prstGeom prst="roundRect"/>
+          <a:solidFill>
+            <a:srgbClr val="EDEDED"/>
+          </a:solidFill>
+        </p:spPr>
+      </p:pic>
+      <p:cxnSp>
+        <p:nvCxnSpPr>
+          <p:cNvPr id="1121" name="도형 16"/>
+          <p:cNvCxnSpPr/>
+          <p:nvPr/>
+        </p:nvCxnSpPr>
+        <p:spPr>
+          <a:xfrm rot="0" flipV="1">
+            <a:off x="7879715" y="1818640"/>
+            <a:ext cx="2962275" cy="2199640"/>
+          </a:xfrm>
+          <a:prstGeom prst="straightConnector1"/>
+          <a:ln w="6350" cap="flat" cmpd="sng">
+            <a:prstDash/>
+            <a:headEnd type="none" w="med" len="med"/>
+            <a:tailEnd type="triangle" w="med" len="med"/>
+          </a:ln>
+        </p:spPr>
+        <p:style>
+          <a:lnRef idx="1">
+            <a:schemeClr val="accent1"/>
+          </a:lnRef>
+          <a:fillRef idx="0">
+            <a:schemeClr val="accent1"/>
+          </a:fillRef>
+          <a:effectRef idx="0">
+            <a:schemeClr val="accent1"/>
+          </a:effectRef>
+          <a:fontRef idx="minor">
+            <a:schemeClr val="tx1"/>
+          </a:fontRef>
+        </p:style>
+      </p:cxnSp>
+    </p:spTree>
+  </p:cSld>
+  <p:clrMapOvr>
+    <a:masterClrMapping/>
+  </p:clrMapOvr>
+  <mc:AlternateContent xmlns:mc="http://schemas.openxmlformats.org/markup-compatibility/2006">
+    <mc:Choice xmlns:p14="http://schemas.microsoft.com/office/powerpoint/2010/main" Requires="p14">
+      <p:transition spd="slow" p14:dur="2000"/>
+    </mc:Choice>
+    <mc:Fallback>
+      <p:transition spd="slow"/>
+    </mc:Fallback>
+  </mc:AlternateContent>
+  <p:timing>
+    <p:tnLst>
+      <p:par>
+        <p:cTn id="1" dur="indefinite" restart="never" nodeType="tmRoot"/>
+      </p:par>
+    </p:tnLst>
+  </p:timing>
+</p:sld>
+</file>
+
+<file path=ppt/slides/slide12.xml><?xml version="1.0" encoding="utf-8"?>
 <p:sld xmlns:a="http://schemas.openxmlformats.org/drawingml/2006/main" xmlns:r="http://schemas.openxmlformats.org/officeDocument/2006/relationships" xmlns:p="http://schemas.openxmlformats.org/presentationml/2006/main" xmlns:p14="http://schemas.microsoft.com/office/powerpoint/2010/main">
   <p:cSld>
     <p:spTree>
@@ -8124,8 +8955,8 @@
         </p:nvSpPr>
         <p:spPr>
           <a:xfrm rot="0">
-            <a:off x="4483100" y="353060"/>
-            <a:ext cx="3227070" cy="478155"/>
+            <a:off x="4327525" y="353060"/>
+            <a:ext cx="3544570" cy="478155"/>
           </a:xfrm>
           <a:prstGeom prst="rect"/>
           <a:noFill/>
@@ -8152,7 +8983,7 @@
                 <a:latin typeface="나눔바른고딕" charset="0"/>
                 <a:ea typeface="나눔바른고딕" charset="0"/>
               </a:rPr>
-              <a:t>Managed</a:t>
+              <a:t>열한</a:t>
             </a:r>
             <a:r>
               <a:rPr lang="ko-KR" altLang="en-US" sz="2500" b="1">
@@ -8162,7 +8993,27 @@
                 <a:latin typeface="나눔바른고딕" charset="0"/>
                 <a:ea typeface="나눔바른고딕" charset="0"/>
               </a:rPr>
-              <a:t> Heap</a:t>
+              <a:t> </a:t>
+            </a:r>
+            <a:r>
+              <a:rPr lang="ko-KR" altLang="en-US" sz="2500" b="1">
+                <a:solidFill>
+                  <a:schemeClr val="tx1"/>
+                </a:solidFill>
+                <a:latin typeface="나눔바른고딕" charset="0"/>
+                <a:ea typeface="나눔바른고딕" charset="0"/>
+              </a:rPr>
+              <a:t>번째 튜토리</a:t>
+            </a:r>
+            <a:r>
+              <a:rPr lang="ko-KR" altLang="en-US" sz="2500" b="1">
+                <a:solidFill>
+                  <a:schemeClr val="tx1"/>
+                </a:solidFill>
+                <a:latin typeface="나눔바른고딕" charset="0"/>
+                <a:ea typeface="나눔바른고딕" charset="0"/>
+              </a:rPr>
+              <a:t>얼</a:t>
             </a:r>
             <a:endParaRPr lang="ko-KR" altLang="en-US" sz="2500" b="1">
               <a:solidFill>
@@ -8184,8 +9035,8 @@
         </p:nvSpPr>
         <p:spPr>
           <a:xfrm rot="0">
-            <a:off x="1257935" y="1438910"/>
-            <a:ext cx="4107815" cy="923925"/>
+            <a:off x="1240790" y="1447165"/>
+            <a:ext cx="4108450" cy="924560"/>
           </a:xfrm>
           <a:prstGeom prst="rect"/>
           <a:noFill/>
@@ -8255,85 +9106,6 @@
                 <a:ea typeface="맑은 고딕" charset="0"/>
               </a:rPr>
               <a:t> 메모리 영역입니다.</a:t>
-            </a:r>
-            <a:endParaRPr lang="ko-KR" altLang="en-US" sz="1800">
-              <a:latin typeface="맑은 고딕" charset="0"/>
-              <a:ea typeface="맑은 고딕" charset="0"/>
-            </a:endParaRPr>
-          </a:p>
-        </p:txBody>
-      </p:sp>
-      <p:sp>
-        <p:nvSpPr>
-          <p:cNvPr id="1109" name="Rect 0"/>
-          <p:cNvSpPr txBox="1">
-            <a:spLocks/>
-          </p:cNvSpPr>
-          <p:nvPr/>
-        </p:nvSpPr>
-        <p:spPr>
-          <a:xfrm rot="0">
-            <a:off x="6816725" y="5314950"/>
-            <a:ext cx="4141470" cy="924560"/>
-          </a:xfrm>
-          <a:prstGeom prst="rect"/>
-          <a:noFill/>
-          <a:ln w="0">
-            <a:noFill/>
-            <a:prstDash/>
-          </a:ln>
-        </p:spPr>
-        <p:txBody>
-          <a:bodyPr wrap="square" lIns="89535" tIns="46355" rIns="89535" bIns="46355" numCol="1" vert="horz" anchor="t">
-            <a:spAutoFit/>
-          </a:bodyPr>
-          <a:lstStyle/>
-          <a:p>
-            <a:pPr marL="0" indent="0" algn="l" latinLnBrk="0" hangingPunct="1">
-              <a:buFontTx/>
-              <a:buNone/>
-            </a:pPr>
-            <a:r>
-              <a:rPr lang="ko-KR" sz="1800">
-                <a:latin typeface="맑은 고딕" charset="0"/>
-                <a:ea typeface="맑은 고딕" charset="0"/>
-              </a:rPr>
-              <a:t>관리되는</a:t>
-            </a:r>
-            <a:r>
-              <a:rPr lang="ko-KR" sz="1800">
-                <a:latin typeface="맑은 고딕" charset="0"/>
-                <a:ea typeface="맑은 고딕" charset="0"/>
-              </a:rPr>
-              <a:t> 힙의 경우 더 이상 할당할 </a:t>
-            </a:r>
-            <a:r>
-              <a:rPr lang="ko-KR" sz="1800">
-                <a:latin typeface="맑은 고딕" charset="0"/>
-                <a:ea typeface="맑은 고딕" charset="0"/>
-              </a:rPr>
-              <a:t>메모리</a:t>
-            </a:r>
-            <a:r>
-              <a:rPr lang="ko-KR" sz="1800">
-                <a:latin typeface="맑은 고딕" charset="0"/>
-                <a:ea typeface="맑은 고딕" charset="0"/>
-              </a:rPr>
-              <a:t> 공간이 없다면 메모리 공간의 </a:t>
-            </a:r>
-            <a:r>
-              <a:rPr lang="ko-KR" sz="1800">
-                <a:latin typeface="맑은 고딕" charset="0"/>
-                <a:ea typeface="맑은 고딕" charset="0"/>
-              </a:rPr>
-              <a:t>크기를</a:t>
-            </a:r>
-            <a:r>
-              <a:rPr lang="ko-KR" sz="1800">
-                <a:latin typeface="맑은 고딕" charset="0"/>
-                <a:ea typeface="맑은 고딕" charset="0"/>
-              </a:rPr>
-              <a:t> 2배로 확장합니다.</a:t>
             </a:r>
             <a:endParaRPr lang="ko-KR" altLang="en-US" sz="1800">
               <a:latin typeface="맑은 고딕" charset="0"/>
@@ -8352,8 +9124,8 @@
         </p:nvSpPr>
         <p:spPr>
           <a:xfrm rot="0">
-            <a:off x="1240790" y="5033645"/>
-            <a:ext cx="4126230" cy="1200785"/>
+            <a:off x="1240790" y="5050790"/>
+            <a:ext cx="4119880" cy="1200785"/>
           </a:xfrm>
           <a:prstGeom prst="rect"/>
           <a:noFill/>
@@ -8430,7 +9202,7 @@
       </p:sp>
       <p:pic>
         <p:nvPicPr>
-          <p:cNvPr id="1115" name="그림 4" descr="C:/Users/Admin1/AppData/Roaming/PolarisOffice/ETemp/21916_16244272/fImage684032178467.png"/>
+          <p:cNvPr id="1115" name="그림 4"/>
           <p:cNvPicPr>
             <a:picLocks noChangeAspect="1"/>
           </p:cNvPicPr>
@@ -8461,17 +9233,17 @@
       </p:pic>
       <p:pic>
         <p:nvPicPr>
-          <p:cNvPr id="1116" name="그림 16" descr="C:/Users/Admin1/AppData/Roaming/PolarisOffice/ETemp/21916_16244272/fImage72232226334.png"/>
+          <p:cNvPr id="1116" name="그림 17" descr="C:/Users/Admin1/AppData/Roaming/PolarisOffice/ETemp/26440_22663712/fImage92682615724.png"/>
           <p:cNvPicPr>
             <a:picLocks noChangeAspect="1"/>
           </p:cNvPicPr>
           <p:nvPr/>
         </p:nvPicPr>
         <p:blipFill rotWithShape="1">
-          <a:blip r:embed="rId6" cstate="hqprint">
+          <a:blip r:embed="rId7" cstate="print">
             <a:extLst>
               <a:ext uri="{28A0092B-C50C-407E-A947-70E740481C1C}">
-                <a14:useLocalDpi xmlns:a14="http://schemas.microsoft.com/office/drawing/2010/main"/>
+                <a14:useLocalDpi xmlns:a14="http://schemas.microsoft.com/office/drawing/2010/main" val="0"/>
               </a:ext>
             </a:extLst>
           </a:blip>
@@ -8481,13 +9253,447 @@
         </p:blipFill>
         <p:spPr>
           <a:xfrm rot="0">
-            <a:off x="6805295" y="1438275"/>
-            <a:ext cx="4143375" cy="3601085"/>
+            <a:off x="8235315" y="1437640"/>
+            <a:ext cx="2710815" cy="1308100"/>
+          </a:xfrm>
+          <a:prstGeom prst="roundRect"/>
+          <a:solidFill>
+            <a:srgbClr val="EDEDED"/>
+          </a:solidFill>
+        </p:spPr>
+      </p:pic>
+      <p:pic>
+        <p:nvPicPr>
+          <p:cNvPr id="1117" name="그림 20" descr="C:/Users/Admin1/AppData/Roaming/PolarisOffice/ETemp/26440_22663712/fImage93812621478.png"/>
+          <p:cNvPicPr>
+            <a:picLocks noChangeAspect="1"/>
+          </p:cNvPicPr>
+          <p:nvPr/>
+        </p:nvPicPr>
+        <p:blipFill rotWithShape="1">
+          <a:blip r:embed="rId8" cstate="print">
+            <a:extLst>
+              <a:ext uri="{28A0092B-C50C-407E-A947-70E740481C1C}">
+                <a14:useLocalDpi xmlns:a14="http://schemas.microsoft.com/office/drawing/2010/main" val="0"/>
+              </a:ext>
+            </a:extLst>
+          </a:blip>
+          <a:stretch>
+            <a:fillRect/>
+          </a:stretch>
+        </p:blipFill>
+        <p:spPr>
+          <a:xfrm rot="0">
+            <a:off x="6814820" y="1442085"/>
+            <a:ext cx="1308100" cy="1303020"/>
+          </a:xfrm>
+          <a:prstGeom prst="roundRect"/>
+          <a:solidFill>
+            <a:srgbClr val="EDEDED"/>
+          </a:solidFill>
+        </p:spPr>
+      </p:pic>
+      <p:cxnSp>
+        <p:nvCxnSpPr>
+          <p:cNvPr id="1118" name="도형 23"/>
+          <p:cNvCxnSpPr/>
+          <p:nvPr/>
+        </p:nvCxnSpPr>
+        <p:spPr>
+          <a:xfrm rot="0" flipV="1">
+            <a:off x="7957820" y="2224405"/>
+            <a:ext cx="2910205" cy="78740"/>
+          </a:xfrm>
+          <a:prstGeom prst="straightConnector1"/>
+          <a:ln w="6350" cap="flat" cmpd="sng">
+            <a:prstDash/>
+            <a:headEnd type="none" w="med" len="med"/>
+            <a:tailEnd type="triangle" w="med" len="med"/>
+          </a:ln>
+        </p:spPr>
+        <p:style>
+          <a:lnRef idx="1">
+            <a:schemeClr val="accent1"/>
+          </a:lnRef>
+          <a:fillRef idx="0">
+            <a:schemeClr val="accent1"/>
+          </a:fillRef>
+          <a:effectRef idx="0">
+            <a:schemeClr val="accent1"/>
+          </a:effectRef>
+          <a:fontRef idx="minor">
+            <a:schemeClr val="tx1"/>
+          </a:fontRef>
+        </p:style>
+      </p:cxnSp>
+      <p:sp>
+        <p:nvSpPr>
+          <p:cNvPr id="1119" name="텍스트 상자 24"/>
+          <p:cNvSpPr txBox="1">
+            <a:spLocks/>
+          </p:cNvSpPr>
+          <p:nvPr/>
+        </p:nvSpPr>
+        <p:spPr>
+          <a:xfrm rot="0">
+            <a:off x="6814820" y="2873375"/>
+            <a:ext cx="4131310" cy="954405"/>
           </a:xfrm>
           <a:prstGeom prst="rect"/>
           <a:noFill/>
         </p:spPr>
+        <p:txBody>
+          <a:bodyPr wrap="square" lIns="0" tIns="0" rIns="0" bIns="0" numCol="1" vert="horz" anchor="t">
+            <a:noAutofit/>
+          </a:bodyPr>
+          <a:lstStyle/>
+          <a:p>
+            <a:pPr marL="0" indent="0" algn="l" latinLnBrk="0" hangingPunct="1">
+              <a:buFontTx/>
+              <a:buNone/>
+            </a:pPr>
+            <a:r>
+              <a:rPr lang="ko-KR" sz="2000" b="1">
+                <a:solidFill>
+                  <a:srgbClr val="0611F2"/>
+                </a:solidFill>
+                <a:latin typeface="맑은 고딕" charset="0"/>
+                <a:ea typeface="맑은 고딕" charset="0"/>
+              </a:rPr>
+              <a:t>27</a:t>
+            </a:r>
+            <a:r>
+              <a:rPr sz="2000" b="1">
+                <a:solidFill>
+                  <a:srgbClr val="0611F2"/>
+                </a:solidFill>
+                <a:latin typeface="맑은 고딕" charset="0"/>
+                <a:ea typeface="맑은 고딕" charset="0"/>
+              </a:rPr>
+              <a:t>.</a:t>
+            </a:r>
+            <a:r>
+              <a:rPr sz="2000" b="1">
+                <a:solidFill>
+                  <a:srgbClr val="0611F2"/>
+                </a:solidFill>
+                <a:latin typeface="맑은 고딕" charset="0"/>
+                <a:ea typeface="맑은 고딕" charset="0"/>
+              </a:rPr>
+              <a:t> </a:t>
+            </a:r>
+            <a:r>
+              <a:rPr sz="1800">
+                <a:latin typeface="맑은 고딕" charset="0"/>
+                <a:ea typeface="맑은 고딕" charset="0"/>
+              </a:rPr>
+              <a:t>그러고 나서 Create Object에 있는 </a:t>
+            </a:r>
+            <a:r>
+              <a:rPr sz="1800">
+                <a:latin typeface="맑은 고딕" charset="0"/>
+                <a:ea typeface="맑은 고딕" charset="0"/>
+              </a:rPr>
+              <a:t>Create</a:t>
+            </a:r>
+            <a:r>
+              <a:rPr sz="1800">
+                <a:latin typeface="맑은 고딕" charset="0"/>
+                <a:ea typeface="맑은 고딕" charset="0"/>
+              </a:rPr>
+              <a:t> </a:t>
+            </a:r>
+            <a:r>
+              <a:rPr sz="1800">
+                <a:latin typeface="맑은 고딕" charset="0"/>
+                <a:ea typeface="맑은 고딕" charset="0"/>
+              </a:rPr>
+              <a:t>스크립트의</a:t>
+            </a:r>
+            <a:r>
+              <a:rPr sz="1800">
+                <a:latin typeface="맑은 고딕" charset="0"/>
+                <a:ea typeface="맑은 고딕" charset="0"/>
+              </a:rPr>
+              <a:t> </a:t>
+            </a:r>
+            <a:r>
+              <a:rPr sz="1800">
+                <a:latin typeface="맑은 고딕" charset="0"/>
+                <a:ea typeface="맑은 고딕" charset="0"/>
+              </a:rPr>
+              <a:t>Button 변수에 </a:t>
+            </a:r>
+            <a:r>
+              <a:rPr sz="1800">
+                <a:latin typeface="맑은 고딕" charset="0"/>
+                <a:ea typeface="맑은 고딕" charset="0"/>
+              </a:rPr>
+              <a:t>Create</a:t>
+            </a:r>
+            <a:r>
+              <a:rPr sz="1800">
+                <a:latin typeface="맑은 고딕" charset="0"/>
+                <a:ea typeface="맑은 고딕" charset="0"/>
+              </a:rPr>
+              <a:t> Button 오브젝트</a:t>
+            </a:r>
+            <a:r>
+              <a:rPr lang="ko-KR" sz="1800">
+                <a:latin typeface="맑은 고딕" charset="0"/>
+                <a:ea typeface="맑은 고딕" charset="0"/>
+              </a:rPr>
+              <a:t>를 </a:t>
+            </a:r>
+            <a:r>
+              <a:rPr lang="ko-KR" sz="1800">
+                <a:latin typeface="맑은 고딕" charset="0"/>
+                <a:ea typeface="맑은 고딕" charset="0"/>
+              </a:rPr>
+              <a:t>넣어줍니다.</a:t>
+            </a:r>
+            <a:endParaRPr lang="ko-KR" altLang="en-US" sz="1800">
+              <a:latin typeface="맑은 고딕" charset="0"/>
+              <a:ea typeface="맑은 고딕" charset="0"/>
+            </a:endParaRPr>
+          </a:p>
+        </p:txBody>
+      </p:sp>
+      <p:pic>
+        <p:nvPicPr>
+          <p:cNvPr id="1120" name="그림 25" descr="C:/Users/Admin1/AppData/Roaming/PolarisOffice/ETemp/26440_22663712/fImage93672659358.png"/>
+          <p:cNvPicPr>
+            <a:picLocks noChangeAspect="1"/>
+          </p:cNvPicPr>
+          <p:nvPr/>
+        </p:nvPicPr>
+        <p:blipFill rotWithShape="1">
+          <a:blip r:embed="rId9" cstate="print">
+            <a:extLst>
+              <a:ext uri="{28A0092B-C50C-407E-A947-70E740481C1C}">
+                <a14:useLocalDpi xmlns:a14="http://schemas.microsoft.com/office/drawing/2010/main" val="0"/>
+              </a:ext>
+            </a:extLst>
+          </a:blip>
+          <a:stretch>
+            <a:fillRect/>
+          </a:stretch>
+        </p:blipFill>
+        <p:spPr>
+          <a:xfrm rot="0">
+            <a:off x="6814185" y="3921760"/>
+            <a:ext cx="1291590" cy="1238885"/>
+          </a:xfrm>
+          <a:prstGeom prst="roundRect"/>
+          <a:solidFill>
+            <a:srgbClr val="EDEDED"/>
+          </a:solidFill>
+        </p:spPr>
       </p:pic>
+      <p:pic>
+        <p:nvPicPr>
+          <p:cNvPr id="1121" name="그림 28" descr="C:/Users/Admin1/AppData/Roaming/PolarisOffice/ETemp/26440_22663712/fImage86452666962.png"/>
+          <p:cNvPicPr>
+            <a:picLocks noChangeAspect="1"/>
+          </p:cNvPicPr>
+          <p:nvPr/>
+        </p:nvPicPr>
+        <p:blipFill rotWithShape="1">
+          <a:blip r:embed="rId10" cstate="print">
+            <a:extLst>
+              <a:ext uri="{28A0092B-C50C-407E-A947-70E740481C1C}">
+                <a14:useLocalDpi xmlns:a14="http://schemas.microsoft.com/office/drawing/2010/main" val="0"/>
+              </a:ext>
+            </a:extLst>
+          </a:blip>
+          <a:stretch>
+            <a:fillRect/>
+          </a:stretch>
+        </p:blipFill>
+        <p:spPr>
+          <a:xfrm rot="0">
+            <a:off x="8235315" y="3939540"/>
+            <a:ext cx="2712085" cy="1229995"/>
+          </a:xfrm>
+          <a:prstGeom prst="roundRect"/>
+          <a:solidFill>
+            <a:srgbClr val="EDEDED"/>
+          </a:solidFill>
+        </p:spPr>
+      </p:pic>
+      <p:cxnSp>
+        <p:nvCxnSpPr>
+          <p:cNvPr id="1122" name="도형 31"/>
+          <p:cNvCxnSpPr/>
+          <p:nvPr/>
+        </p:nvCxnSpPr>
+        <p:spPr>
+          <a:xfrm rot="0" flipV="1">
+            <a:off x="7438390" y="4918075"/>
+            <a:ext cx="3438525" cy="34925"/>
+          </a:xfrm>
+          <a:prstGeom prst="straightConnector1"/>
+          <a:ln w="6350" cap="flat" cmpd="sng">
+            <a:prstDash/>
+            <a:headEnd type="none" w="med" len="med"/>
+            <a:tailEnd type="triangle" w="med" len="med"/>
+          </a:ln>
+        </p:spPr>
+        <p:style>
+          <a:lnRef idx="1">
+            <a:schemeClr val="accent1"/>
+          </a:lnRef>
+          <a:fillRef idx="0">
+            <a:schemeClr val="accent1"/>
+          </a:fillRef>
+          <a:effectRef idx="0">
+            <a:schemeClr val="accent1"/>
+          </a:effectRef>
+          <a:fontRef idx="minor">
+            <a:schemeClr val="tx1"/>
+          </a:fontRef>
+        </p:style>
+      </p:cxnSp>
+      <p:sp>
+        <p:nvSpPr>
+          <p:cNvPr id="1123" name="텍스트 상자 32"/>
+          <p:cNvSpPr txBox="1">
+            <a:spLocks/>
+          </p:cNvSpPr>
+          <p:nvPr/>
+        </p:nvSpPr>
+        <p:spPr>
+          <a:xfrm rot="0">
+            <a:off x="6817360" y="5299710"/>
+            <a:ext cx="4131310" cy="954405"/>
+          </a:xfrm>
+          <a:prstGeom prst="rect"/>
+          <a:noFill/>
+        </p:spPr>
+        <p:txBody>
+          <a:bodyPr wrap="square" lIns="0" tIns="0" rIns="0" bIns="0" numCol="1" vert="horz" anchor="t">
+            <a:noAutofit/>
+          </a:bodyPr>
+          <a:lstStyle/>
+          <a:p>
+            <a:pPr marL="0" indent="0" algn="l" latinLnBrk="0" hangingPunct="1">
+              <a:buFontTx/>
+              <a:buNone/>
+            </a:pPr>
+            <a:r>
+              <a:rPr lang="ko-KR" sz="2000" b="1">
+                <a:solidFill>
+                  <a:srgbClr val="0611F2"/>
+                </a:solidFill>
+                <a:latin typeface="맑은 고딕" charset="0"/>
+                <a:ea typeface="맑은 고딕" charset="0"/>
+              </a:rPr>
+              <a:t>28</a:t>
+            </a:r>
+            <a:r>
+              <a:rPr sz="2000" b="1">
+                <a:solidFill>
+                  <a:srgbClr val="0611F2"/>
+                </a:solidFill>
+                <a:latin typeface="맑은 고딕" charset="0"/>
+                <a:ea typeface="맑은 고딕" charset="0"/>
+              </a:rPr>
+              <a:t>.</a:t>
+            </a:r>
+            <a:r>
+              <a:rPr sz="2000" b="1">
+                <a:solidFill>
+                  <a:srgbClr val="0611F2"/>
+                </a:solidFill>
+                <a:latin typeface="맑은 고딕" charset="0"/>
+                <a:ea typeface="맑은 고딕" charset="0"/>
+              </a:rPr>
+              <a:t> </a:t>
+            </a:r>
+            <a:r>
+              <a:rPr sz="1800">
+                <a:latin typeface="맑은 고딕" charset="0"/>
+                <a:ea typeface="맑은 고딕" charset="0"/>
+              </a:rPr>
+              <a:t>이제 Create Object에 있는 </a:t>
+            </a:r>
+            <a:r>
+              <a:rPr sz="1800">
+                <a:latin typeface="맑은 고딕" charset="0"/>
+                <a:ea typeface="맑은 고딕" charset="0"/>
+              </a:rPr>
+              <a:t>Create</a:t>
+            </a:r>
+            <a:r>
+              <a:rPr sz="1800">
+                <a:latin typeface="맑은 고딕" charset="0"/>
+                <a:ea typeface="맑은 고딕" charset="0"/>
+              </a:rPr>
+              <a:t> </a:t>
+            </a:r>
+            <a:r>
+              <a:rPr sz="1800">
+                <a:latin typeface="맑은 고딕" charset="0"/>
+                <a:ea typeface="맑은 고딕" charset="0"/>
+              </a:rPr>
+              <a:t>스크립트</a:t>
+            </a:r>
+            <a:r>
+              <a:rPr lang="ko-KR" sz="1800">
+                <a:latin typeface="맑은 고딕" charset="0"/>
+                <a:ea typeface="맑은 고딕" charset="0"/>
+              </a:rPr>
+              <a:t>의</a:t>
+            </a:r>
+            <a:r>
+              <a:rPr sz="1800">
+                <a:latin typeface="맑은 고딕" charset="0"/>
+                <a:ea typeface="맑은 고딕" charset="0"/>
+              </a:rPr>
+              <a:t> </a:t>
+            </a:r>
+            <a:r>
+              <a:rPr sz="1800">
+                <a:latin typeface="맑은 고딕" charset="0"/>
+                <a:ea typeface="맑은 고딕" charset="0"/>
+              </a:rPr>
+              <a:t>Prefab 변수에 Alien </a:t>
+            </a:r>
+            <a:r>
+              <a:rPr sz="1800">
+                <a:latin typeface="맑은 고딕" charset="0"/>
+                <a:ea typeface="맑은 고딕" charset="0"/>
+              </a:rPr>
+              <a:t>오브젝트</a:t>
+            </a:r>
+            <a:r>
+              <a:rPr lang="ko-KR" sz="1800">
+                <a:latin typeface="맑은 고딕" charset="0"/>
+                <a:ea typeface="맑은 고딕" charset="0"/>
+              </a:rPr>
+              <a:t>를</a:t>
+            </a:r>
+            <a:r>
+              <a:rPr lang="ko-KR" sz="1800">
+                <a:latin typeface="맑은 고딕" charset="0"/>
+                <a:ea typeface="맑은 고딕" charset="0"/>
+              </a:rPr>
+              <a:t> </a:t>
+            </a:r>
+            <a:r>
+              <a:rPr lang="ko-KR" sz="1800">
+                <a:latin typeface="맑은 고딕" charset="0"/>
+                <a:ea typeface="맑은 고딕" charset="0"/>
+              </a:rPr>
+              <a:t>넣어줍니다.</a:t>
+            </a:r>
+            <a:endParaRPr lang="ko-KR" altLang="en-US" sz="1800">
+              <a:latin typeface="맑은 고딕" charset="0"/>
+              <a:ea typeface="맑은 고딕" charset="0"/>
+            </a:endParaRPr>
+          </a:p>
+        </p:txBody>
+      </p:sp>
     </p:spTree>
   </p:cSld>
   <p:clrMapOvr>

--- a/Assets/Class/Instantiate & Destroy/PPT Data/Instatiate and Destroy Example.pptx
+++ b/Assets/Class/Instantiate & Destroy/PPT Data/Instatiate and Destroy Example.pptx
@@ -2,7 +2,7 @@
 <file path=ppt/presentation.xml><?xml version="1.0" encoding="utf-8"?>
 <p:presentation xmlns:a="http://schemas.openxmlformats.org/drawingml/2006/main" xmlns:r="http://schemas.openxmlformats.org/officeDocument/2006/relationships" xmlns:p="http://schemas.openxmlformats.org/presentationml/2006/main" xmlns:p14="http://schemas.microsoft.com/office/powerpoint/2010/main" saveSubsetFonts="1" firstSlideNum="0">
   <p:sldMasterIdLst>
-    <p:sldMasterId id="2147485884" r:id="rId12"/>
+    <p:sldMasterId id="2147485886" r:id="rId12"/>
   </p:sldMasterIdLst>
   <p:notesMasterIdLst>
     <p:notesMasterId r:id="rId14"/>
@@ -14,12 +14,12 @@
     <p:sldId id="295" r:id="rId22"/>
     <p:sldId id="306" r:id="rId24"/>
     <p:sldId id="307" r:id="rId26"/>
-    <p:sldId id="288" r:id="rId28"/>
-    <p:sldId id="308" r:id="rId30"/>
+    <p:sldId id="308" r:id="rId28"/>
+    <p:sldId id="288" r:id="rId30"/>
     <p:sldId id="309" r:id="rId32"/>
     <p:sldId id="287" r:id="rId34"/>
     <p:sldId id="310" r:id="rId35"/>
-    <p:sldId id="304" r:id="rId36"/>
+    <p:sldId id="304" r:id="rId37"/>
   </p:sldIdLst>
   <p:sldSz cx="12192000" cy="6858000"/>
   <p:notesSz cx="6858000" cy="9144000"/>
@@ -1786,7 +1786,7 @@
         <p:spPr>
           <a:xfrm rot="0">
             <a:off x="685800" y="1143000"/>
-            <a:ext cx="5488940" cy="3088640"/>
+            <a:ext cx="5490210" cy="3089910"/>
           </a:xfrm>
           <a:prstGeom prst="rect"/>
           <a:noFill/>
@@ -1825,7 +1825,7 @@
         <p:spPr>
           <a:xfrm rot="0">
             <a:off x="685800" y="4400550"/>
-            <a:ext cx="5488940" cy="3602990"/>
+            <a:ext cx="5490210" cy="3604260"/>
           </a:xfrm>
           <a:prstGeom prst="rect"/>
         </p:spPr>
@@ -1855,7 +1855,7 @@
         <p:spPr>
           <a:xfrm rot="0">
             <a:off x="3884930" y="8685530"/>
-            <a:ext cx="2974340" cy="461010"/>
+            <a:ext cx="2975610" cy="462280"/>
           </a:xfrm>
           <a:prstGeom prst="rect"/>
         </p:spPr>
@@ -1928,7 +1928,7 @@
         <p:spPr>
           <a:xfrm rot="0">
             <a:off x="685800" y="1143000"/>
-            <a:ext cx="5490210" cy="3089910"/>
+            <a:ext cx="5488940" cy="3088640"/>
           </a:xfrm>
           <a:prstGeom prst="rect"/>
           <a:noFill/>
@@ -1967,7 +1967,7 @@
         <p:spPr>
           <a:xfrm rot="0">
             <a:off x="685800" y="4400550"/>
-            <a:ext cx="5490210" cy="3604260"/>
+            <a:ext cx="5488940" cy="3602990"/>
           </a:xfrm>
           <a:prstGeom prst="rect"/>
         </p:spPr>
@@ -1997,7 +1997,7 @@
         <p:spPr>
           <a:xfrm rot="0">
             <a:off x="3884930" y="8685530"/>
-            <a:ext cx="2975610" cy="462280"/>
+            <a:ext cx="2974340" cy="461010"/>
           </a:xfrm>
           <a:prstGeom prst="rect"/>
         </p:spPr>
@@ -7724,8 +7724,8 @@
         </p:nvSpPr>
         <p:spPr>
           <a:xfrm rot="0">
-            <a:off x="4676775" y="389890"/>
-            <a:ext cx="2834640" cy="478155"/>
+            <a:off x="4350385" y="381000"/>
+            <a:ext cx="3480435" cy="478155"/>
           </a:xfrm>
           <a:prstGeom prst="rect"/>
           <a:noFill/>
@@ -7762,27 +7762,7 @@
                 <a:latin typeface="나눔바른고딕" charset="0"/>
                 <a:ea typeface="나눔바른고딕" charset="0"/>
               </a:rPr>
-              <a:t> </a:t>
-            </a:r>
-            <a:r>
-              <a:rPr lang="ko-KR" altLang="en-US" sz="2500" b="1">
-                <a:solidFill>
-                  <a:schemeClr val="tx1"/>
-                </a:solidFill>
-                <a:latin typeface="나눔바른고딕" charset="0"/>
-                <a:ea typeface="나눔바른고딕" charset="0"/>
-              </a:rPr>
-              <a:t>번째 튜토리</a:t>
-            </a:r>
-            <a:r>
-              <a:rPr lang="ko-KR" altLang="en-US" sz="2500" b="1">
-                <a:solidFill>
-                  <a:schemeClr val="tx1"/>
-                </a:solidFill>
-                <a:latin typeface="나눔바른고딕" charset="0"/>
-                <a:ea typeface="나눔바른고딕" charset="0"/>
-              </a:rPr>
-              <a:t>얼</a:t>
+              <a:t> 번째 튜토리얼</a:t>
             </a:r>
             <a:endParaRPr lang="ko-KR" altLang="en-US" sz="2500" b="1">
               <a:solidFill>
@@ -8096,7 +8076,7 @@
       </p:pic>
       <p:pic>
         <p:nvPicPr>
-          <p:cNvPr id="1111" name="그림 29" descr="C:/Users/Admin1/AppData/Roaming/PolarisOffice/ETemp/26440_22663712/fImage75692641478.png"/>
+          <p:cNvPr id="1111" name="그림 29"/>
           <p:cNvPicPr>
             <a:picLocks noChangeAspect="1"/>
           </p:cNvPicPr>
@@ -13031,6 +13011,765 @@
 </file>
 
 <file path=ppt/slides/slide7.xml><?xml version="1.0" encoding="utf-8"?>
+<p:sld xmlns:a="http://schemas.openxmlformats.org/drawingml/2006/main" xmlns:r="http://schemas.openxmlformats.org/officeDocument/2006/relationships" xmlns:p="http://schemas.openxmlformats.org/presentationml/2006/main">
+  <p:cSld>
+    <p:spTree>
+      <p:nvGrpSpPr>
+        <p:cNvPr id="1" name=""/>
+        <p:cNvGrpSpPr/>
+        <p:nvPr/>
+      </p:nvGrpSpPr>
+      <p:grpSpPr>
+        <a:xfrm>
+          <a:off x="0" y="0"/>
+          <a:ext cx="0" cy="0"/>
+          <a:chOff x="0" y="0"/>
+          <a:chExt cx="0" cy="0"/>
+        </a:xfrm>
+      </p:grpSpPr>
+      <p:sp>
+        <p:nvSpPr>
+          <p:cNvPr id="1031" name="Rect 0"/>
+          <p:cNvSpPr txBox="1">
+            <a:spLocks/>
+          </p:cNvSpPr>
+          <p:nvPr/>
+        </p:nvSpPr>
+        <p:spPr>
+          <a:xfrm rot="0">
+            <a:off x="4514215" y="350520"/>
+            <a:ext cx="3170555" cy="478155"/>
+          </a:xfrm>
+          <a:prstGeom prst="rect"/>
+          <a:noFill/>
+          <a:ln w="0">
+            <a:noFill/>
+            <a:prstDash/>
+          </a:ln>
+        </p:spPr>
+        <p:txBody>
+          <a:bodyPr wrap="square" lIns="89535" tIns="46355" rIns="89535" bIns="46355" numCol="1" vert="horz" anchor="t">
+            <a:spAutoFit/>
+          </a:bodyPr>
+          <a:lstStyle/>
+          <a:p>
+            <a:pPr marL="0" indent="0" algn="ctr" latinLnBrk="0">
+              <a:buFontTx/>
+              <a:buNone/>
+            </a:pPr>
+            <a:r>
+              <a:rPr lang="ko-KR" altLang="en-US" sz="2500" b="1">
+                <a:solidFill>
+                  <a:schemeClr val="tx1"/>
+                </a:solidFill>
+                <a:latin typeface="나눔바른고딕" charset="0"/>
+                <a:ea typeface="나눔바른고딕" charset="0"/>
+              </a:rPr>
+              <a:t>일곱</a:t>
+            </a:r>
+            <a:r>
+              <a:rPr lang="ko-KR" altLang="en-US" sz="2500" b="1">
+                <a:solidFill>
+                  <a:schemeClr val="tx1"/>
+                </a:solidFill>
+                <a:latin typeface="나눔바른고딕" charset="0"/>
+                <a:ea typeface="나눔바른고딕" charset="0"/>
+              </a:rPr>
+              <a:t> </a:t>
+            </a:r>
+            <a:r>
+              <a:rPr lang="ko-KR" altLang="en-US" sz="2500" b="1">
+                <a:solidFill>
+                  <a:schemeClr val="tx1"/>
+                </a:solidFill>
+                <a:latin typeface="나눔바른고딕" charset="0"/>
+                <a:ea typeface="나눔바른고딕" charset="0"/>
+              </a:rPr>
+              <a:t>번째 튜토리얼</a:t>
+            </a:r>
+            <a:endParaRPr lang="ko-KR" altLang="en-US" sz="2500" b="1">
+              <a:solidFill>
+                <a:schemeClr val="tx1"/>
+              </a:solidFill>
+              <a:latin typeface="나눔바른고딕" charset="0"/>
+              <a:ea typeface="나눔바른고딕" charset="0"/>
+            </a:endParaRPr>
+          </a:p>
+        </p:txBody>
+      </p:sp>
+      <p:sp>
+        <p:nvSpPr>
+          <p:cNvPr id="1067" name="Rect 0"/>
+          <p:cNvSpPr txBox="1">
+            <a:spLocks/>
+          </p:cNvSpPr>
+          <p:nvPr/>
+        </p:nvSpPr>
+        <p:spPr>
+          <a:xfrm rot="0">
+            <a:off x="1240790" y="5495290"/>
+            <a:ext cx="4144010" cy="677545"/>
+          </a:xfrm>
+          <a:prstGeom prst="rect"/>
+          <a:noFill/>
+          <a:ln w="0">
+            <a:noFill/>
+            <a:prstDash/>
+          </a:ln>
+        </p:spPr>
+        <p:txBody>
+          <a:bodyPr wrap="square" lIns="89535" tIns="46355" rIns="89535" bIns="46355" numCol="1" vert="horz" anchor="t">
+            <a:spAutoFit/>
+          </a:bodyPr>
+          <a:lstStyle/>
+          <a:p>
+            <a:pPr marL="0" indent="0" algn="l" latinLnBrk="0" hangingPunct="1">
+              <a:buFontTx/>
+              <a:buNone/>
+            </a:pPr>
+            <a:r>
+              <a:rPr lang="ko-KR" sz="2000" b="1">
+                <a:solidFill>
+                  <a:srgbClr val="0611F2"/>
+                </a:solidFill>
+                <a:latin typeface="맑은 고딕" charset="0"/>
+                <a:ea typeface="맑은 고딕" charset="0"/>
+              </a:rPr>
+              <a:t>18</a:t>
+            </a:r>
+            <a:r>
+              <a:rPr sz="2000" b="1">
+                <a:solidFill>
+                  <a:srgbClr val="0611F2"/>
+                </a:solidFill>
+                <a:latin typeface="맑은 고딕" charset="0"/>
+                <a:ea typeface="맑은 고딕" charset="0"/>
+              </a:rPr>
+              <a:t>.</a:t>
+            </a:r>
+            <a:r>
+              <a:rPr sz="2000" b="1">
+                <a:solidFill>
+                  <a:srgbClr val="0611F2"/>
+                </a:solidFill>
+                <a:latin typeface="맑은 고딕" charset="0"/>
+                <a:ea typeface="맑은 고딕" charset="0"/>
+              </a:rPr>
+              <a:t> </a:t>
+            </a:r>
+            <a:r>
+              <a:rPr lang="ko-KR" sz="1800">
+                <a:latin typeface="맑은 고딕" charset="0"/>
+                <a:ea typeface="맑은 고딕" charset="0"/>
+              </a:rPr>
+              <a:t>이제 </a:t>
+            </a:r>
+            <a:r>
+              <a:rPr sz="1800">
+                <a:latin typeface="맑은 고딕" charset="0"/>
+                <a:ea typeface="맑은 고딕" charset="0"/>
+              </a:rPr>
+              <a:t>Generic Create( ) 함수를 </a:t>
+            </a:r>
+            <a:r>
+              <a:rPr sz="1800">
+                <a:latin typeface="맑은 고딕" charset="0"/>
+                <a:ea typeface="맑은 고딕" charset="0"/>
+              </a:rPr>
+              <a:t>On</a:t>
+            </a:r>
+            <a:r>
+              <a:rPr sz="1800">
+                <a:latin typeface="맑은 고딕" charset="0"/>
+                <a:ea typeface="맑은 고딕" charset="0"/>
+              </a:rPr>
+              <a:t> </a:t>
+            </a:r>
+            <a:r>
+              <a:rPr sz="1800">
+                <a:latin typeface="맑은 고딕" charset="0"/>
+                <a:ea typeface="맑은 고딕" charset="0"/>
+              </a:rPr>
+              <a:t>Click(</a:t>
+            </a:r>
+            <a:r>
+              <a:rPr sz="1800">
+                <a:latin typeface="맑은 고딕" charset="0"/>
+                <a:ea typeface="맑은 고딕" charset="0"/>
+              </a:rPr>
+              <a:t> </a:t>
+            </a:r>
+            <a:r>
+              <a:rPr sz="1800">
+                <a:latin typeface="맑은 고딕" charset="0"/>
+                <a:ea typeface="맑은 고딕" charset="0"/>
+              </a:rPr>
+              <a:t>)</a:t>
+            </a:r>
+            <a:r>
+              <a:rPr sz="1800">
+                <a:latin typeface="맑은 고딕" charset="0"/>
+                <a:ea typeface="맑은 고딕" charset="0"/>
+              </a:rPr>
+              <a:t> </a:t>
+            </a:r>
+            <a:r>
+              <a:rPr sz="1800">
+                <a:latin typeface="맑은 고딕" charset="0"/>
+                <a:ea typeface="맑은 고딕" charset="0"/>
+              </a:rPr>
+              <a:t>함수에</a:t>
+            </a:r>
+            <a:r>
+              <a:rPr sz="1800">
+                <a:latin typeface="맑은 고딕" charset="0"/>
+                <a:ea typeface="맑은 고딕" charset="0"/>
+              </a:rPr>
+              <a:t> </a:t>
+            </a:r>
+            <a:r>
+              <a:rPr sz="1800">
+                <a:latin typeface="맑은 고딕" charset="0"/>
+                <a:ea typeface="맑은 고딕" charset="0"/>
+              </a:rPr>
+              <a:t>등록합니다.</a:t>
+            </a:r>
+            <a:r>
+              <a:rPr sz="1800">
+                <a:latin typeface="맑은 고딕" charset="0"/>
+                <a:ea typeface="맑은 고딕" charset="0"/>
+              </a:rPr>
+              <a:t> </a:t>
+            </a:r>
+            <a:endParaRPr lang="ko-KR" altLang="en-US" sz="1800">
+              <a:latin typeface="맑은 고딕" charset="0"/>
+              <a:ea typeface="맑은 고딕" charset="0"/>
+            </a:endParaRPr>
+          </a:p>
+        </p:txBody>
+      </p:sp>
+      <p:sp>
+        <p:nvSpPr>
+          <p:cNvPr id="1072" name="Rect 0"/>
+          <p:cNvSpPr txBox="1">
+            <a:spLocks/>
+          </p:cNvSpPr>
+          <p:nvPr/>
+        </p:nvSpPr>
+        <p:spPr>
+          <a:xfrm rot="0">
+            <a:off x="6807200" y="5041900"/>
+            <a:ext cx="4141470" cy="1138555"/>
+          </a:xfrm>
+          <a:prstGeom prst="rect"/>
+          <a:noFill/>
+        </p:spPr>
+        <p:txBody>
+          <a:bodyPr wrap="square" lIns="0" tIns="0" rIns="0" bIns="0" vert="horz" anchor="t">
+            <a:noAutofit/>
+          </a:bodyPr>
+          <a:lstStyle/>
+          <a:p>
+            <a:pPr marL="0" indent="0" algn="l" latinLnBrk="0" hangingPunct="1">
+              <a:buFontTx/>
+              <a:buNone/>
+            </a:pPr>
+            <a:r>
+              <a:rPr lang="ko-KR" sz="2000" b="1">
+                <a:solidFill>
+                  <a:srgbClr val="0611F2"/>
+                </a:solidFill>
+                <a:latin typeface="맑은 고딕" charset="0"/>
+                <a:ea typeface="맑은 고딕" charset="0"/>
+              </a:rPr>
+              <a:t>19</a:t>
+            </a:r>
+            <a:r>
+              <a:rPr sz="2000" b="1">
+                <a:solidFill>
+                  <a:srgbClr val="0611F2"/>
+                </a:solidFill>
+                <a:latin typeface="맑은 고딕" charset="0"/>
+                <a:ea typeface="맑은 고딕" charset="0"/>
+              </a:rPr>
+              <a:t>.</a:t>
+            </a:r>
+            <a:r>
+              <a:rPr sz="2000" b="1">
+                <a:solidFill>
+                  <a:srgbClr val="0611F2"/>
+                </a:solidFill>
+                <a:latin typeface="맑은 고딕" charset="0"/>
+                <a:ea typeface="맑은 고딕" charset="0"/>
+              </a:rPr>
+              <a:t> </a:t>
+            </a:r>
+            <a:r>
+              <a:rPr sz="1800">
+                <a:latin typeface="맑은 고딕" charset="0"/>
+                <a:ea typeface="맑은 고딕" charset="0"/>
+              </a:rPr>
+              <a:t>그리고 Project 폴더 아래에 있는 </a:t>
+            </a:r>
+            <a:r>
+              <a:rPr sz="1800">
+                <a:latin typeface="맑은 고딕" charset="0"/>
+                <a:ea typeface="맑은 고딕" charset="0"/>
+              </a:rPr>
+              <a:t>Texture</a:t>
+            </a:r>
+            <a:r>
+              <a:rPr sz="1800">
+                <a:latin typeface="맑은 고딕" charset="0"/>
+                <a:ea typeface="맑은 고딕" charset="0"/>
+              </a:rPr>
+              <a:t> </a:t>
+            </a:r>
+            <a:r>
+              <a:rPr sz="1800">
+                <a:latin typeface="맑은 고딕" charset="0"/>
+                <a:ea typeface="맑은 고딕" charset="0"/>
+              </a:rPr>
+              <a:t>폴더에</a:t>
+            </a:r>
+            <a:r>
+              <a:rPr sz="1800">
+                <a:latin typeface="맑은 고딕" charset="0"/>
+                <a:ea typeface="맑은 고딕" charset="0"/>
+              </a:rPr>
+              <a:t> Space Ground 텍스처를 </a:t>
+            </a:r>
+            <a:r>
+              <a:rPr sz="1800">
+                <a:latin typeface="맑은 고딕" charset="0"/>
+                <a:ea typeface="맑은 고딕" charset="0"/>
+              </a:rPr>
+              <a:t>선택하고</a:t>
+            </a:r>
+            <a:r>
+              <a:rPr sz="1800">
+                <a:latin typeface="맑은 고딕" charset="0"/>
+                <a:ea typeface="맑은 고딕" charset="0"/>
+              </a:rPr>
+              <a:t> </a:t>
+            </a:r>
+            <a:r>
+              <a:rPr sz="1800">
+                <a:latin typeface="맑은 고딕" charset="0"/>
+                <a:ea typeface="맑은 고딕" charset="0"/>
+              </a:rPr>
+              <a:t>Back Ground</a:t>
+            </a:r>
+            <a:r>
+              <a:rPr sz="1800">
+                <a:latin typeface="맑은 고딕" charset="0"/>
+                <a:ea typeface="맑은 고딕" charset="0"/>
+              </a:rPr>
+              <a:t> 오브젝트의 </a:t>
+            </a:r>
+            <a:r>
+              <a:rPr sz="1800">
+                <a:latin typeface="맑은 고딕" charset="0"/>
+                <a:ea typeface="맑은 고딕" charset="0"/>
+              </a:rPr>
+              <a:t>Source</a:t>
+            </a:r>
+            <a:r>
+              <a:rPr sz="1800">
+                <a:latin typeface="맑은 고딕" charset="0"/>
+                <a:ea typeface="맑은 고딕" charset="0"/>
+              </a:rPr>
+              <a:t> </a:t>
+            </a:r>
+            <a:r>
+              <a:rPr sz="1800">
+                <a:latin typeface="맑은 고딕" charset="0"/>
+                <a:ea typeface="맑은 고딕" charset="0"/>
+              </a:rPr>
+              <a:t>Image에</a:t>
+            </a:r>
+            <a:r>
+              <a:rPr sz="1800">
+                <a:latin typeface="맑은 고딕" charset="0"/>
+                <a:ea typeface="맑은 고딕" charset="0"/>
+              </a:rPr>
+              <a:t> </a:t>
+            </a:r>
+            <a:r>
+              <a:rPr sz="1800">
+                <a:latin typeface="맑은 고딕" charset="0"/>
+                <a:ea typeface="맑은 고딕" charset="0"/>
+              </a:rPr>
+              <a:t>넣어줍니다.</a:t>
+            </a:r>
+            <a:endParaRPr lang="ko-KR" altLang="en-US" sz="1800">
+              <a:latin typeface="맑은 고딕" charset="0"/>
+              <a:ea typeface="맑은 고딕" charset="0"/>
+            </a:endParaRPr>
+          </a:p>
+        </p:txBody>
+      </p:sp>
+      <p:pic>
+        <p:nvPicPr>
+          <p:cNvPr id="1073" name="그림 60" descr="C:/Users/Admin1/AppData/Roaming/PolarisOffice/ETemp/21916_16244272/fImage90643028145.png"/>
+          <p:cNvPicPr>
+            <a:picLocks noChangeAspect="1"/>
+          </p:cNvPicPr>
+          <p:nvPr/>
+        </p:nvPicPr>
+        <p:blipFill rotWithShape="1">
+          <a:blip r:embed="rId2" cstate="print">
+            <a:extLst>
+              <a:ext uri="{28A0092B-C50C-407E-A947-70E740481C1C}">
+                <a14:useLocalDpi xmlns:a14="http://schemas.microsoft.com/office/drawing/2010/main" val="0"/>
+              </a:ext>
+            </a:extLst>
+          </a:blip>
+          <a:stretch>
+            <a:fillRect/>
+          </a:stretch>
+        </p:blipFill>
+        <p:spPr>
+          <a:xfrm rot="0">
+            <a:off x="1233170" y="1447165"/>
+            <a:ext cx="1274445" cy="1247775"/>
+          </a:xfrm>
+          <a:prstGeom prst="roundRect"/>
+          <a:solidFill>
+            <a:srgbClr val="EDEDED"/>
+          </a:solidFill>
+        </p:spPr>
+      </p:pic>
+      <p:pic>
+        <p:nvPicPr>
+          <p:cNvPr id="1074" name="그림 63" descr="C:/Users/Admin1/AppData/Roaming/PolarisOffice/ETemp/21916_16244272/fImage56453033281.png"/>
+          <p:cNvPicPr>
+            <a:picLocks noChangeAspect="1"/>
+          </p:cNvPicPr>
+          <p:nvPr/>
+        </p:nvPicPr>
+        <p:blipFill rotWithShape="1">
+          <a:blip r:embed="rId3" cstate="print">
+            <a:extLst>
+              <a:ext uri="{28A0092B-C50C-407E-A947-70E740481C1C}">
+                <a14:useLocalDpi xmlns:a14="http://schemas.microsoft.com/office/drawing/2010/main" val="0"/>
+              </a:ext>
+            </a:extLst>
+          </a:blip>
+          <a:stretch>
+            <a:fillRect/>
+          </a:stretch>
+        </p:blipFill>
+        <p:spPr>
+          <a:xfrm rot="0">
+            <a:off x="2592705" y="1447165"/>
+            <a:ext cx="2791460" cy="1257935"/>
+          </a:xfrm>
+          <a:prstGeom prst="roundRect"/>
+          <a:solidFill>
+            <a:srgbClr val="EDEDED"/>
+          </a:solidFill>
+        </p:spPr>
+      </p:pic>
+      <p:cxnSp>
+        <p:nvCxnSpPr>
+          <p:cNvPr id="1075" name="도형 66"/>
+          <p:cNvCxnSpPr/>
+          <p:nvPr/>
+        </p:nvCxnSpPr>
+        <p:spPr>
+          <a:xfrm rot="0">
+            <a:off x="2256790" y="1894840"/>
+            <a:ext cx="1224280" cy="293370"/>
+          </a:xfrm>
+          <a:prstGeom prst="straightConnector1"/>
+          <a:ln w="6350" cap="flat" cmpd="sng">
+            <a:prstDash/>
+            <a:headEnd type="none" w="med" len="med"/>
+            <a:tailEnd type="triangle" w="med" len="med"/>
+          </a:ln>
+        </p:spPr>
+        <p:style>
+          <a:lnRef idx="1">
+            <a:schemeClr val="accent1"/>
+          </a:lnRef>
+          <a:fillRef idx="0">
+            <a:schemeClr val="accent1"/>
+          </a:fillRef>
+          <a:effectRef idx="0">
+            <a:schemeClr val="accent1"/>
+          </a:effectRef>
+          <a:fontRef idx="minor">
+            <a:schemeClr val="tx1"/>
+          </a:fontRef>
+        </p:style>
+      </p:cxnSp>
+      <p:sp>
+        <p:nvSpPr>
+          <p:cNvPr id="1076" name="텍스트 상자 67"/>
+          <p:cNvSpPr txBox="1">
+            <a:spLocks/>
+          </p:cNvSpPr>
+          <p:nvPr/>
+        </p:nvSpPr>
+        <p:spPr>
+          <a:xfrm rot="0">
+            <a:off x="1234440" y="2810510"/>
+            <a:ext cx="4141470" cy="954405"/>
+          </a:xfrm>
+          <a:prstGeom prst="rect"/>
+          <a:noFill/>
+          <a:ln w="0">
+            <a:noFill/>
+            <a:prstDash/>
+          </a:ln>
+        </p:spPr>
+        <p:txBody>
+          <a:bodyPr wrap="square" lIns="89535" tIns="46355" rIns="89535" bIns="46355" numCol="1" vert="horz" anchor="t">
+            <a:spAutoFit/>
+          </a:bodyPr>
+          <a:lstStyle/>
+          <a:p>
+            <a:pPr marL="0" indent="0" algn="l" latinLnBrk="0" hangingPunct="1">
+              <a:buFontTx/>
+              <a:buNone/>
+            </a:pPr>
+            <a:r>
+              <a:rPr lang="ko-KR" sz="2000" b="1">
+                <a:solidFill>
+                  <a:srgbClr val="0611F2"/>
+                </a:solidFill>
+                <a:latin typeface="맑은 고딕" charset="0"/>
+                <a:ea typeface="맑은 고딕" charset="0"/>
+              </a:rPr>
+              <a:t>17</a:t>
+            </a:r>
+            <a:r>
+              <a:rPr sz="2000" b="1">
+                <a:solidFill>
+                  <a:srgbClr val="0611F2"/>
+                </a:solidFill>
+                <a:latin typeface="맑은 고딕" charset="0"/>
+                <a:ea typeface="맑은 고딕" charset="0"/>
+              </a:rPr>
+              <a:t>.</a:t>
+            </a:r>
+            <a:r>
+              <a:rPr sz="2000" b="1">
+                <a:solidFill>
+                  <a:srgbClr val="0611F2"/>
+                </a:solidFill>
+                <a:latin typeface="맑은 고딕" charset="0"/>
+                <a:ea typeface="맑은 고딕" charset="0"/>
+              </a:rPr>
+              <a:t> </a:t>
+            </a:r>
+            <a:r>
+              <a:rPr lang="ko-KR" sz="1800">
+                <a:latin typeface="맑은 고딕" charset="0"/>
+                <a:ea typeface="맑은 고딕" charset="0"/>
+              </a:rPr>
+              <a:t>그러고 나서 Create Button </a:t>
+            </a:r>
+            <a:r>
+              <a:rPr lang="ko-KR" sz="1800">
+                <a:latin typeface="맑은 고딕" charset="0"/>
+                <a:ea typeface="맑은 고딕" charset="0"/>
+              </a:rPr>
+              <a:t>오브젝트의</a:t>
+            </a:r>
+            <a:r>
+              <a:rPr lang="ko-KR" sz="1800">
+                <a:latin typeface="맑은 고딕" charset="0"/>
+                <a:ea typeface="맑은 고딕" charset="0"/>
+              </a:rPr>
+              <a:t> </a:t>
+            </a:r>
+            <a:r>
+              <a:rPr lang="ko-KR" sz="1800">
+                <a:latin typeface="맑은 고딕" charset="0"/>
+                <a:ea typeface="맑은 고딕" charset="0"/>
+              </a:rPr>
+              <a:t>On Click( ) 함수에 Create </a:t>
+            </a:r>
+            <a:r>
+              <a:rPr lang="ko-KR" sz="1800">
+                <a:latin typeface="맑은 고딕" charset="0"/>
+                <a:ea typeface="맑은 고딕" charset="0"/>
+              </a:rPr>
+              <a:t>Object</a:t>
+            </a:r>
+            <a:r>
+              <a:rPr lang="ko-KR" sz="1800">
+                <a:latin typeface="맑은 고딕" charset="0"/>
+                <a:ea typeface="맑은 고딕" charset="0"/>
+              </a:rPr>
+              <a:t>를</a:t>
+            </a:r>
+            <a:r>
+              <a:rPr lang="ko-KR" sz="1800">
+                <a:latin typeface="맑은 고딕" charset="0"/>
+                <a:ea typeface="맑은 고딕" charset="0"/>
+              </a:rPr>
+              <a:t> 넣어줍니다.</a:t>
+            </a:r>
+            <a:endParaRPr lang="ko-KR" altLang="en-US" sz="1800">
+              <a:latin typeface="맑은 고딕" charset="0"/>
+              <a:ea typeface="맑은 고딕" charset="0"/>
+            </a:endParaRPr>
+          </a:p>
+        </p:txBody>
+      </p:sp>
+      <p:pic>
+        <p:nvPicPr>
+          <p:cNvPr id="1077" name="그림 68" descr="C:/Users/Admin1/AppData/Roaming/PolarisOffice/ETemp/21916_16244272/fImage60353066827.png"/>
+          <p:cNvPicPr>
+            <a:picLocks noChangeAspect="1"/>
+          </p:cNvPicPr>
+          <p:nvPr/>
+        </p:nvPicPr>
+        <p:blipFill rotWithShape="1">
+          <a:blip r:embed="rId4" cstate="print">
+            <a:extLst>
+              <a:ext uri="{28A0092B-C50C-407E-A947-70E740481C1C}">
+                <a14:useLocalDpi xmlns:a14="http://schemas.microsoft.com/office/drawing/2010/main" val="0"/>
+              </a:ext>
+            </a:extLst>
+          </a:blip>
+          <a:stretch>
+            <a:fillRect/>
+          </a:stretch>
+        </p:blipFill>
+        <p:spPr>
+          <a:xfrm rot="0">
+            <a:off x="1239520" y="3919220"/>
+            <a:ext cx="4136390" cy="1498600"/>
+          </a:xfrm>
+          <a:prstGeom prst="roundRect"/>
+          <a:solidFill>
+            <a:srgbClr val="EDEDED"/>
+          </a:solidFill>
+        </p:spPr>
+      </p:pic>
+      <p:pic>
+        <p:nvPicPr>
+          <p:cNvPr id="1078" name="그림 71" descr="C:/Users/Admin1/AppData/Roaming/PolarisOffice/ETemp/21916_16244272/fImage173613079961.png"/>
+          <p:cNvPicPr>
+            <a:picLocks noChangeAspect="1"/>
+          </p:cNvPicPr>
+          <p:nvPr/>
+        </p:nvPicPr>
+        <p:blipFill rotWithShape="1">
+          <a:blip r:embed="rId5" cstate="print">
+            <a:extLst>
+              <a:ext uri="{28A0092B-C50C-407E-A947-70E740481C1C}">
+                <a14:useLocalDpi xmlns:a14="http://schemas.microsoft.com/office/drawing/2010/main" val="0"/>
+              </a:ext>
+            </a:extLst>
+          </a:blip>
+          <a:stretch>
+            <a:fillRect/>
+          </a:stretch>
+        </p:blipFill>
+        <p:spPr>
+          <a:xfrm rot="0">
+            <a:off x="6802120" y="1438275"/>
+            <a:ext cx="4146550" cy="2240280"/>
+          </a:xfrm>
+          <a:prstGeom prst="roundRect"/>
+          <a:solidFill>
+            <a:srgbClr val="EDEDED"/>
+          </a:solidFill>
+        </p:spPr>
+      </p:pic>
+      <p:pic>
+        <p:nvPicPr>
+          <p:cNvPr id="1079" name="그림 74" descr="C:/Users/Admin1/AppData/Roaming/PolarisOffice/ETemp/21916_16244272/fImage27694308491.png"/>
+          <p:cNvPicPr>
+            <a:picLocks noChangeAspect="1"/>
+          </p:cNvPicPr>
+          <p:nvPr/>
+        </p:nvPicPr>
+        <p:blipFill rotWithShape="1">
+          <a:blip r:embed="rId6" cstate="print">
+            <a:extLst>
+              <a:ext uri="{28A0092B-C50C-407E-A947-70E740481C1C}">
+                <a14:useLocalDpi xmlns:a14="http://schemas.microsoft.com/office/drawing/2010/main" val="0"/>
+              </a:ext>
+            </a:extLst>
+          </a:blip>
+          <a:stretch>
+            <a:fillRect/>
+          </a:stretch>
+        </p:blipFill>
+        <p:spPr>
+          <a:xfrm rot="0">
+            <a:off x="6817360" y="3841750"/>
+            <a:ext cx="4131310" cy="1051560"/>
+          </a:xfrm>
+          <a:prstGeom prst="roundRect"/>
+          <a:solidFill>
+            <a:srgbClr val="EDEDED"/>
+          </a:solidFill>
+        </p:spPr>
+      </p:pic>
+      <p:cxnSp>
+        <p:nvCxnSpPr>
+          <p:cNvPr id="1080" name="도형 77"/>
+          <p:cNvCxnSpPr/>
+          <p:nvPr/>
+        </p:nvCxnSpPr>
+        <p:spPr>
+          <a:xfrm rot="0" flipV="1">
+            <a:off x="9630410" y="1765935"/>
+            <a:ext cx="1206500" cy="2429510"/>
+          </a:xfrm>
+          <a:prstGeom prst="straightConnector1"/>
+          <a:ln w="6350" cap="flat" cmpd="sng">
+            <a:prstDash/>
+            <a:headEnd type="none" w="med" len="med"/>
+            <a:tailEnd type="triangle" w="med" len="med"/>
+          </a:ln>
+        </p:spPr>
+        <p:style>
+          <a:lnRef idx="1">
+            <a:schemeClr val="accent1"/>
+          </a:lnRef>
+          <a:fillRef idx="0">
+            <a:schemeClr val="accent1"/>
+          </a:fillRef>
+          <a:effectRef idx="0">
+            <a:schemeClr val="accent1"/>
+          </a:effectRef>
+          <a:fontRef idx="minor">
+            <a:schemeClr val="tx1"/>
+          </a:fontRef>
+        </p:style>
+      </p:cxnSp>
+    </p:spTree>
+  </p:cSld>
+  <p:clrMapOvr>
+    <a:masterClrMapping/>
+  </p:clrMapOvr>
+  <mc:AlternateContent xmlns:mc="http://schemas.openxmlformats.org/markup-compatibility/2006">
+    <mc:Choice xmlns:p14="http://schemas.microsoft.com/office/powerpoint/2010/main" Requires="p14">
+      <p:transition spd="slow" p14:dur="2000"/>
+    </mc:Choice>
+    <mc:Fallback>
+      <p:transition spd="slow"/>
+    </mc:Fallback>
+  </mc:AlternateContent>
+  <p:timing>
+    <p:tnLst>
+      <p:par>
+        <p:cTn id="1" dur="indefinite" restart="never" nodeType="tmRoot"/>
+      </p:par>
+    </p:tnLst>
+  </p:timing>
+</p:sld>
+</file>
+
+<file path=ppt/slides/slide8.xml><?xml version="1.0" encoding="utf-8"?>
 <p:sld xmlns:a="http://schemas.openxmlformats.org/drawingml/2006/main" xmlns:r="http://schemas.openxmlformats.org/officeDocument/2006/relationships" xmlns:p="http://schemas.openxmlformats.org/presentationml/2006/main" xmlns:p14="http://schemas.microsoft.com/office/powerpoint/2010/main">
   <p:cSld>
     <p:spTree>
@@ -13512,765 +14251,6 @@
           <a:noFill/>
         </p:spPr>
       </p:pic>
-    </p:spTree>
-  </p:cSld>
-  <p:clrMapOvr>
-    <a:masterClrMapping/>
-  </p:clrMapOvr>
-  <mc:AlternateContent xmlns:mc="http://schemas.openxmlformats.org/markup-compatibility/2006">
-    <mc:Choice xmlns:p14="http://schemas.microsoft.com/office/powerpoint/2010/main" Requires="p14">
-      <p:transition spd="slow" p14:dur="2000"/>
-    </mc:Choice>
-    <mc:Fallback>
-      <p:transition spd="slow"/>
-    </mc:Fallback>
-  </mc:AlternateContent>
-  <p:timing>
-    <p:tnLst>
-      <p:par>
-        <p:cTn id="1" dur="indefinite" restart="never" nodeType="tmRoot"/>
-      </p:par>
-    </p:tnLst>
-  </p:timing>
-</p:sld>
-</file>
-
-<file path=ppt/slides/slide8.xml><?xml version="1.0" encoding="utf-8"?>
-<p:sld xmlns:a="http://schemas.openxmlformats.org/drawingml/2006/main" xmlns:r="http://schemas.openxmlformats.org/officeDocument/2006/relationships" xmlns:p="http://schemas.openxmlformats.org/presentationml/2006/main">
-  <p:cSld>
-    <p:spTree>
-      <p:nvGrpSpPr>
-        <p:cNvPr id="1" name=""/>
-        <p:cNvGrpSpPr/>
-        <p:nvPr/>
-      </p:nvGrpSpPr>
-      <p:grpSpPr>
-        <a:xfrm>
-          <a:off x="0" y="0"/>
-          <a:ext cx="0" cy="0"/>
-          <a:chOff x="0" y="0"/>
-          <a:chExt cx="0" cy="0"/>
-        </a:xfrm>
-      </p:grpSpPr>
-      <p:sp>
-        <p:nvSpPr>
-          <p:cNvPr id="1031" name="Rect 0"/>
-          <p:cNvSpPr txBox="1">
-            <a:spLocks/>
-          </p:cNvSpPr>
-          <p:nvPr/>
-        </p:nvSpPr>
-        <p:spPr>
-          <a:xfrm rot="0">
-            <a:off x="4514215" y="350520"/>
-            <a:ext cx="3170555" cy="478155"/>
-          </a:xfrm>
-          <a:prstGeom prst="rect"/>
-          <a:noFill/>
-          <a:ln w="0">
-            <a:noFill/>
-            <a:prstDash/>
-          </a:ln>
-        </p:spPr>
-        <p:txBody>
-          <a:bodyPr wrap="square" lIns="89535" tIns="46355" rIns="89535" bIns="46355" numCol="1" vert="horz" anchor="t">
-            <a:spAutoFit/>
-          </a:bodyPr>
-          <a:lstStyle/>
-          <a:p>
-            <a:pPr marL="0" indent="0" algn="ctr" latinLnBrk="0">
-              <a:buFontTx/>
-              <a:buNone/>
-            </a:pPr>
-            <a:r>
-              <a:rPr lang="ko-KR" altLang="en-US" sz="2500" b="1">
-                <a:solidFill>
-                  <a:schemeClr val="tx1"/>
-                </a:solidFill>
-                <a:latin typeface="나눔바른고딕" charset="0"/>
-                <a:ea typeface="나눔바른고딕" charset="0"/>
-              </a:rPr>
-              <a:t>일곱</a:t>
-            </a:r>
-            <a:r>
-              <a:rPr lang="ko-KR" altLang="en-US" sz="2500" b="1">
-                <a:solidFill>
-                  <a:schemeClr val="tx1"/>
-                </a:solidFill>
-                <a:latin typeface="나눔바른고딕" charset="0"/>
-                <a:ea typeface="나눔바른고딕" charset="0"/>
-              </a:rPr>
-              <a:t> </a:t>
-            </a:r>
-            <a:r>
-              <a:rPr lang="ko-KR" altLang="en-US" sz="2500" b="1">
-                <a:solidFill>
-                  <a:schemeClr val="tx1"/>
-                </a:solidFill>
-                <a:latin typeface="나눔바른고딕" charset="0"/>
-                <a:ea typeface="나눔바른고딕" charset="0"/>
-              </a:rPr>
-              <a:t>번째 튜토리얼</a:t>
-            </a:r>
-            <a:endParaRPr lang="ko-KR" altLang="en-US" sz="2500" b="1">
-              <a:solidFill>
-                <a:schemeClr val="tx1"/>
-              </a:solidFill>
-              <a:latin typeface="나눔바른고딕" charset="0"/>
-              <a:ea typeface="나눔바른고딕" charset="0"/>
-            </a:endParaRPr>
-          </a:p>
-        </p:txBody>
-      </p:sp>
-      <p:sp>
-        <p:nvSpPr>
-          <p:cNvPr id="1067" name="Rect 0"/>
-          <p:cNvSpPr txBox="1">
-            <a:spLocks/>
-          </p:cNvSpPr>
-          <p:nvPr/>
-        </p:nvSpPr>
-        <p:spPr>
-          <a:xfrm rot="0">
-            <a:off x="1240790" y="5495290"/>
-            <a:ext cx="4144010" cy="677545"/>
-          </a:xfrm>
-          <a:prstGeom prst="rect"/>
-          <a:noFill/>
-          <a:ln w="0">
-            <a:noFill/>
-            <a:prstDash/>
-          </a:ln>
-        </p:spPr>
-        <p:txBody>
-          <a:bodyPr wrap="square" lIns="89535" tIns="46355" rIns="89535" bIns="46355" numCol="1" vert="horz" anchor="t">
-            <a:spAutoFit/>
-          </a:bodyPr>
-          <a:lstStyle/>
-          <a:p>
-            <a:pPr marL="0" indent="0" algn="l" latinLnBrk="0" hangingPunct="1">
-              <a:buFontTx/>
-              <a:buNone/>
-            </a:pPr>
-            <a:r>
-              <a:rPr lang="ko-KR" sz="2000" b="1">
-                <a:solidFill>
-                  <a:srgbClr val="0611F2"/>
-                </a:solidFill>
-                <a:latin typeface="맑은 고딕" charset="0"/>
-                <a:ea typeface="맑은 고딕" charset="0"/>
-              </a:rPr>
-              <a:t>18</a:t>
-            </a:r>
-            <a:r>
-              <a:rPr sz="2000" b="1">
-                <a:solidFill>
-                  <a:srgbClr val="0611F2"/>
-                </a:solidFill>
-                <a:latin typeface="맑은 고딕" charset="0"/>
-                <a:ea typeface="맑은 고딕" charset="0"/>
-              </a:rPr>
-              <a:t>.</a:t>
-            </a:r>
-            <a:r>
-              <a:rPr sz="2000" b="1">
-                <a:solidFill>
-                  <a:srgbClr val="0611F2"/>
-                </a:solidFill>
-                <a:latin typeface="맑은 고딕" charset="0"/>
-                <a:ea typeface="맑은 고딕" charset="0"/>
-              </a:rPr>
-              <a:t> </a:t>
-            </a:r>
-            <a:r>
-              <a:rPr lang="ko-KR" sz="1800">
-                <a:latin typeface="맑은 고딕" charset="0"/>
-                <a:ea typeface="맑은 고딕" charset="0"/>
-              </a:rPr>
-              <a:t>이제 </a:t>
-            </a:r>
-            <a:r>
-              <a:rPr sz="1800">
-                <a:latin typeface="맑은 고딕" charset="0"/>
-                <a:ea typeface="맑은 고딕" charset="0"/>
-              </a:rPr>
-              <a:t>Generic Create( ) 함수를 </a:t>
-            </a:r>
-            <a:r>
-              <a:rPr sz="1800">
-                <a:latin typeface="맑은 고딕" charset="0"/>
-                <a:ea typeface="맑은 고딕" charset="0"/>
-              </a:rPr>
-              <a:t>On</a:t>
-            </a:r>
-            <a:r>
-              <a:rPr sz="1800">
-                <a:latin typeface="맑은 고딕" charset="0"/>
-                <a:ea typeface="맑은 고딕" charset="0"/>
-              </a:rPr>
-              <a:t> </a:t>
-            </a:r>
-            <a:r>
-              <a:rPr sz="1800">
-                <a:latin typeface="맑은 고딕" charset="0"/>
-                <a:ea typeface="맑은 고딕" charset="0"/>
-              </a:rPr>
-              <a:t>Click(</a:t>
-            </a:r>
-            <a:r>
-              <a:rPr sz="1800">
-                <a:latin typeface="맑은 고딕" charset="0"/>
-                <a:ea typeface="맑은 고딕" charset="0"/>
-              </a:rPr>
-              <a:t> </a:t>
-            </a:r>
-            <a:r>
-              <a:rPr sz="1800">
-                <a:latin typeface="맑은 고딕" charset="0"/>
-                <a:ea typeface="맑은 고딕" charset="0"/>
-              </a:rPr>
-              <a:t>)</a:t>
-            </a:r>
-            <a:r>
-              <a:rPr sz="1800">
-                <a:latin typeface="맑은 고딕" charset="0"/>
-                <a:ea typeface="맑은 고딕" charset="0"/>
-              </a:rPr>
-              <a:t> </a:t>
-            </a:r>
-            <a:r>
-              <a:rPr sz="1800">
-                <a:latin typeface="맑은 고딕" charset="0"/>
-                <a:ea typeface="맑은 고딕" charset="0"/>
-              </a:rPr>
-              <a:t>함수에</a:t>
-            </a:r>
-            <a:r>
-              <a:rPr sz="1800">
-                <a:latin typeface="맑은 고딕" charset="0"/>
-                <a:ea typeface="맑은 고딕" charset="0"/>
-              </a:rPr>
-              <a:t> </a:t>
-            </a:r>
-            <a:r>
-              <a:rPr sz="1800">
-                <a:latin typeface="맑은 고딕" charset="0"/>
-                <a:ea typeface="맑은 고딕" charset="0"/>
-              </a:rPr>
-              <a:t>등록합니다.</a:t>
-            </a:r>
-            <a:r>
-              <a:rPr sz="1800">
-                <a:latin typeface="맑은 고딕" charset="0"/>
-                <a:ea typeface="맑은 고딕" charset="0"/>
-              </a:rPr>
-              <a:t> </a:t>
-            </a:r>
-            <a:endParaRPr lang="ko-KR" altLang="en-US" sz="1800">
-              <a:latin typeface="맑은 고딕" charset="0"/>
-              <a:ea typeface="맑은 고딕" charset="0"/>
-            </a:endParaRPr>
-          </a:p>
-        </p:txBody>
-      </p:sp>
-      <p:sp>
-        <p:nvSpPr>
-          <p:cNvPr id="1072" name="Rect 0"/>
-          <p:cNvSpPr txBox="1">
-            <a:spLocks/>
-          </p:cNvSpPr>
-          <p:nvPr/>
-        </p:nvSpPr>
-        <p:spPr>
-          <a:xfrm rot="0">
-            <a:off x="6807200" y="5041900"/>
-            <a:ext cx="4141470" cy="1138555"/>
-          </a:xfrm>
-          <a:prstGeom prst="rect"/>
-          <a:noFill/>
-        </p:spPr>
-        <p:txBody>
-          <a:bodyPr wrap="square" lIns="0" tIns="0" rIns="0" bIns="0" vert="horz" anchor="t">
-            <a:noAutofit/>
-          </a:bodyPr>
-          <a:lstStyle/>
-          <a:p>
-            <a:pPr marL="0" indent="0" algn="l" latinLnBrk="0" hangingPunct="1">
-              <a:buFontTx/>
-              <a:buNone/>
-            </a:pPr>
-            <a:r>
-              <a:rPr lang="ko-KR" sz="2000" b="1">
-                <a:solidFill>
-                  <a:srgbClr val="0611F2"/>
-                </a:solidFill>
-                <a:latin typeface="맑은 고딕" charset="0"/>
-                <a:ea typeface="맑은 고딕" charset="0"/>
-              </a:rPr>
-              <a:t>19</a:t>
-            </a:r>
-            <a:r>
-              <a:rPr sz="2000" b="1">
-                <a:solidFill>
-                  <a:srgbClr val="0611F2"/>
-                </a:solidFill>
-                <a:latin typeface="맑은 고딕" charset="0"/>
-                <a:ea typeface="맑은 고딕" charset="0"/>
-              </a:rPr>
-              <a:t>.</a:t>
-            </a:r>
-            <a:r>
-              <a:rPr sz="2000" b="1">
-                <a:solidFill>
-                  <a:srgbClr val="0611F2"/>
-                </a:solidFill>
-                <a:latin typeface="맑은 고딕" charset="0"/>
-                <a:ea typeface="맑은 고딕" charset="0"/>
-              </a:rPr>
-              <a:t> </a:t>
-            </a:r>
-            <a:r>
-              <a:rPr sz="1800">
-                <a:latin typeface="맑은 고딕" charset="0"/>
-                <a:ea typeface="맑은 고딕" charset="0"/>
-              </a:rPr>
-              <a:t>그리고 Project 폴더 아래에 있는 </a:t>
-            </a:r>
-            <a:r>
-              <a:rPr sz="1800">
-                <a:latin typeface="맑은 고딕" charset="0"/>
-                <a:ea typeface="맑은 고딕" charset="0"/>
-              </a:rPr>
-              <a:t>Texture</a:t>
-            </a:r>
-            <a:r>
-              <a:rPr sz="1800">
-                <a:latin typeface="맑은 고딕" charset="0"/>
-                <a:ea typeface="맑은 고딕" charset="0"/>
-              </a:rPr>
-              <a:t> </a:t>
-            </a:r>
-            <a:r>
-              <a:rPr sz="1800">
-                <a:latin typeface="맑은 고딕" charset="0"/>
-                <a:ea typeface="맑은 고딕" charset="0"/>
-              </a:rPr>
-              <a:t>폴더에</a:t>
-            </a:r>
-            <a:r>
-              <a:rPr sz="1800">
-                <a:latin typeface="맑은 고딕" charset="0"/>
-                <a:ea typeface="맑은 고딕" charset="0"/>
-              </a:rPr>
-              <a:t> Space Ground 텍스처를 </a:t>
-            </a:r>
-            <a:r>
-              <a:rPr sz="1800">
-                <a:latin typeface="맑은 고딕" charset="0"/>
-                <a:ea typeface="맑은 고딕" charset="0"/>
-              </a:rPr>
-              <a:t>선택하고</a:t>
-            </a:r>
-            <a:r>
-              <a:rPr sz="1800">
-                <a:latin typeface="맑은 고딕" charset="0"/>
-                <a:ea typeface="맑은 고딕" charset="0"/>
-              </a:rPr>
-              <a:t> </a:t>
-            </a:r>
-            <a:r>
-              <a:rPr sz="1800">
-                <a:latin typeface="맑은 고딕" charset="0"/>
-                <a:ea typeface="맑은 고딕" charset="0"/>
-              </a:rPr>
-              <a:t>Back Ground</a:t>
-            </a:r>
-            <a:r>
-              <a:rPr sz="1800">
-                <a:latin typeface="맑은 고딕" charset="0"/>
-                <a:ea typeface="맑은 고딕" charset="0"/>
-              </a:rPr>
-              <a:t> 오브젝트의 </a:t>
-            </a:r>
-            <a:r>
-              <a:rPr sz="1800">
-                <a:latin typeface="맑은 고딕" charset="0"/>
-                <a:ea typeface="맑은 고딕" charset="0"/>
-              </a:rPr>
-              <a:t>Source</a:t>
-            </a:r>
-            <a:r>
-              <a:rPr sz="1800">
-                <a:latin typeface="맑은 고딕" charset="0"/>
-                <a:ea typeface="맑은 고딕" charset="0"/>
-              </a:rPr>
-              <a:t> </a:t>
-            </a:r>
-            <a:r>
-              <a:rPr sz="1800">
-                <a:latin typeface="맑은 고딕" charset="0"/>
-                <a:ea typeface="맑은 고딕" charset="0"/>
-              </a:rPr>
-              <a:t>Image에</a:t>
-            </a:r>
-            <a:r>
-              <a:rPr sz="1800">
-                <a:latin typeface="맑은 고딕" charset="0"/>
-                <a:ea typeface="맑은 고딕" charset="0"/>
-              </a:rPr>
-              <a:t> </a:t>
-            </a:r>
-            <a:r>
-              <a:rPr sz="1800">
-                <a:latin typeface="맑은 고딕" charset="0"/>
-                <a:ea typeface="맑은 고딕" charset="0"/>
-              </a:rPr>
-              <a:t>넣어줍니다.</a:t>
-            </a:r>
-            <a:endParaRPr lang="ko-KR" altLang="en-US" sz="1800">
-              <a:latin typeface="맑은 고딕" charset="0"/>
-              <a:ea typeface="맑은 고딕" charset="0"/>
-            </a:endParaRPr>
-          </a:p>
-        </p:txBody>
-      </p:sp>
-      <p:pic>
-        <p:nvPicPr>
-          <p:cNvPr id="1073" name="그림 60" descr="C:/Users/Admin1/AppData/Roaming/PolarisOffice/ETemp/21916_16244272/fImage90643028145.png"/>
-          <p:cNvPicPr>
-            <a:picLocks noChangeAspect="1"/>
-          </p:cNvPicPr>
-          <p:nvPr/>
-        </p:nvPicPr>
-        <p:blipFill rotWithShape="1">
-          <a:blip r:embed="rId2" cstate="print">
-            <a:extLst>
-              <a:ext uri="{28A0092B-C50C-407E-A947-70E740481C1C}">
-                <a14:useLocalDpi xmlns:a14="http://schemas.microsoft.com/office/drawing/2010/main" val="0"/>
-              </a:ext>
-            </a:extLst>
-          </a:blip>
-          <a:stretch>
-            <a:fillRect/>
-          </a:stretch>
-        </p:blipFill>
-        <p:spPr>
-          <a:xfrm rot="0">
-            <a:off x="1233170" y="1447165"/>
-            <a:ext cx="1274445" cy="1247775"/>
-          </a:xfrm>
-          <a:prstGeom prst="roundRect"/>
-          <a:solidFill>
-            <a:srgbClr val="EDEDED"/>
-          </a:solidFill>
-        </p:spPr>
-      </p:pic>
-      <p:pic>
-        <p:nvPicPr>
-          <p:cNvPr id="1074" name="그림 63" descr="C:/Users/Admin1/AppData/Roaming/PolarisOffice/ETemp/21916_16244272/fImage56453033281.png"/>
-          <p:cNvPicPr>
-            <a:picLocks noChangeAspect="1"/>
-          </p:cNvPicPr>
-          <p:nvPr/>
-        </p:nvPicPr>
-        <p:blipFill rotWithShape="1">
-          <a:blip r:embed="rId3" cstate="print">
-            <a:extLst>
-              <a:ext uri="{28A0092B-C50C-407E-A947-70E740481C1C}">
-                <a14:useLocalDpi xmlns:a14="http://schemas.microsoft.com/office/drawing/2010/main" val="0"/>
-              </a:ext>
-            </a:extLst>
-          </a:blip>
-          <a:stretch>
-            <a:fillRect/>
-          </a:stretch>
-        </p:blipFill>
-        <p:spPr>
-          <a:xfrm rot="0">
-            <a:off x="2592705" y="1447165"/>
-            <a:ext cx="2791460" cy="1257935"/>
-          </a:xfrm>
-          <a:prstGeom prst="roundRect"/>
-          <a:solidFill>
-            <a:srgbClr val="EDEDED"/>
-          </a:solidFill>
-        </p:spPr>
-      </p:pic>
-      <p:cxnSp>
-        <p:nvCxnSpPr>
-          <p:cNvPr id="1075" name="도형 66"/>
-          <p:cNvCxnSpPr/>
-          <p:nvPr/>
-        </p:nvCxnSpPr>
-        <p:spPr>
-          <a:xfrm rot="0">
-            <a:off x="2256790" y="1894840"/>
-            <a:ext cx="1224280" cy="293370"/>
-          </a:xfrm>
-          <a:prstGeom prst="straightConnector1"/>
-          <a:ln w="6350" cap="flat" cmpd="sng">
-            <a:prstDash/>
-            <a:headEnd type="none" w="med" len="med"/>
-            <a:tailEnd type="triangle" w="med" len="med"/>
-          </a:ln>
-        </p:spPr>
-        <p:style>
-          <a:lnRef idx="1">
-            <a:schemeClr val="accent1"/>
-          </a:lnRef>
-          <a:fillRef idx="0">
-            <a:schemeClr val="accent1"/>
-          </a:fillRef>
-          <a:effectRef idx="0">
-            <a:schemeClr val="accent1"/>
-          </a:effectRef>
-          <a:fontRef idx="minor">
-            <a:schemeClr val="tx1"/>
-          </a:fontRef>
-        </p:style>
-      </p:cxnSp>
-      <p:sp>
-        <p:nvSpPr>
-          <p:cNvPr id="1076" name="텍스트 상자 67"/>
-          <p:cNvSpPr txBox="1">
-            <a:spLocks/>
-          </p:cNvSpPr>
-          <p:nvPr/>
-        </p:nvSpPr>
-        <p:spPr>
-          <a:xfrm rot="0">
-            <a:off x="1234440" y="2810510"/>
-            <a:ext cx="4141470" cy="954405"/>
-          </a:xfrm>
-          <a:prstGeom prst="rect"/>
-          <a:noFill/>
-          <a:ln w="0">
-            <a:noFill/>
-            <a:prstDash/>
-          </a:ln>
-        </p:spPr>
-        <p:txBody>
-          <a:bodyPr wrap="square" lIns="89535" tIns="46355" rIns="89535" bIns="46355" numCol="1" vert="horz" anchor="t">
-            <a:spAutoFit/>
-          </a:bodyPr>
-          <a:lstStyle/>
-          <a:p>
-            <a:pPr marL="0" indent="0" algn="l" latinLnBrk="0" hangingPunct="1">
-              <a:buFontTx/>
-              <a:buNone/>
-            </a:pPr>
-            <a:r>
-              <a:rPr lang="ko-KR" sz="2000" b="1">
-                <a:solidFill>
-                  <a:srgbClr val="0611F2"/>
-                </a:solidFill>
-                <a:latin typeface="맑은 고딕" charset="0"/>
-                <a:ea typeface="맑은 고딕" charset="0"/>
-              </a:rPr>
-              <a:t>17</a:t>
-            </a:r>
-            <a:r>
-              <a:rPr sz="2000" b="1">
-                <a:solidFill>
-                  <a:srgbClr val="0611F2"/>
-                </a:solidFill>
-                <a:latin typeface="맑은 고딕" charset="0"/>
-                <a:ea typeface="맑은 고딕" charset="0"/>
-              </a:rPr>
-              <a:t>.</a:t>
-            </a:r>
-            <a:r>
-              <a:rPr sz="2000" b="1">
-                <a:solidFill>
-                  <a:srgbClr val="0611F2"/>
-                </a:solidFill>
-                <a:latin typeface="맑은 고딕" charset="0"/>
-                <a:ea typeface="맑은 고딕" charset="0"/>
-              </a:rPr>
-              <a:t> </a:t>
-            </a:r>
-            <a:r>
-              <a:rPr lang="ko-KR" sz="1800">
-                <a:latin typeface="맑은 고딕" charset="0"/>
-                <a:ea typeface="맑은 고딕" charset="0"/>
-              </a:rPr>
-              <a:t>그러고 나서 Create Button </a:t>
-            </a:r>
-            <a:r>
-              <a:rPr lang="ko-KR" sz="1800">
-                <a:latin typeface="맑은 고딕" charset="0"/>
-                <a:ea typeface="맑은 고딕" charset="0"/>
-              </a:rPr>
-              <a:t>오브젝트의</a:t>
-            </a:r>
-            <a:r>
-              <a:rPr lang="ko-KR" sz="1800">
-                <a:latin typeface="맑은 고딕" charset="0"/>
-                <a:ea typeface="맑은 고딕" charset="0"/>
-              </a:rPr>
-              <a:t> </a:t>
-            </a:r>
-            <a:r>
-              <a:rPr lang="ko-KR" sz="1800">
-                <a:latin typeface="맑은 고딕" charset="0"/>
-                <a:ea typeface="맑은 고딕" charset="0"/>
-              </a:rPr>
-              <a:t>On Click( ) 함수에 Create </a:t>
-            </a:r>
-            <a:r>
-              <a:rPr lang="ko-KR" sz="1800">
-                <a:latin typeface="맑은 고딕" charset="0"/>
-                <a:ea typeface="맑은 고딕" charset="0"/>
-              </a:rPr>
-              <a:t>Object</a:t>
-            </a:r>
-            <a:r>
-              <a:rPr lang="ko-KR" sz="1800">
-                <a:latin typeface="맑은 고딕" charset="0"/>
-                <a:ea typeface="맑은 고딕" charset="0"/>
-              </a:rPr>
-              <a:t>를</a:t>
-            </a:r>
-            <a:r>
-              <a:rPr lang="ko-KR" sz="1800">
-                <a:latin typeface="맑은 고딕" charset="0"/>
-                <a:ea typeface="맑은 고딕" charset="0"/>
-              </a:rPr>
-              <a:t> 넣어줍니다.</a:t>
-            </a:r>
-            <a:endParaRPr lang="ko-KR" altLang="en-US" sz="1800">
-              <a:latin typeface="맑은 고딕" charset="0"/>
-              <a:ea typeface="맑은 고딕" charset="0"/>
-            </a:endParaRPr>
-          </a:p>
-        </p:txBody>
-      </p:sp>
-      <p:pic>
-        <p:nvPicPr>
-          <p:cNvPr id="1077" name="그림 68" descr="C:/Users/Admin1/AppData/Roaming/PolarisOffice/ETemp/21916_16244272/fImage60353066827.png"/>
-          <p:cNvPicPr>
-            <a:picLocks noChangeAspect="1"/>
-          </p:cNvPicPr>
-          <p:nvPr/>
-        </p:nvPicPr>
-        <p:blipFill rotWithShape="1">
-          <a:blip r:embed="rId4" cstate="print">
-            <a:extLst>
-              <a:ext uri="{28A0092B-C50C-407E-A947-70E740481C1C}">
-                <a14:useLocalDpi xmlns:a14="http://schemas.microsoft.com/office/drawing/2010/main" val="0"/>
-              </a:ext>
-            </a:extLst>
-          </a:blip>
-          <a:stretch>
-            <a:fillRect/>
-          </a:stretch>
-        </p:blipFill>
-        <p:spPr>
-          <a:xfrm rot="0">
-            <a:off x="1239520" y="3919220"/>
-            <a:ext cx="4136390" cy="1498600"/>
-          </a:xfrm>
-          <a:prstGeom prst="roundRect"/>
-          <a:solidFill>
-            <a:srgbClr val="EDEDED"/>
-          </a:solidFill>
-        </p:spPr>
-      </p:pic>
-      <p:pic>
-        <p:nvPicPr>
-          <p:cNvPr id="1078" name="그림 71" descr="C:/Users/Admin1/AppData/Roaming/PolarisOffice/ETemp/21916_16244272/fImage173613079961.png"/>
-          <p:cNvPicPr>
-            <a:picLocks noChangeAspect="1"/>
-          </p:cNvPicPr>
-          <p:nvPr/>
-        </p:nvPicPr>
-        <p:blipFill rotWithShape="1">
-          <a:blip r:embed="rId5" cstate="print">
-            <a:extLst>
-              <a:ext uri="{28A0092B-C50C-407E-A947-70E740481C1C}">
-                <a14:useLocalDpi xmlns:a14="http://schemas.microsoft.com/office/drawing/2010/main" val="0"/>
-              </a:ext>
-            </a:extLst>
-          </a:blip>
-          <a:stretch>
-            <a:fillRect/>
-          </a:stretch>
-        </p:blipFill>
-        <p:spPr>
-          <a:xfrm rot="0">
-            <a:off x="6802120" y="1438275"/>
-            <a:ext cx="4146550" cy="2240280"/>
-          </a:xfrm>
-          <a:prstGeom prst="roundRect"/>
-          <a:solidFill>
-            <a:srgbClr val="EDEDED"/>
-          </a:solidFill>
-        </p:spPr>
-      </p:pic>
-      <p:pic>
-        <p:nvPicPr>
-          <p:cNvPr id="1079" name="그림 74" descr="C:/Users/Admin1/AppData/Roaming/PolarisOffice/ETemp/21916_16244272/fImage27694308491.png"/>
-          <p:cNvPicPr>
-            <a:picLocks noChangeAspect="1"/>
-          </p:cNvPicPr>
-          <p:nvPr/>
-        </p:nvPicPr>
-        <p:blipFill rotWithShape="1">
-          <a:blip r:embed="rId6" cstate="print">
-            <a:extLst>
-              <a:ext uri="{28A0092B-C50C-407E-A947-70E740481C1C}">
-                <a14:useLocalDpi xmlns:a14="http://schemas.microsoft.com/office/drawing/2010/main" val="0"/>
-              </a:ext>
-            </a:extLst>
-          </a:blip>
-          <a:stretch>
-            <a:fillRect/>
-          </a:stretch>
-        </p:blipFill>
-        <p:spPr>
-          <a:xfrm rot="0">
-            <a:off x="6817360" y="3841750"/>
-            <a:ext cx="4131310" cy="1051560"/>
-          </a:xfrm>
-          <a:prstGeom prst="roundRect"/>
-          <a:solidFill>
-            <a:srgbClr val="EDEDED"/>
-          </a:solidFill>
-        </p:spPr>
-      </p:pic>
-      <p:cxnSp>
-        <p:nvCxnSpPr>
-          <p:cNvPr id="1080" name="도형 77"/>
-          <p:cNvCxnSpPr/>
-          <p:nvPr/>
-        </p:nvCxnSpPr>
-        <p:spPr>
-          <a:xfrm rot="0" flipV="1">
-            <a:off x="9630410" y="1765935"/>
-            <a:ext cx="1206500" cy="2429510"/>
-          </a:xfrm>
-          <a:prstGeom prst="straightConnector1"/>
-          <a:ln w="6350" cap="flat" cmpd="sng">
-            <a:prstDash/>
-            <a:headEnd type="none" w="med" len="med"/>
-            <a:tailEnd type="triangle" w="med" len="med"/>
-          </a:ln>
-        </p:spPr>
-        <p:style>
-          <a:lnRef idx="1">
-            <a:schemeClr val="accent1"/>
-          </a:lnRef>
-          <a:fillRef idx="0">
-            <a:schemeClr val="accent1"/>
-          </a:fillRef>
-          <a:effectRef idx="0">
-            <a:schemeClr val="accent1"/>
-          </a:effectRef>
-          <a:fontRef idx="minor">
-            <a:schemeClr val="tx1"/>
-          </a:fontRef>
-        </p:style>
-      </p:cxnSp>
     </p:spTree>
   </p:cSld>
   <p:clrMapOvr>
